--- a/slides/T319_Regressão_Linear (Parte II).pptx
+++ b/slides/T319_Regressão_Linear (Parte II).pptx
@@ -541,7 +541,7 @@
           <a:p>
             <a:fld id="{DAF0AF11-6A8A-4E64-94F5-26D4FBA2A01D}" type="datetimeFigureOut">
               <a:rPr lang="nl-BE" smtClean="0"/>
-              <a:t>28/04/2021</a:t>
+              <a:t>1/05/2021</a:t>
             </a:fld>
             <a:endParaRPr lang="nl-BE"/>
           </a:p>
@@ -5935,7 +5935,7 @@
           <a:p>
             <a:fld id="{C80E15A5-E95B-43EB-9AC7-9A96397448C0}" type="datetimeFigureOut">
               <a:rPr lang="nl-BE" smtClean="0"/>
-              <a:t>28/04/2021</a:t>
+              <a:t>1/05/2021</a:t>
             </a:fld>
             <a:endParaRPr lang="nl-BE"/>
           </a:p>
@@ -6105,7 +6105,7 @@
           <a:p>
             <a:fld id="{C80E15A5-E95B-43EB-9AC7-9A96397448C0}" type="datetimeFigureOut">
               <a:rPr lang="nl-BE" smtClean="0"/>
-              <a:t>28/04/2021</a:t>
+              <a:t>1/05/2021</a:t>
             </a:fld>
             <a:endParaRPr lang="nl-BE"/>
           </a:p>
@@ -6285,7 +6285,7 @@
           <a:p>
             <a:fld id="{C80E15A5-E95B-43EB-9AC7-9A96397448C0}" type="datetimeFigureOut">
               <a:rPr lang="nl-BE" smtClean="0"/>
-              <a:t>28/04/2021</a:t>
+              <a:t>1/05/2021</a:t>
             </a:fld>
             <a:endParaRPr lang="nl-BE"/>
           </a:p>
@@ -6455,7 +6455,7 @@
           <a:p>
             <a:fld id="{C80E15A5-E95B-43EB-9AC7-9A96397448C0}" type="datetimeFigureOut">
               <a:rPr lang="nl-BE" smtClean="0"/>
-              <a:t>28/04/2021</a:t>
+              <a:t>1/05/2021</a:t>
             </a:fld>
             <a:endParaRPr lang="nl-BE"/>
           </a:p>
@@ -6701,7 +6701,7 @@
           <a:p>
             <a:fld id="{C80E15A5-E95B-43EB-9AC7-9A96397448C0}" type="datetimeFigureOut">
               <a:rPr lang="nl-BE" smtClean="0"/>
-              <a:t>28/04/2021</a:t>
+              <a:t>1/05/2021</a:t>
             </a:fld>
             <a:endParaRPr lang="nl-BE"/>
           </a:p>
@@ -6933,7 +6933,7 @@
           <a:p>
             <a:fld id="{C80E15A5-E95B-43EB-9AC7-9A96397448C0}" type="datetimeFigureOut">
               <a:rPr lang="nl-BE" smtClean="0"/>
-              <a:t>28/04/2021</a:t>
+              <a:t>1/05/2021</a:t>
             </a:fld>
             <a:endParaRPr lang="nl-BE"/>
           </a:p>
@@ -7300,7 +7300,7 @@
           <a:p>
             <a:fld id="{C80E15A5-E95B-43EB-9AC7-9A96397448C0}" type="datetimeFigureOut">
               <a:rPr lang="nl-BE" smtClean="0"/>
-              <a:t>28/04/2021</a:t>
+              <a:t>1/05/2021</a:t>
             </a:fld>
             <a:endParaRPr lang="nl-BE"/>
           </a:p>
@@ -7418,7 +7418,7 @@
           <a:p>
             <a:fld id="{C80E15A5-E95B-43EB-9AC7-9A96397448C0}" type="datetimeFigureOut">
               <a:rPr lang="nl-BE" smtClean="0"/>
-              <a:t>28/04/2021</a:t>
+              <a:t>1/05/2021</a:t>
             </a:fld>
             <a:endParaRPr lang="nl-BE"/>
           </a:p>
@@ -7513,7 +7513,7 @@
           <a:p>
             <a:fld id="{C80E15A5-E95B-43EB-9AC7-9A96397448C0}" type="datetimeFigureOut">
               <a:rPr lang="nl-BE" smtClean="0"/>
-              <a:t>28/04/2021</a:t>
+              <a:t>1/05/2021</a:t>
             </a:fld>
             <a:endParaRPr lang="nl-BE"/>
           </a:p>
@@ -7790,7 +7790,7 @@
           <a:p>
             <a:fld id="{C80E15A5-E95B-43EB-9AC7-9A96397448C0}" type="datetimeFigureOut">
               <a:rPr lang="nl-BE" smtClean="0"/>
-              <a:t>28/04/2021</a:t>
+              <a:t>1/05/2021</a:t>
             </a:fld>
             <a:endParaRPr lang="nl-BE"/>
           </a:p>
@@ -8043,7 +8043,7 @@
           <a:p>
             <a:fld id="{C80E15A5-E95B-43EB-9AC7-9A96397448C0}" type="datetimeFigureOut">
               <a:rPr lang="nl-BE" smtClean="0"/>
-              <a:t>28/04/2021</a:t>
+              <a:t>1/05/2021</a:t>
             </a:fld>
             <a:endParaRPr lang="nl-BE"/>
           </a:p>
@@ -8256,7 +8256,7 @@
           <a:p>
             <a:fld id="{C80E15A5-E95B-43EB-9AC7-9A96397448C0}" type="datetimeFigureOut">
               <a:rPr lang="nl-BE" smtClean="0"/>
-              <a:t>28/04/2021</a:t>
+              <a:t>1/05/2021</a:t>
             </a:fld>
             <a:endParaRPr lang="nl-BE"/>
           </a:p>
@@ -8666,7 +8666,7 @@
           <p:cNvPr id="2" name="Título 1">
             <a:extLst>
               <a:ext uri="{FF2B5EF4-FFF2-40B4-BE49-F238E27FC236}">
-                <a16:creationId xmlns:a16="http://schemas.microsoft.com/office/drawing/2014/main" xmlns="" id="{32666AC8-2E17-4DB4-B0F5-60C640CCFD2E}"/>
+                <a16:creationId xmlns="" xmlns:a16="http://schemas.microsoft.com/office/drawing/2014/main" id="{32666AC8-2E17-4DB4-B0F5-60C640CCFD2E}"/>
               </a:ext>
             </a:extLst>
           </p:cNvPr>
@@ -8725,7 +8725,7 @@
           <p:cNvPr id="4" name="CaixaDeTexto 3">
             <a:extLst>
               <a:ext uri="{FF2B5EF4-FFF2-40B4-BE49-F238E27FC236}">
-                <a16:creationId xmlns:a16="http://schemas.microsoft.com/office/drawing/2014/main" xmlns="" id="{430EB894-B7D4-434C-9D1A-A14094D9BEEC}"/>
+                <a16:creationId xmlns="" xmlns:a16="http://schemas.microsoft.com/office/drawing/2014/main" id="{430EB894-B7D4-434C-9D1A-A14094D9BEEC}"/>
               </a:ext>
             </a:extLst>
           </p:cNvPr>
@@ -8766,7 +8766,7 @@
           <p:cNvPr id="1026" name="Picture 2" descr="Logo">
             <a:extLst>
               <a:ext uri="{FF2B5EF4-FFF2-40B4-BE49-F238E27FC236}">
-                <a16:creationId xmlns:a16="http://schemas.microsoft.com/office/drawing/2014/main" xmlns="" id="{3F2642E0-4F6A-4196-8F58-E77D36E9A33F}"/>
+                <a16:creationId xmlns="" xmlns:a16="http://schemas.microsoft.com/office/drawing/2014/main" id="{3F2642E0-4F6A-4196-8F58-E77D36E9A33F}"/>
               </a:ext>
             </a:extLst>
           </p:cNvPr>
@@ -8811,7 +8811,7 @@
           <p:cNvPr id="5122" name="Picture 2" descr="Image result for machine learning">
             <a:extLst>
               <a:ext uri="{FF2B5EF4-FFF2-40B4-BE49-F238E27FC236}">
-                <a16:creationId xmlns:a16="http://schemas.microsoft.com/office/drawing/2014/main" xmlns="" id="{810CE0A2-4102-44A6-A370-175E7896CDCB}"/>
+                <a16:creationId xmlns="" xmlns:a16="http://schemas.microsoft.com/office/drawing/2014/main" id="{810CE0A2-4102-44A6-A370-175E7896CDCB}"/>
               </a:ext>
             </a:extLst>
           </p:cNvPr>
@@ -8919,8 +8919,8 @@
           </a:p>
         </p:txBody>
       </p:sp>
-      <mc:AlternateContent xmlns:mc="http://schemas.openxmlformats.org/markup-compatibility/2006">
-        <mc:Choice xmlns:a14="http://schemas.microsoft.com/office/drawing/2010/main" Requires="a14">
+      <mc:AlternateContent xmlns:mc="http://schemas.openxmlformats.org/markup-compatibility/2006" xmlns:a14="http://schemas.microsoft.com/office/drawing/2010/main">
+        <mc:Choice Requires="a14">
           <p:sp>
             <p:nvSpPr>
               <p:cNvPr id="3" name="Content Placeholder 2"/>
@@ -8950,11 +8950,7 @@
                 </a:pPr>
                 <a:r>
                   <a:rPr lang="pt-BR" dirty="0" smtClean="0"/>
-                  <a:t>Segue diretamente para o mínimo global</a:t>
-                </a:r>
-                <a:r>
-                  <a:rPr lang="pt-BR" dirty="0" smtClean="0"/>
-                  <a:t>.</a:t>
+                  <a:t>Segue diretamente para o mínimo global.</a:t>
                 </a:r>
               </a:p>
               <a:p>
@@ -8965,15 +8961,7 @@
                 </a:pPr>
                 <a:r>
                   <a:rPr lang="pt-BR" dirty="0" smtClean="0"/>
-                  <a:t>Atinge o mínimo global em </a:t>
-                </a:r>
-                <a:r>
-                  <a:rPr lang="pt-BR" dirty="0" smtClean="0"/>
-                  <a:t>aproximadamente 3 </a:t>
-                </a:r>
-                <a:r>
-                  <a:rPr lang="pt-BR" dirty="0" smtClean="0"/>
-                  <a:t>épocas.</a:t>
+                  <a:t>Atinge o mínimo global em aproximadamente 3 épocas.</a:t>
                 </a:r>
                 <a:endParaRPr lang="pt-BR" dirty="0"/>
               </a:p>
@@ -9099,7 +9087,7 @@
             </p:txBody>
           </p:sp>
         </mc:Choice>
-        <mc:Fallback>
+        <mc:Fallback xmlns="">
           <p:sp>
             <p:nvSpPr>
               <p:cNvPr id="3" name="Content Placeholder 2"/>
@@ -10111,8 +10099,8 @@
           </a:prstGeom>
         </p:spPr>
       </p:pic>
-      <mc:AlternateContent xmlns:mc="http://schemas.openxmlformats.org/markup-compatibility/2006">
-        <mc:Choice xmlns:a14="http://schemas.microsoft.com/office/drawing/2010/main" Requires="a14">
+      <mc:AlternateContent xmlns:mc="http://schemas.openxmlformats.org/markup-compatibility/2006" xmlns:a14="http://schemas.microsoft.com/office/drawing/2010/main">
+        <mc:Choice Requires="a14">
           <p:sp>
             <p:nvSpPr>
               <p:cNvPr id="12" name="Content Placeholder 2"/>
@@ -10166,21 +10154,8 @@
                 </a:pPr>
                 <a:r>
                   <a:rPr lang="pt-BR" dirty="0"/>
-                  <a:t>Por aproximar o gradiente com apenas um exemplo, nem sempre </a:t>
-                </a:r>
-                <a:r>
-                  <a:rPr lang="pt-BR" dirty="0"/>
-                  <a:t>irá </a:t>
-                </a:r>
-                <a:r>
-                  <a:rPr lang="pt-BR" dirty="0"/>
-                  <a:t>na direção ideal, porque as derivadas parciais são </a:t>
-                </a:r>
-                <a:r>
-                  <a:rPr lang="pt-BR" dirty="0"/>
-                  <a:t>”ruidosas”. </a:t>
-                </a:r>
-                <a:endParaRPr lang="pt-BR" dirty="0"/>
+                  <a:t>Por aproximar o gradiente com apenas um exemplo, nem sempre irá na direção ideal, porque as derivadas parciais são ”ruidosas”. </a:t>
+                </a:r>
               </a:p>
               <a:p>
                 <a:pPr>
@@ -10190,11 +10165,7 @@
                 </a:pPr>
                 <a:r>
                   <a:rPr lang="pt-BR" dirty="0"/>
-                  <a:t>O algoritmo não </a:t>
-                </a:r>
-                <a:r>
-                  <a:rPr lang="pt-BR" dirty="0"/>
-                  <a:t>converge suavemente para o </a:t>
+                  <a:t>O algoritmo não converge suavemente para o </a:t>
                 </a:r>
                 <a:r>
                   <a:rPr lang="pt-BR" dirty="0" smtClean="0"/>
@@ -10221,23 +10192,7 @@
                 </a:pPr>
                 <a:r>
                   <a:rPr lang="pt-BR" dirty="0"/>
-                  <a:t>Quando </a:t>
-                </a:r>
-                <a:r>
-                  <a:rPr lang="pt-BR" dirty="0"/>
-                  <a:t>o treinamento termina, </a:t>
-                </a:r>
-                <a:r>
-                  <a:rPr lang="pt-BR" dirty="0"/>
-                  <a:t>os valores finais dos </a:t>
-                </a:r>
-                <a:r>
-                  <a:rPr lang="pt-BR" dirty="0"/>
-                  <a:t>pesos são </a:t>
-                </a:r>
-                <a:r>
-                  <a:rPr lang="pt-BR" dirty="0"/>
-                  <a:t>bons, mas não são ótimos.</a:t>
+                  <a:t>Quando o treinamento termina, os valores finais dos pesos são bons, mas não são ótimos.</a:t>
                 </a:r>
               </a:p>
               <a:p>
@@ -10312,7 +10267,7 @@
             </p:txBody>
           </p:sp>
         </mc:Choice>
-        <mc:Fallback>
+        <mc:Fallback xmlns="">
           <p:sp>
             <p:nvSpPr>
               <p:cNvPr id="12" name="Content Placeholder 2"/>
@@ -10392,7 +10347,7 @@
           <p:cNvPr id="11" name="Retângulo 10">
             <a:extLst>
               <a:ext uri="{FF2B5EF4-FFF2-40B4-BE49-F238E27FC236}">
-                <a16:creationId xmlns:a16="http://schemas.microsoft.com/office/drawing/2014/main" xmlns="" id="{E2309C86-E375-49C0-9806-F51EAEDC56A2}"/>
+                <a16:creationId xmlns="" xmlns:a16="http://schemas.microsoft.com/office/drawing/2014/main" id="{E2309C86-E375-49C0-9806-F51EAEDC56A2}"/>
               </a:ext>
             </a:extLst>
           </p:cNvPr>
@@ -12484,11 +12439,7 @@
           <a:p>
             <a:r>
               <a:rPr lang="pt-BR" dirty="0" smtClean="0"/>
-              <a:t>GD </a:t>
-            </a:r>
-            <a:r>
-              <a:rPr lang="pt-BR" dirty="0" smtClean="0"/>
-              <a:t>Estocástico com Scikit-Learn </a:t>
+              <a:t>GD Estocástico com Scikit-Learn </a:t>
             </a:r>
             <a:endParaRPr lang="pt-BR" dirty="0"/>
           </a:p>
@@ -12568,11 +12519,7 @@
           <a:p>
             <a:r>
               <a:rPr lang="pt-BR" sz="2400" dirty="0" smtClean="0"/>
-              <a:t>Além da versão estocástica, podemos implementar a versão em mini-batches com </a:t>
-            </a:r>
-            <a:r>
-              <a:rPr lang="pt-BR" sz="2400" dirty="0" smtClean="0"/>
-              <a:t>a classe </a:t>
+              <a:t>Além da versão estocástica, podemos implementar a versão em mini-batches com a classe </a:t>
             </a:r>
             <a:r>
               <a:rPr lang="pt-BR" sz="2400" b="1" i="1" dirty="0" smtClean="0"/>
@@ -12580,11 +12527,7 @@
             </a:r>
             <a:r>
               <a:rPr lang="pt-BR" sz="2400" dirty="0" smtClean="0"/>
-              <a:t> </a:t>
-            </a:r>
-            <a:r>
-              <a:rPr lang="pt-BR" sz="2400" dirty="0" smtClean="0"/>
-              <a:t>usando o método </a:t>
+              <a:t> usando o método </a:t>
             </a:r>
             <a:r>
               <a:rPr lang="pt-BR" sz="2400" b="1" i="1" dirty="0" smtClean="0"/>
@@ -12632,11 +12575,7 @@
           <a:p>
             <a:r>
               <a:rPr lang="pt-BR" sz="2400" dirty="0" smtClean="0"/>
-              <a:t>Porém, não </a:t>
-            </a:r>
-            <a:r>
-              <a:rPr lang="pt-BR" sz="2400" dirty="0" smtClean="0"/>
-              <a:t>conseguimos implementar a versão em batelada.</a:t>
+              <a:t>Porém, não conseguimos implementar a versão em batelada.</a:t>
             </a:r>
             <a:endParaRPr lang="pt-BR" sz="2400" dirty="0"/>
           </a:p>
@@ -12647,7 +12586,7 @@
           <p:cNvPr id="4" name="Picture 6" descr="Image result for scikit learn logo">
             <a:extLst>
               <a:ext uri="{FF2B5EF4-FFF2-40B4-BE49-F238E27FC236}">
-                <a16:creationId xmlns:a16="http://schemas.microsoft.com/office/drawing/2014/main" xmlns="" id="{87129D40-D136-4716-8871-12CAEC603994}"/>
+                <a16:creationId xmlns="" xmlns:a16="http://schemas.microsoft.com/office/drawing/2014/main" id="{87129D40-D136-4716-8871-12CAEC603994}"/>
               </a:ext>
             </a:extLst>
           </p:cNvPr>
@@ -14317,7 +14256,7 @@
           <p:cNvPr id="4" name="Título 1">
             <a:extLst>
               <a:ext uri="{FF2B5EF4-FFF2-40B4-BE49-F238E27FC236}">
-                <a16:creationId xmlns:a16="http://schemas.microsoft.com/office/drawing/2014/main" xmlns="" id="{32666AC8-2E17-4DB4-B0F5-60C640CCFD2E}"/>
+                <a16:creationId xmlns="" xmlns:a16="http://schemas.microsoft.com/office/drawing/2014/main" id="{32666AC8-2E17-4DB4-B0F5-60C640CCFD2E}"/>
               </a:ext>
             </a:extLst>
           </p:cNvPr>

--- a/slides/T319_Regressão_Linear (Parte II).pptx
+++ b/slides/T319_Regressão_Linear (Parte II).pptx
@@ -541,7 +541,7 @@
           <a:p>
             <a:fld id="{DAF0AF11-6A8A-4E64-94F5-26D4FBA2A01D}" type="datetimeFigureOut">
               <a:rPr lang="nl-BE" smtClean="0"/>
-              <a:t>1/05/2021</a:t>
+              <a:t>2/05/2021</a:t>
             </a:fld>
             <a:endParaRPr lang="nl-BE"/>
           </a:p>
@@ -5935,7 +5935,7 @@
           <a:p>
             <a:fld id="{C80E15A5-E95B-43EB-9AC7-9A96397448C0}" type="datetimeFigureOut">
               <a:rPr lang="nl-BE" smtClean="0"/>
-              <a:t>1/05/2021</a:t>
+              <a:t>2/05/2021</a:t>
             </a:fld>
             <a:endParaRPr lang="nl-BE"/>
           </a:p>
@@ -6105,7 +6105,7 @@
           <a:p>
             <a:fld id="{C80E15A5-E95B-43EB-9AC7-9A96397448C0}" type="datetimeFigureOut">
               <a:rPr lang="nl-BE" smtClean="0"/>
-              <a:t>1/05/2021</a:t>
+              <a:t>2/05/2021</a:t>
             </a:fld>
             <a:endParaRPr lang="nl-BE"/>
           </a:p>
@@ -6285,7 +6285,7 @@
           <a:p>
             <a:fld id="{C80E15A5-E95B-43EB-9AC7-9A96397448C0}" type="datetimeFigureOut">
               <a:rPr lang="nl-BE" smtClean="0"/>
-              <a:t>1/05/2021</a:t>
+              <a:t>2/05/2021</a:t>
             </a:fld>
             <a:endParaRPr lang="nl-BE"/>
           </a:p>
@@ -6455,7 +6455,7 @@
           <a:p>
             <a:fld id="{C80E15A5-E95B-43EB-9AC7-9A96397448C0}" type="datetimeFigureOut">
               <a:rPr lang="nl-BE" smtClean="0"/>
-              <a:t>1/05/2021</a:t>
+              <a:t>2/05/2021</a:t>
             </a:fld>
             <a:endParaRPr lang="nl-BE"/>
           </a:p>
@@ -6701,7 +6701,7 @@
           <a:p>
             <a:fld id="{C80E15A5-E95B-43EB-9AC7-9A96397448C0}" type="datetimeFigureOut">
               <a:rPr lang="nl-BE" smtClean="0"/>
-              <a:t>1/05/2021</a:t>
+              <a:t>2/05/2021</a:t>
             </a:fld>
             <a:endParaRPr lang="nl-BE"/>
           </a:p>
@@ -6933,7 +6933,7 @@
           <a:p>
             <a:fld id="{C80E15A5-E95B-43EB-9AC7-9A96397448C0}" type="datetimeFigureOut">
               <a:rPr lang="nl-BE" smtClean="0"/>
-              <a:t>1/05/2021</a:t>
+              <a:t>2/05/2021</a:t>
             </a:fld>
             <a:endParaRPr lang="nl-BE"/>
           </a:p>
@@ -7300,7 +7300,7 @@
           <a:p>
             <a:fld id="{C80E15A5-E95B-43EB-9AC7-9A96397448C0}" type="datetimeFigureOut">
               <a:rPr lang="nl-BE" smtClean="0"/>
-              <a:t>1/05/2021</a:t>
+              <a:t>2/05/2021</a:t>
             </a:fld>
             <a:endParaRPr lang="nl-BE"/>
           </a:p>
@@ -7418,7 +7418,7 @@
           <a:p>
             <a:fld id="{C80E15A5-E95B-43EB-9AC7-9A96397448C0}" type="datetimeFigureOut">
               <a:rPr lang="nl-BE" smtClean="0"/>
-              <a:t>1/05/2021</a:t>
+              <a:t>2/05/2021</a:t>
             </a:fld>
             <a:endParaRPr lang="nl-BE"/>
           </a:p>
@@ -7513,7 +7513,7 @@
           <a:p>
             <a:fld id="{C80E15A5-E95B-43EB-9AC7-9A96397448C0}" type="datetimeFigureOut">
               <a:rPr lang="nl-BE" smtClean="0"/>
-              <a:t>1/05/2021</a:t>
+              <a:t>2/05/2021</a:t>
             </a:fld>
             <a:endParaRPr lang="nl-BE"/>
           </a:p>
@@ -7790,7 +7790,7 @@
           <a:p>
             <a:fld id="{C80E15A5-E95B-43EB-9AC7-9A96397448C0}" type="datetimeFigureOut">
               <a:rPr lang="nl-BE" smtClean="0"/>
-              <a:t>1/05/2021</a:t>
+              <a:t>2/05/2021</a:t>
             </a:fld>
             <a:endParaRPr lang="nl-BE"/>
           </a:p>
@@ -8043,7 +8043,7 @@
           <a:p>
             <a:fld id="{C80E15A5-E95B-43EB-9AC7-9A96397448C0}" type="datetimeFigureOut">
               <a:rPr lang="nl-BE" smtClean="0"/>
-              <a:t>1/05/2021</a:t>
+              <a:t>2/05/2021</a:t>
             </a:fld>
             <a:endParaRPr lang="nl-BE"/>
           </a:p>
@@ -8256,7 +8256,7 @@
           <a:p>
             <a:fld id="{C80E15A5-E95B-43EB-9AC7-9A96397448C0}" type="datetimeFigureOut">
               <a:rPr lang="nl-BE" smtClean="0"/>
-              <a:t>1/05/2021</a:t>
+              <a:t>2/05/2021</a:t>
             </a:fld>
             <a:endParaRPr lang="nl-BE"/>
           </a:p>
@@ -8666,7 +8666,7 @@
           <p:cNvPr id="2" name="Título 1">
             <a:extLst>
               <a:ext uri="{FF2B5EF4-FFF2-40B4-BE49-F238E27FC236}">
-                <a16:creationId xmlns="" xmlns:a16="http://schemas.microsoft.com/office/drawing/2014/main" id="{32666AC8-2E17-4DB4-B0F5-60C640CCFD2E}"/>
+                <a16:creationId xmlns:a16="http://schemas.microsoft.com/office/drawing/2014/main" xmlns="" id="{32666AC8-2E17-4DB4-B0F5-60C640CCFD2E}"/>
               </a:ext>
             </a:extLst>
           </p:cNvPr>
@@ -8725,7 +8725,7 @@
           <p:cNvPr id="4" name="CaixaDeTexto 3">
             <a:extLst>
               <a:ext uri="{FF2B5EF4-FFF2-40B4-BE49-F238E27FC236}">
-                <a16:creationId xmlns="" xmlns:a16="http://schemas.microsoft.com/office/drawing/2014/main" id="{430EB894-B7D4-434C-9D1A-A14094D9BEEC}"/>
+                <a16:creationId xmlns:a16="http://schemas.microsoft.com/office/drawing/2014/main" xmlns="" id="{430EB894-B7D4-434C-9D1A-A14094D9BEEC}"/>
               </a:ext>
             </a:extLst>
           </p:cNvPr>
@@ -8766,7 +8766,7 @@
           <p:cNvPr id="1026" name="Picture 2" descr="Logo">
             <a:extLst>
               <a:ext uri="{FF2B5EF4-FFF2-40B4-BE49-F238E27FC236}">
-                <a16:creationId xmlns="" xmlns:a16="http://schemas.microsoft.com/office/drawing/2014/main" id="{3F2642E0-4F6A-4196-8F58-E77D36E9A33F}"/>
+                <a16:creationId xmlns:a16="http://schemas.microsoft.com/office/drawing/2014/main" xmlns="" id="{3F2642E0-4F6A-4196-8F58-E77D36E9A33F}"/>
               </a:ext>
             </a:extLst>
           </p:cNvPr>
@@ -8811,7 +8811,7 @@
           <p:cNvPr id="5122" name="Picture 2" descr="Image result for machine learning">
             <a:extLst>
               <a:ext uri="{FF2B5EF4-FFF2-40B4-BE49-F238E27FC236}">
-                <a16:creationId xmlns="" xmlns:a16="http://schemas.microsoft.com/office/drawing/2014/main" id="{810CE0A2-4102-44A6-A370-175E7896CDCB}"/>
+                <a16:creationId xmlns:a16="http://schemas.microsoft.com/office/drawing/2014/main" xmlns="" id="{810CE0A2-4102-44A6-A370-175E7896CDCB}"/>
               </a:ext>
             </a:extLst>
           </p:cNvPr>
@@ -10347,7 +10347,7 @@
           <p:cNvPr id="11" name="Retângulo 10">
             <a:extLst>
               <a:ext uri="{FF2B5EF4-FFF2-40B4-BE49-F238E27FC236}">
-                <a16:creationId xmlns="" xmlns:a16="http://schemas.microsoft.com/office/drawing/2014/main" id="{E2309C86-E375-49C0-9806-F51EAEDC56A2}"/>
+                <a16:creationId xmlns:a16="http://schemas.microsoft.com/office/drawing/2014/main" xmlns="" id="{E2309C86-E375-49C0-9806-F51EAEDC56A2}"/>
               </a:ext>
             </a:extLst>
           </p:cNvPr>
@@ -12491,7 +12491,15 @@
           <a:p>
             <a:r>
               <a:rPr lang="pt-BR" sz="2400" dirty="0"/>
-              <a:t>A classe possui vários parâmetros que podem ser configurados (tipo de função de erro, esquema de variação do passo de aprendizagem, etc.).</a:t>
+              <a:t>A classe possui vários parâmetros que podem ser configurados </a:t>
+            </a:r>
+            <a:r>
+              <a:rPr lang="pt-BR" sz="2400" dirty="0" smtClean="0"/>
+              <a:t>(e.g., tipo </a:t>
+            </a:r>
+            <a:r>
+              <a:rPr lang="pt-BR" sz="2400" dirty="0"/>
+              <a:t>de função de erro, esquema de variação do passo de aprendizagem, etc.).</a:t>
             </a:r>
           </a:p>
           <a:p>
@@ -12586,7 +12594,7 @@
           <p:cNvPr id="4" name="Picture 6" descr="Image result for scikit learn logo">
             <a:extLst>
               <a:ext uri="{FF2B5EF4-FFF2-40B4-BE49-F238E27FC236}">
-                <a16:creationId xmlns="" xmlns:a16="http://schemas.microsoft.com/office/drawing/2014/main" id="{87129D40-D136-4716-8871-12CAEC603994}"/>
+                <a16:creationId xmlns:a16="http://schemas.microsoft.com/office/drawing/2014/main" xmlns="" id="{87129D40-D136-4716-8871-12CAEC603994}"/>
               </a:ext>
             </a:extLst>
           </p:cNvPr>
@@ -13593,8 +13601,8 @@
         </p:nvSpPr>
         <p:spPr>
           <a:xfrm>
-            <a:off x="10047343" y="1243853"/>
-            <a:ext cx="2056169" cy="276999"/>
+            <a:off x="9960476" y="1245984"/>
+            <a:ext cx="2329073" cy="307777"/>
           </a:xfrm>
           <a:prstGeom prst="rect">
             <a:avLst/>
@@ -13609,15 +13617,15 @@
           <a:p>
             <a:pPr algn="ctr"/>
             <a:r>
-              <a:rPr lang="pt-BR" sz="1200" dirty="0"/>
+              <a:rPr lang="pt-BR" sz="1400" dirty="0"/>
               <a:t>Tamanho do </a:t>
             </a:r>
             <a:r>
-              <a:rPr lang="pt-BR" sz="1200" dirty="0" err="1"/>
+              <a:rPr lang="pt-BR" sz="1400" dirty="0" err="1"/>
               <a:t>mini-batch</a:t>
             </a:r>
             <a:r>
-              <a:rPr lang="pt-BR" sz="1200" dirty="0"/>
+              <a:rPr lang="pt-BR" sz="1400" dirty="0"/>
               <a:t>: 100</a:t>
             </a:r>
           </a:p>
@@ -13631,8 +13639,8 @@
         </p:nvSpPr>
         <p:spPr>
           <a:xfrm>
-            <a:off x="7917399" y="1245984"/>
-            <a:ext cx="2047301" cy="276999"/>
+            <a:off x="7799415" y="1245984"/>
+            <a:ext cx="2175810" cy="307777"/>
           </a:xfrm>
           <a:prstGeom prst="rect">
             <a:avLst/>
@@ -13647,15 +13655,15 @@
           <a:p>
             <a:pPr algn="ctr"/>
             <a:r>
-              <a:rPr lang="pt-BR" sz="1200" dirty="0"/>
+              <a:rPr lang="pt-BR" sz="1400" dirty="0"/>
               <a:t>Tamanho do </a:t>
             </a:r>
             <a:r>
-              <a:rPr lang="pt-BR" sz="1200" dirty="0" err="1"/>
+              <a:rPr lang="pt-BR" sz="1400" dirty="0" err="1"/>
               <a:t>mini-batch</a:t>
             </a:r>
             <a:r>
-              <a:rPr lang="pt-BR" sz="1200" dirty="0"/>
+              <a:rPr lang="pt-BR" sz="1400" dirty="0"/>
               <a:t>: 50</a:t>
             </a:r>
           </a:p>
@@ -13669,8 +13677,8 @@
         </p:nvSpPr>
         <p:spPr>
           <a:xfrm>
-            <a:off x="5499839" y="1247264"/>
-            <a:ext cx="2046126" cy="276999"/>
+            <a:off x="5499838" y="1247264"/>
+            <a:ext cx="2227299" cy="307777"/>
           </a:xfrm>
           <a:prstGeom prst="rect">
             <a:avLst/>
@@ -13685,15 +13693,15 @@
           <a:p>
             <a:pPr algn="ctr"/>
             <a:r>
-              <a:rPr lang="pt-BR" sz="1200" dirty="0"/>
+              <a:rPr lang="pt-BR" sz="1400" dirty="0"/>
               <a:t>Tamanho do </a:t>
             </a:r>
             <a:r>
-              <a:rPr lang="pt-BR" sz="1200" dirty="0" err="1"/>
+              <a:rPr lang="pt-BR" sz="1400" dirty="0" err="1"/>
               <a:t>mini-batch</a:t>
             </a:r>
             <a:r>
-              <a:rPr lang="pt-BR" sz="1200" dirty="0"/>
+              <a:rPr lang="pt-BR" sz="1400" dirty="0"/>
               <a:t>: 10</a:t>
             </a:r>
           </a:p>
@@ -13991,7 +13999,15 @@
             </a:pPr>
             <a:r>
               <a:rPr lang="pt-BR" dirty="0"/>
-              <a:t>Tem comportamento mais próximo do GD em batelada para mini-bacthes maiores.</a:t>
+              <a:t>Tem comportamento mais próximo do GD em batelada para </a:t>
+            </a:r>
+            <a:r>
+              <a:rPr lang="pt-BR" dirty="0" smtClean="0"/>
+              <a:t>mini-batches </a:t>
+            </a:r>
+            <a:r>
+              <a:rPr lang="pt-BR" dirty="0"/>
+              <a:t>maiores.</a:t>
             </a:r>
           </a:p>
           <a:p>
@@ -14256,7 +14272,7 @@
           <p:cNvPr id="4" name="Título 1">
             <a:extLst>
               <a:ext uri="{FF2B5EF4-FFF2-40B4-BE49-F238E27FC236}">
-                <a16:creationId xmlns="" xmlns:a16="http://schemas.microsoft.com/office/drawing/2014/main" id="{32666AC8-2E17-4DB4-B0F5-60C640CCFD2E}"/>
+                <a16:creationId xmlns:a16="http://schemas.microsoft.com/office/drawing/2014/main" xmlns="" id="{32666AC8-2E17-4DB4-B0F5-60C640CCFD2E}"/>
               </a:ext>
             </a:extLst>
           </p:cNvPr>
@@ -22614,8 +22630,8 @@
           </a:p>
         </p:txBody>
       </p:sp>
-      <mc:AlternateContent xmlns:mc="http://schemas.openxmlformats.org/markup-compatibility/2006" xmlns:a14="http://schemas.microsoft.com/office/drawing/2010/main">
-        <mc:Choice Requires="a14">
+      <mc:AlternateContent xmlns:mc="http://schemas.openxmlformats.org/markup-compatibility/2006">
+        <mc:Choice xmlns:a14="http://schemas.microsoft.com/office/drawing/2010/main" Requires="a14">
           <p:sp>
             <p:nvSpPr>
               <p:cNvPr id="3" name="Content Placeholder 2"/>
@@ -22685,12 +22701,8 @@
                   <a:t>a utilizada </a:t>
                 </a:r>
                 <a:r>
-                  <a:rPr lang="pt-BR" dirty="0"/>
-                  <a:t>nos exemplos </a:t>
-                </a:r>
-                <a:r>
                   <a:rPr lang="pt-BR" dirty="0" smtClean="0"/>
-                  <a:t>anteriores. </a:t>
+                  <a:t>no exemplo anterior. </a:t>
                 </a:r>
                 <a:endParaRPr lang="pt-BR" i="1" dirty="0">
                   <a:latin typeface="Cambria Math" panose="02040503050406030204" pitchFamily="18" charset="0"/>
@@ -23124,7 +23136,11 @@
                 </a:r>
                 <a:r>
                   <a:rPr lang="pt-BR" dirty="0" smtClean="0"/>
-                  <a:t>tenha o tamanho apropriado.</a:t>
+                  <a:t>tenha o tamanho </a:t>
+                </a:r>
+                <a:r>
+                  <a:rPr lang="pt-BR" dirty="0" smtClean="0"/>
+                  <a:t>apropriado e se espere tempo suficiente.</a:t>
                 </a:r>
                 <a:endParaRPr lang="pt-BR" dirty="0"/>
               </a:p>
@@ -23146,7 +23162,7 @@
             </p:txBody>
           </p:sp>
         </mc:Choice>
-        <mc:Fallback xmlns="">
+        <mc:Fallback>
           <p:sp>
             <p:nvSpPr>
               <p:cNvPr id="3" name="Content Placeholder 2"/>

--- a/slides/T319_Regressão_Linear (Parte II).pptx
+++ b/slides/T319_Regressão_Linear (Parte II).pptx
@@ -5,14 +5,14 @@
     <p:sldMasterId id="2147483648" r:id="rId1"/>
   </p:sldMasterIdLst>
   <p:notesMasterIdLst>
-    <p:notesMasterId r:id="rId20"/>
+    <p:notesMasterId r:id="rId19"/>
   </p:notesMasterIdLst>
   <p:sldIdLst>
     <p:sldId id="259" r:id="rId2"/>
     <p:sldId id="443" r:id="rId3"/>
     <p:sldId id="466" r:id="rId4"/>
     <p:sldId id="467" r:id="rId5"/>
-    <p:sldId id="468" r:id="rId6"/>
+    <p:sldId id="479" r:id="rId6"/>
     <p:sldId id="469" r:id="rId7"/>
     <p:sldId id="470" r:id="rId8"/>
     <p:sldId id="459" r:id="rId9"/>
@@ -20,12 +20,11 @@
     <p:sldId id="475" r:id="rId11"/>
     <p:sldId id="473" r:id="rId12"/>
     <p:sldId id="476" r:id="rId13"/>
-    <p:sldId id="477" r:id="rId14"/>
-    <p:sldId id="474" r:id="rId15"/>
-    <p:sldId id="478" r:id="rId16"/>
-    <p:sldId id="441" r:id="rId17"/>
-    <p:sldId id="317" r:id="rId18"/>
-    <p:sldId id="465" r:id="rId19"/>
+    <p:sldId id="474" r:id="rId14"/>
+    <p:sldId id="478" r:id="rId15"/>
+    <p:sldId id="441" r:id="rId16"/>
+    <p:sldId id="317" r:id="rId17"/>
+    <p:sldId id="465" r:id="rId18"/>
   </p:sldIdLst>
   <p:sldSz cx="12192000" cy="6858000"/>
   <p:notesSz cx="6858000" cy="9144000"/>
@@ -541,7 +540,7 @@
           <a:p>
             <a:fld id="{DAF0AF11-6A8A-4E64-94F5-26D4FBA2A01D}" type="datetimeFigureOut">
               <a:rPr lang="nl-BE" smtClean="0"/>
-              <a:t>2/05/2021</a:t>
+              <a:t>14/07/2021</a:t>
             </a:fld>
             <a:endParaRPr lang="nl-BE"/>
           </a:p>
@@ -1301,51 +1300,8 @@
           <a:lstStyle/>
           <a:p>
             <a:r>
-              <a:rPr lang="pt-BR" b="1" dirty="0" smtClean="0"/>
-              <a:t>Exemplo</a:t>
-            </a:r>
-            <a:r>
-              <a:rPr lang="pt-BR" dirty="0" smtClean="0"/>
-              <a:t>: https://mybinder.org/v2/gh/zz4fap/t319_aprendizado_de_maquina/main?filepath=notebooks%2Fregression%2Fgd_versions%2FSGD_with_scikit_learn_lib.ipynb</a:t>
-            </a:r>
-          </a:p>
-          <a:p>
-            <a:endParaRPr lang="pt-BR" dirty="0" smtClean="0"/>
-          </a:p>
-          <a:p>
-            <a:r>
-              <a:rPr lang="pt-BR" dirty="0" smtClean="0"/>
-              <a:t>Para </a:t>
-            </a:r>
-            <a:r>
-              <a:rPr lang="pt-BR" dirty="0"/>
-              <a:t>executar a regressão linear usando o SGD com o Scikit-Learn, você pode usar a classe SGDRegressor, cujo padrão é otimizar a função de custo do erro ao quadrado. O código a seguir executa 50 épocas, começando com uma taxa de aprendizado de 0,1 (eta0 = 0,1), usando o cronograma de aprendizado padrão (diferente do anterior) e não usa nenhuma regularização (penalidade = Nenhuma;</a:t>
-            </a:r>
-          </a:p>
-          <a:p>
-            <a:endParaRPr lang="pt-BR" dirty="0"/>
-          </a:p>
-          <a:p>
-            <a:r>
-              <a:rPr lang="pt-BR" dirty="0"/>
-              <a:t>Informação retirada da documentação da classe </a:t>
-            </a:r>
-            <a:r>
-              <a:rPr lang="pt-BR" dirty="0" err="1"/>
-              <a:t>SGDRegressor</a:t>
-            </a:r>
-            <a:r>
-              <a:rPr lang="pt-BR" dirty="0"/>
-              <a:t> (https://scikit-learn.org/stable/modules/generated/sklearn.linear_model.SGDRegressor.html): </a:t>
-            </a:r>
-          </a:p>
-          <a:p>
-            <a:endParaRPr lang="pt-BR" dirty="0"/>
-          </a:p>
-          <a:p>
-            <a:r>
-              <a:rPr lang="pt-BR" b="1" dirty="0" err="1"/>
-              <a:t>learning_rate</a:t>
+              <a:rPr lang="pt-BR" b="1" dirty="0"/>
+              <a:t>Batch</a:t>
             </a:r>
             <a:r>
               <a:rPr lang="pt-BR" dirty="0"/>
@@ -1353,147 +1309,87 @@
             </a:r>
             <a:r>
               <a:rPr lang="pt-BR" baseline="0" dirty="0"/>
+              <a:t> usa todos os exemplos de treinamento a cada iteração. Como resultado, é muito lento em conjuntos de treinamento muito grandes.</a:t>
+            </a:r>
+          </a:p>
+          <a:p>
+            <a:endParaRPr lang="pt-BR" baseline="0" dirty="0"/>
+          </a:p>
+          <a:p>
+            <a:r>
+              <a:rPr lang="pt-BR" dirty="0"/>
+              <a:t>A versão</a:t>
+            </a:r>
+            <a:r>
+              <a:rPr lang="pt-BR" baseline="0" dirty="0"/>
               <a:t> </a:t>
             </a:r>
             <a:r>
-              <a:rPr lang="pt-BR" dirty="0" err="1"/>
-              <a:t>string</a:t>
+              <a:rPr lang="pt-BR" b="1" baseline="0" dirty="0"/>
+              <a:t>online</a:t>
+            </a:r>
+            <a:r>
+              <a:rPr lang="pt-BR" baseline="0" dirty="0"/>
+              <a:t> </a:t>
             </a:r>
             <a:r>
               <a:rPr lang="pt-BR" dirty="0"/>
-              <a:t>, default=’</a:t>
-            </a:r>
-            <a:r>
-              <a:rPr lang="pt-BR" dirty="0" err="1"/>
-              <a:t>invscaling</a:t>
+              <a:t>seleciona apenas uma instância aleatória no conjunto de treinamento a cada etapa e calcula os gradientes com base apenas nessa única instância. Obviamente, isso torna o algoritmo muito mais rápido, pois possui muito poucos dados para manipular a cada iteração. Por outro lado, devido à sua natureza estocástica (ou seja, aleatória), esse algoritmo é muito menos regular do que a descida do gradiente em lote: em vez de diminuir suavemente até atingir o mínimo, a função de custo irá saltar para cima e para baixo, diminuindo apenas em média .</a:t>
+            </a:r>
+          </a:p>
+          <a:p>
+            <a:endParaRPr lang="pt-BR" dirty="0"/>
+          </a:p>
+          <a:p>
+            <a:r>
+              <a:rPr lang="pt-BR" b="1" dirty="0"/>
+              <a:t>Mini-batch</a:t>
             </a:r>
             <a:r>
               <a:rPr lang="pt-BR" dirty="0"/>
-              <a:t>’</a:t>
-            </a:r>
-          </a:p>
-          <a:p>
-            <a:r>
-              <a:rPr lang="pt-BR" dirty="0"/>
-              <a:t>‘</a:t>
-            </a:r>
-            <a:r>
-              <a:rPr lang="pt-BR" dirty="0" err="1"/>
-              <a:t>invscaling</a:t>
-            </a:r>
-            <a:r>
-              <a:rPr lang="pt-BR" dirty="0"/>
-              <a:t>’: [default]</a:t>
-            </a:r>
-          </a:p>
-          <a:p>
-            <a:r>
-              <a:rPr lang="pt-BR" dirty="0"/>
-              <a:t>	</a:t>
-            </a:r>
-            <a:r>
-              <a:rPr lang="pt-BR" dirty="0" err="1"/>
-              <a:t>eta</a:t>
-            </a:r>
-            <a:r>
-              <a:rPr lang="pt-BR" dirty="0"/>
-              <a:t> = eta0 / </a:t>
-            </a:r>
-            <a:r>
-              <a:rPr lang="pt-BR" dirty="0" err="1"/>
-              <a:t>pow</a:t>
-            </a:r>
-            <a:r>
-              <a:rPr lang="pt-BR" dirty="0"/>
-              <a:t>(t, </a:t>
-            </a:r>
-            <a:r>
-              <a:rPr lang="pt-BR" dirty="0" err="1"/>
-              <a:t>power_t</a:t>
-            </a:r>
-            <a:r>
-              <a:rPr lang="pt-BR" dirty="0"/>
-              <a:t>)</a:t>
-            </a:r>
-          </a:p>
-          <a:p>
-            <a:endParaRPr lang="pt-BR" dirty="0"/>
-          </a:p>
-          <a:p>
-            <a:r>
-              <a:rPr lang="en-US" b="1" dirty="0" err="1"/>
-              <a:t>power_t</a:t>
-            </a:r>
-            <a:r>
-              <a:rPr lang="en-US" dirty="0"/>
-              <a:t>: double, default=0.25</a:t>
-            </a:r>
-          </a:p>
-          <a:p>
-            <a:r>
-              <a:rPr lang="en-US" dirty="0"/>
-              <a:t>The exponent for inverse scaling learning rate.</a:t>
-            </a:r>
-            <a:endParaRPr lang="pt-BR" dirty="0"/>
-          </a:p>
-          <a:p>
-            <a:endParaRPr lang="pt-BR" dirty="0"/>
-          </a:p>
-          <a:p>
-            <a:r>
-              <a:rPr lang="en-US" b="1" dirty="0"/>
-              <a:t>eta0</a:t>
-            </a:r>
-            <a:r>
-              <a:rPr lang="en-US" b="0" dirty="0"/>
-              <a:t>:</a:t>
-            </a:r>
-            <a:r>
-              <a:rPr lang="en-US" dirty="0"/>
-              <a:t> double, default=0.01</a:t>
-            </a:r>
-          </a:p>
-          <a:p>
-            <a:r>
-              <a:rPr lang="en-US" dirty="0"/>
-              <a:t>The initial learning rate for the ‘constant’, ‘</a:t>
-            </a:r>
-            <a:r>
-              <a:rPr lang="en-US" dirty="0" err="1"/>
-              <a:t>invscaling</a:t>
-            </a:r>
-            <a:r>
-              <a:rPr lang="en-US" dirty="0"/>
-              <a:t>’ or ‘adaptive’ schedules. The default value is 0.01.</a:t>
-            </a:r>
-            <a:endParaRPr lang="pt-BR" dirty="0"/>
+              <a:t>: em cada iteração, em vez de calcular os gradientes com base no conjunto de treinamento completo (como no Batch) ou com base em apenas uma instância (como no GD estocástico), o mini-batch GD calcula os gradientes em pequenos conjuntos aleatórios de instâncias chamados mini-batches</a:t>
+            </a:r>
+            <a:r>
+              <a:rPr lang="pt-BR" dirty="0" smtClean="0"/>
+              <a:t>.</a:t>
+            </a:r>
           </a:p>
           <a:p>
             <a:endParaRPr lang="pt-BR" dirty="0" smtClean="0"/>
           </a:p>
           <a:p>
-            <a:r>
-              <a:rPr lang="pt-BR" b="1" dirty="0" smtClean="0"/>
-              <a:t>SGDRegressor</a:t>
-            </a:r>
-            <a:r>
-              <a:rPr lang="pt-BR" b="1" baseline="0" dirty="0" smtClean="0"/>
-              <a:t> com mini-batches</a:t>
-            </a:r>
-            <a:r>
-              <a:rPr lang="pt-BR" baseline="0" dirty="0" smtClean="0"/>
-              <a:t>:</a:t>
-            </a:r>
-          </a:p>
-          <a:p>
-            <a:r>
-              <a:rPr lang="pt-BR" dirty="0" smtClean="0"/>
-              <a:t>https://adventuresindatascience.wordpress.com/2014/12/30/minibatch-learning-for-large-scale-data-using-scikit-learn/</a:t>
-            </a:r>
-            <a:endParaRPr lang="pt-BR" dirty="0"/>
-          </a:p>
-          <a:p>
-            <a:endParaRPr lang="pt-BR" dirty="0"/>
+            <a:pPr marL="0" marR="0" lvl="0" indent="0" algn="l" defTabSz="914400" rtl="0" eaLnBrk="1" fontAlgn="auto" latinLnBrk="0" hangingPunct="1">
+              <a:lnSpc>
+                <a:spcPct val="100000"/>
+              </a:lnSpc>
+              <a:spcBef>
+                <a:spcPts val="0"/>
+              </a:spcBef>
+              <a:spcAft>
+                <a:spcPts val="0"/>
+              </a:spcAft>
+              <a:buClrTx/>
+              <a:buSzTx/>
+              <a:buFontTx/>
+              <a:buNone/>
+              <a:tabLst/>
+              <a:defRPr/>
+            </a:pPr>
+            <a:r>
+              <a:rPr lang="pt-BR" b="0" dirty="0" smtClean="0"/>
+              <a:t>O insight por trás do gradiente descendente estocástico é que o gradiente é uma esperança, ou seja, uma média. Portanto,</a:t>
+            </a:r>
+            <a:r>
+              <a:rPr lang="pt-BR" b="0" baseline="0" dirty="0" smtClean="0"/>
+              <a:t> a</a:t>
+            </a:r>
+            <a:r>
+              <a:rPr lang="pt-BR" b="0" dirty="0" smtClean="0"/>
+              <a:t> esperança pode ser estimada aproximadamente usando um pequeno conjunto de exemplos.</a:t>
+            </a:r>
+          </a:p>
+          <a:p>
+            <a:endParaRPr lang="nl-BE" dirty="0"/>
           </a:p>
         </p:txBody>
       </p:sp>
@@ -1523,7 +1419,7 @@
     </p:spTree>
     <p:extLst>
       <p:ext uri="{BB962C8B-B14F-4D97-AF65-F5344CB8AC3E}">
-        <p14:creationId xmlns:p14="http://schemas.microsoft.com/office/powerpoint/2010/main" val="2344819894"/>
+        <p14:creationId xmlns:p14="http://schemas.microsoft.com/office/powerpoint/2010/main" val="2921413940"/>
       </p:ext>
     </p:extLst>
   </p:cSld>
@@ -1578,33 +1474,70 @@
           <a:lstStyle/>
           <a:p>
             <a:r>
-              <a:rPr lang="pt-BR" b="1" dirty="0"/>
-              <a:t>Batch</a:t>
+              <a:rPr lang="pt-BR" b="1" dirty="0" smtClean="0"/>
+              <a:t>Exemplo</a:t>
+            </a:r>
+            <a:r>
+              <a:rPr lang="pt-BR" dirty="0" smtClean="0"/>
+              <a:t>: </a:t>
+            </a:r>
+            <a:r>
+              <a:rPr lang="pt-BR" u="none" dirty="0" smtClean="0"/>
+              <a:t>https://mybinder.org/v2/gh/zz4fap/t319_aprendizado_de_maquina/main?filepath=notebooks%2Fregression%2Fgd_versions%2F</a:t>
+            </a:r>
+            <a:r>
+              <a:rPr lang="pt-BR" dirty="0" smtClean="0"/>
+              <a:t>mini_batch_gradient_descent_with_figures.ipynb</a:t>
+            </a:r>
+          </a:p>
+          <a:p>
+            <a:endParaRPr lang="pt-BR" dirty="0" smtClean="0"/>
+          </a:p>
+          <a:p>
+            <a:r>
+              <a:rPr lang="pt-BR" dirty="0" smtClean="0"/>
+              <a:t>O</a:t>
+            </a:r>
+            <a:r>
+              <a:rPr lang="pt-BR" baseline="0" dirty="0" smtClean="0"/>
+              <a:t> </a:t>
+            </a:r>
+            <a:r>
+              <a:rPr lang="pt-BR" baseline="0" dirty="0"/>
+              <a:t>mini-batch é</a:t>
             </a:r>
             <a:r>
               <a:rPr lang="pt-BR" dirty="0"/>
-              <a:t>:</a:t>
-            </a:r>
-            <a:r>
-              <a:rPr lang="pt-BR" baseline="0" dirty="0"/>
-              <a:t> usa todos os exemplos de treinamento a cada iteração. Como resultado, é muito lento em conjuntos de treinamento muito grandes.</a:t>
-            </a:r>
-          </a:p>
-          <a:p>
-            <a:endParaRPr lang="pt-BR" baseline="0" dirty="0"/>
-          </a:p>
-          <a:p>
-            <a:r>
-              <a:rPr lang="pt-BR" dirty="0"/>
-              <a:t>A versão</a:t>
+              <a:t> bastante simples de entender quando você conhece o</a:t>
             </a:r>
             <a:r>
               <a:rPr lang="pt-BR" baseline="0" dirty="0"/>
               <a:t> </a:t>
             </a:r>
             <a:r>
-              <a:rPr lang="pt-BR" b="1" baseline="0" dirty="0"/>
-              <a:t>online</a:t>
+              <a:rPr lang="pt-BR" dirty="0"/>
+              <a:t>gradiente descendente em batelada e o gradiente descendente estocástico: a cada etapa, em vez de calcular os gradientes com base no conjunto de treinamento completo (como no GD em batelada) ou com base em apenas uma instância (como no GD estocástico), o</a:t>
+            </a:r>
+            <a:r>
+              <a:rPr lang="pt-BR" baseline="0" dirty="0"/>
+              <a:t> mini-batch </a:t>
+            </a:r>
+            <a:r>
+              <a:rPr lang="pt-BR" dirty="0"/>
+              <a:t>calcula os gradientes em subconjuntos aleatórios de instâncias chamados mini-lotes (do inglês mini-batch). </a:t>
+            </a:r>
+          </a:p>
+          <a:p>
+            <a:endParaRPr lang="pt-BR" dirty="0"/>
+          </a:p>
+          <a:p>
+            <a:r>
+              <a:rPr lang="pt-BR" dirty="0"/>
+              <a:t>O progresso do algoritmo no espaço de parâmetros é menos irregular do que com o SGD, especialmente com mini lotes muito grandes. Como resultado, o </a:t>
+            </a:r>
+            <a:r>
+              <a:rPr lang="pt-BR" dirty="0" err="1"/>
+              <a:t>mini-batch</a:t>
             </a:r>
             <a:r>
               <a:rPr lang="pt-BR" baseline="0" dirty="0"/>
@@ -1612,7 +1545,7 @@
             </a:r>
             <a:r>
               <a:rPr lang="pt-BR" dirty="0"/>
-              <a:t>seleciona apenas uma instância aleatória no conjunto de treinamento a cada etapa e calcula os gradientes com base apenas nessa única instância. Obviamente, isso torna o algoritmo muito mais rápido, pois possui muito poucos dados para manipular a cada iteração. Por outro lado, devido à sua natureza estocástica (ou seja, aleatória), esse algoritmo é muito menos regular do que a descida do gradiente em lote: em vez de diminuir suavemente até atingir o mínimo, a função de custo irá saltar para cima e para baixo, diminuindo apenas em média .</a:t>
+              <a:t>acabará chegando um pouco mais perto do mínimo do que o GDS. Mas, por outro lado, pode ser mais difícil escapar dos mínimos locais (no caso de problemas que sofrem com mínimos locais, diferentemente da Regressão Linear, que como vimos anteriormente apresenta apenas um mínimo, que é o global).</a:t>
             </a:r>
           </a:p>
           <a:p>
@@ -1621,53 +1554,17 @@
           <a:p>
             <a:r>
               <a:rPr lang="pt-BR" b="1" dirty="0"/>
-              <a:t>Mini-batch</a:t>
+              <a:t>Exemplo</a:t>
             </a:r>
             <a:r>
               <a:rPr lang="pt-BR" dirty="0"/>
-              <a:t>: em cada iteração, em vez de calcular os gradientes com base no conjunto de treinamento completo (como no Batch) ou com base em apenas uma instância (como no GD estocástico), o mini-batch GD calcula os gradientes em pequenos conjuntos aleatórios de instâncias chamados mini-batches</a:t>
-            </a:r>
-            <a:r>
-              <a:rPr lang="pt-BR" dirty="0" smtClean="0"/>
-              <a:t>.</a:t>
-            </a:r>
-          </a:p>
-          <a:p>
-            <a:endParaRPr lang="pt-BR" dirty="0" smtClean="0"/>
-          </a:p>
-          <a:p>
-            <a:pPr marL="0" marR="0" lvl="0" indent="0" algn="l" defTabSz="914400" rtl="0" eaLnBrk="1" fontAlgn="auto" latinLnBrk="0" hangingPunct="1">
-              <a:lnSpc>
-                <a:spcPct val="100000"/>
-              </a:lnSpc>
-              <a:spcBef>
-                <a:spcPts val="0"/>
-              </a:spcBef>
-              <a:spcAft>
-                <a:spcPts val="0"/>
-              </a:spcAft>
-              <a:buClrTx/>
-              <a:buSzTx/>
-              <a:buFontTx/>
-              <a:buNone/>
-              <a:tabLst/>
-              <a:defRPr/>
-            </a:pPr>
-            <a:r>
-              <a:rPr lang="pt-BR" b="0" dirty="0" smtClean="0"/>
-              <a:t>O insight por trás do gradiente descendente estocástico é que o gradiente é uma esperança, ou seja, uma média. Portanto,</a:t>
-            </a:r>
-            <a:r>
-              <a:rPr lang="pt-BR" b="0" baseline="0" dirty="0" smtClean="0"/>
-              <a:t> a</a:t>
-            </a:r>
-            <a:r>
-              <a:rPr lang="pt-BR" b="0" dirty="0" smtClean="0"/>
-              <a:t> esperança pode ser estimada aproximadamente usando um pequeno conjunto de exemplos.</a:t>
-            </a:r>
-          </a:p>
-          <a:p>
-            <a:endParaRPr lang="nl-BE" dirty="0"/>
+              <a:t>: </a:t>
+            </a:r>
+            <a:r>
+              <a:rPr lang="pt-BR" dirty="0" err="1"/>
+              <a:t>mini_batch_gradient_descent_with_figures.ipynb</a:t>
+            </a:r>
+            <a:endParaRPr lang="pt-BR" dirty="0"/>
           </a:p>
         </p:txBody>
       </p:sp>
@@ -1697,7 +1594,7 @@
     </p:spTree>
     <p:extLst>
       <p:ext uri="{BB962C8B-B14F-4D97-AF65-F5344CB8AC3E}">
-        <p14:creationId xmlns:p14="http://schemas.microsoft.com/office/powerpoint/2010/main" val="2921413940"/>
+        <p14:creationId xmlns:p14="http://schemas.microsoft.com/office/powerpoint/2010/main" val="1248176192"/>
       </p:ext>
     </p:extLst>
   </p:cSld>
@@ -1751,97 +1648,6 @@
           <a:bodyPr/>
           <a:lstStyle/>
           <a:p>
-            <a:r>
-              <a:rPr lang="pt-BR" b="1" dirty="0" smtClean="0"/>
-              <a:t>Exemplo</a:t>
-            </a:r>
-            <a:r>
-              <a:rPr lang="pt-BR" dirty="0" smtClean="0"/>
-              <a:t>: </a:t>
-            </a:r>
-            <a:r>
-              <a:rPr lang="pt-BR" u="none" dirty="0" smtClean="0"/>
-              <a:t>https://mybinder.org/v2/gh/zz4fap/t319_aprendizado_de_maquina/main?filepath=notebooks%2Fregression%2Fgd_versions%2F</a:t>
-            </a:r>
-            <a:r>
-              <a:rPr lang="pt-BR" dirty="0" smtClean="0"/>
-              <a:t>mini_batch_gradient_descent_with_figures.ipynb</a:t>
-            </a:r>
-          </a:p>
-          <a:p>
-            <a:endParaRPr lang="pt-BR" dirty="0" smtClean="0"/>
-          </a:p>
-          <a:p>
-            <a:r>
-              <a:rPr lang="pt-BR" dirty="0" smtClean="0"/>
-              <a:t>O</a:t>
-            </a:r>
-            <a:r>
-              <a:rPr lang="pt-BR" baseline="0" dirty="0" smtClean="0"/>
-              <a:t> </a:t>
-            </a:r>
-            <a:r>
-              <a:rPr lang="pt-BR" baseline="0" dirty="0"/>
-              <a:t>mini-batch é</a:t>
-            </a:r>
-            <a:r>
-              <a:rPr lang="pt-BR" dirty="0"/>
-              <a:t> bastante simples de entender quando você conhece o</a:t>
-            </a:r>
-            <a:r>
-              <a:rPr lang="pt-BR" baseline="0" dirty="0"/>
-              <a:t> </a:t>
-            </a:r>
-            <a:r>
-              <a:rPr lang="pt-BR" dirty="0"/>
-              <a:t>gradiente descendente em batelada e o gradiente descendente estocástico: a cada etapa, em vez de calcular os gradientes com base no conjunto de treinamento completo (como no GD em batelada) ou com base em apenas uma instância (como no GD estocástico), o</a:t>
-            </a:r>
-            <a:r>
-              <a:rPr lang="pt-BR" baseline="0" dirty="0"/>
-              <a:t> mini-batch </a:t>
-            </a:r>
-            <a:r>
-              <a:rPr lang="pt-BR" dirty="0"/>
-              <a:t>calcula os gradientes em subconjuntos aleatórios de instâncias chamados mini-lotes (do inglês mini-batch). </a:t>
-            </a:r>
-          </a:p>
-          <a:p>
-            <a:endParaRPr lang="pt-BR" dirty="0"/>
-          </a:p>
-          <a:p>
-            <a:r>
-              <a:rPr lang="pt-BR" dirty="0"/>
-              <a:t>O progresso do algoritmo no espaço de parâmetros é menos irregular do que com o SGD, especialmente com mini lotes muito grandes. Como resultado, o </a:t>
-            </a:r>
-            <a:r>
-              <a:rPr lang="pt-BR" dirty="0" err="1"/>
-              <a:t>mini-batch</a:t>
-            </a:r>
-            <a:r>
-              <a:rPr lang="pt-BR" baseline="0" dirty="0"/>
-              <a:t> </a:t>
-            </a:r>
-            <a:r>
-              <a:rPr lang="pt-BR" dirty="0"/>
-              <a:t>acabará chegando um pouco mais perto do mínimo do que o GDS. Mas, por outro lado, pode ser mais difícil escapar dos mínimos locais (no caso de problemas que sofrem com mínimos locais, diferentemente da Regressão Linear, que como vimos anteriormente apresenta apenas um mínimo, que é o global).</a:t>
-            </a:r>
-          </a:p>
-          <a:p>
-            <a:endParaRPr lang="pt-BR" dirty="0"/>
-          </a:p>
-          <a:p>
-            <a:r>
-              <a:rPr lang="pt-BR" b="1" dirty="0"/>
-              <a:t>Exemplo</a:t>
-            </a:r>
-            <a:r>
-              <a:rPr lang="pt-BR" dirty="0"/>
-              <a:t>: </a:t>
-            </a:r>
-            <a:r>
-              <a:rPr lang="pt-BR" dirty="0" err="1"/>
-              <a:t>mini_batch_gradient_descent_with_figures.ipynb</a:t>
-            </a:r>
             <a:endParaRPr lang="pt-BR" dirty="0"/>
           </a:p>
         </p:txBody>
@@ -1864,90 +1670,6 @@
             <a:fld id="{DA8B99DF-01BC-492A-8CEF-4FD88D18DD9D}" type="slidenum">
               <a:rPr lang="nl-BE" smtClean="0"/>
               <a:t>15</a:t>
-            </a:fld>
-            <a:endParaRPr lang="nl-BE"/>
-          </a:p>
-        </p:txBody>
-      </p:sp>
-    </p:spTree>
-    <p:extLst>
-      <p:ext uri="{BB962C8B-B14F-4D97-AF65-F5344CB8AC3E}">
-        <p14:creationId xmlns:p14="http://schemas.microsoft.com/office/powerpoint/2010/main" val="1248176192"/>
-      </p:ext>
-    </p:extLst>
-  </p:cSld>
-  <p:clrMapOvr>
-    <a:masterClrMapping/>
-  </p:clrMapOvr>
-</p:notes>
-</file>
-
-<file path=ppt/notesSlides/notesSlide15.xml><?xml version="1.0" encoding="utf-8"?>
-<p:notes xmlns:a="http://schemas.openxmlformats.org/drawingml/2006/main" xmlns:r="http://schemas.openxmlformats.org/officeDocument/2006/relationships" xmlns:p="http://schemas.openxmlformats.org/presentationml/2006/main">
-  <p:cSld>
-    <p:spTree>
-      <p:nvGrpSpPr>
-        <p:cNvPr id="1" name=""/>
-        <p:cNvGrpSpPr/>
-        <p:nvPr/>
-      </p:nvGrpSpPr>
-      <p:grpSpPr>
-        <a:xfrm>
-          <a:off x="0" y="0"/>
-          <a:ext cx="0" cy="0"/>
-          <a:chOff x="0" y="0"/>
-          <a:chExt cx="0" cy="0"/>
-        </a:xfrm>
-      </p:grpSpPr>
-      <p:sp>
-        <p:nvSpPr>
-          <p:cNvPr id="2" name="Slide Image Placeholder 1"/>
-          <p:cNvSpPr>
-            <a:spLocks noGrp="1" noRot="1" noChangeAspect="1"/>
-          </p:cNvSpPr>
-          <p:nvPr>
-            <p:ph type="sldImg"/>
-          </p:nvPr>
-        </p:nvSpPr>
-        <p:spPr/>
-      </p:sp>
-      <p:sp>
-        <p:nvSpPr>
-          <p:cNvPr id="3" name="Notes Placeholder 2"/>
-          <p:cNvSpPr>
-            <a:spLocks noGrp="1"/>
-          </p:cNvSpPr>
-          <p:nvPr>
-            <p:ph type="body" idx="1"/>
-          </p:nvPr>
-        </p:nvSpPr>
-        <p:spPr/>
-        <p:txBody>
-          <a:bodyPr/>
-          <a:lstStyle/>
-          <a:p>
-            <a:endParaRPr lang="pt-BR" dirty="0"/>
-          </a:p>
-        </p:txBody>
-      </p:sp>
-      <p:sp>
-        <p:nvSpPr>
-          <p:cNvPr id="4" name="Slide Number Placeholder 3"/>
-          <p:cNvSpPr>
-            <a:spLocks noGrp="1"/>
-          </p:cNvSpPr>
-          <p:nvPr>
-            <p:ph type="sldNum" sz="quarter" idx="10"/>
-          </p:nvPr>
-        </p:nvSpPr>
-        <p:spPr/>
-        <p:txBody>
-          <a:bodyPr/>
-          <a:lstStyle/>
-          <a:p>
-            <a:fld id="{DA8B99DF-01BC-492A-8CEF-4FD88D18DD9D}" type="slidenum">
-              <a:rPr lang="nl-BE" smtClean="0"/>
-              <a:t>16</a:t>
             </a:fld>
             <a:endParaRPr lang="nl-BE"/>
           </a:p>
@@ -2030,8 +1752,98 @@
                   <a:defRPr/>
                 </a:pPr>
                 <a:r>
-                  <a:rPr lang="pt-BR" dirty="0" smtClean="0"/>
-                  <a:t>A coisa mais importante para nos lembrarmos sobre o vetor gradiente é que ele sempre apontará para a direção e sentido onde a subida da função é mais íngreme.</a:t>
+                  <a:rPr lang="pt-BR" sz="1200" dirty="0" smtClean="0"/>
+                  <a:t>O vetor gradiente, </a:t>
+                </a:r>
+                <a14:m>
+                  <m:oMath xmlns:m="http://schemas.openxmlformats.org/officeDocument/2006/math">
+                    <m:r>
+                      <a:rPr lang="pt-BR" sz="1200" i="1">
+                        <a:latin typeface="Cambria Math" panose="02040503050406030204" pitchFamily="18" charset="0"/>
+                        <a:ea typeface="Cambria Math" panose="02040503050406030204" pitchFamily="18" charset="0"/>
+                      </a:rPr>
+                      <m:t>𝛻</m:t>
+                    </m:r>
+                    <m:r>
+                      <a:rPr lang="pt-BR" sz="1200" i="1">
+                        <a:latin typeface="Cambria Math" panose="02040503050406030204" pitchFamily="18" charset="0"/>
+                        <a:ea typeface="Cambria Math" panose="02040503050406030204" pitchFamily="18" charset="0"/>
+                      </a:rPr>
+                      <m:t>𝑓</m:t>
+                    </m:r>
+                  </m:oMath>
+                </a14:m>
+                <a:r>
+                  <a:rPr lang="pt-BR" sz="1200" dirty="0" smtClean="0"/>
+                  <a:t>, dá a magnitude e a </a:t>
+                </a:r>
+                <a:r>
+                  <a:rPr lang="pt-BR" sz="1200" dirty="0"/>
+                  <a:t>direção d</a:t>
+                </a:r>
+                <a:r>
+                  <a:rPr lang="pt-BR" sz="1200" dirty="0" smtClean="0"/>
+                  <a:t>a </a:t>
+                </a:r>
+                <a:r>
+                  <a:rPr lang="pt-BR" sz="1200" dirty="0"/>
+                  <a:t>subida </a:t>
+                </a:r>
+                <a:r>
+                  <a:rPr lang="pt-BR" sz="1200" dirty="0" smtClean="0"/>
+                  <a:t>mais íngreme da função</a:t>
+                </a:r>
+                <a:r>
+                  <a:rPr lang="pt-BR" sz="1200" dirty="0" smtClean="0"/>
+                  <a:t>.</a:t>
+                </a:r>
+                <a:r>
+                  <a:rPr lang="pt-BR" sz="1200" baseline="0" dirty="0" smtClean="0"/>
+                  <a:t> A magnitude ou taxa de variação é dada pela norma do vetor gradiente.</a:t>
+                </a:r>
+                <a:endParaRPr lang="pt-BR" sz="1200" dirty="0" smtClean="0"/>
+              </a:p>
+              <a:p>
+                <a:pPr marL="0" marR="0" lvl="0" indent="0" algn="l" defTabSz="914400" rtl="0" eaLnBrk="1" fontAlgn="auto" latinLnBrk="0" hangingPunct="1">
+                  <a:lnSpc>
+                    <a:spcPct val="100000"/>
+                  </a:lnSpc>
+                  <a:spcBef>
+                    <a:spcPts val="0"/>
+                  </a:spcBef>
+                  <a:spcAft>
+                    <a:spcPts val="0"/>
+                  </a:spcAft>
+                  <a:buClrTx/>
+                  <a:buSzTx/>
+                  <a:buFontTx/>
+                  <a:buNone/>
+                  <a:tabLst/>
+                  <a:defRPr/>
+                </a:pPr>
+                <a:endParaRPr lang="pt-BR" sz="1200" dirty="0" smtClean="0"/>
+              </a:p>
+              <a:p>
+                <a:pPr marL="0" marR="0" lvl="0" indent="0" algn="l" defTabSz="914400" rtl="0" eaLnBrk="1" fontAlgn="auto" latinLnBrk="0" hangingPunct="1">
+                  <a:lnSpc>
+                    <a:spcPct val="100000"/>
+                  </a:lnSpc>
+                  <a:spcBef>
+                    <a:spcPts val="0"/>
+                  </a:spcBef>
+                  <a:spcAft>
+                    <a:spcPts val="0"/>
+                  </a:spcAft>
+                  <a:buClrTx/>
+                  <a:buSzTx/>
+                  <a:buFontTx/>
+                  <a:buNone/>
+                  <a:tabLst/>
+                  <a:defRPr/>
+                </a:pPr>
+                <a:r>
+                  <a:rPr lang="pt-BR" sz="1200" dirty="0" smtClean="0"/>
+                  <a:t>No caso multivariado, o vetor gradiente é perpendicular ao hiperplano tangente às superfícies de contorno.</a:t>
                 </a:r>
               </a:p>
               <a:p>
@@ -2074,7 +1886,247 @@
                 </a:pPr>
                 <a:r>
                   <a:rPr lang="pt-BR" dirty="0" smtClean="0"/>
-                  <a:t>A derivada parcial é a inclinação da reta tangente ao ponto</a:t>
+                  <a:t>Se </a:t>
+                </a:r>
+                <a:r>
+                  <a:rPr lang="pt-BR" dirty="0" smtClean="0"/>
+                  <a:t>o gradiente de uma função é diferente de zero em um ponto p, a direção do gradiente é a direção na qual a função aumenta mais rapidamente a</a:t>
+                </a:r>
+                <a:r>
+                  <a:rPr lang="pt-BR" baseline="0" dirty="0" smtClean="0"/>
+                  <a:t> partir de</a:t>
+                </a:r>
+                <a:r>
+                  <a:rPr lang="pt-BR" dirty="0" smtClean="0"/>
+                  <a:t> p, e a magnitude do gradiente é a taxa de aumento nessa direção.</a:t>
+                </a:r>
+              </a:p>
+              <a:p>
+                <a:pPr marL="0" marR="0" lvl="0" indent="0" algn="l" defTabSz="914400" rtl="0" eaLnBrk="1" fontAlgn="auto" latinLnBrk="0" hangingPunct="1">
+                  <a:lnSpc>
+                    <a:spcPct val="100000"/>
+                  </a:lnSpc>
+                  <a:spcBef>
+                    <a:spcPts val="0"/>
+                  </a:spcBef>
+                  <a:spcAft>
+                    <a:spcPts val="0"/>
+                  </a:spcAft>
+                  <a:buClrTx/>
+                  <a:buSzTx/>
+                  <a:buFontTx/>
+                  <a:buNone/>
+                  <a:tabLst/>
+                  <a:defRPr/>
+                </a:pPr>
+                <a:endParaRPr lang="pt-BR" dirty="0" smtClean="0"/>
+              </a:p>
+              <a:p>
+                <a:pPr marL="0" marR="0" lvl="0" indent="0" algn="l" defTabSz="914400" rtl="0" eaLnBrk="1" fontAlgn="auto" latinLnBrk="0" hangingPunct="1">
+                  <a:lnSpc>
+                    <a:spcPct val="100000"/>
+                  </a:lnSpc>
+                  <a:spcBef>
+                    <a:spcPts val="0"/>
+                  </a:spcBef>
+                  <a:spcAft>
+                    <a:spcPts val="0"/>
+                  </a:spcAft>
+                  <a:buClrTx/>
+                  <a:buSzTx/>
+                  <a:buFontTx/>
+                  <a:buNone/>
+                  <a:tabLst/>
+                  <a:defRPr/>
+                </a:pPr>
+                <a:r>
+                  <a:rPr lang="pt-BR" dirty="0" smtClean="0"/>
+                  <a:t>A coisa mais importante para nos lembrarmos sobre o vetor gradiente é que ele sempre apontará para a direção onde a subida da função é mais íngreme.</a:t>
+                </a:r>
+              </a:p>
+              <a:p>
+                <a:pPr marL="0" marR="0" lvl="0" indent="0" algn="l" defTabSz="914400" rtl="0" eaLnBrk="1" fontAlgn="auto" latinLnBrk="0" hangingPunct="1">
+                  <a:lnSpc>
+                    <a:spcPct val="100000"/>
+                  </a:lnSpc>
+                  <a:spcBef>
+                    <a:spcPts val="0"/>
+                  </a:spcBef>
+                  <a:spcAft>
+                    <a:spcPts val="0"/>
+                  </a:spcAft>
+                  <a:buClrTx/>
+                  <a:buSzTx/>
+                  <a:buFontTx/>
+                  <a:buNone/>
+                  <a:tabLst/>
+                  <a:defRPr/>
+                </a:pPr>
+                <a:endParaRPr lang="pt-BR" dirty="0" smtClean="0"/>
+              </a:p>
+              <a:p>
+                <a:pPr marL="0" marR="0" lvl="0" indent="0" algn="l" defTabSz="914400" rtl="0" eaLnBrk="1" fontAlgn="auto" latinLnBrk="0" hangingPunct="1">
+                  <a:lnSpc>
+                    <a:spcPct val="100000"/>
+                  </a:lnSpc>
+                  <a:spcBef>
+                    <a:spcPts val="0"/>
+                  </a:spcBef>
+                  <a:spcAft>
+                    <a:spcPts val="0"/>
+                  </a:spcAft>
+                  <a:buClrTx/>
+                  <a:buSzTx/>
+                  <a:buFontTx/>
+                  <a:buNone/>
+                  <a:tabLst/>
+                  <a:defRPr/>
+                </a:pPr>
+                <a:r>
+                  <a:rPr lang="pt-BR" dirty="0" smtClean="0"/>
+                  <a:t>O gradiente mostra a taxa de mudança dependendo de todas as variáveis fornecidas da função e também é um vetor que aponta na mesma direção que o vetor normal para a função em um determinado ponto.</a:t>
+                </a:r>
+              </a:p>
+              <a:p>
+                <a:pPr marL="0" marR="0" lvl="0" indent="0" algn="l" defTabSz="914400" rtl="0" eaLnBrk="1" fontAlgn="auto" latinLnBrk="0" hangingPunct="1">
+                  <a:lnSpc>
+                    <a:spcPct val="100000"/>
+                  </a:lnSpc>
+                  <a:spcBef>
+                    <a:spcPts val="0"/>
+                  </a:spcBef>
+                  <a:spcAft>
+                    <a:spcPts val="0"/>
+                  </a:spcAft>
+                  <a:buClrTx/>
+                  <a:buSzTx/>
+                  <a:buFontTx/>
+                  <a:buNone/>
+                  <a:tabLst/>
+                  <a:defRPr/>
+                </a:pPr>
+                <a:endParaRPr lang="pt-BR" dirty="0" smtClean="0"/>
+              </a:p>
+              <a:p>
+                <a:pPr marL="0" marR="0" lvl="0" indent="0" algn="l" defTabSz="914400" rtl="0" eaLnBrk="1" fontAlgn="auto" latinLnBrk="0" hangingPunct="1">
+                  <a:lnSpc>
+                    <a:spcPct val="100000"/>
+                  </a:lnSpc>
+                  <a:spcBef>
+                    <a:spcPts val="0"/>
+                  </a:spcBef>
+                  <a:spcAft>
+                    <a:spcPts val="0"/>
+                  </a:spcAft>
+                  <a:buClrTx/>
+                  <a:buSzTx/>
+                  <a:buFontTx/>
+                  <a:buNone/>
+                  <a:tabLst/>
+                  <a:defRPr/>
+                </a:pPr>
+                <a:r>
+                  <a:rPr lang="pt-BR" dirty="0" smtClean="0"/>
+                  <a:t>O vetor tangente aponta ao longo da superfície de uma função e pode representar um plano paralelo ao ponto dessa superfície (um plano, se a superfície for 3D). </a:t>
+                </a:r>
+                <a:r>
+                  <a:rPr lang="pt-BR" b="1" i="1" dirty="0" smtClean="0"/>
+                  <a:t>O vetor tangente é, portanto, perpendicular ao gradiente.</a:t>
+                </a:r>
+                <a:endParaRPr lang="pt-BR" dirty="0" smtClean="0"/>
+              </a:p>
+              <a:p>
+                <a:pPr marL="0" marR="0" lvl="0" indent="0" algn="l" defTabSz="914400" rtl="0" eaLnBrk="1" fontAlgn="auto" latinLnBrk="0" hangingPunct="1">
+                  <a:lnSpc>
+                    <a:spcPct val="100000"/>
+                  </a:lnSpc>
+                  <a:spcBef>
+                    <a:spcPts val="0"/>
+                  </a:spcBef>
+                  <a:spcAft>
+                    <a:spcPts val="0"/>
+                  </a:spcAft>
+                  <a:buClrTx/>
+                  <a:buSzTx/>
+                  <a:buFontTx/>
+                  <a:buNone/>
+                  <a:tabLst/>
+                  <a:defRPr/>
+                </a:pPr>
+                <a:endParaRPr lang="pt-BR" dirty="0" smtClean="0"/>
+              </a:p>
+              <a:p>
+                <a:pPr marL="0" marR="0" lvl="0" indent="0" algn="l" defTabSz="914400" rtl="0" eaLnBrk="1" fontAlgn="auto" latinLnBrk="0" hangingPunct="1">
+                  <a:lnSpc>
+                    <a:spcPct val="100000"/>
+                  </a:lnSpc>
+                  <a:spcBef>
+                    <a:spcPts val="0"/>
+                  </a:spcBef>
+                  <a:spcAft>
+                    <a:spcPts val="0"/>
+                  </a:spcAft>
+                  <a:buClrTx/>
+                  <a:buSzTx/>
+                  <a:buFontTx/>
+                  <a:buNone/>
+                  <a:tabLst/>
+                  <a:defRPr/>
+                </a:pPr>
+                <a:r>
+                  <a:rPr lang="pt-BR" dirty="0" smtClean="0"/>
+                  <a:t>O plano tangente é o plano que melhor se aproxima da forma da função</a:t>
+                </a:r>
+                <a:r>
+                  <a:rPr lang="pt-BR" baseline="0" dirty="0" smtClean="0"/>
+                  <a:t> no ponto </a:t>
+                </a:r>
+                <a:r>
+                  <a:rPr lang="pt-BR" dirty="0" smtClean="0"/>
+                  <a:t>onde você está.</a:t>
+                </a:r>
+              </a:p>
+              <a:p>
+                <a:pPr marL="0" marR="0" lvl="0" indent="0" algn="l" defTabSz="914400" rtl="0" eaLnBrk="1" fontAlgn="auto" latinLnBrk="0" hangingPunct="1">
+                  <a:lnSpc>
+                    <a:spcPct val="100000"/>
+                  </a:lnSpc>
+                  <a:spcBef>
+                    <a:spcPts val="0"/>
+                  </a:spcBef>
+                  <a:spcAft>
+                    <a:spcPts val="0"/>
+                  </a:spcAft>
+                  <a:buClrTx/>
+                  <a:buSzTx/>
+                  <a:buFontTx/>
+                  <a:buNone/>
+                  <a:tabLst/>
+                  <a:defRPr/>
+                </a:pPr>
+                <a:endParaRPr lang="pt-BR" dirty="0" smtClean="0"/>
+              </a:p>
+              <a:p>
+                <a:pPr marL="0" marR="0" lvl="0" indent="0" algn="l" defTabSz="914400" rtl="0" eaLnBrk="1" fontAlgn="auto" latinLnBrk="0" hangingPunct="1">
+                  <a:lnSpc>
+                    <a:spcPct val="100000"/>
+                  </a:lnSpc>
+                  <a:spcBef>
+                    <a:spcPts val="0"/>
+                  </a:spcBef>
+                  <a:spcAft>
+                    <a:spcPts val="0"/>
+                  </a:spcAft>
+                  <a:buClrTx/>
+                  <a:buSzTx/>
+                  <a:buFontTx/>
+                  <a:buNone/>
+                  <a:tabLst/>
+                  <a:defRPr/>
+                </a:pPr>
+                <a:r>
+                  <a:rPr lang="pt-BR" dirty="0" smtClean="0"/>
+                  <a:t>A derivada parcial é a inclinação da reta tangente ao ponto.</a:t>
                 </a:r>
               </a:p>
               <a:p>
@@ -2131,19 +2183,19 @@
               <a:p>
                 <a:r>
                   <a:rPr lang="pt-BR" b="0" i="0" dirty="0"/>
-                  <a:t>O gradiente pode ser interpretado como a "</a:t>
+                  <a:t>O gradiente pode ser interpretado como a </a:t>
                 </a:r>
                 <a:r>
                   <a:rPr lang="pt-BR" b="0" i="0" dirty="0" smtClean="0"/>
-                  <a:t>direção e sentido </a:t>
-                </a:r>
-                <a:r>
-                  <a:rPr lang="pt-BR" b="0" i="0" dirty="0"/>
-                  <a:t>em</a:t>
+                  <a:t>magnitude e a "direção em</a:t>
+                </a:r>
+                <a:r>
+                  <a:rPr lang="pt-BR" b="0" i="0" baseline="0" dirty="0" smtClean="0"/>
+                  <a:t> </a:t>
                 </a:r>
                 <a:r>
                   <a:rPr lang="pt-BR" b="0" i="0" baseline="0" dirty="0"/>
-                  <a:t> que uma função tem</a:t>
+                  <a:t>que uma função tem</a:t>
                 </a:r>
                 <a:r>
                   <a:rPr lang="pt-BR" b="0" i="0" dirty="0"/>
@@ -3828,8 +3880,8 @@
         </p:nvSpPr>
         <p:spPr/>
       </p:sp>
-      <mc:AlternateContent xmlns:mc="http://schemas.openxmlformats.org/markup-compatibility/2006" xmlns:a14="http://schemas.microsoft.com/office/drawing/2010/main">
-        <mc:Choice Requires="a14">
+      <mc:AlternateContent xmlns:mc="http://schemas.openxmlformats.org/markup-compatibility/2006">
+        <mc:Choice xmlns:a14="http://schemas.microsoft.com/office/drawing/2010/main" Requires="a14">
           <p:sp>
             <p:nvSpPr>
               <p:cNvPr id="3" name="Notes Placeholder 2"/>
@@ -3864,7 +3916,7 @@
                 </a:pPr>
                 <a:r>
                   <a:rPr lang="pt-BR" dirty="0" smtClean="0"/>
-                  <a:t>um </a:t>
+                  <a:t>Um </a:t>
                 </a:r>
                 <a:r>
                   <a:rPr lang="pt-BR" dirty="0"/>
@@ -3880,11 +3932,11 @@
                 </a:r>
                 <a:r>
                   <a:rPr lang="pt-BR" dirty="0" smtClean="0"/>
-                  <a:t>que use o</a:t>
+                  <a:t>que use a</a:t>
                 </a:r>
                 <a:r>
                   <a:rPr lang="pt-BR" baseline="0" dirty="0" smtClean="0"/>
-                  <a:t> sentido contrário do</a:t>
+                  <a:t> direção contrária do</a:t>
                 </a:r>
                 <a:r>
                   <a:rPr lang="pt-BR" dirty="0" smtClean="0"/>
@@ -4011,10 +4063,29 @@
                   <a:t>descendente</a:t>
                 </a:r>
                 <a:r>
-                  <a:rPr lang="pt-BR" dirty="0"/>
+                  <a:rPr lang="pt-BR" dirty="0" smtClean="0"/>
                   <a:t>.</a:t>
                 </a:r>
+                <a:endParaRPr lang="pt-BR" dirty="0"/>
               </a:p>
+            </p:txBody>
+          </p:sp>
+        </mc:Choice>
+        <mc:Fallback>
+          <p:sp>
+            <p:nvSpPr>
+              <p:cNvPr id="3" name="Notes Placeholder 2"/>
+              <p:cNvSpPr>
+                <a:spLocks noGrp="1"/>
+              </p:cNvSpPr>
+              <p:nvPr>
+                <p:ph type="body" idx="1"/>
+              </p:nvPr>
+            </p:nvSpPr>
+            <p:spPr/>
+            <p:txBody>
+              <a:bodyPr/>
+              <a:lstStyle/>
               <a:p>
                 <a:pPr marL="0" marR="0" lvl="0" indent="0" algn="l" defTabSz="914400" rtl="0" eaLnBrk="1" fontAlgn="auto" latinLnBrk="0" hangingPunct="1">
                   <a:lnSpc>
@@ -4033,258 +4104,57 @@
                   <a:tabLst/>
                   <a:defRPr/>
                 </a:pPr>
-                <a:endParaRPr lang="pt-BR" b="0" i="0" dirty="0"/>
-              </a:p>
-              <a:p>
-                <a:pPr marL="0" marR="0" lvl="0" indent="0" algn="l" defTabSz="914400" rtl="0" eaLnBrk="1" fontAlgn="auto" latinLnBrk="0" hangingPunct="1">
-                  <a:lnSpc>
-                    <a:spcPct val="100000"/>
-                  </a:lnSpc>
-                  <a:spcBef>
-                    <a:spcPts val="0"/>
-                  </a:spcBef>
-                  <a:spcAft>
-                    <a:spcPts val="0"/>
-                  </a:spcAft>
-                  <a:buClrTx/>
-                  <a:buSzTx/>
-                  <a:buFontTx/>
-                  <a:buNone/>
-                  <a:tabLst/>
-                  <a:defRPr/>
-                </a:pPr>
-                <a:endParaRPr lang="pt-BR" b="0" i="0" dirty="0"/>
-              </a:p>
-            </p:txBody>
-          </p:sp>
-        </mc:Choice>
-        <mc:Fallback xmlns="">
-          <p:sp>
-            <p:nvSpPr>
-              <p:cNvPr id="3" name="Notes Placeholder 2"/>
-              <p:cNvSpPr>
-                <a:spLocks noGrp="1"/>
-              </p:cNvSpPr>
-              <p:nvPr>
-                <p:ph type="body" idx="1"/>
-              </p:nvPr>
-            </p:nvSpPr>
-            <p:spPr/>
-            <p:txBody>
-              <a:bodyPr/>
-              <a:lstStyle/>
-              <a:p>
-                <a:r>
-                  <a:rPr lang="pt-BR" i="0" smtClean="0">
+                <a:r>
+                  <a:rPr lang="pt-BR" dirty="0" smtClean="0"/>
+                  <a:t>Um </a:t>
+                </a:r>
+                <a:r>
+                  <a:rPr lang="pt-BR" dirty="0"/>
+                  <a:t>algoritmo de otimização </a:t>
+                </a:r>
+                <a:r>
+                  <a:rPr lang="pt-BR" b="1" i="1" dirty="0"/>
+                  <a:t>iterativo</a:t>
+                </a:r>
+                <a:r>
+                  <a:rPr lang="pt-BR" dirty="0"/>
+                  <a:t> </a:t>
+                </a:r>
+                <a:r>
+                  <a:rPr lang="pt-BR" dirty="0" smtClean="0"/>
+                  <a:t>que use a</a:t>
+                </a:r>
+                <a:r>
+                  <a:rPr lang="pt-BR" baseline="0" dirty="0" smtClean="0"/>
+                  <a:t> direção contrária do</a:t>
+                </a:r>
+                <a:r>
+                  <a:rPr lang="pt-BR" dirty="0" smtClean="0"/>
+                  <a:t> vetor gradiente para encontrar o ponto de mínimo de </a:t>
+                </a:r>
+                <a:r>
+                  <a:rPr lang="pt-BR" i="0">
                     <a:latin typeface="Cambria Math" panose="02040503050406030204" pitchFamily="18" charset="0"/>
-                    <a:ea typeface="Cambria Math" panose="02040503050406030204" pitchFamily="18" charset="0"/>
                   </a:rPr>
-                  <a:t>𝛻</a:t>
-                </a:r>
-                <a:r>
-                  <a:rPr lang="pt-BR" b="0" i="0" smtClean="0">
-                    <a:latin typeface="Cambria Math" panose="02040503050406030204" pitchFamily="18" charset="0"/>
-                    <a:ea typeface="Cambria Math" panose="02040503050406030204" pitchFamily="18" charset="0"/>
-                  </a:rPr>
-                  <a:t>𝑓</a:t>
+                  <a:t>𝑓(𝑥_0,𝑥_1,…,𝑥_𝐾 )</a:t>
+                </a:r>
+                <a:r>
+                  <a:rPr lang="pt-BR" dirty="0"/>
+                  <a:t> é conhecido como </a:t>
+                </a:r>
+                <a:r>
+                  <a:rPr lang="pt-BR" b="1" i="1" dirty="0"/>
+                  <a:t>gradiente </a:t>
+                </a:r>
+                <a:r>
+                  <a:rPr lang="pt-BR" b="1" i="1" dirty="0" smtClean="0"/>
+                  <a:t>descendente</a:t>
                 </a:r>
                 <a:r>
                   <a:rPr lang="pt-BR" dirty="0" smtClean="0"/>
-                  <a:t> =&gt; Nabla f</a:t>
-                </a:r>
-                <a:endParaRPr lang="nl-BE" dirty="0" smtClean="0"/>
-              </a:p>
-              <a:p>
-                <a:endParaRPr lang="pt-BR" dirty="0" smtClean="0"/>
-              </a:p>
-              <a:p>
-                <a:r>
-                  <a:rPr lang="pt-BR" dirty="0" smtClean="0"/>
-                  <a:t>O gradiente pode ser interpretado como a "direção em</a:t>
-                </a:r>
-                <a:r>
-                  <a:rPr lang="pt-BR" baseline="0" dirty="0" smtClean="0"/>
-                  <a:t> que uma função tem</a:t>
-                </a:r>
-                <a:r>
-                  <a:rPr lang="pt-BR" dirty="0" smtClean="0"/>
-                  <a:t> taxa de aumento mais rápido".</a:t>
-                </a:r>
-              </a:p>
-              <a:p>
-                <a:endParaRPr lang="pt-BR" dirty="0" smtClean="0"/>
-              </a:p>
-              <a:p>
-                <a:pPr marL="0" marR="0" lvl="0" indent="0" algn="l" defTabSz="914400" rtl="0" eaLnBrk="1" fontAlgn="auto" latinLnBrk="0" hangingPunct="1">
-                  <a:lnSpc>
-                    <a:spcPct val="100000"/>
-                  </a:lnSpc>
-                  <a:spcBef>
-                    <a:spcPts val="0"/>
-                  </a:spcBef>
-                  <a:spcAft>
-                    <a:spcPts val="0"/>
-                  </a:spcAft>
-                  <a:buClrTx/>
-                  <a:buSzTx/>
-                  <a:buFontTx/>
-                  <a:buNone/>
-                  <a:tabLst/>
-                  <a:defRPr/>
-                </a:pPr>
-                <a:r>
-                  <a:rPr lang="pt-BR" dirty="0" smtClean="0"/>
-                  <a:t>O valor do gradiente em um ponto é um vetor tangente. Valores positivos indicam que o aumenta mais rápido esta à frente,</a:t>
-                </a:r>
-                <a:r>
-                  <a:rPr lang="pt-BR" baseline="0" dirty="0" smtClean="0"/>
-                  <a:t> já valores negativos indicam que a taxa de aumento mais rápida está para trás. O valor zero indica que estamos sobre o máximo.</a:t>
-                </a:r>
-                <a:endParaRPr lang="pt-BR" dirty="0" smtClean="0"/>
-              </a:p>
-              <a:p>
-                <a:pPr marL="0" marR="0" lvl="0" indent="0" algn="l" defTabSz="914400" rtl="0" eaLnBrk="1" fontAlgn="auto" latinLnBrk="0" hangingPunct="1">
-                  <a:lnSpc>
-                    <a:spcPct val="100000"/>
-                  </a:lnSpc>
-                  <a:spcBef>
-                    <a:spcPts val="0"/>
-                  </a:spcBef>
-                  <a:spcAft>
-                    <a:spcPts val="0"/>
-                  </a:spcAft>
-                  <a:buClrTx/>
-                  <a:buSzTx/>
-                  <a:buFontTx/>
-                  <a:buNone/>
-                  <a:tabLst/>
-                  <a:defRPr/>
-                </a:pPr>
-                <a:endParaRPr lang="pt-BR" baseline="0" dirty="0" smtClean="0"/>
-              </a:p>
-              <a:p>
-                <a:pPr marL="0" marR="0" lvl="0" indent="0" algn="l" defTabSz="914400" rtl="0" eaLnBrk="1" fontAlgn="auto" latinLnBrk="0" hangingPunct="1">
-                  <a:lnSpc>
-                    <a:spcPct val="100000"/>
-                  </a:lnSpc>
-                  <a:spcBef>
-                    <a:spcPts val="0"/>
-                  </a:spcBef>
-                  <a:spcAft>
-                    <a:spcPts val="0"/>
-                  </a:spcAft>
-                  <a:buClrTx/>
-                  <a:buSzTx/>
-                  <a:buFontTx/>
-                  <a:buNone/>
-                  <a:tabLst/>
-                  <a:defRPr/>
-                </a:pPr>
-                <a:r>
-                  <a:rPr lang="pt-BR" dirty="0" smtClean="0"/>
-                  <a:t>Imagine você parado no ponto </a:t>
-                </a:r>
-                <a:r>
-                  <a:rPr lang="pt-BR" b="1" i="1" dirty="0" smtClean="0"/>
-                  <a:t>x</a:t>
-                </a:r>
-                <a:r>
-                  <a:rPr lang="pt-BR" dirty="0" smtClean="0"/>
-                  <a:t> de uma função,</a:t>
-                </a:r>
-                <a:r>
-                  <a:rPr lang="pt-BR" baseline="0" dirty="0" smtClean="0"/>
-                  <a:t> </a:t>
-                </a:r>
-                <a:r>
-                  <a:rPr lang="pt-BR" b="1" i="1" baseline="0" dirty="0" smtClean="0"/>
-                  <a:t>f</a:t>
-                </a:r>
-                <a:r>
-                  <a:rPr lang="pt-BR" dirty="0" smtClean="0"/>
-                  <a:t>, o vetor </a:t>
-                </a:r>
-                <a:r>
-                  <a:rPr lang="pt-BR" i="0" smtClean="0">
-                    <a:latin typeface="Cambria Math" panose="02040503050406030204" pitchFamily="18" charset="0"/>
-                    <a:ea typeface="Cambria Math" panose="02040503050406030204" pitchFamily="18" charset="0"/>
-                  </a:rPr>
-                  <a:t>𝛻</a:t>
-                </a:r>
-                <a:r>
-                  <a:rPr lang="pt-BR" b="1" i="0" smtClean="0">
-                    <a:latin typeface="Cambria Math" panose="02040503050406030204" pitchFamily="18" charset="0"/>
-                    <a:ea typeface="Cambria Math" panose="02040503050406030204" pitchFamily="18" charset="0"/>
-                  </a:rPr>
-                  <a:t>𝒇</a:t>
-                </a:r>
-                <a:r>
-                  <a:rPr lang="pt-BR" dirty="0" smtClean="0"/>
-                  <a:t> diz em qual direção você deve caminhar para aumentar o valor da</a:t>
-                </a:r>
-                <a:r>
-                  <a:rPr lang="pt-BR" baseline="0" dirty="0" smtClean="0"/>
-                  <a:t> função </a:t>
-                </a:r>
-                <a:r>
-                  <a:rPr lang="pt-BR" b="1" i="1" baseline="0" dirty="0" smtClean="0"/>
-                  <a:t>f</a:t>
-                </a:r>
-                <a:r>
-                  <a:rPr lang="pt-BR" dirty="0" smtClean="0"/>
-                  <a:t> mais rapidamente.</a:t>
-                </a:r>
-              </a:p>
-              <a:p>
-                <a:pPr marL="0" marR="0" lvl="0" indent="0" algn="l" defTabSz="914400" rtl="0" eaLnBrk="1" fontAlgn="auto" latinLnBrk="0" hangingPunct="1">
-                  <a:lnSpc>
-                    <a:spcPct val="100000"/>
-                  </a:lnSpc>
-                  <a:spcBef>
-                    <a:spcPts val="0"/>
-                  </a:spcBef>
-                  <a:spcAft>
-                    <a:spcPts val="0"/>
-                  </a:spcAft>
-                  <a:buClrTx/>
-                  <a:buSzTx/>
-                  <a:buFontTx/>
-                  <a:buNone/>
-                  <a:tabLst/>
-                  <a:defRPr/>
-                </a:pPr>
-                <a:endParaRPr lang="pt-BR" dirty="0" smtClean="0"/>
-              </a:p>
-              <a:p>
-                <a:pPr marL="0" marR="0" lvl="0" indent="0" algn="l" defTabSz="914400" rtl="0" eaLnBrk="1" fontAlgn="auto" latinLnBrk="0" hangingPunct="1">
-                  <a:lnSpc>
-                    <a:spcPct val="100000"/>
-                  </a:lnSpc>
-                  <a:spcBef>
-                    <a:spcPts val="0"/>
-                  </a:spcBef>
-                  <a:spcAft>
-                    <a:spcPts val="0"/>
-                  </a:spcAft>
-                  <a:buClrTx/>
-                  <a:buSzTx/>
-                  <a:buFontTx/>
-                  <a:buNone/>
-                  <a:tabLst/>
-                  <a:defRPr/>
-                </a:pPr>
-                <a:r>
-                  <a:rPr lang="pt-BR" dirty="0" smtClean="0"/>
-                  <a:t>Se você seguir</a:t>
-                </a:r>
-                <a:r>
-                  <a:rPr lang="pt-BR" baseline="0" dirty="0" smtClean="0"/>
-                  <a:t> na direção do gradiente, você chegará ao máximo da função.</a:t>
-                </a:r>
-                <a:endParaRPr lang="pt-BR" dirty="0" smtClean="0"/>
-              </a:p>
-              <a:p>
-                <a:endParaRPr lang="nl-BE" dirty="0"/>
+                  <a:t>.</a:t>
+                </a:r>
+                <a:endParaRPr lang="pt-BR" dirty="0"/>
               </a:p>
             </p:txBody>
           </p:sp>
@@ -4316,7 +4186,7 @@
     </p:spTree>
     <p:extLst>
       <p:ext uri="{BB962C8B-B14F-4D97-AF65-F5344CB8AC3E}">
-        <p14:creationId xmlns:p14="http://schemas.microsoft.com/office/powerpoint/2010/main" val="345593466"/>
+        <p14:creationId xmlns:p14="http://schemas.microsoft.com/office/powerpoint/2010/main" val="1376156679"/>
       </p:ext>
     </p:extLst>
   </p:cSld>
@@ -5935,7 +5805,7 @@
           <a:p>
             <a:fld id="{C80E15A5-E95B-43EB-9AC7-9A96397448C0}" type="datetimeFigureOut">
               <a:rPr lang="nl-BE" smtClean="0"/>
-              <a:t>2/05/2021</a:t>
+              <a:t>14/07/2021</a:t>
             </a:fld>
             <a:endParaRPr lang="nl-BE"/>
           </a:p>
@@ -6105,7 +5975,7 @@
           <a:p>
             <a:fld id="{C80E15A5-E95B-43EB-9AC7-9A96397448C0}" type="datetimeFigureOut">
               <a:rPr lang="nl-BE" smtClean="0"/>
-              <a:t>2/05/2021</a:t>
+              <a:t>14/07/2021</a:t>
             </a:fld>
             <a:endParaRPr lang="nl-BE"/>
           </a:p>
@@ -6285,7 +6155,7 @@
           <a:p>
             <a:fld id="{C80E15A5-E95B-43EB-9AC7-9A96397448C0}" type="datetimeFigureOut">
               <a:rPr lang="nl-BE" smtClean="0"/>
-              <a:t>2/05/2021</a:t>
+              <a:t>14/07/2021</a:t>
             </a:fld>
             <a:endParaRPr lang="nl-BE"/>
           </a:p>
@@ -6455,7 +6325,7 @@
           <a:p>
             <a:fld id="{C80E15A5-E95B-43EB-9AC7-9A96397448C0}" type="datetimeFigureOut">
               <a:rPr lang="nl-BE" smtClean="0"/>
-              <a:t>2/05/2021</a:t>
+              <a:t>14/07/2021</a:t>
             </a:fld>
             <a:endParaRPr lang="nl-BE"/>
           </a:p>
@@ -6701,7 +6571,7 @@
           <a:p>
             <a:fld id="{C80E15A5-E95B-43EB-9AC7-9A96397448C0}" type="datetimeFigureOut">
               <a:rPr lang="nl-BE" smtClean="0"/>
-              <a:t>2/05/2021</a:t>
+              <a:t>14/07/2021</a:t>
             </a:fld>
             <a:endParaRPr lang="nl-BE"/>
           </a:p>
@@ -6933,7 +6803,7 @@
           <a:p>
             <a:fld id="{C80E15A5-E95B-43EB-9AC7-9A96397448C0}" type="datetimeFigureOut">
               <a:rPr lang="nl-BE" smtClean="0"/>
-              <a:t>2/05/2021</a:t>
+              <a:t>14/07/2021</a:t>
             </a:fld>
             <a:endParaRPr lang="nl-BE"/>
           </a:p>
@@ -7300,7 +7170,7 @@
           <a:p>
             <a:fld id="{C80E15A5-E95B-43EB-9AC7-9A96397448C0}" type="datetimeFigureOut">
               <a:rPr lang="nl-BE" smtClean="0"/>
-              <a:t>2/05/2021</a:t>
+              <a:t>14/07/2021</a:t>
             </a:fld>
             <a:endParaRPr lang="nl-BE"/>
           </a:p>
@@ -7418,7 +7288,7 @@
           <a:p>
             <a:fld id="{C80E15A5-E95B-43EB-9AC7-9A96397448C0}" type="datetimeFigureOut">
               <a:rPr lang="nl-BE" smtClean="0"/>
-              <a:t>2/05/2021</a:t>
+              <a:t>14/07/2021</a:t>
             </a:fld>
             <a:endParaRPr lang="nl-BE"/>
           </a:p>
@@ -7513,7 +7383,7 @@
           <a:p>
             <a:fld id="{C80E15A5-E95B-43EB-9AC7-9A96397448C0}" type="datetimeFigureOut">
               <a:rPr lang="nl-BE" smtClean="0"/>
-              <a:t>2/05/2021</a:t>
+              <a:t>14/07/2021</a:t>
             </a:fld>
             <a:endParaRPr lang="nl-BE"/>
           </a:p>
@@ -7790,7 +7660,7 @@
           <a:p>
             <a:fld id="{C80E15A5-E95B-43EB-9AC7-9A96397448C0}" type="datetimeFigureOut">
               <a:rPr lang="nl-BE" smtClean="0"/>
-              <a:t>2/05/2021</a:t>
+              <a:t>14/07/2021</a:t>
             </a:fld>
             <a:endParaRPr lang="nl-BE"/>
           </a:p>
@@ -8043,7 +7913,7 @@
           <a:p>
             <a:fld id="{C80E15A5-E95B-43EB-9AC7-9A96397448C0}" type="datetimeFigureOut">
               <a:rPr lang="nl-BE" smtClean="0"/>
-              <a:t>2/05/2021</a:t>
+              <a:t>14/07/2021</a:t>
             </a:fld>
             <a:endParaRPr lang="nl-BE"/>
           </a:p>
@@ -8256,7 +8126,7 @@
           <a:p>
             <a:fld id="{C80E15A5-E95B-43EB-9AC7-9A96397448C0}" type="datetimeFigureOut">
               <a:rPr lang="nl-BE" smtClean="0"/>
-              <a:t>2/05/2021</a:t>
+              <a:t>14/07/2021</a:t>
             </a:fld>
             <a:endParaRPr lang="nl-BE"/>
           </a:p>
@@ -10326,2474 +10196,6 @@
 </file>
 
 <file path=ppt/slides/slide13.xml><?xml version="1.0" encoding="utf-8"?>
-<p:sld xmlns:a="http://schemas.openxmlformats.org/drawingml/2006/main" xmlns:r="http://schemas.openxmlformats.org/officeDocument/2006/relationships" xmlns:p="http://schemas.openxmlformats.org/presentationml/2006/main">
-  <p:cSld>
-    <p:spTree>
-      <p:nvGrpSpPr>
-        <p:cNvPr id="1" name=""/>
-        <p:cNvGrpSpPr/>
-        <p:nvPr/>
-      </p:nvGrpSpPr>
-      <p:grpSpPr>
-        <a:xfrm>
-          <a:off x="0" y="0"/>
-          <a:ext cx="0" cy="0"/>
-          <a:chOff x="0" y="0"/>
-          <a:chExt cx="0" cy="0"/>
-        </a:xfrm>
-      </p:grpSpPr>
-      <p:sp>
-        <p:nvSpPr>
-          <p:cNvPr id="11" name="Retângulo 10">
-            <a:extLst>
-              <a:ext uri="{FF2B5EF4-FFF2-40B4-BE49-F238E27FC236}">
-                <a16:creationId xmlns:a16="http://schemas.microsoft.com/office/drawing/2014/main" xmlns="" id="{E2309C86-E375-49C0-9806-F51EAEDC56A2}"/>
-              </a:ext>
-            </a:extLst>
-          </p:cNvPr>
-          <p:cNvSpPr/>
-          <p:nvPr/>
-        </p:nvSpPr>
-        <p:spPr>
-          <a:xfrm>
-            <a:off x="7461956" y="1048080"/>
-            <a:ext cx="4730044" cy="5632311"/>
-          </a:xfrm>
-          <a:prstGeom prst="rect">
-            <a:avLst/>
-          </a:prstGeom>
-        </p:spPr>
-        <p:txBody>
-          <a:bodyPr wrap="square">
-            <a:spAutoFit/>
-          </a:bodyPr>
-          <a:lstStyle/>
-          <a:p>
-            <a:r>
-              <a:rPr lang="pt-BR" sz="1200" b="1" dirty="0" err="1">
-                <a:solidFill>
-                  <a:srgbClr val="0000FF"/>
-                </a:solidFill>
-                <a:highlight>
-                  <a:srgbClr val="FFFFFF"/>
-                </a:highlight>
-              </a:rPr>
-              <a:t>import</a:t>
-            </a:r>
-            <a:r>
-              <a:rPr lang="pt-BR" sz="1200" dirty="0">
-                <a:solidFill>
-                  <a:srgbClr val="000000"/>
-                </a:solidFill>
-                <a:highlight>
-                  <a:srgbClr val="FFFFFF"/>
-                </a:highlight>
-              </a:rPr>
-              <a:t> </a:t>
-            </a:r>
-            <a:r>
-              <a:rPr lang="pt-BR" sz="1200" dirty="0" err="1">
-                <a:solidFill>
-                  <a:srgbClr val="000000"/>
-                </a:solidFill>
-                <a:highlight>
-                  <a:srgbClr val="FFFFFF"/>
-                </a:highlight>
-              </a:rPr>
-              <a:t>numpy</a:t>
-            </a:r>
-            <a:r>
-              <a:rPr lang="pt-BR" sz="1200" dirty="0">
-                <a:solidFill>
-                  <a:srgbClr val="000000"/>
-                </a:solidFill>
-                <a:highlight>
-                  <a:srgbClr val="FFFFFF"/>
-                </a:highlight>
-              </a:rPr>
-              <a:t> </a:t>
-            </a:r>
-            <a:r>
-              <a:rPr lang="pt-BR" sz="1200" b="1" dirty="0">
-                <a:solidFill>
-                  <a:srgbClr val="0000FF"/>
-                </a:solidFill>
-                <a:highlight>
-                  <a:srgbClr val="FFFFFF"/>
-                </a:highlight>
-              </a:rPr>
-              <a:t>as</a:t>
-            </a:r>
-            <a:r>
-              <a:rPr lang="pt-BR" sz="1200" dirty="0">
-                <a:solidFill>
-                  <a:srgbClr val="000000"/>
-                </a:solidFill>
-                <a:highlight>
-                  <a:srgbClr val="FFFFFF"/>
-                </a:highlight>
-              </a:rPr>
-              <a:t> </a:t>
-            </a:r>
-            <a:r>
-              <a:rPr lang="pt-BR" sz="1200" dirty="0" err="1">
-                <a:solidFill>
-                  <a:srgbClr val="000000"/>
-                </a:solidFill>
-                <a:highlight>
-                  <a:srgbClr val="FFFFFF"/>
-                </a:highlight>
-              </a:rPr>
-              <a:t>np</a:t>
-            </a:r>
-            <a:endParaRPr lang="pt-BR" sz="1200" dirty="0">
-              <a:solidFill>
-                <a:srgbClr val="000000"/>
-              </a:solidFill>
-              <a:highlight>
-                <a:srgbClr val="FFFFFF"/>
-              </a:highlight>
-            </a:endParaRPr>
-          </a:p>
-          <a:p>
-            <a:endParaRPr lang="pt-BR" sz="1200" dirty="0">
-              <a:solidFill>
-                <a:srgbClr val="000000"/>
-              </a:solidFill>
-              <a:highlight>
-                <a:srgbClr val="FFFFFF"/>
-              </a:highlight>
-            </a:endParaRPr>
-          </a:p>
-          <a:p>
-            <a:r>
-              <a:rPr lang="pt-BR" sz="1200" dirty="0">
-                <a:solidFill>
-                  <a:srgbClr val="008000"/>
-                </a:solidFill>
-                <a:highlight>
-                  <a:srgbClr val="FFFFFF"/>
-                </a:highlight>
-              </a:rPr>
-              <a:t># Usamos a classe </a:t>
-            </a:r>
-            <a:r>
-              <a:rPr lang="pt-BR" sz="1200" dirty="0" err="1">
-                <a:solidFill>
-                  <a:srgbClr val="008000"/>
-                </a:solidFill>
-                <a:highlight>
-                  <a:srgbClr val="FFFFFF"/>
-                </a:highlight>
-              </a:rPr>
-              <a:t>SGDRegressor</a:t>
-            </a:r>
-            <a:r>
-              <a:rPr lang="pt-BR" sz="1200" dirty="0">
-                <a:solidFill>
-                  <a:srgbClr val="008000"/>
-                </a:solidFill>
-                <a:highlight>
-                  <a:srgbClr val="FFFFFF"/>
-                </a:highlight>
-              </a:rPr>
-              <a:t> do módulo Linear da biblioteca </a:t>
-            </a:r>
-            <a:r>
-              <a:rPr lang="pt-BR" sz="1200" dirty="0" err="1">
-                <a:solidFill>
-                  <a:srgbClr val="008000"/>
-                </a:solidFill>
-                <a:highlight>
-                  <a:srgbClr val="FFFFFF"/>
-                </a:highlight>
-              </a:rPr>
-              <a:t>sklearn</a:t>
-            </a:r>
-            <a:r>
-              <a:rPr lang="pt-BR" sz="1200" dirty="0">
-                <a:solidFill>
-                  <a:srgbClr val="008000"/>
-                </a:solidFill>
-                <a:highlight>
-                  <a:srgbClr val="FFFFFF"/>
-                </a:highlight>
-              </a:rPr>
-              <a:t>.</a:t>
-            </a:r>
-            <a:endParaRPr lang="pt-BR" sz="1200" dirty="0">
-              <a:solidFill>
-                <a:srgbClr val="000000"/>
-              </a:solidFill>
-              <a:highlight>
-                <a:srgbClr val="FFFFFF"/>
-              </a:highlight>
-            </a:endParaRPr>
-          </a:p>
-          <a:p>
-            <a:r>
-              <a:rPr lang="en-US" sz="1200" b="1" dirty="0">
-                <a:solidFill>
-                  <a:srgbClr val="0000FF"/>
-                </a:solidFill>
-                <a:highlight>
-                  <a:srgbClr val="FFFFFF"/>
-                </a:highlight>
-              </a:rPr>
-              <a:t>from</a:t>
-            </a:r>
-            <a:r>
-              <a:rPr lang="en-US" sz="1200" dirty="0">
-                <a:solidFill>
-                  <a:srgbClr val="000000"/>
-                </a:solidFill>
-                <a:highlight>
-                  <a:srgbClr val="FFFFFF"/>
-                </a:highlight>
-              </a:rPr>
-              <a:t> </a:t>
-            </a:r>
-            <a:r>
-              <a:rPr lang="en-US" sz="1200" dirty="0" err="1">
-                <a:solidFill>
-                  <a:srgbClr val="000000"/>
-                </a:solidFill>
-                <a:highlight>
-                  <a:srgbClr val="FFFFFF"/>
-                </a:highlight>
-              </a:rPr>
-              <a:t>sklearn</a:t>
-            </a:r>
-            <a:r>
-              <a:rPr lang="en-US" sz="1200" b="1" dirty="0" err="1">
-                <a:solidFill>
-                  <a:srgbClr val="000080"/>
-                </a:solidFill>
-                <a:highlight>
-                  <a:srgbClr val="FFFFFF"/>
-                </a:highlight>
-              </a:rPr>
-              <a:t>.</a:t>
-            </a:r>
-            <a:r>
-              <a:rPr lang="en-US" sz="1200" dirty="0" err="1">
-                <a:solidFill>
-                  <a:srgbClr val="000000"/>
-                </a:solidFill>
-                <a:highlight>
-                  <a:srgbClr val="FFFFFF"/>
-                </a:highlight>
-              </a:rPr>
-              <a:t>linear_model</a:t>
-            </a:r>
-            <a:r>
-              <a:rPr lang="en-US" sz="1200" dirty="0">
-                <a:solidFill>
-                  <a:srgbClr val="000000"/>
-                </a:solidFill>
-                <a:highlight>
-                  <a:srgbClr val="FFFFFF"/>
-                </a:highlight>
-              </a:rPr>
-              <a:t> </a:t>
-            </a:r>
-            <a:r>
-              <a:rPr lang="en-US" sz="1200" b="1" dirty="0">
-                <a:solidFill>
-                  <a:srgbClr val="0000FF"/>
-                </a:solidFill>
-                <a:highlight>
-                  <a:srgbClr val="FFFFFF"/>
-                </a:highlight>
-              </a:rPr>
-              <a:t>import</a:t>
-            </a:r>
-            <a:r>
-              <a:rPr lang="en-US" sz="1200" dirty="0">
-                <a:solidFill>
-                  <a:srgbClr val="000000"/>
-                </a:solidFill>
-                <a:highlight>
-                  <a:srgbClr val="FFFFFF"/>
-                </a:highlight>
-              </a:rPr>
-              <a:t> </a:t>
-            </a:r>
-            <a:r>
-              <a:rPr lang="en-US" sz="1200" dirty="0" err="1">
-                <a:solidFill>
-                  <a:srgbClr val="000000"/>
-                </a:solidFill>
-                <a:highlight>
-                  <a:srgbClr val="FFFFFF"/>
-                </a:highlight>
-              </a:rPr>
-              <a:t>SGDRegressor</a:t>
-            </a:r>
-            <a:endParaRPr lang="en-US" sz="1200" dirty="0">
-              <a:solidFill>
-                <a:srgbClr val="000000"/>
-              </a:solidFill>
-              <a:highlight>
-                <a:srgbClr val="FFFFFF"/>
-              </a:highlight>
-            </a:endParaRPr>
-          </a:p>
-          <a:p>
-            <a:endParaRPr lang="pt-BR" sz="1200" dirty="0">
-              <a:solidFill>
-                <a:srgbClr val="000000"/>
-              </a:solidFill>
-              <a:highlight>
-                <a:srgbClr val="FFFFFF"/>
-              </a:highlight>
-            </a:endParaRPr>
-          </a:p>
-          <a:p>
-            <a:r>
-              <a:rPr lang="pt-BR" sz="1200" dirty="0">
-                <a:solidFill>
-                  <a:srgbClr val="008000"/>
-                </a:solidFill>
-                <a:highlight>
-                  <a:srgbClr val="FFFFFF"/>
-                </a:highlight>
-              </a:rPr>
-              <a:t># Número de exemplos</a:t>
-            </a:r>
-            <a:endParaRPr lang="pt-BR" sz="1200" dirty="0">
-              <a:solidFill>
-                <a:srgbClr val="000000"/>
-              </a:solidFill>
-              <a:highlight>
-                <a:srgbClr val="FFFFFF"/>
-              </a:highlight>
-            </a:endParaRPr>
-          </a:p>
-          <a:p>
-            <a:r>
-              <a:rPr lang="pt-BR" sz="1200" dirty="0">
-                <a:solidFill>
-                  <a:srgbClr val="000000"/>
-                </a:solidFill>
-                <a:highlight>
-                  <a:srgbClr val="FFFFFF"/>
-                </a:highlight>
-              </a:rPr>
-              <a:t>N</a:t>
-            </a:r>
-            <a:r>
-              <a:rPr lang="pt-BR" sz="1200" dirty="0" smtClean="0">
-                <a:solidFill>
-                  <a:srgbClr val="000000"/>
-                </a:solidFill>
-                <a:highlight>
-                  <a:srgbClr val="FFFFFF"/>
-                </a:highlight>
-              </a:rPr>
-              <a:t> </a:t>
-            </a:r>
-            <a:r>
-              <a:rPr lang="pt-BR" sz="1200" b="1" dirty="0">
-                <a:solidFill>
-                  <a:srgbClr val="000080"/>
-                </a:solidFill>
-                <a:highlight>
-                  <a:srgbClr val="FFFFFF"/>
-                </a:highlight>
-              </a:rPr>
-              <a:t>=</a:t>
-            </a:r>
-            <a:r>
-              <a:rPr lang="pt-BR" sz="1200" dirty="0">
-                <a:solidFill>
-                  <a:srgbClr val="000000"/>
-                </a:solidFill>
-                <a:highlight>
-                  <a:srgbClr val="FFFFFF"/>
-                </a:highlight>
-              </a:rPr>
-              <a:t> </a:t>
-            </a:r>
-            <a:r>
-              <a:rPr lang="pt-BR" sz="1200" dirty="0">
-                <a:solidFill>
-                  <a:srgbClr val="FF0000"/>
-                </a:solidFill>
-                <a:highlight>
-                  <a:srgbClr val="FFFFFF"/>
-                </a:highlight>
-              </a:rPr>
-              <a:t>1000</a:t>
-            </a:r>
-            <a:endParaRPr lang="pt-BR" sz="1200" dirty="0">
-              <a:solidFill>
-                <a:srgbClr val="000000"/>
-              </a:solidFill>
-              <a:highlight>
-                <a:srgbClr val="FFFFFF"/>
-              </a:highlight>
-            </a:endParaRPr>
-          </a:p>
-          <a:p>
-            <a:endParaRPr lang="pt-BR" sz="1200" dirty="0">
-              <a:solidFill>
-                <a:srgbClr val="000000"/>
-              </a:solidFill>
-              <a:highlight>
-                <a:srgbClr val="FFFFFF"/>
-              </a:highlight>
-            </a:endParaRPr>
-          </a:p>
-          <a:p>
-            <a:r>
-              <a:rPr lang="pt-BR" sz="1200" dirty="0">
-                <a:solidFill>
-                  <a:srgbClr val="008000"/>
-                </a:solidFill>
-                <a:highlight>
-                  <a:srgbClr val="FFFFFF"/>
-                </a:highlight>
-              </a:rPr>
-              <a:t># Criamos os </a:t>
-            </a:r>
-            <a:r>
-              <a:rPr lang="pt-BR" sz="1200" dirty="0" err="1">
-                <a:solidFill>
-                  <a:srgbClr val="008000"/>
-                </a:solidFill>
-                <a:highlight>
-                  <a:srgbClr val="FFFFFF"/>
-                </a:highlight>
-              </a:rPr>
-              <a:t>features</a:t>
-            </a:r>
-            <a:r>
-              <a:rPr lang="pt-BR" sz="1200" dirty="0">
-                <a:solidFill>
-                  <a:srgbClr val="008000"/>
-                </a:solidFill>
-                <a:highlight>
-                  <a:srgbClr val="FFFFFF"/>
-                </a:highlight>
-              </a:rPr>
-              <a:t> e </a:t>
-            </a:r>
-            <a:r>
-              <a:rPr lang="pt-BR" sz="1200" dirty="0" err="1">
-                <a:solidFill>
-                  <a:srgbClr val="008000"/>
-                </a:solidFill>
-                <a:highlight>
-                  <a:srgbClr val="FFFFFF"/>
-                </a:highlight>
-              </a:rPr>
-              <a:t>labels</a:t>
-            </a:r>
-            <a:r>
-              <a:rPr lang="pt-BR" sz="1200" dirty="0">
-                <a:solidFill>
-                  <a:srgbClr val="008000"/>
-                </a:solidFill>
-                <a:highlight>
-                  <a:srgbClr val="FFFFFF"/>
-                </a:highlight>
-              </a:rPr>
-              <a:t>.</a:t>
-            </a:r>
-            <a:endParaRPr lang="pt-BR" sz="1200" dirty="0">
-              <a:solidFill>
-                <a:srgbClr val="000000"/>
-              </a:solidFill>
-              <a:highlight>
-                <a:srgbClr val="FFFFFF"/>
-              </a:highlight>
-            </a:endParaRPr>
-          </a:p>
-          <a:p>
-            <a:r>
-              <a:rPr lang="sv-SE" sz="1200" dirty="0">
-                <a:solidFill>
-                  <a:srgbClr val="000000"/>
-                </a:solidFill>
-                <a:highlight>
-                  <a:srgbClr val="FFFFFF"/>
-                </a:highlight>
-              </a:rPr>
-              <a:t>x1 </a:t>
-            </a:r>
-            <a:r>
-              <a:rPr lang="sv-SE" sz="1200" b="1" dirty="0">
-                <a:solidFill>
-                  <a:srgbClr val="000080"/>
-                </a:solidFill>
-                <a:highlight>
-                  <a:srgbClr val="FFFFFF"/>
-                </a:highlight>
-              </a:rPr>
-              <a:t>=</a:t>
-            </a:r>
-            <a:r>
-              <a:rPr lang="sv-SE" sz="1200" dirty="0">
-                <a:solidFill>
-                  <a:srgbClr val="000000"/>
-                </a:solidFill>
-                <a:highlight>
-                  <a:srgbClr val="FFFFFF"/>
-                </a:highlight>
-              </a:rPr>
-              <a:t> </a:t>
-            </a:r>
-            <a:r>
-              <a:rPr lang="sv-SE" sz="1200" dirty="0" smtClean="0">
-                <a:solidFill>
-                  <a:srgbClr val="000000"/>
-                </a:solidFill>
-                <a:highlight>
-                  <a:srgbClr val="FFFFFF"/>
-                </a:highlight>
-              </a:rPr>
-              <a:t>np</a:t>
-            </a:r>
-            <a:r>
-              <a:rPr lang="sv-SE" sz="1200" b="1" dirty="0" smtClean="0">
-                <a:solidFill>
-                  <a:srgbClr val="000080"/>
-                </a:solidFill>
-                <a:highlight>
-                  <a:srgbClr val="FFFFFF"/>
-                </a:highlight>
-              </a:rPr>
-              <a:t>.</a:t>
-            </a:r>
-            <a:r>
-              <a:rPr lang="sv-SE" sz="1200" dirty="0" smtClean="0">
-                <a:solidFill>
-                  <a:srgbClr val="000000"/>
-                </a:solidFill>
-                <a:highlight>
-                  <a:srgbClr val="FFFFFF"/>
-                </a:highlight>
-              </a:rPr>
-              <a:t>random</a:t>
-            </a:r>
-            <a:r>
-              <a:rPr lang="sv-SE" sz="1200" b="1" dirty="0" smtClean="0">
-                <a:solidFill>
-                  <a:srgbClr val="000080"/>
-                </a:solidFill>
-                <a:highlight>
-                  <a:srgbClr val="FFFFFF"/>
-                </a:highlight>
-              </a:rPr>
-              <a:t>.</a:t>
-            </a:r>
-            <a:r>
-              <a:rPr lang="sv-SE" sz="1200" dirty="0" smtClean="0">
-                <a:solidFill>
-                  <a:srgbClr val="000000"/>
-                </a:solidFill>
-                <a:highlight>
-                  <a:srgbClr val="FFFFFF"/>
-                </a:highlight>
-              </a:rPr>
-              <a:t>randn</a:t>
-            </a:r>
-            <a:r>
-              <a:rPr lang="sv-SE" sz="1200" b="1" dirty="0" smtClean="0">
-                <a:solidFill>
-                  <a:srgbClr val="000080"/>
-                </a:solidFill>
-                <a:highlight>
-                  <a:srgbClr val="FFFFFF"/>
-                </a:highlight>
-              </a:rPr>
-              <a:t>(</a:t>
-            </a:r>
-            <a:r>
-              <a:rPr lang="sv-SE" sz="1200" dirty="0">
-                <a:solidFill>
-                  <a:srgbClr val="000000"/>
-                </a:solidFill>
-                <a:highlight>
-                  <a:srgbClr val="FFFFFF"/>
-                </a:highlight>
-              </a:rPr>
-              <a:t>N</a:t>
-            </a:r>
-            <a:r>
-              <a:rPr lang="sv-SE" sz="1200" b="1" dirty="0" smtClean="0">
-                <a:solidFill>
-                  <a:srgbClr val="000080"/>
-                </a:solidFill>
-                <a:highlight>
-                  <a:srgbClr val="FFFFFF"/>
-                </a:highlight>
-              </a:rPr>
-              <a:t>,</a:t>
-            </a:r>
-            <a:r>
-              <a:rPr lang="sv-SE" sz="1200" dirty="0" smtClean="0">
-                <a:solidFill>
-                  <a:srgbClr val="000000"/>
-                </a:solidFill>
-                <a:highlight>
-                  <a:srgbClr val="FFFFFF"/>
-                </a:highlight>
-              </a:rPr>
-              <a:t> </a:t>
-            </a:r>
-            <a:r>
-              <a:rPr lang="sv-SE" sz="1200" dirty="0">
-                <a:solidFill>
-                  <a:srgbClr val="FF0000"/>
-                </a:solidFill>
-                <a:highlight>
-                  <a:srgbClr val="FFFFFF"/>
-                </a:highlight>
-              </a:rPr>
-              <a:t>1</a:t>
-            </a:r>
-            <a:r>
-              <a:rPr lang="sv-SE" sz="1200" b="1" dirty="0">
-                <a:solidFill>
-                  <a:srgbClr val="000080"/>
-                </a:solidFill>
-                <a:highlight>
-                  <a:srgbClr val="FFFFFF"/>
-                </a:highlight>
-              </a:rPr>
-              <a:t>)</a:t>
-            </a:r>
-            <a:endParaRPr lang="sv-SE" sz="1200" dirty="0">
-              <a:solidFill>
-                <a:srgbClr val="000000"/>
-              </a:solidFill>
-              <a:highlight>
-                <a:srgbClr val="FFFFFF"/>
-              </a:highlight>
-            </a:endParaRPr>
-          </a:p>
-          <a:p>
-            <a:r>
-              <a:rPr lang="sv-SE" sz="1200" dirty="0">
-                <a:solidFill>
-                  <a:srgbClr val="000000"/>
-                </a:solidFill>
-                <a:highlight>
-                  <a:srgbClr val="FFFFFF"/>
-                </a:highlight>
-              </a:rPr>
-              <a:t>x2 </a:t>
-            </a:r>
-            <a:r>
-              <a:rPr lang="sv-SE" sz="1200" b="1" dirty="0">
-                <a:solidFill>
-                  <a:srgbClr val="000080"/>
-                </a:solidFill>
-                <a:highlight>
-                  <a:srgbClr val="FFFFFF"/>
-                </a:highlight>
-              </a:rPr>
-              <a:t>=</a:t>
-            </a:r>
-            <a:r>
-              <a:rPr lang="sv-SE" sz="1200" dirty="0">
-                <a:solidFill>
-                  <a:srgbClr val="000000"/>
-                </a:solidFill>
-                <a:highlight>
-                  <a:srgbClr val="FFFFFF"/>
-                </a:highlight>
-              </a:rPr>
-              <a:t> </a:t>
-            </a:r>
-            <a:r>
-              <a:rPr lang="sv-SE" sz="1200" dirty="0" smtClean="0">
-                <a:solidFill>
-                  <a:srgbClr val="000000"/>
-                </a:solidFill>
-                <a:highlight>
-                  <a:srgbClr val="FFFFFF"/>
-                </a:highlight>
-              </a:rPr>
-              <a:t>np</a:t>
-            </a:r>
-            <a:r>
-              <a:rPr lang="sv-SE" sz="1200" b="1" dirty="0" smtClean="0">
-                <a:solidFill>
-                  <a:srgbClr val="000080"/>
-                </a:solidFill>
-                <a:highlight>
-                  <a:srgbClr val="FFFFFF"/>
-                </a:highlight>
-              </a:rPr>
-              <a:t>.</a:t>
-            </a:r>
-            <a:r>
-              <a:rPr lang="sv-SE" sz="1200" dirty="0" smtClean="0">
-                <a:solidFill>
-                  <a:srgbClr val="000000"/>
-                </a:solidFill>
-                <a:highlight>
-                  <a:srgbClr val="FFFFFF"/>
-                </a:highlight>
-              </a:rPr>
-              <a:t>random</a:t>
-            </a:r>
-            <a:r>
-              <a:rPr lang="sv-SE" sz="1200" b="1" dirty="0" smtClean="0">
-                <a:solidFill>
-                  <a:srgbClr val="000080"/>
-                </a:solidFill>
-                <a:highlight>
-                  <a:srgbClr val="FFFFFF"/>
-                </a:highlight>
-              </a:rPr>
-              <a:t>.</a:t>
-            </a:r>
-            <a:r>
-              <a:rPr lang="sv-SE" sz="1200" dirty="0" smtClean="0">
-                <a:solidFill>
-                  <a:srgbClr val="000000"/>
-                </a:solidFill>
-                <a:highlight>
-                  <a:srgbClr val="FFFFFF"/>
-                </a:highlight>
-              </a:rPr>
-              <a:t>randn</a:t>
-            </a:r>
-            <a:r>
-              <a:rPr lang="sv-SE" sz="1200" b="1" dirty="0" smtClean="0">
-                <a:solidFill>
-                  <a:srgbClr val="000080"/>
-                </a:solidFill>
-                <a:highlight>
-                  <a:srgbClr val="FFFFFF"/>
-                </a:highlight>
-              </a:rPr>
-              <a:t>(</a:t>
-            </a:r>
-            <a:r>
-              <a:rPr lang="sv-SE" sz="1200" dirty="0">
-                <a:solidFill>
-                  <a:srgbClr val="000000"/>
-                </a:solidFill>
-                <a:highlight>
-                  <a:srgbClr val="FFFFFF"/>
-                </a:highlight>
-              </a:rPr>
-              <a:t>N</a:t>
-            </a:r>
-            <a:r>
-              <a:rPr lang="sv-SE" sz="1200" b="1" dirty="0" smtClean="0">
-                <a:solidFill>
-                  <a:srgbClr val="000080"/>
-                </a:solidFill>
-                <a:highlight>
-                  <a:srgbClr val="FFFFFF"/>
-                </a:highlight>
-              </a:rPr>
-              <a:t>,</a:t>
-            </a:r>
-            <a:r>
-              <a:rPr lang="sv-SE" sz="1200" dirty="0" smtClean="0">
-                <a:solidFill>
-                  <a:srgbClr val="000000"/>
-                </a:solidFill>
-                <a:highlight>
-                  <a:srgbClr val="FFFFFF"/>
-                </a:highlight>
-              </a:rPr>
-              <a:t> </a:t>
-            </a:r>
-            <a:r>
-              <a:rPr lang="sv-SE" sz="1200" dirty="0">
-                <a:solidFill>
-                  <a:srgbClr val="FF0000"/>
-                </a:solidFill>
-                <a:highlight>
-                  <a:srgbClr val="FFFFFF"/>
-                </a:highlight>
-              </a:rPr>
-              <a:t>1</a:t>
-            </a:r>
-            <a:r>
-              <a:rPr lang="sv-SE" sz="1200" b="1" dirty="0">
-                <a:solidFill>
-                  <a:srgbClr val="000080"/>
-                </a:solidFill>
-                <a:highlight>
-                  <a:srgbClr val="FFFFFF"/>
-                </a:highlight>
-              </a:rPr>
-              <a:t>)</a:t>
-            </a:r>
-            <a:endParaRPr lang="sv-SE" sz="1200" dirty="0">
-              <a:solidFill>
-                <a:srgbClr val="000000"/>
-              </a:solidFill>
-              <a:highlight>
-                <a:srgbClr val="FFFFFF"/>
-              </a:highlight>
-            </a:endParaRPr>
-          </a:p>
-          <a:p>
-            <a:r>
-              <a:rPr lang="es-ES" sz="1200" dirty="0">
-                <a:solidFill>
-                  <a:srgbClr val="000000"/>
-                </a:solidFill>
-                <a:highlight>
-                  <a:srgbClr val="FFFFFF"/>
-                </a:highlight>
-              </a:rPr>
-              <a:t>y </a:t>
-            </a:r>
-            <a:r>
-              <a:rPr lang="es-ES" sz="1200" b="1" dirty="0">
-                <a:solidFill>
-                  <a:srgbClr val="000080"/>
-                </a:solidFill>
-                <a:highlight>
-                  <a:srgbClr val="FFFFFF"/>
-                </a:highlight>
-              </a:rPr>
-              <a:t>=</a:t>
-            </a:r>
-            <a:r>
-              <a:rPr lang="es-ES" sz="1200" dirty="0">
-                <a:solidFill>
-                  <a:srgbClr val="000000"/>
-                </a:solidFill>
-                <a:highlight>
-                  <a:srgbClr val="FFFFFF"/>
-                </a:highlight>
-              </a:rPr>
-              <a:t> </a:t>
-            </a:r>
-            <a:r>
-              <a:rPr lang="es-ES" sz="1200" dirty="0">
-                <a:solidFill>
-                  <a:srgbClr val="FF0000"/>
-                </a:solidFill>
-                <a:highlight>
-                  <a:srgbClr val="FFFFFF"/>
-                </a:highlight>
-              </a:rPr>
-              <a:t>2</a:t>
-            </a:r>
-            <a:r>
-              <a:rPr lang="es-ES" sz="1200" b="1" dirty="0">
-                <a:solidFill>
-                  <a:srgbClr val="000080"/>
-                </a:solidFill>
-                <a:highlight>
-                  <a:srgbClr val="FFFFFF"/>
-                </a:highlight>
-              </a:rPr>
-              <a:t>*</a:t>
-            </a:r>
-            <a:r>
-              <a:rPr lang="es-ES" sz="1200" dirty="0">
-                <a:solidFill>
-                  <a:srgbClr val="000000"/>
-                </a:solidFill>
-                <a:highlight>
-                  <a:srgbClr val="FFFFFF"/>
-                </a:highlight>
-              </a:rPr>
-              <a:t>x1 </a:t>
-            </a:r>
-            <a:r>
-              <a:rPr lang="es-ES" sz="1200" b="1" dirty="0">
-                <a:solidFill>
-                  <a:srgbClr val="000080"/>
-                </a:solidFill>
-                <a:highlight>
-                  <a:srgbClr val="FFFFFF"/>
-                </a:highlight>
-              </a:rPr>
-              <a:t>+</a:t>
-            </a:r>
-            <a:r>
-              <a:rPr lang="es-ES" sz="1200" dirty="0">
-                <a:solidFill>
-                  <a:srgbClr val="000000"/>
-                </a:solidFill>
-                <a:highlight>
-                  <a:srgbClr val="FFFFFF"/>
-                </a:highlight>
-              </a:rPr>
-              <a:t> </a:t>
-            </a:r>
-            <a:r>
-              <a:rPr lang="es-ES" sz="1200" dirty="0">
-                <a:solidFill>
-                  <a:srgbClr val="FF0000"/>
-                </a:solidFill>
-                <a:highlight>
-                  <a:srgbClr val="FFFFFF"/>
-                </a:highlight>
-              </a:rPr>
-              <a:t>4</a:t>
-            </a:r>
-            <a:r>
-              <a:rPr lang="es-ES" sz="1200" b="1" dirty="0">
-                <a:solidFill>
-                  <a:srgbClr val="000080"/>
-                </a:solidFill>
-                <a:highlight>
-                  <a:srgbClr val="FFFFFF"/>
-                </a:highlight>
-              </a:rPr>
-              <a:t>*</a:t>
-            </a:r>
-            <a:r>
-              <a:rPr lang="es-ES" sz="1200" dirty="0">
-                <a:solidFill>
-                  <a:srgbClr val="000000"/>
-                </a:solidFill>
-                <a:highlight>
-                  <a:srgbClr val="FFFFFF"/>
-                </a:highlight>
-              </a:rPr>
-              <a:t>x2 </a:t>
-            </a:r>
-            <a:r>
-              <a:rPr lang="es-ES" sz="1200" b="1" dirty="0">
-                <a:solidFill>
-                  <a:srgbClr val="000080"/>
-                </a:solidFill>
-                <a:highlight>
-                  <a:srgbClr val="FFFFFF"/>
-                </a:highlight>
-              </a:rPr>
-              <a:t>+</a:t>
-            </a:r>
-            <a:r>
-              <a:rPr lang="es-ES" sz="1200" dirty="0">
-                <a:solidFill>
-                  <a:srgbClr val="000000"/>
-                </a:solidFill>
-                <a:highlight>
-                  <a:srgbClr val="FFFFFF"/>
-                </a:highlight>
-              </a:rPr>
-              <a:t> </a:t>
-            </a:r>
-            <a:r>
-              <a:rPr lang="es-ES" sz="1200" dirty="0" err="1" smtClean="0">
-                <a:solidFill>
-                  <a:srgbClr val="000000"/>
-                </a:solidFill>
-                <a:highlight>
-                  <a:srgbClr val="FFFFFF"/>
-                </a:highlight>
-              </a:rPr>
-              <a:t>np</a:t>
-            </a:r>
-            <a:r>
-              <a:rPr lang="es-ES" sz="1200" b="1" dirty="0" err="1" smtClean="0">
-                <a:solidFill>
-                  <a:srgbClr val="000080"/>
-                </a:solidFill>
-                <a:highlight>
-                  <a:srgbClr val="FFFFFF"/>
-                </a:highlight>
-              </a:rPr>
-              <a:t>.</a:t>
-            </a:r>
-            <a:r>
-              <a:rPr lang="es-ES" sz="1200" dirty="0" err="1" smtClean="0">
-                <a:solidFill>
-                  <a:srgbClr val="000000"/>
-                </a:solidFill>
-                <a:highlight>
-                  <a:srgbClr val="FFFFFF"/>
-                </a:highlight>
-              </a:rPr>
-              <a:t>random</a:t>
-            </a:r>
-            <a:r>
-              <a:rPr lang="es-ES" sz="1200" b="1" dirty="0" err="1" smtClean="0">
-                <a:solidFill>
-                  <a:srgbClr val="000080"/>
-                </a:solidFill>
-                <a:highlight>
-                  <a:srgbClr val="FFFFFF"/>
-                </a:highlight>
-              </a:rPr>
-              <a:t>.</a:t>
-            </a:r>
-            <a:r>
-              <a:rPr lang="es-ES" sz="1200" dirty="0" err="1" smtClean="0">
-                <a:solidFill>
-                  <a:srgbClr val="000000"/>
-                </a:solidFill>
-                <a:highlight>
-                  <a:srgbClr val="FFFFFF"/>
-                </a:highlight>
-              </a:rPr>
-              <a:t>randn</a:t>
-            </a:r>
-            <a:r>
-              <a:rPr lang="es-ES" sz="1200" b="1" dirty="0" smtClean="0">
-                <a:solidFill>
-                  <a:srgbClr val="000080"/>
-                </a:solidFill>
-                <a:highlight>
-                  <a:srgbClr val="FFFFFF"/>
-                </a:highlight>
-              </a:rPr>
-              <a:t>(</a:t>
-            </a:r>
-            <a:r>
-              <a:rPr lang="es-ES" sz="1200" dirty="0">
-                <a:solidFill>
-                  <a:srgbClr val="000000"/>
-                </a:solidFill>
-                <a:highlight>
-                  <a:srgbClr val="FFFFFF"/>
-                </a:highlight>
-              </a:rPr>
-              <a:t>N</a:t>
-            </a:r>
-            <a:r>
-              <a:rPr lang="es-ES" sz="1200" b="1" dirty="0" smtClean="0">
-                <a:solidFill>
-                  <a:srgbClr val="000080"/>
-                </a:solidFill>
-                <a:highlight>
-                  <a:srgbClr val="FFFFFF"/>
-                </a:highlight>
-              </a:rPr>
-              <a:t>,</a:t>
-            </a:r>
-            <a:r>
-              <a:rPr lang="es-ES" sz="1200" dirty="0" smtClean="0">
-                <a:solidFill>
-                  <a:srgbClr val="000000"/>
-                </a:solidFill>
-                <a:highlight>
-                  <a:srgbClr val="FFFFFF"/>
-                </a:highlight>
-              </a:rPr>
-              <a:t> </a:t>
-            </a:r>
-            <a:r>
-              <a:rPr lang="es-ES" sz="1200" dirty="0">
-                <a:solidFill>
-                  <a:srgbClr val="FF0000"/>
-                </a:solidFill>
-                <a:highlight>
-                  <a:srgbClr val="FFFFFF"/>
-                </a:highlight>
-              </a:rPr>
-              <a:t>1</a:t>
-            </a:r>
-            <a:r>
-              <a:rPr lang="es-ES" sz="1200" b="1" dirty="0">
-                <a:solidFill>
-                  <a:srgbClr val="000080"/>
-                </a:solidFill>
-                <a:highlight>
-                  <a:srgbClr val="FFFFFF"/>
-                </a:highlight>
-              </a:rPr>
-              <a:t>)</a:t>
-            </a:r>
-            <a:endParaRPr lang="es-ES" sz="1200" dirty="0">
-              <a:solidFill>
-                <a:srgbClr val="000000"/>
-              </a:solidFill>
-              <a:highlight>
-                <a:srgbClr val="FFFFFF"/>
-              </a:highlight>
-            </a:endParaRPr>
-          </a:p>
-          <a:p>
-            <a:endParaRPr lang="pt-BR" sz="1200" dirty="0">
-              <a:solidFill>
-                <a:srgbClr val="000000"/>
-              </a:solidFill>
-              <a:highlight>
-                <a:srgbClr val="FFFFFF"/>
-              </a:highlight>
-            </a:endParaRPr>
-          </a:p>
-          <a:p>
-            <a:r>
-              <a:rPr lang="pt-BR" sz="1200" dirty="0">
-                <a:solidFill>
-                  <a:srgbClr val="008000"/>
-                </a:solidFill>
-                <a:highlight>
-                  <a:srgbClr val="FFFFFF"/>
-                </a:highlight>
-              </a:rPr>
-              <a:t># Concatena os vetores coluna x1 e x2.</a:t>
-            </a:r>
-            <a:endParaRPr lang="pt-BR" sz="1200" dirty="0">
-              <a:solidFill>
-                <a:srgbClr val="000000"/>
-              </a:solidFill>
-              <a:highlight>
-                <a:srgbClr val="FFFFFF"/>
-              </a:highlight>
-            </a:endParaRPr>
-          </a:p>
-          <a:p>
-            <a:r>
-              <a:rPr lang="pl-PL" sz="1200" dirty="0">
-                <a:solidFill>
-                  <a:srgbClr val="000000"/>
-                </a:solidFill>
-                <a:highlight>
-                  <a:srgbClr val="FFFFFF"/>
-                </a:highlight>
-              </a:rPr>
-              <a:t>X </a:t>
-            </a:r>
-            <a:r>
-              <a:rPr lang="pl-PL" sz="1200" b="1" dirty="0">
-                <a:solidFill>
-                  <a:srgbClr val="000080"/>
-                </a:solidFill>
-                <a:highlight>
-                  <a:srgbClr val="FFFFFF"/>
-                </a:highlight>
-              </a:rPr>
-              <a:t>=</a:t>
-            </a:r>
-            <a:r>
-              <a:rPr lang="pl-PL" sz="1200" dirty="0">
-                <a:solidFill>
-                  <a:srgbClr val="000000"/>
-                </a:solidFill>
-                <a:highlight>
-                  <a:srgbClr val="FFFFFF"/>
-                </a:highlight>
-              </a:rPr>
-              <a:t> np</a:t>
-            </a:r>
-            <a:r>
-              <a:rPr lang="pl-PL" sz="1200" b="1" dirty="0">
-                <a:solidFill>
-                  <a:srgbClr val="000080"/>
-                </a:solidFill>
-                <a:highlight>
-                  <a:srgbClr val="FFFFFF"/>
-                </a:highlight>
-              </a:rPr>
-              <a:t>.</a:t>
-            </a:r>
-            <a:r>
-              <a:rPr lang="pl-PL" sz="1200" dirty="0">
-                <a:solidFill>
-                  <a:srgbClr val="000000"/>
-                </a:solidFill>
-                <a:highlight>
-                  <a:srgbClr val="FFFFFF"/>
-                </a:highlight>
-              </a:rPr>
-              <a:t>c_</a:t>
-            </a:r>
-            <a:r>
-              <a:rPr lang="pl-PL" sz="1200" b="1" dirty="0">
-                <a:solidFill>
-                  <a:srgbClr val="000080"/>
-                </a:solidFill>
-                <a:highlight>
-                  <a:srgbClr val="FFFFFF"/>
-                </a:highlight>
-              </a:rPr>
-              <a:t>[</a:t>
-            </a:r>
-            <a:r>
-              <a:rPr lang="pl-PL" sz="1200" dirty="0">
-                <a:solidFill>
-                  <a:srgbClr val="000000"/>
-                </a:solidFill>
-                <a:highlight>
-                  <a:srgbClr val="FFFFFF"/>
-                </a:highlight>
-              </a:rPr>
-              <a:t>x1</a:t>
-            </a:r>
-            <a:r>
-              <a:rPr lang="pl-PL" sz="1200" b="1" dirty="0">
-                <a:solidFill>
-                  <a:srgbClr val="000080"/>
-                </a:solidFill>
-                <a:highlight>
-                  <a:srgbClr val="FFFFFF"/>
-                </a:highlight>
-              </a:rPr>
-              <a:t>,</a:t>
-            </a:r>
-            <a:r>
-              <a:rPr lang="pl-PL" sz="1200" dirty="0">
-                <a:solidFill>
-                  <a:srgbClr val="000000"/>
-                </a:solidFill>
-                <a:highlight>
-                  <a:srgbClr val="FFFFFF"/>
-                </a:highlight>
-              </a:rPr>
-              <a:t> x2</a:t>
-            </a:r>
-            <a:r>
-              <a:rPr lang="pl-PL" sz="1200" b="1" dirty="0">
-                <a:solidFill>
-                  <a:srgbClr val="000080"/>
-                </a:solidFill>
-                <a:highlight>
-                  <a:srgbClr val="FFFFFF"/>
-                </a:highlight>
-              </a:rPr>
-              <a:t>]</a:t>
-            </a:r>
-            <a:endParaRPr lang="pl-PL" sz="1200" dirty="0">
-              <a:solidFill>
-                <a:srgbClr val="000000"/>
-              </a:solidFill>
-              <a:highlight>
-                <a:srgbClr val="FFFFFF"/>
-              </a:highlight>
-            </a:endParaRPr>
-          </a:p>
-          <a:p>
-            <a:endParaRPr lang="pt-BR" sz="1200" dirty="0">
-              <a:solidFill>
-                <a:srgbClr val="000000"/>
-              </a:solidFill>
-              <a:highlight>
-                <a:srgbClr val="FFFFFF"/>
-              </a:highlight>
-            </a:endParaRPr>
-          </a:p>
-          <a:p>
-            <a:r>
-              <a:rPr lang="pt-BR" sz="1200" dirty="0">
-                <a:solidFill>
-                  <a:srgbClr val="008000"/>
-                </a:solidFill>
-                <a:highlight>
-                  <a:srgbClr val="FFFFFF"/>
-                </a:highlight>
-              </a:rPr>
-              <a:t># Instancia a classe </a:t>
-            </a:r>
-            <a:r>
-              <a:rPr lang="pt-BR" sz="1200" dirty="0" err="1">
-                <a:solidFill>
-                  <a:srgbClr val="008000"/>
-                </a:solidFill>
-                <a:highlight>
-                  <a:srgbClr val="FFFFFF"/>
-                </a:highlight>
-              </a:rPr>
-              <a:t>SGDRegressor</a:t>
-            </a:r>
-            <a:r>
-              <a:rPr lang="pt-BR" sz="1200" dirty="0">
-                <a:solidFill>
-                  <a:srgbClr val="008000"/>
-                </a:solidFill>
-                <a:highlight>
-                  <a:srgbClr val="FFFFFF"/>
-                </a:highlight>
-              </a:rPr>
-              <a:t>.</a:t>
-            </a:r>
-            <a:endParaRPr lang="pt-BR" sz="1200" dirty="0">
-              <a:solidFill>
-                <a:srgbClr val="000000"/>
-              </a:solidFill>
-              <a:highlight>
-                <a:srgbClr val="FFFFFF"/>
-              </a:highlight>
-            </a:endParaRPr>
-          </a:p>
-          <a:p>
-            <a:r>
-              <a:rPr lang="pt-BR" sz="1200" dirty="0">
-                <a:solidFill>
-                  <a:srgbClr val="000000"/>
-                </a:solidFill>
-                <a:highlight>
-                  <a:srgbClr val="FFFFFF"/>
-                </a:highlight>
-              </a:rPr>
-              <a:t>sgd_reg </a:t>
-            </a:r>
-            <a:r>
-              <a:rPr lang="pt-BR" sz="1200" b="1" dirty="0">
-                <a:solidFill>
-                  <a:srgbClr val="000080"/>
-                </a:solidFill>
-                <a:highlight>
-                  <a:srgbClr val="FFFFFF"/>
-                </a:highlight>
-              </a:rPr>
-              <a:t>=</a:t>
-            </a:r>
-            <a:r>
-              <a:rPr lang="pt-BR" sz="1200" dirty="0">
-                <a:solidFill>
-                  <a:srgbClr val="000000"/>
-                </a:solidFill>
-                <a:highlight>
-                  <a:srgbClr val="FFFFFF"/>
-                </a:highlight>
-              </a:rPr>
-              <a:t> </a:t>
-            </a:r>
-            <a:r>
-              <a:rPr lang="pt-BR" sz="1200" dirty="0" smtClean="0">
-                <a:solidFill>
-                  <a:srgbClr val="000000"/>
-                </a:solidFill>
-                <a:highlight>
-                  <a:srgbClr val="FFFFFF"/>
-                </a:highlight>
-              </a:rPr>
-              <a:t>SGDRegressor</a:t>
-            </a:r>
-            <a:r>
-              <a:rPr lang="pt-BR" sz="1200" b="1" dirty="0" smtClean="0">
-                <a:solidFill>
-                  <a:srgbClr val="000080"/>
-                </a:solidFill>
-                <a:highlight>
-                  <a:srgbClr val="FFFFFF"/>
-                </a:highlight>
-              </a:rPr>
-              <a:t>(</a:t>
-            </a:r>
-            <a:r>
-              <a:rPr lang="pt-BR" sz="1200" dirty="0" smtClean="0">
-                <a:solidFill>
-                  <a:srgbClr val="000000"/>
-                </a:solidFill>
-                <a:highlight>
-                  <a:srgbClr val="FFFFFF"/>
-                </a:highlight>
-              </a:rPr>
-              <a:t>fit_intercept</a:t>
-            </a:r>
-            <a:r>
-              <a:rPr lang="pt-BR" sz="1200" b="1" dirty="0" smtClean="0">
-                <a:solidFill>
-                  <a:srgbClr val="000080"/>
-                </a:solidFill>
-                <a:highlight>
-                  <a:srgbClr val="FFFFFF"/>
-                </a:highlight>
-              </a:rPr>
-              <a:t>=</a:t>
-            </a:r>
-            <a:r>
-              <a:rPr lang="pt-BR" sz="1200" b="1" dirty="0" smtClean="0">
-                <a:solidFill>
-                  <a:srgbClr val="880088"/>
-                </a:solidFill>
-                <a:highlight>
-                  <a:srgbClr val="FFFFFF"/>
-                </a:highlight>
-              </a:rPr>
-              <a:t>False</a:t>
-            </a:r>
-            <a:r>
-              <a:rPr lang="pt-BR" sz="1200" b="1" dirty="0">
-                <a:solidFill>
-                  <a:srgbClr val="000080"/>
-                </a:solidFill>
-                <a:highlight>
-                  <a:srgbClr val="FFFFFF"/>
-                </a:highlight>
-              </a:rPr>
-              <a:t>)</a:t>
-            </a:r>
-            <a:endParaRPr lang="pt-BR" sz="1200" dirty="0">
-              <a:solidFill>
-                <a:srgbClr val="000000"/>
-              </a:solidFill>
-              <a:highlight>
-                <a:srgbClr val="FFFFFF"/>
-              </a:highlight>
-            </a:endParaRPr>
-          </a:p>
-          <a:p>
-            <a:r>
-              <a:rPr lang="pt-BR" sz="1200" dirty="0">
-                <a:solidFill>
-                  <a:srgbClr val="008000"/>
-                </a:solidFill>
-                <a:highlight>
-                  <a:srgbClr val="FFFFFF"/>
-                </a:highlight>
-              </a:rPr>
-              <a:t># Treina o modelo.</a:t>
-            </a:r>
-            <a:endParaRPr lang="pt-BR" sz="1200" dirty="0">
-              <a:solidFill>
-                <a:srgbClr val="000000"/>
-              </a:solidFill>
-              <a:highlight>
-                <a:srgbClr val="FFFFFF"/>
-              </a:highlight>
-            </a:endParaRPr>
-          </a:p>
-          <a:p>
-            <a:r>
-              <a:rPr lang="pt-BR" sz="1200" dirty="0">
-                <a:solidFill>
-                  <a:srgbClr val="000000"/>
-                </a:solidFill>
-                <a:highlight>
-                  <a:srgbClr val="FFFFFF"/>
-                </a:highlight>
-              </a:rPr>
-              <a:t>sgd_reg</a:t>
-            </a:r>
-            <a:r>
-              <a:rPr lang="pt-BR" sz="1200" b="1" dirty="0">
-                <a:solidFill>
-                  <a:srgbClr val="000080"/>
-                </a:solidFill>
-                <a:highlight>
-                  <a:srgbClr val="FFFFFF"/>
-                </a:highlight>
-              </a:rPr>
-              <a:t>.</a:t>
-            </a:r>
-            <a:r>
-              <a:rPr lang="pt-BR" sz="1200" dirty="0">
-                <a:solidFill>
-                  <a:srgbClr val="000000"/>
-                </a:solidFill>
-                <a:highlight>
-                  <a:srgbClr val="FFFFFF"/>
-                </a:highlight>
-              </a:rPr>
-              <a:t>fit</a:t>
-            </a:r>
-            <a:r>
-              <a:rPr lang="pt-BR" sz="1200" b="1" dirty="0">
-                <a:solidFill>
-                  <a:srgbClr val="000080"/>
-                </a:solidFill>
-                <a:highlight>
-                  <a:srgbClr val="FFFFFF"/>
-                </a:highlight>
-              </a:rPr>
-              <a:t>(</a:t>
-            </a:r>
-            <a:r>
-              <a:rPr lang="pt-BR" sz="1200" dirty="0">
-                <a:solidFill>
-                  <a:srgbClr val="000000"/>
-                </a:solidFill>
-                <a:highlight>
-                  <a:srgbClr val="FFFFFF"/>
-                </a:highlight>
-              </a:rPr>
-              <a:t>X</a:t>
-            </a:r>
-            <a:r>
-              <a:rPr lang="pt-BR" sz="1200" b="1" dirty="0">
-                <a:solidFill>
-                  <a:srgbClr val="000080"/>
-                </a:solidFill>
-                <a:highlight>
-                  <a:srgbClr val="FFFFFF"/>
-                </a:highlight>
-              </a:rPr>
-              <a:t>,</a:t>
-            </a:r>
-            <a:r>
-              <a:rPr lang="pt-BR" sz="1200" dirty="0">
-                <a:solidFill>
-                  <a:srgbClr val="000000"/>
-                </a:solidFill>
-                <a:highlight>
-                  <a:srgbClr val="FFFFFF"/>
-                </a:highlight>
-              </a:rPr>
-              <a:t> y</a:t>
-            </a:r>
-            <a:r>
-              <a:rPr lang="pt-BR" sz="1200" b="1" dirty="0">
-                <a:solidFill>
-                  <a:srgbClr val="000080"/>
-                </a:solidFill>
-                <a:highlight>
-                  <a:srgbClr val="FFFFFF"/>
-                </a:highlight>
-              </a:rPr>
-              <a:t>.</a:t>
-            </a:r>
-            <a:r>
-              <a:rPr lang="pt-BR" sz="1200" dirty="0">
-                <a:solidFill>
-                  <a:srgbClr val="000000"/>
-                </a:solidFill>
-                <a:highlight>
-                  <a:srgbClr val="FFFFFF"/>
-                </a:highlight>
-              </a:rPr>
-              <a:t>ravel</a:t>
-            </a:r>
-            <a:r>
-              <a:rPr lang="pt-BR" sz="1200" b="1" dirty="0" smtClean="0">
-                <a:solidFill>
-                  <a:srgbClr val="000080"/>
-                </a:solidFill>
-                <a:highlight>
-                  <a:srgbClr val="FFFFFF"/>
-                </a:highlight>
-              </a:rPr>
-              <a:t>())</a:t>
-            </a:r>
-          </a:p>
-          <a:p>
-            <a:endParaRPr lang="pt-BR" sz="1200" b="1" dirty="0" smtClean="0">
-              <a:solidFill>
-                <a:srgbClr val="000080"/>
-              </a:solidFill>
-              <a:highlight>
-                <a:srgbClr val="FFFFFF"/>
-              </a:highlight>
-            </a:endParaRPr>
-          </a:p>
-          <a:p>
-            <a:r>
-              <a:rPr lang="pt-BR" sz="1200" dirty="0">
-                <a:solidFill>
-                  <a:srgbClr val="008000"/>
-                </a:solidFill>
-                <a:highlight>
-                  <a:srgbClr val="FFFFFF"/>
-                </a:highlight>
-              </a:rPr>
-              <a:t># </a:t>
-            </a:r>
-            <a:r>
-              <a:rPr lang="pt-BR" sz="1200" dirty="0" smtClean="0">
-                <a:solidFill>
-                  <a:srgbClr val="008000"/>
-                </a:solidFill>
-                <a:highlight>
-                  <a:srgbClr val="FFFFFF"/>
-                </a:highlight>
-              </a:rPr>
-              <a:t>Predição com o modelo treinado.</a:t>
-            </a:r>
-            <a:endParaRPr lang="pt-BR" sz="1200" b="1" dirty="0">
-              <a:solidFill>
-                <a:srgbClr val="000080"/>
-              </a:solidFill>
-              <a:highlight>
-                <a:srgbClr val="FFFFFF"/>
-              </a:highlight>
-            </a:endParaRPr>
-          </a:p>
-          <a:p>
-            <a:r>
-              <a:rPr lang="pt-BR" sz="1200" dirty="0" smtClean="0">
-                <a:solidFill>
-                  <a:srgbClr val="000000"/>
-                </a:solidFill>
-                <a:highlight>
-                  <a:srgbClr val="FFFFFF"/>
-                </a:highlight>
-              </a:rPr>
-              <a:t>sgd_reg.predict</a:t>
-            </a:r>
-            <a:r>
-              <a:rPr lang="pt-BR" sz="1200" b="1" dirty="0" smtClean="0">
-                <a:solidFill>
-                  <a:srgbClr val="000080"/>
-                </a:solidFill>
-                <a:highlight>
-                  <a:srgbClr val="FFFFFF"/>
-                </a:highlight>
-              </a:rPr>
-              <a:t>(</a:t>
-            </a:r>
-            <a:r>
-              <a:rPr lang="pt-BR" sz="1200" dirty="0" smtClean="0">
-                <a:solidFill>
-                  <a:srgbClr val="000000"/>
-                </a:solidFill>
-                <a:highlight>
-                  <a:srgbClr val="FFFFFF"/>
-                </a:highlight>
-              </a:rPr>
-              <a:t>X</a:t>
-            </a:r>
-            <a:r>
-              <a:rPr lang="pt-BR" sz="1200" b="1" dirty="0" smtClean="0">
-                <a:solidFill>
-                  <a:srgbClr val="000080"/>
-                </a:solidFill>
-                <a:highlight>
-                  <a:srgbClr val="FFFFFF"/>
-                </a:highlight>
-              </a:rPr>
-              <a:t>)</a:t>
-            </a:r>
-            <a:endParaRPr lang="pt-BR" sz="1200" dirty="0">
-              <a:solidFill>
-                <a:srgbClr val="000000"/>
-              </a:solidFill>
-              <a:highlight>
-                <a:srgbClr val="FFFFFF"/>
-              </a:highlight>
-            </a:endParaRPr>
-          </a:p>
-          <a:p>
-            <a:endParaRPr lang="pt-BR" sz="1200" dirty="0" smtClean="0">
-              <a:solidFill>
-                <a:srgbClr val="000000"/>
-              </a:solidFill>
-              <a:highlight>
-                <a:srgbClr val="FFFFFF"/>
-              </a:highlight>
-            </a:endParaRPr>
-          </a:p>
-          <a:p>
-            <a:r>
-              <a:rPr lang="pt-BR" sz="1200" dirty="0" smtClean="0">
-                <a:solidFill>
-                  <a:srgbClr val="008000"/>
-                </a:solidFill>
-                <a:highlight>
-                  <a:srgbClr val="FFFFFF"/>
-                </a:highlight>
-              </a:rPr>
-              <a:t># Acessa valor dos pesos.</a:t>
-            </a:r>
-            <a:endParaRPr lang="pt-BR" sz="1200" dirty="0" smtClean="0">
-              <a:solidFill>
-                <a:srgbClr val="000000"/>
-              </a:solidFill>
-              <a:highlight>
-                <a:srgbClr val="FFFFFF"/>
-              </a:highlight>
-            </a:endParaRPr>
-          </a:p>
-          <a:p>
-            <a:r>
-              <a:rPr lang="pt-BR" sz="1200" b="1" dirty="0" smtClean="0">
-                <a:solidFill>
-                  <a:srgbClr val="880088"/>
-                </a:solidFill>
-                <a:highlight>
-                  <a:srgbClr val="FFFFFF"/>
-                </a:highlight>
-              </a:rPr>
-              <a:t>print</a:t>
-            </a:r>
-            <a:r>
-              <a:rPr lang="pt-BR" sz="1200" b="1" dirty="0">
-                <a:solidFill>
-                  <a:srgbClr val="000080"/>
-                </a:solidFill>
-                <a:highlight>
-                  <a:srgbClr val="FFFFFF"/>
-                </a:highlight>
-              </a:rPr>
-              <a:t>(</a:t>
-            </a:r>
-            <a:r>
-              <a:rPr lang="pt-BR" sz="1200" dirty="0">
-                <a:solidFill>
-                  <a:srgbClr val="808080"/>
-                </a:solidFill>
-                <a:highlight>
-                  <a:srgbClr val="FFFFFF"/>
-                </a:highlight>
-              </a:rPr>
-              <a:t>'a1: %1.4f'</a:t>
-            </a:r>
-            <a:r>
-              <a:rPr lang="pt-BR" sz="1200" dirty="0">
-                <a:solidFill>
-                  <a:srgbClr val="000000"/>
-                </a:solidFill>
-                <a:highlight>
-                  <a:srgbClr val="FFFFFF"/>
-                </a:highlight>
-              </a:rPr>
-              <a:t> </a:t>
-            </a:r>
-            <a:r>
-              <a:rPr lang="pt-BR" sz="1200" b="1" dirty="0">
-                <a:solidFill>
-                  <a:srgbClr val="000080"/>
-                </a:solidFill>
-                <a:highlight>
-                  <a:srgbClr val="FFFFFF"/>
-                </a:highlight>
-              </a:rPr>
-              <a:t>%</a:t>
-            </a:r>
-            <a:r>
-              <a:rPr lang="pt-BR" sz="1200" dirty="0">
-                <a:solidFill>
-                  <a:srgbClr val="000000"/>
-                </a:solidFill>
-                <a:highlight>
-                  <a:srgbClr val="FFFFFF"/>
-                </a:highlight>
-              </a:rPr>
-              <a:t> </a:t>
-            </a:r>
-            <a:r>
-              <a:rPr lang="pt-BR" sz="1200" b="1" dirty="0">
-                <a:solidFill>
-                  <a:srgbClr val="000080"/>
-                </a:solidFill>
-                <a:highlight>
-                  <a:srgbClr val="FFFFFF"/>
-                </a:highlight>
-              </a:rPr>
-              <a:t>(</a:t>
-            </a:r>
-            <a:r>
-              <a:rPr lang="pt-BR" sz="1200" dirty="0">
-                <a:solidFill>
-                  <a:srgbClr val="000000"/>
-                </a:solidFill>
-                <a:highlight>
-                  <a:srgbClr val="FFFFFF"/>
-                </a:highlight>
-              </a:rPr>
-              <a:t>sgd_reg</a:t>
-            </a:r>
-            <a:r>
-              <a:rPr lang="pt-BR" sz="1200" b="1" dirty="0">
-                <a:solidFill>
-                  <a:srgbClr val="000080"/>
-                </a:solidFill>
-                <a:highlight>
-                  <a:srgbClr val="FFFFFF"/>
-                </a:highlight>
-              </a:rPr>
-              <a:t>.</a:t>
-            </a:r>
-            <a:r>
-              <a:rPr lang="pt-BR" sz="1200" dirty="0">
-                <a:solidFill>
-                  <a:srgbClr val="000000"/>
-                </a:solidFill>
-                <a:highlight>
-                  <a:srgbClr val="FFFFFF"/>
-                </a:highlight>
-              </a:rPr>
-              <a:t>coef_</a:t>
-            </a:r>
-            <a:r>
-              <a:rPr lang="pt-BR" sz="1200" b="1" dirty="0">
-                <a:solidFill>
-                  <a:srgbClr val="000080"/>
-                </a:solidFill>
-                <a:highlight>
-                  <a:srgbClr val="FFFFFF"/>
-                </a:highlight>
-              </a:rPr>
-              <a:t>[</a:t>
-            </a:r>
-            <a:r>
-              <a:rPr lang="pt-BR" sz="1200" dirty="0">
-                <a:solidFill>
-                  <a:srgbClr val="FF0000"/>
-                </a:solidFill>
-                <a:highlight>
-                  <a:srgbClr val="FFFFFF"/>
-                </a:highlight>
-              </a:rPr>
-              <a:t>0</a:t>
-            </a:r>
-            <a:r>
-              <a:rPr lang="pt-BR" sz="1200" b="1" dirty="0">
-                <a:solidFill>
-                  <a:srgbClr val="000080"/>
-                </a:solidFill>
-                <a:highlight>
-                  <a:srgbClr val="FFFFFF"/>
-                </a:highlight>
-              </a:rPr>
-              <a:t>]))</a:t>
-            </a:r>
-            <a:endParaRPr lang="pt-BR" sz="1200" dirty="0">
-              <a:solidFill>
-                <a:srgbClr val="000000"/>
-              </a:solidFill>
-              <a:highlight>
-                <a:srgbClr val="FFFFFF"/>
-              </a:highlight>
-            </a:endParaRPr>
-          </a:p>
-          <a:p>
-            <a:r>
-              <a:rPr lang="pt-BR" sz="1200" b="1" dirty="0">
-                <a:solidFill>
-                  <a:srgbClr val="880088"/>
-                </a:solidFill>
-                <a:highlight>
-                  <a:srgbClr val="FFFFFF"/>
-                </a:highlight>
-              </a:rPr>
-              <a:t>print</a:t>
-            </a:r>
-            <a:r>
-              <a:rPr lang="pt-BR" sz="1200" b="1" dirty="0">
-                <a:solidFill>
-                  <a:srgbClr val="000080"/>
-                </a:solidFill>
-                <a:highlight>
-                  <a:srgbClr val="FFFFFF"/>
-                </a:highlight>
-              </a:rPr>
-              <a:t>(</a:t>
-            </a:r>
-            <a:r>
-              <a:rPr lang="pt-BR" sz="1200" dirty="0">
-                <a:solidFill>
-                  <a:srgbClr val="808080"/>
-                </a:solidFill>
-                <a:highlight>
-                  <a:srgbClr val="FFFFFF"/>
-                </a:highlight>
-              </a:rPr>
-              <a:t>'a2: %1.4f'</a:t>
-            </a:r>
-            <a:r>
-              <a:rPr lang="pt-BR" sz="1200" dirty="0">
-                <a:solidFill>
-                  <a:srgbClr val="000000"/>
-                </a:solidFill>
-                <a:highlight>
-                  <a:srgbClr val="FFFFFF"/>
-                </a:highlight>
-              </a:rPr>
-              <a:t> </a:t>
-            </a:r>
-            <a:r>
-              <a:rPr lang="pt-BR" sz="1200" b="1" dirty="0">
-                <a:solidFill>
-                  <a:srgbClr val="000080"/>
-                </a:solidFill>
-                <a:highlight>
-                  <a:srgbClr val="FFFFFF"/>
-                </a:highlight>
-              </a:rPr>
-              <a:t>%</a:t>
-            </a:r>
-            <a:r>
-              <a:rPr lang="pt-BR" sz="1200" dirty="0">
-                <a:solidFill>
-                  <a:srgbClr val="000000"/>
-                </a:solidFill>
-                <a:highlight>
-                  <a:srgbClr val="FFFFFF"/>
-                </a:highlight>
-              </a:rPr>
-              <a:t> </a:t>
-            </a:r>
-            <a:r>
-              <a:rPr lang="pt-BR" sz="1200" b="1" dirty="0">
-                <a:solidFill>
-                  <a:srgbClr val="000080"/>
-                </a:solidFill>
-                <a:highlight>
-                  <a:srgbClr val="FFFFFF"/>
-                </a:highlight>
-              </a:rPr>
-              <a:t>(</a:t>
-            </a:r>
-            <a:r>
-              <a:rPr lang="pt-BR" sz="1200" dirty="0" err="1">
-                <a:solidFill>
-                  <a:srgbClr val="000000"/>
-                </a:solidFill>
-                <a:highlight>
-                  <a:srgbClr val="FFFFFF"/>
-                </a:highlight>
-              </a:rPr>
-              <a:t>sgd_reg</a:t>
-            </a:r>
-            <a:r>
-              <a:rPr lang="pt-BR" sz="1200" b="1" dirty="0" err="1">
-                <a:solidFill>
-                  <a:srgbClr val="000080"/>
-                </a:solidFill>
-                <a:highlight>
-                  <a:srgbClr val="FFFFFF"/>
-                </a:highlight>
-              </a:rPr>
-              <a:t>.</a:t>
-            </a:r>
-            <a:r>
-              <a:rPr lang="pt-BR" sz="1200" dirty="0" err="1">
-                <a:solidFill>
-                  <a:srgbClr val="000000"/>
-                </a:solidFill>
-                <a:highlight>
-                  <a:srgbClr val="FFFFFF"/>
-                </a:highlight>
-              </a:rPr>
-              <a:t>coef</a:t>
-            </a:r>
-            <a:r>
-              <a:rPr lang="pt-BR" sz="1200" dirty="0">
-                <a:solidFill>
-                  <a:srgbClr val="000000"/>
-                </a:solidFill>
-                <a:highlight>
-                  <a:srgbClr val="FFFFFF"/>
-                </a:highlight>
-              </a:rPr>
-              <a:t>_</a:t>
-            </a:r>
-            <a:r>
-              <a:rPr lang="pt-BR" sz="1200" b="1" dirty="0">
-                <a:solidFill>
-                  <a:srgbClr val="000080"/>
-                </a:solidFill>
-                <a:highlight>
-                  <a:srgbClr val="FFFFFF"/>
-                </a:highlight>
-              </a:rPr>
-              <a:t>[</a:t>
-            </a:r>
-            <a:r>
-              <a:rPr lang="pt-BR" sz="1200" dirty="0">
-                <a:solidFill>
-                  <a:srgbClr val="FF0000"/>
-                </a:solidFill>
-                <a:highlight>
-                  <a:srgbClr val="FFFFFF"/>
-                </a:highlight>
-              </a:rPr>
-              <a:t>1</a:t>
-            </a:r>
-            <a:r>
-              <a:rPr lang="pt-BR" sz="1200" b="1" dirty="0">
-                <a:solidFill>
-                  <a:srgbClr val="000080"/>
-                </a:solidFill>
-                <a:highlight>
-                  <a:srgbClr val="FFFFFF"/>
-                </a:highlight>
-              </a:rPr>
-              <a:t>]))</a:t>
-            </a:r>
-            <a:endParaRPr lang="pt-BR" sz="1200" dirty="0">
-              <a:solidFill>
-                <a:srgbClr val="000000"/>
-              </a:solidFill>
-              <a:highlight>
-                <a:srgbClr val="FFFFFF"/>
-              </a:highlight>
-            </a:endParaRPr>
-          </a:p>
-          <a:p>
-            <a:endParaRPr lang="pt-BR" sz="1200" dirty="0">
-              <a:solidFill>
-                <a:srgbClr val="000000"/>
-              </a:solidFill>
-              <a:highlight>
-                <a:srgbClr val="FFFFFF"/>
-              </a:highlight>
-            </a:endParaRPr>
-          </a:p>
-          <a:p>
-            <a:r>
-              <a:rPr lang="pt-BR" sz="1200" dirty="0">
-                <a:solidFill>
-                  <a:srgbClr val="000000"/>
-                </a:solidFill>
-                <a:highlight>
-                  <a:srgbClr val="FFFFFF"/>
-                </a:highlight>
-              </a:rPr>
-              <a:t>a1</a:t>
-            </a:r>
-            <a:r>
-              <a:rPr lang="pt-BR" sz="1200" b="1" dirty="0">
-                <a:solidFill>
-                  <a:srgbClr val="000080"/>
-                </a:solidFill>
-                <a:highlight>
-                  <a:srgbClr val="FFFFFF"/>
-                </a:highlight>
-              </a:rPr>
-              <a:t>:</a:t>
-            </a:r>
-            <a:r>
-              <a:rPr lang="pt-BR" sz="1200" dirty="0">
-                <a:solidFill>
-                  <a:srgbClr val="000000"/>
-                </a:solidFill>
-                <a:highlight>
-                  <a:srgbClr val="FFFFFF"/>
-                </a:highlight>
-              </a:rPr>
-              <a:t> </a:t>
-            </a:r>
-            <a:r>
-              <a:rPr lang="pt-BR" sz="1200" dirty="0">
-                <a:solidFill>
-                  <a:srgbClr val="FF0000"/>
-                </a:solidFill>
-                <a:highlight>
-                  <a:srgbClr val="FFFFFF"/>
-                </a:highlight>
-              </a:rPr>
-              <a:t>1.9844</a:t>
-            </a:r>
-            <a:endParaRPr lang="pt-BR" sz="1200" dirty="0">
-              <a:solidFill>
-                <a:srgbClr val="000000"/>
-              </a:solidFill>
-              <a:highlight>
-                <a:srgbClr val="FFFFFF"/>
-              </a:highlight>
-            </a:endParaRPr>
-          </a:p>
-          <a:p>
-            <a:r>
-              <a:rPr lang="pt-BR" sz="1200" dirty="0">
-                <a:solidFill>
-                  <a:srgbClr val="000000"/>
-                </a:solidFill>
-                <a:highlight>
-                  <a:srgbClr val="FFFFFF"/>
-                </a:highlight>
-              </a:rPr>
-              <a:t>a2</a:t>
-            </a:r>
-            <a:r>
-              <a:rPr lang="pt-BR" sz="1200" b="1" dirty="0">
-                <a:solidFill>
-                  <a:srgbClr val="000080"/>
-                </a:solidFill>
-                <a:highlight>
-                  <a:srgbClr val="FFFFFF"/>
-                </a:highlight>
-              </a:rPr>
-              <a:t>:</a:t>
-            </a:r>
-            <a:r>
-              <a:rPr lang="pt-BR" sz="1200" dirty="0">
-                <a:solidFill>
-                  <a:srgbClr val="000000"/>
-                </a:solidFill>
-                <a:highlight>
-                  <a:srgbClr val="FFFFFF"/>
-                </a:highlight>
-              </a:rPr>
-              <a:t> </a:t>
-            </a:r>
-            <a:r>
-              <a:rPr lang="pt-BR" sz="1200" dirty="0">
-                <a:solidFill>
-                  <a:srgbClr val="FF0000"/>
-                </a:solidFill>
-                <a:highlight>
-                  <a:srgbClr val="FFFFFF"/>
-                </a:highlight>
-              </a:rPr>
-              <a:t>3.9802</a:t>
-            </a:r>
-            <a:endParaRPr lang="pt-BR" sz="1200" dirty="0"/>
-          </a:p>
-        </p:txBody>
-      </p:sp>
-      <p:sp>
-        <p:nvSpPr>
-          <p:cNvPr id="2" name="Title 1"/>
-          <p:cNvSpPr>
-            <a:spLocks noGrp="1"/>
-          </p:cNvSpPr>
-          <p:nvPr>
-            <p:ph type="title"/>
-          </p:nvPr>
-        </p:nvSpPr>
-        <p:spPr>
-          <a:xfrm>
-            <a:off x="838200" y="306375"/>
-            <a:ext cx="11195945" cy="770947"/>
-          </a:xfrm>
-        </p:spPr>
-        <p:txBody>
-          <a:bodyPr>
-            <a:normAutofit/>
-          </a:bodyPr>
-          <a:lstStyle/>
-          <a:p>
-            <a:r>
-              <a:rPr lang="pt-BR" dirty="0" smtClean="0"/>
-              <a:t>GD Estocástico com Scikit-Learn </a:t>
-            </a:r>
-            <a:endParaRPr lang="pt-BR" dirty="0"/>
-          </a:p>
-        </p:txBody>
-      </p:sp>
-      <p:sp>
-        <p:nvSpPr>
-          <p:cNvPr id="3" name="Content Placeholder 2"/>
-          <p:cNvSpPr>
-            <a:spLocks noGrp="1"/>
-          </p:cNvSpPr>
-          <p:nvPr>
-            <p:ph idx="1"/>
-          </p:nvPr>
-        </p:nvSpPr>
-        <p:spPr>
-          <a:xfrm>
-            <a:off x="838200" y="1260764"/>
-            <a:ext cx="6620897" cy="5419627"/>
-          </a:xfrm>
-        </p:spPr>
-        <p:txBody>
-          <a:bodyPr>
-            <a:normAutofit fontScale="92500" lnSpcReduction="10000"/>
-          </a:bodyPr>
-          <a:lstStyle/>
-          <a:p>
-            <a:r>
-              <a:rPr lang="pt-BR" sz="2400" dirty="0"/>
-              <a:t>A biblioteca </a:t>
-            </a:r>
-            <a:r>
-              <a:rPr lang="pt-BR" sz="2400" b="1" i="1" dirty="0" smtClean="0"/>
-              <a:t>Scikit-Learn </a:t>
-            </a:r>
-            <a:r>
-              <a:rPr lang="pt-BR" sz="2400" dirty="0"/>
-              <a:t>disponibiliza a classe </a:t>
-            </a:r>
-            <a:r>
-              <a:rPr lang="pt-BR" sz="2400" b="1" i="1" dirty="0"/>
-              <a:t>SGDRegressor</a:t>
-            </a:r>
-            <a:r>
-              <a:rPr lang="pt-BR" sz="2400" dirty="0"/>
-              <a:t> para realizar regressão linear utilizando o Gradiente Descendente Estocástico.</a:t>
-            </a:r>
-          </a:p>
-          <a:p>
-            <a:r>
-              <a:rPr lang="pt-BR" sz="2400" dirty="0"/>
-              <a:t>A classe possui vários parâmetros que podem ser configurados </a:t>
-            </a:r>
-            <a:r>
-              <a:rPr lang="pt-BR" sz="2400" dirty="0" smtClean="0"/>
-              <a:t>(e.g., tipo </a:t>
-            </a:r>
-            <a:r>
-              <a:rPr lang="pt-BR" sz="2400" dirty="0"/>
-              <a:t>de função de erro, esquema de variação do passo de aprendizagem, etc.).</a:t>
-            </a:r>
-          </a:p>
-          <a:p>
-            <a:r>
-              <a:rPr lang="pt-BR" sz="2400" dirty="0" smtClean="0"/>
-              <a:t>Após instanciarmos um objeto dessa classe, o treinamento é feito com o método </a:t>
-            </a:r>
-            <a:r>
-              <a:rPr lang="pt-BR" sz="2400" b="1" i="1" dirty="0" smtClean="0"/>
-              <a:t>fit</a:t>
-            </a:r>
-            <a:r>
-              <a:rPr lang="pt-BR" sz="2400" dirty="0" smtClean="0"/>
-              <a:t> e a predição é feita com o método </a:t>
-            </a:r>
-            <a:r>
-              <a:rPr lang="pt-BR" sz="2400" b="1" i="1" dirty="0" smtClean="0"/>
-              <a:t>predict</a:t>
-            </a:r>
-            <a:r>
-              <a:rPr lang="pt-BR" sz="2400" dirty="0" smtClean="0"/>
-              <a:t>.</a:t>
-            </a:r>
-          </a:p>
-          <a:p>
-            <a:r>
-              <a:rPr lang="pt-BR" sz="2400" dirty="0" smtClean="0"/>
-              <a:t>Além da versão estocástica, podemos implementar a versão em mini-batches com a classe </a:t>
-            </a:r>
-            <a:r>
-              <a:rPr lang="pt-BR" sz="2400" b="1" i="1" dirty="0" smtClean="0"/>
-              <a:t>SGDRegressor</a:t>
-            </a:r>
-            <a:r>
-              <a:rPr lang="pt-BR" sz="2400" dirty="0" smtClean="0"/>
-              <a:t> usando o método </a:t>
-            </a:r>
-            <a:r>
-              <a:rPr lang="pt-BR" sz="2400" b="1" i="1" dirty="0" smtClean="0"/>
-              <a:t>partial_fit</a:t>
-            </a:r>
-            <a:r>
-              <a:rPr lang="pt-BR" sz="2400" dirty="0" smtClean="0"/>
-              <a:t>.</a:t>
-            </a:r>
-          </a:p>
-          <a:p>
-            <a:r>
-              <a:rPr lang="pt-BR" sz="2400" dirty="0" smtClean="0"/>
-              <a:t>Os pesos são acessados através dos atributos </a:t>
-            </a:r>
-            <a:r>
-              <a:rPr lang="pt-BR" sz="2400" b="1" i="1" dirty="0" smtClean="0"/>
-              <a:t>intercept_</a:t>
-            </a:r>
-            <a:r>
-              <a:rPr lang="pt-BR" sz="2400" dirty="0" smtClean="0"/>
-              <a:t> e </a:t>
-            </a:r>
-            <a:r>
-              <a:rPr lang="pt-BR" sz="2400" b="1" i="1" dirty="0" smtClean="0"/>
-              <a:t>coef_</a:t>
-            </a:r>
-            <a:r>
-              <a:rPr lang="pt-BR" sz="2400" dirty="0"/>
-              <a:t> </a:t>
-            </a:r>
-            <a:r>
-              <a:rPr lang="pt-BR" sz="2400" dirty="0" smtClean="0"/>
-              <a:t>do objeto da classe </a:t>
-            </a:r>
-            <a:r>
-              <a:rPr lang="pt-BR" sz="2400" b="1" i="1" dirty="0" smtClean="0"/>
-              <a:t>SGDRegressor</a:t>
-            </a:r>
-            <a:r>
-              <a:rPr lang="pt-BR" sz="2400" dirty="0" smtClean="0"/>
-              <a:t>.</a:t>
-            </a:r>
-          </a:p>
-          <a:p>
-            <a:r>
-              <a:rPr lang="pt-BR" sz="2400" dirty="0" smtClean="0"/>
-              <a:t>Porém, não conseguimos implementar a versão em batelada.</a:t>
-            </a:r>
-            <a:endParaRPr lang="pt-BR" sz="2400" dirty="0"/>
-          </a:p>
-        </p:txBody>
-      </p:sp>
-      <p:pic>
-        <p:nvPicPr>
-          <p:cNvPr id="4" name="Picture 6" descr="Image result for scikit learn logo">
-            <a:extLst>
-              <a:ext uri="{FF2B5EF4-FFF2-40B4-BE49-F238E27FC236}">
-                <a16:creationId xmlns:a16="http://schemas.microsoft.com/office/drawing/2014/main" xmlns="" id="{87129D40-D136-4716-8871-12CAEC603994}"/>
-              </a:ext>
-            </a:extLst>
-          </p:cNvPr>
-          <p:cNvPicPr>
-            <a:picLocks noChangeAspect="1" noChangeArrowheads="1"/>
-          </p:cNvPicPr>
-          <p:nvPr/>
-        </p:nvPicPr>
-        <p:blipFill>
-          <a:blip r:embed="rId3">
-            <a:extLst>
-              <a:ext uri="{28A0092B-C50C-407E-A947-70E740481C1C}">
-                <a14:useLocalDpi xmlns:a14="http://schemas.microsoft.com/office/drawing/2010/main" val="0"/>
-              </a:ext>
-            </a:extLst>
-          </a:blip>
-          <a:srcRect/>
-          <a:stretch>
-            <a:fillRect/>
-          </a:stretch>
-        </p:blipFill>
-        <p:spPr bwMode="auto">
-          <a:xfrm>
-            <a:off x="9920725" y="5540802"/>
-            <a:ext cx="2113420" cy="1139589"/>
-          </a:xfrm>
-          <a:prstGeom prst="rect">
-            <a:avLst/>
-          </a:prstGeom>
-          <a:noFill/>
-          <a:extLst>
-            <a:ext uri="{909E8E84-426E-40DD-AFC4-6F175D3DCCD1}">
-              <a14:hiddenFill xmlns:a14="http://schemas.microsoft.com/office/drawing/2010/main">
-                <a:solidFill>
-                  <a:srgbClr val="FFFFFF"/>
-                </a:solidFill>
-              </a14:hiddenFill>
-            </a:ext>
-          </a:extLst>
-        </p:spPr>
-      </p:pic>
-      <p:sp>
-        <p:nvSpPr>
-          <p:cNvPr id="5" name="Rectangle 4"/>
-          <p:cNvSpPr/>
-          <p:nvPr/>
-        </p:nvSpPr>
-        <p:spPr>
-          <a:xfrm>
-            <a:off x="1127761" y="3864236"/>
-            <a:ext cx="5404884" cy="461665"/>
-          </a:xfrm>
-          <a:prstGeom prst="rect">
-            <a:avLst/>
-          </a:prstGeom>
-        </p:spPr>
-        <p:txBody>
-          <a:bodyPr wrap="square">
-            <a:spAutoFit/>
-          </a:bodyPr>
-          <a:lstStyle/>
-          <a:p>
-            <a:endParaRPr lang="nl-BE" sz="1200" dirty="0"/>
-          </a:p>
-          <a:p>
-            <a:endParaRPr lang="nl-BE" sz="1200" dirty="0"/>
-          </a:p>
-        </p:txBody>
-      </p:sp>
-      <p:sp>
-        <p:nvSpPr>
-          <p:cNvPr id="7" name="TextBox 6"/>
-          <p:cNvSpPr txBox="1"/>
-          <p:nvPr/>
-        </p:nvSpPr>
-        <p:spPr>
-          <a:xfrm>
-            <a:off x="1994310" y="6311059"/>
-            <a:ext cx="6080136" cy="369332"/>
-          </a:xfrm>
-          <a:prstGeom prst="rect">
-            <a:avLst/>
-          </a:prstGeom>
-          <a:noFill/>
-        </p:spPr>
-        <p:txBody>
-          <a:bodyPr wrap="square" rtlCol="0">
-            <a:spAutoFit/>
-          </a:bodyPr>
-          <a:lstStyle/>
-          <a:p>
-            <a:pPr algn="ctr"/>
-            <a:r>
-              <a:rPr lang="pt-BR" u="sng" dirty="0" smtClean="0">
-                <a:solidFill>
-                  <a:srgbClr val="00B0F0"/>
-                </a:solidFill>
-                <a:hlinkClick r:id="rId4"/>
-              </a:rPr>
-              <a:t>Exemplo: </a:t>
-            </a:r>
-            <a:r>
-              <a:rPr lang="pt-BR" u="sng" dirty="0">
-                <a:solidFill>
-                  <a:srgbClr val="00B0F0"/>
-                </a:solidFill>
-                <a:hlinkClick r:id="rId4"/>
-              </a:rPr>
-              <a:t>SGD_with_scikit_learn_lib.ipynb</a:t>
-            </a:r>
-            <a:endParaRPr lang="pt-BR" u="sng" dirty="0">
-              <a:solidFill>
-                <a:srgbClr val="00B0F0"/>
-              </a:solidFill>
-            </a:endParaRPr>
-          </a:p>
-        </p:txBody>
-      </p:sp>
-      <p:sp>
-        <p:nvSpPr>
-          <p:cNvPr id="6" name="TextBox 5"/>
-          <p:cNvSpPr txBox="1"/>
-          <p:nvPr/>
-        </p:nvSpPr>
-        <p:spPr>
-          <a:xfrm>
-            <a:off x="10522856" y="2694684"/>
-            <a:ext cx="1627402" cy="1169551"/>
-          </a:xfrm>
-          <a:prstGeom prst="rect">
-            <a:avLst/>
-          </a:prstGeom>
-          <a:noFill/>
-        </p:spPr>
-        <p:txBody>
-          <a:bodyPr wrap="square" rtlCol="0">
-            <a:spAutoFit/>
-          </a:bodyPr>
-          <a:lstStyle/>
-          <a:p>
-            <a:pPr algn="ctr"/>
-            <a:r>
-              <a:rPr lang="pt-BR" sz="1400" dirty="0" smtClean="0"/>
-              <a:t>Como modelo gerador não tem peso a0 (intercept), não precisamos encontrá-lo.</a:t>
-            </a:r>
-            <a:endParaRPr lang="pt-BR" sz="1400" dirty="0"/>
-          </a:p>
-        </p:txBody>
-      </p:sp>
-      <p:cxnSp>
-        <p:nvCxnSpPr>
-          <p:cNvPr id="9" name="Straight Arrow Connector 8"/>
-          <p:cNvCxnSpPr/>
-          <p:nvPr/>
-        </p:nvCxnSpPr>
-        <p:spPr>
-          <a:xfrm flipV="1">
-            <a:off x="9826978" y="3294081"/>
-            <a:ext cx="724908" cy="800987"/>
-          </a:xfrm>
-          <a:prstGeom prst="straightConnector1">
-            <a:avLst/>
-          </a:prstGeom>
-          <a:ln>
-            <a:solidFill>
-              <a:srgbClr val="FF0000"/>
-            </a:solidFill>
-            <a:tailEnd type="triangle"/>
-          </a:ln>
-        </p:spPr>
-        <p:style>
-          <a:lnRef idx="1">
-            <a:schemeClr val="accent1"/>
-          </a:lnRef>
-          <a:fillRef idx="0">
-            <a:schemeClr val="accent1"/>
-          </a:fillRef>
-          <a:effectRef idx="0">
-            <a:schemeClr val="accent1"/>
-          </a:effectRef>
-          <a:fontRef idx="minor">
-            <a:schemeClr val="tx1"/>
-          </a:fontRef>
-        </p:style>
-      </p:cxnSp>
-    </p:spTree>
-    <p:extLst>
-      <p:ext uri="{BB962C8B-B14F-4D97-AF65-F5344CB8AC3E}">
-        <p14:creationId xmlns:p14="http://schemas.microsoft.com/office/powerpoint/2010/main" val="3498092131"/>
-      </p:ext>
-    </p:extLst>
-  </p:cSld>
-  <p:clrMapOvr>
-    <a:masterClrMapping/>
-  </p:clrMapOvr>
-</p:sld>
-</file>
-
-<file path=ppt/slides/slide14.xml><?xml version="1.0" encoding="utf-8"?>
 <p:sld xmlns:a="http://schemas.openxmlformats.org/drawingml/2006/main" xmlns:r="http://schemas.openxmlformats.org/officeDocument/2006/relationships" xmlns:p="http://schemas.openxmlformats.org/presentationml/2006/main">
   <p:cSld>
     <p:spTree>
@@ -13545,7 +10947,7 @@
 </p:sld>
 </file>
 
-<file path=ppt/slides/slide15.xml><?xml version="1.0" encoding="utf-8"?>
+<file path=ppt/slides/slide14.xml><?xml version="1.0" encoding="utf-8"?>
 <p:sld xmlns:a="http://schemas.openxmlformats.org/drawingml/2006/main" xmlns:r="http://schemas.openxmlformats.org/officeDocument/2006/relationships" xmlns:p="http://schemas.openxmlformats.org/presentationml/2006/main">
   <p:cSld>
     <p:spTree>
@@ -14059,7 +11461,7 @@
 </p:sld>
 </file>
 
-<file path=ppt/slides/slide16.xml><?xml version="1.0" encoding="utf-8"?>
+<file path=ppt/slides/slide15.xml><?xml version="1.0" encoding="utf-8"?>
 <p:sld xmlns:a="http://schemas.openxmlformats.org/drawingml/2006/main" xmlns:r="http://schemas.openxmlformats.org/officeDocument/2006/relationships" xmlns:p="http://schemas.openxmlformats.org/presentationml/2006/main">
   <p:cSld>
     <p:spTree>
@@ -14207,26 +11609,13 @@
           <a:p>
             <a:pPr lvl="1"/>
             <a:r>
-              <a:rPr lang="pt-BR" sz="2800" b="1" dirty="0">
+              <a:rPr lang="pt-BR" b="1" dirty="0">
                 <a:solidFill>
                   <a:srgbClr val="FF0000"/>
                 </a:solidFill>
               </a:rPr>
-              <a:t>Laboratórios podem ser feitos em grupo</a:t>
-            </a:r>
-            <a:r>
-              <a:rPr lang="pt-BR" sz="2800" b="1" dirty="0" smtClean="0">
-                <a:solidFill>
-                  <a:srgbClr val="FF0000"/>
-                </a:solidFill>
-              </a:rPr>
-              <a:t>.</a:t>
-            </a:r>
-            <a:endParaRPr lang="pt-BR" sz="2800" b="1" dirty="0">
-              <a:solidFill>
-                <a:srgbClr val="FF0000"/>
-              </a:solidFill>
-            </a:endParaRPr>
+              <a:t>Laboratórios podem ser feitos em grupo, mas as entregas devem ser individuais.</a:t>
+            </a:r>
           </a:p>
         </p:txBody>
       </p:sp>
@@ -14250,7 +11639,7 @@
 </p:sld>
 </file>
 
-<file path=ppt/slides/slide17.xml><?xml version="1.0" encoding="utf-8"?>
+<file path=ppt/slides/slide16.xml><?xml version="1.0" encoding="utf-8"?>
 <p:sld xmlns:a="http://schemas.openxmlformats.org/drawingml/2006/main" xmlns:r="http://schemas.openxmlformats.org/officeDocument/2006/relationships" xmlns:p="http://schemas.openxmlformats.org/presentationml/2006/main">
   <p:cSld>
     <p:spTree>
@@ -14342,7 +11731,7 @@
 </p:sld>
 </file>
 
-<file path=ppt/slides/slide18.xml><?xml version="1.0" encoding="utf-8"?>
+<file path=ppt/slides/slide17.xml><?xml version="1.0" encoding="utf-8"?>
 <p:sld xmlns:a="http://schemas.openxmlformats.org/drawingml/2006/main" xmlns:r="http://schemas.openxmlformats.org/officeDocument/2006/relationships" xmlns:p="http://schemas.openxmlformats.org/presentationml/2006/main">
   <p:cSld>
     <p:spTree>
@@ -14667,7 +12056,7 @@
         <p:spPr>
           <a:xfrm>
             <a:off x="838200" y="1825625"/>
-            <a:ext cx="10866120" cy="4351338"/>
+            <a:ext cx="11145982" cy="4713720"/>
           </a:xfrm>
         </p:spPr>
         <p:txBody>
@@ -14676,8 +12065,13 @@
           <a:p>
             <a:r>
               <a:rPr lang="pt-BR" dirty="0" smtClean="0"/>
-              <a:t>Vimos a motivação por trás da regressão: encontrar funções que nos ajudem a prever valores.</a:t>
-            </a:r>
+              <a:t>Vimos a motivação por trás da regressão: encontrar funções </a:t>
+            </a:r>
+            <a:r>
+              <a:rPr lang="pt-BR" dirty="0" smtClean="0"/>
+              <a:t>que aproximem o fenômeno gerador por trás das observações.</a:t>
+            </a:r>
+            <a:endParaRPr lang="pt-BR" dirty="0" smtClean="0"/>
           </a:p>
           <a:p>
             <a:r>
@@ -14700,7 +12094,15 @@
           <a:p>
             <a:r>
               <a:rPr lang="pt-BR" dirty="0" smtClean="0"/>
-              <a:t>Discutimos algumas desvantagens (complexidade, regressão não-lineares) da </a:t>
+              <a:t>Discutimos algumas desvantagens </a:t>
+            </a:r>
+            <a:r>
+              <a:rPr lang="pt-BR" dirty="0" smtClean="0"/>
+              <a:t>(e.g. complexidade</a:t>
+            </a:r>
+            <a:r>
+              <a:rPr lang="pt-BR" dirty="0" smtClean="0"/>
+              <a:t>, regressão não-lineares) da </a:t>
             </a:r>
             <a:r>
               <a:rPr lang="pt-BR" dirty="0"/>
@@ -14773,8 +12175,8 @@
           </a:p>
         </p:txBody>
       </p:sp>
-      <mc:AlternateContent xmlns:mc="http://schemas.openxmlformats.org/markup-compatibility/2006" xmlns:a14="http://schemas.microsoft.com/office/drawing/2010/main">
-        <mc:Choice Requires="a14">
+      <mc:AlternateContent xmlns:mc="http://schemas.openxmlformats.org/markup-compatibility/2006">
+        <mc:Choice xmlns:a14="http://schemas.microsoft.com/office/drawing/2010/main" Requires="a14">
           <p:sp>
             <p:nvSpPr>
               <p:cNvPr id="3" name="Content Placeholder 2"/>
@@ -14787,7 +12189,7 @@
             </p:nvSpPr>
             <p:spPr>
               <a:xfrm>
-                <a:off x="838199" y="2133600"/>
+                <a:off x="838199" y="2103120"/>
                 <a:ext cx="11147156" cy="4724400"/>
               </a:xfrm>
             </p:spPr>
@@ -14833,19 +12235,39 @@
                 </a:r>
                 <a:r>
                   <a:rPr lang="pt-BR" dirty="0"/>
-                  <a:t>é um vetor que indica </a:t>
+                  <a:t>é um vetor que </a:t>
                 </a:r>
                 <a:r>
                   <a:rPr lang="pt-BR" dirty="0" smtClean="0"/>
-                  <a:t>a </a:t>
+                  <a:t>indica a </a:t>
+                </a:r>
+                <a:r>
+                  <a:rPr lang="pt-BR" b="1" i="1" dirty="0" smtClean="0"/>
+                  <a:t>magnitude</a:t>
+                </a:r>
+                <a:r>
+                  <a:rPr lang="pt-BR" dirty="0" smtClean="0"/>
+                  <a:t> (i.e., </a:t>
+                </a:r>
+                <a:r>
+                  <a:rPr lang="pt-BR" b="1" i="1" dirty="0" smtClean="0"/>
+                  <a:t>taxa</a:t>
+                </a:r>
+                <a:r>
+                  <a:rPr lang="pt-BR" dirty="0" smtClean="0"/>
+                  <a:t>) e a </a:t>
+                </a:r>
+                <a:r>
+                  <a:rPr lang="pt-BR" b="1" i="1" dirty="0"/>
+                  <a:t>direção</a:t>
                 </a:r>
                 <a:r>
                   <a:rPr lang="pt-BR" dirty="0"/>
-                  <a:t>direção </a:t>
+                  <a:t> </a:t>
                 </a:r>
                 <a:r>
                   <a:rPr lang="pt-BR" dirty="0" smtClean="0"/>
-                  <a:t>e o sentido no </a:t>
+                  <a:t>na </a:t>
                 </a:r>
                 <a:r>
                   <a:rPr lang="pt-BR" dirty="0"/>
@@ -15020,8 +12442,24 @@
                   </m:oMath>
                 </a14:m>
                 <a:r>
+                  <a:rPr lang="pt-BR" dirty="0" smtClean="0"/>
+                  <a:t> é </a:t>
+                </a:r>
+                <a:r>
                   <a:rPr lang="pt-BR" dirty="0"/>
-                  <a:t>, em relação aos seus argumentos </a:t>
+                  <a:t>definido </a:t>
+                </a:r>
+                <a:r>
+                  <a:rPr lang="pt-BR" dirty="0"/>
+                  <a:t>pela derivada parcial em relação a cada </a:t>
+                </a:r>
+                <a:r>
+                  <a:rPr lang="pt-BR" dirty="0" smtClean="0"/>
+                  <a:t>um de </a:t>
+                </a:r>
+                <a:r>
+                  <a:rPr lang="pt-BR" dirty="0"/>
+                  <a:t>seus argumentos </a:t>
                 </a:r>
                 <a14:m>
                   <m:oMath xmlns:m="http://schemas.openxmlformats.org/officeDocument/2006/math">
@@ -15074,12 +12512,14 @@
                       </a:rPr>
                       <m:t>𝐾</m:t>
                     </m:r>
+                    <m:r>
+                      <a:rPr lang="pt-BR" b="0" i="0" smtClean="0">
+                        <a:latin typeface="Cambria Math" panose="02040503050406030204" pitchFamily="18" charset="0"/>
+                      </a:rPr>
+                      <m:t>:</m:t>
+                    </m:r>
                   </m:oMath>
                 </a14:m>
-                <a:r>
-                  <a:rPr lang="pt-BR" dirty="0"/>
-                  <a:t>, é definido por </a:t>
-                </a:r>
                 <a:endParaRPr lang="pt-BR" i="1" dirty="0">
                   <a:latin typeface="Cambria Math" panose="02040503050406030204" pitchFamily="18" charset="0"/>
                   <a:ea typeface="Cambria Math" panose="02040503050406030204" pitchFamily="18" charset="0"/>
@@ -15795,283 +13235,24 @@
                         </m:r>
                       </m:sup>
                     </m:sSup>
-                  </m:oMath>
-                </a14:m>
-                <a:r>
-                  <a:rPr lang="pt-BR" dirty="0"/>
-                  <a:t>, </a:t>
-                </a:r>
-              </a:p>
-              <a:p>
-                <a:pPr marL="0" indent="0">
-                  <a:buNone/>
-                </a:pPr>
-                <a:r>
-                  <a:rPr lang="pt-BR" dirty="0"/>
-                  <a:t>o</a:t>
-                </a:r>
-                <a:r>
-                  <a:rPr lang="pt-BR" dirty="0" smtClean="0"/>
-                  <a:t>nde </a:t>
-                </a:r>
-                <a14:m>
-                  <m:oMath xmlns:m="http://schemas.openxmlformats.org/officeDocument/2006/math">
                     <m:r>
-                      <a:rPr lang="pt-BR" i="1">
+                      <a:rPr lang="pt-BR" b="0" i="0" smtClean="0">
                         <a:latin typeface="Cambria Math" panose="02040503050406030204" pitchFamily="18" charset="0"/>
                         <a:ea typeface="Cambria Math" panose="02040503050406030204" pitchFamily="18" charset="0"/>
                       </a:rPr>
-                      <m:t>𝛻</m:t>
+                      <m:t>.</m:t>
                     </m:r>
-                    <m:r>
-                      <a:rPr lang="pt-BR" i="1">
-                        <a:latin typeface="Cambria Math" panose="02040503050406030204" pitchFamily="18" charset="0"/>
-                        <a:ea typeface="Cambria Math" panose="02040503050406030204" pitchFamily="18" charset="0"/>
-                      </a:rPr>
-                      <m:t>𝑓</m:t>
-                    </m:r>
-                    <m:d>
-                      <m:dPr>
-                        <m:ctrlPr>
-                          <a:rPr lang="pt-BR" i="1">
-                            <a:latin typeface="Cambria Math" panose="02040503050406030204" pitchFamily="18" charset="0"/>
-                            <a:ea typeface="Cambria Math" panose="02040503050406030204" pitchFamily="18" charset="0"/>
-                          </a:rPr>
-                        </m:ctrlPr>
-                      </m:dPr>
-                      <m:e>
-                        <m:sSub>
-                          <m:sSubPr>
-                            <m:ctrlPr>
-                              <a:rPr lang="pt-BR" i="1">
-                                <a:latin typeface="Cambria Math" panose="02040503050406030204" pitchFamily="18" charset="0"/>
-                              </a:rPr>
-                            </m:ctrlPr>
-                          </m:sSubPr>
-                          <m:e>
-                            <m:r>
-                              <a:rPr lang="pt-BR" i="1">
-                                <a:latin typeface="Cambria Math" panose="02040503050406030204" pitchFamily="18" charset="0"/>
-                              </a:rPr>
-                              <m:t>𝑥</m:t>
-                            </m:r>
-                          </m:e>
-                          <m:sub>
-                            <m:r>
-                              <a:rPr lang="pt-BR" i="1">
-                                <a:latin typeface="Cambria Math" panose="02040503050406030204" pitchFamily="18" charset="0"/>
-                              </a:rPr>
-                              <m:t>0</m:t>
-                            </m:r>
-                          </m:sub>
-                        </m:sSub>
-                        <m:r>
-                          <a:rPr lang="pt-BR" i="1">
-                            <a:latin typeface="Cambria Math" panose="02040503050406030204" pitchFamily="18" charset="0"/>
-                          </a:rPr>
-                          <m:t>,</m:t>
-                        </m:r>
-                        <m:sSub>
-                          <m:sSubPr>
-                            <m:ctrlPr>
-                              <a:rPr lang="pt-BR" i="1">
-                                <a:latin typeface="Cambria Math" panose="02040503050406030204" pitchFamily="18" charset="0"/>
-                              </a:rPr>
-                            </m:ctrlPr>
-                          </m:sSubPr>
-                          <m:e>
-                            <m:r>
-                              <a:rPr lang="pt-BR" i="1">
-                                <a:latin typeface="Cambria Math" panose="02040503050406030204" pitchFamily="18" charset="0"/>
-                              </a:rPr>
-                              <m:t>𝑥</m:t>
-                            </m:r>
-                          </m:e>
-                          <m:sub>
-                            <m:r>
-                              <a:rPr lang="pt-BR" i="1">
-                                <a:latin typeface="Cambria Math" panose="02040503050406030204" pitchFamily="18" charset="0"/>
-                              </a:rPr>
-                              <m:t>1</m:t>
-                            </m:r>
-                          </m:sub>
-                        </m:sSub>
-                        <m:r>
-                          <a:rPr lang="pt-BR" i="1">
-                            <a:latin typeface="Cambria Math" panose="02040503050406030204" pitchFamily="18" charset="0"/>
-                          </a:rPr>
-                          <m:t>,…,</m:t>
-                        </m:r>
-                        <m:sSub>
-                          <m:sSubPr>
-                            <m:ctrlPr>
-                              <a:rPr lang="pt-BR" i="1">
-                                <a:latin typeface="Cambria Math" panose="02040503050406030204" pitchFamily="18" charset="0"/>
-                              </a:rPr>
-                            </m:ctrlPr>
-                          </m:sSubPr>
-                          <m:e>
-                            <m:r>
-                              <a:rPr lang="pt-BR" i="1">
-                                <a:latin typeface="Cambria Math" panose="02040503050406030204" pitchFamily="18" charset="0"/>
-                              </a:rPr>
-                              <m:t>𝑥</m:t>
-                            </m:r>
-                          </m:e>
-                          <m:sub>
-                            <m:r>
-                              <a:rPr lang="pt-BR" i="1">
-                                <a:latin typeface="Cambria Math" panose="02040503050406030204" pitchFamily="18" charset="0"/>
-                              </a:rPr>
-                              <m:t>𝐾</m:t>
-                            </m:r>
-                          </m:sub>
-                        </m:sSub>
-                      </m:e>
-                    </m:d>
                   </m:oMath>
                 </a14:m>
                 <a:r>
                   <a:rPr lang="pt-BR" dirty="0"/>
-                  <a:t> é o vetor que </a:t>
-                </a:r>
-                <a:r>
-                  <a:rPr lang="pt-BR" dirty="0" smtClean="0"/>
-                  <a:t>indica a direção e o sentido </a:t>
-                </a:r>
-                <a:r>
-                  <a:rPr lang="pt-BR" dirty="0"/>
-                  <a:t>em que a função, </a:t>
-                </a:r>
-                <a14:m>
-                  <m:oMath xmlns:m="http://schemas.openxmlformats.org/officeDocument/2006/math">
-                    <m:r>
-                      <a:rPr lang="pt-BR" i="1">
-                        <a:latin typeface="Cambria Math" panose="02040503050406030204" pitchFamily="18" charset="0"/>
-                      </a:rPr>
-                      <m:t>𝑓</m:t>
-                    </m:r>
-                    <m:d>
-                      <m:dPr>
-                        <m:ctrlPr>
-                          <a:rPr lang="pt-BR" i="1">
-                            <a:latin typeface="Cambria Math" panose="02040503050406030204" pitchFamily="18" charset="0"/>
-                          </a:rPr>
-                        </m:ctrlPr>
-                      </m:dPr>
-                      <m:e>
-                        <m:sSub>
-                          <m:sSubPr>
-                            <m:ctrlPr>
-                              <a:rPr lang="pt-BR" i="1">
-                                <a:latin typeface="Cambria Math" panose="02040503050406030204" pitchFamily="18" charset="0"/>
-                              </a:rPr>
-                            </m:ctrlPr>
-                          </m:sSubPr>
-                          <m:e>
-                            <m:r>
-                              <a:rPr lang="pt-BR" i="1">
-                                <a:latin typeface="Cambria Math" panose="02040503050406030204" pitchFamily="18" charset="0"/>
-                              </a:rPr>
-                              <m:t>𝑥</m:t>
-                            </m:r>
-                          </m:e>
-                          <m:sub>
-                            <m:r>
-                              <a:rPr lang="pt-BR" i="1">
-                                <a:latin typeface="Cambria Math" panose="02040503050406030204" pitchFamily="18" charset="0"/>
-                              </a:rPr>
-                              <m:t>0</m:t>
-                            </m:r>
-                          </m:sub>
-                        </m:sSub>
-                        <m:r>
-                          <a:rPr lang="pt-BR" i="1">
-                            <a:latin typeface="Cambria Math" panose="02040503050406030204" pitchFamily="18" charset="0"/>
-                          </a:rPr>
-                          <m:t>,</m:t>
-                        </m:r>
-                        <m:sSub>
-                          <m:sSubPr>
-                            <m:ctrlPr>
-                              <a:rPr lang="pt-BR" i="1">
-                                <a:latin typeface="Cambria Math" panose="02040503050406030204" pitchFamily="18" charset="0"/>
-                              </a:rPr>
-                            </m:ctrlPr>
-                          </m:sSubPr>
-                          <m:e>
-                            <m:r>
-                              <a:rPr lang="pt-BR" i="1">
-                                <a:latin typeface="Cambria Math" panose="02040503050406030204" pitchFamily="18" charset="0"/>
-                              </a:rPr>
-                              <m:t>𝑥</m:t>
-                            </m:r>
-                          </m:e>
-                          <m:sub>
-                            <m:r>
-                              <a:rPr lang="pt-BR" i="1">
-                                <a:latin typeface="Cambria Math" panose="02040503050406030204" pitchFamily="18" charset="0"/>
-                              </a:rPr>
-                              <m:t>1</m:t>
-                            </m:r>
-                          </m:sub>
-                        </m:sSub>
-                        <m:r>
-                          <a:rPr lang="pt-BR" i="1">
-                            <a:latin typeface="Cambria Math" panose="02040503050406030204" pitchFamily="18" charset="0"/>
-                          </a:rPr>
-                          <m:t>,…,</m:t>
-                        </m:r>
-                        <m:sSub>
-                          <m:sSubPr>
-                            <m:ctrlPr>
-                              <a:rPr lang="pt-BR" i="1">
-                                <a:latin typeface="Cambria Math" panose="02040503050406030204" pitchFamily="18" charset="0"/>
-                              </a:rPr>
-                            </m:ctrlPr>
-                          </m:sSubPr>
-                          <m:e>
-                            <m:r>
-                              <a:rPr lang="pt-BR" i="1">
-                                <a:latin typeface="Cambria Math" panose="02040503050406030204" pitchFamily="18" charset="0"/>
-                              </a:rPr>
-                              <m:t>𝑥</m:t>
-                            </m:r>
-                          </m:e>
-                          <m:sub>
-                            <m:r>
-                              <a:rPr lang="pt-BR" i="1">
-                                <a:latin typeface="Cambria Math" panose="02040503050406030204" pitchFamily="18" charset="0"/>
-                              </a:rPr>
-                              <m:t>𝐾</m:t>
-                            </m:r>
-                          </m:sub>
-                        </m:sSub>
-                      </m:e>
-                    </m:d>
-                  </m:oMath>
-                </a14:m>
-                <a:r>
-                  <a:rPr lang="pt-BR" dirty="0"/>
-                  <a:t>, tem a taxa </a:t>
-                </a:r>
-                <a:r>
-                  <a:rPr lang="pt-BR" dirty="0" smtClean="0"/>
-                  <a:t>de crescimento </a:t>
-                </a:r>
-                <a:r>
-                  <a:rPr lang="pt-BR" dirty="0"/>
-                  <a:t>mais rápida</a:t>
-                </a:r>
-                <a:r>
-                  <a:rPr lang="pt-BR" dirty="0" smtClean="0"/>
-                  <a:t>.</a:t>
+                  <a:t> </a:t>
                 </a:r>
               </a:p>
               <a:p>
                 <a:r>
                   <a:rPr lang="pt-BR" dirty="0" smtClean="0"/>
-                  <a:t>Notem, que cada </a:t>
+                  <a:t>Cada </a:t>
                 </a:r>
                 <a:r>
                   <a:rPr lang="pt-BR" dirty="0"/>
@@ -16083,16 +13264,33 @@
                 </a:r>
                 <a:r>
                   <a:rPr lang="pt-BR" dirty="0" smtClean="0"/>
-                  <a:t>indica a direção e o sentido </a:t>
+                  <a:t>indica a </a:t>
+                </a:r>
+                <a:r>
+                  <a:rPr lang="pt-BR" dirty="0" smtClean="0"/>
+                  <a:t>magnitude e a direção </a:t>
+                </a:r>
+                <a:r>
+                  <a:rPr lang="pt-BR" dirty="0" smtClean="0"/>
+                  <a:t>de </a:t>
                 </a:r>
                 <a:r>
                   <a:rPr lang="pt-BR" dirty="0"/>
-                  <a:t>de máxima variação em relação àquele argumento da </a:t>
+                  <a:t>máxima </a:t>
                 </a:r>
                 <a:r>
                   <a:rPr lang="pt-BR" dirty="0" smtClean="0"/>
-                  <a:t>função.</a:t>
-                </a:r>
+                  <a:t>variação da função </a:t>
+                </a:r>
+                <a:r>
+                  <a:rPr lang="pt-BR" dirty="0"/>
+                  <a:t>em relação àquele </a:t>
+                </a:r>
+                <a:r>
+                  <a:rPr lang="pt-BR" dirty="0" smtClean="0"/>
+                  <a:t>argumento.</a:t>
+                </a:r>
+                <a:endParaRPr lang="pt-BR" dirty="0" smtClean="0"/>
               </a:p>
               <a:p>
                 <a:r>
@@ -16373,7 +13571,7 @@
                 </a:r>
                 <a:r>
                   <a:rPr lang="pt-BR" dirty="0" smtClean="0"/>
-                  <a:t>em qual direção e sentido devemos </a:t>
+                  <a:t>em qual direção devemos </a:t>
                 </a:r>
                 <a:r>
                   <a:rPr lang="pt-BR" dirty="0"/>
@@ -16401,13 +13599,776 @@
                 </a14:m>
                 <a:r>
                   <a:rPr lang="pt-BR" dirty="0" smtClean="0"/>
-                  <a:t>mais rapidamente.</a:t>
-                </a:r>
+                  <a:t>mais </a:t>
+                </a:r>
+                <a:r>
+                  <a:rPr lang="pt-BR" dirty="0" smtClean="0"/>
+                  <a:t>rapidamente, ou seja</a:t>
+                </a:r>
+              </a:p>
+              <a:p>
+                <a:pPr marL="0" indent="0" algn="ctr">
+                  <a:buNone/>
+                </a:pPr>
+                <a14:m>
+                  <m:oMath xmlns:m="http://schemas.openxmlformats.org/officeDocument/2006/math">
+                    <m:r>
+                      <a:rPr lang="pt-BR" sz="2600" i="1">
+                        <a:latin typeface="Cambria Math" panose="02040503050406030204" pitchFamily="18" charset="0"/>
+                      </a:rPr>
+                      <m:t>𝑓</m:t>
+                    </m:r>
+                    <m:d>
+                      <m:dPr>
+                        <m:ctrlPr>
+                          <a:rPr lang="pt-BR" sz="2600" i="1">
+                            <a:latin typeface="Cambria Math" panose="02040503050406030204" pitchFamily="18" charset="0"/>
+                          </a:rPr>
+                        </m:ctrlPr>
+                      </m:dPr>
+                      <m:e>
+                        <m:sSub>
+                          <m:sSubPr>
+                            <m:ctrlPr>
+                              <a:rPr lang="pt-BR" sz="2600" i="1">
+                                <a:latin typeface="Cambria Math" panose="02040503050406030204" pitchFamily="18" charset="0"/>
+                              </a:rPr>
+                            </m:ctrlPr>
+                          </m:sSubPr>
+                          <m:e>
+                            <m:r>
+                              <a:rPr lang="pt-BR" sz="2600" i="1">
+                                <a:latin typeface="Cambria Math" panose="02040503050406030204" pitchFamily="18" charset="0"/>
+                              </a:rPr>
+                              <m:t>𝑥</m:t>
+                            </m:r>
+                          </m:e>
+                          <m:sub>
+                            <m:r>
+                              <a:rPr lang="pt-BR" sz="2600" i="1">
+                                <a:latin typeface="Cambria Math" panose="02040503050406030204" pitchFamily="18" charset="0"/>
+                              </a:rPr>
+                              <m:t>0</m:t>
+                            </m:r>
+                          </m:sub>
+                        </m:sSub>
+                        <m:r>
+                          <a:rPr lang="pt-BR" sz="2600" b="0" i="1" smtClean="0">
+                            <a:latin typeface="Cambria Math" panose="02040503050406030204" pitchFamily="18" charset="0"/>
+                          </a:rPr>
+                          <m:t>+</m:t>
+                        </m:r>
+                        <m:r>
+                          <a:rPr lang="pt-BR" sz="2600" b="0" i="1" smtClean="0">
+                            <a:latin typeface="Cambria Math" panose="02040503050406030204" pitchFamily="18" charset="0"/>
+                            <a:ea typeface="Cambria Math" panose="02040503050406030204" pitchFamily="18" charset="0"/>
+                          </a:rPr>
+                          <m:t>𝛼</m:t>
+                        </m:r>
+                        <m:f>
+                          <m:fPr>
+                            <m:ctrlPr>
+                              <a:rPr lang="pt-BR" sz="2600" i="1">
+                                <a:latin typeface="Cambria Math" panose="02040503050406030204" pitchFamily="18" charset="0"/>
+                                <a:ea typeface="Cambria Math" panose="02040503050406030204" pitchFamily="18" charset="0"/>
+                              </a:rPr>
+                            </m:ctrlPr>
+                          </m:fPr>
+                          <m:num>
+                            <m:r>
+                              <a:rPr lang="pt-BR" sz="2600" i="1">
+                                <a:latin typeface="Cambria Math" panose="02040503050406030204" pitchFamily="18" charset="0"/>
+                                <a:ea typeface="Cambria Math" panose="02040503050406030204" pitchFamily="18" charset="0"/>
+                              </a:rPr>
+                              <m:t>𝜕</m:t>
+                            </m:r>
+                            <m:r>
+                              <a:rPr lang="pt-BR" sz="2600" i="1">
+                                <a:latin typeface="Cambria Math" panose="02040503050406030204" pitchFamily="18" charset="0"/>
+                                <a:ea typeface="Cambria Math" panose="02040503050406030204" pitchFamily="18" charset="0"/>
+                              </a:rPr>
+                              <m:t>𝑓</m:t>
+                            </m:r>
+                            <m:r>
+                              <a:rPr lang="pt-BR" sz="2600" i="1">
+                                <a:latin typeface="Cambria Math" panose="02040503050406030204" pitchFamily="18" charset="0"/>
+                                <a:ea typeface="Cambria Math" panose="02040503050406030204" pitchFamily="18" charset="0"/>
+                              </a:rPr>
+                              <m:t>(</m:t>
+                            </m:r>
+                            <m:sSub>
+                              <m:sSubPr>
+                                <m:ctrlPr>
+                                  <a:rPr lang="pt-BR" sz="2600" i="1">
+                                    <a:latin typeface="Cambria Math" panose="02040503050406030204" pitchFamily="18" charset="0"/>
+                                  </a:rPr>
+                                </m:ctrlPr>
+                              </m:sSubPr>
+                              <m:e>
+                                <m:r>
+                                  <a:rPr lang="pt-BR" sz="2600" i="1">
+                                    <a:latin typeface="Cambria Math" panose="02040503050406030204" pitchFamily="18" charset="0"/>
+                                  </a:rPr>
+                                  <m:t>𝑥</m:t>
+                                </m:r>
+                              </m:e>
+                              <m:sub>
+                                <m:r>
+                                  <a:rPr lang="pt-BR" sz="2600" i="1">
+                                    <a:latin typeface="Cambria Math" panose="02040503050406030204" pitchFamily="18" charset="0"/>
+                                  </a:rPr>
+                                  <m:t>0</m:t>
+                                </m:r>
+                              </m:sub>
+                            </m:sSub>
+                            <m:r>
+                              <a:rPr lang="pt-BR" sz="2600" i="1">
+                                <a:latin typeface="Cambria Math" panose="02040503050406030204" pitchFamily="18" charset="0"/>
+                              </a:rPr>
+                              <m:t>,</m:t>
+                            </m:r>
+                            <m:sSub>
+                              <m:sSubPr>
+                                <m:ctrlPr>
+                                  <a:rPr lang="pt-BR" sz="2600" i="1">
+                                    <a:latin typeface="Cambria Math" panose="02040503050406030204" pitchFamily="18" charset="0"/>
+                                  </a:rPr>
+                                </m:ctrlPr>
+                              </m:sSubPr>
+                              <m:e>
+                                <m:r>
+                                  <a:rPr lang="pt-BR" sz="2600" i="1">
+                                    <a:latin typeface="Cambria Math" panose="02040503050406030204" pitchFamily="18" charset="0"/>
+                                  </a:rPr>
+                                  <m:t>𝑥</m:t>
+                                </m:r>
+                              </m:e>
+                              <m:sub>
+                                <m:r>
+                                  <a:rPr lang="pt-BR" sz="2600" i="1">
+                                    <a:latin typeface="Cambria Math" panose="02040503050406030204" pitchFamily="18" charset="0"/>
+                                  </a:rPr>
+                                  <m:t>1</m:t>
+                                </m:r>
+                              </m:sub>
+                            </m:sSub>
+                            <m:r>
+                              <a:rPr lang="pt-BR" sz="2600" i="1">
+                                <a:latin typeface="Cambria Math" panose="02040503050406030204" pitchFamily="18" charset="0"/>
+                              </a:rPr>
+                              <m:t>,…,</m:t>
+                            </m:r>
+                            <m:sSub>
+                              <m:sSubPr>
+                                <m:ctrlPr>
+                                  <a:rPr lang="pt-BR" sz="2600" i="1">
+                                    <a:latin typeface="Cambria Math" panose="02040503050406030204" pitchFamily="18" charset="0"/>
+                                  </a:rPr>
+                                </m:ctrlPr>
+                              </m:sSubPr>
+                              <m:e>
+                                <m:r>
+                                  <a:rPr lang="pt-BR" sz="2600" i="1">
+                                    <a:latin typeface="Cambria Math" panose="02040503050406030204" pitchFamily="18" charset="0"/>
+                                  </a:rPr>
+                                  <m:t>𝑥</m:t>
+                                </m:r>
+                              </m:e>
+                              <m:sub>
+                                <m:r>
+                                  <a:rPr lang="pt-BR" sz="2600" i="1">
+                                    <a:latin typeface="Cambria Math" panose="02040503050406030204" pitchFamily="18" charset="0"/>
+                                  </a:rPr>
+                                  <m:t>𝐾</m:t>
+                                </m:r>
+                              </m:sub>
+                            </m:sSub>
+                            <m:r>
+                              <a:rPr lang="pt-BR" sz="2600" i="1">
+                                <a:latin typeface="Cambria Math" panose="02040503050406030204" pitchFamily="18" charset="0"/>
+                                <a:ea typeface="Cambria Math" panose="02040503050406030204" pitchFamily="18" charset="0"/>
+                              </a:rPr>
+                              <m:t>)</m:t>
+                            </m:r>
+                          </m:num>
+                          <m:den>
+                            <m:r>
+                              <a:rPr lang="pt-BR" sz="2600" i="1">
+                                <a:latin typeface="Cambria Math" panose="02040503050406030204" pitchFamily="18" charset="0"/>
+                                <a:ea typeface="Cambria Math" panose="02040503050406030204" pitchFamily="18" charset="0"/>
+                              </a:rPr>
+                              <m:t>𝜕</m:t>
+                            </m:r>
+                            <m:sSub>
+                              <m:sSubPr>
+                                <m:ctrlPr>
+                                  <a:rPr lang="pt-BR" sz="2600" i="1">
+                                    <a:latin typeface="Cambria Math" panose="02040503050406030204" pitchFamily="18" charset="0"/>
+                                    <a:ea typeface="Cambria Math" panose="02040503050406030204" pitchFamily="18" charset="0"/>
+                                  </a:rPr>
+                                </m:ctrlPr>
+                              </m:sSubPr>
+                              <m:e>
+                                <m:r>
+                                  <a:rPr lang="pt-BR" sz="2600" i="1">
+                                    <a:latin typeface="Cambria Math" panose="02040503050406030204" pitchFamily="18" charset="0"/>
+                                    <a:ea typeface="Cambria Math" panose="02040503050406030204" pitchFamily="18" charset="0"/>
+                                  </a:rPr>
+                                  <m:t>𝑥</m:t>
+                                </m:r>
+                              </m:e>
+                              <m:sub>
+                                <m:r>
+                                  <a:rPr lang="pt-BR" sz="2600" i="1">
+                                    <a:latin typeface="Cambria Math" panose="02040503050406030204" pitchFamily="18" charset="0"/>
+                                    <a:ea typeface="Cambria Math" panose="02040503050406030204" pitchFamily="18" charset="0"/>
+                                  </a:rPr>
+                                  <m:t>0</m:t>
+                                </m:r>
+                              </m:sub>
+                            </m:sSub>
+                          </m:den>
+                        </m:f>
+                        <m:r>
+                          <a:rPr lang="pt-BR" sz="2600" i="1">
+                            <a:latin typeface="Cambria Math" panose="02040503050406030204" pitchFamily="18" charset="0"/>
+                          </a:rPr>
+                          <m:t>,</m:t>
+                        </m:r>
+                        <m:sSub>
+                          <m:sSubPr>
+                            <m:ctrlPr>
+                              <a:rPr lang="pt-BR" sz="2600" i="1">
+                                <a:latin typeface="Cambria Math" panose="02040503050406030204" pitchFamily="18" charset="0"/>
+                              </a:rPr>
+                            </m:ctrlPr>
+                          </m:sSubPr>
+                          <m:e>
+                            <m:r>
+                              <a:rPr lang="pt-BR" sz="2600" i="1">
+                                <a:latin typeface="Cambria Math" panose="02040503050406030204" pitchFamily="18" charset="0"/>
+                              </a:rPr>
+                              <m:t>𝑥</m:t>
+                            </m:r>
+                          </m:e>
+                          <m:sub>
+                            <m:r>
+                              <a:rPr lang="pt-BR" sz="2600" i="1">
+                                <a:latin typeface="Cambria Math" panose="02040503050406030204" pitchFamily="18" charset="0"/>
+                              </a:rPr>
+                              <m:t>1</m:t>
+                            </m:r>
+                          </m:sub>
+                        </m:sSub>
+                        <m:r>
+                          <a:rPr lang="pt-BR" sz="2600" b="0" i="1" smtClean="0">
+                            <a:latin typeface="Cambria Math" panose="02040503050406030204" pitchFamily="18" charset="0"/>
+                          </a:rPr>
+                          <m:t>+</m:t>
+                        </m:r>
+                        <m:r>
+                          <a:rPr lang="pt-BR" sz="2600" b="0" i="1" smtClean="0">
+                            <a:latin typeface="Cambria Math" panose="02040503050406030204" pitchFamily="18" charset="0"/>
+                            <a:ea typeface="Cambria Math" panose="02040503050406030204" pitchFamily="18" charset="0"/>
+                          </a:rPr>
+                          <m:t>𝛼</m:t>
+                        </m:r>
+                        <m:f>
+                          <m:fPr>
+                            <m:ctrlPr>
+                              <a:rPr lang="pt-BR" sz="2600" i="1">
+                                <a:latin typeface="Cambria Math" panose="02040503050406030204" pitchFamily="18" charset="0"/>
+                                <a:ea typeface="Cambria Math" panose="02040503050406030204" pitchFamily="18" charset="0"/>
+                              </a:rPr>
+                            </m:ctrlPr>
+                          </m:fPr>
+                          <m:num>
+                            <m:r>
+                              <a:rPr lang="pt-BR" sz="2600" i="1">
+                                <a:latin typeface="Cambria Math" panose="02040503050406030204" pitchFamily="18" charset="0"/>
+                                <a:ea typeface="Cambria Math" panose="02040503050406030204" pitchFamily="18" charset="0"/>
+                              </a:rPr>
+                              <m:t>𝜕</m:t>
+                            </m:r>
+                            <m:r>
+                              <a:rPr lang="pt-BR" sz="2600" i="1">
+                                <a:latin typeface="Cambria Math" panose="02040503050406030204" pitchFamily="18" charset="0"/>
+                                <a:ea typeface="Cambria Math" panose="02040503050406030204" pitchFamily="18" charset="0"/>
+                              </a:rPr>
+                              <m:t>𝑓</m:t>
+                            </m:r>
+                            <m:r>
+                              <a:rPr lang="pt-BR" sz="2600" i="1">
+                                <a:latin typeface="Cambria Math" panose="02040503050406030204" pitchFamily="18" charset="0"/>
+                                <a:ea typeface="Cambria Math" panose="02040503050406030204" pitchFamily="18" charset="0"/>
+                              </a:rPr>
+                              <m:t>(</m:t>
+                            </m:r>
+                            <m:sSub>
+                              <m:sSubPr>
+                                <m:ctrlPr>
+                                  <a:rPr lang="pt-BR" sz="2600" i="1">
+                                    <a:latin typeface="Cambria Math" panose="02040503050406030204" pitchFamily="18" charset="0"/>
+                                  </a:rPr>
+                                </m:ctrlPr>
+                              </m:sSubPr>
+                              <m:e>
+                                <m:r>
+                                  <a:rPr lang="pt-BR" sz="2600" i="1">
+                                    <a:latin typeface="Cambria Math" panose="02040503050406030204" pitchFamily="18" charset="0"/>
+                                  </a:rPr>
+                                  <m:t>𝑥</m:t>
+                                </m:r>
+                              </m:e>
+                              <m:sub>
+                                <m:r>
+                                  <a:rPr lang="pt-BR" sz="2600" i="1">
+                                    <a:latin typeface="Cambria Math" panose="02040503050406030204" pitchFamily="18" charset="0"/>
+                                  </a:rPr>
+                                  <m:t>0</m:t>
+                                </m:r>
+                              </m:sub>
+                            </m:sSub>
+                            <m:r>
+                              <a:rPr lang="pt-BR" sz="2600" i="1">
+                                <a:latin typeface="Cambria Math" panose="02040503050406030204" pitchFamily="18" charset="0"/>
+                              </a:rPr>
+                              <m:t>,</m:t>
+                            </m:r>
+                            <m:sSub>
+                              <m:sSubPr>
+                                <m:ctrlPr>
+                                  <a:rPr lang="pt-BR" sz="2600" i="1">
+                                    <a:latin typeface="Cambria Math" panose="02040503050406030204" pitchFamily="18" charset="0"/>
+                                  </a:rPr>
+                                </m:ctrlPr>
+                              </m:sSubPr>
+                              <m:e>
+                                <m:r>
+                                  <a:rPr lang="pt-BR" sz="2600" i="1">
+                                    <a:latin typeface="Cambria Math" panose="02040503050406030204" pitchFamily="18" charset="0"/>
+                                  </a:rPr>
+                                  <m:t>𝑥</m:t>
+                                </m:r>
+                              </m:e>
+                              <m:sub>
+                                <m:r>
+                                  <a:rPr lang="pt-BR" sz="2600" i="1">
+                                    <a:latin typeface="Cambria Math" panose="02040503050406030204" pitchFamily="18" charset="0"/>
+                                  </a:rPr>
+                                  <m:t>1</m:t>
+                                </m:r>
+                              </m:sub>
+                            </m:sSub>
+                            <m:r>
+                              <a:rPr lang="pt-BR" sz="2600" i="1">
+                                <a:latin typeface="Cambria Math" panose="02040503050406030204" pitchFamily="18" charset="0"/>
+                              </a:rPr>
+                              <m:t>,…,</m:t>
+                            </m:r>
+                            <m:sSub>
+                              <m:sSubPr>
+                                <m:ctrlPr>
+                                  <a:rPr lang="pt-BR" sz="2600" i="1">
+                                    <a:latin typeface="Cambria Math" panose="02040503050406030204" pitchFamily="18" charset="0"/>
+                                  </a:rPr>
+                                </m:ctrlPr>
+                              </m:sSubPr>
+                              <m:e>
+                                <m:r>
+                                  <a:rPr lang="pt-BR" sz="2600" i="1">
+                                    <a:latin typeface="Cambria Math" panose="02040503050406030204" pitchFamily="18" charset="0"/>
+                                  </a:rPr>
+                                  <m:t>𝑥</m:t>
+                                </m:r>
+                              </m:e>
+                              <m:sub>
+                                <m:r>
+                                  <a:rPr lang="pt-BR" sz="2600" i="1">
+                                    <a:latin typeface="Cambria Math" panose="02040503050406030204" pitchFamily="18" charset="0"/>
+                                  </a:rPr>
+                                  <m:t>𝐾</m:t>
+                                </m:r>
+                              </m:sub>
+                            </m:sSub>
+                            <m:r>
+                              <a:rPr lang="pt-BR" sz="2600" i="1">
+                                <a:latin typeface="Cambria Math" panose="02040503050406030204" pitchFamily="18" charset="0"/>
+                                <a:ea typeface="Cambria Math" panose="02040503050406030204" pitchFamily="18" charset="0"/>
+                              </a:rPr>
+                              <m:t>)</m:t>
+                            </m:r>
+                          </m:num>
+                          <m:den>
+                            <m:r>
+                              <a:rPr lang="pt-BR" sz="2600" i="1">
+                                <a:latin typeface="Cambria Math" panose="02040503050406030204" pitchFamily="18" charset="0"/>
+                                <a:ea typeface="Cambria Math" panose="02040503050406030204" pitchFamily="18" charset="0"/>
+                              </a:rPr>
+                              <m:t>𝜕</m:t>
+                            </m:r>
+                            <m:sSub>
+                              <m:sSubPr>
+                                <m:ctrlPr>
+                                  <a:rPr lang="pt-BR" sz="2600" i="1">
+                                    <a:latin typeface="Cambria Math" panose="02040503050406030204" pitchFamily="18" charset="0"/>
+                                    <a:ea typeface="Cambria Math" panose="02040503050406030204" pitchFamily="18" charset="0"/>
+                                  </a:rPr>
+                                </m:ctrlPr>
+                              </m:sSubPr>
+                              <m:e>
+                                <m:r>
+                                  <a:rPr lang="pt-BR" sz="2600" i="1">
+                                    <a:latin typeface="Cambria Math" panose="02040503050406030204" pitchFamily="18" charset="0"/>
+                                    <a:ea typeface="Cambria Math" panose="02040503050406030204" pitchFamily="18" charset="0"/>
+                                  </a:rPr>
+                                  <m:t>𝑥</m:t>
+                                </m:r>
+                              </m:e>
+                              <m:sub>
+                                <m:r>
+                                  <a:rPr lang="pt-BR" sz="2600" b="0" i="1" smtClean="0">
+                                    <a:latin typeface="Cambria Math" panose="02040503050406030204" pitchFamily="18" charset="0"/>
+                                    <a:ea typeface="Cambria Math" panose="02040503050406030204" pitchFamily="18" charset="0"/>
+                                  </a:rPr>
+                                  <m:t>1</m:t>
+                                </m:r>
+                              </m:sub>
+                            </m:sSub>
+                          </m:den>
+                        </m:f>
+                        <m:r>
+                          <a:rPr lang="pt-BR" sz="2600" i="1">
+                            <a:latin typeface="Cambria Math" panose="02040503050406030204" pitchFamily="18" charset="0"/>
+                          </a:rPr>
+                          <m:t>,…,</m:t>
+                        </m:r>
+                        <m:sSub>
+                          <m:sSubPr>
+                            <m:ctrlPr>
+                              <a:rPr lang="pt-BR" sz="2600" i="1">
+                                <a:latin typeface="Cambria Math" panose="02040503050406030204" pitchFamily="18" charset="0"/>
+                              </a:rPr>
+                            </m:ctrlPr>
+                          </m:sSubPr>
+                          <m:e>
+                            <m:r>
+                              <a:rPr lang="pt-BR" sz="2600" i="1">
+                                <a:latin typeface="Cambria Math" panose="02040503050406030204" pitchFamily="18" charset="0"/>
+                              </a:rPr>
+                              <m:t>𝑥</m:t>
+                            </m:r>
+                          </m:e>
+                          <m:sub>
+                            <m:r>
+                              <a:rPr lang="pt-BR" sz="2600" i="1">
+                                <a:latin typeface="Cambria Math" panose="02040503050406030204" pitchFamily="18" charset="0"/>
+                              </a:rPr>
+                              <m:t>𝐾</m:t>
+                            </m:r>
+                          </m:sub>
+                        </m:sSub>
+                        <m:r>
+                          <a:rPr lang="pt-BR" sz="2600" b="0" i="1" smtClean="0">
+                            <a:latin typeface="Cambria Math" panose="02040503050406030204" pitchFamily="18" charset="0"/>
+                          </a:rPr>
+                          <m:t>+</m:t>
+                        </m:r>
+                        <m:r>
+                          <a:rPr lang="pt-BR" sz="2600" b="0" i="1" smtClean="0">
+                            <a:latin typeface="Cambria Math" panose="02040503050406030204" pitchFamily="18" charset="0"/>
+                            <a:ea typeface="Cambria Math" panose="02040503050406030204" pitchFamily="18" charset="0"/>
+                          </a:rPr>
+                          <m:t>𝛼</m:t>
+                        </m:r>
+                        <m:f>
+                          <m:fPr>
+                            <m:ctrlPr>
+                              <a:rPr lang="pt-BR" sz="2600" i="1">
+                                <a:latin typeface="Cambria Math" panose="02040503050406030204" pitchFamily="18" charset="0"/>
+                                <a:ea typeface="Cambria Math" panose="02040503050406030204" pitchFamily="18" charset="0"/>
+                              </a:rPr>
+                            </m:ctrlPr>
+                          </m:fPr>
+                          <m:num>
+                            <m:r>
+                              <a:rPr lang="pt-BR" sz="2600" i="1">
+                                <a:latin typeface="Cambria Math" panose="02040503050406030204" pitchFamily="18" charset="0"/>
+                                <a:ea typeface="Cambria Math" panose="02040503050406030204" pitchFamily="18" charset="0"/>
+                              </a:rPr>
+                              <m:t>𝜕</m:t>
+                            </m:r>
+                            <m:r>
+                              <a:rPr lang="pt-BR" sz="2600" i="1">
+                                <a:latin typeface="Cambria Math" panose="02040503050406030204" pitchFamily="18" charset="0"/>
+                                <a:ea typeface="Cambria Math" panose="02040503050406030204" pitchFamily="18" charset="0"/>
+                              </a:rPr>
+                              <m:t>𝑓</m:t>
+                            </m:r>
+                            <m:r>
+                              <a:rPr lang="pt-BR" sz="2600" i="1">
+                                <a:latin typeface="Cambria Math" panose="02040503050406030204" pitchFamily="18" charset="0"/>
+                                <a:ea typeface="Cambria Math" panose="02040503050406030204" pitchFamily="18" charset="0"/>
+                              </a:rPr>
+                              <m:t>(</m:t>
+                            </m:r>
+                            <m:sSub>
+                              <m:sSubPr>
+                                <m:ctrlPr>
+                                  <a:rPr lang="pt-BR" sz="2600" i="1">
+                                    <a:latin typeface="Cambria Math" panose="02040503050406030204" pitchFamily="18" charset="0"/>
+                                  </a:rPr>
+                                </m:ctrlPr>
+                              </m:sSubPr>
+                              <m:e>
+                                <m:r>
+                                  <a:rPr lang="pt-BR" sz="2600" i="1">
+                                    <a:latin typeface="Cambria Math" panose="02040503050406030204" pitchFamily="18" charset="0"/>
+                                  </a:rPr>
+                                  <m:t>𝑥</m:t>
+                                </m:r>
+                              </m:e>
+                              <m:sub>
+                                <m:r>
+                                  <a:rPr lang="pt-BR" sz="2600" i="1">
+                                    <a:latin typeface="Cambria Math" panose="02040503050406030204" pitchFamily="18" charset="0"/>
+                                  </a:rPr>
+                                  <m:t>0</m:t>
+                                </m:r>
+                              </m:sub>
+                            </m:sSub>
+                            <m:r>
+                              <a:rPr lang="pt-BR" sz="2600" i="1">
+                                <a:latin typeface="Cambria Math" panose="02040503050406030204" pitchFamily="18" charset="0"/>
+                              </a:rPr>
+                              <m:t>,</m:t>
+                            </m:r>
+                            <m:sSub>
+                              <m:sSubPr>
+                                <m:ctrlPr>
+                                  <a:rPr lang="pt-BR" sz="2600" i="1">
+                                    <a:latin typeface="Cambria Math" panose="02040503050406030204" pitchFamily="18" charset="0"/>
+                                  </a:rPr>
+                                </m:ctrlPr>
+                              </m:sSubPr>
+                              <m:e>
+                                <m:r>
+                                  <a:rPr lang="pt-BR" sz="2600" i="1">
+                                    <a:latin typeface="Cambria Math" panose="02040503050406030204" pitchFamily="18" charset="0"/>
+                                  </a:rPr>
+                                  <m:t>𝑥</m:t>
+                                </m:r>
+                              </m:e>
+                              <m:sub>
+                                <m:r>
+                                  <a:rPr lang="pt-BR" sz="2600" i="1">
+                                    <a:latin typeface="Cambria Math" panose="02040503050406030204" pitchFamily="18" charset="0"/>
+                                  </a:rPr>
+                                  <m:t>1</m:t>
+                                </m:r>
+                              </m:sub>
+                            </m:sSub>
+                            <m:r>
+                              <a:rPr lang="pt-BR" sz="2600" i="1">
+                                <a:latin typeface="Cambria Math" panose="02040503050406030204" pitchFamily="18" charset="0"/>
+                              </a:rPr>
+                              <m:t>,…,</m:t>
+                            </m:r>
+                            <m:sSub>
+                              <m:sSubPr>
+                                <m:ctrlPr>
+                                  <a:rPr lang="pt-BR" sz="2600" i="1">
+                                    <a:latin typeface="Cambria Math" panose="02040503050406030204" pitchFamily="18" charset="0"/>
+                                  </a:rPr>
+                                </m:ctrlPr>
+                              </m:sSubPr>
+                              <m:e>
+                                <m:r>
+                                  <a:rPr lang="pt-BR" sz="2600" i="1">
+                                    <a:latin typeface="Cambria Math" panose="02040503050406030204" pitchFamily="18" charset="0"/>
+                                  </a:rPr>
+                                  <m:t>𝑥</m:t>
+                                </m:r>
+                              </m:e>
+                              <m:sub>
+                                <m:r>
+                                  <a:rPr lang="pt-BR" sz="2600" i="1">
+                                    <a:latin typeface="Cambria Math" panose="02040503050406030204" pitchFamily="18" charset="0"/>
+                                  </a:rPr>
+                                  <m:t>𝐾</m:t>
+                                </m:r>
+                              </m:sub>
+                            </m:sSub>
+                            <m:r>
+                              <a:rPr lang="pt-BR" sz="2600" i="1">
+                                <a:latin typeface="Cambria Math" panose="02040503050406030204" pitchFamily="18" charset="0"/>
+                                <a:ea typeface="Cambria Math" panose="02040503050406030204" pitchFamily="18" charset="0"/>
+                              </a:rPr>
+                              <m:t>)</m:t>
+                            </m:r>
+                          </m:num>
+                          <m:den>
+                            <m:r>
+                              <a:rPr lang="pt-BR" sz="2600" i="1">
+                                <a:latin typeface="Cambria Math" panose="02040503050406030204" pitchFamily="18" charset="0"/>
+                                <a:ea typeface="Cambria Math" panose="02040503050406030204" pitchFamily="18" charset="0"/>
+                              </a:rPr>
+                              <m:t>𝜕</m:t>
+                            </m:r>
+                            <m:sSub>
+                              <m:sSubPr>
+                                <m:ctrlPr>
+                                  <a:rPr lang="pt-BR" sz="2600" i="1">
+                                    <a:latin typeface="Cambria Math" panose="02040503050406030204" pitchFamily="18" charset="0"/>
+                                    <a:ea typeface="Cambria Math" panose="02040503050406030204" pitchFamily="18" charset="0"/>
+                                  </a:rPr>
+                                </m:ctrlPr>
+                              </m:sSubPr>
+                              <m:e>
+                                <m:r>
+                                  <a:rPr lang="pt-BR" sz="2600" i="1">
+                                    <a:latin typeface="Cambria Math" panose="02040503050406030204" pitchFamily="18" charset="0"/>
+                                    <a:ea typeface="Cambria Math" panose="02040503050406030204" pitchFamily="18" charset="0"/>
+                                  </a:rPr>
+                                  <m:t>𝑥</m:t>
+                                </m:r>
+                              </m:e>
+                              <m:sub>
+                                <m:r>
+                                  <a:rPr lang="pt-BR" sz="2600" b="0" i="1" smtClean="0">
+                                    <a:latin typeface="Cambria Math" panose="02040503050406030204" pitchFamily="18" charset="0"/>
+                                    <a:ea typeface="Cambria Math" panose="02040503050406030204" pitchFamily="18" charset="0"/>
+                                  </a:rPr>
+                                  <m:t>𝐾</m:t>
+                                </m:r>
+                              </m:sub>
+                            </m:sSub>
+                          </m:den>
+                        </m:f>
+                      </m:e>
+                    </m:d>
+                    <m:r>
+                      <a:rPr lang="pt-BR" sz="2600" b="0" i="1" smtClean="0">
+                        <a:latin typeface="Cambria Math" panose="02040503050406030204" pitchFamily="18" charset="0"/>
+                      </a:rPr>
+                      <m:t>&gt;</m:t>
+                    </m:r>
+                    <m:r>
+                      <a:rPr lang="pt-BR" sz="2600" i="1">
+                        <a:latin typeface="Cambria Math" panose="02040503050406030204" pitchFamily="18" charset="0"/>
+                      </a:rPr>
+                      <m:t>𝑓</m:t>
+                    </m:r>
+                    <m:d>
+                      <m:dPr>
+                        <m:ctrlPr>
+                          <a:rPr lang="pt-BR" sz="2600" i="1">
+                            <a:latin typeface="Cambria Math" panose="02040503050406030204" pitchFamily="18" charset="0"/>
+                          </a:rPr>
+                        </m:ctrlPr>
+                      </m:dPr>
+                      <m:e>
+                        <m:sSub>
+                          <m:sSubPr>
+                            <m:ctrlPr>
+                              <a:rPr lang="pt-BR" sz="2600" i="1">
+                                <a:latin typeface="Cambria Math" panose="02040503050406030204" pitchFamily="18" charset="0"/>
+                              </a:rPr>
+                            </m:ctrlPr>
+                          </m:sSubPr>
+                          <m:e>
+                            <m:r>
+                              <a:rPr lang="pt-BR" sz="2600" i="1">
+                                <a:latin typeface="Cambria Math" panose="02040503050406030204" pitchFamily="18" charset="0"/>
+                              </a:rPr>
+                              <m:t>𝑥</m:t>
+                            </m:r>
+                          </m:e>
+                          <m:sub>
+                            <m:r>
+                              <a:rPr lang="pt-BR" sz="2600" i="1">
+                                <a:latin typeface="Cambria Math" panose="02040503050406030204" pitchFamily="18" charset="0"/>
+                              </a:rPr>
+                              <m:t>0</m:t>
+                            </m:r>
+                          </m:sub>
+                        </m:sSub>
+                        <m:r>
+                          <a:rPr lang="pt-BR" sz="2600" i="1">
+                            <a:latin typeface="Cambria Math" panose="02040503050406030204" pitchFamily="18" charset="0"/>
+                          </a:rPr>
+                          <m:t>,</m:t>
+                        </m:r>
+                        <m:sSub>
+                          <m:sSubPr>
+                            <m:ctrlPr>
+                              <a:rPr lang="pt-BR" sz="2600" i="1">
+                                <a:latin typeface="Cambria Math" panose="02040503050406030204" pitchFamily="18" charset="0"/>
+                              </a:rPr>
+                            </m:ctrlPr>
+                          </m:sSubPr>
+                          <m:e>
+                            <m:r>
+                              <a:rPr lang="pt-BR" sz="2600" i="1">
+                                <a:latin typeface="Cambria Math" panose="02040503050406030204" pitchFamily="18" charset="0"/>
+                              </a:rPr>
+                              <m:t>𝑥</m:t>
+                            </m:r>
+                          </m:e>
+                          <m:sub>
+                            <m:r>
+                              <a:rPr lang="pt-BR" sz="2600" i="1">
+                                <a:latin typeface="Cambria Math" panose="02040503050406030204" pitchFamily="18" charset="0"/>
+                              </a:rPr>
+                              <m:t>1</m:t>
+                            </m:r>
+                          </m:sub>
+                        </m:sSub>
+                        <m:r>
+                          <a:rPr lang="pt-BR" sz="2600" i="1">
+                            <a:latin typeface="Cambria Math" panose="02040503050406030204" pitchFamily="18" charset="0"/>
+                          </a:rPr>
+                          <m:t>,…,</m:t>
+                        </m:r>
+                        <m:sSub>
+                          <m:sSubPr>
+                            <m:ctrlPr>
+                              <a:rPr lang="pt-BR" sz="2600" i="1">
+                                <a:latin typeface="Cambria Math" panose="02040503050406030204" pitchFamily="18" charset="0"/>
+                              </a:rPr>
+                            </m:ctrlPr>
+                          </m:sSubPr>
+                          <m:e>
+                            <m:r>
+                              <a:rPr lang="pt-BR" sz="2600" i="1">
+                                <a:latin typeface="Cambria Math" panose="02040503050406030204" pitchFamily="18" charset="0"/>
+                              </a:rPr>
+                              <m:t>𝑥</m:t>
+                            </m:r>
+                          </m:e>
+                          <m:sub>
+                            <m:r>
+                              <a:rPr lang="pt-BR" sz="2600" i="1">
+                                <a:latin typeface="Cambria Math" panose="02040503050406030204" pitchFamily="18" charset="0"/>
+                              </a:rPr>
+                              <m:t>𝐾</m:t>
+                            </m:r>
+                          </m:sub>
+                        </m:sSub>
+                      </m:e>
+                    </m:d>
+                  </m:oMath>
+                </a14:m>
+                <a:r>
+                  <a:rPr lang="pt-BR" sz="2600" dirty="0" smtClean="0"/>
+                  <a:t>.</a:t>
+                </a:r>
+                <a:endParaRPr lang="pt-BR" sz="2600" dirty="0" smtClean="0"/>
               </a:p>
             </p:txBody>
           </p:sp>
         </mc:Choice>
-        <mc:Fallback xmlns="">
+        <mc:Fallback>
           <p:sp>
             <p:nvSpPr>
               <p:cNvPr id="3" name="Content Placeholder 2"/>
@@ -16420,13 +14381,13 @@
             </p:nvSpPr>
             <p:spPr>
               <a:xfrm>
-                <a:off x="838199" y="2133600"/>
+                <a:off x="838199" y="2103120"/>
                 <a:ext cx="11147156" cy="4724400"/>
               </a:xfrm>
               <a:blipFill rotWithShape="0">
                 <a:blip r:embed="rId3"/>
                 <a:stretch>
-                  <a:fillRect l="-820" t="-2968" r="-656"/>
+                  <a:fillRect l="-711" t="-2968" r="-711"/>
                 </a:stretch>
               </a:blipFill>
             </p:spPr>
@@ -16445,78 +14406,222 @@
           </p:sp>
         </mc:Fallback>
       </mc:AlternateContent>
+      <mc:AlternateContent xmlns:mc="http://schemas.openxmlformats.org/markup-compatibility/2006">
+        <mc:Choice xmlns:a14="http://schemas.microsoft.com/office/drawing/2010/main" Requires="a14">
+          <p:sp>
+            <p:nvSpPr>
+              <p:cNvPr id="4" name="Rectangle 3"/>
+              <p:cNvSpPr/>
+              <p:nvPr/>
+            </p:nvSpPr>
+            <p:spPr>
+              <a:xfrm>
+                <a:off x="8083007" y="173058"/>
+                <a:ext cx="4108993" cy="1169551"/>
+              </a:xfrm>
+              <a:prstGeom prst="rect">
+                <a:avLst/>
+              </a:prstGeom>
+            </p:spPr>
+            <p:txBody>
+              <a:bodyPr wrap="square">
+                <a:spAutoFit/>
+              </a:bodyPr>
+              <a:lstStyle/>
+              <a:p>
+                <a:pPr marL="285750" lvl="0" indent="-285750">
+                  <a:buFont typeface="Arial" panose="020B0604020202020204" pitchFamily="34" charset="0"/>
+                  <a:buChar char="•"/>
+                  <a:defRPr/>
+                </a:pPr>
+                <a:r>
+                  <a:rPr lang="pt-BR" sz="1400" dirty="0" smtClean="0"/>
+                  <a:t>O v</a:t>
+                </a:r>
+                <a:r>
+                  <a:rPr lang="pt-BR" sz="1400" dirty="0" smtClean="0"/>
+                  <a:t>etor gradiente, </a:t>
+                </a:r>
+                <a14:m>
+                  <m:oMath xmlns:m="http://schemas.openxmlformats.org/officeDocument/2006/math">
+                    <m:r>
+                      <a:rPr lang="pt-BR" sz="1400" b="0" i="1">
+                        <a:latin typeface="Cambria Math" panose="02040503050406030204" pitchFamily="18" charset="0"/>
+                        <a:ea typeface="Cambria Math" panose="02040503050406030204" pitchFamily="18" charset="0"/>
+                      </a:rPr>
+                      <m:t>𝛻</m:t>
+                    </m:r>
+                    <m:r>
+                      <a:rPr lang="pt-BR" sz="1400" b="0" i="1">
+                        <a:latin typeface="Cambria Math" panose="02040503050406030204" pitchFamily="18" charset="0"/>
+                        <a:ea typeface="Cambria Math" panose="02040503050406030204" pitchFamily="18" charset="0"/>
+                      </a:rPr>
+                      <m:t>𝑓</m:t>
+                    </m:r>
+                  </m:oMath>
+                </a14:m>
+                <a:r>
+                  <a:rPr lang="pt-BR" sz="1400" dirty="0" smtClean="0"/>
+                  <a:t>, </a:t>
+                </a:r>
+                <a:r>
+                  <a:rPr lang="pt-BR" sz="1400" dirty="0" smtClean="0"/>
+                  <a:t>indica </a:t>
+                </a:r>
+                <a:r>
+                  <a:rPr lang="pt-BR" sz="1400" dirty="0"/>
+                  <a:t>a magnitude e a direção em </a:t>
+                </a:r>
+                <a:r>
+                  <a:rPr lang="pt-BR" sz="1400" dirty="0"/>
+                  <a:t>que a função, </a:t>
+                </a:r>
+                <a14:m>
+                  <m:oMath xmlns:m="http://schemas.openxmlformats.org/officeDocument/2006/math">
+                    <m:r>
+                      <a:rPr lang="pt-BR" sz="1400" b="0" i="1">
+                        <a:latin typeface="Cambria Math" panose="02040503050406030204" pitchFamily="18" charset="0"/>
+                      </a:rPr>
+                      <m:t>𝑓</m:t>
+                    </m:r>
+                  </m:oMath>
+                </a14:m>
+                <a:r>
+                  <a:rPr lang="pt-BR" sz="1400" dirty="0"/>
+                  <a:t>, tem a taxa </a:t>
+                </a:r>
+                <a:r>
+                  <a:rPr lang="pt-BR" sz="1400" dirty="0"/>
+                  <a:t>de crescimento </a:t>
+                </a:r>
+                <a:r>
+                  <a:rPr lang="pt-BR" sz="1400" dirty="0"/>
+                  <a:t>mais </a:t>
+                </a:r>
+                <a:r>
+                  <a:rPr lang="pt-BR" sz="1400" dirty="0" smtClean="0"/>
+                  <a:t>rápida.</a:t>
+                </a:r>
+              </a:p>
+              <a:p>
+                <a:pPr marL="285750" lvl="0" indent="-285750">
+                  <a:buFont typeface="Arial" panose="020B0604020202020204" pitchFamily="34" charset="0"/>
+                  <a:buChar char="•"/>
+                  <a:defRPr/>
+                </a:pPr>
+                <a:r>
+                  <a:rPr lang="pt-BR" sz="1400" dirty="0" smtClean="0"/>
+                  <a:t>O </a:t>
+                </a:r>
+                <a:r>
+                  <a:rPr lang="pt-BR" sz="1400" i="1" dirty="0"/>
+                  <a:t>vetor gradiente</a:t>
+                </a:r>
+                <a:r>
+                  <a:rPr lang="pt-BR" sz="1400" dirty="0"/>
+                  <a:t> em um </a:t>
+                </a:r>
+                <a:r>
+                  <a:rPr lang="pt-BR" sz="1400" i="1" dirty="0"/>
+                  <a:t>ponto </a:t>
+                </a:r>
+                <a:r>
+                  <a:rPr lang="pt-BR" sz="1400" i="1" dirty="0" smtClean="0"/>
+                  <a:t>específico </a:t>
+                </a:r>
+                <a:r>
+                  <a:rPr lang="pt-BR" sz="1400" dirty="0" smtClean="0"/>
+                  <a:t>é </a:t>
+                </a:r>
+                <a:r>
+                  <a:rPr lang="pt-BR" sz="1400" dirty="0"/>
+                  <a:t>um </a:t>
+                </a:r>
+                <a:r>
+                  <a:rPr lang="pt-BR" sz="1400" i="1" dirty="0"/>
+                  <a:t>vetor ortogonal ao vetor tangente</a:t>
+                </a:r>
+                <a:r>
+                  <a:rPr lang="pt-BR" sz="1400" dirty="0"/>
+                  <a:t> àquele </a:t>
+                </a:r>
+                <a:r>
+                  <a:rPr lang="pt-BR" sz="1400" dirty="0" smtClean="0"/>
+                  <a:t>ponto.</a:t>
+                </a:r>
+                <a:endParaRPr lang="pt-BR" sz="1400" dirty="0"/>
+              </a:p>
+            </p:txBody>
+          </p:sp>
+        </mc:Choice>
+        <mc:Fallback>
+          <p:sp>
+            <p:nvSpPr>
+              <p:cNvPr id="4" name="Rectangle 3"/>
+              <p:cNvSpPr>
+                <a:spLocks noRot="1" noChangeAspect="1" noMove="1" noResize="1" noEditPoints="1" noAdjustHandles="1" noChangeArrowheads="1" noChangeShapeType="1" noTextEdit="1"/>
+              </p:cNvSpPr>
+              <p:nvPr/>
+            </p:nvSpPr>
+            <p:spPr>
+              <a:xfrm>
+                <a:off x="8083007" y="173058"/>
+                <a:ext cx="4108993" cy="1169551"/>
+              </a:xfrm>
+              <a:prstGeom prst="rect">
+                <a:avLst/>
+              </a:prstGeom>
+              <a:blipFill rotWithShape="0">
+                <a:blip r:embed="rId4"/>
+                <a:stretch>
+                  <a:fillRect l="-297" t="-521" b="-4688"/>
+                </a:stretch>
+              </a:blipFill>
+            </p:spPr>
+            <p:txBody>
+              <a:bodyPr/>
+              <a:lstStyle/>
+              <a:p>
+                <a:r>
+                  <a:rPr lang="pt-BR">
+                    <a:noFill/>
+                  </a:rPr>
+                  <a:t> </a:t>
+                </a:r>
+              </a:p>
+            </p:txBody>
+          </p:sp>
+        </mc:Fallback>
+      </mc:AlternateContent>
       <p:pic>
         <p:nvPicPr>
-          <p:cNvPr id="22" name="Picture 21"/>
+          <p:cNvPr id="6" name="Picture 5"/>
           <p:cNvPicPr>
             <a:picLocks noChangeAspect="1"/>
           </p:cNvPicPr>
           <p:nvPr/>
         </p:nvPicPr>
         <p:blipFill rotWithShape="1">
-          <a:blip r:embed="rId4">
+          <a:blip r:embed="rId5">
             <a:extLst>
               <a:ext uri="{28A0092B-C50C-407E-A947-70E740481C1C}">
                 <a14:useLocalDpi xmlns:a14="http://schemas.microsoft.com/office/drawing/2010/main" val="0"/>
               </a:ext>
             </a:extLst>
           </a:blip>
-          <a:srcRect l="1600" t="372" r="2149" b="48468"/>
+          <a:srcRect l="1691" t="951" r="1650" b="49764"/>
           <a:stretch/>
         </p:blipFill>
         <p:spPr>
           <a:xfrm>
-            <a:off x="6894810" y="95535"/>
-            <a:ext cx="4271395" cy="2038066"/>
+            <a:off x="4842057" y="94211"/>
+            <a:ext cx="4475019" cy="2008909"/>
           </a:xfrm>
           <a:prstGeom prst="rect">
             <a:avLst/>
           </a:prstGeom>
         </p:spPr>
       </p:pic>
-      <p:sp>
-        <p:nvSpPr>
-          <p:cNvPr id="4" name="Rectangle 3"/>
-          <p:cNvSpPr/>
-          <p:nvPr/>
-        </p:nvSpPr>
-        <p:spPr>
-          <a:xfrm>
-            <a:off x="8973357" y="95535"/>
-            <a:ext cx="3162300" cy="738664"/>
-          </a:xfrm>
-          <a:prstGeom prst="rect">
-            <a:avLst/>
-          </a:prstGeom>
-        </p:spPr>
-        <p:txBody>
-          <a:bodyPr wrap="square">
-            <a:spAutoFit/>
-          </a:bodyPr>
-          <a:lstStyle/>
-          <a:p>
-            <a:pPr lvl="0" algn="ctr">
-              <a:defRPr/>
-            </a:pPr>
-            <a:r>
-              <a:rPr lang="pt-BR" sz="1400" dirty="0" smtClean="0"/>
-              <a:t>Vetor </a:t>
-            </a:r>
-            <a:r>
-              <a:rPr lang="pt-BR" sz="1400" dirty="0"/>
-              <a:t>gradiente </a:t>
-            </a:r>
-            <a:r>
-              <a:rPr lang="pt-BR" sz="1400" dirty="0" smtClean="0"/>
-              <a:t>sempre aponta para </a:t>
-            </a:r>
-            <a:r>
-              <a:rPr lang="pt-BR" sz="1400" dirty="0"/>
-              <a:t>a direção onde a subida da função é mais íngreme.</a:t>
-            </a:r>
-          </a:p>
-        </p:txBody>
-      </p:sp>
     </p:spTree>
     <p:extLst>
       <p:ext uri="{BB962C8B-B14F-4D97-AF65-F5344CB8AC3E}">
@@ -16582,8 +14687,8 @@
           </a:p>
         </p:txBody>
       </p:sp>
-      <mc:AlternateContent xmlns:mc="http://schemas.openxmlformats.org/markup-compatibility/2006" xmlns:a14="http://schemas.microsoft.com/office/drawing/2010/main">
-        <mc:Choice Requires="a14">
+      <mc:AlternateContent xmlns:mc="http://schemas.openxmlformats.org/markup-compatibility/2006">
+        <mc:Choice xmlns:a14="http://schemas.microsoft.com/office/drawing/2010/main" Requires="a14">
           <p:sp>
             <p:nvSpPr>
               <p:cNvPr id="3" name="Content Placeholder 2"/>
@@ -16596,8 +14701,8 @@
             </p:nvSpPr>
             <p:spPr>
               <a:xfrm>
-                <a:off x="838200" y="2495398"/>
-                <a:ext cx="11140440" cy="4362601"/>
+                <a:off x="838200" y="2039070"/>
+                <a:ext cx="11186160" cy="4757969"/>
               </a:xfrm>
             </p:spPr>
             <p:txBody>
@@ -16608,23 +14713,7 @@
               <a:p>
                 <a:r>
                   <a:rPr lang="pt-BR" dirty="0" smtClean="0"/>
-                  <a:t>O </a:t>
-                </a:r>
-                <a:r>
-                  <a:rPr lang="pt-BR" b="1" i="1" dirty="0" smtClean="0"/>
-                  <a:t>vetor gradiente</a:t>
-                </a:r>
-                <a:r>
-                  <a:rPr lang="pt-BR" dirty="0" smtClean="0"/>
-                  <a:t> </a:t>
-                </a:r>
-                <a:r>
-                  <a:rPr lang="pt-BR" dirty="0"/>
-                  <a:t>em um ponto </a:t>
-                </a:r>
-                <a:r>
-                  <a:rPr lang="pt-BR" dirty="0" smtClean="0"/>
-                  <a:t>específico é </a:t>
+                  <a:t>Em </a:t>
                 </a:r>
                 <a:r>
                   <a:rPr lang="pt-BR" dirty="0"/>
@@ -16632,15 +14721,39 @@
                 </a:r>
                 <a:r>
                   <a:rPr lang="pt-BR" b="1" i="1" dirty="0"/>
-                  <a:t>vetor tangente</a:t>
-                </a:r>
-                <a:r>
-                  <a:rPr lang="pt-BR" dirty="0"/>
-                  <a:t> </a:t>
+                  <a:t>ponto </a:t>
+                </a:r>
+                <a:r>
+                  <a:rPr lang="pt-BR" b="1" i="1" dirty="0" smtClean="0"/>
+                  <a:t>específico</a:t>
                 </a:r>
                 <a:r>
                   <a:rPr lang="pt-BR" dirty="0" smtClean="0"/>
-                  <a:t>àquele ponto, onde um elemento do vetor com valor:</a:t>
+                  <a:t>, cada </a:t>
+                </a:r>
+                <a:r>
+                  <a:rPr lang="pt-BR" dirty="0" smtClean="0"/>
+                  <a:t>elemento </a:t>
+                </a:r>
+                <a:r>
+                  <a:rPr lang="pt-BR" dirty="0" smtClean="0"/>
+                  <a:t>do </a:t>
+                </a:r>
+                <a:r>
+                  <a:rPr lang="pt-BR" b="1" i="1" dirty="0" smtClean="0"/>
+                  <a:t>vetor </a:t>
+                </a:r>
+                <a:r>
+                  <a:rPr lang="pt-BR" b="1" i="1" dirty="0" smtClean="0"/>
+                  <a:t>gradiente </a:t>
+                </a:r>
+                <a:r>
+                  <a:rPr lang="pt-BR" dirty="0" smtClean="0"/>
+                  <a:t>com </a:t>
+                </a:r>
+                <a:r>
+                  <a:rPr lang="pt-BR" dirty="0" smtClean="0"/>
+                  <a:t>valor:</a:t>
                 </a:r>
                 <a:endParaRPr lang="pt-BR" dirty="0"/>
               </a:p>
@@ -16651,7 +14764,15 @@
                 </a:pPr>
                 <a:r>
                   <a:rPr lang="pt-BR" dirty="0" smtClean="0"/>
-                  <a:t>+ significa que o ponto de máximo esta à </a:t>
+                  <a:t>+ </a:t>
+                </a:r>
+                <a:r>
+                  <a:rPr lang="pt-BR" dirty="0" smtClean="0"/>
+                  <a:t>(inclinação positiva) significa </a:t>
+                </a:r>
+                <a:r>
+                  <a:rPr lang="pt-BR" dirty="0" smtClean="0"/>
+                  <a:t>que o ponto de máximo esta à </a:t>
                 </a:r>
                 <a:r>
                   <a:rPr lang="pt-BR" dirty="0"/>
@@ -16665,8 +14786,20 @@
                   <a:buChar char="o"/>
                 </a:pPr>
                 <a:r>
+                  <a:rPr lang="pt-BR" dirty="0"/>
+                  <a:t>- (inclinação </a:t>
+                </a:r>
+                <a:r>
                   <a:rPr lang="pt-BR" dirty="0" smtClean="0"/>
-                  <a:t>- significa que o ponto de máximo está atrás.</a:t>
+                  <a:t>negativa) </a:t>
+                </a:r>
+                <a:r>
+                  <a:rPr lang="pt-BR" dirty="0"/>
+                  <a:t>significa </a:t>
+                </a:r>
+                <a:r>
+                  <a:rPr lang="pt-BR" dirty="0" smtClean="0"/>
+                  <a:t>que o ponto de máximo está atrás.</a:t>
                 </a:r>
               </a:p>
               <a:p>
@@ -16675,16 +14808,20 @@
                   <a:buChar char="o"/>
                 </a:pPr>
                 <a:r>
+                  <a:rPr lang="pt-BR" dirty="0"/>
+                  <a:t>0 (inclinação </a:t>
+                </a:r>
+                <a:r>
                   <a:rPr lang="pt-BR" dirty="0" smtClean="0"/>
-                  <a:t>0</a:t>
+                  <a:t>nula) </a:t>
                 </a:r>
                 <a:r>
                   <a:rPr lang="pt-BR" dirty="0"/>
-                  <a:t> </a:t>
+                  <a:t>significa </a:t>
                 </a:r>
                 <a:r>
                   <a:rPr lang="pt-BR" dirty="0" smtClean="0"/>
-                  <a:t>significa que ponto </a:t>
+                  <a:t>que ponto </a:t>
                 </a:r>
                 <a:r>
                   <a:rPr lang="pt-BR" dirty="0"/>
@@ -16698,20 +14835,20 @@
               </a:p>
               <a:p>
                 <a:r>
+                  <a:rPr lang="pt-BR" dirty="0" smtClean="0"/>
+                  <a:t>Portanto, seguindo </a:t>
+                </a:r>
+                <a:r>
                   <a:rPr lang="pt-BR" dirty="0"/>
-                  <a:t>Portanto, </a:t>
+                  <a:t>na </a:t>
                 </a:r>
                 <a:r>
                   <a:rPr lang="pt-BR" dirty="0" smtClean="0"/>
-                  <a:t>o </a:t>
+                  <a:t>direção indicada pelo </a:t>
                 </a:r>
                 <a:r>
                   <a:rPr lang="pt-BR" b="1" i="1" dirty="0" smtClean="0"/>
-                  <a:t>vetor</a:t>
-                </a:r>
-                <a:r>
-                  <a:rPr lang="pt-BR" dirty="0" smtClean="0"/>
-                  <a:t> </a:t>
+                  <a:t>vetor </a:t>
                 </a:r>
                 <a:r>
                   <a:rPr lang="pt-BR" b="1" i="1" dirty="0"/>
@@ -16719,31 +14856,27 @@
                 </a:r>
                 <a:r>
                   <a:rPr lang="pt-BR" dirty="0"/>
-                  <a:t> </a:t>
+                  <a:t>, </a:t>
                 </a:r>
                 <a:r>
                   <a:rPr lang="pt-BR" dirty="0" smtClean="0"/>
-                  <a:t>nos permite </a:t>
+                  <a:t>chegamos </a:t>
                 </a:r>
                 <a:r>
                   <a:rPr lang="pt-BR" dirty="0"/>
-                  <a:t>encontrar o </a:t>
+                  <a:t>ao </a:t>
                 </a:r>
                 <a:r>
                   <a:rPr lang="pt-BR" dirty="0" smtClean="0"/>
-                  <a:t>ponto de </a:t>
-                </a:r>
-                <a:r>
-                  <a:rPr lang="pt-BR" b="1" i="1" dirty="0" smtClean="0"/>
-                  <a:t>máximo</a:t>
+                  <a:t>ponto de máximo </a:t>
+                </a:r>
+                <a:r>
+                  <a:rPr lang="pt-BR" dirty="0"/>
+                  <a:t>da </a:t>
                 </a:r>
                 <a:r>
                   <a:rPr lang="pt-BR" dirty="0" smtClean="0"/>
-                  <a:t> </a:t>
-                </a:r>
-                <a:r>
-                  <a:rPr lang="pt-BR" dirty="0"/>
-                  <a:t>da função, </a:t>
+                  <a:t>função, </a:t>
                 </a:r>
                 <a14:m>
                   <m:oMath xmlns:m="http://schemas.openxmlformats.org/officeDocument/2006/math">
@@ -16854,50 +14987,12 @@
                   </m:oMath>
                 </a14:m>
                 <a:r>
-                  <a:rPr lang="pt-BR" dirty="0"/>
-                  <a:t>.</a:t>
-                </a:r>
+                  <a:rPr lang="pt-BR" dirty="0" smtClean="0"/>
+                  <a:t>. </a:t>
+                </a:r>
+                <a:endParaRPr lang="pt-BR" dirty="0"/>
               </a:p>
               <a:p>
-                <a:pPr lvl="1"/>
-                <a:r>
-                  <a:rPr lang="pt-BR" dirty="0"/>
-                  <a:t>Seguindo na </a:t>
-                </a:r>
-                <a:r>
-                  <a:rPr lang="pt-BR" dirty="0" smtClean="0"/>
-                  <a:t>direção e sentido indicados pelo </a:t>
-                </a:r>
-                <a:r>
-                  <a:rPr lang="pt-BR" b="1" i="1" dirty="0" smtClean="0"/>
-                  <a:t>vetor </a:t>
-                </a:r>
-                <a:r>
-                  <a:rPr lang="pt-BR" b="1" i="1" dirty="0"/>
-                  <a:t>gradiente</a:t>
-                </a:r>
-                <a:r>
-                  <a:rPr lang="pt-BR" dirty="0"/>
-                  <a:t>, </a:t>
-                </a:r>
-                <a:r>
-                  <a:rPr lang="pt-BR" dirty="0" smtClean="0"/>
-                  <a:t>chegamos </a:t>
-                </a:r>
-                <a:r>
-                  <a:rPr lang="pt-BR" dirty="0"/>
-                  <a:t>ao </a:t>
-                </a:r>
-                <a:r>
-                  <a:rPr lang="pt-BR" dirty="0" smtClean="0"/>
-                  <a:t>ponto de máximo </a:t>
-                </a:r>
-                <a:r>
-                  <a:rPr lang="pt-BR" dirty="0"/>
-                  <a:t>da função. </a:t>
-                </a:r>
-              </a:p>
-              <a:p>
                 <a:r>
                   <a:rPr lang="pt-BR" dirty="0"/>
                   <a:t>Assim, </a:t>
@@ -16920,7 +15015,7 @@
                 </a:r>
                 <a:r>
                   <a:rPr lang="pt-BR" dirty="0" smtClean="0"/>
-                  <a:t>que siga a direção e sentido indicados pelo </a:t>
+                  <a:t>que siga a direção indicada pelo </a:t>
                 </a:r>
                 <a:r>
                   <a:rPr lang="pt-BR" b="1" i="1" dirty="0" smtClean="0"/>
@@ -16937,6 +15032,10 @@
                 <a:r>
                   <a:rPr lang="pt-BR" dirty="0" smtClean="0"/>
                   <a:t>de </a:t>
+                </a:r>
+                <a:r>
+                  <a:rPr lang="pt-BR" dirty="0" smtClean="0"/>
+                  <a:t>uma função </a:t>
                 </a:r>
                 <a14:m>
                   <m:oMath xmlns:m="http://schemas.openxmlformats.org/officeDocument/2006/math">
@@ -17052,17 +15151,329 @@
                 </a:r>
                 <a:r>
                   <a:rPr lang="pt-BR" b="1" i="1" dirty="0"/>
-                  <a:t>gradiente ascendente</a:t>
+                  <a:t>gradiente </a:t>
+                </a:r>
+                <a:r>
+                  <a:rPr lang="pt-BR" b="1" i="1" dirty="0" smtClean="0"/>
+                  <a:t>ascendente</a:t>
+                </a:r>
+                <a:r>
+                  <a:rPr lang="pt-BR" dirty="0" smtClean="0"/>
+                  <a:t>.</a:t>
+                </a:r>
+              </a:p>
+              <a:p>
+                <a:r>
+                  <a:rPr lang="pt-BR" dirty="0" smtClean="0"/>
+                  <a:t>A cada iteração, calcula-se o </a:t>
+                </a:r>
+                <a:r>
+                  <a:rPr lang="pt-BR" b="1" i="1" dirty="0" smtClean="0"/>
+                  <a:t>vetor gradiente </a:t>
                 </a:r>
                 <a:r>
                   <a:rPr lang="pt-BR" dirty="0"/>
-                  <a:t>.</a:t>
-                </a:r>
+                  <a:t>da função</a:t>
+                </a:r>
+                <a:r>
+                  <a:rPr lang="pt-BR" dirty="0" smtClean="0"/>
+                  <a:t> </a:t>
+                </a:r>
+                <a14:m>
+                  <m:oMath xmlns:m="http://schemas.openxmlformats.org/officeDocument/2006/math">
+                    <m:r>
+                      <a:rPr lang="pt-BR" i="1">
+                        <a:latin typeface="Cambria Math" panose="02040503050406030204" pitchFamily="18" charset="0"/>
+                      </a:rPr>
+                      <m:t>𝑓</m:t>
+                    </m:r>
+                    <m:r>
+                      <a:rPr lang="pt-BR" i="1">
+                        <a:latin typeface="Cambria Math" panose="02040503050406030204" pitchFamily="18" charset="0"/>
+                      </a:rPr>
+                      <m:t>(</m:t>
+                    </m:r>
+                    <m:r>
+                      <a:rPr lang="pt-BR" b="1" i="1">
+                        <a:latin typeface="Cambria Math" panose="02040503050406030204" pitchFamily="18" charset="0"/>
+                      </a:rPr>
+                      <m:t>𝒙</m:t>
+                    </m:r>
+                    <m:r>
+                      <a:rPr lang="pt-BR" i="1">
+                        <a:latin typeface="Cambria Math" panose="02040503050406030204" pitchFamily="18" charset="0"/>
+                      </a:rPr>
+                      <m:t>)</m:t>
+                    </m:r>
+                  </m:oMath>
+                </a14:m>
+                <a:r>
+                  <a:rPr lang="pt-BR" dirty="0" smtClean="0"/>
+                  <a:t> num ponto específico, </a:t>
+                </a:r>
+                <a14:m>
+                  <m:oMath xmlns:m="http://schemas.openxmlformats.org/officeDocument/2006/math">
+                    <m:r>
+                      <a:rPr lang="pt-BR" b="1" i="1">
+                        <a:latin typeface="Cambria Math" panose="02040503050406030204" pitchFamily="18" charset="0"/>
+                      </a:rPr>
+                      <m:t>𝒙</m:t>
+                    </m:r>
+                    <m:r>
+                      <a:rPr lang="pt-BR" b="0" i="0" smtClean="0">
+                        <a:latin typeface="Cambria Math" panose="02040503050406030204" pitchFamily="18" charset="0"/>
+                      </a:rPr>
+                      <m:t>(</m:t>
+                    </m:r>
+                    <m:r>
+                      <a:rPr lang="pt-BR" b="0" i="1" smtClean="0">
+                        <a:latin typeface="Cambria Math" panose="02040503050406030204" pitchFamily="18" charset="0"/>
+                      </a:rPr>
+                      <m:t>𝑙</m:t>
+                    </m:r>
+                    <m:r>
+                      <a:rPr lang="pt-BR" b="0" i="0" smtClean="0">
+                        <a:latin typeface="Cambria Math" panose="02040503050406030204" pitchFamily="18" charset="0"/>
+                      </a:rPr>
+                      <m:t>)</m:t>
+                    </m:r>
+                  </m:oMath>
+                </a14:m>
+                <a:r>
+                  <a:rPr lang="pt-BR" dirty="0" smtClean="0"/>
+                  <a:t>, e atualiza-se os valores dos argumentos da função de tal forma, que a cada </a:t>
+                </a:r>
+                <a:r>
+                  <a:rPr lang="pt-BR" b="1" i="1" dirty="0" smtClean="0"/>
+                  <a:t>iteração</a:t>
+                </a:r>
+                <a:r>
+                  <a:rPr lang="pt-BR" dirty="0" smtClean="0"/>
+                  <a:t> se tenha:</a:t>
+                </a:r>
+              </a:p>
+              <a:p>
+                <a:pPr marL="457200" lvl="1" indent="0">
+                  <a:buNone/>
+                </a:pPr>
+                <a14:m>
+                  <m:oMathPara xmlns:m="http://schemas.openxmlformats.org/officeDocument/2006/math">
+                    <m:oMathParaPr>
+                      <m:jc m:val="centerGroup"/>
+                    </m:oMathParaPr>
+                    <m:oMath xmlns:m="http://schemas.openxmlformats.org/officeDocument/2006/math">
+                      <m:r>
+                        <a:rPr lang="pt-BR" i="1">
+                          <a:latin typeface="Cambria Math" panose="02040503050406030204" pitchFamily="18" charset="0"/>
+                        </a:rPr>
+                        <m:t>𝑓</m:t>
+                      </m:r>
+                      <m:d>
+                        <m:dPr>
+                          <m:ctrlPr>
+                            <a:rPr lang="pt-BR" i="1">
+                              <a:latin typeface="Cambria Math" panose="02040503050406030204" pitchFamily="18" charset="0"/>
+                            </a:rPr>
+                          </m:ctrlPr>
+                        </m:dPr>
+                        <m:e>
+                          <m:r>
+                            <a:rPr lang="pt-BR" b="1" i="1">
+                              <a:latin typeface="Cambria Math" panose="02040503050406030204" pitchFamily="18" charset="0"/>
+                            </a:rPr>
+                            <m:t>𝒙</m:t>
+                          </m:r>
+                          <m:r>
+                            <a:rPr lang="pt-BR" i="1">
+                              <a:latin typeface="Cambria Math" panose="02040503050406030204" pitchFamily="18" charset="0"/>
+                            </a:rPr>
+                            <m:t>(</m:t>
+                          </m:r>
+                          <m:r>
+                            <a:rPr lang="pt-BR" b="0" i="1" smtClean="0">
+                              <a:latin typeface="Cambria Math" panose="02040503050406030204" pitchFamily="18" charset="0"/>
+                            </a:rPr>
+                            <m:t>𝑙</m:t>
+                          </m:r>
+                          <m:r>
+                            <a:rPr lang="pt-BR" b="0" i="1" smtClean="0">
+                              <a:latin typeface="Cambria Math" panose="02040503050406030204" pitchFamily="18" charset="0"/>
+                            </a:rPr>
+                            <m:t>+1)</m:t>
+                          </m:r>
+                        </m:e>
+                      </m:d>
+                      <m:r>
+                        <a:rPr lang="pt-BR" b="0" i="1" smtClean="0">
+                          <a:latin typeface="Cambria Math" panose="02040503050406030204" pitchFamily="18" charset="0"/>
+                        </a:rPr>
+                        <m:t>=</m:t>
+                      </m:r>
+                      <m:r>
+                        <a:rPr lang="pt-BR" i="1">
+                          <a:latin typeface="Cambria Math" panose="02040503050406030204" pitchFamily="18" charset="0"/>
+                        </a:rPr>
+                        <m:t>𝑓</m:t>
+                      </m:r>
+                      <m:d>
+                        <m:dPr>
+                          <m:ctrlPr>
+                            <a:rPr lang="pt-BR" i="1">
+                              <a:latin typeface="Cambria Math" panose="02040503050406030204" pitchFamily="18" charset="0"/>
+                            </a:rPr>
+                          </m:ctrlPr>
+                        </m:dPr>
+                        <m:e>
+                          <m:r>
+                            <a:rPr lang="pt-BR" b="1" i="1">
+                              <a:latin typeface="Cambria Math" panose="02040503050406030204" pitchFamily="18" charset="0"/>
+                            </a:rPr>
+                            <m:t>𝒙</m:t>
+                          </m:r>
+                          <m:r>
+                            <a:rPr lang="pt-BR" b="0" i="1" smtClean="0">
+                              <a:latin typeface="Cambria Math" panose="02040503050406030204" pitchFamily="18" charset="0"/>
+                            </a:rPr>
+                            <m:t>(</m:t>
+                          </m:r>
+                          <m:r>
+                            <a:rPr lang="pt-BR" b="0" i="1" smtClean="0">
+                              <a:latin typeface="Cambria Math" panose="02040503050406030204" pitchFamily="18" charset="0"/>
+                            </a:rPr>
+                            <m:t>𝑙</m:t>
+                          </m:r>
+                          <m:r>
+                            <a:rPr lang="pt-BR" b="0" i="1" smtClean="0">
+                              <a:latin typeface="Cambria Math" panose="02040503050406030204" pitchFamily="18" charset="0"/>
+                            </a:rPr>
+                            <m:t>)+</m:t>
+                          </m:r>
+                          <m:r>
+                            <a:rPr lang="pt-BR" i="1">
+                              <a:latin typeface="Cambria Math" panose="02040503050406030204" pitchFamily="18" charset="0"/>
+                              <a:ea typeface="Cambria Math" panose="02040503050406030204" pitchFamily="18" charset="0"/>
+                            </a:rPr>
+                            <m:t>𝛻</m:t>
+                          </m:r>
+                          <m:r>
+                            <a:rPr lang="pt-BR" i="1">
+                              <a:latin typeface="Cambria Math" panose="02040503050406030204" pitchFamily="18" charset="0"/>
+                              <a:ea typeface="Cambria Math" panose="02040503050406030204" pitchFamily="18" charset="0"/>
+                            </a:rPr>
+                            <m:t>𝑓</m:t>
+                          </m:r>
+                          <m:d>
+                            <m:dPr>
+                              <m:ctrlPr>
+                                <a:rPr lang="pt-BR" b="0" i="1" smtClean="0">
+                                  <a:latin typeface="Cambria Math" panose="02040503050406030204" pitchFamily="18" charset="0"/>
+                                  <a:ea typeface="Cambria Math" panose="02040503050406030204" pitchFamily="18" charset="0"/>
+                                </a:rPr>
+                              </m:ctrlPr>
+                            </m:dPr>
+                            <m:e>
+                              <m:r>
+                                <a:rPr lang="pt-BR" b="1" i="1">
+                                  <a:latin typeface="Cambria Math" panose="02040503050406030204" pitchFamily="18" charset="0"/>
+                                </a:rPr>
+                                <m:t>𝒙</m:t>
+                              </m:r>
+                              <m:r>
+                                <a:rPr lang="pt-BR" i="1">
+                                  <a:latin typeface="Cambria Math" panose="02040503050406030204" pitchFamily="18" charset="0"/>
+                                </a:rPr>
+                                <m:t>(</m:t>
+                              </m:r>
+                              <m:r>
+                                <a:rPr lang="pt-BR" b="0" i="1" smtClean="0">
+                                  <a:latin typeface="Cambria Math" panose="02040503050406030204" pitchFamily="18" charset="0"/>
+                                </a:rPr>
+                                <m:t>𝑙</m:t>
+                              </m:r>
+                              <m:r>
+                                <a:rPr lang="pt-BR" i="1">
+                                  <a:latin typeface="Cambria Math" panose="02040503050406030204" pitchFamily="18" charset="0"/>
+                                </a:rPr>
+                                <m:t>)</m:t>
+                              </m:r>
+                            </m:e>
+                          </m:d>
+                        </m:e>
+                      </m:d>
+                      <m:r>
+                        <a:rPr lang="pt-BR" b="0" i="1" smtClean="0">
+                          <a:latin typeface="Cambria Math" panose="02040503050406030204" pitchFamily="18" charset="0"/>
+                        </a:rPr>
+                        <m:t>&gt;</m:t>
+                      </m:r>
+                      <m:r>
+                        <a:rPr lang="pt-BR" i="1">
+                          <a:latin typeface="Cambria Math" panose="02040503050406030204" pitchFamily="18" charset="0"/>
+                        </a:rPr>
+                        <m:t>𝑓</m:t>
+                      </m:r>
+                      <m:d>
+                        <m:dPr>
+                          <m:ctrlPr>
+                            <a:rPr lang="pt-BR" i="1">
+                              <a:latin typeface="Cambria Math" panose="02040503050406030204" pitchFamily="18" charset="0"/>
+                            </a:rPr>
+                          </m:ctrlPr>
+                        </m:dPr>
+                        <m:e>
+                          <m:r>
+                            <a:rPr lang="pt-BR" b="1" i="1">
+                              <a:latin typeface="Cambria Math" panose="02040503050406030204" pitchFamily="18" charset="0"/>
+                            </a:rPr>
+                            <m:t>𝒙</m:t>
+                          </m:r>
+                          <m:r>
+                            <a:rPr lang="pt-BR" i="1">
+                              <a:latin typeface="Cambria Math" panose="02040503050406030204" pitchFamily="18" charset="0"/>
+                            </a:rPr>
+                            <m:t>(</m:t>
+                          </m:r>
+                          <m:r>
+                            <a:rPr lang="pt-BR" b="0" i="1" smtClean="0">
+                              <a:latin typeface="Cambria Math" panose="02040503050406030204" pitchFamily="18" charset="0"/>
+                            </a:rPr>
+                            <m:t>𝑙</m:t>
+                          </m:r>
+                          <m:r>
+                            <a:rPr lang="pt-BR" i="1">
+                              <a:latin typeface="Cambria Math" panose="02040503050406030204" pitchFamily="18" charset="0"/>
+                            </a:rPr>
+                            <m:t>)</m:t>
+                          </m:r>
+                        </m:e>
+                      </m:d>
+                      <m:r>
+                        <a:rPr lang="pt-BR" b="0" i="0" smtClean="0">
+                          <a:latin typeface="Cambria Math" panose="02040503050406030204" pitchFamily="18" charset="0"/>
+                        </a:rPr>
+                        <m:t>, </m:t>
+                      </m:r>
+                      <m:r>
+                        <a:rPr lang="pt-BR" b="0" i="1" smtClean="0">
+                          <a:latin typeface="Cambria Math" panose="02040503050406030204" pitchFamily="18" charset="0"/>
+                        </a:rPr>
+                        <m:t>𝑙</m:t>
+                      </m:r>
+                      <m:r>
+                        <a:rPr lang="pt-BR" b="0" i="0" smtClean="0">
+                          <a:latin typeface="Cambria Math" panose="02040503050406030204" pitchFamily="18" charset="0"/>
+                        </a:rPr>
+                        <m:t>≥0.</m:t>
+                      </m:r>
+                    </m:oMath>
+                  </m:oMathPara>
+                </a14:m>
+                <a:endParaRPr lang="pt-BR" dirty="0"/>
               </a:p>
             </p:txBody>
           </p:sp>
         </mc:Choice>
-        <mc:Fallback xmlns="">
+        <mc:Fallback>
           <p:sp>
             <p:nvSpPr>
               <p:cNvPr id="3" name="Content Placeholder 2"/>
@@ -17075,13 +15486,13 @@
             </p:nvSpPr>
             <p:spPr>
               <a:xfrm>
-                <a:off x="838200" y="2495398"/>
-                <a:ext cx="11140440" cy="4362601"/>
+                <a:off x="838200" y="2039070"/>
+                <a:ext cx="11186160" cy="4757969"/>
               </a:xfrm>
               <a:blipFill rotWithShape="0">
                 <a:blip r:embed="rId3"/>
                 <a:stretch>
-                  <a:fillRect l="-876" t="-2793"/>
+                  <a:fillRect l="-872" t="-2561" r="-1090"/>
                 </a:stretch>
               </a:blipFill>
             </p:spPr>
@@ -17100,87 +15511,43 @@
           </p:sp>
         </mc:Fallback>
       </mc:AlternateContent>
-      <p:grpSp>
-        <p:nvGrpSpPr>
-          <p:cNvPr id="4" name="Group 3"/>
-          <p:cNvGrpSpPr/>
+      <p:sp>
+        <p:nvSpPr>
+          <p:cNvPr id="29" name="Rectangle 28"/>
+          <p:cNvSpPr/>
           <p:nvPr/>
-        </p:nvGrpSpPr>
-        <p:grpSpPr>
+        </p:nvSpPr>
+        <p:spPr>
           <a:xfrm>
-            <a:off x="7772401" y="137257"/>
-            <a:ext cx="4069080" cy="2342902"/>
-            <a:chOff x="8172919" y="2463615"/>
-            <a:chExt cx="4019081" cy="2386724"/>
+            <a:off x="8794388" y="326115"/>
+            <a:ext cx="2423246" cy="362551"/>
           </a:xfrm>
-        </p:grpSpPr>
-        <p:pic>
-          <p:nvPicPr>
-            <p:cNvPr id="27" name="Picture 26"/>
-            <p:cNvPicPr>
-              <a:picLocks noChangeAspect="1"/>
-            </p:cNvPicPr>
-            <p:nvPr/>
-          </p:nvPicPr>
-          <p:blipFill rotWithShape="1">
-            <a:blip r:embed="rId4">
-              <a:extLst>
-                <a:ext uri="{28A0092B-C50C-407E-A947-70E740481C1C}">
-                  <a14:useLocalDpi xmlns:a14="http://schemas.microsoft.com/office/drawing/2010/main" val="0"/>
-                </a:ext>
-              </a:extLst>
-            </a:blip>
-            <a:srcRect l="1843" r="2026" b="49266"/>
-            <a:stretch/>
-          </p:blipFill>
-          <p:spPr>
-            <a:xfrm>
-              <a:off x="8172919" y="2463615"/>
-              <a:ext cx="4019081" cy="2126067"/>
-            </a:xfrm>
-            <a:prstGeom prst="rect">
-              <a:avLst/>
-            </a:prstGeom>
-          </p:spPr>
-        </p:pic>
-        <p:sp>
-          <p:nvSpPr>
-            <p:cNvPr id="29" name="Rectangle 28"/>
-            <p:cNvSpPr/>
-            <p:nvPr/>
-          </p:nvSpPr>
-          <p:spPr>
-            <a:xfrm>
-              <a:off x="8960330" y="4481007"/>
-              <a:ext cx="2393470" cy="369332"/>
-            </a:xfrm>
-            <a:prstGeom prst="rect">
-              <a:avLst/>
-            </a:prstGeom>
-          </p:spPr>
-          <p:txBody>
-            <a:bodyPr wrap="square">
-              <a:spAutoFit/>
-            </a:bodyPr>
-            <a:lstStyle/>
-            <a:p>
-              <a:r>
-                <a:rPr lang="pt-BR" b="1" dirty="0">
-                  <a:solidFill>
-                    <a:srgbClr val="00B0F0"/>
-                  </a:solidFill>
-                </a:rPr>
-                <a:t>Gradiente ascendente</a:t>
-              </a:r>
-              <a:endParaRPr lang="nl-BE" dirty="0">
+          <a:prstGeom prst="rect">
+            <a:avLst/>
+          </a:prstGeom>
+        </p:spPr>
+        <p:txBody>
+          <a:bodyPr wrap="square">
+            <a:spAutoFit/>
+          </a:bodyPr>
+          <a:lstStyle/>
+          <a:p>
+            <a:r>
+              <a:rPr lang="pt-BR" b="1" dirty="0">
                 <a:solidFill>
                   <a:srgbClr val="00B0F0"/>
                 </a:solidFill>
-              </a:endParaRPr>
-            </a:p>
-          </p:txBody>
-        </p:sp>
-      </p:grpSp>
+              </a:rPr>
+              <a:t>Gradiente ascendente</a:t>
+            </a:r>
+            <a:endParaRPr lang="nl-BE" dirty="0">
+              <a:solidFill>
+                <a:srgbClr val="00B0F0"/>
+              </a:solidFill>
+            </a:endParaRPr>
+          </a:p>
+        </p:txBody>
+      </p:sp>
       <p:sp>
         <p:nvSpPr>
           <p:cNvPr id="6" name="Right Brace 5"/>
@@ -17189,8 +15556,8 @@
         </p:nvSpPr>
         <p:spPr>
           <a:xfrm>
-            <a:off x="7112758" y="3147357"/>
-            <a:ext cx="563880" cy="1036320"/>
+            <a:off x="9408544" y="2408402"/>
+            <a:ext cx="300478" cy="1036320"/>
           </a:xfrm>
           <a:prstGeom prst="rightBrace">
             <a:avLst/>
@@ -17232,7 +15599,7 @@
         </p:nvSpPr>
         <p:spPr>
           <a:xfrm>
-            <a:off x="7827389" y="3480851"/>
+            <a:off x="9802628" y="2741896"/>
             <a:ext cx="1333500" cy="369332"/>
           </a:xfrm>
           <a:prstGeom prst="rect">
@@ -17259,6 +15626,74 @@
                 <a:srgbClr val="FF0000"/>
               </a:solidFill>
             </a:endParaRPr>
+          </a:p>
+        </p:txBody>
+      </p:sp>
+      <p:pic>
+        <p:nvPicPr>
+          <p:cNvPr id="4" name="Picture 3"/>
+          <p:cNvPicPr>
+            <a:picLocks noChangeAspect="1"/>
+          </p:cNvPicPr>
+          <p:nvPr/>
+        </p:nvPicPr>
+        <p:blipFill rotWithShape="1">
+          <a:blip r:embed="rId4">
+            <a:extLst>
+              <a:ext uri="{28A0092B-C50C-407E-A947-70E740481C1C}">
+                <a14:useLocalDpi xmlns:a14="http://schemas.microsoft.com/office/drawing/2010/main" val="0"/>
+              </a:ext>
+            </a:extLst>
+          </a:blip>
+          <a:srcRect r="4020" b="48749"/>
+          <a:stretch/>
+        </p:blipFill>
+        <p:spPr>
+          <a:xfrm>
+            <a:off x="6442261" y="15337"/>
+            <a:ext cx="3824944" cy="2054213"/>
+          </a:xfrm>
+          <a:prstGeom prst="rect">
+            <a:avLst/>
+          </a:prstGeom>
+        </p:spPr>
+      </p:pic>
+      <p:sp>
+        <p:nvSpPr>
+          <p:cNvPr id="5" name="Rectangle 4"/>
+          <p:cNvSpPr/>
+          <p:nvPr/>
+        </p:nvSpPr>
+        <p:spPr>
+          <a:xfrm>
+            <a:off x="10342697" y="1253283"/>
+            <a:ext cx="1749873" cy="738664"/>
+          </a:xfrm>
+          <a:prstGeom prst="rect">
+            <a:avLst/>
+          </a:prstGeom>
+        </p:spPr>
+        <p:txBody>
+          <a:bodyPr wrap="square">
+            <a:spAutoFit/>
+          </a:bodyPr>
+          <a:lstStyle/>
+          <a:p>
+            <a:pPr lvl="0" algn="ctr">
+              <a:defRPr/>
+            </a:pPr>
+            <a:r>
+              <a:rPr lang="pt-BR" sz="1400" dirty="0"/>
+              <a:t>A derivada parcial </a:t>
+            </a:r>
+            <a:r>
+              <a:rPr lang="pt-BR" sz="1400" dirty="0" smtClean="0"/>
+              <a:t>dá </a:t>
+            </a:r>
+            <a:r>
+              <a:rPr lang="pt-BR" sz="1400" dirty="0"/>
+              <a:t>a inclinação da reta tangente ao ponto.</a:t>
+            </a:r>
           </a:p>
         </p:txBody>
       </p:sp>
@@ -17318,12 +15753,11 @@
               <a:rPr lang="pt-BR" dirty="0"/>
               <a:t>Gradiente Descendente</a:t>
             </a:r>
-            <a:endParaRPr lang="nl-BE" dirty="0"/>
           </a:p>
         </p:txBody>
       </p:sp>
-      <mc:AlternateContent xmlns:mc="http://schemas.openxmlformats.org/markup-compatibility/2006" xmlns:a14="http://schemas.microsoft.com/office/drawing/2010/main">
-        <mc:Choice Requires="a14">
+      <mc:AlternateContent xmlns:mc="http://schemas.openxmlformats.org/markup-compatibility/2006">
+        <mc:Choice xmlns:a14="http://schemas.microsoft.com/office/drawing/2010/main" Requires="a14">
           <p:sp>
             <p:nvSpPr>
               <p:cNvPr id="3" name="Content Placeholder 2"/>
@@ -17336,34 +15770,38 @@
             </p:nvSpPr>
             <p:spPr>
               <a:xfrm>
-                <a:off x="838199" y="1690689"/>
-                <a:ext cx="11240069" cy="2640012"/>
+                <a:off x="838200" y="2033142"/>
+                <a:ext cx="11170920" cy="4748658"/>
               </a:xfrm>
             </p:spPr>
             <p:txBody>
               <a:bodyPr>
-                <a:normAutofit lnSpcReduction="10000"/>
+                <a:normAutofit fontScale="92500"/>
               </a:bodyPr>
               <a:lstStyle/>
               <a:p>
                 <a:r>
+                  <a:rPr lang="pt-BR" dirty="0" smtClean="0"/>
+                  <a:t>Mas e se formos na direção contrária à </a:t>
+                </a:r>
+                <a:r>
                   <a:rPr lang="pt-BR" dirty="0"/>
-                  <a:t>Mas e se formos </a:t>
+                  <a:t>da </a:t>
                 </a:r>
                 <a:r>
                   <a:rPr lang="pt-BR" dirty="0" smtClean="0"/>
-                  <a:t>no sentido contrário ao </a:t>
+                  <a:t>máxima taxa </a:t>
                 </a:r>
                 <a:r>
                   <a:rPr lang="pt-BR" dirty="0"/>
-                  <a:t>da taxa de crescimento, dada pelo </a:t>
-                </a:r>
-                <a:r>
-                  <a:rPr lang="pt-BR" b="1" i="1" dirty="0" smtClean="0"/>
+                  <a:t>de crescimento, dada pelo </a:t>
+                </a:r>
+                <a:r>
+                  <a:rPr lang="pt-BR" b="1" i="1" dirty="0"/>
                   <a:t>vetor gradiente</a:t>
                 </a:r>
                 <a:r>
-                  <a:rPr lang="pt-BR" dirty="0" smtClean="0"/>
+                  <a:rPr lang="pt-BR" dirty="0"/>
                   <a:t>, </a:t>
                 </a:r>
                 <a14:m>
@@ -17383,7 +15821,7 @@
                       <m:t>𝑓</m:t>
                     </m:r>
                     <m:r>
-                      <a:rPr lang="pt-BR" b="0" i="1" smtClean="0">
+                      <a:rPr lang="pt-BR" i="1">
                         <a:latin typeface="Cambria Math" panose="02040503050406030204" pitchFamily="18" charset="0"/>
                         <a:ea typeface="Cambria Math" panose="02040503050406030204" pitchFamily="18" charset="0"/>
                       </a:rPr>
@@ -17477,7 +15915,7 @@
                       </m:sub>
                     </m:sSub>
                     <m:r>
-                      <a:rPr lang="pt-BR" b="0" i="1" smtClean="0">
+                      <a:rPr lang="pt-BR" i="1">
                         <a:latin typeface="Cambria Math" panose="02040503050406030204" pitchFamily="18" charset="0"/>
                         <a:ea typeface="Cambria Math" panose="02040503050406030204" pitchFamily="18" charset="0"/>
                       </a:rPr>
@@ -17492,7 +15930,7 @@
                 <a14:m>
                   <m:oMath xmlns:m="http://schemas.openxmlformats.org/officeDocument/2006/math">
                     <m:r>
-                      <a:rPr lang="pt-BR" b="0" i="0" smtClean="0">
+                      <a:rPr lang="pt-BR">
                         <a:latin typeface="Cambria Math" panose="02040503050406030204" pitchFamily="18" charset="0"/>
                         <a:ea typeface="Cambria Math" panose="02040503050406030204" pitchFamily="18" charset="0"/>
                       </a:rPr>
@@ -17513,7 +15951,7 @@
                       <m:t>𝑓</m:t>
                     </m:r>
                     <m:r>
-                      <a:rPr lang="pt-BR" b="0" i="1" smtClean="0">
+                      <a:rPr lang="pt-BR" i="1">
                         <a:latin typeface="Cambria Math" panose="02040503050406030204" pitchFamily="18" charset="0"/>
                         <a:ea typeface="Cambria Math" panose="02040503050406030204" pitchFamily="18" charset="0"/>
                       </a:rPr>
@@ -17607,7 +16045,7 @@
                       </m:sub>
                     </m:sSub>
                     <m:r>
-                      <a:rPr lang="pt-BR" b="0" i="1" smtClean="0">
+                      <a:rPr lang="pt-BR" i="1">
                         <a:latin typeface="Cambria Math" panose="02040503050406030204" pitchFamily="18" charset="0"/>
                         <a:ea typeface="Cambria Math" panose="02040503050406030204" pitchFamily="18" charset="0"/>
                       </a:rPr>
@@ -17626,7 +16064,7 @@
                   <a:buChar char="o"/>
                 </a:pPr>
                 <a:r>
-                  <a:rPr lang="pt-BR" dirty="0" smtClean="0"/>
+                  <a:rPr lang="pt-BR" dirty="0"/>
                   <a:t>Nesta caso, iremos </a:t>
                 </a:r>
                 <a:r>
@@ -17634,7 +16072,7 @@
                   <a:t>na </a:t>
                 </a:r>
                 <a:r>
-                  <a:rPr lang="pt-BR" dirty="0" smtClean="0"/>
+                  <a:rPr lang="pt-BR" dirty="0"/>
                   <a:t>direção </a:t>
                 </a:r>
                 <a:r>
@@ -17658,7 +16096,7 @@
                       <m:t>𝑓</m:t>
                     </m:r>
                     <m:r>
-                      <a:rPr lang="pt-BR" b="0" i="1" smtClean="0">
+                      <a:rPr lang="pt-BR" i="1">
                         <a:latin typeface="Cambria Math" panose="02040503050406030204" pitchFamily="18" charset="0"/>
                       </a:rPr>
                       <m:t>(</m:t>
@@ -17751,7 +16189,7 @@
                       </m:sub>
                     </m:sSub>
                     <m:r>
-                      <a:rPr lang="pt-BR" b="0" i="1" smtClean="0">
+                      <a:rPr lang="pt-BR" i="1">
                         <a:latin typeface="Cambria Math" panose="02040503050406030204" pitchFamily="18" charset="0"/>
                       </a:rPr>
                       <m:t>)</m:t>
@@ -17769,7 +16207,7 @@
                   <a:t>Portanto, </a:t>
                 </a:r>
                 <a:r>
-                  <a:rPr lang="pt-BR" dirty="0" smtClean="0"/>
+                  <a:rPr lang="pt-BR" dirty="0"/>
                   <a:t>um </a:t>
                 </a:r>
                 <a:r>
@@ -17785,24 +16223,32 @@
                   <a:t> </a:t>
                 </a:r>
                 <a:r>
+                  <a:rPr lang="pt-BR" dirty="0"/>
+                  <a:t>que siga a direção </a:t>
+                </a:r>
+                <a:r>
                   <a:rPr lang="pt-BR" dirty="0" smtClean="0"/>
-                  <a:t>que siga a direção e sentido contrário ao indicado pelo </a:t>
-                </a:r>
-                <a:r>
-                  <a:rPr lang="pt-BR" b="1" i="1" dirty="0" smtClean="0"/>
+                  <a:t>contrária à indicada </a:t>
+                </a:r>
+                <a:r>
+                  <a:rPr lang="pt-BR" dirty="0"/>
+                  <a:t>pelo </a:t>
+                </a:r>
+                <a:r>
+                  <a:rPr lang="pt-BR" b="1" i="1" dirty="0"/>
                   <a:t>vetor gradiente </a:t>
                 </a:r>
                 <a:r>
+                  <a:rPr lang="pt-BR" dirty="0"/>
+                  <a:t>para encontrar o </a:t>
+                </a:r>
+                <a:r>
+                  <a:rPr lang="pt-BR" b="1" i="1" dirty="0"/>
+                  <a:t>ponto de mínimo </a:t>
+                </a:r>
+                <a:r>
                   <a:rPr lang="pt-BR" dirty="0" smtClean="0"/>
-                  <a:t>para encontrar o </a:t>
-                </a:r>
-                <a:r>
-                  <a:rPr lang="pt-BR" b="1" i="1" dirty="0" smtClean="0"/>
-                  <a:t>ponto de mínimo </a:t>
-                </a:r>
-                <a:r>
-                  <a:rPr lang="pt-BR" dirty="0" smtClean="0"/>
-                  <a:t>de </a:t>
+                  <a:t>de uma função </a:t>
                 </a:r>
                 <a14:m>
                   <m:oMath xmlns:m="http://schemas.openxmlformats.org/officeDocument/2006/math">
@@ -17813,7 +16259,7 @@
                       <m:t>𝑓</m:t>
                     </m:r>
                     <m:r>
-                      <a:rPr lang="pt-BR" b="0" i="1" smtClean="0">
+                      <a:rPr lang="pt-BR" i="1">
                         <a:latin typeface="Cambria Math" panose="02040503050406030204" pitchFamily="18" charset="0"/>
                       </a:rPr>
                       <m:t>(</m:t>
@@ -17906,7 +16352,7 @@
                       </m:sub>
                     </m:sSub>
                     <m:r>
-                      <a:rPr lang="pt-BR" b="0" i="1" smtClean="0">
+                      <a:rPr lang="pt-BR" i="1">
                         <a:latin typeface="Cambria Math" panose="02040503050406030204" pitchFamily="18" charset="0"/>
                       </a:rPr>
                       <m:t>)</m:t>
@@ -17922,21 +16368,334 @@
                   <a:t>gradiente descendente</a:t>
                 </a:r>
                 <a:r>
-                  <a:rPr lang="pt-BR" dirty="0"/>
-                  <a:t>. </a:t>
+                  <a:rPr lang="pt-BR" dirty="0" smtClean="0"/>
+                  <a:t>.</a:t>
                 </a:r>
               </a:p>
               <a:p>
-                <a:pPr>
-                  <a:buFont typeface="Courier New" panose="02070309020205020404" pitchFamily="49" charset="0"/>
-                  <a:buChar char="o"/>
+                <a:r>
+                  <a:rPr lang="pt-BR" dirty="0"/>
+                  <a:t>A cada iteração, calcula-se o </a:t>
+                </a:r>
+                <a:r>
+                  <a:rPr lang="pt-BR" b="1" i="1" dirty="0"/>
+                  <a:t>vetor gradiente </a:t>
+                </a:r>
+                <a:r>
+                  <a:rPr lang="pt-BR" dirty="0"/>
+                  <a:t>da função</a:t>
+                </a:r>
+                <a:r>
+                  <a:rPr lang="pt-BR" dirty="0"/>
+                  <a:t> </a:t>
+                </a:r>
+                <a14:m>
+                  <m:oMath xmlns:m="http://schemas.openxmlformats.org/officeDocument/2006/math">
+                    <m:r>
+                      <a:rPr lang="pt-BR" i="1">
+                        <a:latin typeface="Cambria Math" panose="02040503050406030204" pitchFamily="18" charset="0"/>
+                      </a:rPr>
+                      <m:t>𝑓</m:t>
+                    </m:r>
+                    <m:r>
+                      <a:rPr lang="pt-BR" i="1">
+                        <a:latin typeface="Cambria Math" panose="02040503050406030204" pitchFamily="18" charset="0"/>
+                      </a:rPr>
+                      <m:t>(</m:t>
+                    </m:r>
+                    <m:r>
+                      <a:rPr lang="pt-BR" b="1" i="1">
+                        <a:latin typeface="Cambria Math" panose="02040503050406030204" pitchFamily="18" charset="0"/>
+                      </a:rPr>
+                      <m:t>𝒙</m:t>
+                    </m:r>
+                    <m:r>
+                      <a:rPr lang="pt-BR" i="1">
+                        <a:latin typeface="Cambria Math" panose="02040503050406030204" pitchFamily="18" charset="0"/>
+                      </a:rPr>
+                      <m:t>)</m:t>
+                    </m:r>
+                  </m:oMath>
+                </a14:m>
+                <a:r>
+                  <a:rPr lang="pt-BR" dirty="0"/>
+                  <a:t> num ponto específico, </a:t>
+                </a:r>
+                <a14:m>
+                  <m:oMath xmlns:m="http://schemas.openxmlformats.org/officeDocument/2006/math">
+                    <m:r>
+                      <a:rPr lang="pt-BR" b="1" i="1">
+                        <a:latin typeface="Cambria Math" panose="02040503050406030204" pitchFamily="18" charset="0"/>
+                      </a:rPr>
+                      <m:t>𝒙</m:t>
+                    </m:r>
+                    <m:r>
+                      <a:rPr lang="pt-BR">
+                        <a:latin typeface="Cambria Math" panose="02040503050406030204" pitchFamily="18" charset="0"/>
+                      </a:rPr>
+                      <m:t>(</m:t>
+                    </m:r>
+                    <m:r>
+                      <a:rPr lang="pt-BR" i="1">
+                        <a:latin typeface="Cambria Math" panose="02040503050406030204" pitchFamily="18" charset="0"/>
+                      </a:rPr>
+                      <m:t>𝑙</m:t>
+                    </m:r>
+                    <m:r>
+                      <a:rPr lang="pt-BR">
+                        <a:latin typeface="Cambria Math" panose="02040503050406030204" pitchFamily="18" charset="0"/>
+                      </a:rPr>
+                      <m:t>)</m:t>
+                    </m:r>
+                  </m:oMath>
+                </a14:m>
+                <a:r>
+                  <a:rPr lang="pt-BR" dirty="0"/>
+                  <a:t>, e atualiza-se os valores dos argumentos da função de tal forma, que a cada </a:t>
+                </a:r>
+                <a:r>
+                  <a:rPr lang="pt-BR" b="1" i="1" dirty="0"/>
+                  <a:t>iteração</a:t>
+                </a:r>
+                <a:r>
+                  <a:rPr lang="pt-BR" dirty="0"/>
+                  <a:t> se tenha:</a:t>
+                </a:r>
+              </a:p>
+              <a:p>
+                <a:pPr marL="457200" lvl="1" indent="0">
+                  <a:buNone/>
                 </a:pPr>
+                <a14:m>
+                  <m:oMathPara xmlns:m="http://schemas.openxmlformats.org/officeDocument/2006/math">
+                    <m:oMathParaPr>
+                      <m:jc m:val="centerGroup"/>
+                    </m:oMathParaPr>
+                    <m:oMath xmlns:m="http://schemas.openxmlformats.org/officeDocument/2006/math">
+                      <m:r>
+                        <a:rPr lang="pt-BR" i="1">
+                          <a:latin typeface="Cambria Math" panose="02040503050406030204" pitchFamily="18" charset="0"/>
+                        </a:rPr>
+                        <m:t>𝑓</m:t>
+                      </m:r>
+                      <m:d>
+                        <m:dPr>
+                          <m:ctrlPr>
+                            <a:rPr lang="pt-BR" i="1">
+                              <a:latin typeface="Cambria Math" panose="02040503050406030204" pitchFamily="18" charset="0"/>
+                            </a:rPr>
+                          </m:ctrlPr>
+                        </m:dPr>
+                        <m:e>
+                          <m:r>
+                            <a:rPr lang="pt-BR" b="1" i="1">
+                              <a:latin typeface="Cambria Math" panose="02040503050406030204" pitchFamily="18" charset="0"/>
+                            </a:rPr>
+                            <m:t>𝒙</m:t>
+                          </m:r>
+                          <m:r>
+                            <a:rPr lang="pt-BR" i="1">
+                              <a:latin typeface="Cambria Math" panose="02040503050406030204" pitchFamily="18" charset="0"/>
+                            </a:rPr>
+                            <m:t>(</m:t>
+                          </m:r>
+                          <m:r>
+                            <a:rPr lang="pt-BR" i="1">
+                              <a:latin typeface="Cambria Math" panose="02040503050406030204" pitchFamily="18" charset="0"/>
+                            </a:rPr>
+                            <m:t>𝑙</m:t>
+                          </m:r>
+                          <m:r>
+                            <a:rPr lang="pt-BR" i="1">
+                              <a:latin typeface="Cambria Math" panose="02040503050406030204" pitchFamily="18" charset="0"/>
+                            </a:rPr>
+                            <m:t>+1)</m:t>
+                          </m:r>
+                        </m:e>
+                      </m:d>
+                      <m:r>
+                        <a:rPr lang="pt-BR" i="1">
+                          <a:latin typeface="Cambria Math" panose="02040503050406030204" pitchFamily="18" charset="0"/>
+                        </a:rPr>
+                        <m:t>=</m:t>
+                      </m:r>
+                      <m:r>
+                        <a:rPr lang="pt-BR" i="1">
+                          <a:latin typeface="Cambria Math" panose="02040503050406030204" pitchFamily="18" charset="0"/>
+                        </a:rPr>
+                        <m:t>𝑓</m:t>
+                      </m:r>
+                      <m:d>
+                        <m:dPr>
+                          <m:ctrlPr>
+                            <a:rPr lang="pt-BR" i="1">
+                              <a:latin typeface="Cambria Math" panose="02040503050406030204" pitchFamily="18" charset="0"/>
+                            </a:rPr>
+                          </m:ctrlPr>
+                        </m:dPr>
+                        <m:e>
+                          <m:r>
+                            <a:rPr lang="pt-BR" b="1" i="1">
+                              <a:latin typeface="Cambria Math" panose="02040503050406030204" pitchFamily="18" charset="0"/>
+                            </a:rPr>
+                            <m:t>𝒙</m:t>
+                          </m:r>
+                          <m:d>
+                            <m:dPr>
+                              <m:ctrlPr>
+                                <a:rPr lang="pt-BR" b="1" i="1">
+                                  <a:latin typeface="Cambria Math" panose="02040503050406030204" pitchFamily="18" charset="0"/>
+                                </a:rPr>
+                              </m:ctrlPr>
+                            </m:dPr>
+                            <m:e>
+                              <m:r>
+                                <a:rPr lang="pt-BR" i="1">
+                                  <a:latin typeface="Cambria Math" panose="02040503050406030204" pitchFamily="18" charset="0"/>
+                                </a:rPr>
+                                <m:t>𝑙</m:t>
+                              </m:r>
+                            </m:e>
+                          </m:d>
+                          <m:r>
+                            <a:rPr lang="pt-BR" b="0" i="1" smtClean="0">
+                              <a:latin typeface="Cambria Math" panose="02040503050406030204" pitchFamily="18" charset="0"/>
+                            </a:rPr>
+                            <m:t>−</m:t>
+                          </m:r>
+                          <m:r>
+                            <a:rPr lang="pt-BR" i="1">
+                              <a:latin typeface="Cambria Math" panose="02040503050406030204" pitchFamily="18" charset="0"/>
+                              <a:ea typeface="Cambria Math" panose="02040503050406030204" pitchFamily="18" charset="0"/>
+                            </a:rPr>
+                            <m:t>𝛻</m:t>
+                          </m:r>
+                          <m:r>
+                            <a:rPr lang="pt-BR" i="1">
+                              <a:latin typeface="Cambria Math" panose="02040503050406030204" pitchFamily="18" charset="0"/>
+                              <a:ea typeface="Cambria Math" panose="02040503050406030204" pitchFamily="18" charset="0"/>
+                            </a:rPr>
+                            <m:t>𝑓</m:t>
+                          </m:r>
+                          <m:d>
+                            <m:dPr>
+                              <m:ctrlPr>
+                                <a:rPr lang="pt-BR" i="1">
+                                  <a:latin typeface="Cambria Math" panose="02040503050406030204" pitchFamily="18" charset="0"/>
+                                  <a:ea typeface="Cambria Math" panose="02040503050406030204" pitchFamily="18" charset="0"/>
+                                </a:rPr>
+                              </m:ctrlPr>
+                            </m:dPr>
+                            <m:e>
+                              <m:r>
+                                <a:rPr lang="pt-BR" b="1" i="1">
+                                  <a:latin typeface="Cambria Math" panose="02040503050406030204" pitchFamily="18" charset="0"/>
+                                </a:rPr>
+                                <m:t>𝒙</m:t>
+                              </m:r>
+                              <m:r>
+                                <a:rPr lang="pt-BR" i="1">
+                                  <a:latin typeface="Cambria Math" panose="02040503050406030204" pitchFamily="18" charset="0"/>
+                                </a:rPr>
+                                <m:t>(</m:t>
+                              </m:r>
+                              <m:r>
+                                <a:rPr lang="pt-BR" i="1">
+                                  <a:latin typeface="Cambria Math" panose="02040503050406030204" pitchFamily="18" charset="0"/>
+                                </a:rPr>
+                                <m:t>𝑙</m:t>
+                              </m:r>
+                              <m:r>
+                                <a:rPr lang="pt-BR" i="1">
+                                  <a:latin typeface="Cambria Math" panose="02040503050406030204" pitchFamily="18" charset="0"/>
+                                </a:rPr>
+                                <m:t>)</m:t>
+                              </m:r>
+                            </m:e>
+                          </m:d>
+                        </m:e>
+                      </m:d>
+                      <m:r>
+                        <a:rPr lang="pt-BR" b="0" i="1" smtClean="0">
+                          <a:latin typeface="Cambria Math" panose="02040503050406030204" pitchFamily="18" charset="0"/>
+                        </a:rPr>
+                        <m:t>&lt;</m:t>
+                      </m:r>
+                      <m:r>
+                        <a:rPr lang="pt-BR" i="1">
+                          <a:latin typeface="Cambria Math" panose="02040503050406030204" pitchFamily="18" charset="0"/>
+                        </a:rPr>
+                        <m:t>𝑓</m:t>
+                      </m:r>
+                      <m:d>
+                        <m:dPr>
+                          <m:ctrlPr>
+                            <a:rPr lang="pt-BR" i="1">
+                              <a:latin typeface="Cambria Math" panose="02040503050406030204" pitchFamily="18" charset="0"/>
+                            </a:rPr>
+                          </m:ctrlPr>
+                        </m:dPr>
+                        <m:e>
+                          <m:r>
+                            <a:rPr lang="pt-BR" b="1" i="1">
+                              <a:latin typeface="Cambria Math" panose="02040503050406030204" pitchFamily="18" charset="0"/>
+                            </a:rPr>
+                            <m:t>𝒙</m:t>
+                          </m:r>
+                          <m:r>
+                            <a:rPr lang="pt-BR" i="1">
+                              <a:latin typeface="Cambria Math" panose="02040503050406030204" pitchFamily="18" charset="0"/>
+                            </a:rPr>
+                            <m:t>(</m:t>
+                          </m:r>
+                          <m:r>
+                            <a:rPr lang="pt-BR" i="1">
+                              <a:latin typeface="Cambria Math" panose="02040503050406030204" pitchFamily="18" charset="0"/>
+                            </a:rPr>
+                            <m:t>𝑙</m:t>
+                          </m:r>
+                          <m:r>
+                            <a:rPr lang="pt-BR" i="1">
+                              <a:latin typeface="Cambria Math" panose="02040503050406030204" pitchFamily="18" charset="0"/>
+                            </a:rPr>
+                            <m:t>)</m:t>
+                          </m:r>
+                        </m:e>
+                      </m:d>
+                      <m:r>
+                        <a:rPr lang="pt-BR">
+                          <a:latin typeface="Cambria Math" panose="02040503050406030204" pitchFamily="18" charset="0"/>
+                        </a:rPr>
+                        <m:t>, </m:t>
+                      </m:r>
+                      <m:r>
+                        <a:rPr lang="pt-BR" i="1">
+                          <a:latin typeface="Cambria Math" panose="02040503050406030204" pitchFamily="18" charset="0"/>
+                        </a:rPr>
+                        <m:t>𝑙</m:t>
+                      </m:r>
+                      <m:r>
+                        <a:rPr lang="pt-BR">
+                          <a:latin typeface="Cambria Math" panose="02040503050406030204" pitchFamily="18" charset="0"/>
+                        </a:rPr>
+                        <m:t>≥0.</m:t>
+                      </m:r>
+                    </m:oMath>
+                  </m:oMathPara>
+                </a14:m>
+                <a:endParaRPr lang="pt-BR" dirty="0" smtClean="0"/>
+              </a:p>
+              <a:p>
+                <a:r>
+                  <a:rPr lang="pt-BR" dirty="0" smtClean="0"/>
+                  <a:t>Nesta disciplina, como precisamos minimizar o erro, iremos focar neste algoritmo.</a:t>
+                </a:r>
                 <a:endParaRPr lang="pt-BR" dirty="0"/>
               </a:p>
             </p:txBody>
           </p:sp>
         </mc:Choice>
-        <mc:Fallback xmlns="">
+        <mc:Fallback>
           <p:sp>
             <p:nvSpPr>
               <p:cNvPr id="3" name="Content Placeholder 2"/>
@@ -17949,13 +16708,13 @@
             </p:nvSpPr>
             <p:spPr>
               <a:xfrm>
-                <a:off x="838199" y="1690689"/>
-                <a:ext cx="11240069" cy="2640012"/>
+                <a:off x="838200" y="2033142"/>
+                <a:ext cx="11170920" cy="4748658"/>
               </a:xfrm>
               <a:blipFill rotWithShape="0">
                 <a:blip r:embed="rId3"/>
                 <a:stretch>
-                  <a:fillRect l="-922" t="-5081" r="-1790" b="-4388"/>
+                  <a:fillRect l="-873" t="-2054" r="-1255" b="-3209"/>
                 </a:stretch>
               </a:blipFill>
             </p:spPr>
@@ -17976,7 +16735,7 @@
       </mc:AlternateContent>
       <p:pic>
         <p:nvPicPr>
-          <p:cNvPr id="28" name="Picture 27"/>
+          <p:cNvPr id="4" name="Picture 3"/>
           <p:cNvPicPr>
             <a:picLocks noChangeAspect="1"/>
           </p:cNvPicPr>
@@ -17990,13 +16749,13 @@
               </a:ext>
             </a:extLst>
           </a:blip>
-          <a:srcRect l="1610" t="44867" r="1610" b="1567"/>
+          <a:srcRect l="411" t="48020" r="3994" b="2109"/>
           <a:stretch/>
         </p:blipFill>
         <p:spPr>
           <a:xfrm>
-            <a:off x="3164790" y="4330701"/>
-            <a:ext cx="5904892" cy="2470666"/>
+            <a:off x="6522487" y="54740"/>
+            <a:ext cx="5007141" cy="2054602"/>
           </a:xfrm>
           <a:prstGeom prst="rect">
             <a:avLst/>
@@ -18005,13 +16764,13 @@
       </p:pic>
       <p:sp>
         <p:nvSpPr>
-          <p:cNvPr id="31" name="Rectangle 30"/>
+          <p:cNvPr id="5" name="Rectangle 4"/>
           <p:cNvSpPr/>
           <p:nvPr/>
         </p:nvSpPr>
         <p:spPr>
           <a:xfrm>
-            <a:off x="6412230" y="4330700"/>
+            <a:off x="9751980" y="161420"/>
             <a:ext cx="2402709" cy="369332"/>
           </a:xfrm>
           <a:prstGeom prst="rect">
@@ -18043,7 +16802,7 @@
     </p:spTree>
     <p:extLst>
       <p:ext uri="{BB962C8B-B14F-4D97-AF65-F5344CB8AC3E}">
-        <p14:creationId xmlns:p14="http://schemas.microsoft.com/office/powerpoint/2010/main" val="2827226382"/>
+        <p14:creationId xmlns:p14="http://schemas.microsoft.com/office/powerpoint/2010/main" val="1065392030"/>
       </p:ext>
     </p:extLst>
   </p:cSld>
@@ -18109,8 +16868,8 @@
           </a:p>
         </p:txBody>
       </p:sp>
-      <mc:AlternateContent xmlns:mc="http://schemas.openxmlformats.org/markup-compatibility/2006" xmlns:a14="http://schemas.microsoft.com/office/drawing/2010/main">
-        <mc:Choice Requires="a14">
+      <mc:AlternateContent xmlns:mc="http://schemas.openxmlformats.org/markup-compatibility/2006">
+        <mc:Choice xmlns:a14="http://schemas.microsoft.com/office/drawing/2010/main" Requires="a14">
           <p:sp>
             <p:nvSpPr>
               <p:cNvPr id="3" name="Content Placeholder 2"/>
@@ -18135,7 +16894,15 @@
               <a:p>
                 <a:r>
                   <a:rPr lang="pt-BR" dirty="0"/>
-                  <a:t>Algoritmo de otimização </a:t>
+                  <a:t>Algoritmo de </a:t>
+                </a:r>
+                <a:r>
+                  <a:rPr lang="pt-BR" b="1" i="1" dirty="0"/>
+                  <a:t>otimização</a:t>
+                </a:r>
+                <a:r>
+                  <a:rPr lang="pt-BR" dirty="0"/>
+                  <a:t> </a:t>
                 </a:r>
                 <a:r>
                   <a:rPr lang="pt-BR" b="1" i="1" dirty="0" smtClean="0"/>
@@ -18275,7 +17042,15 @@
                 </a:r>
                 <a:r>
                   <a:rPr lang="pt-BR" dirty="0"/>
-                  <a:t>ideia geral é ajustar os pesos, </a:t>
+                  <a:t>ideia geral é </a:t>
+                </a:r>
+                <a:r>
+                  <a:rPr lang="pt-BR" dirty="0" smtClean="0"/>
+                  <a:t>atualizar os </a:t>
+                </a:r>
+                <a:r>
+                  <a:rPr lang="pt-BR" dirty="0"/>
+                  <a:t>pesos, </a:t>
                 </a:r>
                 <a14:m>
                   <m:oMath xmlns:m="http://schemas.openxmlformats.org/officeDocument/2006/math">
@@ -18289,7 +17064,15 @@
                 </a14:m>
                 <a:r>
                   <a:rPr lang="pt-BR" dirty="0"/>
-                  <a:t>, iterativamente, a fim de </a:t>
+                  <a:t>, </a:t>
+                </a:r>
+                <a:r>
+                  <a:rPr lang="pt-BR" b="1" i="1" dirty="0"/>
+                  <a:t>iterativamente</a:t>
+                </a:r>
+                <a:r>
+                  <a:rPr lang="pt-BR" dirty="0"/>
+                  <a:t>, a fim de </a:t>
                 </a:r>
                 <a:r>
                   <a:rPr lang="pt-BR" b="1" i="1" dirty="0"/>
@@ -18346,7 +17129,7 @@
             </p:txBody>
           </p:sp>
         </mc:Choice>
-        <mc:Fallback xmlns="">
+        <mc:Fallback>
           <p:sp>
             <p:nvSpPr>
               <p:cNvPr id="3" name="Content Placeholder 2"/>
@@ -18365,7 +17148,7 @@
               <a:blipFill rotWithShape="0">
                 <a:blip r:embed="rId3"/>
                 <a:stretch>
-                  <a:fillRect l="-1019" t="-2644" r="-1456"/>
+                  <a:fillRect l="-1019" t="-2644" r="-1965"/>
                 </a:stretch>
               </a:blipFill>
             </p:spPr>
@@ -18384,35 +17167,6 @@
           </p:sp>
         </mc:Fallback>
       </mc:AlternateContent>
-      <p:pic>
-        <p:nvPicPr>
-          <p:cNvPr id="5" name="Picture 4"/>
-          <p:cNvPicPr>
-            <a:picLocks noChangeAspect="1"/>
-          </p:cNvPicPr>
-          <p:nvPr/>
-        </p:nvPicPr>
-        <p:blipFill rotWithShape="1">
-          <a:blip r:embed="rId4">
-            <a:extLst>
-              <a:ext uri="{28A0092B-C50C-407E-A947-70E740481C1C}">
-                <a14:useLocalDpi xmlns:a14="http://schemas.microsoft.com/office/drawing/2010/main" val="0"/>
-              </a:ext>
-            </a:extLst>
-          </a:blip>
-          <a:srcRect l="2594" t="45474" r="2263" b="1899"/>
-          <a:stretch/>
-        </p:blipFill>
-        <p:spPr>
-          <a:xfrm>
-            <a:off x="8884695" y="2486365"/>
-            <a:ext cx="3307305" cy="2620885"/>
-          </a:xfrm>
-          <a:prstGeom prst="rect">
-            <a:avLst/>
-          </a:prstGeom>
-        </p:spPr>
-      </p:pic>
       <p:cxnSp>
         <p:nvCxnSpPr>
           <p:cNvPr id="6" name="Straight Arrow Connector 5"/>
@@ -18449,6 +17203,35 @@
           </a:fontRef>
         </p:style>
       </p:cxnSp>
+      <p:pic>
+        <p:nvPicPr>
+          <p:cNvPr id="4" name="Picture 3"/>
+          <p:cNvPicPr>
+            <a:picLocks noChangeAspect="1"/>
+          </p:cNvPicPr>
+          <p:nvPr/>
+        </p:nvPicPr>
+        <p:blipFill rotWithShape="1">
+          <a:blip r:embed="rId4">
+            <a:extLst>
+              <a:ext uri="{28A0092B-C50C-407E-A947-70E740481C1C}">
+                <a14:useLocalDpi xmlns:a14="http://schemas.microsoft.com/office/drawing/2010/main" val="0"/>
+              </a:ext>
+            </a:extLst>
+          </a:blip>
+          <a:srcRect l="371" t="49623" r="3317"/>
+          <a:stretch/>
+        </p:blipFill>
+        <p:spPr>
+          <a:xfrm>
+            <a:off x="8733537" y="3017747"/>
+            <a:ext cx="3444815" cy="2220878"/>
+          </a:xfrm>
+          <a:prstGeom prst="rect">
+            <a:avLst/>
+          </a:prstGeom>
+        </p:spPr>
+      </p:pic>
     </p:spTree>
     <p:extLst>
       <p:ext uri="{BB962C8B-B14F-4D97-AF65-F5344CB8AC3E}">
@@ -18513,8 +17296,8 @@
           </a:p>
         </p:txBody>
       </p:sp>
-      <mc:AlternateContent xmlns:mc="http://schemas.openxmlformats.org/markup-compatibility/2006" xmlns:a14="http://schemas.microsoft.com/office/drawing/2010/main">
-        <mc:Choice Requires="a14">
+      <mc:AlternateContent xmlns:mc="http://schemas.openxmlformats.org/markup-compatibility/2006">
+        <mc:Choice xmlns:a14="http://schemas.microsoft.com/office/drawing/2010/main" Requires="a14">
           <p:sp>
             <p:nvSpPr>
               <p:cNvPr id="3" name="Content Placeholder 2"/>
@@ -18565,15 +17348,39 @@
                 </a:r>
                 <a:r>
                   <a:rPr lang="pt-BR" dirty="0" smtClean="0"/>
-                  <a:t>no </a:t>
+                  <a:t>na </a:t>
                 </a:r>
                 <a:r>
                   <a:rPr lang="pt-BR" b="1" i="1" dirty="0" smtClean="0"/>
-                  <a:t>sentido oposto </a:t>
+                  <a:t>direção</a:t>
+                </a:r>
+                <a:r>
+                  <a:rPr lang="pt-BR" dirty="0" smtClean="0"/>
+                  <a:t> </a:t>
+                </a:r>
+                <a:r>
+                  <a:rPr lang="pt-BR" b="1" i="1" dirty="0" smtClean="0"/>
+                  <a:t>oposta </a:t>
                 </a:r>
                 <a:r>
                   <a:rPr lang="pt-BR" dirty="0"/>
-                  <a:t>ao do </a:t>
+                  <a:t>à</a:t>
+                </a:r>
+                <a:r>
+                  <a:rPr lang="pt-BR" dirty="0" smtClean="0"/>
+                  <a:t> </a:t>
+                </a:r>
+                <a:r>
+                  <a:rPr lang="pt-BR" dirty="0"/>
+                  <a:t>do </a:t>
+                </a:r>
+                <a:r>
+                  <a:rPr lang="pt-BR" b="1" i="1" dirty="0" smtClean="0"/>
+                  <a:t>vetor</a:t>
+                </a:r>
+                <a:r>
+                  <a:rPr lang="pt-BR" dirty="0" smtClean="0"/>
+                  <a:t> </a:t>
                 </a:r>
                 <a:r>
                   <a:rPr lang="pt-BR" b="1" i="1" dirty="0" smtClean="0"/>
@@ -18620,7 +17427,7 @@
             </p:txBody>
           </p:sp>
         </mc:Choice>
-        <mc:Fallback xmlns="">
+        <mc:Fallback>
           <p:sp>
             <p:nvSpPr>
               <p:cNvPr id="3" name="Content Placeholder 2"/>
@@ -19236,8 +18043,8 @@
           </p:sp>
         </mc:Fallback>
       </mc:AlternateContent>
-      <mc:AlternateContent xmlns:mc="http://schemas.openxmlformats.org/markup-compatibility/2006" xmlns:a14="http://schemas.microsoft.com/office/drawing/2010/main">
-        <mc:Choice Requires="a14">
+      <mc:AlternateContent xmlns:mc="http://schemas.openxmlformats.org/markup-compatibility/2006">
+        <mc:Choice xmlns:a14="http://schemas.microsoft.com/office/drawing/2010/main" Requires="a14">
           <p:sp>
             <p:nvSpPr>
               <p:cNvPr id="7" name="Content Placeholder 2"/>
@@ -19257,7 +18064,7 @@
             </p:spPr>
             <p:txBody>
               <a:bodyPr vert="horz" lIns="91440" tIns="45720" rIns="91440" bIns="45720" rtlCol="0">
-                <a:normAutofit fontScale="85000" lnSpcReduction="20000"/>
+                <a:normAutofit fontScale="92500" lnSpcReduction="20000"/>
               </a:bodyPr>
               <a:lstStyle>
                 <a:lvl1pPr marL="228600" indent="-228600" algn="l" defTabSz="914400" rtl="0" eaLnBrk="1" latinLnBrk="0" hangingPunct="1">
@@ -19550,7 +18357,7 @@
                   <a:t>o </a:t>
                 </a:r>
                 <a:r>
-                  <a:rPr lang="pt-BR" dirty="0" smtClean="0"/>
+                  <a:rPr lang="pt-BR" b="1" i="1" dirty="0" smtClean="0"/>
                   <a:t>vetor gradiente </a:t>
                 </a:r>
                 <a:r>
@@ -19628,7 +18435,7 @@
                 </a:r>
                 <a:r>
                   <a:rPr lang="pt-BR" dirty="0" smtClean="0"/>
-                  <a:t>e sentido oposto ao do </a:t>
+                  <a:t>oposta à do </a:t>
                 </a:r>
                 <a:r>
                   <a:rPr lang="pt-BR" b="1" i="1" dirty="0" smtClean="0"/>
@@ -19666,7 +18473,7 @@
             </p:txBody>
           </p:sp>
         </mc:Choice>
-        <mc:Fallback xmlns="">
+        <mc:Fallback>
           <p:sp>
             <p:nvSpPr>
               <p:cNvPr id="7" name="Content Placeholder 2"/>
@@ -19686,7 +18493,7 @@
               <a:blipFill rotWithShape="0">
                 <a:blip r:embed="rId5"/>
                 <a:stretch>
-                  <a:fillRect l="-830" t="-3175" r="-885" b="-4762"/>
+                  <a:fillRect l="-940" t="-3704" r="-996" b="-529"/>
                 </a:stretch>
               </a:blipFill>
             </p:spPr>
@@ -19819,8 +18626,8 @@
         </p:nvSpPr>
         <p:spPr>
           <a:xfrm>
-            <a:off x="838200" y="315125"/>
-            <a:ext cx="10515600" cy="847447"/>
+            <a:off x="838200" y="192293"/>
+            <a:ext cx="10515600" cy="702519"/>
           </a:xfrm>
         </p:spPr>
         <p:txBody>
@@ -19837,8 +18644,8 @@
           </a:p>
         </p:txBody>
       </p:sp>
-      <mc:AlternateContent xmlns:mc="http://schemas.openxmlformats.org/markup-compatibility/2006" xmlns:a14="http://schemas.microsoft.com/office/drawing/2010/main">
-        <mc:Choice Requires="a14">
+      <mc:AlternateContent xmlns:mc="http://schemas.openxmlformats.org/markup-compatibility/2006">
+        <mc:Choice xmlns:a14="http://schemas.microsoft.com/office/drawing/2010/main" Requires="a14">
           <p:sp>
             <p:nvSpPr>
               <p:cNvPr id="4" name="Content Placeholder 2"/>
@@ -19851,8 +18658,8 @@
             </p:nvSpPr>
             <p:spPr>
               <a:xfrm>
-                <a:off x="838200" y="1428750"/>
-                <a:ext cx="11238186" cy="3399168"/>
+                <a:off x="838200" y="1064525"/>
+                <a:ext cx="11238186" cy="3763393"/>
               </a:xfrm>
             </p:spPr>
             <p:txBody>
@@ -19945,6 +18752,10 @@
                     </m:sSub>
                   </m:oMath>
                 </a14:m>
+                <a:r>
+                  <a:rPr lang="en-US" dirty="0" smtClean="0"/>
+                  <a:t> </a:t>
+                </a:r>
                 <a:r>
                   <a:rPr lang="en-US" dirty="0"/>
                   <a:t>e</a:t>
@@ -20638,7 +19449,7 @@
                   </m:oMath>
                 </a14:m>
                 <a:r>
-                  <a:rPr lang="nl-BE" dirty="0"/>
+                  <a:rPr lang="nl-BE" dirty="0" smtClean="0"/>
                   <a:t>.</a:t>
                 </a:r>
               </a:p>
@@ -20647,87 +19458,10 @@
                   <a:buNone/>
                 </a:pPr>
                 <a:r>
-                  <a:rPr lang="en-US" dirty="0"/>
-                  <a:t>E </a:t>
-                </a:r>
-                <a:r>
-                  <a:rPr lang="en-US" dirty="0" err="1"/>
-                  <a:t>atualização</a:t>
-                </a:r>
-                <a:r>
-                  <a:rPr lang="en-US" dirty="0"/>
-                  <a:t> dos </a:t>
-                </a:r>
-                <a:r>
-                  <a:rPr lang="en-US" dirty="0" smtClean="0"/>
-                  <a:t>pesos </a:t>
-                </a:r>
-                <a14:m>
-                  <m:oMath xmlns:m="http://schemas.openxmlformats.org/officeDocument/2006/math">
-                    <m:sSub>
-                      <m:sSubPr>
-                        <m:ctrlPr>
-                          <a:rPr lang="en-US" i="1">
-                            <a:latin typeface="Cambria Math" panose="02040503050406030204" pitchFamily="18" charset="0"/>
-                          </a:rPr>
-                        </m:ctrlPr>
-                      </m:sSubPr>
-                      <m:e>
-                        <m:r>
-                          <a:rPr lang="en-US" i="1">
-                            <a:latin typeface="Cambria Math" panose="02040503050406030204" pitchFamily="18" charset="0"/>
-                          </a:rPr>
-                          <m:t>𝑎</m:t>
-                        </m:r>
-                      </m:e>
-                      <m:sub>
-                        <m:r>
-                          <a:rPr lang="pt-BR" b="0" i="1" smtClean="0">
-                            <a:latin typeface="Cambria Math" panose="02040503050406030204" pitchFamily="18" charset="0"/>
-                          </a:rPr>
-                          <m:t>𝑘</m:t>
-                        </m:r>
-                      </m:sub>
-                    </m:sSub>
-                    <m:r>
-                      <a:rPr lang="pt-BR" b="0" i="1" smtClean="0">
-                        <a:latin typeface="Cambria Math" panose="02040503050406030204" pitchFamily="18" charset="0"/>
-                      </a:rPr>
-                      <m:t>, </m:t>
-                    </m:r>
-                    <m:r>
-                      <a:rPr lang="pt-BR" b="0" i="1" smtClean="0">
-                        <a:latin typeface="Cambria Math" panose="02040503050406030204" pitchFamily="18" charset="0"/>
-                      </a:rPr>
-                      <m:t>𝑘</m:t>
-                    </m:r>
-                    <m:r>
-                      <a:rPr lang="pt-BR" b="0" i="1" smtClean="0">
-                        <a:latin typeface="Cambria Math" panose="02040503050406030204" pitchFamily="18" charset="0"/>
-                      </a:rPr>
-                      <m:t>=1 </m:t>
-                    </m:r>
-                    <m:r>
-                      <m:rPr>
-                        <m:sty m:val="p"/>
-                      </m:rPr>
-                      <a:rPr lang="pt-BR" b="0" i="0" smtClean="0">
-                        <a:latin typeface="Cambria Math" panose="02040503050406030204" pitchFamily="18" charset="0"/>
-                      </a:rPr>
-                      <m:t>e</m:t>
-                    </m:r>
-                    <m:r>
-                      <a:rPr lang="pt-BR" b="0" i="1" smtClean="0">
-                        <a:latin typeface="Cambria Math" panose="02040503050406030204" pitchFamily="18" charset="0"/>
-                      </a:rPr>
-                      <m:t> 2</m:t>
-                    </m:r>
-                  </m:oMath>
-                </a14:m>
-                <a:r>
-                  <a:rPr lang="nl-BE" dirty="0"/>
-                  <a:t> dada por</a:t>
-                </a:r>
+                  <a:rPr lang="nl-BE" dirty="0" smtClean="0"/>
+                  <a:t>Cada elemento do vetor gradiente é dado por</a:t>
+                </a:r>
+                <a:endParaRPr lang="nl-BE" dirty="0"/>
               </a:p>
               <a:p>
                 <a:pPr marL="0" indent="0" algn="ctr">
@@ -21499,6 +20233,102 @@
                     </m:oMath>
                   </m:oMathPara>
                 </a14:m>
+                <a:endParaRPr lang="en-US" i="1" dirty="0" smtClean="0"/>
+              </a:p>
+              <a:p>
+                <a:pPr marL="0" indent="0">
+                  <a:buNone/>
+                </a:pPr>
+                <a:r>
+                  <a:rPr lang="en-US" dirty="0"/>
+                  <a:t>A </a:t>
+                </a:r>
+                <a:r>
+                  <a:rPr lang="en-US" dirty="0" err="1"/>
+                  <a:t>atualização</a:t>
+                </a:r>
+                <a:r>
+                  <a:rPr lang="en-US" dirty="0"/>
+                  <a:t> dos </a:t>
+                </a:r>
+                <a:r>
+                  <a:rPr lang="en-US" dirty="0"/>
+                  <a:t>pesos </a:t>
+                </a:r>
+                <a14:m>
+                  <m:oMath xmlns:m="http://schemas.openxmlformats.org/officeDocument/2006/math">
+                    <m:sSub>
+                      <m:sSubPr>
+                        <m:ctrlPr>
+                          <a:rPr lang="en-US" i="1">
+                            <a:latin typeface="Cambria Math" panose="02040503050406030204" pitchFamily="18" charset="0"/>
+                          </a:rPr>
+                        </m:ctrlPr>
+                      </m:sSubPr>
+                      <m:e>
+                        <m:r>
+                          <a:rPr lang="en-US" i="1">
+                            <a:latin typeface="Cambria Math" panose="02040503050406030204" pitchFamily="18" charset="0"/>
+                          </a:rPr>
+                          <m:t>𝑎</m:t>
+                        </m:r>
+                      </m:e>
+                      <m:sub>
+                        <m:r>
+                          <a:rPr lang="pt-BR" i="1">
+                            <a:latin typeface="Cambria Math" panose="02040503050406030204" pitchFamily="18" charset="0"/>
+                          </a:rPr>
+                          <m:t>𝑘</m:t>
+                        </m:r>
+                      </m:sub>
+                    </m:sSub>
+                    <m:r>
+                      <a:rPr lang="pt-BR" i="1">
+                        <a:latin typeface="Cambria Math" panose="02040503050406030204" pitchFamily="18" charset="0"/>
+                      </a:rPr>
+                      <m:t>, </m:t>
+                    </m:r>
+                    <m:r>
+                      <a:rPr lang="pt-BR" i="1">
+                        <a:latin typeface="Cambria Math" panose="02040503050406030204" pitchFamily="18" charset="0"/>
+                      </a:rPr>
+                      <m:t>𝑘</m:t>
+                    </m:r>
+                    <m:r>
+                      <a:rPr lang="pt-BR" i="1">
+                        <a:latin typeface="Cambria Math" panose="02040503050406030204" pitchFamily="18" charset="0"/>
+                      </a:rPr>
+                      <m:t>=1 </m:t>
+                    </m:r>
+                    <m:r>
+                      <m:rPr>
+                        <m:sty m:val="p"/>
+                      </m:rPr>
+                      <a:rPr lang="pt-BR">
+                        <a:latin typeface="Cambria Math" panose="02040503050406030204" pitchFamily="18" charset="0"/>
+                      </a:rPr>
+                      <m:t>e</m:t>
+                    </m:r>
+                    <m:r>
+                      <a:rPr lang="pt-BR" i="1">
+                        <a:latin typeface="Cambria Math" panose="02040503050406030204" pitchFamily="18" charset="0"/>
+                      </a:rPr>
+                      <m:t> 2</m:t>
+                    </m:r>
+                  </m:oMath>
+                </a14:m>
+                <a:r>
+                  <a:rPr lang="nl-BE" dirty="0"/>
+                  <a:t> </a:t>
+                </a:r>
+                <a:r>
+                  <a:rPr lang="nl-BE" dirty="0"/>
+                  <a:t>é dada </a:t>
+                </a:r>
+                <a:r>
+                  <a:rPr lang="nl-BE" dirty="0" smtClean="0"/>
+                  <a:t>por</a:t>
+                </a:r>
                 <a:endParaRPr lang="en-US" i="1" dirty="0"/>
               </a:p>
               <a:p>
@@ -22171,7 +21001,7 @@
             </p:txBody>
           </p:sp>
         </mc:Choice>
-        <mc:Fallback xmlns="">
+        <mc:Fallback>
           <p:sp>
             <p:nvSpPr>
               <p:cNvPr id="4" name="Content Placeholder 2"/>
@@ -22184,13 +21014,13 @@
             </p:nvSpPr>
             <p:spPr>
               <a:xfrm>
-                <a:off x="838200" y="1428750"/>
-                <a:ext cx="11238186" cy="3399168"/>
+                <a:off x="838200" y="1064525"/>
+                <a:ext cx="11238186" cy="3763393"/>
               </a:xfrm>
               <a:blipFill rotWithShape="0">
                 <a:blip r:embed="rId3"/>
                 <a:stretch>
-                  <a:fillRect l="-488" t="-2867" b="-1075"/>
+                  <a:fillRect l="-488" t="-2755"/>
                 </a:stretch>
               </a:blipFill>
             </p:spPr>
@@ -22217,8 +21047,8 @@
         </p:nvSpPr>
         <p:spPr>
           <a:xfrm>
-            <a:off x="4263240" y="843240"/>
-            <a:ext cx="6952343" cy="369332"/>
+            <a:off x="6772545" y="492089"/>
+            <a:ext cx="5303841" cy="307777"/>
           </a:xfrm>
           <a:prstGeom prst="rect">
             <a:avLst/>
@@ -22232,7 +21062,7 @@
           <a:lstStyle/>
           <a:p>
             <a:r>
-              <a:rPr lang="pt-BR" u="sng" dirty="0" smtClean="0">
+              <a:rPr lang="pt-BR" sz="1400" u="sng" dirty="0" smtClean="0">
                 <a:solidFill>
                   <a:srgbClr val="00B0F0"/>
                 </a:solidFill>
@@ -22241,7 +21071,7 @@
               <a:t>Exemplo</a:t>
             </a:r>
             <a:r>
-              <a:rPr lang="pt-BR" u="sng" dirty="0">
+              <a:rPr lang="pt-BR" sz="1400" u="sng" dirty="0">
                 <a:solidFill>
                   <a:srgbClr val="00B0F0"/>
                 </a:solidFill>
@@ -22250,7 +21080,7 @@
               <a:t>: </a:t>
             </a:r>
             <a:r>
-              <a:rPr lang="pt-BR" u="sng" dirty="0" smtClean="0">
+              <a:rPr lang="pt-BR" sz="1400" u="sng" dirty="0" smtClean="0">
                 <a:solidFill>
                   <a:srgbClr val="00B0F0"/>
                 </a:solidFill>
@@ -22258,7 +21088,7 @@
               </a:rPr>
               <a:t>exemplo_regressao_linear_gradiente_descendente.ipynb</a:t>
             </a:r>
-            <a:endParaRPr lang="pt-BR" u="sng" dirty="0">
+            <a:endParaRPr lang="pt-BR" sz="1400" u="sng" dirty="0">
               <a:solidFill>
                 <a:srgbClr val="00B0F0"/>
               </a:solidFill>
@@ -22274,7 +21104,7 @@
         </p:nvSpPr>
         <p:spPr>
           <a:xfrm>
-            <a:off x="9713626" y="2457006"/>
+            <a:off x="9904695" y="1870918"/>
             <a:ext cx="1783080" cy="523220"/>
           </a:xfrm>
           <a:prstGeom prst="rect">
@@ -22307,13 +21137,13 @@
         </p:nvCxnSpPr>
         <p:spPr>
           <a:xfrm flipH="1">
-            <a:off x="2796540" y="2718616"/>
-            <a:ext cx="6917086" cy="477788"/>
+            <a:off x="2852382" y="2132528"/>
+            <a:ext cx="7052313" cy="633395"/>
           </a:xfrm>
           <a:prstGeom prst="straightConnector1">
             <a:avLst/>
           </a:prstGeom>
-          <a:ln w="28575">
+          <a:ln w="12700">
             <a:solidFill>
               <a:srgbClr val="FF0000"/>
             </a:solidFill>
@@ -22630,8 +21460,8 @@
           </a:p>
         </p:txBody>
       </p:sp>
-      <mc:AlternateContent xmlns:mc="http://schemas.openxmlformats.org/markup-compatibility/2006">
-        <mc:Choice xmlns:a14="http://schemas.microsoft.com/office/drawing/2010/main" Requires="a14">
+      <mc:AlternateContent xmlns:mc="http://schemas.openxmlformats.org/markup-compatibility/2006" xmlns:a14="http://schemas.microsoft.com/office/drawing/2010/main">
+        <mc:Choice Requires="a14">
           <p:sp>
             <p:nvSpPr>
               <p:cNvPr id="3" name="Content Placeholder 2"/>
@@ -22698,11 +21528,7 @@
                 </a:r>
                 <a:r>
                   <a:rPr lang="pt-BR" dirty="0" smtClean="0"/>
-                  <a:t>a utilizada </a:t>
-                </a:r>
-                <a:r>
-                  <a:rPr lang="pt-BR" dirty="0" smtClean="0"/>
-                  <a:t>no exemplo anterior. </a:t>
+                  <a:t>a utilizada no exemplo anterior. </a:t>
                 </a:r>
                 <a:endParaRPr lang="pt-BR" i="1" dirty="0">
                   <a:latin typeface="Cambria Math" panose="02040503050406030204" pitchFamily="18" charset="0"/>
@@ -23136,11 +21962,7 @@
                 </a:r>
                 <a:r>
                   <a:rPr lang="pt-BR" dirty="0" smtClean="0"/>
-                  <a:t>tenha o tamanho </a:t>
-                </a:r>
-                <a:r>
-                  <a:rPr lang="pt-BR" dirty="0" smtClean="0"/>
-                  <a:t>apropriado e se espere tempo suficiente.</a:t>
+                  <a:t>tenha o tamanho apropriado e se espere tempo suficiente.</a:t>
                 </a:r>
                 <a:endParaRPr lang="pt-BR" dirty="0"/>
               </a:p>
@@ -23162,7 +21984,7 @@
             </p:txBody>
           </p:sp>
         </mc:Choice>
-        <mc:Fallback>
+        <mc:Fallback xmlns="">
           <p:sp>
             <p:nvSpPr>
               <p:cNvPr id="3" name="Content Placeholder 2"/>

--- a/slides/T319_Regressão_Linear (Parte II).pptx
+++ b/slides/T319_Regressão_Linear (Parte II).pptx
@@ -540,7 +540,7 @@
           <a:p>
             <a:fld id="{DAF0AF11-6A8A-4E64-94F5-26D4FBA2A01D}" type="datetimeFigureOut">
               <a:rPr lang="nl-BE" smtClean="0"/>
-              <a:t>14/07/2021</a:t>
+              <a:t>19/07/2021</a:t>
             </a:fld>
             <a:endParaRPr lang="nl-BE"/>
           </a:p>
@@ -1791,11 +1791,7 @@
                 </a:r>
                 <a:r>
                   <a:rPr lang="pt-BR" sz="1200" dirty="0" smtClean="0"/>
-                  <a:t>mais íngreme da função</a:t>
-                </a:r>
-                <a:r>
-                  <a:rPr lang="pt-BR" sz="1200" dirty="0" smtClean="0"/>
-                  <a:t>.</a:t>
+                  <a:t>mais íngreme da função.</a:t>
                 </a:r>
                 <a:r>
                   <a:rPr lang="pt-BR" sz="1200" baseline="0" dirty="0" smtClean="0"/>
@@ -1886,11 +1882,7 @@
                 </a:pPr>
                 <a:r>
                   <a:rPr lang="pt-BR" dirty="0" smtClean="0"/>
-                  <a:t>Se </a:t>
-                </a:r>
-                <a:r>
-                  <a:rPr lang="pt-BR" dirty="0" smtClean="0"/>
-                  <a:t>o gradiente de uma função é diferente de zero em um ponto p, a direção do gradiente é a direção na qual a função aumenta mais rapidamente a</a:t>
+                  <a:t>Se o gradiente de uma função é diferente de zero em um ponto p, a direção do gradiente é a direção na qual a função aumenta mais rapidamente a</a:t>
                 </a:r>
                 <a:r>
                   <a:rPr lang="pt-BR" baseline="0" dirty="0" smtClean="0"/>
@@ -3880,8 +3872,8 @@
         </p:nvSpPr>
         <p:spPr/>
       </p:sp>
-      <mc:AlternateContent xmlns:mc="http://schemas.openxmlformats.org/markup-compatibility/2006">
-        <mc:Choice xmlns:a14="http://schemas.microsoft.com/office/drawing/2010/main" Requires="a14">
+      <mc:AlternateContent xmlns:mc="http://schemas.openxmlformats.org/markup-compatibility/2006" xmlns:a14="http://schemas.microsoft.com/office/drawing/2010/main">
+        <mc:Choice Requires="a14">
           <p:sp>
             <p:nvSpPr>
               <p:cNvPr id="3" name="Notes Placeholder 2"/>
@@ -4071,7 +4063,7 @@
             </p:txBody>
           </p:sp>
         </mc:Choice>
-        <mc:Fallback>
+        <mc:Fallback xmlns="">
           <p:sp>
             <p:nvSpPr>
               <p:cNvPr id="3" name="Notes Placeholder 2"/>
@@ -5805,7 +5797,7 @@
           <a:p>
             <a:fld id="{C80E15A5-E95B-43EB-9AC7-9A96397448C0}" type="datetimeFigureOut">
               <a:rPr lang="nl-BE" smtClean="0"/>
-              <a:t>14/07/2021</a:t>
+              <a:t>19/07/2021</a:t>
             </a:fld>
             <a:endParaRPr lang="nl-BE"/>
           </a:p>
@@ -5975,7 +5967,7 @@
           <a:p>
             <a:fld id="{C80E15A5-E95B-43EB-9AC7-9A96397448C0}" type="datetimeFigureOut">
               <a:rPr lang="nl-BE" smtClean="0"/>
-              <a:t>14/07/2021</a:t>
+              <a:t>19/07/2021</a:t>
             </a:fld>
             <a:endParaRPr lang="nl-BE"/>
           </a:p>
@@ -6155,7 +6147,7 @@
           <a:p>
             <a:fld id="{C80E15A5-E95B-43EB-9AC7-9A96397448C0}" type="datetimeFigureOut">
               <a:rPr lang="nl-BE" smtClean="0"/>
-              <a:t>14/07/2021</a:t>
+              <a:t>19/07/2021</a:t>
             </a:fld>
             <a:endParaRPr lang="nl-BE"/>
           </a:p>
@@ -6325,7 +6317,7 @@
           <a:p>
             <a:fld id="{C80E15A5-E95B-43EB-9AC7-9A96397448C0}" type="datetimeFigureOut">
               <a:rPr lang="nl-BE" smtClean="0"/>
-              <a:t>14/07/2021</a:t>
+              <a:t>19/07/2021</a:t>
             </a:fld>
             <a:endParaRPr lang="nl-BE"/>
           </a:p>
@@ -6571,7 +6563,7 @@
           <a:p>
             <a:fld id="{C80E15A5-E95B-43EB-9AC7-9A96397448C0}" type="datetimeFigureOut">
               <a:rPr lang="nl-BE" smtClean="0"/>
-              <a:t>14/07/2021</a:t>
+              <a:t>19/07/2021</a:t>
             </a:fld>
             <a:endParaRPr lang="nl-BE"/>
           </a:p>
@@ -6803,7 +6795,7 @@
           <a:p>
             <a:fld id="{C80E15A5-E95B-43EB-9AC7-9A96397448C0}" type="datetimeFigureOut">
               <a:rPr lang="nl-BE" smtClean="0"/>
-              <a:t>14/07/2021</a:t>
+              <a:t>19/07/2021</a:t>
             </a:fld>
             <a:endParaRPr lang="nl-BE"/>
           </a:p>
@@ -7170,7 +7162,7 @@
           <a:p>
             <a:fld id="{C80E15A5-E95B-43EB-9AC7-9A96397448C0}" type="datetimeFigureOut">
               <a:rPr lang="nl-BE" smtClean="0"/>
-              <a:t>14/07/2021</a:t>
+              <a:t>19/07/2021</a:t>
             </a:fld>
             <a:endParaRPr lang="nl-BE"/>
           </a:p>
@@ -7288,7 +7280,7 @@
           <a:p>
             <a:fld id="{C80E15A5-E95B-43EB-9AC7-9A96397448C0}" type="datetimeFigureOut">
               <a:rPr lang="nl-BE" smtClean="0"/>
-              <a:t>14/07/2021</a:t>
+              <a:t>19/07/2021</a:t>
             </a:fld>
             <a:endParaRPr lang="nl-BE"/>
           </a:p>
@@ -7383,7 +7375,7 @@
           <a:p>
             <a:fld id="{C80E15A5-E95B-43EB-9AC7-9A96397448C0}" type="datetimeFigureOut">
               <a:rPr lang="nl-BE" smtClean="0"/>
-              <a:t>14/07/2021</a:t>
+              <a:t>19/07/2021</a:t>
             </a:fld>
             <a:endParaRPr lang="nl-BE"/>
           </a:p>
@@ -7660,7 +7652,7 @@
           <a:p>
             <a:fld id="{C80E15A5-E95B-43EB-9AC7-9A96397448C0}" type="datetimeFigureOut">
               <a:rPr lang="nl-BE" smtClean="0"/>
-              <a:t>14/07/2021</a:t>
+              <a:t>19/07/2021</a:t>
             </a:fld>
             <a:endParaRPr lang="nl-BE"/>
           </a:p>
@@ -7913,7 +7905,7 @@
           <a:p>
             <a:fld id="{C80E15A5-E95B-43EB-9AC7-9A96397448C0}" type="datetimeFigureOut">
               <a:rPr lang="nl-BE" smtClean="0"/>
-              <a:t>14/07/2021</a:t>
+              <a:t>19/07/2021</a:t>
             </a:fld>
             <a:endParaRPr lang="nl-BE"/>
           </a:p>
@@ -8126,7 +8118,7 @@
           <a:p>
             <a:fld id="{C80E15A5-E95B-43EB-9AC7-9A96397448C0}" type="datetimeFigureOut">
               <a:rPr lang="nl-BE" smtClean="0"/>
-              <a:t>14/07/2021</a:t>
+              <a:t>19/07/2021</a:t>
             </a:fld>
             <a:endParaRPr lang="nl-BE"/>
           </a:p>
@@ -8789,8 +8781,8 @@
           </a:p>
         </p:txBody>
       </p:sp>
-      <mc:AlternateContent xmlns:mc="http://schemas.openxmlformats.org/markup-compatibility/2006" xmlns:a14="http://schemas.microsoft.com/office/drawing/2010/main">
-        <mc:Choice Requires="a14">
+      <mc:AlternateContent xmlns:mc="http://schemas.openxmlformats.org/markup-compatibility/2006">
+        <mc:Choice xmlns:a14="http://schemas.microsoft.com/office/drawing/2010/main" Requires="a14">
           <p:sp>
             <p:nvSpPr>
               <p:cNvPr id="3" name="Content Placeholder 2"/>
@@ -8951,13 +8943,25 @@
                 </a:pPr>
                 <a:r>
                   <a:rPr lang="pt-BR" dirty="0"/>
-                  <a:t>Algoritmo para no mínimo pois o vetor gradiente no ponto ótimo é praticamente nulo.</a:t>
+                  <a:t>Algoritmo para </a:t>
+                </a:r>
+                <a:r>
+                  <a:rPr lang="pt-BR"/>
+                  <a:t>no </a:t>
+                </a:r>
+                <a:r>
+                  <a:rPr lang="pt-BR" smtClean="0"/>
+                  <a:t>mínimo, </a:t>
+                </a:r>
+                <a:r>
+                  <a:rPr lang="pt-BR" dirty="0"/>
+                  <a:t>pois o vetor gradiente no ponto ótimo é praticamente nulo.</a:t>
                 </a:r>
               </a:p>
             </p:txBody>
           </p:sp>
         </mc:Choice>
-        <mc:Fallback xmlns="">
+        <mc:Fallback>
           <p:sp>
             <p:nvSpPr>
               <p:cNvPr id="3" name="Content Placeholder 2"/>
@@ -8976,7 +8980,7 @@
               <a:blipFill rotWithShape="0">
                 <a:blip r:embed="rId3"/>
                 <a:stretch>
-                  <a:fillRect l="-764" t="-7099" b="-5864"/>
+                  <a:fillRect l="-764" t="-7099" r="-546" b="-5864"/>
                 </a:stretch>
               </a:blipFill>
             </p:spPr>
@@ -12065,13 +12069,8 @@
           <a:p>
             <a:r>
               <a:rPr lang="pt-BR" dirty="0" smtClean="0"/>
-              <a:t>Vimos a motivação por trás da regressão: encontrar funções </a:t>
-            </a:r>
-            <a:r>
-              <a:rPr lang="pt-BR" dirty="0" smtClean="0"/>
-              <a:t>que aproximem o fenômeno gerador por trás das observações.</a:t>
-            </a:r>
-            <a:endParaRPr lang="pt-BR" dirty="0" smtClean="0"/>
+              <a:t>Vimos a motivação por trás da regressão: encontrar funções que aproximem o fenômeno gerador por trás das observações.</a:t>
+            </a:r>
           </a:p>
           <a:p>
             <a:r>
@@ -12094,15 +12093,7 @@
           <a:p>
             <a:r>
               <a:rPr lang="pt-BR" dirty="0" smtClean="0"/>
-              <a:t>Discutimos algumas desvantagens </a:t>
-            </a:r>
-            <a:r>
-              <a:rPr lang="pt-BR" dirty="0" smtClean="0"/>
-              <a:t>(e.g. complexidade</a:t>
-            </a:r>
-            <a:r>
-              <a:rPr lang="pt-BR" dirty="0" smtClean="0"/>
-              <a:t>, regressão não-lineares) da </a:t>
+              <a:t>Discutimos algumas desvantagens (e.g. complexidade, regressão não-lineares) da </a:t>
             </a:r>
             <a:r>
               <a:rPr lang="pt-BR" dirty="0"/>
@@ -12175,8 +12166,8 @@
           </a:p>
         </p:txBody>
       </p:sp>
-      <mc:AlternateContent xmlns:mc="http://schemas.openxmlformats.org/markup-compatibility/2006">
-        <mc:Choice xmlns:a14="http://schemas.microsoft.com/office/drawing/2010/main" Requires="a14">
+      <mc:AlternateContent xmlns:mc="http://schemas.openxmlformats.org/markup-compatibility/2006" xmlns:a14="http://schemas.microsoft.com/office/drawing/2010/main">
+        <mc:Choice Requires="a14">
           <p:sp>
             <p:nvSpPr>
               <p:cNvPr id="3" name="Content Placeholder 2"/>
@@ -12447,11 +12438,7 @@
                 </a:r>
                 <a:r>
                   <a:rPr lang="pt-BR" dirty="0"/>
-                  <a:t>definido </a:t>
-                </a:r>
-                <a:r>
-                  <a:rPr lang="pt-BR" dirty="0"/>
-                  <a:t>pela derivada parcial em relação a cada </a:t>
+                  <a:t>definido pela derivada parcial em relação a cada </a:t>
                 </a:r>
                 <a:r>
                   <a:rPr lang="pt-BR" dirty="0" smtClean="0"/>
@@ -13264,15 +13251,7 @@
                 </a:r>
                 <a:r>
                   <a:rPr lang="pt-BR" dirty="0" smtClean="0"/>
-                  <a:t>indica a </a:t>
-                </a:r>
-                <a:r>
-                  <a:rPr lang="pt-BR" dirty="0" smtClean="0"/>
-                  <a:t>magnitude e a direção </a:t>
-                </a:r>
-                <a:r>
-                  <a:rPr lang="pt-BR" dirty="0" smtClean="0"/>
-                  <a:t>de </a:t>
+                  <a:t>indica a magnitude e a direção de </a:t>
                 </a:r>
                 <a:r>
                   <a:rPr lang="pt-BR" dirty="0"/>
@@ -13290,7 +13269,6 @@
                   <a:rPr lang="pt-BR" dirty="0" smtClean="0"/>
                   <a:t>argumento.</a:t>
                 </a:r>
-                <a:endParaRPr lang="pt-BR" dirty="0" smtClean="0"/>
               </a:p>
               <a:p>
                 <a:r>
@@ -13599,11 +13577,7 @@
                 </a14:m>
                 <a:r>
                   <a:rPr lang="pt-BR" dirty="0" smtClean="0"/>
-                  <a:t>mais </a:t>
-                </a:r>
-                <a:r>
-                  <a:rPr lang="pt-BR" dirty="0" smtClean="0"/>
-                  <a:t>rapidamente, ou seja</a:t>
+                  <a:t>mais rapidamente, ou seja</a:t>
                 </a:r>
               </a:p>
               <a:p>
@@ -14363,12 +14337,11 @@
                   <a:rPr lang="pt-BR" sz="2600" dirty="0" smtClean="0"/>
                   <a:t>.</a:t>
                 </a:r>
-                <a:endParaRPr lang="pt-BR" sz="2600" dirty="0" smtClean="0"/>
               </a:p>
             </p:txBody>
           </p:sp>
         </mc:Choice>
-        <mc:Fallback>
+        <mc:Fallback xmlns="">
           <p:sp>
             <p:nvSpPr>
               <p:cNvPr id="3" name="Content Placeholder 2"/>
@@ -14406,8 +14379,8 @@
           </p:sp>
         </mc:Fallback>
       </mc:AlternateContent>
-      <mc:AlternateContent xmlns:mc="http://schemas.openxmlformats.org/markup-compatibility/2006">
-        <mc:Choice xmlns:a14="http://schemas.microsoft.com/office/drawing/2010/main" Requires="a14">
+      <mc:AlternateContent xmlns:mc="http://schemas.openxmlformats.org/markup-compatibility/2006" xmlns:a14="http://schemas.microsoft.com/office/drawing/2010/main">
+        <mc:Choice Requires="a14">
           <p:sp>
             <p:nvSpPr>
               <p:cNvPr id="4" name="Rectangle 3"/>
@@ -14436,11 +14409,7 @@
                 </a:pPr>
                 <a:r>
                   <a:rPr lang="pt-BR" sz="1400" dirty="0" smtClean="0"/>
-                  <a:t>O v</a:t>
-                </a:r>
-                <a:r>
-                  <a:rPr lang="pt-BR" sz="1400" dirty="0" smtClean="0"/>
-                  <a:t>etor gradiente, </a:t>
+                  <a:t>O vetor gradiente, </a:t>
                 </a:r>
                 <a14:m>
                   <m:oMath xmlns:m="http://schemas.openxmlformats.org/officeDocument/2006/math">
@@ -14462,19 +14431,11 @@
                 </a14:m>
                 <a:r>
                   <a:rPr lang="pt-BR" sz="1400" dirty="0" smtClean="0"/>
-                  <a:t>, </a:t>
-                </a:r>
-                <a:r>
-                  <a:rPr lang="pt-BR" sz="1400" dirty="0" smtClean="0"/>
-                  <a:t>indica </a:t>
+                  <a:t>, indica </a:t>
                 </a:r>
                 <a:r>
                   <a:rPr lang="pt-BR" sz="1400" dirty="0"/>
-                  <a:t>a magnitude e a direção em </a:t>
-                </a:r>
-                <a:r>
-                  <a:rPr lang="pt-BR" sz="1400" dirty="0"/>
-                  <a:t>que a função, </a:t>
+                  <a:t>a magnitude e a direção em que a função, </a:t>
                 </a:r>
                 <a14:m>
                   <m:oMath xmlns:m="http://schemas.openxmlformats.org/officeDocument/2006/math">
@@ -14488,15 +14449,7 @@
                 </a14:m>
                 <a:r>
                   <a:rPr lang="pt-BR" sz="1400" dirty="0"/>
-                  <a:t>, tem a taxa </a:t>
-                </a:r>
-                <a:r>
-                  <a:rPr lang="pt-BR" sz="1400" dirty="0"/>
-                  <a:t>de crescimento </a:t>
-                </a:r>
-                <a:r>
-                  <a:rPr lang="pt-BR" sz="1400" dirty="0"/>
-                  <a:t>mais </a:t>
+                  <a:t>, tem a taxa de crescimento mais </a:t>
                 </a:r>
                 <a:r>
                   <a:rPr lang="pt-BR" sz="1400" dirty="0" smtClean="0"/>
@@ -14554,7 +14507,7 @@
             </p:txBody>
           </p:sp>
         </mc:Choice>
-        <mc:Fallback>
+        <mc:Fallback xmlns="">
           <p:sp>
             <p:nvSpPr>
               <p:cNvPr id="4" name="Rectangle 3"/>
@@ -14687,8 +14640,8 @@
           </a:p>
         </p:txBody>
       </p:sp>
-      <mc:AlternateContent xmlns:mc="http://schemas.openxmlformats.org/markup-compatibility/2006">
-        <mc:Choice xmlns:a14="http://schemas.microsoft.com/office/drawing/2010/main" Requires="a14">
+      <mc:AlternateContent xmlns:mc="http://schemas.openxmlformats.org/markup-compatibility/2006" xmlns:a14="http://schemas.microsoft.com/office/drawing/2010/main">
+        <mc:Choice Requires="a14">
           <p:sp>
             <p:nvSpPr>
               <p:cNvPr id="3" name="Content Placeholder 2"/>
@@ -14729,31 +14682,15 @@
                 </a:r>
                 <a:r>
                   <a:rPr lang="pt-BR" dirty="0" smtClean="0"/>
-                  <a:t>, cada </a:t>
+                  <a:t>, cada elemento do </a:t>
+                </a:r>
+                <a:r>
+                  <a:rPr lang="pt-BR" b="1" i="1" dirty="0" smtClean="0"/>
+                  <a:t>vetor gradiente </a:t>
                 </a:r>
                 <a:r>
                   <a:rPr lang="pt-BR" dirty="0" smtClean="0"/>
-                  <a:t>elemento </a:t>
-                </a:r>
-                <a:r>
-                  <a:rPr lang="pt-BR" dirty="0" smtClean="0"/>
-                  <a:t>do </a:t>
-                </a:r>
-                <a:r>
-                  <a:rPr lang="pt-BR" b="1" i="1" dirty="0" smtClean="0"/>
-                  <a:t>vetor </a:t>
-                </a:r>
-                <a:r>
-                  <a:rPr lang="pt-BR" b="1" i="1" dirty="0" smtClean="0"/>
-                  <a:t>gradiente </a:t>
-                </a:r>
-                <a:r>
-                  <a:rPr lang="pt-BR" dirty="0" smtClean="0"/>
-                  <a:t>com </a:t>
-                </a:r>
-                <a:r>
-                  <a:rPr lang="pt-BR" dirty="0" smtClean="0"/>
-                  <a:t>valor:</a:t>
+                  <a:t>com valor:</a:t>
                 </a:r>
                 <a:endParaRPr lang="pt-BR" dirty="0"/>
               </a:p>
@@ -14764,15 +14701,7 @@
                 </a:pPr>
                 <a:r>
                   <a:rPr lang="pt-BR" dirty="0" smtClean="0"/>
-                  <a:t>+ </a:t>
-                </a:r>
-                <a:r>
-                  <a:rPr lang="pt-BR" dirty="0" smtClean="0"/>
-                  <a:t>(inclinação positiva) significa </a:t>
-                </a:r>
-                <a:r>
-                  <a:rPr lang="pt-BR" dirty="0" smtClean="0"/>
-                  <a:t>que o ponto de máximo esta à </a:t>
+                  <a:t>+ (inclinação positiva) significa que o ponto de máximo esta à </a:t>
                 </a:r>
                 <a:r>
                   <a:rPr lang="pt-BR" dirty="0"/>
@@ -15031,11 +14960,7 @@
                 </a:r>
                 <a:r>
                   <a:rPr lang="pt-BR" dirty="0" smtClean="0"/>
-                  <a:t>de </a:t>
-                </a:r>
-                <a:r>
-                  <a:rPr lang="pt-BR" dirty="0" smtClean="0"/>
-                  <a:t>uma função </a:t>
+                  <a:t>de uma função </a:t>
                 </a:r>
                 <a14:m>
                   <m:oMath xmlns:m="http://schemas.openxmlformats.org/officeDocument/2006/math">
@@ -15473,7 +15398,7 @@
             </p:txBody>
           </p:sp>
         </mc:Choice>
-        <mc:Fallback>
+        <mc:Fallback xmlns="">
           <p:sp>
             <p:nvSpPr>
               <p:cNvPr id="3" name="Content Placeholder 2"/>
@@ -15756,8 +15681,8 @@
           </a:p>
         </p:txBody>
       </p:sp>
-      <mc:AlternateContent xmlns:mc="http://schemas.openxmlformats.org/markup-compatibility/2006">
-        <mc:Choice xmlns:a14="http://schemas.microsoft.com/office/drawing/2010/main" Requires="a14">
+      <mc:AlternateContent xmlns:mc="http://schemas.openxmlformats.org/markup-compatibility/2006" xmlns:a14="http://schemas.microsoft.com/office/drawing/2010/main">
+        <mc:Choice Requires="a14">
           <p:sp>
             <p:nvSpPr>
               <p:cNvPr id="3" name="Content Placeholder 2"/>
@@ -16065,19 +15990,7 @@
                 </a:pPr>
                 <a:r>
                   <a:rPr lang="pt-BR" dirty="0"/>
-                  <a:t>Nesta caso, iremos </a:t>
-                </a:r>
-                <a:r>
-                  <a:rPr lang="pt-BR" dirty="0"/>
-                  <a:t>na </a:t>
-                </a:r>
-                <a:r>
-                  <a:rPr lang="pt-BR" dirty="0"/>
-                  <a:t>direção </a:t>
-                </a:r>
-                <a:r>
-                  <a:rPr lang="pt-BR" dirty="0"/>
-                  <a:t>de </a:t>
+                  <a:t>Nesta caso, iremos na direção de </a:t>
                 </a:r>
                 <a:r>
                   <a:rPr lang="pt-BR" b="1" dirty="0"/>
@@ -16204,15 +16117,7 @@
               <a:p>
                 <a:r>
                   <a:rPr lang="pt-BR" dirty="0"/>
-                  <a:t>Portanto, </a:t>
-                </a:r>
-                <a:r>
-                  <a:rPr lang="pt-BR" dirty="0"/>
-                  <a:t>um </a:t>
-                </a:r>
-                <a:r>
-                  <a:rPr lang="pt-BR" dirty="0"/>
-                  <a:t>algoritmo de otimização </a:t>
+                  <a:t>Portanto, um algoritmo de otimização </a:t>
                 </a:r>
                 <a:r>
                   <a:rPr lang="pt-BR" b="1" i="1" dirty="0"/>
@@ -16220,11 +16125,7 @@
                 </a:r>
                 <a:r>
                   <a:rPr lang="pt-BR" dirty="0"/>
-                  <a:t> </a:t>
-                </a:r>
-                <a:r>
-                  <a:rPr lang="pt-BR" dirty="0"/>
-                  <a:t>que siga a direção </a:t>
+                  <a:t> que siga a direção </a:t>
                 </a:r>
                 <a:r>
                   <a:rPr lang="pt-BR" dirty="0" smtClean="0"/>
@@ -16383,11 +16284,7 @@
                 </a:r>
                 <a:r>
                   <a:rPr lang="pt-BR" dirty="0"/>
-                  <a:t>da função</a:t>
-                </a:r>
-                <a:r>
-                  <a:rPr lang="pt-BR" dirty="0"/>
-                  <a:t> </a:t>
+                  <a:t>da função </a:t>
                 </a:r>
                 <a14:m>
                   <m:oMath xmlns:m="http://schemas.openxmlformats.org/officeDocument/2006/math">
@@ -16695,7 +16592,7 @@
             </p:txBody>
           </p:sp>
         </mc:Choice>
-        <mc:Fallback>
+        <mc:Fallback xmlns="">
           <p:sp>
             <p:nvSpPr>
               <p:cNvPr id="3" name="Content Placeholder 2"/>
@@ -16868,8 +16765,8 @@
           </a:p>
         </p:txBody>
       </p:sp>
-      <mc:AlternateContent xmlns:mc="http://schemas.openxmlformats.org/markup-compatibility/2006">
-        <mc:Choice xmlns:a14="http://schemas.microsoft.com/office/drawing/2010/main" Requires="a14">
+      <mc:AlternateContent xmlns:mc="http://schemas.openxmlformats.org/markup-compatibility/2006" xmlns:a14="http://schemas.microsoft.com/office/drawing/2010/main">
+        <mc:Choice Requires="a14">
           <p:sp>
             <p:nvSpPr>
               <p:cNvPr id="3" name="Content Placeholder 2"/>
@@ -17129,7 +17026,7 @@
             </p:txBody>
           </p:sp>
         </mc:Choice>
-        <mc:Fallback>
+        <mc:Fallback xmlns="">
           <p:sp>
             <p:nvSpPr>
               <p:cNvPr id="3" name="Content Placeholder 2"/>
@@ -17296,8 +17193,8 @@
           </a:p>
         </p:txBody>
       </p:sp>
-      <mc:AlternateContent xmlns:mc="http://schemas.openxmlformats.org/markup-compatibility/2006">
-        <mc:Choice xmlns:a14="http://schemas.microsoft.com/office/drawing/2010/main" Requires="a14">
+      <mc:AlternateContent xmlns:mc="http://schemas.openxmlformats.org/markup-compatibility/2006" xmlns:a14="http://schemas.microsoft.com/office/drawing/2010/main">
+        <mc:Choice Requires="a14">
           <p:sp>
             <p:nvSpPr>
               <p:cNvPr id="3" name="Content Placeholder 2"/>
@@ -17427,7 +17324,7 @@
             </p:txBody>
           </p:sp>
         </mc:Choice>
-        <mc:Fallback>
+        <mc:Fallback xmlns="">
           <p:sp>
             <p:nvSpPr>
               <p:cNvPr id="3" name="Content Placeholder 2"/>
@@ -18043,8 +17940,8 @@
           </p:sp>
         </mc:Fallback>
       </mc:AlternateContent>
-      <mc:AlternateContent xmlns:mc="http://schemas.openxmlformats.org/markup-compatibility/2006">
-        <mc:Choice xmlns:a14="http://schemas.microsoft.com/office/drawing/2010/main" Requires="a14">
+      <mc:AlternateContent xmlns:mc="http://schemas.openxmlformats.org/markup-compatibility/2006" xmlns:a14="http://schemas.microsoft.com/office/drawing/2010/main">
+        <mc:Choice Requires="a14">
           <p:sp>
             <p:nvSpPr>
               <p:cNvPr id="7" name="Content Placeholder 2"/>
@@ -18473,7 +18370,7 @@
             </p:txBody>
           </p:sp>
         </mc:Choice>
-        <mc:Fallback>
+        <mc:Fallback xmlns="">
           <p:sp>
             <p:nvSpPr>
               <p:cNvPr id="7" name="Content Placeholder 2"/>
@@ -18644,8 +18541,8 @@
           </a:p>
         </p:txBody>
       </p:sp>
-      <mc:AlternateContent xmlns:mc="http://schemas.openxmlformats.org/markup-compatibility/2006">
-        <mc:Choice xmlns:a14="http://schemas.microsoft.com/office/drawing/2010/main" Requires="a14">
+      <mc:AlternateContent xmlns:mc="http://schemas.openxmlformats.org/markup-compatibility/2006" xmlns:a14="http://schemas.microsoft.com/office/drawing/2010/main">
+        <mc:Choice Requires="a14">
           <p:sp>
             <p:nvSpPr>
               <p:cNvPr id="4" name="Content Placeholder 2"/>
@@ -20249,11 +20146,7 @@
                 </a:r>
                 <a:r>
                   <a:rPr lang="en-US" dirty="0"/>
-                  <a:t> dos </a:t>
-                </a:r>
-                <a:r>
-                  <a:rPr lang="en-US" dirty="0"/>
-                  <a:t>pesos </a:t>
+                  <a:t> dos pesos </a:t>
                 </a:r>
                 <a14:m>
                   <m:oMath xmlns:m="http://schemas.openxmlformats.org/officeDocument/2006/math">
@@ -20319,11 +20212,7 @@
                 </a14:m>
                 <a:r>
                   <a:rPr lang="nl-BE" dirty="0"/>
-                  <a:t> </a:t>
-                </a:r>
-                <a:r>
-                  <a:rPr lang="nl-BE" dirty="0"/>
-                  <a:t>é dada </a:t>
+                  <a:t> é dada </a:t>
                 </a:r>
                 <a:r>
                   <a:rPr lang="nl-BE" dirty="0" smtClean="0"/>
@@ -21001,7 +20890,7 @@
             </p:txBody>
           </p:sp>
         </mc:Choice>
-        <mc:Fallback>
+        <mc:Fallback xmlns="">
           <p:sp>
             <p:nvSpPr>
               <p:cNvPr id="4" name="Content Placeholder 2"/>

--- a/slides/T319_Regressão_Linear (Parte II).pptx
+++ b/slides/T319_Regressão_Linear (Parte II).pptx
@@ -540,7 +540,7 @@
           <a:p>
             <a:fld id="{DAF0AF11-6A8A-4E64-94F5-26D4FBA2A01D}" type="datetimeFigureOut">
               <a:rPr lang="nl-BE" smtClean="0"/>
-              <a:t>19/07/2021</a:t>
+              <a:t>22/07/2021</a:t>
             </a:fld>
             <a:endParaRPr lang="nl-BE"/>
           </a:p>
@@ -5797,7 +5797,7 @@
           <a:p>
             <a:fld id="{C80E15A5-E95B-43EB-9AC7-9A96397448C0}" type="datetimeFigureOut">
               <a:rPr lang="nl-BE" smtClean="0"/>
-              <a:t>19/07/2021</a:t>
+              <a:t>22/07/2021</a:t>
             </a:fld>
             <a:endParaRPr lang="nl-BE"/>
           </a:p>
@@ -5967,7 +5967,7 @@
           <a:p>
             <a:fld id="{C80E15A5-E95B-43EB-9AC7-9A96397448C0}" type="datetimeFigureOut">
               <a:rPr lang="nl-BE" smtClean="0"/>
-              <a:t>19/07/2021</a:t>
+              <a:t>22/07/2021</a:t>
             </a:fld>
             <a:endParaRPr lang="nl-BE"/>
           </a:p>
@@ -6147,7 +6147,7 @@
           <a:p>
             <a:fld id="{C80E15A5-E95B-43EB-9AC7-9A96397448C0}" type="datetimeFigureOut">
               <a:rPr lang="nl-BE" smtClean="0"/>
-              <a:t>19/07/2021</a:t>
+              <a:t>22/07/2021</a:t>
             </a:fld>
             <a:endParaRPr lang="nl-BE"/>
           </a:p>
@@ -6317,7 +6317,7 @@
           <a:p>
             <a:fld id="{C80E15A5-E95B-43EB-9AC7-9A96397448C0}" type="datetimeFigureOut">
               <a:rPr lang="nl-BE" smtClean="0"/>
-              <a:t>19/07/2021</a:t>
+              <a:t>22/07/2021</a:t>
             </a:fld>
             <a:endParaRPr lang="nl-BE"/>
           </a:p>
@@ -6563,7 +6563,7 @@
           <a:p>
             <a:fld id="{C80E15A5-E95B-43EB-9AC7-9A96397448C0}" type="datetimeFigureOut">
               <a:rPr lang="nl-BE" smtClean="0"/>
-              <a:t>19/07/2021</a:t>
+              <a:t>22/07/2021</a:t>
             </a:fld>
             <a:endParaRPr lang="nl-BE"/>
           </a:p>
@@ -6795,7 +6795,7 @@
           <a:p>
             <a:fld id="{C80E15A5-E95B-43EB-9AC7-9A96397448C0}" type="datetimeFigureOut">
               <a:rPr lang="nl-BE" smtClean="0"/>
-              <a:t>19/07/2021</a:t>
+              <a:t>22/07/2021</a:t>
             </a:fld>
             <a:endParaRPr lang="nl-BE"/>
           </a:p>
@@ -7162,7 +7162,7 @@
           <a:p>
             <a:fld id="{C80E15A5-E95B-43EB-9AC7-9A96397448C0}" type="datetimeFigureOut">
               <a:rPr lang="nl-BE" smtClean="0"/>
-              <a:t>19/07/2021</a:t>
+              <a:t>22/07/2021</a:t>
             </a:fld>
             <a:endParaRPr lang="nl-BE"/>
           </a:p>
@@ -7280,7 +7280,7 @@
           <a:p>
             <a:fld id="{C80E15A5-E95B-43EB-9AC7-9A96397448C0}" type="datetimeFigureOut">
               <a:rPr lang="nl-BE" smtClean="0"/>
-              <a:t>19/07/2021</a:t>
+              <a:t>22/07/2021</a:t>
             </a:fld>
             <a:endParaRPr lang="nl-BE"/>
           </a:p>
@@ -7375,7 +7375,7 @@
           <a:p>
             <a:fld id="{C80E15A5-E95B-43EB-9AC7-9A96397448C0}" type="datetimeFigureOut">
               <a:rPr lang="nl-BE" smtClean="0"/>
-              <a:t>19/07/2021</a:t>
+              <a:t>22/07/2021</a:t>
             </a:fld>
             <a:endParaRPr lang="nl-BE"/>
           </a:p>
@@ -7652,7 +7652,7 @@
           <a:p>
             <a:fld id="{C80E15A5-E95B-43EB-9AC7-9A96397448C0}" type="datetimeFigureOut">
               <a:rPr lang="nl-BE" smtClean="0"/>
-              <a:t>19/07/2021</a:t>
+              <a:t>22/07/2021</a:t>
             </a:fld>
             <a:endParaRPr lang="nl-BE"/>
           </a:p>
@@ -7905,7 +7905,7 @@
           <a:p>
             <a:fld id="{C80E15A5-E95B-43EB-9AC7-9A96397448C0}" type="datetimeFigureOut">
               <a:rPr lang="nl-BE" smtClean="0"/>
-              <a:t>19/07/2021</a:t>
+              <a:t>22/07/2021</a:t>
             </a:fld>
             <a:endParaRPr lang="nl-BE"/>
           </a:p>
@@ -8118,7 +8118,7 @@
           <a:p>
             <a:fld id="{C80E15A5-E95B-43EB-9AC7-9A96397448C0}" type="datetimeFigureOut">
               <a:rPr lang="nl-BE" smtClean="0"/>
-              <a:t>19/07/2021</a:t>
+              <a:t>22/07/2021</a:t>
             </a:fld>
             <a:endParaRPr lang="nl-BE"/>
           </a:p>
@@ -8528,7 +8528,7 @@
           <p:cNvPr id="2" name="Título 1">
             <a:extLst>
               <a:ext uri="{FF2B5EF4-FFF2-40B4-BE49-F238E27FC236}">
-                <a16:creationId xmlns:a16="http://schemas.microsoft.com/office/drawing/2014/main" xmlns="" id="{32666AC8-2E17-4DB4-B0F5-60C640CCFD2E}"/>
+                <a16:creationId xmlns="" xmlns:a16="http://schemas.microsoft.com/office/drawing/2014/main" id="{32666AC8-2E17-4DB4-B0F5-60C640CCFD2E}"/>
               </a:ext>
             </a:extLst>
           </p:cNvPr>
@@ -8587,7 +8587,7 @@
           <p:cNvPr id="4" name="CaixaDeTexto 3">
             <a:extLst>
               <a:ext uri="{FF2B5EF4-FFF2-40B4-BE49-F238E27FC236}">
-                <a16:creationId xmlns:a16="http://schemas.microsoft.com/office/drawing/2014/main" xmlns="" id="{430EB894-B7D4-434C-9D1A-A14094D9BEEC}"/>
+                <a16:creationId xmlns="" xmlns:a16="http://schemas.microsoft.com/office/drawing/2014/main" id="{430EB894-B7D4-434C-9D1A-A14094D9BEEC}"/>
               </a:ext>
             </a:extLst>
           </p:cNvPr>
@@ -8628,7 +8628,7 @@
           <p:cNvPr id="1026" name="Picture 2" descr="Logo">
             <a:extLst>
               <a:ext uri="{FF2B5EF4-FFF2-40B4-BE49-F238E27FC236}">
-                <a16:creationId xmlns:a16="http://schemas.microsoft.com/office/drawing/2014/main" xmlns="" id="{3F2642E0-4F6A-4196-8F58-E77D36E9A33F}"/>
+                <a16:creationId xmlns="" xmlns:a16="http://schemas.microsoft.com/office/drawing/2014/main" id="{3F2642E0-4F6A-4196-8F58-E77D36E9A33F}"/>
               </a:ext>
             </a:extLst>
           </p:cNvPr>
@@ -8673,7 +8673,7 @@
           <p:cNvPr id="5122" name="Picture 2" descr="Image result for machine learning">
             <a:extLst>
               <a:ext uri="{FF2B5EF4-FFF2-40B4-BE49-F238E27FC236}">
-                <a16:creationId xmlns:a16="http://schemas.microsoft.com/office/drawing/2014/main" xmlns="" id="{810CE0A2-4102-44A6-A370-175E7896CDCB}"/>
+                <a16:creationId xmlns="" xmlns:a16="http://schemas.microsoft.com/office/drawing/2014/main" id="{810CE0A2-4102-44A6-A370-175E7896CDCB}"/>
               </a:ext>
             </a:extLst>
           </p:cNvPr>
@@ -8781,8 +8781,8 @@
           </a:p>
         </p:txBody>
       </p:sp>
-      <mc:AlternateContent xmlns:mc="http://schemas.openxmlformats.org/markup-compatibility/2006">
-        <mc:Choice xmlns:a14="http://schemas.microsoft.com/office/drawing/2010/main" Requires="a14">
+      <mc:AlternateContent xmlns:mc="http://schemas.openxmlformats.org/markup-compatibility/2006" xmlns:a14="http://schemas.microsoft.com/office/drawing/2010/main">
+        <mc:Choice Requires="a14">
           <p:sp>
             <p:nvSpPr>
               <p:cNvPr id="3" name="Content Placeholder 2"/>
@@ -8961,7 +8961,7 @@
             </p:txBody>
           </p:sp>
         </mc:Choice>
-        <mc:Fallback>
+        <mc:Fallback xmlns="">
           <p:sp>
             <p:nvSpPr>
               <p:cNvPr id="3" name="Content Placeholder 2"/>
@@ -11535,19 +11535,23 @@
             </a:r>
             <a:r>
               <a:rPr lang="pt-BR" i="1" dirty="0"/>
-              <a:t>T319 - Quiz - Regressão: Parte </a:t>
-            </a:r>
-            <a:r>
-              <a:rPr lang="pt-BR" i="1" dirty="0" smtClean="0"/>
-              <a:t>II </a:t>
-            </a:r>
-            <a:r>
-              <a:rPr lang="pt-BR" i="1" dirty="0"/>
-              <a:t>(1S2021)</a:t>
+              <a:t>T319 - Quiz - Regressão: </a:t>
+            </a:r>
+            <a:r>
+              <a:rPr lang="pt-BR" i="1"/>
+              <a:t>Parte </a:t>
+            </a:r>
+            <a:r>
+              <a:rPr lang="pt-BR" i="1" smtClean="0"/>
+              <a:t>II</a:t>
+            </a:r>
+            <a:r>
+              <a:rPr lang="pt-BR" smtClean="0"/>
+              <a:t>” </a:t>
             </a:r>
             <a:r>
               <a:rPr lang="pt-BR" dirty="0"/>
-              <a:t>” que se encontra no MS Teams.</a:t>
+              <a:t>que se encontra no MS Teams.</a:t>
             </a:r>
           </a:p>
           <a:p>
@@ -11665,7 +11669,7 @@
           <p:cNvPr id="4" name="Título 1">
             <a:extLst>
               <a:ext uri="{FF2B5EF4-FFF2-40B4-BE49-F238E27FC236}">
-                <a16:creationId xmlns:a16="http://schemas.microsoft.com/office/drawing/2014/main" xmlns="" id="{32666AC8-2E17-4DB4-B0F5-60C640CCFD2E}"/>
+                <a16:creationId xmlns="" xmlns:a16="http://schemas.microsoft.com/office/drawing/2014/main" id="{32666AC8-2E17-4DB4-B0F5-60C640CCFD2E}"/>
               </a:ext>
             </a:extLst>
           </p:cNvPr>

--- a/slides/T319_Regressão_Linear (Parte II).pptx
+++ b/slides/T319_Regressão_Linear (Parte II).pptx
@@ -10,12 +10,12 @@
   <p:sldIdLst>
     <p:sldId id="259" r:id="rId2"/>
     <p:sldId id="443" r:id="rId3"/>
-    <p:sldId id="466" r:id="rId4"/>
+    <p:sldId id="480" r:id="rId4"/>
     <p:sldId id="467" r:id="rId5"/>
     <p:sldId id="479" r:id="rId6"/>
     <p:sldId id="469" r:id="rId7"/>
     <p:sldId id="470" r:id="rId8"/>
-    <p:sldId id="459" r:id="rId9"/>
+    <p:sldId id="481" r:id="rId9"/>
     <p:sldId id="472" r:id="rId10"/>
     <p:sldId id="475" r:id="rId11"/>
     <p:sldId id="473" r:id="rId12"/>
@@ -540,7 +540,7 @@
           <a:p>
             <a:fld id="{DAF0AF11-6A8A-4E64-94F5-26D4FBA2A01D}" type="datetimeFigureOut">
               <a:rPr lang="nl-BE" smtClean="0"/>
-              <a:t>22/07/2021</a:t>
+              <a:t>24/09/2021</a:t>
             </a:fld>
             <a:endParaRPr lang="nl-BE"/>
           </a:p>
@@ -2950,7 +2950,7 @@
     </p:spTree>
     <p:extLst>
       <p:ext uri="{BB962C8B-B14F-4D97-AF65-F5344CB8AC3E}">
-        <p14:creationId xmlns:p14="http://schemas.microsoft.com/office/powerpoint/2010/main" val="3456029287"/>
+        <p14:creationId xmlns:p14="http://schemas.microsoft.com/office/powerpoint/2010/main" val="4082196730"/>
       </p:ext>
     </p:extLst>
   </p:cSld>
@@ -5177,7 +5177,7 @@
     </p:spTree>
     <p:extLst>
       <p:ext uri="{BB962C8B-B14F-4D97-AF65-F5344CB8AC3E}">
-        <p14:creationId xmlns:p14="http://schemas.microsoft.com/office/powerpoint/2010/main" val="2719749576"/>
+        <p14:creationId xmlns:p14="http://schemas.microsoft.com/office/powerpoint/2010/main" val="3076326613"/>
       </p:ext>
     </p:extLst>
   </p:cSld>
@@ -5797,7 +5797,7 @@
           <a:p>
             <a:fld id="{C80E15A5-E95B-43EB-9AC7-9A96397448C0}" type="datetimeFigureOut">
               <a:rPr lang="nl-BE" smtClean="0"/>
-              <a:t>22/07/2021</a:t>
+              <a:t>24/09/2021</a:t>
             </a:fld>
             <a:endParaRPr lang="nl-BE"/>
           </a:p>
@@ -5967,7 +5967,7 @@
           <a:p>
             <a:fld id="{C80E15A5-E95B-43EB-9AC7-9A96397448C0}" type="datetimeFigureOut">
               <a:rPr lang="nl-BE" smtClean="0"/>
-              <a:t>22/07/2021</a:t>
+              <a:t>24/09/2021</a:t>
             </a:fld>
             <a:endParaRPr lang="nl-BE"/>
           </a:p>
@@ -6147,7 +6147,7 @@
           <a:p>
             <a:fld id="{C80E15A5-E95B-43EB-9AC7-9A96397448C0}" type="datetimeFigureOut">
               <a:rPr lang="nl-BE" smtClean="0"/>
-              <a:t>22/07/2021</a:t>
+              <a:t>24/09/2021</a:t>
             </a:fld>
             <a:endParaRPr lang="nl-BE"/>
           </a:p>
@@ -6317,7 +6317,7 @@
           <a:p>
             <a:fld id="{C80E15A5-E95B-43EB-9AC7-9A96397448C0}" type="datetimeFigureOut">
               <a:rPr lang="nl-BE" smtClean="0"/>
-              <a:t>22/07/2021</a:t>
+              <a:t>24/09/2021</a:t>
             </a:fld>
             <a:endParaRPr lang="nl-BE"/>
           </a:p>
@@ -6563,7 +6563,7 @@
           <a:p>
             <a:fld id="{C80E15A5-E95B-43EB-9AC7-9A96397448C0}" type="datetimeFigureOut">
               <a:rPr lang="nl-BE" smtClean="0"/>
-              <a:t>22/07/2021</a:t>
+              <a:t>24/09/2021</a:t>
             </a:fld>
             <a:endParaRPr lang="nl-BE"/>
           </a:p>
@@ -6795,7 +6795,7 @@
           <a:p>
             <a:fld id="{C80E15A5-E95B-43EB-9AC7-9A96397448C0}" type="datetimeFigureOut">
               <a:rPr lang="nl-BE" smtClean="0"/>
-              <a:t>22/07/2021</a:t>
+              <a:t>24/09/2021</a:t>
             </a:fld>
             <a:endParaRPr lang="nl-BE"/>
           </a:p>
@@ -7162,7 +7162,7 @@
           <a:p>
             <a:fld id="{C80E15A5-E95B-43EB-9AC7-9A96397448C0}" type="datetimeFigureOut">
               <a:rPr lang="nl-BE" smtClean="0"/>
-              <a:t>22/07/2021</a:t>
+              <a:t>24/09/2021</a:t>
             </a:fld>
             <a:endParaRPr lang="nl-BE"/>
           </a:p>
@@ -7280,7 +7280,7 @@
           <a:p>
             <a:fld id="{C80E15A5-E95B-43EB-9AC7-9A96397448C0}" type="datetimeFigureOut">
               <a:rPr lang="nl-BE" smtClean="0"/>
-              <a:t>22/07/2021</a:t>
+              <a:t>24/09/2021</a:t>
             </a:fld>
             <a:endParaRPr lang="nl-BE"/>
           </a:p>
@@ -7375,7 +7375,7 @@
           <a:p>
             <a:fld id="{C80E15A5-E95B-43EB-9AC7-9A96397448C0}" type="datetimeFigureOut">
               <a:rPr lang="nl-BE" smtClean="0"/>
-              <a:t>22/07/2021</a:t>
+              <a:t>24/09/2021</a:t>
             </a:fld>
             <a:endParaRPr lang="nl-BE"/>
           </a:p>
@@ -7652,7 +7652,7 @@
           <a:p>
             <a:fld id="{C80E15A5-E95B-43EB-9AC7-9A96397448C0}" type="datetimeFigureOut">
               <a:rPr lang="nl-BE" smtClean="0"/>
-              <a:t>22/07/2021</a:t>
+              <a:t>24/09/2021</a:t>
             </a:fld>
             <a:endParaRPr lang="nl-BE"/>
           </a:p>
@@ -7905,7 +7905,7 @@
           <a:p>
             <a:fld id="{C80E15A5-E95B-43EB-9AC7-9A96397448C0}" type="datetimeFigureOut">
               <a:rPr lang="nl-BE" smtClean="0"/>
-              <a:t>22/07/2021</a:t>
+              <a:t>24/09/2021</a:t>
             </a:fld>
             <a:endParaRPr lang="nl-BE"/>
           </a:p>
@@ -8118,7 +8118,7 @@
           <a:p>
             <a:fld id="{C80E15A5-E95B-43EB-9AC7-9A96397448C0}" type="datetimeFigureOut">
               <a:rPr lang="nl-BE" smtClean="0"/>
-              <a:t>22/07/2021</a:t>
+              <a:t>24/09/2021</a:t>
             </a:fld>
             <a:endParaRPr lang="nl-BE"/>
           </a:p>
@@ -8781,8 +8781,8 @@
           </a:p>
         </p:txBody>
       </p:sp>
-      <mc:AlternateContent xmlns:mc="http://schemas.openxmlformats.org/markup-compatibility/2006" xmlns:a14="http://schemas.microsoft.com/office/drawing/2010/main">
-        <mc:Choice Requires="a14">
+      <mc:AlternateContent xmlns:mc="http://schemas.openxmlformats.org/markup-compatibility/2006">
+        <mc:Choice xmlns:a14="http://schemas.microsoft.com/office/drawing/2010/main" Requires="a14">
           <p:sp>
             <p:nvSpPr>
               <p:cNvPr id="3" name="Content Placeholder 2"/>
@@ -8839,7 +8839,15 @@
                 </a:r>
                 <a:r>
                   <a:rPr lang="pt-BR" dirty="0"/>
-                  <a:t>caso específico, segue linha reta entre </a:t>
+                  <a:t>caso específico, segue </a:t>
+                </a:r>
+                <a:r>
+                  <a:rPr lang="pt-BR" dirty="0" smtClean="0"/>
+                  <a:t>uma linha </a:t>
+                </a:r>
+                <a:r>
+                  <a:rPr lang="pt-BR" dirty="0"/>
+                  <a:t>reta entre </a:t>
                 </a:r>
                 <a14:m>
                   <m:oMath xmlns:m="http://schemas.openxmlformats.org/officeDocument/2006/math">
@@ -8904,8 +8912,12 @@
                   </m:oMath>
                 </a14:m>
                 <a:r>
+                  <a:rPr lang="pt-BR" dirty="0" smtClean="0"/>
+                  <a:t> </a:t>
+                </a:r>
+                <a:r>
                   <a:rPr lang="pt-BR" dirty="0"/>
-                  <a:t> pois a taxa de decrescimento da superfície de erro é igual para os dois </a:t>
+                  <a:t>pois a taxa de decrescimento da superfície de erro é igual para os dois </a:t>
                 </a:r>
                 <a:r>
                   <a:rPr lang="pt-BR" dirty="0" smtClean="0"/>
@@ -8932,36 +8944,33 @@
                 </a:r>
                 <a:r>
                   <a:rPr lang="pt-BR" dirty="0"/>
-                  <a:t>” em torno do mínimo após alcançá-lo. </a:t>
-                </a:r>
-              </a:p>
-              <a:p>
-                <a:pPr>
-                  <a:spcBef>
-                    <a:spcPts val="600"/>
-                  </a:spcBef>
-                </a:pPr>
+                  <a:t>” em torno do mínimo após </a:t>
+                </a:r>
+                <a:r>
+                  <a:rPr lang="pt-BR" dirty="0" smtClean="0"/>
+                  <a:t>alcançá-lo, </a:t>
+                </a:r>
                 <a:r>
                   <a:rPr lang="pt-BR" dirty="0"/>
-                  <a:t>Algoritmo para </a:t>
-                </a:r>
-                <a:r>
-                  <a:rPr lang="pt-BR"/>
-                  <a:t>no </a:t>
-                </a:r>
-                <a:r>
-                  <a:rPr lang="pt-BR" smtClean="0"/>
-                  <a:t>mínimo, </a:t>
+                  <a:t>pois o vetor gradiente </a:t>
+                </a:r>
+                <a:r>
+                  <a:rPr lang="pt-BR" dirty="0" smtClean="0"/>
+                  <a:t>neste ponto </a:t>
+                </a:r>
+                <a:r>
+                  <a:rPr lang="pt-BR" dirty="0" smtClean="0"/>
+                  <a:t>é </a:t>
                 </a:r>
                 <a:r>
                   <a:rPr lang="pt-BR" dirty="0"/>
-                  <a:t>pois o vetor gradiente no ponto ótimo é praticamente nulo.</a:t>
+                  <a:t>praticamente nulo.</a:t>
                 </a:r>
               </a:p>
             </p:txBody>
           </p:sp>
         </mc:Choice>
-        <mc:Fallback xmlns="">
+        <mc:Fallback>
           <p:sp>
             <p:nvSpPr>
               <p:cNvPr id="3" name="Content Placeholder 2"/>
@@ -8980,7 +8989,7 @@
               <a:blipFill rotWithShape="0">
                 <a:blip r:embed="rId3"/>
                 <a:stretch>
-                  <a:fillRect l="-764" t="-7099" r="-546" b="-5864"/>
+                  <a:fillRect l="-764" t="-7099" r="-1310" b="-1852"/>
                 </a:stretch>
               </a:blipFill>
             </p:spPr>
@@ -9200,8 +9209,8 @@
           </a:p>
         </p:txBody>
       </p:sp>
-      <mc:AlternateContent xmlns:mc="http://schemas.openxmlformats.org/markup-compatibility/2006" xmlns:a14="http://schemas.microsoft.com/office/drawing/2010/main">
-        <mc:Choice Requires="a14">
+      <mc:AlternateContent xmlns:mc="http://schemas.openxmlformats.org/markup-compatibility/2006">
+        <mc:Choice xmlns:a14="http://schemas.microsoft.com/office/drawing/2010/main" Requires="a14">
           <p:sp>
             <p:nvSpPr>
               <p:cNvPr id="3" name="Content Placeholder 2"/>
@@ -9608,9 +9617,6 @@
                 <a:endParaRPr lang="pt-BR" dirty="0"/>
               </a:p>
               <a:p>
-                <a:pPr marL="0" indent="0">
-                  <a:buNone/>
-                </a:pPr>
                 <a:r>
                   <a:rPr lang="pt-BR" b="1" dirty="0" smtClean="0"/>
                   <a:t>Características:</a:t>
@@ -9619,8 +9625,8 @@
               </a:p>
               <a:p>
                 <a:pPr lvl="1" algn="just">
-                  <a:buFont typeface="Courier New" panose="02070309020205020404" pitchFamily="49" charset="0"/>
-                  <a:buChar char="o"/>
+                  <a:buFont typeface="Wingdings" panose="05000000000000000000" pitchFamily="2" charset="2"/>
+                  <a:buChar char="§"/>
                 </a:pPr>
                 <a:r>
                   <a:rPr lang="pt-BR" b="1" i="1" dirty="0" smtClean="0"/>
@@ -9639,58 +9645,99 @@
                   <a:t>: gradiente </a:t>
                 </a:r>
                 <a:r>
+                  <a:rPr lang="pt-BR" dirty="0" smtClean="0"/>
+                  <a:t>é calculado </a:t>
+                </a:r>
+                <a:r>
                   <a:rPr lang="pt-BR" dirty="0"/>
-                  <a:t>calculado com um único </a:t>
+                  <a:t>com um único </a:t>
                 </a:r>
                 <a:r>
                   <a:rPr lang="pt-BR" dirty="0" smtClean="0"/>
                   <a:t>exemplo. </a:t>
-                </a:r>
-              </a:p>
-              <a:p>
-                <a:pPr lvl="1" algn="just">
-                  <a:buFont typeface="Courier New" panose="02070309020205020404" pitchFamily="49" charset="0"/>
-                  <a:buChar char="o"/>
-                </a:pPr>
-                <a:r>
-                  <a:rPr lang="pt-BR" dirty="0"/>
-                  <a:t>U</a:t>
-                </a:r>
-                <a:r>
-                  <a:rPr lang="pt-BR" dirty="0" smtClean="0"/>
-                  <a:t>tilizado quando os atributos e rótulos são obtidos sequencialmente.</a:t>
-                </a:r>
-              </a:p>
-              <a:p>
-                <a:pPr lvl="1" algn="just">
-                  <a:buFont typeface="Courier New" panose="02070309020205020404" pitchFamily="49" charset="0"/>
-                  <a:buChar char="o"/>
-                </a:pPr>
-                <a:r>
-                  <a:rPr lang="pt-BR" dirty="0" smtClean="0"/>
-                  <a:t>Ou </a:t>
-                </a:r>
-                <a:r>
-                  <a:rPr lang="pt-BR" dirty="0"/>
-                  <a:t>quando o conjunto de treinamento é muito grande. </a:t>
                 </a:r>
                 <a:endParaRPr lang="pt-BR" dirty="0" smtClean="0"/>
               </a:p>
               <a:p>
                 <a:pPr lvl="1" algn="just">
-                  <a:buFont typeface="Courier New" panose="02070309020205020404" pitchFamily="49" charset="0"/>
-                  <a:buChar char="o"/>
+                  <a:buFont typeface="Wingdings" panose="05000000000000000000" pitchFamily="2" charset="2"/>
+                  <a:buChar char="§"/>
                 </a:pPr>
                 <a:r>
+                  <a:rPr lang="pt-BR" dirty="0"/>
+                  <a:t>U</a:t>
+                </a:r>
+                <a:r>
                   <a:rPr lang="pt-BR" dirty="0" smtClean="0"/>
-                  <a:t>Computacionalmente mais rápido e menos custoso em termos de memória que o GD em batelada.</a:t>
+                  <a:t>tilizado quando os </a:t>
+                </a:r>
+                <a:r>
+                  <a:rPr lang="pt-BR" b="1" dirty="0" smtClean="0"/>
+                  <a:t>atributos e rótulos </a:t>
+                </a:r>
+                <a:r>
+                  <a:rPr lang="pt-BR" dirty="0" smtClean="0"/>
+                  <a:t>são </a:t>
+                </a:r>
+                <a:r>
+                  <a:rPr lang="pt-BR" b="1" dirty="0" smtClean="0"/>
+                  <a:t>obtidos sequencialmente</a:t>
+                </a:r>
+                <a:r>
+                  <a:rPr lang="pt-BR" dirty="0" smtClean="0"/>
+                  <a:t>.</a:t>
+                </a:r>
+              </a:p>
+              <a:p>
+                <a:pPr lvl="1" algn="just">
+                  <a:buFont typeface="Wingdings" panose="05000000000000000000" pitchFamily="2" charset="2"/>
+                  <a:buChar char="§"/>
+                </a:pPr>
+                <a:r>
+                  <a:rPr lang="pt-BR" dirty="0" smtClean="0"/>
+                  <a:t>Ou </a:t>
+                </a:r>
+                <a:r>
+                  <a:rPr lang="pt-BR" dirty="0"/>
+                  <a:t>quando o </a:t>
+                </a:r>
+                <a:r>
+                  <a:rPr lang="pt-BR" b="1" dirty="0"/>
+                  <a:t>conjunto de treinamento é muito grande</a:t>
+                </a:r>
+                <a:r>
+                  <a:rPr lang="pt-BR" dirty="0"/>
+                  <a:t>. </a:t>
+                </a:r>
+                <a:endParaRPr lang="pt-BR" dirty="0" smtClean="0"/>
+              </a:p>
+              <a:p>
+                <a:pPr lvl="1" algn="just">
+                  <a:buFont typeface="Wingdings" panose="05000000000000000000" pitchFamily="2" charset="2"/>
+                  <a:buChar char="§"/>
+                </a:pPr>
+                <a:r>
+                  <a:rPr lang="pt-BR" b="1" dirty="0" smtClean="0"/>
+                  <a:t>Computacionalmente mais rápido </a:t>
+                </a:r>
+                <a:r>
+                  <a:rPr lang="pt-BR" dirty="0" smtClean="0"/>
+                  <a:t>e </a:t>
+                </a:r>
+                <a:r>
+                  <a:rPr lang="pt-BR" b="1" dirty="0" smtClean="0"/>
+                  <a:t>menos custoso em termos de memória </a:t>
+                </a:r>
+                <a:r>
+                  <a:rPr lang="pt-BR" dirty="0" smtClean="0"/>
+                  <a:t>que o GD em batelada.</a:t>
                 </a:r>
                 <a:endParaRPr lang="pt-BR" dirty="0"/>
               </a:p>
               <a:p>
                 <a:pPr lvl="1" algn="just">
-                  <a:buFont typeface="Courier New" panose="02070309020205020404" pitchFamily="49" charset="0"/>
-                  <a:buChar char="o"/>
+                  <a:buFont typeface="Wingdings" panose="05000000000000000000" pitchFamily="2" charset="2"/>
+                  <a:buChar char="§"/>
                 </a:pPr>
                 <a:r>
                   <a:rPr lang="pt-BR" b="1" dirty="0" smtClean="0"/>
@@ -9702,13 +9749,18 @@
                 </a:r>
                 <a:r>
                   <a:rPr lang="pt-BR" dirty="0"/>
-                  <a:t> com um passo de aprendizagem fixo. O algoritmo pode oscilar em torno do mínimo sem nunca convergir para o valores ótimos. </a:t>
-                </a:r>
+                  <a:t> com um passo de aprendizagem fixo. O algoritmo pode oscilar em torno do mínimo sem nunca convergir para o </a:t>
+                </a:r>
+                <a:r>
+                  <a:rPr lang="pt-BR" dirty="0" smtClean="0"/>
+                  <a:t>valor ótimo. </a:t>
+                </a:r>
+                <a:endParaRPr lang="pt-BR" dirty="0"/>
               </a:p>
               <a:p>
                 <a:pPr lvl="1" algn="just">
-                  <a:buFont typeface="Courier New" panose="02070309020205020404" pitchFamily="49" charset="0"/>
-                  <a:buChar char="o"/>
+                  <a:buFont typeface="Wingdings" panose="05000000000000000000" pitchFamily="2" charset="2"/>
+                  <a:buChar char="§"/>
                 </a:pPr>
                 <a:r>
                   <a:rPr lang="pt-BR" dirty="0"/>
@@ -9738,7 +9790,7 @@
             </p:txBody>
           </p:sp>
         </mc:Choice>
-        <mc:Fallback xmlns="">
+        <mc:Fallback>
           <p:sp>
             <p:nvSpPr>
               <p:cNvPr id="3" name="Content Placeholder 2"/>
@@ -9757,7 +9809,7 @@
               <a:blipFill rotWithShape="0">
                 <a:blip r:embed="rId3"/>
                 <a:stretch>
-                  <a:fillRect l="-1092" t="-2391" r="-1092"/>
+                  <a:fillRect l="-928" t="-2391" r="-1092"/>
                 </a:stretch>
               </a:blipFill>
             </p:spPr>
@@ -9855,8 +9907,8 @@
         </p:nvSpPr>
         <p:spPr>
           <a:xfrm>
-            <a:off x="6599976" y="6463547"/>
-            <a:ext cx="5500666" cy="369332"/>
+            <a:off x="7157828" y="6499015"/>
+            <a:ext cx="5020524" cy="338554"/>
           </a:xfrm>
           <a:prstGeom prst="rect">
             <a:avLst/>
@@ -9870,7 +9922,7 @@
           <a:lstStyle/>
           <a:p>
             <a:r>
-              <a:rPr lang="pt-BR" u="sng" dirty="0" smtClean="0">
+              <a:rPr lang="pt-BR" sz="1600" u="sng" dirty="0" smtClean="0">
                 <a:solidFill>
                   <a:srgbClr val="00B0F0"/>
                 </a:solidFill>
@@ -9878,7 +9930,7 @@
               </a:rPr>
               <a:t>Exemplo: stocastic_gradient_descent_with_figures.ipynb</a:t>
             </a:r>
-            <a:endParaRPr lang="pt-BR" u="sng" dirty="0">
+            <a:endParaRPr lang="pt-BR" sz="1600" u="sng" dirty="0">
               <a:solidFill>
                 <a:srgbClr val="00B0F0"/>
               </a:solidFill>
@@ -9907,7 +9959,7 @@
         </p:blipFill>
         <p:spPr>
           <a:xfrm>
-            <a:off x="838200" y="1105945"/>
+            <a:off x="838200" y="1065001"/>
             <a:ext cx="3064388" cy="2757949"/>
           </a:xfrm>
           <a:prstGeom prst="rect">
@@ -9936,7 +9988,7 @@
         </p:blipFill>
         <p:spPr>
           <a:xfrm>
-            <a:off x="4801635" y="1105945"/>
+            <a:off x="4801635" y="1065001"/>
             <a:ext cx="2915493" cy="2757949"/>
           </a:xfrm>
           <a:prstGeom prst="rect">
@@ -9965,7 +10017,7 @@
         </p:blipFill>
         <p:spPr>
           <a:xfrm>
-            <a:off x="8616176" y="1105945"/>
+            <a:off x="8616176" y="1065001"/>
             <a:ext cx="3004324" cy="2757949"/>
           </a:xfrm>
           <a:prstGeom prst="rect">
@@ -9973,8 +10025,8 @@
           </a:prstGeom>
         </p:spPr>
       </p:pic>
-      <mc:AlternateContent xmlns:mc="http://schemas.openxmlformats.org/markup-compatibility/2006" xmlns:a14="http://schemas.microsoft.com/office/drawing/2010/main">
-        <mc:Choice Requires="a14">
+      <mc:AlternateContent xmlns:mc="http://schemas.openxmlformats.org/markup-compatibility/2006">
+        <mc:Choice xmlns:a14="http://schemas.microsoft.com/office/drawing/2010/main" Requires="a14">
           <p:sp>
             <p:nvSpPr>
               <p:cNvPr id="12" name="Content Placeholder 2"/>
@@ -9987,13 +10039,13 @@
             </p:nvSpPr>
             <p:spPr>
               <a:xfrm>
-                <a:off x="838200" y="3978752"/>
-                <a:ext cx="11122742" cy="2569540"/>
+                <a:off x="838200" y="3842103"/>
+                <a:ext cx="11122742" cy="2895239"/>
               </a:xfrm>
             </p:spPr>
             <p:txBody>
               <a:bodyPr>
-                <a:normAutofit fontScale="70000" lnSpcReduction="20000"/>
+                <a:noAutofit/>
               </a:bodyPr>
               <a:lstStyle/>
               <a:p>
@@ -10003,22 +10055,30 @@
                   </a:spcBef>
                 </a:pPr>
                 <a:r>
-                  <a:rPr lang="pt-BR" dirty="0"/>
-                  <a:t>Devido à sua natureza estocástica, não apresenta um caminho </a:t>
-                </a:r>
-                <a:r>
-                  <a:rPr lang="pt-BR" dirty="0" smtClean="0"/>
+                  <a:rPr lang="pt-BR" sz="2000" dirty="0"/>
+                  <a:t>Devido à sua natureza estocástica, </a:t>
+                </a:r>
+                <a:r>
+                  <a:rPr lang="pt-BR" sz="2000" b="1" dirty="0"/>
+                  <a:t>não apresenta um caminho </a:t>
+                </a:r>
+                <a:r>
+                  <a:rPr lang="pt-BR" sz="2000" b="1" dirty="0" smtClean="0"/>
                   <a:t>regular </a:t>
                 </a:r>
                 <a:r>
-                  <a:rPr lang="pt-BR" dirty="0"/>
-                  <a:t>para o mínimo, mudando de direção várias </a:t>
-                </a:r>
-                <a:r>
-                  <a:rPr lang="pt-BR" dirty="0" smtClean="0"/>
+                  <a:rPr lang="pt-BR" sz="2000" b="1" dirty="0"/>
+                  <a:t>para o mínimo</a:t>
+                </a:r>
+                <a:r>
+                  <a:rPr lang="pt-BR" sz="2000" dirty="0"/>
+                  <a:t>, mudando de direção várias </a:t>
+                </a:r>
+                <a:r>
+                  <a:rPr lang="pt-BR" sz="2000" dirty="0" smtClean="0"/>
                   <a:t>vezes. </a:t>
                 </a:r>
-                <a:endParaRPr lang="pt-BR" dirty="0"/>
+                <a:endParaRPr lang="pt-BR" sz="2000" dirty="0"/>
               </a:p>
               <a:p>
                 <a:pPr>
@@ -10027,9 +10087,22 @@
                   </a:spcBef>
                 </a:pPr>
                 <a:r>
-                  <a:rPr lang="pt-BR" dirty="0"/>
-                  <a:t>Por aproximar o gradiente com apenas um exemplo, nem sempre irá na direção ideal, porque as derivadas parciais são ”ruidosas”. </a:t>
-                </a:r>
+                  <a:rPr lang="pt-BR" sz="2000" dirty="0"/>
+                  <a:t>Por aproximar o gradiente com apenas um exemplo, </a:t>
+                </a:r>
+                <a:r>
+                  <a:rPr lang="pt-BR" sz="2000" dirty="0" smtClean="0"/>
+                  <a:t>as </a:t>
+                </a:r>
+                <a:r>
+                  <a:rPr lang="pt-BR" sz="2000" b="1" dirty="0"/>
+                  <a:t>derivadas parciais são ”ruidosas”</a:t>
+                </a:r>
+                <a:r>
+                  <a:rPr lang="pt-BR" sz="2000" dirty="0"/>
+                  <a:t>. </a:t>
+                </a:r>
+                <a:endParaRPr lang="pt-BR" sz="2000" dirty="0"/>
               </a:p>
               <a:p>
                 <a:pPr>
@@ -10038,23 +10111,27 @@
                   </a:spcBef>
                 </a:pPr>
                 <a:r>
-                  <a:rPr lang="pt-BR" dirty="0"/>
-                  <a:t>O algoritmo não converge suavemente para o </a:t>
-                </a:r>
-                <a:r>
-                  <a:rPr lang="pt-BR" dirty="0" smtClean="0"/>
+                  <a:rPr lang="pt-BR" sz="2000" dirty="0" smtClean="0"/>
+                  <a:t>Por serem ruidosas, o </a:t>
+                </a:r>
+                <a:r>
+                  <a:rPr lang="pt-BR" sz="2000" dirty="0"/>
+                  <a:t>algoritmo não converge suavemente para o </a:t>
+                </a:r>
+                <a:r>
+                  <a:rPr lang="pt-BR" sz="2000" dirty="0" smtClean="0"/>
                   <a:t>mínimo: “</a:t>
                 </a:r>
                 <a:r>
-                  <a:rPr lang="pt-BR" i="1" dirty="0" smtClean="0"/>
+                  <a:rPr lang="pt-BR" sz="2000" i="1" dirty="0" smtClean="0"/>
                   <a:t>oscila</a:t>
                 </a:r>
                 <a:r>
-                  <a:rPr lang="pt-BR" dirty="0" smtClean="0"/>
+                  <a:rPr lang="pt-BR" sz="2000" dirty="0" smtClean="0"/>
                   <a:t>” </a:t>
                 </a:r>
                 <a:r>
-                  <a:rPr lang="pt-BR" dirty="0"/>
+                  <a:rPr lang="pt-BR" sz="2000" dirty="0"/>
                   <a:t>em torno dele.</a:t>
                 </a:r>
               </a:p>
@@ -10065,8 +10142,16 @@
                   </a:spcBef>
                 </a:pPr>
                 <a:r>
-                  <a:rPr lang="pt-BR" dirty="0"/>
-                  <a:t>Quando o treinamento termina, os valores finais dos pesos são bons, mas não são ótimos.</a:t>
+                  <a:rPr lang="pt-BR" sz="2000" dirty="0"/>
+                  <a:t>Quando o treinamento termina, os valores finais dos pesos são bons, mas </a:t>
+                </a:r>
+                <a:r>
+                  <a:rPr lang="pt-BR" sz="2000" dirty="0" smtClean="0"/>
+                  <a:t>podem não ser </a:t>
+                </a:r>
+                <a:r>
+                  <a:rPr lang="pt-BR" sz="2000" dirty="0"/>
+                  <a:t>ótimos.</a:t>
                 </a:r>
               </a:p>
               <a:p>
@@ -10076,7 +10161,7 @@
                   </a:spcBef>
                 </a:pPr>
                 <a:r>
-                  <a:rPr lang="pt-BR" dirty="0"/>
+                  <a:rPr lang="pt-BR" sz="2000" dirty="0"/>
                   <a:t>A convergência ocorre apenas na média.</a:t>
                 </a:r>
               </a:p>
@@ -10087,15 +10172,15 @@
                   </a:spcBef>
                 </a:pPr>
                 <a:r>
-                  <a:rPr lang="pt-BR" dirty="0"/>
+                  <a:rPr lang="pt-BR" sz="2000" dirty="0"/>
                   <a:t>Tempo de treinamento é </a:t>
                 </a:r>
                 <a:r>
-                  <a:rPr lang="pt-BR" dirty="0" smtClean="0"/>
+                  <a:rPr lang="pt-BR" sz="2000" dirty="0" smtClean="0"/>
                   <a:t>menor: </a:t>
                 </a:r>
                 <a:r>
-                  <a:rPr lang="pt-BR" dirty="0"/>
+                  <a:rPr lang="pt-BR" sz="2000" dirty="0"/>
                   <a:t>com apenas uma época o algoritmo já se aproxima do ponto ótimo.</a:t>
                 </a:r>
               </a:p>
@@ -10106,13 +10191,13 @@
                   </a:spcBef>
                 </a:pPr>
                 <a:r>
-                  <a:rPr lang="pt-BR" dirty="0"/>
+                  <a:rPr lang="pt-BR" sz="2000" dirty="0"/>
                   <a:t>Necessita de um esquema de ajuste do passo de aprendizagem, </a:t>
                 </a:r>
                 <a14:m>
                   <m:oMath xmlns:m="http://schemas.openxmlformats.org/officeDocument/2006/math">
                     <m:r>
-                      <a:rPr lang="pt-BR" i="1">
+                      <a:rPr lang="pt-BR" sz="2000" i="1">
                         <a:latin typeface="Cambria Math" panose="02040503050406030204" pitchFamily="18" charset="0"/>
                         <a:ea typeface="Cambria Math" panose="02040503050406030204" pitchFamily="18" charset="0"/>
                       </a:rPr>
@@ -10121,27 +10206,27 @@
                   </m:oMath>
                 </a14:m>
                 <a:r>
-                  <a:rPr lang="pt-BR" dirty="0"/>
+                  <a:rPr lang="pt-BR" sz="2000" dirty="0"/>
                   <a:t>, para ficar mais “</a:t>
                 </a:r>
                 <a:r>
-                  <a:rPr lang="pt-BR" i="1" dirty="0"/>
+                  <a:rPr lang="pt-BR" sz="2000" i="1" dirty="0"/>
                   <a:t>comportado</a:t>
                 </a:r>
                 <a:r>
-                  <a:rPr lang="pt-BR" i="1" dirty="0" smtClean="0"/>
+                  <a:rPr lang="pt-BR" sz="2000" i="1" dirty="0" smtClean="0"/>
                   <a:t>”</a:t>
                 </a:r>
                 <a:r>
-                  <a:rPr lang="pt-BR" dirty="0" smtClean="0"/>
+                  <a:rPr lang="pt-BR" sz="2000" dirty="0" smtClean="0"/>
                   <a:t>.</a:t>
                 </a:r>
-                <a:endParaRPr lang="pt-BR" dirty="0"/>
+                <a:endParaRPr lang="pt-BR" sz="2000" dirty="0"/>
               </a:p>
             </p:txBody>
           </p:sp>
         </mc:Choice>
-        <mc:Fallback xmlns="">
+        <mc:Fallback>
           <p:sp>
             <p:nvSpPr>
               <p:cNvPr id="12" name="Content Placeholder 2"/>
@@ -10154,13 +10239,13 @@
             </p:nvSpPr>
             <p:spPr>
               <a:xfrm>
-                <a:off x="838200" y="3978752"/>
-                <a:ext cx="11122742" cy="2569540"/>
+                <a:off x="838200" y="3842103"/>
+                <a:ext cx="11122742" cy="2895239"/>
               </a:xfrm>
               <a:blipFill rotWithShape="0">
                 <a:blip r:embed="rId7"/>
                 <a:stretch>
-                  <a:fillRect l="-493" t="-4513" b="-950"/>
+                  <a:fillRect l="-493" t="-2105"/>
                 </a:stretch>
               </a:blipFill>
             </p:spPr>
@@ -10251,8 +10336,8 @@
           </a:p>
         </p:txBody>
       </p:sp>
-      <mc:AlternateContent xmlns:mc="http://schemas.openxmlformats.org/markup-compatibility/2006" xmlns:a14="http://schemas.microsoft.com/office/drawing/2010/main">
-        <mc:Choice Requires="a14">
+      <mc:AlternateContent xmlns:mc="http://schemas.openxmlformats.org/markup-compatibility/2006">
+        <mc:Choice xmlns:a14="http://schemas.microsoft.com/office/drawing/2010/main" Requires="a14">
           <p:sp>
             <p:nvSpPr>
               <p:cNvPr id="3" name="Content Placeholder 2"/>
@@ -10282,7 +10367,15 @@
                 </a:r>
                 <a:r>
                   <a:rPr lang="pt-BR" dirty="0"/>
-                  <a:t>: é um meio-termo entre as duas versões anteriores. O conjunto de treinamento é dividido em vários subconjuntos (mini-batches) com elementos aleatórios (i.e., par atributo/rótulo), onde os pesos do modelo são ajustados a cada mini-batch.</a:t>
+                  <a:t>: é um meio-termo entre as duas versões anteriores. O conjunto de treinamento é dividido em vários subconjuntos (</a:t>
+                </a:r>
+                <a:r>
+                  <a:rPr lang="pt-BR" b="1" i="1" dirty="0"/>
+                  <a:t>mini-batches</a:t>
+                </a:r>
+                <a:r>
+                  <a:rPr lang="pt-BR" dirty="0"/>
+                  <a:t>) com elementos aleatórios (i.e., par atributo/rótulo), onde os pesos do modelo são ajustados a cada mini-batch.</a:t>
                 </a:r>
               </a:p>
               <a:p>
@@ -10705,8 +10798,8 @@
               </a:p>
               <a:p>
                 <a:pPr lvl="1" algn="just">
-                  <a:buFont typeface="Courier New" panose="02070309020205020404" pitchFamily="49" charset="0"/>
-                  <a:buChar char="o"/>
+                  <a:buFont typeface="Wingdings" panose="05000000000000000000" pitchFamily="2" charset="2"/>
+                  <a:buChar char="§"/>
                 </a:pPr>
                 <a:r>
                   <a:rPr lang="pt-BR" dirty="0"/>
@@ -10757,7 +10850,15 @@
                 </a14:m>
                 <a:r>
                   <a:rPr lang="pt-BR" dirty="0"/>
-                  <a:t>, então se torna o GD em batelada.</a:t>
+                  <a:t>, então </a:t>
+                </a:r>
+                <a:r>
+                  <a:rPr lang="pt-BR" dirty="0" smtClean="0"/>
+                  <a:t>ele se </a:t>
+                </a:r>
+                <a:r>
+                  <a:rPr lang="pt-BR" dirty="0"/>
+                  <a:t>torna o GD em batelada.</a:t>
                 </a:r>
               </a:p>
               <a:p>
@@ -10787,13 +10888,21 @@
                 </a14:m>
                 <a:r>
                   <a:rPr lang="pt-BR" dirty="0"/>
-                  <a:t>, então se torna o GD estocástico.</a:t>
+                  <a:t>, então </a:t>
+                </a:r>
+                <a:r>
+                  <a:rPr lang="pt-BR" dirty="0" smtClean="0"/>
+                  <a:t>ele se </a:t>
+                </a:r>
+                <a:r>
+                  <a:rPr lang="pt-BR" dirty="0"/>
+                  <a:t>torna o GD estocástico.</a:t>
                 </a:r>
               </a:p>
               <a:p>
                 <a:pPr lvl="1" algn="just">
-                  <a:buFont typeface="Courier New" panose="02070309020205020404" pitchFamily="49" charset="0"/>
-                  <a:buChar char="o"/>
+                  <a:buFont typeface="Wingdings" panose="05000000000000000000" pitchFamily="2" charset="2"/>
+                  <a:buChar char="§"/>
                 </a:pPr>
                 <a:r>
                   <a:rPr lang="pt-BR" dirty="0" smtClean="0"/>
@@ -10822,8 +10931,8 @@
               </a:p>
               <a:p>
                 <a:pPr lvl="1" algn="just">
-                  <a:buFont typeface="Courier New" panose="02070309020205020404" pitchFamily="49" charset="0"/>
-                  <a:buChar char="o"/>
+                  <a:buFont typeface="Wingdings" panose="05000000000000000000" pitchFamily="2" charset="2"/>
+                  <a:buChar char="§"/>
                 </a:pPr>
                 <a:r>
                   <a:rPr lang="pt-BR" dirty="0"/>
@@ -10832,8 +10941,8 @@
               </a:p>
               <a:p>
                 <a:pPr lvl="1" algn="just">
-                  <a:buFont typeface="Courier New" panose="02070309020205020404" pitchFamily="49" charset="0"/>
-                  <a:buChar char="o"/>
+                  <a:buFont typeface="Wingdings" panose="05000000000000000000" pitchFamily="2" charset="2"/>
+                  <a:buChar char="§"/>
                 </a:pPr>
                 <a:r>
                   <a:rPr lang="pt-BR" dirty="0"/>
@@ -10843,7 +10952,7 @@
             </p:txBody>
           </p:sp>
         </mc:Choice>
-        <mc:Fallback xmlns="">
+        <mc:Fallback>
           <p:sp>
             <p:nvSpPr>
               <p:cNvPr id="3" name="Content Placeholder 2"/>
@@ -11353,16 +11462,20 @@
               </a:spcBef>
             </a:pPr>
             <a:r>
+              <a:rPr lang="pt-BR" b="1" i="1" dirty="0"/>
+              <a:t>P</a:t>
+            </a:r>
+            <a:r>
+              <a:rPr lang="pt-BR" b="1" i="1" dirty="0" smtClean="0"/>
+              <a:t>rogresso menos </a:t>
+            </a:r>
+            <a:r>
+              <a:rPr lang="pt-BR" b="1" i="1" dirty="0"/>
+              <a:t>irregular </a:t>
+            </a:r>
+            <a:r>
               <a:rPr lang="pt-BR" dirty="0"/>
-              <a:t>P</a:t>
-            </a:r>
-            <a:r>
-              <a:rPr lang="pt-BR" dirty="0" smtClean="0"/>
-              <a:t>rogresso menos </a:t>
-            </a:r>
-            <a:r>
-              <a:rPr lang="pt-BR" dirty="0"/>
-              <a:t>irregular do que com o </a:t>
+              <a:t>do que com o </a:t>
             </a:r>
             <a:r>
               <a:rPr lang="pt-BR" dirty="0" smtClean="0"/>
@@ -11390,11 +11503,19 @@
             </a:r>
             <a:r>
               <a:rPr lang="pt-BR" dirty="0" smtClean="0"/>
-              <a:t>essa versão oscila </a:t>
+              <a:t>essa versão </a:t>
+            </a:r>
+            <a:r>
+              <a:rPr lang="pt-BR" b="1" i="1" dirty="0" smtClean="0"/>
+              <a:t>oscila </a:t>
+            </a:r>
+            <a:r>
+              <a:rPr lang="pt-BR" b="1" i="1" dirty="0"/>
+              <a:t>menos ao redor do mínimo global</a:t>
             </a:r>
             <a:r>
               <a:rPr lang="pt-BR" dirty="0"/>
-              <a:t>menos ao redor do mínimo global do que o GDE.</a:t>
+              <a:t> do que o GDE.</a:t>
             </a:r>
           </a:p>
           <a:p>
@@ -11405,7 +11526,15 @@
             </a:pPr>
             <a:r>
               <a:rPr lang="pt-BR" dirty="0"/>
-              <a:t>Tem comportamento mais próximo do GD em batelada para </a:t>
+              <a:t>Tem </a:t>
+            </a:r>
+            <a:r>
+              <a:rPr lang="pt-BR" b="1" i="1" dirty="0"/>
+              <a:t>comportamento mais próximo do GD em batelada</a:t>
+            </a:r>
+            <a:r>
+              <a:rPr lang="pt-BR" dirty="0"/>
+              <a:t> para </a:t>
             </a:r>
             <a:r>
               <a:rPr lang="pt-BR" dirty="0" smtClean="0"/>
@@ -11423,8 +11552,20 @@
               </a:spcBef>
             </a:pPr>
             <a:r>
+              <a:rPr lang="pt-BR" b="1" i="1" dirty="0"/>
+              <a:t>Oscilação</a:t>
+            </a:r>
+            <a:r>
               <a:rPr lang="pt-BR" dirty="0"/>
-              <a:t>Oscilação em torno do mínimo diminui conforme o tamanho do mini-batch aumenta.</a:t>
+              <a:t> em torno do mínimo </a:t>
+            </a:r>
+            <a:r>
+              <a:rPr lang="pt-BR" b="1" i="1" dirty="0"/>
+              <a:t>diminui conforme o tamanho do mini-batch aumenta</a:t>
+            </a:r>
+            <a:r>
+              <a:rPr lang="pt-BR" dirty="0"/>
+              <a:t>.</a:t>
             </a:r>
           </a:p>
           <a:p>
@@ -11435,7 +11576,19 @@
             </a:pPr>
             <a:r>
               <a:rPr lang="pt-BR" dirty="0"/>
-              <a:t>Pode também ser usado com um esquema de variação do passo de aprendizagem</a:t>
+              <a:t>Pode também ser usado com um </a:t>
+            </a:r>
+            <a:r>
+              <a:rPr lang="pt-BR" b="1" i="1" dirty="0" smtClean="0"/>
+              <a:t>esquema de variação do </a:t>
+            </a:r>
+            <a:r>
+              <a:rPr lang="pt-BR" b="1" i="1" dirty="0"/>
+              <a:t>passo de </a:t>
+            </a:r>
+            <a:r>
+              <a:rPr lang="pt-BR" b="1" i="1" dirty="0" smtClean="0"/>
+              <a:t>aprendizagem</a:t>
             </a:r>
             <a:r>
               <a:rPr lang="pt-BR" dirty="0" smtClean="0"/>
@@ -12073,31 +12226,95 @@
           <a:p>
             <a:r>
               <a:rPr lang="pt-BR" dirty="0" smtClean="0"/>
-              <a:t>Vimos a motivação por trás da regressão: encontrar funções que aproximem o fenômeno gerador por trás das observações.</a:t>
-            </a:r>
-          </a:p>
-          <a:p>
+              <a:t>Vimos a </a:t>
+            </a:r>
+            <a:r>
+              <a:rPr lang="pt-BR" b="1" i="1" dirty="0" smtClean="0"/>
+              <a:t>motivação</a:t>
+            </a:r>
             <a:r>
               <a:rPr lang="pt-BR" dirty="0" smtClean="0"/>
-              <a:t>Definimos o problema matematicamente.</a:t>
-            </a:r>
-          </a:p>
-          <a:p>
+              <a:t> por trás da </a:t>
+            </a:r>
+            <a:r>
+              <a:rPr lang="pt-BR" b="1" i="1" dirty="0" smtClean="0"/>
+              <a:t>regressão linear</a:t>
+            </a:r>
             <a:r>
               <a:rPr lang="pt-BR" dirty="0" smtClean="0"/>
-              <a:t>Vimos como resolver o problema da regressão, i.e., encontrar os pesos do modelo, através da equação normal.</a:t>
+              <a:t>: encontrar funções que aproximem o fenômeno gerador por trás das observações ruidosas.</a:t>
             </a:r>
           </a:p>
           <a:p>
             <a:r>
               <a:rPr lang="pt-BR" dirty="0" smtClean="0"/>
-              <a:t>Aprendemos o que é uma superfície de erro.</a:t>
-            </a:r>
-          </a:p>
-          <a:p>
+              <a:t>Definimos o </a:t>
+            </a:r>
+            <a:r>
+              <a:rPr lang="pt-BR" b="1" i="1" dirty="0" smtClean="0"/>
+              <a:t>problema matematicamente</a:t>
+            </a:r>
             <a:r>
               <a:rPr lang="pt-BR" dirty="0" smtClean="0"/>
-              <a:t>Discutimos algumas desvantagens (e.g. complexidade, regressão não-lineares) da </a:t>
+              <a:t>.</a:t>
+            </a:r>
+          </a:p>
+          <a:p>
+            <a:r>
+              <a:rPr lang="pt-BR" dirty="0" smtClean="0"/>
+              <a:t>Vimos como resolver o problema da regressão, i.e., </a:t>
+            </a:r>
+            <a:r>
+              <a:rPr lang="pt-BR" b="1" i="1" dirty="0" smtClean="0"/>
+              <a:t>encontrar os pesos do modelo, através da equação normal</a:t>
+            </a:r>
+            <a:r>
+              <a:rPr lang="pt-BR" dirty="0" smtClean="0"/>
+              <a:t>.</a:t>
+            </a:r>
+          </a:p>
+          <a:p>
+            <a:r>
+              <a:rPr lang="pt-BR" dirty="0" smtClean="0"/>
+              <a:t>Aprendemos o que é uma </a:t>
+            </a:r>
+            <a:r>
+              <a:rPr lang="pt-BR" b="1" i="1" dirty="0" smtClean="0"/>
+              <a:t>superfície de erro</a:t>
+            </a:r>
+            <a:r>
+              <a:rPr lang="pt-BR" dirty="0" smtClean="0"/>
+              <a:t>.</a:t>
+            </a:r>
+          </a:p>
+          <a:p>
+            <a:r>
+              <a:rPr lang="pt-BR" dirty="0" smtClean="0"/>
+              <a:t>Discutimos algumas </a:t>
+            </a:r>
+            <a:r>
+              <a:rPr lang="pt-BR" b="1" i="1" dirty="0" smtClean="0"/>
+              <a:t>desvantagens</a:t>
+            </a:r>
+            <a:r>
+              <a:rPr lang="pt-BR" dirty="0" smtClean="0"/>
+              <a:t> (e.g. </a:t>
+            </a:r>
+            <a:r>
+              <a:rPr lang="pt-BR" b="1" i="1" dirty="0" smtClean="0"/>
+              <a:t>complexidade</a:t>
+            </a:r>
+            <a:r>
+              <a:rPr lang="pt-BR" dirty="0" smtClean="0"/>
+              <a:t>, </a:t>
+            </a:r>
+            <a:r>
+              <a:rPr lang="pt-BR" b="1" i="1" dirty="0" smtClean="0"/>
+              <a:t>regressão não-linear</a:t>
+            </a:r>
+            <a:r>
+              <a:rPr lang="pt-BR" dirty="0" smtClean="0"/>
+              <a:t>) da </a:t>
             </a:r>
             <a:r>
               <a:rPr lang="pt-BR" dirty="0"/>
@@ -12105,7 +12322,7 @@
             </a:r>
             <a:r>
               <a:rPr lang="pt-BR" dirty="0" smtClean="0"/>
-              <a:t>normal e vimos uma solução para essas desvantagens, a qual discutiremos a seguir.</a:t>
+              <a:t>normal e vislumbramos uma possível solução para essas desvantagens, a qual discutiremos a seguir.</a:t>
             </a:r>
           </a:p>
         </p:txBody>
@@ -12266,23 +12483,39 @@
                 </a:r>
                 <a:r>
                   <a:rPr lang="pt-BR" dirty="0"/>
-                  <a:t>qual, por deslocamento a partir </a:t>
+                  <a:t>qual, por </a:t>
+                </a:r>
+                <a:r>
+                  <a:rPr lang="pt-BR" b="1" i="1" dirty="0"/>
+                  <a:t>deslocamento a partir </a:t>
+                </a:r>
+                <a:r>
+                  <a:rPr lang="pt-BR" b="1" i="1" dirty="0" smtClean="0"/>
+                  <a:t>de um </a:t>
+                </a:r>
+                <a:r>
+                  <a:rPr lang="pt-BR" b="1" i="1" dirty="0"/>
+                  <a:t>ponto </a:t>
+                </a:r>
+                <a:r>
+                  <a:rPr lang="pt-BR" b="1" i="1" dirty="0" smtClean="0"/>
+                  <a:t>especifico</a:t>
                 </a:r>
                 <a:r>
                   <a:rPr lang="pt-BR" dirty="0" smtClean="0"/>
-                  <a:t>de um </a:t>
+                  <a:t>, </a:t>
                 </a:r>
                 <a:r>
                   <a:rPr lang="pt-BR" dirty="0"/>
-                  <a:t>ponto </a:t>
-                </a:r>
-                <a:r>
-                  <a:rPr lang="pt-BR" dirty="0" smtClean="0"/>
-                  <a:t>especifico, </a:t>
+                  <a:t>obtém-se o </a:t>
+                </a:r>
+                <a:r>
+                  <a:rPr lang="pt-BR" b="1" i="1" dirty="0"/>
+                  <a:t>maior incremento possível </a:t>
                 </a:r>
                 <a:r>
                   <a:rPr lang="pt-BR" dirty="0"/>
-                  <a:t>obtém-se o maior incremento possível no valor de </a:t>
+                  <a:t>no valor de </a:t>
                 </a:r>
                 <a:r>
                   <a:rPr lang="pt-BR" dirty="0" smtClean="0"/>
@@ -13255,7 +13488,23 @@
                 </a:r>
                 <a:r>
                   <a:rPr lang="pt-BR" dirty="0" smtClean="0"/>
-                  <a:t>indica a magnitude e a direção de </a:t>
+                  <a:t>indica a </a:t>
+                </a:r>
+                <a:r>
+                  <a:rPr lang="pt-BR" b="1" i="1" dirty="0" smtClean="0"/>
+                  <a:t>magnitude</a:t>
+                </a:r>
+                <a:r>
+                  <a:rPr lang="pt-BR" dirty="0" smtClean="0"/>
+                  <a:t> e a </a:t>
+                </a:r>
+                <a:r>
+                  <a:rPr lang="pt-BR" b="1" i="1" dirty="0" smtClean="0"/>
+                  <a:t>direção</a:t>
+                </a:r>
+                <a:r>
+                  <a:rPr lang="pt-BR" dirty="0" smtClean="0"/>
+                  <a:t> de </a:t>
                 </a:r>
                 <a:r>
                   <a:rPr lang="pt-BR" dirty="0"/>
@@ -13267,11 +13516,19 @@
                 </a:r>
                 <a:r>
                   <a:rPr lang="pt-BR" dirty="0"/>
-                  <a:t>em relação àquele </a:t>
+                  <a:t>em </a:t>
+                </a:r>
+                <a:r>
+                  <a:rPr lang="pt-BR" b="1" i="1" dirty="0"/>
+                  <a:t>relação àquele </a:t>
+                </a:r>
+                <a:r>
+                  <a:rPr lang="pt-BR" b="1" i="1" dirty="0" smtClean="0"/>
+                  <a:t>argumento</a:t>
                 </a:r>
                 <a:r>
                   <a:rPr lang="pt-BR" dirty="0" smtClean="0"/>
-                  <a:t>argumento.</a:t>
+                  <a:t>.</a:t>
                 </a:r>
               </a:p>
               <a:p>
@@ -13310,13 +13567,7 @@
                       <a:rPr lang="pt-BR" b="0" i="1" smtClean="0">
                         <a:latin typeface="Cambria Math" panose="02040503050406030204" pitchFamily="18" charset="0"/>
                       </a:rPr>
-                      <m:t>(0)</m:t>
-                    </m:r>
-                    <m:r>
-                      <a:rPr lang="pt-BR" i="1">
-                        <a:latin typeface="Cambria Math" panose="02040503050406030204" pitchFamily="18" charset="0"/>
-                      </a:rPr>
-                      <m:t>,</m:t>
+                      <m:t>(0),</m:t>
                     </m:r>
                     <m:sSub>
                       <m:sSubPr>
@@ -13347,13 +13598,7 @@
                       <a:rPr lang="pt-BR" b="0" i="1" smtClean="0">
                         <a:latin typeface="Cambria Math" panose="02040503050406030204" pitchFamily="18" charset="0"/>
                       </a:rPr>
-                      <m:t>(0)</m:t>
-                    </m:r>
-                    <m:r>
-                      <a:rPr lang="pt-BR" i="1">
-                        <a:latin typeface="Cambria Math" panose="02040503050406030204" pitchFamily="18" charset="0"/>
-                      </a:rPr>
-                      <m:t>,…,</m:t>
+                      <m:t>(0),…,</m:t>
                     </m:r>
                     <m:sSub>
                       <m:sSubPr>
@@ -13473,13 +13718,7 @@
                           <a:rPr lang="pt-BR" b="0" i="1" smtClean="0">
                             <a:latin typeface="Cambria Math" panose="02040503050406030204" pitchFamily="18" charset="0"/>
                           </a:rPr>
-                          <m:t>(0)</m:t>
-                        </m:r>
-                        <m:r>
-                          <a:rPr lang="pt-BR" i="1">
-                            <a:latin typeface="Cambria Math" panose="02040503050406030204" pitchFamily="18" charset="0"/>
-                          </a:rPr>
-                          <m:t>,</m:t>
+                          <m:t>(0),</m:t>
                         </m:r>
                         <m:sSub>
                           <m:sSubPr>
@@ -13634,7 +13873,7 @@
                           <a:rPr lang="pt-BR" sz="2600" b="0" i="1" smtClean="0">
                             <a:latin typeface="Cambria Math" panose="02040503050406030204" pitchFamily="18" charset="0"/>
                           </a:rPr>
-                          <m:t>+</m:t>
+                          <m:t>(0)+</m:t>
                         </m:r>
                         <m:r>
                           <a:rPr lang="pt-BR" sz="2600" b="0" i="1" smtClean="0">
@@ -13667,107 +13906,105 @@
                               </a:rPr>
                               <m:t>𝑓</m:t>
                             </m:r>
-                            <m:r>
-                              <a:rPr lang="pt-BR" sz="2600" i="1">
-                                <a:latin typeface="Cambria Math" panose="02040503050406030204" pitchFamily="18" charset="0"/>
-                                <a:ea typeface="Cambria Math" panose="02040503050406030204" pitchFamily="18" charset="0"/>
-                              </a:rPr>
-                              <m:t>(</m:t>
-                            </m:r>
-                            <m:sSub>
-                              <m:sSubPr>
+                            <m:d>
+                              <m:dPr>
                                 <m:ctrlPr>
                                   <a:rPr lang="pt-BR" sz="2600" i="1">
                                     <a:latin typeface="Cambria Math" panose="02040503050406030204" pitchFamily="18" charset="0"/>
+                                    <a:ea typeface="Cambria Math" panose="02040503050406030204" pitchFamily="18" charset="0"/>
                                   </a:rPr>
                                 </m:ctrlPr>
-                              </m:sSubPr>
+                              </m:dPr>
                               <m:e>
+                                <m:sSub>
+                                  <m:sSubPr>
+                                    <m:ctrlPr>
+                                      <a:rPr lang="pt-BR" sz="2600" i="1">
+                                        <a:latin typeface="Cambria Math" panose="02040503050406030204" pitchFamily="18" charset="0"/>
+                                      </a:rPr>
+                                    </m:ctrlPr>
+                                  </m:sSubPr>
+                                  <m:e>
+                                    <m:r>
+                                      <a:rPr lang="pt-BR" sz="2600" i="1">
+                                        <a:latin typeface="Cambria Math" panose="02040503050406030204" pitchFamily="18" charset="0"/>
+                                      </a:rPr>
+                                      <m:t>𝑥</m:t>
+                                    </m:r>
+                                  </m:e>
+                                  <m:sub>
+                                    <m:r>
+                                      <a:rPr lang="pt-BR" sz="2600" i="1">
+                                        <a:latin typeface="Cambria Math" panose="02040503050406030204" pitchFamily="18" charset="0"/>
+                                      </a:rPr>
+                                      <m:t>0</m:t>
+                                    </m:r>
+                                  </m:sub>
+                                </m:sSub>
                                 <m:r>
                                   <a:rPr lang="pt-BR" sz="2600" i="1">
                                     <a:latin typeface="Cambria Math" panose="02040503050406030204" pitchFamily="18" charset="0"/>
                                   </a:rPr>
-                                  <m:t>𝑥</m:t>
+                                  <m:t>,</m:t>
                                 </m:r>
-                              </m:e>
-                              <m:sub>
+                                <m:sSub>
+                                  <m:sSubPr>
+                                    <m:ctrlPr>
+                                      <a:rPr lang="pt-BR" sz="2600" i="1">
+                                        <a:latin typeface="Cambria Math" panose="02040503050406030204" pitchFamily="18" charset="0"/>
+                                      </a:rPr>
+                                    </m:ctrlPr>
+                                  </m:sSubPr>
+                                  <m:e>
+                                    <m:r>
+                                      <a:rPr lang="pt-BR" sz="2600" i="1">
+                                        <a:latin typeface="Cambria Math" panose="02040503050406030204" pitchFamily="18" charset="0"/>
+                                      </a:rPr>
+                                      <m:t>𝑥</m:t>
+                                    </m:r>
+                                  </m:e>
+                                  <m:sub>
+                                    <m:r>
+                                      <a:rPr lang="pt-BR" sz="2600" i="1">
+                                        <a:latin typeface="Cambria Math" panose="02040503050406030204" pitchFamily="18" charset="0"/>
+                                      </a:rPr>
+                                      <m:t>1</m:t>
+                                    </m:r>
+                                  </m:sub>
+                                </m:sSub>
                                 <m:r>
                                   <a:rPr lang="pt-BR" sz="2600" i="1">
                                     <a:latin typeface="Cambria Math" panose="02040503050406030204" pitchFamily="18" charset="0"/>
                                   </a:rPr>
-                                  <m:t>0</m:t>
+                                  <m:t>,…,</m:t>
                                 </m:r>
-                              </m:sub>
-                            </m:sSub>
-                            <m:r>
-                              <a:rPr lang="pt-BR" sz="2600" i="1">
-                                <a:latin typeface="Cambria Math" panose="02040503050406030204" pitchFamily="18" charset="0"/>
-                              </a:rPr>
-                              <m:t>,</m:t>
-                            </m:r>
-                            <m:sSub>
-                              <m:sSubPr>
-                                <m:ctrlPr>
-                                  <a:rPr lang="pt-BR" sz="2600" i="1">
-                                    <a:latin typeface="Cambria Math" panose="02040503050406030204" pitchFamily="18" charset="0"/>
-                                  </a:rPr>
-                                </m:ctrlPr>
-                              </m:sSubPr>
-                              <m:e>
-                                <m:r>
-                                  <a:rPr lang="pt-BR" sz="2600" i="1">
-                                    <a:latin typeface="Cambria Math" panose="02040503050406030204" pitchFamily="18" charset="0"/>
-                                  </a:rPr>
-                                  <m:t>𝑥</m:t>
-                                </m:r>
+                                <m:sSub>
+                                  <m:sSubPr>
+                                    <m:ctrlPr>
+                                      <a:rPr lang="pt-BR" sz="2600" i="1">
+                                        <a:latin typeface="Cambria Math" panose="02040503050406030204" pitchFamily="18" charset="0"/>
+                                      </a:rPr>
+                                    </m:ctrlPr>
+                                  </m:sSubPr>
+                                  <m:e>
+                                    <m:r>
+                                      <a:rPr lang="pt-BR" sz="2600" i="1">
+                                        <a:latin typeface="Cambria Math" panose="02040503050406030204" pitchFamily="18" charset="0"/>
+                                      </a:rPr>
+                                      <m:t>𝑥</m:t>
+                                    </m:r>
+                                  </m:e>
+                                  <m:sub>
+                                    <m:r>
+                                      <a:rPr lang="pt-BR" sz="2600" i="1">
+                                        <a:latin typeface="Cambria Math" panose="02040503050406030204" pitchFamily="18" charset="0"/>
+                                      </a:rPr>
+                                      <m:t>𝐾</m:t>
+                                    </m:r>
+                                  </m:sub>
+                                </m:sSub>
                               </m:e>
-                              <m:sub>
-                                <m:r>
-                                  <a:rPr lang="pt-BR" sz="2600" i="1">
-                                    <a:latin typeface="Cambria Math" panose="02040503050406030204" pitchFamily="18" charset="0"/>
-                                  </a:rPr>
-                                  <m:t>1</m:t>
-                                </m:r>
-                              </m:sub>
-                            </m:sSub>
-                            <m:r>
-                              <a:rPr lang="pt-BR" sz="2600" i="1">
-                                <a:latin typeface="Cambria Math" panose="02040503050406030204" pitchFamily="18" charset="0"/>
-                              </a:rPr>
-                              <m:t>,…,</m:t>
-                            </m:r>
-                            <m:sSub>
-                              <m:sSubPr>
-                                <m:ctrlPr>
-                                  <a:rPr lang="pt-BR" sz="2600" i="1">
-                                    <a:latin typeface="Cambria Math" panose="02040503050406030204" pitchFamily="18" charset="0"/>
-                                  </a:rPr>
-                                </m:ctrlPr>
-                              </m:sSubPr>
-                              <m:e>
-                                <m:r>
-                                  <a:rPr lang="pt-BR" sz="2600" i="1">
-                                    <a:latin typeface="Cambria Math" panose="02040503050406030204" pitchFamily="18" charset="0"/>
-                                  </a:rPr>
-                                  <m:t>𝑥</m:t>
-                                </m:r>
-                              </m:e>
-                              <m:sub>
-                                <m:r>
-                                  <a:rPr lang="pt-BR" sz="2600" i="1">
-                                    <a:latin typeface="Cambria Math" panose="02040503050406030204" pitchFamily="18" charset="0"/>
-                                  </a:rPr>
-                                  <m:t>𝐾</m:t>
-                                </m:r>
-                              </m:sub>
-                            </m:sSub>
-                            <m:r>
-                              <a:rPr lang="pt-BR" sz="2600" i="1">
-                                <a:latin typeface="Cambria Math" panose="02040503050406030204" pitchFamily="18" charset="0"/>
-                                <a:ea typeface="Cambria Math" panose="02040503050406030204" pitchFamily="18" charset="0"/>
-                              </a:rPr>
-                              <m:t>)</m:t>
-                            </m:r>
+                            </m:d>
                           </m:num>
                           <m:den>
                             <m:r>
@@ -13811,214 +14048,6 @@
                           <a:rPr lang="pt-BR" sz="2600" i="1">
                             <a:latin typeface="Cambria Math" panose="02040503050406030204" pitchFamily="18" charset="0"/>
                           </a:rPr>
-                          <m:t>,</m:t>
-                        </m:r>
-                        <m:sSub>
-                          <m:sSubPr>
-                            <m:ctrlPr>
-                              <a:rPr lang="pt-BR" sz="2600" i="1">
-                                <a:latin typeface="Cambria Math" panose="02040503050406030204" pitchFamily="18" charset="0"/>
-                              </a:rPr>
-                            </m:ctrlPr>
-                          </m:sSubPr>
-                          <m:e>
-                            <m:r>
-                              <a:rPr lang="pt-BR" sz="2600" i="1">
-                                <a:latin typeface="Cambria Math" panose="02040503050406030204" pitchFamily="18" charset="0"/>
-                              </a:rPr>
-                              <m:t>𝑥</m:t>
-                            </m:r>
-                          </m:e>
-                          <m:sub>
-                            <m:r>
-                              <a:rPr lang="pt-BR" sz="2600" i="1">
-                                <a:latin typeface="Cambria Math" panose="02040503050406030204" pitchFamily="18" charset="0"/>
-                              </a:rPr>
-                              <m:t>1</m:t>
-                            </m:r>
-                          </m:sub>
-                        </m:sSub>
-                        <m:r>
-                          <a:rPr lang="pt-BR" sz="2600" b="0" i="1" smtClean="0">
-                            <a:latin typeface="Cambria Math" panose="02040503050406030204" pitchFamily="18" charset="0"/>
-                          </a:rPr>
-                          <m:t>+</m:t>
-                        </m:r>
-                        <m:r>
-                          <a:rPr lang="pt-BR" sz="2600" b="0" i="1" smtClean="0">
-                            <a:latin typeface="Cambria Math" panose="02040503050406030204" pitchFamily="18" charset="0"/>
-                            <a:ea typeface="Cambria Math" panose="02040503050406030204" pitchFamily="18" charset="0"/>
-                          </a:rPr>
-                          <m:t>𝛼</m:t>
-                        </m:r>
-                        <m:f>
-                          <m:fPr>
-                            <m:ctrlPr>
-                              <a:rPr lang="pt-BR" sz="2600" i="1">
-                                <a:latin typeface="Cambria Math" panose="02040503050406030204" pitchFamily="18" charset="0"/>
-                                <a:ea typeface="Cambria Math" panose="02040503050406030204" pitchFamily="18" charset="0"/>
-                              </a:rPr>
-                            </m:ctrlPr>
-                          </m:fPr>
-                          <m:num>
-                            <m:r>
-                              <a:rPr lang="pt-BR" sz="2600" i="1">
-                                <a:latin typeface="Cambria Math" panose="02040503050406030204" pitchFamily="18" charset="0"/>
-                                <a:ea typeface="Cambria Math" panose="02040503050406030204" pitchFamily="18" charset="0"/>
-                              </a:rPr>
-                              <m:t>𝜕</m:t>
-                            </m:r>
-                            <m:r>
-                              <a:rPr lang="pt-BR" sz="2600" i="1">
-                                <a:latin typeface="Cambria Math" panose="02040503050406030204" pitchFamily="18" charset="0"/>
-                                <a:ea typeface="Cambria Math" panose="02040503050406030204" pitchFamily="18" charset="0"/>
-                              </a:rPr>
-                              <m:t>𝑓</m:t>
-                            </m:r>
-                            <m:r>
-                              <a:rPr lang="pt-BR" sz="2600" i="1">
-                                <a:latin typeface="Cambria Math" panose="02040503050406030204" pitchFamily="18" charset="0"/>
-                                <a:ea typeface="Cambria Math" panose="02040503050406030204" pitchFamily="18" charset="0"/>
-                              </a:rPr>
-                              <m:t>(</m:t>
-                            </m:r>
-                            <m:sSub>
-                              <m:sSubPr>
-                                <m:ctrlPr>
-                                  <a:rPr lang="pt-BR" sz="2600" i="1">
-                                    <a:latin typeface="Cambria Math" panose="02040503050406030204" pitchFamily="18" charset="0"/>
-                                  </a:rPr>
-                                </m:ctrlPr>
-                              </m:sSubPr>
-                              <m:e>
-                                <m:r>
-                                  <a:rPr lang="pt-BR" sz="2600" i="1">
-                                    <a:latin typeface="Cambria Math" panose="02040503050406030204" pitchFamily="18" charset="0"/>
-                                  </a:rPr>
-                                  <m:t>𝑥</m:t>
-                                </m:r>
-                              </m:e>
-                              <m:sub>
-                                <m:r>
-                                  <a:rPr lang="pt-BR" sz="2600" i="1">
-                                    <a:latin typeface="Cambria Math" panose="02040503050406030204" pitchFamily="18" charset="0"/>
-                                  </a:rPr>
-                                  <m:t>0</m:t>
-                                </m:r>
-                              </m:sub>
-                            </m:sSub>
-                            <m:r>
-                              <a:rPr lang="pt-BR" sz="2600" i="1">
-                                <a:latin typeface="Cambria Math" panose="02040503050406030204" pitchFamily="18" charset="0"/>
-                              </a:rPr>
-                              <m:t>,</m:t>
-                            </m:r>
-                            <m:sSub>
-                              <m:sSubPr>
-                                <m:ctrlPr>
-                                  <a:rPr lang="pt-BR" sz="2600" i="1">
-                                    <a:latin typeface="Cambria Math" panose="02040503050406030204" pitchFamily="18" charset="0"/>
-                                  </a:rPr>
-                                </m:ctrlPr>
-                              </m:sSubPr>
-                              <m:e>
-                                <m:r>
-                                  <a:rPr lang="pt-BR" sz="2600" i="1">
-                                    <a:latin typeface="Cambria Math" panose="02040503050406030204" pitchFamily="18" charset="0"/>
-                                  </a:rPr>
-                                  <m:t>𝑥</m:t>
-                                </m:r>
-                              </m:e>
-                              <m:sub>
-                                <m:r>
-                                  <a:rPr lang="pt-BR" sz="2600" i="1">
-                                    <a:latin typeface="Cambria Math" panose="02040503050406030204" pitchFamily="18" charset="0"/>
-                                  </a:rPr>
-                                  <m:t>1</m:t>
-                                </m:r>
-                              </m:sub>
-                            </m:sSub>
-                            <m:r>
-                              <a:rPr lang="pt-BR" sz="2600" i="1">
-                                <a:latin typeface="Cambria Math" panose="02040503050406030204" pitchFamily="18" charset="0"/>
-                              </a:rPr>
-                              <m:t>,…,</m:t>
-                            </m:r>
-                            <m:sSub>
-                              <m:sSubPr>
-                                <m:ctrlPr>
-                                  <a:rPr lang="pt-BR" sz="2600" i="1">
-                                    <a:latin typeface="Cambria Math" panose="02040503050406030204" pitchFamily="18" charset="0"/>
-                                  </a:rPr>
-                                </m:ctrlPr>
-                              </m:sSubPr>
-                              <m:e>
-                                <m:r>
-                                  <a:rPr lang="pt-BR" sz="2600" i="1">
-                                    <a:latin typeface="Cambria Math" panose="02040503050406030204" pitchFamily="18" charset="0"/>
-                                  </a:rPr>
-                                  <m:t>𝑥</m:t>
-                                </m:r>
-                              </m:e>
-                              <m:sub>
-                                <m:r>
-                                  <a:rPr lang="pt-BR" sz="2600" i="1">
-                                    <a:latin typeface="Cambria Math" panose="02040503050406030204" pitchFamily="18" charset="0"/>
-                                  </a:rPr>
-                                  <m:t>𝐾</m:t>
-                                </m:r>
-                              </m:sub>
-                            </m:sSub>
-                            <m:r>
-                              <a:rPr lang="pt-BR" sz="2600" i="1">
-                                <a:latin typeface="Cambria Math" panose="02040503050406030204" pitchFamily="18" charset="0"/>
-                                <a:ea typeface="Cambria Math" panose="02040503050406030204" pitchFamily="18" charset="0"/>
-                              </a:rPr>
-                              <m:t>)</m:t>
-                            </m:r>
-                          </m:num>
-                          <m:den>
-                            <m:r>
-                              <a:rPr lang="pt-BR" sz="2600" i="1">
-                                <a:latin typeface="Cambria Math" panose="02040503050406030204" pitchFamily="18" charset="0"/>
-                                <a:ea typeface="Cambria Math" panose="02040503050406030204" pitchFamily="18" charset="0"/>
-                              </a:rPr>
-                              <m:t>𝜕</m:t>
-                            </m:r>
-                            <m:sSub>
-                              <m:sSubPr>
-                                <m:ctrlPr>
-                                  <a:rPr lang="pt-BR" sz="2600" i="1">
-                                    <a:latin typeface="Cambria Math" panose="02040503050406030204" pitchFamily="18" charset="0"/>
-                                    <a:ea typeface="Cambria Math" panose="02040503050406030204" pitchFamily="18" charset="0"/>
-                                  </a:rPr>
-                                </m:ctrlPr>
-                              </m:sSubPr>
-                              <m:e>
-                                <m:r>
-                                  <a:rPr lang="pt-BR" sz="2600" i="1">
-                                    <a:latin typeface="Cambria Math" panose="02040503050406030204" pitchFamily="18" charset="0"/>
-                                    <a:ea typeface="Cambria Math" panose="02040503050406030204" pitchFamily="18" charset="0"/>
-                                  </a:rPr>
-                                  <m:t>𝑥</m:t>
-                                </m:r>
-                              </m:e>
-                              <m:sub>
-                                <m:r>
-                                  <a:rPr lang="pt-BR" sz="2600" b="0" i="1" smtClean="0">
-                                    <a:latin typeface="Cambria Math" panose="02040503050406030204" pitchFamily="18" charset="0"/>
-                                    <a:ea typeface="Cambria Math" panose="02040503050406030204" pitchFamily="18" charset="0"/>
-                                  </a:rPr>
-                                  <m:t>1</m:t>
-                                </m:r>
-                              </m:sub>
-                            </m:sSub>
-                          </m:den>
-                        </m:f>
-                        <m:r>
-                          <a:rPr lang="pt-BR" sz="2600" i="1">
-                            <a:latin typeface="Cambria Math" panose="02040503050406030204" pitchFamily="18" charset="0"/>
-                          </a:rPr>
                           <m:t>,…,</m:t>
                         </m:r>
                         <m:sSub>
@@ -14050,7 +14079,7 @@
                           <a:rPr lang="pt-BR" sz="2600" b="0" i="1" smtClean="0">
                             <a:latin typeface="Cambria Math" panose="02040503050406030204" pitchFamily="18" charset="0"/>
                           </a:rPr>
-                          <m:t>+</m:t>
+                          <m:t>(0)+</m:t>
                         </m:r>
                         <m:r>
                           <a:rPr lang="pt-BR" sz="2600" b="0" i="1" smtClean="0">
@@ -14272,41 +14301,10 @@
                           </m:sub>
                         </m:sSub>
                         <m:r>
-                          <a:rPr lang="pt-BR" sz="2600" i="1">
+                          <a:rPr lang="pt-BR" sz="2600" b="0" i="1" smtClean="0">
                             <a:latin typeface="Cambria Math" panose="02040503050406030204" pitchFamily="18" charset="0"/>
                           </a:rPr>
-                          <m:t>,</m:t>
-                        </m:r>
-                        <m:sSub>
-                          <m:sSubPr>
-                            <m:ctrlPr>
-                              <a:rPr lang="pt-BR" sz="2600" i="1">
-                                <a:latin typeface="Cambria Math" panose="02040503050406030204" pitchFamily="18" charset="0"/>
-                              </a:rPr>
-                            </m:ctrlPr>
-                          </m:sSubPr>
-                          <m:e>
-                            <m:r>
-                              <a:rPr lang="pt-BR" sz="2600" i="1">
-                                <a:latin typeface="Cambria Math" panose="02040503050406030204" pitchFamily="18" charset="0"/>
-                              </a:rPr>
-                              <m:t>𝑥</m:t>
-                            </m:r>
-                          </m:e>
-                          <m:sub>
-                            <m:r>
-                              <a:rPr lang="pt-BR" sz="2600" i="1">
-                                <a:latin typeface="Cambria Math" panose="02040503050406030204" pitchFamily="18" charset="0"/>
-                              </a:rPr>
-                              <m:t>1</m:t>
-                            </m:r>
-                          </m:sub>
-                        </m:sSub>
-                        <m:r>
-                          <a:rPr lang="pt-BR" sz="2600" i="1">
-                            <a:latin typeface="Cambria Math" panose="02040503050406030204" pitchFamily="18" charset="0"/>
-                          </a:rPr>
-                          <m:t>,…,</m:t>
+                          <m:t>(0),…,</m:t>
                         </m:r>
                         <m:sSub>
                           <m:sSubPr>
@@ -14333,6 +14331,12 @@
                             </m:r>
                           </m:sub>
                         </m:sSub>
+                        <m:r>
+                          <a:rPr lang="pt-BR" sz="2600" b="0" i="1" smtClean="0">
+                            <a:latin typeface="Cambria Math" panose="02040503050406030204" pitchFamily="18" charset="0"/>
+                          </a:rPr>
+                          <m:t>(0)</m:t>
+                        </m:r>
                       </m:e>
                     </m:d>
                   </m:oMath>
@@ -14364,7 +14368,7 @@
               <a:blipFill rotWithShape="0">
                 <a:blip r:embed="rId3"/>
                 <a:stretch>
-                  <a:fillRect l="-711" t="-2968" r="-711"/>
+                  <a:fillRect l="-711" t="-2968" r="-1203"/>
                 </a:stretch>
               </a:blipFill>
             </p:spPr>
@@ -14439,7 +14443,11 @@
                 </a:r>
                 <a:r>
                   <a:rPr lang="pt-BR" sz="1400" dirty="0"/>
-                  <a:t>a magnitude e a direção em que a função, </a:t>
+                  <a:t>a magnitude e a direção em que a função,</a:t>
+                </a:r>
+                <a:r>
+                  <a:rPr lang="pt-BR" sz="1400" i="1" dirty="0"/>
+                  <a:t> </a:t>
                 </a:r>
                 <a14:m>
                   <m:oMath xmlns:m="http://schemas.openxmlformats.org/officeDocument/2006/math">
@@ -14471,36 +14479,32 @@
                   <a:t>O </a:t>
                 </a:r>
                 <a:r>
-                  <a:rPr lang="pt-BR" sz="1400" i="1" dirty="0"/>
-                  <a:t>vetor gradiente</a:t>
-                </a:r>
-                <a:r>
                   <a:rPr lang="pt-BR" sz="1400" dirty="0"/>
-                  <a:t> em um </a:t>
-                </a:r>
-                <a:r>
-                  <a:rPr lang="pt-BR" sz="1400" i="1" dirty="0"/>
-                  <a:t>ponto </a:t>
-                </a:r>
-                <a:r>
-                  <a:rPr lang="pt-BR" sz="1400" i="1" dirty="0" smtClean="0"/>
-                  <a:t>específico </a:t>
+                  <a:t>vetor gradiente em um ponto </a:t>
                 </a:r>
                 <a:r>
                   <a:rPr lang="pt-BR" sz="1400" dirty="0" smtClean="0"/>
-                  <a:t>é </a:t>
+                  <a:t>específico é </a:t>
                 </a:r>
                 <a:r>
                   <a:rPr lang="pt-BR" sz="1400" dirty="0"/>
                   <a:t>um </a:t>
                 </a:r>
                 <a:r>
-                  <a:rPr lang="pt-BR" sz="1400" i="1" dirty="0"/>
-                  <a:t>vetor ortogonal ao vetor tangente</a:t>
+                  <a:rPr lang="pt-BR" sz="1400" b="1" dirty="0"/>
+                  <a:t>vetor </a:t>
+                </a:r>
+                <a:r>
+                  <a:rPr lang="pt-BR" sz="1400" b="1" dirty="0" smtClean="0"/>
+                  <a:t>ortogonal</a:t>
+                </a:r>
+                <a:r>
+                  <a:rPr lang="pt-BR" sz="1400" dirty="0" smtClean="0"/>
+                  <a:t> à reta tangente </a:t>
                 </a:r>
                 <a:r>
                   <a:rPr lang="pt-BR" sz="1400" dirty="0"/>
-                  <a:t> àquele </a:t>
+                  <a:t>àquele </a:t>
                 </a:r>
                 <a:r>
                   <a:rPr lang="pt-BR" sz="1400" dirty="0" smtClean="0"/>
@@ -14582,7 +14586,7 @@
     </p:spTree>
     <p:extLst>
       <p:ext uri="{BB962C8B-B14F-4D97-AF65-F5344CB8AC3E}">
-        <p14:creationId xmlns:p14="http://schemas.microsoft.com/office/powerpoint/2010/main" val="173754472"/>
+        <p14:creationId xmlns:p14="http://schemas.microsoft.com/office/powerpoint/2010/main" val="2261244498"/>
       </p:ext>
     </p:extLst>
   </p:cSld>
@@ -14921,50 +14925,7 @@
                 </a14:m>
                 <a:r>
                   <a:rPr lang="pt-BR" dirty="0" smtClean="0"/>
-                  <a:t>. </a:t>
-                </a:r>
-                <a:endParaRPr lang="pt-BR" dirty="0"/>
-              </a:p>
-              <a:p>
-                <a:r>
-                  <a:rPr lang="pt-BR" dirty="0"/>
-                  <a:t>Assim, </a:t>
-                </a:r>
-                <a:r>
-                  <a:rPr lang="pt-BR" dirty="0" smtClean="0"/>
-                  <a:t>um </a:t>
-                </a:r>
-                <a:r>
-                  <a:rPr lang="pt-BR" dirty="0"/>
-                  <a:t>algoritmo de otimização </a:t>
-                </a:r>
-                <a:r>
-                  <a:rPr lang="pt-BR" b="1" i="1" dirty="0"/>
-                  <a:t>iterativo</a:t>
-                </a:r>
-                <a:r>
-                  <a:rPr lang="pt-BR" dirty="0"/>
-                  <a:t> </a:t>
-                </a:r>
-                <a:r>
-                  <a:rPr lang="pt-BR" dirty="0" smtClean="0"/>
-                  <a:t>que siga a direção indicada pelo </a:t>
-                </a:r>
-                <a:r>
-                  <a:rPr lang="pt-BR" b="1" i="1" dirty="0" smtClean="0"/>
-                  <a:t>vetor gradient</a:t>
-                </a:r>
-                <a:r>
-                  <a:rPr lang="pt-BR" dirty="0" smtClean="0"/>
-                  <a:t>e para encontrar o </a:t>
-                </a:r>
-                <a:r>
-                  <a:rPr lang="pt-BR" b="1" i="1" dirty="0" smtClean="0"/>
-                  <a:t>ponto de máximo </a:t>
-                </a:r>
-                <a:r>
-                  <a:rPr lang="pt-BR" dirty="0" smtClean="0"/>
-                  <a:t>de uma função </a:t>
+                  <a:t> ou </a:t>
                 </a:r>
                 <a14:m>
                   <m:oMath xmlns:m="http://schemas.openxmlformats.org/officeDocument/2006/math">
@@ -14983,98 +14944,91 @@
                         </m:ctrlPr>
                       </m:dPr>
                       <m:e>
-                        <m:sSub>
-                          <m:sSubPr>
-                            <m:ctrlPr>
-                              <a:rPr lang="pt-BR" i="1">
-                                <a:latin typeface="Cambria Math" panose="02040503050406030204" pitchFamily="18" charset="0"/>
-                              </a:rPr>
-                            </m:ctrlPr>
-                          </m:sSubPr>
-                          <m:e>
-                            <m:r>
-                              <a:rPr lang="pt-BR" i="1">
-                                <a:latin typeface="Cambria Math" panose="02040503050406030204" pitchFamily="18" charset="0"/>
-                              </a:rPr>
-                              <m:t>𝑥</m:t>
-                            </m:r>
-                          </m:e>
-                          <m:sub>
-                            <m:r>
-                              <a:rPr lang="pt-BR" i="1">
-                                <a:latin typeface="Cambria Math" panose="02040503050406030204" pitchFamily="18" charset="0"/>
-                              </a:rPr>
-                              <m:t>0</m:t>
-                            </m:r>
-                          </m:sub>
-                        </m:sSub>
                         <m:r>
-                          <a:rPr lang="pt-BR" i="1">
+                          <a:rPr lang="pt-BR" b="1" i="1">
                             <a:latin typeface="Cambria Math" panose="02040503050406030204" pitchFamily="18" charset="0"/>
                           </a:rPr>
-                          <m:t>,</m:t>
+                          <m:t>𝒙</m:t>
                         </m:r>
-                        <m:sSub>
-                          <m:sSubPr>
-                            <m:ctrlPr>
-                              <a:rPr lang="pt-BR" i="1">
-                                <a:latin typeface="Cambria Math" panose="02040503050406030204" pitchFamily="18" charset="0"/>
-                              </a:rPr>
-                            </m:ctrlPr>
-                          </m:sSubPr>
-                          <m:e>
-                            <m:r>
-                              <a:rPr lang="pt-BR" i="1">
-                                <a:latin typeface="Cambria Math" panose="02040503050406030204" pitchFamily="18" charset="0"/>
-                              </a:rPr>
-                              <m:t>𝑥</m:t>
-                            </m:r>
-                          </m:e>
-                          <m:sub>
-                            <m:r>
-                              <a:rPr lang="pt-BR" i="1">
-                                <a:latin typeface="Cambria Math" panose="02040503050406030204" pitchFamily="18" charset="0"/>
-                              </a:rPr>
-                              <m:t>1</m:t>
-                            </m:r>
-                          </m:sub>
-                        </m:sSub>
-                        <m:r>
-                          <a:rPr lang="pt-BR" i="1">
-                            <a:latin typeface="Cambria Math" panose="02040503050406030204" pitchFamily="18" charset="0"/>
-                          </a:rPr>
-                          <m:t>,…,</m:t>
-                        </m:r>
-                        <m:sSub>
-                          <m:sSubPr>
-                            <m:ctrlPr>
-                              <a:rPr lang="pt-BR" i="1">
-                                <a:latin typeface="Cambria Math" panose="02040503050406030204" pitchFamily="18" charset="0"/>
-                              </a:rPr>
-                            </m:ctrlPr>
-                          </m:sSubPr>
-                          <m:e>
-                            <m:r>
-                              <a:rPr lang="pt-BR" i="1">
-                                <a:latin typeface="Cambria Math" panose="02040503050406030204" pitchFamily="18" charset="0"/>
-                              </a:rPr>
-                              <m:t>𝑥</m:t>
-                            </m:r>
-                          </m:e>
-                          <m:sub>
-                            <m:r>
-                              <a:rPr lang="pt-BR" i="1">
-                                <a:latin typeface="Cambria Math" panose="02040503050406030204" pitchFamily="18" charset="0"/>
-                              </a:rPr>
-                              <m:t>𝐾</m:t>
-                            </m:r>
-                          </m:sub>
-                        </m:sSub>
                       </m:e>
                     </m:d>
                   </m:oMath>
                 </a14:m>
                 <a:r>
+                  <a:rPr lang="pt-BR" dirty="0" smtClean="0"/>
+                  <a:t> em forma vetorial. </a:t>
+                </a:r>
+                <a:endParaRPr lang="pt-BR" dirty="0"/>
+              </a:p>
+              <a:p>
+                <a:r>
+                  <a:rPr lang="pt-BR" dirty="0"/>
+                  <a:t>Assim, </a:t>
+                </a:r>
+                <a:r>
+                  <a:rPr lang="pt-BR" dirty="0" smtClean="0"/>
+                  <a:t>um </a:t>
+                </a:r>
+                <a:r>
+                  <a:rPr lang="pt-BR" dirty="0"/>
+                  <a:t>algoritmo de otimização </a:t>
+                </a:r>
+                <a:r>
+                  <a:rPr lang="pt-BR" b="1" i="1" dirty="0"/>
+                  <a:t>iterativo</a:t>
+                </a:r>
+                <a:r>
+                  <a:rPr lang="pt-BR" dirty="0"/>
+                  <a:t> </a:t>
+                </a:r>
+                <a:r>
+                  <a:rPr lang="pt-BR" dirty="0" smtClean="0"/>
+                  <a:t>que siga a direção indicada pelo </a:t>
+                </a:r>
+                <a:r>
+                  <a:rPr lang="pt-BR" b="1" i="1" dirty="0" smtClean="0"/>
+                  <a:t>vetor gradiente</a:t>
+                </a:r>
+                <a:r>
+                  <a:rPr lang="pt-BR" dirty="0" smtClean="0"/>
+                  <a:t> para encontrar o </a:t>
+                </a:r>
+                <a:r>
+                  <a:rPr lang="pt-BR" b="1" i="1" dirty="0" smtClean="0"/>
+                  <a:t>ponto de máximo </a:t>
+                </a:r>
+                <a:r>
+                  <a:rPr lang="pt-BR" dirty="0" smtClean="0"/>
+                  <a:t>de uma função </a:t>
+                </a:r>
+                <a14:m>
+                  <m:oMath xmlns:m="http://schemas.openxmlformats.org/officeDocument/2006/math">
+                    <m:r>
+                      <a:rPr lang="pt-BR" i="1">
+                        <a:latin typeface="Cambria Math" panose="02040503050406030204" pitchFamily="18" charset="0"/>
+                      </a:rPr>
+                      <m:t>𝑓</m:t>
+                    </m:r>
+                    <m:d>
+                      <m:dPr>
+                        <m:ctrlPr>
+                          <a:rPr lang="pt-BR" i="1">
+                            <a:latin typeface="Cambria Math" panose="02040503050406030204" pitchFamily="18" charset="0"/>
+                          </a:rPr>
+                        </m:ctrlPr>
+                      </m:dPr>
+                      <m:e>
+                        <m:r>
+                          <a:rPr lang="pt-BR" b="1" i="1">
+                            <a:latin typeface="Cambria Math" panose="02040503050406030204" pitchFamily="18" charset="0"/>
+                          </a:rPr>
+                          <m:t>𝒙</m:t>
+                        </m:r>
+                      </m:e>
+                    </m:d>
+                  </m:oMath>
+                </a14:m>
+                <a:r>
                   <a:rPr lang="pt-BR" dirty="0"/>
                   <a:t> é conhecido como </a:t>
                 </a:r>
@@ -15094,7 +15048,7 @@
               <a:p>
                 <a:r>
                   <a:rPr lang="pt-BR" dirty="0" smtClean="0"/>
-                  <a:t>A cada iteração, calcula-se o </a:t>
+                  <a:t>A cada iteração, o algoritmo calcula o </a:t>
                 </a:r>
                 <a:r>
                   <a:rPr lang="pt-BR" b="1" i="1" dirty="0" smtClean="0"/>
@@ -15170,7 +15124,7 @@
                 </a14:m>
                 <a:r>
                   <a:rPr lang="pt-BR" dirty="0" smtClean="0"/>
-                  <a:t>, e atualiza-se os valores dos argumentos da função de tal forma, que a cada </a:t>
+                  <a:t>, e atualiza os valores dos argumentos da função de tal forma, que a cada </a:t>
                 </a:r>
                 <a:r>
                   <a:rPr lang="pt-BR" b="1" i="1" dirty="0" smtClean="0"/>
@@ -15421,7 +15375,7 @@
               <a:blipFill rotWithShape="0">
                 <a:blip r:embed="rId3"/>
                 <a:stretch>
-                  <a:fillRect l="-872" t="-2561" r="-1090"/>
+                  <a:fillRect l="-872" t="-2561"/>
                 </a:stretch>
               </a:blipFill>
             </p:spPr>
@@ -15613,7 +15567,11 @@
             </a:pPr>
             <a:r>
               <a:rPr lang="pt-BR" sz="1400" dirty="0"/>
-              <a:t>A derivada parcial </a:t>
+              <a:t>A </a:t>
+            </a:r>
+            <a:r>
+              <a:rPr lang="pt-BR" sz="1400" b="1" i="1" dirty="0"/>
+              <a:t>derivada parcial </a:t>
             </a:r>
             <a:r>
               <a:rPr lang="pt-BR" sz="1400" dirty="0" smtClean="0"/>
@@ -15621,7 +15579,23 @@
             </a:r>
             <a:r>
               <a:rPr lang="pt-BR" sz="1400" dirty="0"/>
-              <a:t>a inclinação da reta tangente ao ponto.</a:t>
+              <a:t>a </a:t>
+            </a:r>
+            <a:r>
+              <a:rPr lang="pt-BR" sz="1400" b="1" i="1" dirty="0"/>
+              <a:t>inclinação</a:t>
+            </a:r>
+            <a:r>
+              <a:rPr lang="pt-BR" sz="1400" dirty="0"/>
+              <a:t> da </a:t>
+            </a:r>
+            <a:r>
+              <a:rPr lang="pt-BR" sz="1400" b="1" i="1" dirty="0"/>
+              <a:t>reta tangente</a:t>
+            </a:r>
+            <a:r>
+              <a:rPr lang="pt-BR" sz="1400" dirty="0"/>
+              <a:t> ao ponto.</a:t>
             </a:r>
           </a:p>
         </p:txBody>
@@ -15699,19 +15673,27 @@
             </p:nvSpPr>
             <p:spPr>
               <a:xfrm>
-                <a:off x="838200" y="2033142"/>
+                <a:off x="838200" y="2109342"/>
                 <a:ext cx="11170920" cy="4748658"/>
               </a:xfrm>
             </p:spPr>
             <p:txBody>
               <a:bodyPr>
-                <a:normAutofit fontScale="92500"/>
+                <a:normAutofit lnSpcReduction="10000"/>
               </a:bodyPr>
               <a:lstStyle/>
               <a:p>
                 <a:r>
                   <a:rPr lang="pt-BR" dirty="0" smtClean="0"/>
-                  <a:t>Mas e se formos na direção contrária à </a:t>
+                  <a:t>Mas e se formos na </a:t>
+                </a:r>
+                <a:r>
+                  <a:rPr lang="pt-BR" b="1" i="1" dirty="0" smtClean="0"/>
+                  <a:t>direção contrária </a:t>
+                </a:r>
+                <a:r>
+                  <a:rPr lang="pt-BR" dirty="0" smtClean="0"/>
+                  <a:t>a </a:t>
                 </a:r>
                 <a:r>
                   <a:rPr lang="pt-BR" dirty="0"/>
@@ -15756,93 +15738,12 @@
                       </a:rPr>
                       <m:t>(</m:t>
                     </m:r>
-                    <m:sSub>
-                      <m:sSubPr>
-                        <m:ctrlPr>
-                          <a:rPr lang="pt-BR" i="1">
-                            <a:latin typeface="Cambria Math" panose="02040503050406030204" pitchFamily="18" charset="0"/>
-                          </a:rPr>
-                        </m:ctrlPr>
-                      </m:sSubPr>
-                      <m:e>
-                        <m:r>
-                          <a:rPr lang="pt-BR" i="1">
-                            <a:latin typeface="Cambria Math" panose="02040503050406030204" pitchFamily="18" charset="0"/>
-                          </a:rPr>
-                          <m:t>𝑥</m:t>
-                        </m:r>
-                      </m:e>
-                      <m:sub>
-                        <m:r>
-                          <a:rPr lang="pt-BR" i="1">
-                            <a:latin typeface="Cambria Math" panose="02040503050406030204" pitchFamily="18" charset="0"/>
-                          </a:rPr>
-                          <m:t>0</m:t>
-                        </m:r>
-                      </m:sub>
-                    </m:sSub>
                     <m:r>
-                      <a:rPr lang="pt-BR" i="1">
+                      <a:rPr lang="pt-BR" b="1" i="1" smtClean="0">
                         <a:latin typeface="Cambria Math" panose="02040503050406030204" pitchFamily="18" charset="0"/>
                       </a:rPr>
-                      <m:t>,</m:t>
+                      <m:t>𝒙</m:t>
                     </m:r>
-                    <m:sSub>
-                      <m:sSubPr>
-                        <m:ctrlPr>
-                          <a:rPr lang="pt-BR" i="1">
-                            <a:latin typeface="Cambria Math" panose="02040503050406030204" pitchFamily="18" charset="0"/>
-                          </a:rPr>
-                        </m:ctrlPr>
-                      </m:sSubPr>
-                      <m:e>
-                        <m:r>
-                          <a:rPr lang="pt-BR" i="1">
-                            <a:latin typeface="Cambria Math" panose="02040503050406030204" pitchFamily="18" charset="0"/>
-                          </a:rPr>
-                          <m:t>𝑥</m:t>
-                        </m:r>
-                      </m:e>
-                      <m:sub>
-                        <m:r>
-                          <a:rPr lang="pt-BR" i="1">
-                            <a:latin typeface="Cambria Math" panose="02040503050406030204" pitchFamily="18" charset="0"/>
-                          </a:rPr>
-                          <m:t>1</m:t>
-                        </m:r>
-                      </m:sub>
-                    </m:sSub>
-                    <m:r>
-                      <a:rPr lang="pt-BR" i="1">
-                        <a:latin typeface="Cambria Math" panose="02040503050406030204" pitchFamily="18" charset="0"/>
-                      </a:rPr>
-                      <m:t>,…,</m:t>
-                    </m:r>
-                    <m:sSub>
-                      <m:sSubPr>
-                        <m:ctrlPr>
-                          <a:rPr lang="pt-BR" i="1">
-                            <a:latin typeface="Cambria Math" panose="02040503050406030204" pitchFamily="18" charset="0"/>
-                          </a:rPr>
-                        </m:ctrlPr>
-                      </m:sSubPr>
-                      <m:e>
-                        <m:r>
-                          <a:rPr lang="pt-BR" i="1">
-                            <a:latin typeface="Cambria Math" panose="02040503050406030204" pitchFamily="18" charset="0"/>
-                          </a:rPr>
-                          <m:t>𝑥</m:t>
-                        </m:r>
-                      </m:e>
-                      <m:sub>
-                        <m:r>
-                          <a:rPr lang="pt-BR" i="1">
-                            <a:latin typeface="Cambria Math" panose="02040503050406030204" pitchFamily="18" charset="0"/>
-                          </a:rPr>
-                          <m:t>𝐾</m:t>
-                        </m:r>
-                      </m:sub>
-                    </m:sSub>
                     <m:r>
                       <a:rPr lang="pt-BR" i="1">
                         <a:latin typeface="Cambria Math" panose="02040503050406030204" pitchFamily="18" charset="0"/>
@@ -15886,93 +15787,12 @@
                       </a:rPr>
                       <m:t>(</m:t>
                     </m:r>
-                    <m:sSub>
-                      <m:sSubPr>
-                        <m:ctrlPr>
-                          <a:rPr lang="pt-BR" i="1">
-                            <a:latin typeface="Cambria Math" panose="02040503050406030204" pitchFamily="18" charset="0"/>
-                          </a:rPr>
-                        </m:ctrlPr>
-                      </m:sSubPr>
-                      <m:e>
-                        <m:r>
-                          <a:rPr lang="pt-BR" i="1">
-                            <a:latin typeface="Cambria Math" panose="02040503050406030204" pitchFamily="18" charset="0"/>
-                          </a:rPr>
-                          <m:t>𝑥</m:t>
-                        </m:r>
-                      </m:e>
-                      <m:sub>
-                        <m:r>
-                          <a:rPr lang="pt-BR" i="1">
-                            <a:latin typeface="Cambria Math" panose="02040503050406030204" pitchFamily="18" charset="0"/>
-                          </a:rPr>
-                          <m:t>0</m:t>
-                        </m:r>
-                      </m:sub>
-                    </m:sSub>
                     <m:r>
-                      <a:rPr lang="pt-BR" i="1">
+                      <a:rPr lang="pt-BR" b="1" i="1" smtClean="0">
                         <a:latin typeface="Cambria Math" panose="02040503050406030204" pitchFamily="18" charset="0"/>
                       </a:rPr>
-                      <m:t>,</m:t>
+                      <m:t>𝒙</m:t>
                     </m:r>
-                    <m:sSub>
-                      <m:sSubPr>
-                        <m:ctrlPr>
-                          <a:rPr lang="pt-BR" i="1">
-                            <a:latin typeface="Cambria Math" panose="02040503050406030204" pitchFamily="18" charset="0"/>
-                          </a:rPr>
-                        </m:ctrlPr>
-                      </m:sSubPr>
-                      <m:e>
-                        <m:r>
-                          <a:rPr lang="pt-BR" i="1">
-                            <a:latin typeface="Cambria Math" panose="02040503050406030204" pitchFamily="18" charset="0"/>
-                          </a:rPr>
-                          <m:t>𝑥</m:t>
-                        </m:r>
-                      </m:e>
-                      <m:sub>
-                        <m:r>
-                          <a:rPr lang="pt-BR" i="1">
-                            <a:latin typeface="Cambria Math" panose="02040503050406030204" pitchFamily="18" charset="0"/>
-                          </a:rPr>
-                          <m:t>1</m:t>
-                        </m:r>
-                      </m:sub>
-                    </m:sSub>
-                    <m:r>
-                      <a:rPr lang="pt-BR" i="1">
-                        <a:latin typeface="Cambria Math" panose="02040503050406030204" pitchFamily="18" charset="0"/>
-                      </a:rPr>
-                      <m:t>,…,</m:t>
-                    </m:r>
-                    <m:sSub>
-                      <m:sSubPr>
-                        <m:ctrlPr>
-                          <a:rPr lang="pt-BR" i="1">
-                            <a:latin typeface="Cambria Math" panose="02040503050406030204" pitchFamily="18" charset="0"/>
-                          </a:rPr>
-                        </m:ctrlPr>
-                      </m:sSubPr>
-                      <m:e>
-                        <m:r>
-                          <a:rPr lang="pt-BR" i="1">
-                            <a:latin typeface="Cambria Math" panose="02040503050406030204" pitchFamily="18" charset="0"/>
-                          </a:rPr>
-                          <m:t>𝑥</m:t>
-                        </m:r>
-                      </m:e>
-                      <m:sub>
-                        <m:r>
-                          <a:rPr lang="pt-BR" i="1">
-                            <a:latin typeface="Cambria Math" panose="02040503050406030204" pitchFamily="18" charset="0"/>
-                          </a:rPr>
-                          <m:t>𝐾</m:t>
-                        </m:r>
-                      </m:sub>
-                    </m:sSub>
                     <m:r>
                       <a:rPr lang="pt-BR" i="1">
                         <a:latin typeface="Cambria Math" panose="02040503050406030204" pitchFamily="18" charset="0"/>
@@ -15989,12 +15809,16 @@
               </a:p>
               <a:p>
                 <a:pPr lvl="1">
-                  <a:buFont typeface="Courier New" panose="02070309020205020404" pitchFamily="49" charset="0"/>
-                  <a:buChar char="o"/>
+                  <a:buFont typeface="Wingdings" panose="05000000000000000000" pitchFamily="2" charset="2"/>
+                  <a:buChar char="§"/>
                 </a:pPr>
                 <a:r>
+                  <a:rPr lang="pt-BR" dirty="0" smtClean="0"/>
+                  <a:t>Neste </a:t>
+                </a:r>
+                <a:r>
                   <a:rPr lang="pt-BR" dirty="0"/>
-                  <a:t>Nesta caso, iremos na direção de </a:t>
+                  <a:t>caso, iremos na direção de </a:t>
                 </a:r>
                 <a:r>
                   <a:rPr lang="pt-BR" b="1" dirty="0"/>
@@ -16018,93 +15842,12 @@
                       </a:rPr>
                       <m:t>(</m:t>
                     </m:r>
-                    <m:sSub>
-                      <m:sSubPr>
-                        <m:ctrlPr>
-                          <a:rPr lang="pt-BR" i="1">
-                            <a:latin typeface="Cambria Math" panose="02040503050406030204" pitchFamily="18" charset="0"/>
-                          </a:rPr>
-                        </m:ctrlPr>
-                      </m:sSubPr>
-                      <m:e>
-                        <m:r>
-                          <a:rPr lang="pt-BR" i="1">
-                            <a:latin typeface="Cambria Math" panose="02040503050406030204" pitchFamily="18" charset="0"/>
-                          </a:rPr>
-                          <m:t>𝑥</m:t>
-                        </m:r>
-                      </m:e>
-                      <m:sub>
-                        <m:r>
-                          <a:rPr lang="pt-BR" i="1">
-                            <a:latin typeface="Cambria Math" panose="02040503050406030204" pitchFamily="18" charset="0"/>
-                          </a:rPr>
-                          <m:t>0</m:t>
-                        </m:r>
-                      </m:sub>
-                    </m:sSub>
                     <m:r>
-                      <a:rPr lang="pt-BR" i="1">
+                      <a:rPr lang="pt-BR" b="1" i="1" smtClean="0">
                         <a:latin typeface="Cambria Math" panose="02040503050406030204" pitchFamily="18" charset="0"/>
                       </a:rPr>
-                      <m:t>,</m:t>
+                      <m:t>𝒙</m:t>
                     </m:r>
-                    <m:sSub>
-                      <m:sSubPr>
-                        <m:ctrlPr>
-                          <a:rPr lang="pt-BR" i="1">
-                            <a:latin typeface="Cambria Math" panose="02040503050406030204" pitchFamily="18" charset="0"/>
-                          </a:rPr>
-                        </m:ctrlPr>
-                      </m:sSubPr>
-                      <m:e>
-                        <m:r>
-                          <a:rPr lang="pt-BR" i="1">
-                            <a:latin typeface="Cambria Math" panose="02040503050406030204" pitchFamily="18" charset="0"/>
-                          </a:rPr>
-                          <m:t>𝑥</m:t>
-                        </m:r>
-                      </m:e>
-                      <m:sub>
-                        <m:r>
-                          <a:rPr lang="pt-BR" i="1">
-                            <a:latin typeface="Cambria Math" panose="02040503050406030204" pitchFamily="18" charset="0"/>
-                          </a:rPr>
-                          <m:t>1</m:t>
-                        </m:r>
-                      </m:sub>
-                    </m:sSub>
-                    <m:r>
-                      <a:rPr lang="pt-BR" i="1">
-                        <a:latin typeface="Cambria Math" panose="02040503050406030204" pitchFamily="18" charset="0"/>
-                      </a:rPr>
-                      <m:t>,…,</m:t>
-                    </m:r>
-                    <m:sSub>
-                      <m:sSubPr>
-                        <m:ctrlPr>
-                          <a:rPr lang="pt-BR" i="1">
-                            <a:latin typeface="Cambria Math" panose="02040503050406030204" pitchFamily="18" charset="0"/>
-                          </a:rPr>
-                        </m:ctrlPr>
-                      </m:sSubPr>
-                      <m:e>
-                        <m:r>
-                          <a:rPr lang="pt-BR" i="1">
-                            <a:latin typeface="Cambria Math" panose="02040503050406030204" pitchFamily="18" charset="0"/>
-                          </a:rPr>
-                          <m:t>𝑥</m:t>
-                        </m:r>
-                      </m:e>
-                      <m:sub>
-                        <m:r>
-                          <a:rPr lang="pt-BR" i="1">
-                            <a:latin typeface="Cambria Math" panose="02040503050406030204" pitchFamily="18" charset="0"/>
-                          </a:rPr>
-                          <m:t>𝐾</m:t>
-                        </m:r>
-                      </m:sub>
-                    </m:sSub>
                     <m:r>
                       <a:rPr lang="pt-BR" i="1">
                         <a:latin typeface="Cambria Math" panose="02040503050406030204" pitchFamily="18" charset="0"/>
@@ -16169,93 +15912,12 @@
                       </a:rPr>
                       <m:t>(</m:t>
                     </m:r>
-                    <m:sSub>
-                      <m:sSubPr>
-                        <m:ctrlPr>
-                          <a:rPr lang="pt-BR" i="1">
-                            <a:latin typeface="Cambria Math" panose="02040503050406030204" pitchFamily="18" charset="0"/>
-                          </a:rPr>
-                        </m:ctrlPr>
-                      </m:sSubPr>
-                      <m:e>
-                        <m:r>
-                          <a:rPr lang="pt-BR" i="1">
-                            <a:latin typeface="Cambria Math" panose="02040503050406030204" pitchFamily="18" charset="0"/>
-                          </a:rPr>
-                          <m:t>𝑥</m:t>
-                        </m:r>
-                      </m:e>
-                      <m:sub>
-                        <m:r>
-                          <a:rPr lang="pt-BR" i="1">
-                            <a:latin typeface="Cambria Math" panose="02040503050406030204" pitchFamily="18" charset="0"/>
-                          </a:rPr>
-                          <m:t>0</m:t>
-                        </m:r>
-                      </m:sub>
-                    </m:sSub>
                     <m:r>
-                      <a:rPr lang="pt-BR" i="1">
+                      <a:rPr lang="pt-BR" b="1" i="1" smtClean="0">
                         <a:latin typeface="Cambria Math" panose="02040503050406030204" pitchFamily="18" charset="0"/>
                       </a:rPr>
-                      <m:t>,</m:t>
+                      <m:t>𝒙</m:t>
                     </m:r>
-                    <m:sSub>
-                      <m:sSubPr>
-                        <m:ctrlPr>
-                          <a:rPr lang="pt-BR" i="1">
-                            <a:latin typeface="Cambria Math" panose="02040503050406030204" pitchFamily="18" charset="0"/>
-                          </a:rPr>
-                        </m:ctrlPr>
-                      </m:sSubPr>
-                      <m:e>
-                        <m:r>
-                          <a:rPr lang="pt-BR" i="1">
-                            <a:latin typeface="Cambria Math" panose="02040503050406030204" pitchFamily="18" charset="0"/>
-                          </a:rPr>
-                          <m:t>𝑥</m:t>
-                        </m:r>
-                      </m:e>
-                      <m:sub>
-                        <m:r>
-                          <a:rPr lang="pt-BR" i="1">
-                            <a:latin typeface="Cambria Math" panose="02040503050406030204" pitchFamily="18" charset="0"/>
-                          </a:rPr>
-                          <m:t>1</m:t>
-                        </m:r>
-                      </m:sub>
-                    </m:sSub>
-                    <m:r>
-                      <a:rPr lang="pt-BR" i="1">
-                        <a:latin typeface="Cambria Math" panose="02040503050406030204" pitchFamily="18" charset="0"/>
-                      </a:rPr>
-                      <m:t>,…,</m:t>
-                    </m:r>
-                    <m:sSub>
-                      <m:sSubPr>
-                        <m:ctrlPr>
-                          <a:rPr lang="pt-BR" i="1">
-                            <a:latin typeface="Cambria Math" panose="02040503050406030204" pitchFamily="18" charset="0"/>
-                          </a:rPr>
-                        </m:ctrlPr>
-                      </m:sSubPr>
-                      <m:e>
-                        <m:r>
-                          <a:rPr lang="pt-BR" i="1">
-                            <a:latin typeface="Cambria Math" panose="02040503050406030204" pitchFamily="18" charset="0"/>
-                          </a:rPr>
-                          <m:t>𝑥</m:t>
-                        </m:r>
-                      </m:e>
-                      <m:sub>
-                        <m:r>
-                          <a:rPr lang="pt-BR" i="1">
-                            <a:latin typeface="Cambria Math" panose="02040503050406030204" pitchFamily="18" charset="0"/>
-                          </a:rPr>
-                          <m:t>𝐾</m:t>
-                        </m:r>
-                      </m:sub>
-                    </m:sSub>
                     <m:r>
                       <a:rPr lang="pt-BR" i="1">
                         <a:latin typeface="Cambria Math" panose="02040503050406030204" pitchFamily="18" charset="0"/>
@@ -16280,7 +15942,15 @@
               <a:p>
                 <a:r>
                   <a:rPr lang="pt-BR" dirty="0"/>
-                  <a:t>A cada iteração, calcula-se o </a:t>
+                  <a:t>A cada iteração, </a:t>
+                </a:r>
+                <a:r>
+                  <a:rPr lang="pt-BR" dirty="0" smtClean="0"/>
+                  <a:t>o algoritmo calcula </a:t>
+                </a:r>
+                <a:r>
+                  <a:rPr lang="pt-BR" dirty="0"/>
+                  <a:t>o </a:t>
                 </a:r>
                 <a:r>
                   <a:rPr lang="pt-BR" b="1" i="1" dirty="0"/>
@@ -16352,7 +16022,15 @@
                 </a14:m>
                 <a:r>
                   <a:rPr lang="pt-BR" dirty="0"/>
-                  <a:t>, e atualiza-se os valores dos argumentos da função de tal forma, que a cada </a:t>
+                  <a:t>, e </a:t>
+                </a:r>
+                <a:r>
+                  <a:rPr lang="pt-BR" dirty="0" smtClean="0"/>
+                  <a:t>atualiza </a:t>
+                </a:r>
+                <a:r>
+                  <a:rPr lang="pt-BR" dirty="0"/>
+                  <a:t>os valores dos argumentos da função de tal forma, que a cada </a:t>
                 </a:r>
                 <a:r>
                   <a:rPr lang="pt-BR" b="1" i="1" dirty="0"/>
@@ -16609,13 +16287,13 @@
             </p:nvSpPr>
             <p:spPr>
               <a:xfrm>
-                <a:off x="838200" y="2033142"/>
+                <a:off x="838200" y="2109342"/>
                 <a:ext cx="11170920" cy="4748658"/>
               </a:xfrm>
               <a:blipFill rotWithShape="0">
                 <a:blip r:embed="rId3"/>
                 <a:stretch>
-                  <a:fillRect l="-873" t="-2054" r="-1255" b="-3209"/>
+                  <a:fillRect l="-983" t="-2824" b="-1027"/>
                 </a:stretch>
               </a:blipFill>
             </p:spPr>
@@ -17076,8 +16754,8 @@
         </p:nvCxnSpPr>
         <p:spPr>
           <a:xfrm flipV="1">
-            <a:off x="8264106" y="4399472"/>
-            <a:ext cx="966158" cy="897147"/>
+            <a:off x="8079475" y="4399473"/>
+            <a:ext cx="1150789" cy="1032336"/>
           </a:xfrm>
           <a:prstGeom prst="straightConnector1">
             <a:avLst/>
@@ -17182,8 +16860,8 @@
         </p:nvSpPr>
         <p:spPr>
           <a:xfrm>
-            <a:off x="838199" y="230216"/>
-            <a:ext cx="11019972" cy="961550"/>
+            <a:off x="838199" y="172159"/>
+            <a:ext cx="11019972" cy="1281447"/>
           </a:xfrm>
         </p:spPr>
         <p:txBody>
@@ -17211,19 +16889,27 @@
             </p:nvSpPr>
             <p:spPr>
               <a:xfrm>
-                <a:off x="838199" y="1394087"/>
-                <a:ext cx="11019971" cy="1231903"/>
+                <a:off x="838199" y="1511663"/>
+                <a:ext cx="11165115" cy="1419121"/>
               </a:xfrm>
             </p:spPr>
             <p:txBody>
               <a:bodyPr>
-                <a:normAutofit fontScale="85000" lnSpcReduction="20000"/>
+                <a:normAutofit fontScale="92500" lnSpcReduction="10000"/>
               </a:bodyPr>
               <a:lstStyle/>
               <a:p>
                 <a:r>
                   <a:rPr lang="pt-BR" dirty="0"/>
-                  <a:t>O algoritmo inicializa os pesos, </a:t>
+                  <a:t>O algoritmo inicializa </a:t>
+                </a:r>
+                <a:r>
+                  <a:rPr lang="pt-BR" dirty="0" smtClean="0"/>
+                  <a:t>o vetor de </a:t>
+                </a:r>
+                <a:r>
+                  <a:rPr lang="pt-BR" dirty="0"/>
+                  <a:t>pesos, </a:t>
                 </a:r>
                 <a14:m>
                   <m:oMath xmlns:m="http://schemas.openxmlformats.org/officeDocument/2006/math">
@@ -17265,7 +16951,7 @@
                 </a:r>
                 <a:r>
                   <a:rPr lang="pt-BR" dirty="0"/>
-                  <a:t>à</a:t>
+                  <a:t>a</a:t>
                 </a:r>
                 <a:r>
                   <a:rPr lang="pt-BR" dirty="0" smtClean="0"/>
@@ -17341,13 +17027,13 @@
             </p:nvSpPr>
             <p:spPr>
               <a:xfrm>
-                <a:off x="838199" y="1394087"/>
-                <a:ext cx="11019971" cy="1231903"/>
+                <a:off x="838199" y="1511663"/>
+                <a:ext cx="11165115" cy="1419121"/>
               </a:xfrm>
               <a:blipFill rotWithShape="0">
                 <a:blip r:embed="rId3"/>
                 <a:stretch>
-                  <a:fillRect l="-719" t="-11386" r="-1383" b="-3465"/>
+                  <a:fillRect l="-819" t="-8584" r="-1310" b="-7296"/>
                 </a:stretch>
               </a:blipFill>
             </p:spPr>
@@ -17376,7 +17062,7 @@
             </p:nvSpPr>
             <p:spPr>
               <a:xfrm>
-                <a:off x="1171284" y="2792773"/>
+                <a:off x="1171284" y="3155623"/>
                 <a:ext cx="7072087" cy="1160446"/>
               </a:xfrm>
               <a:prstGeom prst="rect">
@@ -17911,7 +17597,7 @@
             </p:nvSpPr>
             <p:spPr>
               <a:xfrm>
-                <a:off x="1171284" y="2792773"/>
+                <a:off x="1171284" y="3155623"/>
                 <a:ext cx="7072087" cy="1160446"/>
               </a:xfrm>
               <a:prstGeom prst="rect">
@@ -17956,8 +17642,8 @@
             </p:nvSpPr>
             <p:spPr>
               <a:xfrm>
-                <a:off x="838199" y="4380931"/>
-                <a:ext cx="11019971" cy="2304682"/>
+                <a:off x="838199" y="4634209"/>
+                <a:ext cx="11165115" cy="2223792"/>
               </a:xfrm>
               <a:prstGeom prst="rect">
                 <a:avLst/>
@@ -18132,12 +17818,12 @@
                 </a:lvl9pPr>
               </a:lstStyle>
               <a:p>
-                <a:pPr marL="0" indent="0" algn="just">
-                  <a:buNone/>
-                </a:pPr>
-                <a:r>
-                  <a:rPr lang="pt-BR" dirty="0" smtClean="0"/>
-                  <a:t>onde </a:t>
+                <a:pPr algn="just"/>
+                <a:r>
+                  <a:rPr lang="pt-BR" dirty="0" smtClean="0">
+                    <a:ea typeface="Cambria Math" panose="02040503050406030204" pitchFamily="18" charset="0"/>
+                  </a:rPr>
+                  <a:t>Onde </a:t>
                 </a:r>
                 <a14:m>
                   <m:oMath xmlns:m="http://schemas.openxmlformats.org/officeDocument/2006/math">
@@ -18148,15 +17834,37 @@
                       </a:rPr>
                       <m:t>𝛼</m:t>
                     </m:r>
+                    <m:r>
+                      <a:rPr lang="pt-BR" i="1" smtClean="0">
+                        <a:latin typeface="Cambria Math" panose="02040503050406030204" pitchFamily="18" charset="0"/>
+                        <a:ea typeface="Cambria Math" panose="02040503050406030204" pitchFamily="18" charset="0"/>
+                      </a:rPr>
+                      <m:t>&gt;</m:t>
+                    </m:r>
+                    <m:r>
+                      <a:rPr lang="pt-BR" b="0" i="1" smtClean="0">
+                        <a:latin typeface="Cambria Math" panose="02040503050406030204" pitchFamily="18" charset="0"/>
+                        <a:ea typeface="Cambria Math" panose="02040503050406030204" pitchFamily="18" charset="0"/>
+                      </a:rPr>
+                      <m:t>0</m:t>
+                    </m:r>
                   </m:oMath>
                 </a14:m>
                 <a:r>
                   <a:rPr lang="pt-BR" dirty="0"/>
-                  <a:t> é a </a:t>
+                  <a:t> é </a:t>
+                </a:r>
+                <a:r>
+                  <a:rPr lang="pt-BR" dirty="0" smtClean="0"/>
+                  <a:t>o </a:t>
+                </a:r>
+                <a:r>
+                  <a:rPr lang="pt-BR" b="1" i="1" dirty="0" smtClean="0"/>
+                  <a:t>passo </a:t>
                 </a:r>
                 <a:r>
                   <a:rPr lang="pt-BR" b="1" i="1" dirty="0"/>
-                  <a:t>taxa/passo de aprendizagem </a:t>
+                  <a:t>de aprendizagem </a:t>
                 </a:r>
                 <a:r>
                   <a:rPr lang="pt-BR" dirty="0" smtClean="0"/>
@@ -18275,36 +17983,6 @@
                 </a:r>
                 <a:r>
                   <a:rPr lang="pt-BR" dirty="0" smtClean="0"/>
-                  <a:t>,</a:t>
-                </a:r>
-                <a:r>
-                  <a:rPr lang="pt-BR" b="1" i="1" dirty="0" smtClean="0"/>
-                  <a:t> </a:t>
-                </a:r>
-                <a:r>
-                  <a:rPr lang="pt-BR" dirty="0" smtClean="0"/>
-                  <a:t>ou seja, a derivada parcial da função em </a:t>
-                </a:r>
-                <a:r>
-                  <a:rPr lang="pt-BR" dirty="0"/>
-                  <a:t>relação ao </a:t>
-                </a:r>
-                <a:r>
-                  <a:rPr lang="pt-BR" dirty="0" smtClean="0"/>
-                  <a:t>vetor de pesos, </a:t>
-                </a:r>
-                <a14:m>
-                  <m:oMath xmlns:m="http://schemas.openxmlformats.org/officeDocument/2006/math">
-                    <m:r>
-                      <a:rPr lang="pt-BR" b="1" i="1">
-                        <a:latin typeface="Cambria Math" panose="02040503050406030204" pitchFamily="18" charset="0"/>
-                      </a:rPr>
-                      <m:t>𝒂</m:t>
-                    </m:r>
-                  </m:oMath>
-                </a14:m>
-                <a:r>
-                  <a:rPr lang="pt-BR" dirty="0" smtClean="0"/>
                   <a:t>.</a:t>
                 </a:r>
               </a:p>
@@ -18336,7 +18014,7 @@
                 </a:r>
                 <a:r>
                   <a:rPr lang="pt-BR" dirty="0" smtClean="0"/>
-                  <a:t>oposta à do </a:t>
+                  <a:t>oposta a do </a:t>
                 </a:r>
                 <a:r>
                   <a:rPr lang="pt-BR" b="1" i="1" dirty="0" smtClean="0"/>
@@ -18385,8 +18063,8 @@
             </p:nvSpPr>
             <p:spPr>
               <a:xfrm>
-                <a:off x="838199" y="4380931"/>
-                <a:ext cx="11019971" cy="2304682"/>
+                <a:off x="838199" y="4634209"/>
+                <a:ext cx="11165115" cy="2223792"/>
               </a:xfrm>
               <a:prstGeom prst="rect">
                 <a:avLst/>
@@ -18394,7 +18072,7 @@
               <a:blipFill rotWithShape="0">
                 <a:blip r:embed="rId5"/>
                 <a:stretch>
-                  <a:fillRect l="-940" t="-3704" r="-996" b="-529"/>
+                  <a:fillRect l="-819" t="-3562" r="-928" b="-4384"/>
                 </a:stretch>
               </a:blipFill>
             </p:spPr>
@@ -18421,8 +18099,8 @@
         </p:nvCxnSpPr>
         <p:spPr>
           <a:xfrm flipH="1">
-            <a:off x="3022600" y="1876315"/>
-            <a:ext cx="787400" cy="1755885"/>
+            <a:off x="3022601" y="2075543"/>
+            <a:ext cx="3087913" cy="1919507"/>
           </a:xfrm>
           <a:prstGeom prst="straightConnector1">
             <a:avLst/>
@@ -18470,7 +18148,7 @@
         </p:blipFill>
         <p:spPr>
           <a:xfrm>
-            <a:off x="8514416" y="2271879"/>
+            <a:off x="8514416" y="2562159"/>
             <a:ext cx="3186242" cy="2093949"/>
           </a:xfrm>
           <a:prstGeom prst="rect">
@@ -18527,7 +18205,7 @@
         </p:nvSpPr>
         <p:spPr>
           <a:xfrm>
-            <a:off x="838200" y="192293"/>
+            <a:off x="838200" y="151349"/>
             <a:ext cx="10515600" cy="702519"/>
           </a:xfrm>
         </p:spPr>
@@ -18545,8 +18223,8 @@
           </a:p>
         </p:txBody>
       </p:sp>
-      <mc:AlternateContent xmlns:mc="http://schemas.openxmlformats.org/markup-compatibility/2006" xmlns:a14="http://schemas.microsoft.com/office/drawing/2010/main">
-        <mc:Choice Requires="a14">
+      <mc:AlternateContent xmlns:mc="http://schemas.openxmlformats.org/markup-compatibility/2006">
+        <mc:Choice xmlns:a14="http://schemas.microsoft.com/office/drawing/2010/main" Requires="a14">
           <p:sp>
             <p:nvSpPr>
               <p:cNvPr id="4" name="Content Placeholder 2"/>
@@ -18559,13 +18237,13 @@
             </p:nvSpPr>
             <p:spPr>
               <a:xfrm>
-                <a:off x="838200" y="1064525"/>
-                <a:ext cx="11238186" cy="3763393"/>
+                <a:off x="838200" y="995963"/>
+                <a:ext cx="9117568" cy="5834741"/>
               </a:xfrm>
             </p:spPr>
             <p:txBody>
               <a:bodyPr>
-                <a:normAutofit fontScale="62500" lnSpcReduction="20000"/>
+                <a:normAutofit fontScale="77500" lnSpcReduction="20000"/>
               </a:bodyPr>
               <a:lstStyle/>
               <a:p>
@@ -18574,30 +18252,18 @@
                 </a:pPr>
                 <a:r>
                   <a:rPr lang="en-US" dirty="0" smtClean="0"/>
-                  <a:t>Neste </a:t>
-                </a:r>
-                <a:r>
-                  <a:rPr lang="en-US" dirty="0" err="1" smtClean="0"/>
-                  <a:t>exemplo</a:t>
-                </a:r>
-                <a:r>
-                  <a:rPr lang="en-US" dirty="0" smtClean="0"/>
-                  <a:t>, </a:t>
-                </a:r>
-                <a:r>
-                  <a:rPr lang="en-US" dirty="0" err="1" smtClean="0"/>
-                  <a:t>usaremos</a:t>
+                  <a:t>Usaremos</a:t>
                 </a:r>
                 <a:r>
                   <a:rPr lang="en-US" dirty="0" smtClean="0"/>
                   <a:t> </a:t>
                 </a:r>
                 <a:r>
-                  <a:rPr lang="en-US" dirty="0" err="1"/>
+                  <a:rPr lang="en-US" dirty="0" err="1" smtClean="0"/>
                   <a:t>uma</a:t>
                 </a:r>
                 <a:r>
-                  <a:rPr lang="en-US" dirty="0"/>
+                  <a:rPr lang="en-US" dirty="0" smtClean="0"/>
                   <a:t> </a:t>
                 </a:r>
                 <a:r>
@@ -20117,7 +19783,7 @@
                         <a:rPr lang="pt-BR" b="0" i="1" smtClean="0">
                           <a:latin typeface="Cambria Math" panose="02040503050406030204" pitchFamily="18" charset="0"/>
                         </a:rPr>
-                        <m:t>,  </m:t>
+                        <m:t>, </m:t>
                       </m:r>
                       <m:r>
                         <a:rPr lang="pt-BR" b="0" i="1" smtClean="0">
@@ -20129,7 +19795,7 @@
                         <a:rPr lang="pt-BR" b="0" i="1" smtClean="0">
                           <a:latin typeface="Cambria Math" panose="02040503050406030204" pitchFamily="18" charset="0"/>
                         </a:rPr>
-                        <m:t>=1,2,</m:t>
+                        <m:t>=1,2</m:t>
                       </m:r>
                     </m:oMath>
                   </m:oMathPara>
@@ -20141,16 +19807,28 @@
                   <a:buNone/>
                 </a:pPr>
                 <a:r>
+                  <a:rPr lang="en-US" dirty="0" smtClean="0"/>
+                  <a:t>A </a:t>
+                </a:r>
+                <a:r>
+                  <a:rPr lang="en-US" b="1" dirty="0" err="1" smtClean="0"/>
+                  <a:t>equação</a:t>
+                </a:r>
+                <a:r>
+                  <a:rPr lang="en-US" b="1" dirty="0" smtClean="0"/>
+                  <a:t> de </a:t>
+                </a:r>
+                <a:r>
+                  <a:rPr lang="en-US" b="1" dirty="0" err="1"/>
+                  <a:t>atualização</a:t>
+                </a:r>
+                <a:r>
+                  <a:rPr lang="en-US" b="1" dirty="0"/>
+                  <a:t> </a:t>
+                </a:r>
+                <a:r>
                   <a:rPr lang="en-US" dirty="0"/>
-                  <a:t>A </a:t>
-                </a:r>
-                <a:r>
-                  <a:rPr lang="en-US" dirty="0" err="1"/>
-                  <a:t>atualização</a:t>
-                </a:r>
-                <a:r>
-                  <a:rPr lang="en-US" dirty="0"/>
-                  <a:t> dos pesos </a:t>
+                  <a:t>dos pesos </a:t>
                 </a:r>
                 <a14:m>
                   <m:oMath xmlns:m="http://schemas.openxmlformats.org/officeDocument/2006/math">
@@ -20229,6 +19907,190 @@
                   <a:buNone/>
                 </a:pPr>
                 <a14:m>
+                  <m:oMathPara xmlns:m="http://schemas.openxmlformats.org/officeDocument/2006/math">
+                    <m:oMathParaPr>
+                      <m:jc m:val="centerGroup"/>
+                    </m:oMathParaPr>
+                    <m:oMath xmlns:m="http://schemas.openxmlformats.org/officeDocument/2006/math">
+                      <m:sSub>
+                        <m:sSubPr>
+                          <m:ctrlPr>
+                            <a:rPr lang="nl-BE" i="1">
+                              <a:latin typeface="Cambria Math" panose="02040503050406030204" pitchFamily="18" charset="0"/>
+                            </a:rPr>
+                          </m:ctrlPr>
+                        </m:sSubPr>
+                        <m:e>
+                          <m:r>
+                            <a:rPr lang="en-US" i="1">
+                              <a:latin typeface="Cambria Math" panose="02040503050406030204" pitchFamily="18" charset="0"/>
+                            </a:rPr>
+                            <m:t>𝑎</m:t>
+                          </m:r>
+                        </m:e>
+                        <m:sub>
+                          <m:r>
+                            <a:rPr lang="pt-BR" i="1">
+                              <a:latin typeface="Cambria Math" panose="02040503050406030204" pitchFamily="18" charset="0"/>
+                            </a:rPr>
+                            <m:t>𝑘</m:t>
+                          </m:r>
+                        </m:sub>
+                      </m:sSub>
+                      <m:r>
+                        <a:rPr lang="en-US" i="1">
+                          <a:latin typeface="Cambria Math" panose="02040503050406030204" pitchFamily="18" charset="0"/>
+                        </a:rPr>
+                        <m:t>=</m:t>
+                      </m:r>
+                      <m:sSub>
+                        <m:sSubPr>
+                          <m:ctrlPr>
+                            <a:rPr lang="en-US" i="1">
+                              <a:latin typeface="Cambria Math" panose="02040503050406030204" pitchFamily="18" charset="0"/>
+                            </a:rPr>
+                          </m:ctrlPr>
+                        </m:sSubPr>
+                        <m:e>
+                          <m:r>
+                            <a:rPr lang="en-US" i="1">
+                              <a:latin typeface="Cambria Math" panose="02040503050406030204" pitchFamily="18" charset="0"/>
+                            </a:rPr>
+                            <m:t>𝑎</m:t>
+                          </m:r>
+                        </m:e>
+                        <m:sub>
+                          <m:r>
+                            <a:rPr lang="pt-BR" i="1">
+                              <a:latin typeface="Cambria Math" panose="02040503050406030204" pitchFamily="18" charset="0"/>
+                            </a:rPr>
+                            <m:t>𝑘</m:t>
+                          </m:r>
+                        </m:sub>
+                      </m:sSub>
+                      <m:r>
+                        <a:rPr lang="en-US" i="1">
+                          <a:latin typeface="Cambria Math" panose="02040503050406030204" pitchFamily="18" charset="0"/>
+                        </a:rPr>
+                        <m:t>−</m:t>
+                      </m:r>
+                      <m:r>
+                        <a:rPr lang="en-US" i="1">
+                          <a:latin typeface="Cambria Math" panose="02040503050406030204" pitchFamily="18" charset="0"/>
+                          <a:ea typeface="Cambria Math" panose="02040503050406030204" pitchFamily="18" charset="0"/>
+                        </a:rPr>
+                        <m:t>𝛼</m:t>
+                      </m:r>
+                      <m:f>
+                        <m:fPr>
+                          <m:ctrlPr>
+                            <a:rPr lang="pt-BR" i="1">
+                              <a:latin typeface="Cambria Math" panose="02040503050406030204" pitchFamily="18" charset="0"/>
+                              <a:ea typeface="Cambria Math" panose="02040503050406030204" pitchFamily="18" charset="0"/>
+                            </a:rPr>
+                          </m:ctrlPr>
+                        </m:fPr>
+                        <m:num>
+                          <m:r>
+                            <a:rPr lang="pt-BR" i="1">
+                              <a:latin typeface="Cambria Math" panose="02040503050406030204" pitchFamily="18" charset="0"/>
+                              <a:ea typeface="Cambria Math" panose="02040503050406030204" pitchFamily="18" charset="0"/>
+                            </a:rPr>
+                            <m:t>𝜕</m:t>
+                          </m:r>
+                          <m:sSub>
+                            <m:sSubPr>
+                              <m:ctrlPr>
+                                <a:rPr lang="pt-BR" i="1">
+                                  <a:latin typeface="Cambria Math" panose="02040503050406030204" pitchFamily="18" charset="0"/>
+                                  <a:ea typeface="Cambria Math" panose="02040503050406030204" pitchFamily="18" charset="0"/>
+                                </a:rPr>
+                              </m:ctrlPr>
+                            </m:sSubPr>
+                            <m:e>
+                              <m:r>
+                                <a:rPr lang="pt-BR" i="1">
+                                  <a:latin typeface="Cambria Math" panose="02040503050406030204" pitchFamily="18" charset="0"/>
+                                  <a:ea typeface="Cambria Math" panose="02040503050406030204" pitchFamily="18" charset="0"/>
+                                </a:rPr>
+                                <m:t>𝐽</m:t>
+                              </m:r>
+                            </m:e>
+                            <m:sub>
+                              <m:r>
+                                <a:rPr lang="pt-BR" i="1">
+                                  <a:latin typeface="Cambria Math" panose="02040503050406030204" pitchFamily="18" charset="0"/>
+                                  <a:ea typeface="Cambria Math" panose="02040503050406030204" pitchFamily="18" charset="0"/>
+                                </a:rPr>
+                                <m:t>𝑒</m:t>
+                              </m:r>
+                            </m:sub>
+                          </m:sSub>
+                          <m:d>
+                            <m:dPr>
+                              <m:ctrlPr>
+                                <a:rPr lang="pt-BR" i="1">
+                                  <a:latin typeface="Cambria Math" panose="02040503050406030204" pitchFamily="18" charset="0"/>
+                                  <a:ea typeface="Cambria Math" panose="02040503050406030204" pitchFamily="18" charset="0"/>
+                                </a:rPr>
+                              </m:ctrlPr>
+                            </m:dPr>
+                            <m:e>
+                              <m:r>
+                                <a:rPr lang="pt-BR" b="1" i="1">
+                                  <a:latin typeface="Cambria Math" panose="02040503050406030204" pitchFamily="18" charset="0"/>
+                                  <a:ea typeface="Cambria Math" panose="02040503050406030204" pitchFamily="18" charset="0"/>
+                                </a:rPr>
+                                <m:t>𝒂</m:t>
+                              </m:r>
+                            </m:e>
+                          </m:d>
+                        </m:num>
+                        <m:den>
+                          <m:r>
+                            <a:rPr lang="pt-BR" i="1">
+                              <a:latin typeface="Cambria Math" panose="02040503050406030204" pitchFamily="18" charset="0"/>
+                              <a:ea typeface="Cambria Math" panose="02040503050406030204" pitchFamily="18" charset="0"/>
+                            </a:rPr>
+                            <m:t>𝜕</m:t>
+                          </m:r>
+                          <m:sSub>
+                            <m:sSubPr>
+                              <m:ctrlPr>
+                                <a:rPr lang="nl-BE" i="1">
+                                  <a:latin typeface="Cambria Math" panose="02040503050406030204" pitchFamily="18" charset="0"/>
+                                </a:rPr>
+                              </m:ctrlPr>
+                            </m:sSubPr>
+                            <m:e>
+                              <m:r>
+                                <a:rPr lang="en-US" i="1">
+                                  <a:latin typeface="Cambria Math" panose="02040503050406030204" pitchFamily="18" charset="0"/>
+                                </a:rPr>
+                                <m:t>𝑎</m:t>
+                              </m:r>
+                            </m:e>
+                            <m:sub>
+                              <m:r>
+                                <a:rPr lang="pt-BR" i="1">
+                                  <a:latin typeface="Cambria Math" panose="02040503050406030204" pitchFamily="18" charset="0"/>
+                                </a:rPr>
+                                <m:t>𝑘</m:t>
+                              </m:r>
+                            </m:sub>
+                          </m:sSub>
+                        </m:den>
+                      </m:f>
+                    </m:oMath>
+                  </m:oMathPara>
+                </a14:m>
+                <a:endParaRPr lang="nl-BE" dirty="0"/>
+              </a:p>
+              <a:p>
+                <a:pPr marL="0" indent="0">
+                  <a:buNone/>
+                </a:pPr>
+                <a14:m>
                   <m:oMath xmlns:m="http://schemas.openxmlformats.org/officeDocument/2006/math">
                     <m:sSub>
                       <m:sSubPr>
@@ -20239,182 +20101,6 @@
                         </m:ctrlPr>
                       </m:sSubPr>
                       <m:e>
-                        <m:sSub>
-                          <m:sSubPr>
-                            <m:ctrlPr>
-                              <a:rPr lang="nl-BE" i="1">
-                                <a:latin typeface="Cambria Math" panose="02040503050406030204" pitchFamily="18" charset="0"/>
-                              </a:rPr>
-                            </m:ctrlPr>
-                          </m:sSubPr>
-                          <m:e>
-                            <m:r>
-                              <a:rPr lang="en-US" i="1">
-                                <a:latin typeface="Cambria Math" panose="02040503050406030204" pitchFamily="18" charset="0"/>
-                              </a:rPr>
-                              <m:t>𝑎</m:t>
-                            </m:r>
-                          </m:e>
-                          <m:sub>
-                            <m:r>
-                              <a:rPr lang="pt-BR" i="1">
-                                <a:latin typeface="Cambria Math" panose="02040503050406030204" pitchFamily="18" charset="0"/>
-                              </a:rPr>
-                              <m:t>𝑘</m:t>
-                            </m:r>
-                          </m:sub>
-                        </m:sSub>
-                        <m:r>
-                          <a:rPr lang="en-US" i="1">
-                            <a:latin typeface="Cambria Math" panose="02040503050406030204" pitchFamily="18" charset="0"/>
-                          </a:rPr>
-                          <m:t>=</m:t>
-                        </m:r>
-                        <m:sSub>
-                          <m:sSubPr>
-                            <m:ctrlPr>
-                              <a:rPr lang="en-US" i="1">
-                                <a:latin typeface="Cambria Math" panose="02040503050406030204" pitchFamily="18" charset="0"/>
-                              </a:rPr>
-                            </m:ctrlPr>
-                          </m:sSubPr>
-                          <m:e>
-                            <m:r>
-                              <a:rPr lang="en-US" i="1">
-                                <a:latin typeface="Cambria Math" panose="02040503050406030204" pitchFamily="18" charset="0"/>
-                              </a:rPr>
-                              <m:t>𝑎</m:t>
-                            </m:r>
-                          </m:e>
-                          <m:sub>
-                            <m:r>
-                              <a:rPr lang="pt-BR" i="1">
-                                <a:latin typeface="Cambria Math" panose="02040503050406030204" pitchFamily="18" charset="0"/>
-                              </a:rPr>
-                              <m:t>𝑘</m:t>
-                            </m:r>
-                          </m:sub>
-                        </m:sSub>
-                        <m:r>
-                          <a:rPr lang="en-US" i="1">
-                            <a:latin typeface="Cambria Math" panose="02040503050406030204" pitchFamily="18" charset="0"/>
-                          </a:rPr>
-                          <m:t>−</m:t>
-                        </m:r>
-                        <m:r>
-                          <a:rPr lang="en-US" i="1">
-                            <a:latin typeface="Cambria Math" panose="02040503050406030204" pitchFamily="18" charset="0"/>
-                            <a:ea typeface="Cambria Math" panose="02040503050406030204" pitchFamily="18" charset="0"/>
-                          </a:rPr>
-                          <m:t>𝛼</m:t>
-                        </m:r>
-                        <m:f>
-                          <m:fPr>
-                            <m:ctrlPr>
-                              <a:rPr lang="pt-BR" i="1">
-                                <a:latin typeface="Cambria Math" panose="02040503050406030204" pitchFamily="18" charset="0"/>
-                                <a:ea typeface="Cambria Math" panose="02040503050406030204" pitchFamily="18" charset="0"/>
-                              </a:rPr>
-                            </m:ctrlPr>
-                          </m:fPr>
-                          <m:num>
-                            <m:r>
-                              <a:rPr lang="pt-BR" i="1">
-                                <a:latin typeface="Cambria Math" panose="02040503050406030204" pitchFamily="18" charset="0"/>
-                                <a:ea typeface="Cambria Math" panose="02040503050406030204" pitchFamily="18" charset="0"/>
-                              </a:rPr>
-                              <m:t>𝜕</m:t>
-                            </m:r>
-                            <m:sSub>
-                              <m:sSubPr>
-                                <m:ctrlPr>
-                                  <a:rPr lang="pt-BR" i="1">
-                                    <a:latin typeface="Cambria Math" panose="02040503050406030204" pitchFamily="18" charset="0"/>
-                                    <a:ea typeface="Cambria Math" panose="02040503050406030204" pitchFamily="18" charset="0"/>
-                                  </a:rPr>
-                                </m:ctrlPr>
-                              </m:sSubPr>
-                              <m:e>
-                                <m:r>
-                                  <a:rPr lang="pt-BR" i="1">
-                                    <a:latin typeface="Cambria Math" panose="02040503050406030204" pitchFamily="18" charset="0"/>
-                                    <a:ea typeface="Cambria Math" panose="02040503050406030204" pitchFamily="18" charset="0"/>
-                                  </a:rPr>
-                                  <m:t>𝐽</m:t>
-                                </m:r>
-                              </m:e>
-                              <m:sub>
-                                <m:r>
-                                  <a:rPr lang="pt-BR" i="1">
-                                    <a:latin typeface="Cambria Math" panose="02040503050406030204" pitchFamily="18" charset="0"/>
-                                    <a:ea typeface="Cambria Math" panose="02040503050406030204" pitchFamily="18" charset="0"/>
-                                  </a:rPr>
-                                  <m:t>𝑒</m:t>
-                                </m:r>
-                              </m:sub>
-                            </m:sSub>
-                            <m:d>
-                              <m:dPr>
-                                <m:ctrlPr>
-                                  <a:rPr lang="pt-BR" i="1">
-                                    <a:latin typeface="Cambria Math" panose="02040503050406030204" pitchFamily="18" charset="0"/>
-                                    <a:ea typeface="Cambria Math" panose="02040503050406030204" pitchFamily="18" charset="0"/>
-                                  </a:rPr>
-                                </m:ctrlPr>
-                              </m:dPr>
-                              <m:e>
-                                <m:r>
-                                  <a:rPr lang="pt-BR" b="1" i="1">
-                                    <a:latin typeface="Cambria Math" panose="02040503050406030204" pitchFamily="18" charset="0"/>
-                                    <a:ea typeface="Cambria Math" panose="02040503050406030204" pitchFamily="18" charset="0"/>
-                                  </a:rPr>
-                                  <m:t>𝒂</m:t>
-                                </m:r>
-                              </m:e>
-                            </m:d>
-                          </m:num>
-                          <m:den>
-                            <m:r>
-                              <a:rPr lang="pt-BR" i="1">
-                                <a:latin typeface="Cambria Math" panose="02040503050406030204" pitchFamily="18" charset="0"/>
-                                <a:ea typeface="Cambria Math" panose="02040503050406030204" pitchFamily="18" charset="0"/>
-                              </a:rPr>
-                              <m:t>𝜕</m:t>
-                            </m:r>
-                            <m:sSub>
-                              <m:sSubPr>
-                                <m:ctrlPr>
-                                  <a:rPr lang="nl-BE" i="1">
-                                    <a:latin typeface="Cambria Math" panose="02040503050406030204" pitchFamily="18" charset="0"/>
-                                  </a:rPr>
-                                </m:ctrlPr>
-                              </m:sSubPr>
-                              <m:e>
-                                <m:r>
-                                  <a:rPr lang="en-US" i="1">
-                                    <a:latin typeface="Cambria Math" panose="02040503050406030204" pitchFamily="18" charset="0"/>
-                                  </a:rPr>
-                                  <m:t>𝑎</m:t>
-                                </m:r>
-                              </m:e>
-                              <m:sub>
-                                <m:r>
-                                  <a:rPr lang="pt-BR" i="1">
-                                    <a:latin typeface="Cambria Math" panose="02040503050406030204" pitchFamily="18" charset="0"/>
-                                  </a:rPr>
-                                  <m:t>𝑘</m:t>
-                                </m:r>
-                              </m:sub>
-                            </m:sSub>
-                          </m:den>
-                        </m:f>
-                        <m:r>
-                          <a:rPr lang="pt-BR" i="1">
-                            <a:latin typeface="Cambria Math" panose="02040503050406030204" pitchFamily="18" charset="0"/>
-                            <a:ea typeface="Cambria Math" panose="02040503050406030204" pitchFamily="18" charset="0"/>
-                          </a:rPr>
-                          <m:t>∴</m:t>
-                        </m:r>
                         <m:r>
                           <a:rPr lang="en-US" i="1">
                             <a:latin typeface="Cambria Math" panose="02040503050406030204" pitchFamily="18" charset="0"/>
@@ -20424,7 +20110,7 @@
                       </m:e>
                       <m:sub>
                         <m:r>
-                          <a:rPr lang="pt-BR" b="0" i="1" smtClean="0">
+                          <a:rPr lang="pt-BR" i="1">
                             <a:latin typeface="Cambria Math" panose="02040503050406030204" pitchFamily="18" charset="0"/>
                           </a:rPr>
                           <m:t>𝑘</m:t>
@@ -20432,7 +20118,7 @@
                       </m:sub>
                     </m:sSub>
                     <m:r>
-                      <a:rPr lang="en-US" b="0" i="0" smtClean="0">
+                      <a:rPr lang="en-US">
                         <a:latin typeface="Cambria Math" panose="02040503050406030204" pitchFamily="18" charset="0"/>
                       </a:rPr>
                       <m:t>=</m:t>
@@ -20455,7 +20141,7 @@
                       </m:e>
                       <m:sub>
                         <m:r>
-                          <a:rPr lang="pt-BR" b="0" i="1" smtClean="0">
+                          <a:rPr lang="pt-BR" i="1">
                             <a:latin typeface="Cambria Math" panose="02040503050406030204" pitchFamily="18" charset="0"/>
                           </a:rPr>
                           <m:t>𝑘</m:t>
@@ -20463,13 +20149,13 @@
                       </m:sub>
                     </m:sSub>
                     <m:r>
-                      <a:rPr lang="en-US" b="0" i="1" smtClean="0">
+                      <a:rPr lang="en-US" i="1">
                         <a:latin typeface="Cambria Math" panose="02040503050406030204" pitchFamily="18" charset="0"/>
                       </a:rPr>
                       <m:t>+</m:t>
                     </m:r>
                     <m:r>
-                      <a:rPr lang="en-US" b="0" i="1" smtClean="0">
+                      <a:rPr lang="en-US" i="1">
                         <a:latin typeface="Cambria Math" panose="02040503050406030204" pitchFamily="18" charset="0"/>
                         <a:ea typeface="Cambria Math" panose="02040503050406030204" pitchFamily="18" charset="0"/>
                       </a:rPr>
@@ -20479,14 +20165,14 @@
                       <m:naryPr>
                         <m:chr m:val="∑"/>
                         <m:ctrlPr>
-                          <a:rPr lang="pt-BR" i="1" smtClean="0">
+                          <a:rPr lang="pt-BR" i="1">
                             <a:latin typeface="Cambria Math" panose="02040503050406030204" pitchFamily="18" charset="0"/>
                           </a:rPr>
                         </m:ctrlPr>
                       </m:naryPr>
                       <m:sub>
                         <m:r>
-                          <a:rPr lang="pt-BR" b="0" i="1" smtClean="0">
+                          <a:rPr lang="pt-BR" i="1">
                             <a:latin typeface="Cambria Math" panose="02040503050406030204" pitchFamily="18" charset="0"/>
                           </a:rPr>
                           <m:t>𝑛</m:t>
@@ -20622,7 +20308,7 @@
                                   </m:dPr>
                                   <m:e>
                                     <m:r>
-                                      <a:rPr lang="pt-BR" b="0" i="1" smtClean="0">
+                                      <a:rPr lang="pt-BR" i="1">
                                         <a:latin typeface="Cambria Math" panose="02040503050406030204" pitchFamily="18" charset="0"/>
                                       </a:rPr>
                                       <m:t>𝑛</m:t>
@@ -20695,7 +20381,7 @@
                                   </m:dPr>
                                   <m:e>
                                     <m:r>
-                                      <a:rPr lang="pt-BR" b="0" i="1" smtClean="0">
+                                      <a:rPr lang="pt-BR" i="1">
                                         <a:latin typeface="Cambria Math" panose="02040503050406030204" pitchFamily="18" charset="0"/>
                                       </a:rPr>
                                       <m:t>𝑛</m:t>
@@ -20711,14 +20397,14 @@
                     <m:sSub>
                       <m:sSubPr>
                         <m:ctrlPr>
-                          <a:rPr lang="en-US" i="1" smtClean="0">
+                          <a:rPr lang="en-US" i="1">
                             <a:latin typeface="Cambria Math" panose="02040503050406030204" pitchFamily="18" charset="0"/>
                           </a:rPr>
                         </m:ctrlPr>
                       </m:sSubPr>
                       <m:e>
                         <m:r>
-                          <a:rPr lang="pt-BR" b="0" i="1" smtClean="0">
+                          <a:rPr lang="pt-BR" i="1">
                             <a:latin typeface="Cambria Math" panose="02040503050406030204" pitchFamily="18" charset="0"/>
                           </a:rPr>
                           <m:t>𝑥</m:t>
@@ -20726,7 +20412,7 @@
                       </m:e>
                       <m:sub>
                         <m:r>
-                          <a:rPr lang="pt-BR" b="0" i="1" smtClean="0">
+                          <a:rPr lang="pt-BR" i="1">
                             <a:latin typeface="Cambria Math" panose="02040503050406030204" pitchFamily="18" charset="0"/>
                           </a:rPr>
                           <m:t>𝑘</m:t>
@@ -20734,19 +20420,19 @@
                       </m:sub>
                     </m:sSub>
                     <m:r>
-                      <a:rPr lang="pt-BR" b="0" i="1" smtClean="0">
+                      <a:rPr lang="pt-BR" i="1">
                         <a:latin typeface="Cambria Math" panose="02040503050406030204" pitchFamily="18" charset="0"/>
                       </a:rPr>
                       <m:t>(</m:t>
                     </m:r>
                     <m:r>
-                      <a:rPr lang="pt-BR" b="0" i="1" smtClean="0">
+                      <a:rPr lang="pt-BR" i="1">
                         <a:latin typeface="Cambria Math" panose="02040503050406030204" pitchFamily="18" charset="0"/>
                       </a:rPr>
                       <m:t>𝑛</m:t>
                     </m:r>
                     <m:r>
-                      <a:rPr lang="pt-BR" b="0" i="1" smtClean="0">
+                      <a:rPr lang="pt-BR" i="1">
                         <a:latin typeface="Cambria Math" panose="02040503050406030204" pitchFamily="18" charset="0"/>
                       </a:rPr>
                       <m:t>)</m:t>
@@ -20772,26 +20458,151 @@
                       <m:t>=1,2</m:t>
                     </m:r>
                     <m:r>
-                      <a:rPr lang="pt-BR" b="0" i="0" smtClean="0">
+                      <a:rPr lang="pt-BR">
                         <a:latin typeface="Cambria Math" panose="02040503050406030204" pitchFamily="18" charset="0"/>
                       </a:rPr>
                       <m:t>.</m:t>
                     </m:r>
                   </m:oMath>
                 </a14:m>
-                <a:endParaRPr lang="nl-BE" dirty="0"/>
+                <a:endParaRPr lang="en-US" dirty="0" smtClean="0"/>
+              </a:p>
+              <a:p>
+                <a:pPr marL="0" indent="0" algn="ctr">
+                  <a:buNone/>
+                </a:pPr>
+                <a:r>
+                  <a:rPr lang="pt-BR" dirty="0" smtClean="0"/>
+                  <a:t>Forma matricial: </a:t>
+                </a:r>
+                <a14:m>
+                  <m:oMath xmlns:m="http://schemas.openxmlformats.org/officeDocument/2006/math">
+                    <m:r>
+                      <a:rPr lang="pt-BR" b="1" i="1">
+                        <a:latin typeface="Cambria Math" panose="02040503050406030204" pitchFamily="18" charset="0"/>
+                      </a:rPr>
+                      <m:t>𝒂</m:t>
+                    </m:r>
+                    <m:r>
+                      <a:rPr lang="pt-BR" i="1">
+                        <a:latin typeface="Cambria Math" panose="02040503050406030204" pitchFamily="18" charset="0"/>
+                      </a:rPr>
+                      <m:t>=</m:t>
+                    </m:r>
+                    <m:r>
+                      <a:rPr lang="pt-BR" b="1" i="1">
+                        <a:latin typeface="Cambria Math" panose="02040503050406030204" pitchFamily="18" charset="0"/>
+                      </a:rPr>
+                      <m:t>𝒂</m:t>
+                    </m:r>
+                    <m:r>
+                      <a:rPr lang="pt-BR" i="1">
+                        <a:latin typeface="Cambria Math" panose="02040503050406030204" pitchFamily="18" charset="0"/>
+                      </a:rPr>
+                      <m:t>−</m:t>
+                    </m:r>
+                    <m:r>
+                      <a:rPr lang="pt-BR" i="1">
+                        <a:latin typeface="Cambria Math" panose="02040503050406030204" pitchFamily="18" charset="0"/>
+                        <a:ea typeface="Cambria Math" panose="02040503050406030204" pitchFamily="18" charset="0"/>
+                      </a:rPr>
+                      <m:t>𝛼</m:t>
+                    </m:r>
+                    <m:sSup>
+                      <m:sSupPr>
+                        <m:ctrlPr>
+                          <a:rPr lang="pt-BR" i="1">
+                            <a:latin typeface="Cambria Math" panose="02040503050406030204" pitchFamily="18" charset="0"/>
+                            <a:ea typeface="Cambria Math" panose="02040503050406030204" pitchFamily="18" charset="0"/>
+                          </a:rPr>
+                        </m:ctrlPr>
+                      </m:sSupPr>
+                      <m:e>
+                        <m:r>
+                          <a:rPr lang="pt-BR" b="1" i="1">
+                            <a:latin typeface="Cambria Math" panose="02040503050406030204" pitchFamily="18" charset="0"/>
+                            <a:ea typeface="Cambria Math" panose="02040503050406030204" pitchFamily="18" charset="0"/>
+                          </a:rPr>
+                          <m:t>𝑿</m:t>
+                        </m:r>
+                      </m:e>
+                      <m:sup>
+                        <m:r>
+                          <a:rPr lang="pt-BR" i="1">
+                            <a:latin typeface="Cambria Math" panose="02040503050406030204" pitchFamily="18" charset="0"/>
+                            <a:ea typeface="Cambria Math" panose="02040503050406030204" pitchFamily="18" charset="0"/>
+                          </a:rPr>
+                          <m:t>𝑇</m:t>
+                        </m:r>
+                      </m:sup>
+                    </m:sSup>
+                    <m:r>
+                      <a:rPr lang="pt-BR" i="1">
+                        <a:latin typeface="Cambria Math" panose="02040503050406030204" pitchFamily="18" charset="0"/>
+                        <a:ea typeface="Cambria Math" panose="02040503050406030204" pitchFamily="18" charset="0"/>
+                      </a:rPr>
+                      <m:t>(</m:t>
+                    </m:r>
+                    <m:r>
+                      <a:rPr lang="pt-BR" b="1" i="1">
+                        <a:latin typeface="Cambria Math" panose="02040503050406030204" pitchFamily="18" charset="0"/>
+                        <a:ea typeface="Cambria Math" panose="02040503050406030204" pitchFamily="18" charset="0"/>
+                      </a:rPr>
+                      <m:t>𝒚</m:t>
+                    </m:r>
+                    <m:r>
+                      <a:rPr lang="pt-BR" i="1">
+                        <a:latin typeface="Cambria Math" panose="02040503050406030204" pitchFamily="18" charset="0"/>
+                        <a:ea typeface="Cambria Math" panose="02040503050406030204" pitchFamily="18" charset="0"/>
+                      </a:rPr>
+                      <m:t>−</m:t>
+                    </m:r>
+                    <m:acc>
+                      <m:accPr>
+                        <m:chr m:val="̂"/>
+                        <m:ctrlPr>
+                          <a:rPr lang="pt-BR" i="1">
+                            <a:latin typeface="Cambria Math" panose="02040503050406030204" pitchFamily="18" charset="0"/>
+                            <a:ea typeface="Cambria Math" panose="02040503050406030204" pitchFamily="18" charset="0"/>
+                          </a:rPr>
+                        </m:ctrlPr>
+                      </m:accPr>
+                      <m:e>
+                        <m:r>
+                          <a:rPr lang="pt-BR" b="1" i="1">
+                            <a:latin typeface="Cambria Math" panose="02040503050406030204" pitchFamily="18" charset="0"/>
+                            <a:ea typeface="Cambria Math" panose="02040503050406030204" pitchFamily="18" charset="0"/>
+                          </a:rPr>
+                          <m:t>𝒚</m:t>
+                        </m:r>
+                      </m:e>
+                    </m:acc>
+                    <m:r>
+                      <a:rPr lang="pt-BR" i="1">
+                        <a:latin typeface="Cambria Math" panose="02040503050406030204" pitchFamily="18" charset="0"/>
+                        <a:ea typeface="Cambria Math" panose="02040503050406030204" pitchFamily="18" charset="0"/>
+                      </a:rPr>
+                      <m:t>)</m:t>
+                    </m:r>
+                  </m:oMath>
+                </a14:m>
+                <a:endParaRPr lang="en-US" dirty="0" smtClean="0"/>
               </a:p>
               <a:p>
                 <a:pPr marL="0" indent="0">
                   <a:buNone/>
                 </a:pPr>
                 <a:r>
-                  <a:rPr lang="en-US" dirty="0" err="1"/>
+                  <a:rPr lang="en-US" dirty="0" err="1" smtClean="0"/>
                   <a:t>onde</a:t>
                 </a:r>
                 <a:r>
+                  <a:rPr lang="en-US" dirty="0" smtClean="0"/>
+                  <a:t> </a:t>
+                </a:r>
+                <a:r>
                   <a:rPr lang="en-US" dirty="0"/>
-                  <a:t> o </a:t>
+                  <a:t>o </a:t>
                 </a:r>
                 <a:r>
                   <a:rPr lang="en-US" dirty="0" err="1"/>
@@ -20894,7 +20705,7 @@
             </p:txBody>
           </p:sp>
         </mc:Choice>
-        <mc:Fallback xmlns="">
+        <mc:Fallback>
           <p:sp>
             <p:nvSpPr>
               <p:cNvPr id="4" name="Content Placeholder 2"/>
@@ -20907,13 +20718,13 @@
             </p:nvSpPr>
             <p:spPr>
               <a:xfrm>
-                <a:off x="838200" y="1064525"/>
-                <a:ext cx="11238186" cy="3763393"/>
+                <a:off x="838200" y="995963"/>
+                <a:ext cx="9117568" cy="5834741"/>
               </a:xfrm>
               <a:blipFill rotWithShape="0">
                 <a:blip r:embed="rId3"/>
                 <a:stretch>
-                  <a:fillRect l="-488" t="-2755"/>
+                  <a:fillRect l="-870" t="-2088" b="-1357"/>
                 </a:stretch>
               </a:blipFill>
             </p:spPr>
@@ -20940,7 +20751,7 @@
         </p:nvSpPr>
         <p:spPr>
           <a:xfrm>
-            <a:off x="6772545" y="492089"/>
+            <a:off x="3791823" y="320741"/>
             <a:ext cx="5303841" cy="307777"/>
           </a:xfrm>
           <a:prstGeom prst="rect">
@@ -20997,8 +20808,8 @@
         </p:nvSpPr>
         <p:spPr>
           <a:xfrm>
-            <a:off x="9904695" y="1870918"/>
-            <a:ext cx="1783080" cy="523220"/>
+            <a:off x="443811" y="3548720"/>
+            <a:ext cx="1383594" cy="738664"/>
           </a:xfrm>
           <a:prstGeom prst="rect">
             <a:avLst/>
@@ -21023,15 +20834,13 @@
       <p:cxnSp>
         <p:nvCxnSpPr>
           <p:cNvPr id="12" name="Straight Arrow Connector 11"/>
-          <p:cNvCxnSpPr>
-            <a:stCxn id="11" idx="1"/>
-          </p:cNvCxnSpPr>
+          <p:cNvCxnSpPr/>
           <p:nvPr/>
         </p:nvCxnSpPr>
         <p:spPr>
-          <a:xfrm flipH="1">
-            <a:off x="2852382" y="2132528"/>
-            <a:ext cx="7052313" cy="633395"/>
+          <a:xfrm flipV="1">
+            <a:off x="1827405" y="3153979"/>
+            <a:ext cx="2157741" cy="764074"/>
           </a:xfrm>
           <a:prstGeom prst="straightConnector1">
             <a:avLst/>
@@ -21066,8 +20875,8 @@
         </p:nvSpPr>
         <p:spPr>
           <a:xfrm>
-            <a:off x="3754582" y="4634473"/>
-            <a:ext cx="1647411" cy="1169551"/>
+            <a:off x="8375563" y="2303607"/>
+            <a:ext cx="1580205" cy="1169551"/>
           </a:xfrm>
           <a:prstGeom prst="rect">
             <a:avLst/>
@@ -21105,8 +20914,8 @@
         </p:nvSpPr>
         <p:spPr>
           <a:xfrm>
-            <a:off x="8065246" y="4634473"/>
-            <a:ext cx="1647411" cy="738664"/>
+            <a:off x="8623495" y="4652949"/>
+            <a:ext cx="1244731" cy="954107"/>
           </a:xfrm>
           <a:prstGeom prst="rect">
             <a:avLst/>
@@ -21149,7 +20958,7 @@
         </p:blipFill>
         <p:spPr>
           <a:xfrm>
-            <a:off x="698516" y="4634473"/>
+            <a:off x="9284199" y="28267"/>
             <a:ext cx="2857170" cy="2157259"/>
           </a:xfrm>
           <a:prstGeom prst="rect">
@@ -21178,7 +20987,7 @@
         </p:blipFill>
         <p:spPr>
           <a:xfrm>
-            <a:off x="5401993" y="4621629"/>
+            <a:off x="9801020" y="2290763"/>
             <a:ext cx="2340349" cy="2214069"/>
           </a:xfrm>
           <a:prstGeom prst="rect">
@@ -21196,8 +21005,8 @@
         </p:nvCxnSpPr>
         <p:spPr>
           <a:xfrm>
-            <a:off x="4578288" y="5804024"/>
-            <a:ext cx="1481743" cy="313760"/>
+            <a:off x="9165666" y="3473158"/>
+            <a:ext cx="1272562" cy="382902"/>
           </a:xfrm>
           <a:prstGeom prst="straightConnector1">
             <a:avLst/>
@@ -21245,7 +21054,7 @@
         </p:blipFill>
         <p:spPr>
           <a:xfrm>
-            <a:off x="9645451" y="4590886"/>
+            <a:off x="9801020" y="4609362"/>
             <a:ext cx="2356208" cy="2237618"/>
           </a:xfrm>
           <a:prstGeom prst="rect">
@@ -21256,13 +21065,15 @@
       <p:cxnSp>
         <p:nvCxnSpPr>
           <p:cNvPr id="14" name="Straight Arrow Connector 13"/>
-          <p:cNvCxnSpPr/>
+          <p:cNvCxnSpPr>
+            <a:stCxn id="13" idx="2"/>
+          </p:cNvCxnSpPr>
           <p:nvPr/>
         </p:nvCxnSpPr>
         <p:spPr>
           <a:xfrm>
-            <a:off x="8885215" y="5360274"/>
-            <a:ext cx="1556643" cy="905713"/>
+            <a:off x="9245861" y="5607056"/>
+            <a:ext cx="1351566" cy="677407"/>
           </a:xfrm>
           <a:prstGeom prst="straightConnector1">
             <a:avLst/>
@@ -21292,7 +21103,7 @@
     </p:spTree>
     <p:extLst>
       <p:ext uri="{BB962C8B-B14F-4D97-AF65-F5344CB8AC3E}">
-        <p14:creationId xmlns:p14="http://schemas.microsoft.com/office/powerpoint/2010/main" val="3523179657"/>
+        <p14:creationId xmlns:p14="http://schemas.microsoft.com/office/powerpoint/2010/main" val="306982911"/>
       </p:ext>
     </p:extLst>
   </p:cSld>
@@ -21353,8 +21164,8 @@
           </a:p>
         </p:txBody>
       </p:sp>
-      <mc:AlternateContent xmlns:mc="http://schemas.openxmlformats.org/markup-compatibility/2006" xmlns:a14="http://schemas.microsoft.com/office/drawing/2010/main">
-        <mc:Choice Requires="a14">
+      <mc:AlternateContent xmlns:mc="http://schemas.openxmlformats.org/markup-compatibility/2006">
+        <mc:Choice xmlns:a14="http://schemas.microsoft.com/office/drawing/2010/main" Requires="a14">
           <p:sp>
             <p:nvSpPr>
               <p:cNvPr id="3" name="Content Placeholder 2"/>
@@ -21373,7 +21184,7 @@
             </p:spPr>
             <p:txBody>
               <a:bodyPr>
-                <a:normAutofit lnSpcReduction="10000"/>
+                <a:normAutofit/>
               </a:bodyPr>
               <a:lstStyle/>
               <a:p>
@@ -21389,23 +21200,23 @@
                 <a:pPr algn="just"/>
                 <a:r>
                   <a:rPr lang="pt-BR" b="1" dirty="0"/>
-                  <a:t>Batelada (do inglês </a:t>
+                  <a:t>Batelada </a:t>
+                </a:r>
+                <a:r>
+                  <a:rPr lang="pt-BR" dirty="0"/>
+                  <a:t>(do inglês </a:t>
                 </a:r>
                 <a:r>
                   <a:rPr lang="pt-BR" b="1" i="1" dirty="0"/>
                   <a:t>batch</a:t>
                 </a:r>
                 <a:r>
-                  <a:rPr lang="pt-BR" b="1" dirty="0"/>
-                  <a:t>)</a:t>
-                </a:r>
-                <a:r>
                   <a:rPr lang="pt-BR" dirty="0"/>
-                  <a:t>: a cada </a:t>
+                  <a:t>): a cada </a:t>
                 </a:r>
                 <a:r>
                   <a:rPr lang="pt-BR" dirty="0" smtClean="0"/>
-                  <a:t>iteração (nesse caso, uma época) </a:t>
+                  <a:t>época </a:t>
                 </a:r>
                 <a:r>
                   <a:rPr lang="pt-BR" dirty="0"/>
@@ -21809,9 +21620,6 @@
                 <a:endParaRPr lang="pt-BR" dirty="0" smtClean="0"/>
               </a:p>
               <a:p>
-                <a:pPr marL="0" indent="0">
-                  <a:buNone/>
-                </a:pPr>
                 <a:r>
                   <a:rPr lang="pt-BR" b="1" dirty="0" smtClean="0"/>
                   <a:t>Características</a:t>
@@ -21824,8 +21632,8 @@
               </a:p>
               <a:p>
                 <a:pPr lvl="1" algn="just">
-                  <a:buFont typeface="Courier New" panose="02070309020205020404" pitchFamily="49" charset="0"/>
-                  <a:buChar char="o"/>
+                  <a:buFont typeface="Wingdings" panose="05000000000000000000" pitchFamily="2" charset="2"/>
+                  <a:buChar char="§"/>
                 </a:pPr>
                 <a:r>
                   <a:rPr lang="pt-BR" dirty="0"/>
@@ -21834,8 +21642,8 @@
               </a:p>
               <a:p>
                 <a:pPr lvl="1" algn="just">
-                  <a:buFont typeface="Courier New" panose="02070309020205020404" pitchFamily="49" charset="0"/>
-                  <a:buChar char="o"/>
+                  <a:buFont typeface="Wingdings" panose="05000000000000000000" pitchFamily="2" charset="2"/>
+                  <a:buChar char="§"/>
                 </a:pPr>
                 <a:r>
                   <a:rPr lang="pt-BR" b="1" dirty="0"/>
@@ -21861,8 +21669,8 @@
               </a:p>
               <a:p>
                 <a:pPr lvl="1" algn="just">
-                  <a:buFont typeface="Courier New" panose="02070309020205020404" pitchFamily="49" charset="0"/>
-                  <a:buChar char="o"/>
+                  <a:buFont typeface="Wingdings" panose="05000000000000000000" pitchFamily="2" charset="2"/>
+                  <a:buChar char="§"/>
                 </a:pPr>
                 <a:r>
                   <a:rPr lang="pt-BR" b="1" dirty="0"/>
@@ -21877,7 +21685,7 @@
             </p:txBody>
           </p:sp>
         </mc:Choice>
-        <mc:Fallback xmlns="">
+        <mc:Fallback>
           <p:sp>
             <p:nvSpPr>
               <p:cNvPr id="3" name="Content Placeholder 2"/>
@@ -21896,7 +21704,7 @@
               <a:blipFill rotWithShape="0">
                 <a:blip r:embed="rId3"/>
                 <a:stretch>
-                  <a:fillRect l="-1091" t="-2466" r="-1145"/>
+                  <a:fillRect l="-1091" t="-1794" r="-1145" b="-1457"/>
                 </a:stretch>
               </a:blipFill>
             </p:spPr>
@@ -21923,7 +21731,7 @@
         </p:nvSpPr>
         <p:spPr>
           <a:xfrm>
-            <a:off x="3274481" y="3664928"/>
+            <a:off x="3260833" y="3555744"/>
             <a:ext cx="809896" cy="588645"/>
           </a:xfrm>
           <a:prstGeom prst="rect">

--- a/slides/T319_Regressão_Linear (Parte II).pptx
+++ b/slides/T319_Regressão_Linear (Parte II).pptx
@@ -540,7 +540,7 @@
           <a:p>
             <a:fld id="{DAF0AF11-6A8A-4E64-94F5-26D4FBA2A01D}" type="datetimeFigureOut">
               <a:rPr lang="nl-BE" smtClean="0"/>
-              <a:t>24/09/2021</a:t>
+              <a:t>29/04/2022</a:t>
             </a:fld>
             <a:endParaRPr lang="nl-BE"/>
           </a:p>
@@ -699,7 +699,7 @@
           <a:p>
             <a:fld id="{DA8B99DF-01BC-492A-8CEF-4FD88D18DD9D}" type="slidenum">
               <a:rPr lang="nl-BE" smtClean="0"/>
-              <a:t>‹#›</a:t>
+              <a:t>‹nº›</a:t>
             </a:fld>
             <a:endParaRPr lang="nl-BE"/>
           </a:p>
@@ -990,7 +990,15 @@
           <a:p>
             <a:r>
               <a:rPr lang="pt-BR" sz="1200" b="0" dirty="0" smtClean="0"/>
-              <a:t>GDE funciona bem para superfícies de erro que têm muitos mínimos locais. Neste caso, o gradiente um pouco mais ruidoso calculado usando o número reduzido de amostras tende a empurrar o modelo dos mínimos locais para uma região que esperançosamente é mais ideal. Amostras individuais são realmente barulhentas, enquanto os minibatches tendem a amenizar</a:t>
+              <a:t>GDE funciona bem para superfícies de erro que têm muitos mínimos locais. Neste caso, o gradiente um pouco mais ruidoso calculado usando o número reduzido de amostras tende a empurrar o modelo dos mínimos locais para uma região que esperançosamente é mais ideal. Amostras individuais são realmente </a:t>
+            </a:r>
+            <a:r>
+              <a:rPr lang="pt-BR" sz="1200" b="0" dirty="0" smtClean="0"/>
+              <a:t>ruidosas, </a:t>
+            </a:r>
+            <a:r>
+              <a:rPr lang="pt-BR" sz="1200" b="0" dirty="0" smtClean="0"/>
+              <a:t>enquanto os minibatches tendem a amenizar</a:t>
             </a:r>
             <a:r>
               <a:rPr lang="pt-BR" sz="1200" b="0" baseline="0" dirty="0" smtClean="0"/>
@@ -1111,7 +1119,74 @@
             </a:r>
             <a:r>
               <a:rPr lang="pt-BR" u="none" dirty="0" smtClean="0"/>
-              <a:t>https://mybinder.org/v2/gh/zz4fap/t319_aprendizado_de_maquina/main?filepath=notebooks%2Fregression%2Fgd_versions%2F</a:t>
+              <a:t>https://</a:t>
+            </a:r>
+            <a:r>
+              <a:rPr lang="pt-BR" u="none" dirty="0" smtClean="0"/>
+              <a:t>mybinder.org/v2/gh/zz4fap/t319_aprendizado_de_maquina/main?filepath=notebooks%2Fregression%2Fgd_versions%2F</a:t>
+            </a:r>
+            <a:r>
+              <a:rPr lang="pt-BR" u="none" dirty="0" smtClean="0">
+                <a:solidFill>
+                  <a:srgbClr val="00B0F0"/>
+                </a:solidFill>
+              </a:rPr>
+              <a:t>stocastic_gradient_descent_with_figures.ipynb</a:t>
+            </a:r>
+          </a:p>
+          <a:p>
+            <a:pPr marL="0" marR="0" lvl="0" indent="0" algn="l" defTabSz="914400" rtl="0" eaLnBrk="1" fontAlgn="auto" latinLnBrk="0" hangingPunct="1">
+              <a:lnSpc>
+                <a:spcPct val="100000"/>
+              </a:lnSpc>
+              <a:spcBef>
+                <a:spcPts val="0"/>
+              </a:spcBef>
+              <a:spcAft>
+                <a:spcPts val="0"/>
+              </a:spcAft>
+              <a:buClrTx/>
+              <a:buSzTx/>
+              <a:buFontTx/>
+              <a:buNone/>
+              <a:tabLst/>
+              <a:defRPr/>
+            </a:pPr>
+            <a:endParaRPr lang="pt-BR" sz="1200" u="none" dirty="0" smtClean="0">
+              <a:solidFill>
+                <a:srgbClr val="00B0F0"/>
+              </a:solidFill>
+            </a:endParaRPr>
+          </a:p>
+          <a:p>
+            <a:pPr marL="0" marR="0" lvl="0" indent="0" algn="l" defTabSz="914400" rtl="0" eaLnBrk="1" fontAlgn="auto" latinLnBrk="0" hangingPunct="1">
+              <a:lnSpc>
+                <a:spcPct val="100000"/>
+              </a:lnSpc>
+              <a:spcBef>
+                <a:spcPts val="0"/>
+              </a:spcBef>
+              <a:spcAft>
+                <a:spcPts val="0"/>
+              </a:spcAft>
+              <a:buClrTx/>
+              <a:buSzTx/>
+              <a:buFontTx/>
+              <a:buNone/>
+              <a:tabLst/>
+              <a:defRPr/>
+            </a:pPr>
+            <a:r>
+              <a:rPr lang="pt-BR" sz="1200" u="none" dirty="0" smtClean="0">
+                <a:solidFill>
+                  <a:srgbClr val="00B0F0"/>
+                </a:solidFill>
+              </a:rPr>
+              <a:t>Exemplo: </a:t>
+            </a:r>
+            <a:r>
+              <a:rPr lang="pt-BR" dirty="0" smtClean="0"/>
+              <a:t>https://colab.research.google.com/github/zz4fap/t319_aprendizado_de_maquina/blob/main/notebooks/regression/gd_versions/</a:t>
             </a:r>
             <a:r>
               <a:rPr lang="pt-BR" u="none" dirty="0" smtClean="0">
@@ -1483,12 +1558,30 @@
             </a:r>
             <a:r>
               <a:rPr lang="pt-BR" u="none" dirty="0" smtClean="0"/>
-              <a:t>https://mybinder.org/v2/gh/zz4fap/t319_aprendizado_de_maquina/main?filepath=notebooks%2Fregression%2Fgd_versions%2F</a:t>
+              <a:t>https://</a:t>
+            </a:r>
+            <a:r>
+              <a:rPr lang="pt-BR" u="none" dirty="0" smtClean="0"/>
+              <a:t>mybinder.org/v2/gh/zz4fap/t319_aprendizado_de_maquina/main?filepath=notebooks%2Fregression%2Fgd_versions%2F</a:t>
             </a:r>
             <a:r>
               <a:rPr lang="pt-BR" dirty="0" smtClean="0"/>
               <a:t>mini_batch_gradient_descent_with_figures.ipynb</a:t>
             </a:r>
+          </a:p>
+          <a:p>
+            <a:endParaRPr lang="pt-BR" dirty="0" smtClean="0"/>
+          </a:p>
+          <a:p>
+            <a:r>
+              <a:rPr lang="pt-BR" b="1" dirty="0" smtClean="0"/>
+              <a:t>Exemplo: </a:t>
+            </a:r>
+            <a:r>
+              <a:rPr lang="pt-BR" dirty="0" smtClean="0"/>
+              <a:t>https://colab.research.google.com/github/zz4fap/t319_aprendizado_de_maquina/blob/main/notebooks/regression/gd_versions/mini_batch_gradient_descent_with_figures.ipynb</a:t>
+            </a:r>
+            <a:endParaRPr lang="pt-BR" dirty="0" smtClean="0"/>
           </a:p>
           <a:p>
             <a:endParaRPr lang="pt-BR" dirty="0" smtClean="0"/>
@@ -1648,7 +1741,17 @@
           <a:bodyPr/>
           <a:lstStyle/>
           <a:p>
-            <a:endParaRPr lang="pt-BR" dirty="0"/>
+            <a:r>
+              <a:rPr lang="pt-BR" b="1" dirty="0" smtClean="0"/>
+              <a:t>Laboratório</a:t>
+            </a:r>
+            <a:r>
+              <a:rPr lang="pt-BR" dirty="0" smtClean="0"/>
+              <a:t>: https://colab.research.google.com/github/zz4fap/t319_aprendizado_de_maquina/blob/main/labs/Laboratorio3.ipynb</a:t>
+            </a:r>
+          </a:p>
+          <a:p>
+            <a:endParaRPr lang="pt-BR" dirty="0" smtClean="0"/>
           </a:p>
         </p:txBody>
       </p:sp>
@@ -5530,8 +5633,60 @@
             </a:r>
             <a:r>
               <a:rPr lang="pt-BR" dirty="0" smtClean="0"/>
-              <a:t>https://mybinder.org/v2/gh/zz4fap/t319_aprendizado_de_maquina/main?filepath=notebooks%2Fregression%2Fgd_versions%2Fbatch_gradient_descent_with_figures.ipynb</a:t>
-            </a:r>
+              <a:t>https://</a:t>
+            </a:r>
+            <a:r>
+              <a:rPr lang="pt-BR" dirty="0" smtClean="0"/>
+              <a:t>mybinder.org/v2/gh/zz4fap/t319_aprendizado_de_maquina/main?filepath=notebooks%2Fregression%2Fgd_versions%2Fbatch_gradient_descent_with_figures.ipynb</a:t>
+            </a:r>
+          </a:p>
+          <a:p>
+            <a:pPr marL="0" marR="0" lvl="0" indent="0" algn="l" defTabSz="914400" rtl="0" eaLnBrk="1" fontAlgn="auto" latinLnBrk="0" hangingPunct="1">
+              <a:lnSpc>
+                <a:spcPct val="100000"/>
+              </a:lnSpc>
+              <a:spcBef>
+                <a:spcPts val="0"/>
+              </a:spcBef>
+              <a:spcAft>
+                <a:spcPts val="0"/>
+              </a:spcAft>
+              <a:buClrTx/>
+              <a:buSzTx/>
+              <a:buFontTx/>
+              <a:buNone/>
+              <a:tabLst/>
+              <a:defRPr/>
+            </a:pPr>
+            <a:endParaRPr lang="pt-BR" dirty="0" smtClean="0"/>
+          </a:p>
+          <a:p>
+            <a:pPr marL="0" marR="0" lvl="0" indent="0" algn="l" defTabSz="914400" rtl="0" eaLnBrk="1" fontAlgn="auto" latinLnBrk="0" hangingPunct="1">
+              <a:lnSpc>
+                <a:spcPct val="100000"/>
+              </a:lnSpc>
+              <a:spcBef>
+                <a:spcPts val="0"/>
+              </a:spcBef>
+              <a:spcAft>
+                <a:spcPts val="0"/>
+              </a:spcAft>
+              <a:buClrTx/>
+              <a:buSzTx/>
+              <a:buFontTx/>
+              <a:buNone/>
+              <a:tabLst/>
+              <a:defRPr/>
+            </a:pPr>
+            <a:r>
+              <a:rPr lang="pt-BR" b="1" dirty="0" smtClean="0"/>
+              <a:t>Exemplo</a:t>
+            </a:r>
+            <a:r>
+              <a:rPr lang="pt-BR" dirty="0" smtClean="0"/>
+              <a:t>: https://colab.research.google.com/github/zz4fap/t319_aprendizado_de_maquina/blob/main/notebooks/regression/gd_versions/batch_gradient_descent_with_figures.ipynb</a:t>
+            </a:r>
+            <a:endParaRPr lang="pt-BR" dirty="0" smtClean="0"/>
           </a:p>
           <a:p>
             <a:pPr marL="0" marR="0" lvl="0" indent="0" algn="l" defTabSz="914400" rtl="0" eaLnBrk="1" fontAlgn="auto" latinLnBrk="0" hangingPunct="1">
@@ -5797,7 +5952,7 @@
           <a:p>
             <a:fld id="{C80E15A5-E95B-43EB-9AC7-9A96397448C0}" type="datetimeFigureOut">
               <a:rPr lang="nl-BE" smtClean="0"/>
-              <a:t>24/09/2021</a:t>
+              <a:t>29/04/2022</a:t>
             </a:fld>
             <a:endParaRPr lang="nl-BE"/>
           </a:p>
@@ -5839,7 +5994,7 @@
           <a:p>
             <a:fld id="{67C3C120-4544-49C4-A71C-C78FE5187513}" type="slidenum">
               <a:rPr lang="nl-BE" smtClean="0"/>
-              <a:t>‹#›</a:t>
+              <a:t>‹nº›</a:t>
             </a:fld>
             <a:endParaRPr lang="nl-BE"/>
           </a:p>
@@ -5967,7 +6122,7 @@
           <a:p>
             <a:fld id="{C80E15A5-E95B-43EB-9AC7-9A96397448C0}" type="datetimeFigureOut">
               <a:rPr lang="nl-BE" smtClean="0"/>
-              <a:t>24/09/2021</a:t>
+              <a:t>29/04/2022</a:t>
             </a:fld>
             <a:endParaRPr lang="nl-BE"/>
           </a:p>
@@ -6009,7 +6164,7 @@
           <a:p>
             <a:fld id="{67C3C120-4544-49C4-A71C-C78FE5187513}" type="slidenum">
               <a:rPr lang="nl-BE" smtClean="0"/>
-              <a:t>‹#›</a:t>
+              <a:t>‹nº›</a:t>
             </a:fld>
             <a:endParaRPr lang="nl-BE"/>
           </a:p>
@@ -6147,7 +6302,7 @@
           <a:p>
             <a:fld id="{C80E15A5-E95B-43EB-9AC7-9A96397448C0}" type="datetimeFigureOut">
               <a:rPr lang="nl-BE" smtClean="0"/>
-              <a:t>24/09/2021</a:t>
+              <a:t>29/04/2022</a:t>
             </a:fld>
             <a:endParaRPr lang="nl-BE"/>
           </a:p>
@@ -6189,7 +6344,7 @@
           <a:p>
             <a:fld id="{67C3C120-4544-49C4-A71C-C78FE5187513}" type="slidenum">
               <a:rPr lang="nl-BE" smtClean="0"/>
-              <a:t>‹#›</a:t>
+              <a:t>‹nº›</a:t>
             </a:fld>
             <a:endParaRPr lang="nl-BE"/>
           </a:p>
@@ -6317,7 +6472,7 @@
           <a:p>
             <a:fld id="{C80E15A5-E95B-43EB-9AC7-9A96397448C0}" type="datetimeFigureOut">
               <a:rPr lang="nl-BE" smtClean="0"/>
-              <a:t>24/09/2021</a:t>
+              <a:t>29/04/2022</a:t>
             </a:fld>
             <a:endParaRPr lang="nl-BE"/>
           </a:p>
@@ -6359,7 +6514,7 @@
           <a:p>
             <a:fld id="{67C3C120-4544-49C4-A71C-C78FE5187513}" type="slidenum">
               <a:rPr lang="nl-BE" smtClean="0"/>
-              <a:t>‹#›</a:t>
+              <a:t>‹nº›</a:t>
             </a:fld>
             <a:endParaRPr lang="nl-BE"/>
           </a:p>
@@ -6563,7 +6718,7 @@
           <a:p>
             <a:fld id="{C80E15A5-E95B-43EB-9AC7-9A96397448C0}" type="datetimeFigureOut">
               <a:rPr lang="nl-BE" smtClean="0"/>
-              <a:t>24/09/2021</a:t>
+              <a:t>29/04/2022</a:t>
             </a:fld>
             <a:endParaRPr lang="nl-BE"/>
           </a:p>
@@ -6605,7 +6760,7 @@
           <a:p>
             <a:fld id="{67C3C120-4544-49C4-A71C-C78FE5187513}" type="slidenum">
               <a:rPr lang="nl-BE" smtClean="0"/>
-              <a:t>‹#›</a:t>
+              <a:t>‹nº›</a:t>
             </a:fld>
             <a:endParaRPr lang="nl-BE"/>
           </a:p>
@@ -6795,7 +6950,7 @@
           <a:p>
             <a:fld id="{C80E15A5-E95B-43EB-9AC7-9A96397448C0}" type="datetimeFigureOut">
               <a:rPr lang="nl-BE" smtClean="0"/>
-              <a:t>24/09/2021</a:t>
+              <a:t>29/04/2022</a:t>
             </a:fld>
             <a:endParaRPr lang="nl-BE"/>
           </a:p>
@@ -6837,7 +6992,7 @@
           <a:p>
             <a:fld id="{67C3C120-4544-49C4-A71C-C78FE5187513}" type="slidenum">
               <a:rPr lang="nl-BE" smtClean="0"/>
-              <a:t>‹#›</a:t>
+              <a:t>‹nº›</a:t>
             </a:fld>
             <a:endParaRPr lang="nl-BE"/>
           </a:p>
@@ -7162,7 +7317,7 @@
           <a:p>
             <a:fld id="{C80E15A5-E95B-43EB-9AC7-9A96397448C0}" type="datetimeFigureOut">
               <a:rPr lang="nl-BE" smtClean="0"/>
-              <a:t>24/09/2021</a:t>
+              <a:t>29/04/2022</a:t>
             </a:fld>
             <a:endParaRPr lang="nl-BE"/>
           </a:p>
@@ -7204,7 +7359,7 @@
           <a:p>
             <a:fld id="{67C3C120-4544-49C4-A71C-C78FE5187513}" type="slidenum">
               <a:rPr lang="nl-BE" smtClean="0"/>
-              <a:t>‹#›</a:t>
+              <a:t>‹nº›</a:t>
             </a:fld>
             <a:endParaRPr lang="nl-BE"/>
           </a:p>
@@ -7280,7 +7435,7 @@
           <a:p>
             <a:fld id="{C80E15A5-E95B-43EB-9AC7-9A96397448C0}" type="datetimeFigureOut">
               <a:rPr lang="nl-BE" smtClean="0"/>
-              <a:t>24/09/2021</a:t>
+              <a:t>29/04/2022</a:t>
             </a:fld>
             <a:endParaRPr lang="nl-BE"/>
           </a:p>
@@ -7322,7 +7477,7 @@
           <a:p>
             <a:fld id="{67C3C120-4544-49C4-A71C-C78FE5187513}" type="slidenum">
               <a:rPr lang="nl-BE" smtClean="0"/>
-              <a:t>‹#›</a:t>
+              <a:t>‹nº›</a:t>
             </a:fld>
             <a:endParaRPr lang="nl-BE"/>
           </a:p>
@@ -7375,7 +7530,7 @@
           <a:p>
             <a:fld id="{C80E15A5-E95B-43EB-9AC7-9A96397448C0}" type="datetimeFigureOut">
               <a:rPr lang="nl-BE" smtClean="0"/>
-              <a:t>24/09/2021</a:t>
+              <a:t>29/04/2022</a:t>
             </a:fld>
             <a:endParaRPr lang="nl-BE"/>
           </a:p>
@@ -7417,7 +7572,7 @@
           <a:p>
             <a:fld id="{67C3C120-4544-49C4-A71C-C78FE5187513}" type="slidenum">
               <a:rPr lang="nl-BE" smtClean="0"/>
-              <a:t>‹#›</a:t>
+              <a:t>‹nº›</a:t>
             </a:fld>
             <a:endParaRPr lang="nl-BE"/>
           </a:p>
@@ -7652,7 +7807,7 @@
           <a:p>
             <a:fld id="{C80E15A5-E95B-43EB-9AC7-9A96397448C0}" type="datetimeFigureOut">
               <a:rPr lang="nl-BE" smtClean="0"/>
-              <a:t>24/09/2021</a:t>
+              <a:t>29/04/2022</a:t>
             </a:fld>
             <a:endParaRPr lang="nl-BE"/>
           </a:p>
@@ -7694,7 +7849,7 @@
           <a:p>
             <a:fld id="{67C3C120-4544-49C4-A71C-C78FE5187513}" type="slidenum">
               <a:rPr lang="nl-BE" smtClean="0"/>
-              <a:t>‹#›</a:t>
+              <a:t>‹nº›</a:t>
             </a:fld>
             <a:endParaRPr lang="nl-BE"/>
           </a:p>
@@ -7905,7 +8060,7 @@
           <a:p>
             <a:fld id="{C80E15A5-E95B-43EB-9AC7-9A96397448C0}" type="datetimeFigureOut">
               <a:rPr lang="nl-BE" smtClean="0"/>
-              <a:t>24/09/2021</a:t>
+              <a:t>29/04/2022</a:t>
             </a:fld>
             <a:endParaRPr lang="nl-BE"/>
           </a:p>
@@ -7947,7 +8102,7 @@
           <a:p>
             <a:fld id="{67C3C120-4544-49C4-A71C-C78FE5187513}" type="slidenum">
               <a:rPr lang="nl-BE" smtClean="0"/>
-              <a:t>‹#›</a:t>
+              <a:t>‹nº›</a:t>
             </a:fld>
             <a:endParaRPr lang="nl-BE"/>
           </a:p>
@@ -8118,7 +8273,7 @@
           <a:p>
             <a:fld id="{C80E15A5-E95B-43EB-9AC7-9A96397448C0}" type="datetimeFigureOut">
               <a:rPr lang="nl-BE" smtClean="0"/>
-              <a:t>24/09/2021</a:t>
+              <a:t>29/04/2022</a:t>
             </a:fld>
             <a:endParaRPr lang="nl-BE"/>
           </a:p>
@@ -8196,7 +8351,7 @@
           <a:p>
             <a:fld id="{67C3C120-4544-49C4-A71C-C78FE5187513}" type="slidenum">
               <a:rPr lang="nl-BE" smtClean="0"/>
-              <a:t>‹#›</a:t>
+              <a:t>‹nº›</a:t>
             </a:fld>
             <a:endParaRPr lang="nl-BE"/>
           </a:p>
@@ -8528,7 +8683,7 @@
           <p:cNvPr id="2" name="Título 1">
             <a:extLst>
               <a:ext uri="{FF2B5EF4-FFF2-40B4-BE49-F238E27FC236}">
-                <a16:creationId xmlns="" xmlns:a16="http://schemas.microsoft.com/office/drawing/2014/main" id="{32666AC8-2E17-4DB4-B0F5-60C640CCFD2E}"/>
+                <a16:creationId xmlns:a16="http://schemas.microsoft.com/office/drawing/2014/main" xmlns="" id="{32666AC8-2E17-4DB4-B0F5-60C640CCFD2E}"/>
               </a:ext>
             </a:extLst>
           </p:cNvPr>
@@ -8587,7 +8742,7 @@
           <p:cNvPr id="4" name="CaixaDeTexto 3">
             <a:extLst>
               <a:ext uri="{FF2B5EF4-FFF2-40B4-BE49-F238E27FC236}">
-                <a16:creationId xmlns="" xmlns:a16="http://schemas.microsoft.com/office/drawing/2014/main" id="{430EB894-B7D4-434C-9D1A-A14094D9BEEC}"/>
+                <a16:creationId xmlns:a16="http://schemas.microsoft.com/office/drawing/2014/main" xmlns="" id="{430EB894-B7D4-434C-9D1A-A14094D9BEEC}"/>
               </a:ext>
             </a:extLst>
           </p:cNvPr>
@@ -8628,7 +8783,7 @@
           <p:cNvPr id="1026" name="Picture 2" descr="Logo">
             <a:extLst>
               <a:ext uri="{FF2B5EF4-FFF2-40B4-BE49-F238E27FC236}">
-                <a16:creationId xmlns="" xmlns:a16="http://schemas.microsoft.com/office/drawing/2014/main" id="{3F2642E0-4F6A-4196-8F58-E77D36E9A33F}"/>
+                <a16:creationId xmlns:a16="http://schemas.microsoft.com/office/drawing/2014/main" xmlns="" id="{3F2642E0-4F6A-4196-8F58-E77D36E9A33F}"/>
               </a:ext>
             </a:extLst>
           </p:cNvPr>
@@ -8673,7 +8828,7 @@
           <p:cNvPr id="5122" name="Picture 2" descr="Image result for machine learning">
             <a:extLst>
               <a:ext uri="{FF2B5EF4-FFF2-40B4-BE49-F238E27FC236}">
-                <a16:creationId xmlns="" xmlns:a16="http://schemas.microsoft.com/office/drawing/2014/main" id="{810CE0A2-4102-44A6-A370-175E7896CDCB}"/>
+                <a16:creationId xmlns:a16="http://schemas.microsoft.com/office/drawing/2014/main" xmlns="" id="{810CE0A2-4102-44A6-A370-175E7896CDCB}"/>
               </a:ext>
             </a:extLst>
           </p:cNvPr>
@@ -8781,8 +8936,8 @@
           </a:p>
         </p:txBody>
       </p:sp>
-      <mc:AlternateContent xmlns:mc="http://schemas.openxmlformats.org/markup-compatibility/2006">
-        <mc:Choice xmlns:a14="http://schemas.microsoft.com/office/drawing/2010/main" Requires="a14">
+      <mc:AlternateContent xmlns:mc="http://schemas.openxmlformats.org/markup-compatibility/2006" xmlns:a14="http://schemas.microsoft.com/office/drawing/2010/main">
+        <mc:Choice Requires="a14">
           <p:sp>
             <p:nvSpPr>
               <p:cNvPr id="3" name="Content Placeholder 2"/>
@@ -8956,11 +9111,7 @@
                 </a:r>
                 <a:r>
                   <a:rPr lang="pt-BR" dirty="0" smtClean="0"/>
-                  <a:t>neste ponto </a:t>
-                </a:r>
-                <a:r>
-                  <a:rPr lang="pt-BR" dirty="0" smtClean="0"/>
-                  <a:t>é </a:t>
+                  <a:t>neste ponto é </a:t>
                 </a:r>
                 <a:r>
                   <a:rPr lang="pt-BR" dirty="0"/>
@@ -8970,7 +9121,7 @@
             </p:txBody>
           </p:sp>
         </mc:Choice>
-        <mc:Fallback>
+        <mc:Fallback xmlns="">
           <p:sp>
             <p:nvSpPr>
               <p:cNvPr id="3" name="Content Placeholder 2"/>
@@ -9638,15 +9789,15 @@
                 </a:r>
                 <a:r>
                   <a:rPr lang="pt-BR" b="1" i="1" dirty="0" smtClean="0"/>
-                  <a:t>estocástica do gradiente</a:t>
+                  <a:t>estocástica (ou aleatória) </a:t>
+                </a:r>
+                <a:r>
+                  <a:rPr lang="pt-BR" b="1" i="1" dirty="0" smtClean="0"/>
+                  <a:t>do gradiente</a:t>
                 </a:r>
                 <a:r>
                   <a:rPr lang="pt-BR" dirty="0" smtClean="0"/>
-                  <a:t>: gradiente </a:t>
-                </a:r>
-                <a:r>
-                  <a:rPr lang="pt-BR" dirty="0" smtClean="0"/>
-                  <a:t>é calculado </a:t>
+                  <a:t>: gradiente é calculado </a:t>
                 </a:r>
                 <a:r>
                   <a:rPr lang="pt-BR" dirty="0"/>
@@ -9654,7 +9805,11 @@
                 </a:r>
                 <a:r>
                   <a:rPr lang="pt-BR" dirty="0" smtClean="0"/>
-                  <a:t>exemplo. </a:t>
+                  <a:t>exemplo</a:t>
+                </a:r>
+                <a:r>
+                  <a:rPr lang="pt-BR" dirty="0" smtClean="0"/>
+                  <a:t>.</a:t>
                 </a:r>
                 <a:endParaRPr lang="pt-BR" dirty="0" smtClean="0"/>
               </a:p>
@@ -9672,7 +9827,7 @@
                   <a:t>tilizado quando os </a:t>
                 </a:r>
                 <a:r>
-                  <a:rPr lang="pt-BR" b="1" dirty="0" smtClean="0"/>
+                  <a:rPr lang="pt-BR" b="1" i="1" dirty="0" smtClean="0"/>
                   <a:t>atributos e rótulos </a:t>
                 </a:r>
                 <a:r>
@@ -9680,7 +9835,7 @@
                   <a:t>são </a:t>
                 </a:r>
                 <a:r>
-                  <a:rPr lang="pt-BR" b="1" dirty="0" smtClean="0"/>
+                  <a:rPr lang="pt-BR" b="1" i="1" dirty="0" smtClean="0"/>
                   <a:t>obtidos sequencialmente</a:t>
                 </a:r>
                 <a:r>
@@ -9702,7 +9857,7 @@
                   <a:t>quando o </a:t>
                 </a:r>
                 <a:r>
-                  <a:rPr lang="pt-BR" b="1" dirty="0"/>
+                  <a:rPr lang="pt-BR" b="1" i="1" dirty="0"/>
                   <a:t>conjunto de treinamento é muito grande</a:t>
                 </a:r>
                 <a:r>
@@ -9717,15 +9872,19 @@
                   <a:buChar char="§"/>
                 </a:pPr>
                 <a:r>
+                  <a:rPr lang="pt-BR" b="1" i="1" dirty="0" smtClean="0"/>
+                  <a:t>Computacionalmente mais rápido</a:t>
+                </a:r>
+                <a:r>
                   <a:rPr lang="pt-BR" b="1" dirty="0" smtClean="0"/>
-                  <a:t>Computacionalmente mais rápido </a:t>
+                  <a:t> </a:t>
                 </a:r>
                 <a:r>
                   <a:rPr lang="pt-BR" dirty="0" smtClean="0"/>
                   <a:t>e </a:t>
                 </a:r>
                 <a:r>
-                  <a:rPr lang="pt-BR" b="1" dirty="0" smtClean="0"/>
+                  <a:rPr lang="pt-BR" b="1" i="1" dirty="0" smtClean="0"/>
                   <a:t>menos custoso em termos de memória </a:t>
                 </a:r>
                 <a:r>
@@ -9740,16 +9899,20 @@
                   <a:buChar char="§"/>
                 </a:pPr>
                 <a:r>
-                  <a:rPr lang="pt-BR" b="1" dirty="0" smtClean="0"/>
+                  <a:rPr lang="pt-BR" b="1" i="1" dirty="0" smtClean="0"/>
                   <a:t>Convergência não </a:t>
                 </a:r>
                 <a:r>
-                  <a:rPr lang="pt-BR" b="1" dirty="0"/>
+                  <a:rPr lang="pt-BR" b="1" i="1" dirty="0"/>
                   <a:t>é garantida</a:t>
                 </a:r>
                 <a:r>
+                  <a:rPr lang="pt-BR" i="1" dirty="0"/>
+                  <a:t> </a:t>
+                </a:r>
+                <a:r>
                   <a:rPr lang="pt-BR" dirty="0"/>
-                  <a:t> com um passo de aprendizagem fixo. O algoritmo pode oscilar em torno do mínimo sem nunca convergir para o </a:t>
+                  <a:t>com um passo de aprendizagem fixo. O algoritmo pode oscilar em torno do mínimo sem nunca convergir para o </a:t>
                 </a:r>
                 <a:r>
                   <a:rPr lang="pt-BR" dirty="0" smtClean="0"/>
@@ -10040,7 +10203,7 @@
             <p:spPr>
               <a:xfrm>
                 <a:off x="838200" y="3842103"/>
-                <a:ext cx="11122742" cy="2895239"/>
+                <a:ext cx="11122742" cy="2807053"/>
               </a:xfrm>
             </p:spPr>
             <p:txBody>
@@ -10056,18 +10219,22 @@
                 </a:pPr>
                 <a:r>
                   <a:rPr lang="pt-BR" sz="2000" dirty="0"/>
-                  <a:t>Devido à sua natureza estocástica, </a:t>
-                </a:r>
-                <a:r>
-                  <a:rPr lang="pt-BR" sz="2000" b="1" dirty="0"/>
+                  <a:t>Devido à sua natureza </a:t>
+                </a:r>
+                <a:r>
+                  <a:rPr lang="pt-BR" sz="2000" dirty="0" smtClean="0"/>
+                  <a:t>aleatória, </a:t>
+                </a:r>
+                <a:r>
+                  <a:rPr lang="pt-BR" sz="2000" b="1" i="1" dirty="0"/>
                   <a:t>não apresenta um caminho </a:t>
                 </a:r>
                 <a:r>
-                  <a:rPr lang="pt-BR" sz="2000" b="1" dirty="0" smtClean="0"/>
+                  <a:rPr lang="pt-BR" sz="2000" b="1" i="1" dirty="0" smtClean="0"/>
                   <a:t>regular </a:t>
                 </a:r>
                 <a:r>
-                  <a:rPr lang="pt-BR" sz="2000" b="1" dirty="0"/>
+                  <a:rPr lang="pt-BR" sz="2000" b="1" i="1" dirty="0"/>
                   <a:t>para o mínimo</a:t>
                 </a:r>
                 <a:r>
@@ -10095,11 +10262,19 @@
                   <a:t>as </a:t>
                 </a:r>
                 <a:r>
-                  <a:rPr lang="pt-BR" sz="2000" b="1" dirty="0"/>
-                  <a:t>derivadas parciais são ”ruidosas”</a:t>
-                </a:r>
-                <a:r>
-                  <a:rPr lang="pt-BR" sz="2000" dirty="0"/>
+                  <a:rPr lang="pt-BR" sz="2000" b="1" i="1" dirty="0"/>
+                  <a:t>derivadas parciais são </a:t>
+                </a:r>
+                <a:r>
+                  <a:rPr lang="pt-BR" sz="2000" b="1" i="1" dirty="0" smtClean="0"/>
+                  <a:t>“</a:t>
+                </a:r>
+                <a:r>
+                  <a:rPr lang="pt-BR" sz="2000" b="1" i="1" dirty="0" smtClean="0"/>
+                  <a:t>ruidosas”</a:t>
+                </a:r>
+                <a:r>
+                  <a:rPr lang="pt-BR" sz="2000" dirty="0" smtClean="0"/>
                   <a:t>. </a:t>
                 </a:r>
                 <a:endParaRPr lang="pt-BR" sz="2000" dirty="0"/>
@@ -10240,12 +10415,12 @@
             <p:spPr>
               <a:xfrm>
                 <a:off x="838200" y="3842103"/>
-                <a:ext cx="11122742" cy="2895239"/>
+                <a:ext cx="11122742" cy="2807053"/>
               </a:xfrm>
               <a:blipFill rotWithShape="0">
                 <a:blip r:embed="rId7"/>
                 <a:stretch>
-                  <a:fillRect l="-493" t="-2105"/>
+                  <a:fillRect l="-493" t="-2169" b="-1518"/>
                 </a:stretch>
               </a:blipFill>
             </p:spPr>
@@ -10336,8 +10511,8 @@
           </a:p>
         </p:txBody>
       </p:sp>
-      <mc:AlternateContent xmlns:mc="http://schemas.openxmlformats.org/markup-compatibility/2006">
-        <mc:Choice xmlns:a14="http://schemas.microsoft.com/office/drawing/2010/main" Requires="a14">
+      <mc:AlternateContent xmlns:mc="http://schemas.openxmlformats.org/markup-compatibility/2006" xmlns:a14="http://schemas.microsoft.com/office/drawing/2010/main">
+        <mc:Choice Requires="a14">
           <p:sp>
             <p:nvSpPr>
               <p:cNvPr id="3" name="Content Placeholder 2"/>
@@ -10952,7 +11127,7 @@
             </p:txBody>
           </p:sp>
         </mc:Choice>
-        <mc:Fallback>
+        <mc:Fallback xmlns="">
           <p:sp>
             <p:nvSpPr>
               <p:cNvPr id="3" name="Content Placeholder 2"/>
@@ -11688,18 +11863,14 @@
             </a:r>
             <a:r>
               <a:rPr lang="pt-BR" i="1" dirty="0"/>
-              <a:t>T319 - Quiz - Regressão: </a:t>
-            </a:r>
-            <a:r>
-              <a:rPr lang="pt-BR" i="1"/>
-              <a:t>Parte </a:t>
-            </a:r>
-            <a:r>
-              <a:rPr lang="pt-BR" i="1" smtClean="0"/>
+              <a:t>T319 - Quiz - Regressão: Parte </a:t>
+            </a:r>
+            <a:r>
+              <a:rPr lang="pt-BR" i="1" dirty="0" smtClean="0"/>
               <a:t>II</a:t>
             </a:r>
             <a:r>
-              <a:rPr lang="pt-BR" smtClean="0"/>
+              <a:rPr lang="pt-BR" dirty="0" smtClean="0"/>
               <a:t>” </a:t>
             </a:r>
             <a:r>
@@ -11822,7 +11993,7 @@
           <p:cNvPr id="4" name="Título 1">
             <a:extLst>
               <a:ext uri="{FF2B5EF4-FFF2-40B4-BE49-F238E27FC236}">
-                <a16:creationId xmlns="" xmlns:a16="http://schemas.microsoft.com/office/drawing/2014/main" id="{32666AC8-2E17-4DB4-B0F5-60C640CCFD2E}"/>
+                <a16:creationId xmlns:a16="http://schemas.microsoft.com/office/drawing/2014/main" xmlns="" id="{32666AC8-2E17-4DB4-B0F5-60C640CCFD2E}"/>
               </a:ext>
             </a:extLst>
           </p:cNvPr>
@@ -18223,8 +18394,8 @@
           </a:p>
         </p:txBody>
       </p:sp>
-      <mc:AlternateContent xmlns:mc="http://schemas.openxmlformats.org/markup-compatibility/2006">
-        <mc:Choice xmlns:a14="http://schemas.microsoft.com/office/drawing/2010/main" Requires="a14">
+      <mc:AlternateContent xmlns:mc="http://schemas.openxmlformats.org/markup-compatibility/2006" xmlns:a14="http://schemas.microsoft.com/office/drawing/2010/main">
+        <mc:Choice Requires="a14">
           <p:sp>
             <p:nvSpPr>
               <p:cNvPr id="4" name="Content Placeholder 2"/>
@@ -18252,11 +18423,7 @@
                 </a:pPr>
                 <a:r>
                   <a:rPr lang="en-US" dirty="0" smtClean="0"/>
-                  <a:t>Usaremos</a:t>
-                </a:r>
-                <a:r>
-                  <a:rPr lang="en-US" dirty="0" smtClean="0"/>
-                  <a:t> </a:t>
+                  <a:t>Usaremos </a:t>
                 </a:r>
                 <a:r>
                   <a:rPr lang="en-US" dirty="0" err="1" smtClean="0"/>
@@ -20705,7 +20872,7 @@
             </p:txBody>
           </p:sp>
         </mc:Choice>
-        <mc:Fallback>
+        <mc:Fallback xmlns="">
           <p:sp>
             <p:nvSpPr>
               <p:cNvPr id="4" name="Content Placeholder 2"/>
@@ -21164,8 +21331,8 @@
           </a:p>
         </p:txBody>
       </p:sp>
-      <mc:AlternateContent xmlns:mc="http://schemas.openxmlformats.org/markup-compatibility/2006">
-        <mc:Choice xmlns:a14="http://schemas.microsoft.com/office/drawing/2010/main" Requires="a14">
+      <mc:AlternateContent xmlns:mc="http://schemas.openxmlformats.org/markup-compatibility/2006" xmlns:a14="http://schemas.microsoft.com/office/drawing/2010/main">
+        <mc:Choice Requires="a14">
           <p:sp>
             <p:nvSpPr>
               <p:cNvPr id="3" name="Content Placeholder 2"/>
@@ -21685,7 +21852,7 @@
             </p:txBody>
           </p:sp>
         </mc:Choice>
-        <mc:Fallback>
+        <mc:Fallback xmlns="">
           <p:sp>
             <p:nvSpPr>
               <p:cNvPr id="3" name="Content Placeholder 2"/>

--- a/slides/T319_Regressão_Linear (Parte II).pptx
+++ b/slides/T319_Regressão_Linear (Parte II).pptx
@@ -5,7 +5,7 @@
     <p:sldMasterId id="2147483648" r:id="rId1"/>
   </p:sldMasterIdLst>
   <p:notesMasterIdLst>
-    <p:notesMasterId r:id="rId19"/>
+    <p:notesMasterId r:id="rId20"/>
   </p:notesMasterIdLst>
   <p:sldIdLst>
     <p:sldId id="259" r:id="rId2"/>
@@ -16,15 +16,16 @@
     <p:sldId id="469" r:id="rId7"/>
     <p:sldId id="470" r:id="rId8"/>
     <p:sldId id="481" r:id="rId9"/>
-    <p:sldId id="472" r:id="rId10"/>
-    <p:sldId id="475" r:id="rId11"/>
-    <p:sldId id="473" r:id="rId12"/>
-    <p:sldId id="476" r:id="rId13"/>
-    <p:sldId id="474" r:id="rId14"/>
-    <p:sldId id="478" r:id="rId15"/>
-    <p:sldId id="441" r:id="rId16"/>
-    <p:sldId id="317" r:id="rId17"/>
-    <p:sldId id="465" r:id="rId18"/>
+    <p:sldId id="482" r:id="rId10"/>
+    <p:sldId id="472" r:id="rId11"/>
+    <p:sldId id="475" r:id="rId12"/>
+    <p:sldId id="473" r:id="rId13"/>
+    <p:sldId id="476" r:id="rId14"/>
+    <p:sldId id="474" r:id="rId15"/>
+    <p:sldId id="478" r:id="rId16"/>
+    <p:sldId id="441" r:id="rId17"/>
+    <p:sldId id="317" r:id="rId18"/>
+    <p:sldId id="465" r:id="rId19"/>
   </p:sldIdLst>
   <p:sldSz cx="12192000" cy="6858000"/>
   <p:notesSz cx="6858000" cy="9144000"/>
@@ -540,7 +541,7 @@
           <a:p>
             <a:fld id="{DAF0AF11-6A8A-4E64-94F5-26D4FBA2A01D}" type="datetimeFigureOut">
               <a:rPr lang="nl-BE" smtClean="0"/>
-              <a:t>29/04/2022</a:t>
+              <a:t>18/07/2022</a:t>
             </a:fld>
             <a:endParaRPr lang="nl-BE"/>
           </a:p>
@@ -990,15 +991,7 @@
           <a:p>
             <a:r>
               <a:rPr lang="pt-BR" sz="1200" b="0" dirty="0" smtClean="0"/>
-              <a:t>GDE funciona bem para superfícies de erro que têm muitos mínimos locais. Neste caso, o gradiente um pouco mais ruidoso calculado usando o número reduzido de amostras tende a empurrar o modelo dos mínimos locais para uma região que esperançosamente é mais ideal. Amostras individuais são realmente </a:t>
-            </a:r>
-            <a:r>
-              <a:rPr lang="pt-BR" sz="1200" b="0" dirty="0" smtClean="0"/>
-              <a:t>ruidosas, </a:t>
-            </a:r>
-            <a:r>
-              <a:rPr lang="pt-BR" sz="1200" b="0" dirty="0" smtClean="0"/>
-              <a:t>enquanto os minibatches tendem a amenizar</a:t>
+              <a:t>GDE funciona bem para superfícies de erro que têm muitos mínimos locais. Neste caso, o gradiente um pouco mais ruidoso calculado usando o número reduzido de amostras tende a empurrar o modelo dos mínimos locais para uma região que esperançosamente é mais ideal. Amostras individuais são realmente ruidosas, enquanto os minibatches tendem a amenizar</a:t>
             </a:r>
             <a:r>
               <a:rPr lang="pt-BR" sz="1200" b="0" baseline="0" dirty="0" smtClean="0"/>
@@ -1029,7 +1022,7 @@
           <a:p>
             <a:fld id="{DA8B99DF-01BC-492A-8CEF-4FD88D18DD9D}" type="slidenum">
               <a:rPr lang="nl-BE" smtClean="0"/>
-              <a:t>11</a:t>
+              <a:t>12</a:t>
             </a:fld>
             <a:endParaRPr lang="nl-BE"/>
           </a:p>
@@ -1119,11 +1112,7 @@
             </a:r>
             <a:r>
               <a:rPr lang="pt-BR" u="none" dirty="0" smtClean="0"/>
-              <a:t>https://</a:t>
-            </a:r>
-            <a:r>
-              <a:rPr lang="pt-BR" u="none" dirty="0" smtClean="0"/>
-              <a:t>mybinder.org/v2/gh/zz4fap/t319_aprendizado_de_maquina/main?filepath=notebooks%2Fregression%2Fgd_versions%2F</a:t>
+              <a:t>https://mybinder.org/v2/gh/zz4fap/t319_aprendizado_de_maquina/main?filepath=notebooks%2Fregression%2Fgd_versions%2F</a:t>
             </a:r>
             <a:r>
               <a:rPr lang="pt-BR" u="none" dirty="0" smtClean="0">
@@ -1311,7 +1300,7 @@
           <a:p>
             <a:fld id="{DA8B99DF-01BC-492A-8CEF-4FD88D18DD9D}" type="slidenum">
               <a:rPr lang="nl-BE" smtClean="0"/>
-              <a:t>12</a:t>
+              <a:t>13</a:t>
             </a:fld>
             <a:endParaRPr lang="nl-BE"/>
           </a:p>
@@ -1485,7 +1474,7 @@
           <a:p>
             <a:fld id="{DA8B99DF-01BC-492A-8CEF-4FD88D18DD9D}" type="slidenum">
               <a:rPr lang="nl-BE" smtClean="0"/>
-              <a:t>13</a:t>
+              <a:t>14</a:t>
             </a:fld>
             <a:endParaRPr lang="nl-BE"/>
           </a:p>
@@ -1558,11 +1547,7 @@
             </a:r>
             <a:r>
               <a:rPr lang="pt-BR" u="none" dirty="0" smtClean="0"/>
-              <a:t>https://</a:t>
-            </a:r>
-            <a:r>
-              <a:rPr lang="pt-BR" u="none" dirty="0" smtClean="0"/>
-              <a:t>mybinder.org/v2/gh/zz4fap/t319_aprendizado_de_maquina/main?filepath=notebooks%2Fregression%2Fgd_versions%2F</a:t>
+              <a:t>https://mybinder.org/v2/gh/zz4fap/t319_aprendizado_de_maquina/main?filepath=notebooks%2Fregression%2Fgd_versions%2F</a:t>
             </a:r>
             <a:r>
               <a:rPr lang="pt-BR" dirty="0" smtClean="0"/>
@@ -1581,7 +1566,6 @@
               <a:rPr lang="pt-BR" dirty="0" smtClean="0"/>
               <a:t>https://colab.research.google.com/github/zz4fap/t319_aprendizado_de_maquina/blob/main/notebooks/regression/gd_versions/mini_batch_gradient_descent_with_figures.ipynb</a:t>
             </a:r>
-            <a:endParaRPr lang="pt-BR" dirty="0" smtClean="0"/>
           </a:p>
           <a:p>
             <a:endParaRPr lang="pt-BR" dirty="0" smtClean="0"/>
@@ -1678,7 +1662,7 @@
           <a:p>
             <a:fld id="{DA8B99DF-01BC-492A-8CEF-4FD88D18DD9D}" type="slidenum">
               <a:rPr lang="nl-BE" smtClean="0"/>
-              <a:t>14</a:t>
+              <a:t>15</a:t>
             </a:fld>
             <a:endParaRPr lang="nl-BE"/>
           </a:p>
@@ -1772,7 +1756,7 @@
           <a:p>
             <a:fld id="{DA8B99DF-01BC-492A-8CEF-4FD88D18DD9D}" type="slidenum">
               <a:rPr lang="nl-BE" smtClean="0"/>
-              <a:t>15</a:t>
+              <a:t>16</a:t>
             </a:fld>
             <a:endParaRPr lang="nl-BE"/>
           </a:p>
@@ -5539,7 +5523,7 @@
           <a:p>
             <a:fld id="{DA8B99DF-01BC-492A-8CEF-4FD88D18DD9D}" type="slidenum">
               <a:rPr lang="nl-BE" smtClean="0"/>
-              <a:t>9</a:t>
+              <a:t>10</a:t>
             </a:fld>
             <a:endParaRPr lang="nl-BE"/>
           </a:p>
@@ -5633,11 +5617,7 @@
             </a:r>
             <a:r>
               <a:rPr lang="pt-BR" dirty="0" smtClean="0"/>
-              <a:t>https://</a:t>
-            </a:r>
-            <a:r>
-              <a:rPr lang="pt-BR" dirty="0" smtClean="0"/>
-              <a:t>mybinder.org/v2/gh/zz4fap/t319_aprendizado_de_maquina/main?filepath=notebooks%2Fregression%2Fgd_versions%2Fbatch_gradient_descent_with_figures.ipynb</a:t>
+              <a:t>https://mybinder.org/v2/gh/zz4fap/t319_aprendizado_de_maquina/main?filepath=notebooks%2Fregression%2Fgd_versions%2Fbatch_gradient_descent_with_figures.ipynb</a:t>
             </a:r>
           </a:p>
           <a:p>
@@ -5686,7 +5666,6 @@
               <a:rPr lang="pt-BR" dirty="0" smtClean="0"/>
               <a:t>: https://colab.research.google.com/github/zz4fap/t319_aprendizado_de_maquina/blob/main/notebooks/regression/gd_versions/batch_gradient_descent_with_figures.ipynb</a:t>
             </a:r>
-            <a:endParaRPr lang="pt-BR" dirty="0" smtClean="0"/>
           </a:p>
           <a:p>
             <a:pPr marL="0" marR="0" lvl="0" indent="0" algn="l" defTabSz="914400" rtl="0" eaLnBrk="1" fontAlgn="auto" latinLnBrk="0" hangingPunct="1">
@@ -5802,7 +5781,7 @@
           <a:p>
             <a:fld id="{DA8B99DF-01BC-492A-8CEF-4FD88D18DD9D}" type="slidenum">
               <a:rPr lang="nl-BE" smtClean="0"/>
-              <a:t>10</a:t>
+              <a:t>11</a:t>
             </a:fld>
             <a:endParaRPr lang="nl-BE"/>
           </a:p>
@@ -5952,7 +5931,7 @@
           <a:p>
             <a:fld id="{C80E15A5-E95B-43EB-9AC7-9A96397448C0}" type="datetimeFigureOut">
               <a:rPr lang="nl-BE" smtClean="0"/>
-              <a:t>29/04/2022</a:t>
+              <a:t>18/07/2022</a:t>
             </a:fld>
             <a:endParaRPr lang="nl-BE"/>
           </a:p>
@@ -6122,7 +6101,7 @@
           <a:p>
             <a:fld id="{C80E15A5-E95B-43EB-9AC7-9A96397448C0}" type="datetimeFigureOut">
               <a:rPr lang="nl-BE" smtClean="0"/>
-              <a:t>29/04/2022</a:t>
+              <a:t>18/07/2022</a:t>
             </a:fld>
             <a:endParaRPr lang="nl-BE"/>
           </a:p>
@@ -6302,7 +6281,7 @@
           <a:p>
             <a:fld id="{C80E15A5-E95B-43EB-9AC7-9A96397448C0}" type="datetimeFigureOut">
               <a:rPr lang="nl-BE" smtClean="0"/>
-              <a:t>29/04/2022</a:t>
+              <a:t>18/07/2022</a:t>
             </a:fld>
             <a:endParaRPr lang="nl-BE"/>
           </a:p>
@@ -6472,7 +6451,7 @@
           <a:p>
             <a:fld id="{C80E15A5-E95B-43EB-9AC7-9A96397448C0}" type="datetimeFigureOut">
               <a:rPr lang="nl-BE" smtClean="0"/>
-              <a:t>29/04/2022</a:t>
+              <a:t>18/07/2022</a:t>
             </a:fld>
             <a:endParaRPr lang="nl-BE"/>
           </a:p>
@@ -6718,7 +6697,7 @@
           <a:p>
             <a:fld id="{C80E15A5-E95B-43EB-9AC7-9A96397448C0}" type="datetimeFigureOut">
               <a:rPr lang="nl-BE" smtClean="0"/>
-              <a:t>29/04/2022</a:t>
+              <a:t>18/07/2022</a:t>
             </a:fld>
             <a:endParaRPr lang="nl-BE"/>
           </a:p>
@@ -6950,7 +6929,7 @@
           <a:p>
             <a:fld id="{C80E15A5-E95B-43EB-9AC7-9A96397448C0}" type="datetimeFigureOut">
               <a:rPr lang="nl-BE" smtClean="0"/>
-              <a:t>29/04/2022</a:t>
+              <a:t>18/07/2022</a:t>
             </a:fld>
             <a:endParaRPr lang="nl-BE"/>
           </a:p>
@@ -7317,7 +7296,7 @@
           <a:p>
             <a:fld id="{C80E15A5-E95B-43EB-9AC7-9A96397448C0}" type="datetimeFigureOut">
               <a:rPr lang="nl-BE" smtClean="0"/>
-              <a:t>29/04/2022</a:t>
+              <a:t>18/07/2022</a:t>
             </a:fld>
             <a:endParaRPr lang="nl-BE"/>
           </a:p>
@@ -7435,7 +7414,7 @@
           <a:p>
             <a:fld id="{C80E15A5-E95B-43EB-9AC7-9A96397448C0}" type="datetimeFigureOut">
               <a:rPr lang="nl-BE" smtClean="0"/>
-              <a:t>29/04/2022</a:t>
+              <a:t>18/07/2022</a:t>
             </a:fld>
             <a:endParaRPr lang="nl-BE"/>
           </a:p>
@@ -7530,7 +7509,7 @@
           <a:p>
             <a:fld id="{C80E15A5-E95B-43EB-9AC7-9A96397448C0}" type="datetimeFigureOut">
               <a:rPr lang="nl-BE" smtClean="0"/>
-              <a:t>29/04/2022</a:t>
+              <a:t>18/07/2022</a:t>
             </a:fld>
             <a:endParaRPr lang="nl-BE"/>
           </a:p>
@@ -7807,7 +7786,7 @@
           <a:p>
             <a:fld id="{C80E15A5-E95B-43EB-9AC7-9A96397448C0}" type="datetimeFigureOut">
               <a:rPr lang="nl-BE" smtClean="0"/>
-              <a:t>29/04/2022</a:t>
+              <a:t>18/07/2022</a:t>
             </a:fld>
             <a:endParaRPr lang="nl-BE"/>
           </a:p>
@@ -8060,7 +8039,7 @@
           <a:p>
             <a:fld id="{C80E15A5-E95B-43EB-9AC7-9A96397448C0}" type="datetimeFigureOut">
               <a:rPr lang="nl-BE" smtClean="0"/>
-              <a:t>29/04/2022</a:t>
+              <a:t>18/07/2022</a:t>
             </a:fld>
             <a:endParaRPr lang="nl-BE"/>
           </a:p>
@@ -8273,7 +8252,7 @@
           <a:p>
             <a:fld id="{C80E15A5-E95B-43EB-9AC7-9A96397448C0}" type="datetimeFigureOut">
               <a:rPr lang="nl-BE" smtClean="0"/>
-              <a:t>29/04/2022</a:t>
+              <a:t>18/07/2022</a:t>
             </a:fld>
             <a:endParaRPr lang="nl-BE"/>
           </a:p>
@@ -8683,7 +8662,7 @@
           <p:cNvPr id="2" name="Título 1">
             <a:extLst>
               <a:ext uri="{FF2B5EF4-FFF2-40B4-BE49-F238E27FC236}">
-                <a16:creationId xmlns:a16="http://schemas.microsoft.com/office/drawing/2014/main" xmlns="" id="{32666AC8-2E17-4DB4-B0F5-60C640CCFD2E}"/>
+                <a16:creationId xmlns="" xmlns:a16="http://schemas.microsoft.com/office/drawing/2014/main" id="{32666AC8-2E17-4DB4-B0F5-60C640CCFD2E}"/>
               </a:ext>
             </a:extLst>
           </p:cNvPr>
@@ -8742,7 +8721,7 @@
           <p:cNvPr id="4" name="CaixaDeTexto 3">
             <a:extLst>
               <a:ext uri="{FF2B5EF4-FFF2-40B4-BE49-F238E27FC236}">
-                <a16:creationId xmlns:a16="http://schemas.microsoft.com/office/drawing/2014/main" xmlns="" id="{430EB894-B7D4-434C-9D1A-A14094D9BEEC}"/>
+                <a16:creationId xmlns="" xmlns:a16="http://schemas.microsoft.com/office/drawing/2014/main" id="{430EB894-B7D4-434C-9D1A-A14094D9BEEC}"/>
               </a:ext>
             </a:extLst>
           </p:cNvPr>
@@ -8783,7 +8762,7 @@
           <p:cNvPr id="1026" name="Picture 2" descr="Logo">
             <a:extLst>
               <a:ext uri="{FF2B5EF4-FFF2-40B4-BE49-F238E27FC236}">
-                <a16:creationId xmlns:a16="http://schemas.microsoft.com/office/drawing/2014/main" xmlns="" id="{3F2642E0-4F6A-4196-8F58-E77D36E9A33F}"/>
+                <a16:creationId xmlns="" xmlns:a16="http://schemas.microsoft.com/office/drawing/2014/main" id="{3F2642E0-4F6A-4196-8F58-E77D36E9A33F}"/>
               </a:ext>
             </a:extLst>
           </p:cNvPr>
@@ -8828,7 +8807,7 @@
           <p:cNvPr id="5122" name="Picture 2" descr="Image result for machine learning">
             <a:extLst>
               <a:ext uri="{FF2B5EF4-FFF2-40B4-BE49-F238E27FC236}">
-                <a16:creationId xmlns:a16="http://schemas.microsoft.com/office/drawing/2014/main" xmlns="" id="{810CE0A2-4102-44A6-A370-175E7896CDCB}"/>
+                <a16:creationId xmlns="" xmlns:a16="http://schemas.microsoft.com/office/drawing/2014/main" id="{810CE0A2-4102-44A6-A370-175E7896CDCB}"/>
               </a:ext>
             </a:extLst>
           </p:cNvPr>
@@ -8889,6 +8868,585 @@
 </file>
 
 <file path=ppt/slides/slide10.xml><?xml version="1.0" encoding="utf-8"?>
+<p:sld xmlns:a="http://schemas.openxmlformats.org/drawingml/2006/main" xmlns:r="http://schemas.openxmlformats.org/officeDocument/2006/relationships" xmlns:p="http://schemas.openxmlformats.org/presentationml/2006/main">
+  <p:cSld>
+    <p:spTree>
+      <p:nvGrpSpPr>
+        <p:cNvPr id="1" name=""/>
+        <p:cNvGrpSpPr/>
+        <p:nvPr/>
+      </p:nvGrpSpPr>
+      <p:grpSpPr>
+        <a:xfrm>
+          <a:off x="0" y="0"/>
+          <a:ext cx="0" cy="0"/>
+          <a:chOff x="0" y="0"/>
+          <a:chExt cx="0" cy="0"/>
+        </a:xfrm>
+      </p:grpSpPr>
+      <p:sp>
+        <p:nvSpPr>
+          <p:cNvPr id="2" name="Title 1"/>
+          <p:cNvSpPr>
+            <a:spLocks noGrp="1"/>
+          </p:cNvSpPr>
+          <p:nvPr>
+            <p:ph type="title"/>
+          </p:nvPr>
+        </p:nvSpPr>
+        <p:spPr>
+          <a:xfrm>
+            <a:off x="838200" y="365125"/>
+            <a:ext cx="10515600" cy="854075"/>
+          </a:xfrm>
+        </p:spPr>
+        <p:txBody>
+          <a:bodyPr/>
+          <a:lstStyle/>
+          <a:p>
+            <a:r>
+              <a:rPr lang="pt-BR" dirty="0"/>
+              <a:t>Versões do Gradiente Descendente</a:t>
+            </a:r>
+          </a:p>
+        </p:txBody>
+      </p:sp>
+      <mc:AlternateContent xmlns:mc="http://schemas.openxmlformats.org/markup-compatibility/2006">
+        <mc:Choice xmlns:a14="http://schemas.microsoft.com/office/drawing/2010/main" Requires="a14">
+          <p:sp>
+            <p:nvSpPr>
+              <p:cNvPr id="3" name="Content Placeholder 2"/>
+              <p:cNvSpPr>
+                <a:spLocks noGrp="1"/>
+              </p:cNvSpPr>
+              <p:nvPr>
+                <p:ph idx="1"/>
+              </p:nvPr>
+            </p:nvSpPr>
+            <p:spPr>
+              <a:xfrm>
+                <a:off x="838199" y="1422400"/>
+                <a:ext cx="11179630" cy="5435600"/>
+              </a:xfrm>
+            </p:spPr>
+            <p:txBody>
+              <a:bodyPr>
+                <a:normAutofit/>
+              </a:bodyPr>
+              <a:lstStyle/>
+              <a:p>
+                <a:pPr algn="just"/>
+                <a:r>
+                  <a:rPr lang="pt-BR" b="1" dirty="0" smtClean="0"/>
+                  <a:t>Batelada </a:t>
+                </a:r>
+                <a:r>
+                  <a:rPr lang="pt-BR" dirty="0"/>
+                  <a:t>(do inglês </a:t>
+                </a:r>
+                <a:r>
+                  <a:rPr lang="pt-BR" b="1" i="1" dirty="0"/>
+                  <a:t>batch</a:t>
+                </a:r>
+                <a:r>
+                  <a:rPr lang="pt-BR" dirty="0"/>
+                  <a:t>): a cada </a:t>
+                </a:r>
+                <a:r>
+                  <a:rPr lang="pt-BR" dirty="0" smtClean="0"/>
+                  <a:t>época </a:t>
+                </a:r>
+                <a:r>
+                  <a:rPr lang="pt-BR" dirty="0"/>
+                  <a:t>do algoritmo, </a:t>
+                </a:r>
+                <a:r>
+                  <a:rPr lang="pt-BR" b="1" i="1" dirty="0"/>
+                  <a:t>todos</a:t>
+                </a:r>
+                <a:r>
+                  <a:rPr lang="pt-BR" dirty="0"/>
+                  <a:t> os exemplos de treinamento são considerados no processo de treinamento do modelo. Esta versão foi </a:t>
+                </a:r>
+                <a:r>
+                  <a:rPr lang="pt-BR" dirty="0" smtClean="0"/>
+                  <a:t>a utilizada no exemplo anterior. </a:t>
+                </a:r>
+                <a:endParaRPr lang="pt-BR" i="1" dirty="0">
+                  <a:latin typeface="Cambria Math" panose="02040503050406030204" pitchFamily="18" charset="0"/>
+                </a:endParaRPr>
+              </a:p>
+              <a:p>
+                <a:pPr marL="0" indent="0" algn="ctr">
+                  <a:buNone/>
+                </a:pPr>
+                <a14:m>
+                  <m:oMath xmlns:m="http://schemas.openxmlformats.org/officeDocument/2006/math">
+                    <m:sSub>
+                      <m:sSubPr>
+                        <m:ctrlPr>
+                          <a:rPr lang="nl-BE" i="1">
+                            <a:latin typeface="Cambria Math" panose="02040503050406030204" pitchFamily="18" charset="0"/>
+                          </a:rPr>
+                        </m:ctrlPr>
+                      </m:sSubPr>
+                      <m:e>
+                        <m:r>
+                          <a:rPr lang="en-US" i="1">
+                            <a:latin typeface="Cambria Math" panose="02040503050406030204" pitchFamily="18" charset="0"/>
+                          </a:rPr>
+                          <m:t>𝑎</m:t>
+                        </m:r>
+                      </m:e>
+                      <m:sub>
+                        <m:r>
+                          <a:rPr lang="pt-BR" i="1">
+                            <a:latin typeface="Cambria Math" panose="02040503050406030204" pitchFamily="18" charset="0"/>
+                          </a:rPr>
+                          <m:t>𝑘</m:t>
+                        </m:r>
+                      </m:sub>
+                    </m:sSub>
+                    <m:r>
+                      <a:rPr lang="en-US">
+                        <a:latin typeface="Cambria Math" panose="02040503050406030204" pitchFamily="18" charset="0"/>
+                      </a:rPr>
+                      <m:t>=</m:t>
+                    </m:r>
+                    <m:sSub>
+                      <m:sSubPr>
+                        <m:ctrlPr>
+                          <a:rPr lang="nl-BE" i="1">
+                            <a:latin typeface="Cambria Math" panose="02040503050406030204" pitchFamily="18" charset="0"/>
+                          </a:rPr>
+                        </m:ctrlPr>
+                      </m:sSubPr>
+                      <m:e>
+                        <m:r>
+                          <a:rPr lang="en-US" i="1">
+                            <a:latin typeface="Cambria Math" panose="02040503050406030204" pitchFamily="18" charset="0"/>
+                          </a:rPr>
+                          <m:t>𝑎</m:t>
+                        </m:r>
+                      </m:e>
+                      <m:sub>
+                        <m:r>
+                          <a:rPr lang="pt-BR" i="1">
+                            <a:latin typeface="Cambria Math" panose="02040503050406030204" pitchFamily="18" charset="0"/>
+                          </a:rPr>
+                          <m:t>𝑘</m:t>
+                        </m:r>
+                      </m:sub>
+                    </m:sSub>
+                    <m:r>
+                      <a:rPr lang="en-US" i="1">
+                        <a:latin typeface="Cambria Math" panose="02040503050406030204" pitchFamily="18" charset="0"/>
+                      </a:rPr>
+                      <m:t>+</m:t>
+                    </m:r>
+                    <m:r>
+                      <a:rPr lang="en-US" i="1">
+                        <a:latin typeface="Cambria Math" panose="02040503050406030204" pitchFamily="18" charset="0"/>
+                        <a:ea typeface="Cambria Math" panose="02040503050406030204" pitchFamily="18" charset="0"/>
+                      </a:rPr>
+                      <m:t>𝛼</m:t>
+                    </m:r>
+                    <m:nary>
+                      <m:naryPr>
+                        <m:chr m:val="∑"/>
+                        <m:ctrlPr>
+                          <a:rPr lang="pt-BR" i="1">
+                            <a:latin typeface="Cambria Math" panose="02040503050406030204" pitchFamily="18" charset="0"/>
+                          </a:rPr>
+                        </m:ctrlPr>
+                      </m:naryPr>
+                      <m:sub>
+                        <m:r>
+                          <a:rPr lang="pt-BR" b="0" i="1" smtClean="0">
+                            <a:latin typeface="Cambria Math" panose="02040503050406030204" pitchFamily="18" charset="0"/>
+                          </a:rPr>
+                          <m:t>𝑛</m:t>
+                        </m:r>
+                        <m:r>
+                          <a:rPr lang="pt-BR" i="1">
+                            <a:latin typeface="Cambria Math" panose="02040503050406030204" pitchFamily="18" charset="0"/>
+                          </a:rPr>
+                          <m:t>=0</m:t>
+                        </m:r>
+                      </m:sub>
+                      <m:sup>
+                        <m:r>
+                          <a:rPr lang="pt-BR" i="1">
+                            <a:latin typeface="Cambria Math" panose="02040503050406030204" pitchFamily="18" charset="0"/>
+                          </a:rPr>
+                          <m:t>𝑁</m:t>
+                        </m:r>
+                        <m:r>
+                          <a:rPr lang="pt-BR" i="1">
+                            <a:latin typeface="Cambria Math" panose="02040503050406030204" pitchFamily="18" charset="0"/>
+                          </a:rPr>
+                          <m:t>−1</m:t>
+                        </m:r>
+                      </m:sup>
+                      <m:e>
+                        <m:d>
+                          <m:dPr>
+                            <m:begChr m:val="["/>
+                            <m:endChr m:val="]"/>
+                            <m:ctrlPr>
+                              <a:rPr lang="pt-BR" i="1">
+                                <a:latin typeface="Cambria Math" panose="02040503050406030204" pitchFamily="18" charset="0"/>
+                              </a:rPr>
+                            </m:ctrlPr>
+                          </m:dPr>
+                          <m:e>
+                            <m:r>
+                              <a:rPr lang="pt-BR" i="1">
+                                <a:latin typeface="Cambria Math" panose="02040503050406030204" pitchFamily="18" charset="0"/>
+                              </a:rPr>
+                              <m:t>𝑦</m:t>
+                            </m:r>
+                            <m:d>
+                              <m:dPr>
+                                <m:ctrlPr>
+                                  <a:rPr lang="en-US" i="1">
+                                    <a:latin typeface="Cambria Math" panose="02040503050406030204" pitchFamily="18" charset="0"/>
+                                  </a:rPr>
+                                </m:ctrlPr>
+                              </m:dPr>
+                              <m:e>
+                                <m:r>
+                                  <a:rPr lang="pt-BR" b="0" i="1" smtClean="0">
+                                    <a:latin typeface="Cambria Math" panose="02040503050406030204" pitchFamily="18" charset="0"/>
+                                  </a:rPr>
+                                  <m:t>𝑛</m:t>
+                                </m:r>
+                              </m:e>
+                            </m:d>
+                            <m:r>
+                              <a:rPr lang="pt-BR" i="1" dirty="0">
+                                <a:latin typeface="Cambria Math" panose="02040503050406030204" pitchFamily="18" charset="0"/>
+                              </a:rPr>
+                              <m:t>−</m:t>
+                            </m:r>
+                            <m:r>
+                              <a:rPr lang="en-US" i="1">
+                                <a:latin typeface="Cambria Math" panose="02040503050406030204" pitchFamily="18" charset="0"/>
+                              </a:rPr>
+                              <m:t>h</m:t>
+                            </m:r>
+                            <m:d>
+                              <m:dPr>
+                                <m:ctrlPr>
+                                  <a:rPr lang="en-US" i="1">
+                                    <a:latin typeface="Cambria Math" panose="02040503050406030204" pitchFamily="18" charset="0"/>
+                                  </a:rPr>
+                                </m:ctrlPr>
+                              </m:dPr>
+                              <m:e>
+                                <m:r>
+                                  <a:rPr lang="pt-BR" b="1" i="1">
+                                    <a:latin typeface="Cambria Math" panose="02040503050406030204" pitchFamily="18" charset="0"/>
+                                  </a:rPr>
+                                  <m:t>𝒙</m:t>
+                                </m:r>
+                                <m:d>
+                                  <m:dPr>
+                                    <m:ctrlPr>
+                                      <a:rPr lang="en-US" i="1">
+                                        <a:latin typeface="Cambria Math" panose="02040503050406030204" pitchFamily="18" charset="0"/>
+                                      </a:rPr>
+                                    </m:ctrlPr>
+                                  </m:dPr>
+                                  <m:e>
+                                    <m:r>
+                                      <a:rPr lang="pt-BR" i="1">
+                                        <a:latin typeface="Cambria Math" panose="02040503050406030204" pitchFamily="18" charset="0"/>
+                                      </a:rPr>
+                                      <m:t>𝑛</m:t>
+                                    </m:r>
+                                  </m:e>
+                                </m:d>
+                              </m:e>
+                            </m:d>
+                          </m:e>
+                        </m:d>
+                      </m:e>
+                    </m:nary>
+                    <m:sSub>
+                      <m:sSubPr>
+                        <m:ctrlPr>
+                          <a:rPr lang="en-US" i="1">
+                            <a:latin typeface="Cambria Math" panose="02040503050406030204" pitchFamily="18" charset="0"/>
+                          </a:rPr>
+                        </m:ctrlPr>
+                      </m:sSubPr>
+                      <m:e>
+                        <m:r>
+                          <a:rPr lang="pt-BR" i="1">
+                            <a:latin typeface="Cambria Math" panose="02040503050406030204" pitchFamily="18" charset="0"/>
+                          </a:rPr>
+                          <m:t>𝑥</m:t>
+                        </m:r>
+                      </m:e>
+                      <m:sub>
+                        <m:r>
+                          <a:rPr lang="pt-BR" i="1">
+                            <a:latin typeface="Cambria Math" panose="02040503050406030204" pitchFamily="18" charset="0"/>
+                          </a:rPr>
+                          <m:t>𝑘</m:t>
+                        </m:r>
+                      </m:sub>
+                    </m:sSub>
+                    <m:r>
+                      <a:rPr lang="pt-BR" i="1">
+                        <a:latin typeface="Cambria Math" panose="02040503050406030204" pitchFamily="18" charset="0"/>
+                      </a:rPr>
+                      <m:t>(</m:t>
+                    </m:r>
+                    <m:r>
+                      <a:rPr lang="pt-BR" b="0" i="1" smtClean="0">
+                        <a:latin typeface="Cambria Math" panose="02040503050406030204" pitchFamily="18" charset="0"/>
+                      </a:rPr>
+                      <m:t>𝑛</m:t>
+                    </m:r>
+                    <m:r>
+                      <a:rPr lang="pt-BR" i="1">
+                        <a:latin typeface="Cambria Math" panose="02040503050406030204" pitchFamily="18" charset="0"/>
+                      </a:rPr>
+                      <m:t>)</m:t>
+                    </m:r>
+                  </m:oMath>
+                </a14:m>
+                <a:r>
+                  <a:rPr lang="nl-BE" dirty="0"/>
+                  <a:t>,  </a:t>
+                </a:r>
+                <a14:m>
+                  <m:oMath xmlns:m="http://schemas.openxmlformats.org/officeDocument/2006/math">
+                    <m:r>
+                      <a:rPr lang="pt-BR" i="1">
+                        <a:latin typeface="Cambria Math" panose="02040503050406030204" pitchFamily="18" charset="0"/>
+                      </a:rPr>
+                      <m:t>𝑘</m:t>
+                    </m:r>
+                    <m:r>
+                      <a:rPr lang="pt-BR" i="1">
+                        <a:latin typeface="Cambria Math" panose="02040503050406030204" pitchFamily="18" charset="0"/>
+                      </a:rPr>
+                      <m:t>=1,…, </m:t>
+                    </m:r>
+                    <m:r>
+                      <a:rPr lang="pt-BR" b="0" i="1" smtClean="0">
+                        <a:latin typeface="Cambria Math" panose="02040503050406030204" pitchFamily="18" charset="0"/>
+                      </a:rPr>
+                      <m:t>𝐾</m:t>
+                    </m:r>
+                  </m:oMath>
+                </a14:m>
+                <a:endParaRPr lang="pt-BR" dirty="0" smtClean="0"/>
+              </a:p>
+              <a:p>
+                <a:r>
+                  <a:rPr lang="pt-BR" b="1" dirty="0" smtClean="0"/>
+                  <a:t>Características</a:t>
+                </a:r>
+                <a:r>
+                  <a:rPr lang="pt-BR" dirty="0" smtClean="0"/>
+                  <a:t>:</a:t>
+                </a:r>
+                <a:endParaRPr lang="pt-BR" dirty="0"/>
+              </a:p>
+              <a:p>
+                <a:pPr lvl="1" algn="just">
+                  <a:buFont typeface="Wingdings" panose="05000000000000000000" pitchFamily="2" charset="2"/>
+                  <a:buChar char="§"/>
+                </a:pPr>
+                <a:r>
+                  <a:rPr lang="pt-BR" dirty="0"/>
+                  <a:t>Utilizado quando se possui previamente todos os atributos e rótulos de treinamento, ou seja, o conjunto de treinamento.</a:t>
+                </a:r>
+              </a:p>
+              <a:p>
+                <a:pPr lvl="1" algn="just">
+                  <a:buFont typeface="Wingdings" panose="05000000000000000000" pitchFamily="2" charset="2"/>
+                  <a:buChar char="§"/>
+                </a:pPr>
+                <a:r>
+                  <a:rPr lang="pt-BR" b="1" dirty="0"/>
+                  <a:t>Convergência garantida</a:t>
+                </a:r>
+                <a:r>
+                  <a:rPr lang="pt-BR" dirty="0"/>
+                  <a:t>,</a:t>
+                </a:r>
+                <a:r>
+                  <a:rPr lang="pt-BR" b="1" dirty="0"/>
+                  <a:t> </a:t>
+                </a:r>
+                <a:r>
+                  <a:rPr lang="pt-BR" dirty="0"/>
+                  <a:t>dado que o passo de aprendizagem </a:t>
+                </a:r>
+                <a:r>
+                  <a:rPr lang="pt-BR" dirty="0" smtClean="0"/>
+                  <a:t>tenha o tamanho apropriado e se espere tempo suficiente.</a:t>
+                </a:r>
+                <a:endParaRPr lang="pt-BR" dirty="0"/>
+              </a:p>
+              <a:p>
+                <a:pPr lvl="1" algn="just">
+                  <a:buFont typeface="Wingdings" panose="05000000000000000000" pitchFamily="2" charset="2"/>
+                  <a:buChar char="§"/>
+                </a:pPr>
+                <a:r>
+                  <a:rPr lang="pt-BR" b="1" dirty="0"/>
+                  <a:t>Convergência pode ser bem lenta</a:t>
+                </a:r>
+                <a:r>
+                  <a:rPr lang="pt-BR" dirty="0"/>
+                  <a:t>, dado que o modelo é apresentado a todos os exemplos a cada </a:t>
+                </a:r>
+                <a:r>
+                  <a:rPr lang="pt-BR" dirty="0" smtClean="0"/>
+                  <a:t>época.</a:t>
+                </a:r>
+              </a:p>
+              <a:p>
+                <a:pPr lvl="1" algn="just">
+                  <a:buFont typeface="Wingdings" panose="05000000000000000000" pitchFamily="2" charset="2"/>
+                  <a:buChar char="§"/>
+                </a:pPr>
+                <a:r>
+                  <a:rPr lang="pt-BR" dirty="0" smtClean="0"/>
+                  <a:t>Se o conjunto </a:t>
+                </a:r>
+                <a:r>
+                  <a:rPr lang="pt-BR" dirty="0"/>
+                  <a:t>de treinamento for muito </a:t>
+                </a:r>
+                <a:r>
+                  <a:rPr lang="pt-BR" dirty="0" smtClean="0"/>
+                  <a:t>grande, </a:t>
+                </a:r>
+                <a:r>
+                  <a:rPr lang="pt-BR" dirty="0"/>
+                  <a:t>pode ser impossível </a:t>
+                </a:r>
+                <a:r>
+                  <a:rPr lang="pt-BR" dirty="0" smtClean="0"/>
+                  <a:t>treinar o modelo, pois ele consome muitos recursos computacionais (CPU e memória).</a:t>
+                </a:r>
+                <a:endParaRPr lang="pt-BR" dirty="0"/>
+              </a:p>
+            </p:txBody>
+          </p:sp>
+        </mc:Choice>
+        <mc:Fallback>
+          <p:sp>
+            <p:nvSpPr>
+              <p:cNvPr id="3" name="Content Placeholder 2"/>
+              <p:cNvSpPr>
+                <a:spLocks noGrp="1" noRot="1" noChangeAspect="1" noMove="1" noResize="1" noEditPoints="1" noAdjustHandles="1" noChangeArrowheads="1" noChangeShapeType="1" noTextEdit="1"/>
+              </p:cNvSpPr>
+              <p:nvPr>
+                <p:ph idx="1"/>
+              </p:nvPr>
+            </p:nvSpPr>
+            <p:spPr>
+              <a:xfrm>
+                <a:off x="838199" y="1422400"/>
+                <a:ext cx="11179630" cy="5435600"/>
+              </a:xfrm>
+              <a:blipFill rotWithShape="0">
+                <a:blip r:embed="rId3"/>
+                <a:stretch>
+                  <a:fillRect l="-927" t="-1794" r="-1145"/>
+                </a:stretch>
+              </a:blipFill>
+            </p:spPr>
+            <p:txBody>
+              <a:bodyPr/>
+              <a:lstStyle/>
+              <a:p>
+                <a:r>
+                  <a:rPr lang="en-US">
+                    <a:noFill/>
+                  </a:rPr>
+                  <a:t> </a:t>
+                </a:r>
+              </a:p>
+            </p:txBody>
+          </p:sp>
+        </mc:Fallback>
+      </mc:AlternateContent>
+      <p:sp>
+        <p:nvSpPr>
+          <p:cNvPr id="4" name="Rectangle 3"/>
+          <p:cNvSpPr/>
+          <p:nvPr/>
+        </p:nvSpPr>
+        <p:spPr>
+          <a:xfrm>
+            <a:off x="4220388" y="2663922"/>
+            <a:ext cx="809896" cy="588645"/>
+          </a:xfrm>
+          <a:prstGeom prst="rect">
+            <a:avLst/>
+          </a:prstGeom>
+          <a:noFill/>
+          <a:ln w="28575">
+            <a:solidFill>
+              <a:srgbClr val="FF0000"/>
+            </a:solidFill>
+          </a:ln>
+        </p:spPr>
+        <p:style>
+          <a:lnRef idx="2">
+            <a:schemeClr val="accent1">
+              <a:shade val="50000"/>
+            </a:schemeClr>
+          </a:lnRef>
+          <a:fillRef idx="1">
+            <a:schemeClr val="accent1"/>
+          </a:fillRef>
+          <a:effectRef idx="0">
+            <a:schemeClr val="accent1"/>
+          </a:effectRef>
+          <a:fontRef idx="minor">
+            <a:schemeClr val="lt1"/>
+          </a:fontRef>
+        </p:style>
+        <p:txBody>
+          <a:bodyPr rtlCol="0" anchor="ctr"/>
+          <a:lstStyle/>
+          <a:p>
+            <a:pPr algn="ctr"/>
+            <a:endParaRPr lang="pt-BR"/>
+          </a:p>
+        </p:txBody>
+      </p:sp>
+    </p:spTree>
+    <p:extLst>
+      <p:ext uri="{BB962C8B-B14F-4D97-AF65-F5344CB8AC3E}">
+        <p14:creationId xmlns:p14="http://schemas.microsoft.com/office/powerpoint/2010/main" val="469073451"/>
+      </p:ext>
+    </p:extLst>
+  </p:cSld>
+  <p:clrMapOvr>
+    <a:masterClrMapping/>
+  </p:clrMapOvr>
+  <p:timing>
+    <p:tnLst>
+      <p:par>
+        <p:cTn id="1" dur="indefinite" restart="never" nodeType="tmRoot"/>
+      </p:par>
+    </p:tnLst>
+  </p:timing>
+</p:sld>
+</file>
+
+<file path=ppt/slides/slide11.xml><?xml version="1.0" encoding="utf-8"?>
 <p:sld xmlns:a="http://schemas.openxmlformats.org/drawingml/2006/main" xmlns:r="http://schemas.openxmlformats.org/officeDocument/2006/relationships" xmlns:p="http://schemas.openxmlformats.org/presentationml/2006/main">
   <p:cSld>
     <p:spTree>
@@ -9308,7 +9866,7 @@
 </p:sld>
 </file>
 
-<file path=ppt/slides/slide11.xml><?xml version="1.0" encoding="utf-8"?>
+<file path=ppt/slides/slide12.xml><?xml version="1.0" encoding="utf-8"?>
 <p:sld xmlns:a="http://schemas.openxmlformats.org/drawingml/2006/main" xmlns:r="http://schemas.openxmlformats.org/officeDocument/2006/relationships" xmlns:p="http://schemas.openxmlformats.org/presentationml/2006/main">
   <p:cSld>
     <p:spTree>
@@ -9375,12 +9933,12 @@
             <p:spPr>
               <a:xfrm>
                 <a:off x="838198" y="1252025"/>
-                <a:ext cx="11165115" cy="5605975"/>
+                <a:ext cx="11274780" cy="5605975"/>
               </a:xfrm>
             </p:spPr>
             <p:txBody>
               <a:bodyPr>
-                <a:normAutofit lnSpcReduction="10000"/>
+                <a:normAutofit fontScale="92500"/>
               </a:bodyPr>
               <a:lstStyle/>
               <a:p>
@@ -9541,138 +10099,27 @@
                           </a:rPr>
                           <m:t> −</m:t>
                         </m:r>
+                        <m:r>
+                          <a:rPr lang="en-US" i="1">
+                            <a:latin typeface="Cambria Math" panose="02040503050406030204" pitchFamily="18" charset="0"/>
+                          </a:rPr>
+                          <m:t>h</m:t>
+                        </m:r>
                         <m:d>
                           <m:dPr>
                             <m:ctrlPr>
-                              <a:rPr lang="pt-BR" i="1" dirty="0">
+                              <a:rPr lang="en-US" i="1">
                                 <a:latin typeface="Cambria Math" panose="02040503050406030204" pitchFamily="18" charset="0"/>
                               </a:rPr>
                             </m:ctrlPr>
                           </m:dPr>
                           <m:e>
-                            <m:sSub>
-                              <m:sSubPr>
-                                <m:ctrlPr>
-                                  <a:rPr lang="en-US" i="1">
-                                    <a:latin typeface="Cambria Math" panose="02040503050406030204" pitchFamily="18" charset="0"/>
-                                  </a:rPr>
-                                </m:ctrlPr>
-                              </m:sSubPr>
-                              <m:e>
-                                <m:r>
-                                  <a:rPr lang="en-US" i="1">
-                                    <a:latin typeface="Cambria Math" panose="02040503050406030204" pitchFamily="18" charset="0"/>
-                                  </a:rPr>
-                                  <m:t>𝑎</m:t>
-                                </m:r>
-                              </m:e>
-                              <m:sub>
-                                <m:r>
-                                  <a:rPr lang="pt-BR" i="1">
-                                    <a:latin typeface="Cambria Math" panose="02040503050406030204" pitchFamily="18" charset="0"/>
-                                  </a:rPr>
-                                  <m:t>1</m:t>
-                                </m:r>
-                              </m:sub>
-                            </m:sSub>
-                            <m:sSub>
-                              <m:sSubPr>
-                                <m:ctrlPr>
-                                  <a:rPr lang="en-US" i="1">
-                                    <a:latin typeface="Cambria Math" panose="02040503050406030204" pitchFamily="18" charset="0"/>
-                                  </a:rPr>
-                                </m:ctrlPr>
-                              </m:sSubPr>
-                              <m:e>
-                                <m:r>
-                                  <a:rPr lang="en-US" i="1">
-                                    <a:latin typeface="Cambria Math" panose="02040503050406030204" pitchFamily="18" charset="0"/>
-                                  </a:rPr>
-                                  <m:t>𝑥</m:t>
-                                </m:r>
-                              </m:e>
-                              <m:sub>
-                                <m:r>
-                                  <a:rPr lang="pt-BR" i="1">
-                                    <a:latin typeface="Cambria Math" panose="02040503050406030204" pitchFamily="18" charset="0"/>
-                                  </a:rPr>
-                                  <m:t>1</m:t>
-                                </m:r>
-                              </m:sub>
-                            </m:sSub>
-                            <m:d>
-                              <m:dPr>
-                                <m:ctrlPr>
-                                  <a:rPr lang="en-US" i="1">
-                                    <a:latin typeface="Cambria Math" panose="02040503050406030204" pitchFamily="18" charset="0"/>
-                                  </a:rPr>
-                                </m:ctrlPr>
-                              </m:dPr>
-                              <m:e>
-                                <m:r>
-                                  <a:rPr lang="pt-BR" i="1">
-                                    <a:latin typeface="Cambria Math" panose="02040503050406030204" pitchFamily="18" charset="0"/>
-                                  </a:rPr>
-                                  <m:t>𝑛</m:t>
-                                </m:r>
-                              </m:e>
-                            </m:d>
                             <m:r>
-                              <a:rPr lang="pt-BR" i="1">
+                              <a:rPr lang="pt-BR" b="1" i="1">
                                 <a:latin typeface="Cambria Math" panose="02040503050406030204" pitchFamily="18" charset="0"/>
                               </a:rPr>
-                              <m:t>+</m:t>
+                              <m:t>𝒙</m:t>
                             </m:r>
-                            <m:sSub>
-                              <m:sSubPr>
-                                <m:ctrlPr>
-                                  <a:rPr lang="en-US" i="1">
-                                    <a:latin typeface="Cambria Math" panose="02040503050406030204" pitchFamily="18" charset="0"/>
-                                  </a:rPr>
-                                </m:ctrlPr>
-                              </m:sSubPr>
-                              <m:e>
-                                <m:r>
-                                  <a:rPr lang="en-US" i="1">
-                                    <a:latin typeface="Cambria Math" panose="02040503050406030204" pitchFamily="18" charset="0"/>
-                                  </a:rPr>
-                                  <m:t>𝑎</m:t>
-                                </m:r>
-                              </m:e>
-                              <m:sub>
-                                <m:r>
-                                  <a:rPr lang="pt-BR" i="1">
-                                    <a:latin typeface="Cambria Math" panose="02040503050406030204" pitchFamily="18" charset="0"/>
-                                  </a:rPr>
-                                  <m:t>2</m:t>
-                                </m:r>
-                              </m:sub>
-                            </m:sSub>
-                            <m:sSub>
-                              <m:sSubPr>
-                                <m:ctrlPr>
-                                  <a:rPr lang="en-US" i="1">
-                                    <a:latin typeface="Cambria Math" panose="02040503050406030204" pitchFamily="18" charset="0"/>
-                                  </a:rPr>
-                                </m:ctrlPr>
-                              </m:sSubPr>
-                              <m:e>
-                                <m:r>
-                                  <a:rPr lang="en-US" i="1">
-                                    <a:latin typeface="Cambria Math" panose="02040503050406030204" pitchFamily="18" charset="0"/>
-                                  </a:rPr>
-                                  <m:t>𝑥</m:t>
-                                </m:r>
-                              </m:e>
-                              <m:sub>
-                                <m:r>
-                                  <a:rPr lang="pt-BR" i="1">
-                                    <a:latin typeface="Cambria Math" panose="02040503050406030204" pitchFamily="18" charset="0"/>
-                                  </a:rPr>
-                                  <m:t>2</m:t>
-                                </m:r>
-                              </m:sub>
-                            </m:sSub>
                             <m:d>
                               <m:dPr>
                                 <m:ctrlPr>
@@ -9789,11 +10236,7 @@
                 </a:r>
                 <a:r>
                   <a:rPr lang="pt-BR" b="1" i="1" dirty="0" smtClean="0"/>
-                  <a:t>estocástica (ou aleatória) </a:t>
-                </a:r>
-                <a:r>
-                  <a:rPr lang="pt-BR" b="1" i="1" dirty="0" smtClean="0"/>
-                  <a:t>do gradiente</a:t>
+                  <a:t>estocástica (ou aleatória) do gradiente</a:t>
                 </a:r>
                 <a:r>
                   <a:rPr lang="pt-BR" dirty="0" smtClean="0"/>
@@ -9805,11 +10248,49 @@
                 </a:r>
                 <a:r>
                   <a:rPr lang="pt-BR" dirty="0" smtClean="0"/>
-                  <a:t>exemplo</a:t>
+                  <a:t>exemplo.</a:t>
+                </a:r>
+              </a:p>
+              <a:p>
+                <a:pPr lvl="1" algn="just">
+                  <a:buFont typeface="Wingdings" panose="05000000000000000000" pitchFamily="2" charset="2"/>
+                  <a:buChar char="§"/>
+                </a:pPr>
+                <a:r>
+                  <a:rPr lang="pt-BR" dirty="0"/>
+                  <a:t>U</a:t>
                 </a:r>
                 <a:r>
                   <a:rPr lang="pt-BR" dirty="0" smtClean="0"/>
-                  <a:t>.</a:t>
+                  <a:t>tilizado quando os </a:t>
+                </a:r>
+                <a:r>
+                  <a:rPr lang="pt-BR" b="1" i="1" dirty="0" smtClean="0"/>
+                  <a:t>atributos e rótulos </a:t>
+                </a:r>
+                <a:r>
+                  <a:rPr lang="pt-BR" dirty="0" smtClean="0"/>
+                  <a:t>são </a:t>
+                </a:r>
+                <a:r>
+                  <a:rPr lang="pt-BR" b="1" i="1" dirty="0" smtClean="0"/>
+                  <a:t>obtidos </a:t>
+                </a:r>
+                <a:r>
+                  <a:rPr lang="pt-BR" b="1" i="1" dirty="0" smtClean="0"/>
+                  <a:t>sequencialmente</a:t>
+                </a:r>
+                <a:r>
+                  <a:rPr lang="pt-BR" dirty="0" smtClean="0"/>
+                  <a:t> (</a:t>
+                </a:r>
+                <a:r>
+                  <a:rPr lang="pt-BR" dirty="0" err="1" smtClean="0"/>
+                  <a:t>e.g</a:t>
+                </a:r>
+                <a:r>
+                  <a:rPr lang="pt-BR" dirty="0" smtClean="0"/>
+                  <a:t>, sensores).</a:t>
                 </a:r>
                 <a:endParaRPr lang="pt-BR" dirty="0" smtClean="0"/>
               </a:p>
@@ -9819,36 +10300,6 @@
                   <a:buChar char="§"/>
                 </a:pPr>
                 <a:r>
-                  <a:rPr lang="pt-BR" dirty="0"/>
-                  <a:t>U</a:t>
-                </a:r>
-                <a:r>
-                  <a:rPr lang="pt-BR" dirty="0" smtClean="0"/>
-                  <a:t>tilizado quando os </a:t>
-                </a:r>
-                <a:r>
-                  <a:rPr lang="pt-BR" b="1" i="1" dirty="0" smtClean="0"/>
-                  <a:t>atributos e rótulos </a:t>
-                </a:r>
-                <a:r>
-                  <a:rPr lang="pt-BR" dirty="0" smtClean="0"/>
-                  <a:t>são </a:t>
-                </a:r>
-                <a:r>
-                  <a:rPr lang="pt-BR" b="1" i="1" dirty="0" smtClean="0"/>
-                  <a:t>obtidos sequencialmente</a:t>
-                </a:r>
-                <a:r>
-                  <a:rPr lang="pt-BR" dirty="0" smtClean="0"/>
-                  <a:t>.</a:t>
-                </a:r>
-              </a:p>
-              <a:p>
-                <a:pPr lvl="1" algn="just">
-                  <a:buFont typeface="Wingdings" panose="05000000000000000000" pitchFamily="2" charset="2"/>
-                  <a:buChar char="§"/>
-                </a:pPr>
-                <a:r>
                   <a:rPr lang="pt-BR" dirty="0" smtClean="0"/>
                   <a:t>Ou </a:t>
                 </a:r>
@@ -9885,7 +10336,15 @@
                 </a:r>
                 <a:r>
                   <a:rPr lang="pt-BR" b="1" i="1" dirty="0" smtClean="0"/>
-                  <a:t>menos custoso em termos de memória </a:t>
+                  <a:t>menos custoso em termos </a:t>
+                </a:r>
+                <a:r>
+                  <a:rPr lang="pt-BR" b="1" i="1" dirty="0" smtClean="0"/>
+                  <a:t>de CPU e </a:t>
+                </a:r>
+                <a:r>
+                  <a:rPr lang="pt-BR" b="1" i="1" dirty="0" smtClean="0"/>
+                  <a:t>memória </a:t>
                 </a:r>
                 <a:r>
                   <a:rPr lang="pt-BR" dirty="0" smtClean="0"/>
@@ -9967,12 +10426,12 @@
             <p:spPr>
               <a:xfrm>
                 <a:off x="838198" y="1252025"/>
-                <a:ext cx="11165115" cy="5605975"/>
+                <a:ext cx="11274780" cy="5605975"/>
               </a:xfrm>
               <a:blipFill rotWithShape="0">
                 <a:blip r:embed="rId3"/>
                 <a:stretch>
-                  <a:fillRect l="-928" t="-2391" r="-1092"/>
+                  <a:fillRect l="-811" t="-1630" r="-973"/>
                 </a:stretch>
               </a:blipFill>
             </p:spPr>
@@ -9981,7 +10440,7 @@
               <a:lstStyle/>
               <a:p>
                 <a:r>
-                  <a:rPr lang="pt-BR">
+                  <a:rPr lang="en-US">
                     <a:noFill/>
                   </a:rPr>
                   <a:t> </a:t>
@@ -10011,7 +10470,7 @@
 </p:sld>
 </file>
 
-<file path=ppt/slides/slide12.xml><?xml version="1.0" encoding="utf-8"?>
+<file path=ppt/slides/slide13.xml><?xml version="1.0" encoding="utf-8"?>
 <p:sld xmlns:a="http://schemas.openxmlformats.org/drawingml/2006/main" xmlns:r="http://schemas.openxmlformats.org/officeDocument/2006/relationships" xmlns:p="http://schemas.openxmlformats.org/presentationml/2006/main">
   <p:cSld>
     <p:spTree>
@@ -10188,8 +10647,8 @@
           </a:prstGeom>
         </p:spPr>
       </p:pic>
-      <mc:AlternateContent xmlns:mc="http://schemas.openxmlformats.org/markup-compatibility/2006">
-        <mc:Choice xmlns:a14="http://schemas.microsoft.com/office/drawing/2010/main" Requires="a14">
+      <mc:AlternateContent xmlns:mc="http://schemas.openxmlformats.org/markup-compatibility/2006" xmlns:a14="http://schemas.microsoft.com/office/drawing/2010/main">
+        <mc:Choice Requires="a14">
           <p:sp>
             <p:nvSpPr>
               <p:cNvPr id="12" name="Content Placeholder 2"/>
@@ -10267,11 +10726,7 @@
                 </a:r>
                 <a:r>
                   <a:rPr lang="pt-BR" sz="2000" b="1" i="1" dirty="0" smtClean="0"/>
-                  <a:t>“</a:t>
-                </a:r>
-                <a:r>
-                  <a:rPr lang="pt-BR" sz="2000" b="1" i="1" dirty="0" smtClean="0"/>
-                  <a:t>ruidosas”</a:t>
+                  <a:t>“ruidosas”</a:t>
                 </a:r>
                 <a:r>
                   <a:rPr lang="pt-BR" sz="2000" dirty="0" smtClean="0"/>
@@ -10401,7 +10856,7 @@
             </p:txBody>
           </p:sp>
         </mc:Choice>
-        <mc:Fallback>
+        <mc:Fallback xmlns="">
           <p:sp>
             <p:nvSpPr>
               <p:cNvPr id="12" name="Content Placeholder 2"/>
@@ -10459,7 +10914,7 @@
 </p:sld>
 </file>
 
-<file path=ppt/slides/slide13.xml><?xml version="1.0" encoding="utf-8"?>
+<file path=ppt/slides/slide14.xml><?xml version="1.0" encoding="utf-8"?>
 <p:sld xmlns:a="http://schemas.openxmlformats.org/drawingml/2006/main" xmlns:r="http://schemas.openxmlformats.org/officeDocument/2006/relationships" xmlns:p="http://schemas.openxmlformats.org/presentationml/2006/main">
   <p:cSld>
     <p:spTree>
@@ -10511,8 +10966,8 @@
           </a:p>
         </p:txBody>
       </p:sp>
-      <mc:AlternateContent xmlns:mc="http://schemas.openxmlformats.org/markup-compatibility/2006" xmlns:a14="http://schemas.microsoft.com/office/drawing/2010/main">
-        <mc:Choice Requires="a14">
+      <mc:AlternateContent xmlns:mc="http://schemas.openxmlformats.org/markup-compatibility/2006">
+        <mc:Choice xmlns:a14="http://schemas.microsoft.com/office/drawing/2010/main" Requires="a14">
           <p:sp>
             <p:nvSpPr>
               <p:cNvPr id="3" name="Content Placeholder 2"/>
@@ -10706,138 +11161,27 @@
                               </a:rPr>
                               <m:t> −</m:t>
                             </m:r>
+                            <m:r>
+                              <a:rPr lang="en-US" i="1">
+                                <a:latin typeface="Cambria Math" panose="02040503050406030204" pitchFamily="18" charset="0"/>
+                              </a:rPr>
+                              <m:t>h</m:t>
+                            </m:r>
                             <m:d>
                               <m:dPr>
                                 <m:ctrlPr>
-                                  <a:rPr lang="pt-BR" i="1" dirty="0">
+                                  <a:rPr lang="en-US" i="1">
                                     <a:latin typeface="Cambria Math" panose="02040503050406030204" pitchFamily="18" charset="0"/>
                                   </a:rPr>
                                 </m:ctrlPr>
                               </m:dPr>
                               <m:e>
-                                <m:sSub>
-                                  <m:sSubPr>
-                                    <m:ctrlPr>
-                                      <a:rPr lang="en-US" i="1">
-                                        <a:latin typeface="Cambria Math" panose="02040503050406030204" pitchFamily="18" charset="0"/>
-                                      </a:rPr>
-                                    </m:ctrlPr>
-                                  </m:sSubPr>
-                                  <m:e>
-                                    <m:r>
-                                      <a:rPr lang="en-US" i="1">
-                                        <a:latin typeface="Cambria Math" panose="02040503050406030204" pitchFamily="18" charset="0"/>
-                                      </a:rPr>
-                                      <m:t>𝑎</m:t>
-                                    </m:r>
-                                  </m:e>
-                                  <m:sub>
-                                    <m:r>
-                                      <a:rPr lang="pt-BR" i="1">
-                                        <a:latin typeface="Cambria Math" panose="02040503050406030204" pitchFamily="18" charset="0"/>
-                                      </a:rPr>
-                                      <m:t>1</m:t>
-                                    </m:r>
-                                  </m:sub>
-                                </m:sSub>
-                                <m:sSub>
-                                  <m:sSubPr>
-                                    <m:ctrlPr>
-                                      <a:rPr lang="en-US" i="1">
-                                        <a:latin typeface="Cambria Math" panose="02040503050406030204" pitchFamily="18" charset="0"/>
-                                      </a:rPr>
-                                    </m:ctrlPr>
-                                  </m:sSubPr>
-                                  <m:e>
-                                    <m:r>
-                                      <a:rPr lang="en-US" i="1">
-                                        <a:latin typeface="Cambria Math" panose="02040503050406030204" pitchFamily="18" charset="0"/>
-                                      </a:rPr>
-                                      <m:t>𝑥</m:t>
-                                    </m:r>
-                                  </m:e>
-                                  <m:sub>
-                                    <m:r>
-                                      <a:rPr lang="pt-BR" i="1">
-                                        <a:latin typeface="Cambria Math" panose="02040503050406030204" pitchFamily="18" charset="0"/>
-                                      </a:rPr>
-                                      <m:t>1</m:t>
-                                    </m:r>
-                                  </m:sub>
-                                </m:sSub>
-                                <m:d>
-                                  <m:dPr>
-                                    <m:ctrlPr>
-                                      <a:rPr lang="en-US" i="1">
-                                        <a:latin typeface="Cambria Math" panose="02040503050406030204" pitchFamily="18" charset="0"/>
-                                      </a:rPr>
-                                    </m:ctrlPr>
-                                  </m:dPr>
-                                  <m:e>
-                                    <m:r>
-                                      <a:rPr lang="pt-BR" i="1">
-                                        <a:latin typeface="Cambria Math" panose="02040503050406030204" pitchFamily="18" charset="0"/>
-                                      </a:rPr>
-                                      <m:t>𝑛</m:t>
-                                    </m:r>
-                                  </m:e>
-                                </m:d>
                                 <m:r>
-                                  <a:rPr lang="pt-BR" i="1">
+                                  <a:rPr lang="pt-BR" b="1" i="1">
                                     <a:latin typeface="Cambria Math" panose="02040503050406030204" pitchFamily="18" charset="0"/>
                                   </a:rPr>
-                                  <m:t>+</m:t>
+                                  <m:t>𝒙</m:t>
                                 </m:r>
-                                <m:sSub>
-                                  <m:sSubPr>
-                                    <m:ctrlPr>
-                                      <a:rPr lang="en-US" i="1">
-                                        <a:latin typeface="Cambria Math" panose="02040503050406030204" pitchFamily="18" charset="0"/>
-                                      </a:rPr>
-                                    </m:ctrlPr>
-                                  </m:sSubPr>
-                                  <m:e>
-                                    <m:r>
-                                      <a:rPr lang="en-US" i="1">
-                                        <a:latin typeface="Cambria Math" panose="02040503050406030204" pitchFamily="18" charset="0"/>
-                                      </a:rPr>
-                                      <m:t>𝑎</m:t>
-                                    </m:r>
-                                  </m:e>
-                                  <m:sub>
-                                    <m:r>
-                                      <a:rPr lang="pt-BR" i="1">
-                                        <a:latin typeface="Cambria Math" panose="02040503050406030204" pitchFamily="18" charset="0"/>
-                                      </a:rPr>
-                                      <m:t>2</m:t>
-                                    </m:r>
-                                  </m:sub>
-                                </m:sSub>
-                                <m:sSub>
-                                  <m:sSubPr>
-                                    <m:ctrlPr>
-                                      <a:rPr lang="en-US" i="1">
-                                        <a:latin typeface="Cambria Math" panose="02040503050406030204" pitchFamily="18" charset="0"/>
-                                      </a:rPr>
-                                    </m:ctrlPr>
-                                  </m:sSubPr>
-                                  <m:e>
-                                    <m:r>
-                                      <a:rPr lang="en-US" i="1">
-                                        <a:latin typeface="Cambria Math" panose="02040503050406030204" pitchFamily="18" charset="0"/>
-                                      </a:rPr>
-                                      <m:t>𝑥</m:t>
-                                    </m:r>
-                                  </m:e>
-                                  <m:sub>
-                                    <m:r>
-                                      <a:rPr lang="pt-BR" i="1">
-                                        <a:latin typeface="Cambria Math" panose="02040503050406030204" pitchFamily="18" charset="0"/>
-                                      </a:rPr>
-                                      <m:t>2</m:t>
-                                    </m:r>
-                                  </m:sub>
-                                </m:sSub>
                                 <m:d>
                                   <m:dPr>
                                     <m:ctrlPr>
@@ -11127,7 +11471,7 @@
             </p:txBody>
           </p:sp>
         </mc:Choice>
-        <mc:Fallback xmlns="">
+        <mc:Fallback>
           <p:sp>
             <p:nvSpPr>
               <p:cNvPr id="3" name="Content Placeholder 2"/>
@@ -11155,7 +11499,7 @@
               <a:lstStyle/>
               <a:p>
                 <a:r>
-                  <a:rPr lang="pt-BR">
+                  <a:rPr lang="en-US">
                     <a:noFill/>
                   </a:rPr>
                   <a:t> </a:t>
@@ -11173,7 +11517,7 @@
         </p:nvSpPr>
         <p:spPr>
           <a:xfrm>
-            <a:off x="3297611" y="2923057"/>
+            <a:off x="4200722" y="2923057"/>
             <a:ext cx="969817" cy="539768"/>
           </a:xfrm>
           <a:prstGeom prst="rect">
@@ -11235,7 +11579,7 @@
 </p:sld>
 </file>
 
-<file path=ppt/slides/slide14.xml><?xml version="1.0" encoding="utf-8"?>
+<file path=ppt/slides/slide15.xml><?xml version="1.0" encoding="utf-8"?>
 <p:sld xmlns:a="http://schemas.openxmlformats.org/drawingml/2006/main" xmlns:r="http://schemas.openxmlformats.org/officeDocument/2006/relationships" xmlns:p="http://schemas.openxmlformats.org/presentationml/2006/main">
   <p:cSld>
     <p:spTree>
@@ -11793,7 +12137,7 @@
 </p:sld>
 </file>
 
-<file path=ppt/slides/slide15.xml><?xml version="1.0" encoding="utf-8"?>
+<file path=ppt/slides/slide16.xml><?xml version="1.0" encoding="utf-8"?>
 <p:sld xmlns:a="http://schemas.openxmlformats.org/drawingml/2006/main" xmlns:r="http://schemas.openxmlformats.org/officeDocument/2006/relationships" xmlns:p="http://schemas.openxmlformats.org/presentationml/2006/main">
   <p:cSld>
     <p:spTree>
@@ -11971,7 +12315,7 @@
 </p:sld>
 </file>
 
-<file path=ppt/slides/slide16.xml><?xml version="1.0" encoding="utf-8"?>
+<file path=ppt/slides/slide17.xml><?xml version="1.0" encoding="utf-8"?>
 <p:sld xmlns:a="http://schemas.openxmlformats.org/drawingml/2006/main" xmlns:r="http://schemas.openxmlformats.org/officeDocument/2006/relationships" xmlns:p="http://schemas.openxmlformats.org/presentationml/2006/main">
   <p:cSld>
     <p:spTree>
@@ -11993,7 +12337,7 @@
           <p:cNvPr id="4" name="Título 1">
             <a:extLst>
               <a:ext uri="{FF2B5EF4-FFF2-40B4-BE49-F238E27FC236}">
-                <a16:creationId xmlns:a16="http://schemas.microsoft.com/office/drawing/2014/main" xmlns="" id="{32666AC8-2E17-4DB4-B0F5-60C640CCFD2E}"/>
+                <a16:creationId xmlns="" xmlns:a16="http://schemas.microsoft.com/office/drawing/2014/main" id="{32666AC8-2E17-4DB4-B0F5-60C640CCFD2E}"/>
               </a:ext>
             </a:extLst>
           </p:cNvPr>
@@ -12063,7 +12407,7 @@
 </p:sld>
 </file>
 
-<file path=ppt/slides/slide17.xml><?xml version="1.0" encoding="utf-8"?>
+<file path=ppt/slides/slide18.xml><?xml version="1.0" encoding="utf-8"?>
 <p:sld xmlns:a="http://schemas.openxmlformats.org/drawingml/2006/main" xmlns:r="http://schemas.openxmlformats.org/officeDocument/2006/relationships" xmlns:p="http://schemas.openxmlformats.org/presentationml/2006/main">
   <p:cSld>
     <p:spTree>
@@ -21306,7 +21650,7 @@
       </p:grpSpPr>
       <p:sp>
         <p:nvSpPr>
-          <p:cNvPr id="2" name="Title 1"/>
+          <p:cNvPr id="2" name="Título 1"/>
           <p:cNvSpPr>
             <a:spLocks noGrp="1"/>
           </p:cNvSpPr>
@@ -21314,10 +21658,33 @@
             <p:ph type="title"/>
           </p:nvPr>
         </p:nvSpPr>
+        <p:spPr/>
+        <p:txBody>
+          <a:bodyPr/>
+          <a:lstStyle/>
+          <a:p>
+            <a:r>
+              <a:rPr lang="pt-BR" dirty="0"/>
+              <a:t>Versões do Gradiente Descendente</a:t>
+            </a:r>
+            <a:endParaRPr lang="en-US" dirty="0"/>
+          </a:p>
+        </p:txBody>
+      </p:sp>
+      <p:sp>
+        <p:nvSpPr>
+          <p:cNvPr id="3" name="Espaço Reservado para Conteúdo 2"/>
+          <p:cNvSpPr>
+            <a:spLocks noGrp="1"/>
+          </p:cNvSpPr>
+          <p:nvPr>
+            <p:ph idx="1"/>
+          </p:nvPr>
+        </p:nvSpPr>
         <p:spPr>
           <a:xfrm>
-            <a:off x="838200" y="365125"/>
-            <a:ext cx="10515600" cy="854075"/>
+            <a:off x="838200" y="1825625"/>
+            <a:ext cx="11173178" cy="4812242"/>
           </a:xfrm>
         </p:spPr>
         <p:txBody>
@@ -21326,633 +21693,57 @@
           <a:p>
             <a:r>
               <a:rPr lang="pt-BR" dirty="0"/>
-              <a:t>Versões do Gradiente Descendente</a:t>
-            </a:r>
-          </a:p>
-        </p:txBody>
-      </p:sp>
-      <mc:AlternateContent xmlns:mc="http://schemas.openxmlformats.org/markup-compatibility/2006" xmlns:a14="http://schemas.microsoft.com/office/drawing/2010/main">
-        <mc:Choice Requires="a14">
-          <p:sp>
-            <p:nvSpPr>
-              <p:cNvPr id="3" name="Content Placeholder 2"/>
-              <p:cNvSpPr>
-                <a:spLocks noGrp="1"/>
-              </p:cNvSpPr>
-              <p:nvPr>
-                <p:ph idx="1"/>
-              </p:nvPr>
-            </p:nvSpPr>
-            <p:spPr>
-              <a:xfrm>
-                <a:off x="838199" y="1422400"/>
-                <a:ext cx="11179630" cy="5435600"/>
-              </a:xfrm>
-            </p:spPr>
-            <p:txBody>
-              <a:bodyPr>
-                <a:normAutofit/>
-              </a:bodyPr>
-              <a:lstStyle/>
-              <a:p>
-                <a:pPr marL="0" indent="0" algn="just">
-                  <a:buNone/>
-                </a:pPr>
-                <a:r>
-                  <a:rPr lang="pt-BR" dirty="0" smtClean="0"/>
-                  <a:t>Existem 3 diferentes versões para a implementação do algoritmo do Gradiente Descendente: Batelada, Estocástico e Mini-Batch.</a:t>
-                </a:r>
-              </a:p>
-              <a:p>
-                <a:pPr algn="just"/>
-                <a:r>
-                  <a:rPr lang="pt-BR" b="1" dirty="0"/>
-                  <a:t>Batelada </a:t>
-                </a:r>
-                <a:r>
-                  <a:rPr lang="pt-BR" dirty="0"/>
-                  <a:t>(do inglês </a:t>
-                </a:r>
-                <a:r>
-                  <a:rPr lang="pt-BR" b="1" i="1" dirty="0"/>
-                  <a:t>batch</a:t>
-                </a:r>
-                <a:r>
-                  <a:rPr lang="pt-BR" dirty="0"/>
-                  <a:t>): a cada </a:t>
-                </a:r>
-                <a:r>
-                  <a:rPr lang="pt-BR" dirty="0" smtClean="0"/>
-                  <a:t>época </a:t>
-                </a:r>
-                <a:r>
-                  <a:rPr lang="pt-BR" dirty="0"/>
-                  <a:t>do algoritmo, </a:t>
-                </a:r>
-                <a:r>
-                  <a:rPr lang="pt-BR" b="1" i="1" dirty="0"/>
-                  <a:t>todos</a:t>
-                </a:r>
-                <a:r>
-                  <a:rPr lang="pt-BR" dirty="0"/>
-                  <a:t> os exemplos de treinamento são considerados no processo de treinamento do modelo. Esta versão foi </a:t>
-                </a:r>
-                <a:r>
-                  <a:rPr lang="pt-BR" dirty="0" smtClean="0"/>
-                  <a:t>a utilizada no exemplo anterior. </a:t>
-                </a:r>
-                <a:endParaRPr lang="pt-BR" i="1" dirty="0">
-                  <a:latin typeface="Cambria Math" panose="02040503050406030204" pitchFamily="18" charset="0"/>
-                </a:endParaRPr>
-              </a:p>
-              <a:p>
-                <a:pPr marL="0" indent="0" algn="ctr">
-                  <a:buNone/>
-                </a:pPr>
-                <a14:m>
-                  <m:oMath xmlns:m="http://schemas.openxmlformats.org/officeDocument/2006/math">
-                    <m:sSub>
-                      <m:sSubPr>
-                        <m:ctrlPr>
-                          <a:rPr lang="nl-BE" i="1">
-                            <a:latin typeface="Cambria Math" panose="02040503050406030204" pitchFamily="18" charset="0"/>
-                          </a:rPr>
-                        </m:ctrlPr>
-                      </m:sSubPr>
-                      <m:e>
-                        <m:r>
-                          <a:rPr lang="en-US" i="1">
-                            <a:latin typeface="Cambria Math" panose="02040503050406030204" pitchFamily="18" charset="0"/>
-                          </a:rPr>
-                          <m:t>𝑎</m:t>
-                        </m:r>
-                      </m:e>
-                      <m:sub>
-                        <m:r>
-                          <a:rPr lang="pt-BR" i="1">
-                            <a:latin typeface="Cambria Math" panose="02040503050406030204" pitchFamily="18" charset="0"/>
-                          </a:rPr>
-                          <m:t>𝑘</m:t>
-                        </m:r>
-                      </m:sub>
-                    </m:sSub>
-                    <m:r>
-                      <a:rPr lang="en-US">
-                        <a:latin typeface="Cambria Math" panose="02040503050406030204" pitchFamily="18" charset="0"/>
-                      </a:rPr>
-                      <m:t>=</m:t>
-                    </m:r>
-                    <m:sSub>
-                      <m:sSubPr>
-                        <m:ctrlPr>
-                          <a:rPr lang="nl-BE" i="1">
-                            <a:latin typeface="Cambria Math" panose="02040503050406030204" pitchFamily="18" charset="0"/>
-                          </a:rPr>
-                        </m:ctrlPr>
-                      </m:sSubPr>
-                      <m:e>
-                        <m:r>
-                          <a:rPr lang="en-US" i="1">
-                            <a:latin typeface="Cambria Math" panose="02040503050406030204" pitchFamily="18" charset="0"/>
-                          </a:rPr>
-                          <m:t>𝑎</m:t>
-                        </m:r>
-                      </m:e>
-                      <m:sub>
-                        <m:r>
-                          <a:rPr lang="pt-BR" i="1">
-                            <a:latin typeface="Cambria Math" panose="02040503050406030204" pitchFamily="18" charset="0"/>
-                          </a:rPr>
-                          <m:t>𝑘</m:t>
-                        </m:r>
-                      </m:sub>
-                    </m:sSub>
-                    <m:r>
-                      <a:rPr lang="en-US" i="1">
-                        <a:latin typeface="Cambria Math" panose="02040503050406030204" pitchFamily="18" charset="0"/>
-                      </a:rPr>
-                      <m:t>+</m:t>
-                    </m:r>
-                    <m:r>
-                      <a:rPr lang="en-US" i="1">
-                        <a:latin typeface="Cambria Math" panose="02040503050406030204" pitchFamily="18" charset="0"/>
-                        <a:ea typeface="Cambria Math" panose="02040503050406030204" pitchFamily="18" charset="0"/>
-                      </a:rPr>
-                      <m:t>𝛼</m:t>
-                    </m:r>
-                    <m:nary>
-                      <m:naryPr>
-                        <m:chr m:val="∑"/>
-                        <m:ctrlPr>
-                          <a:rPr lang="pt-BR" i="1">
-                            <a:latin typeface="Cambria Math" panose="02040503050406030204" pitchFamily="18" charset="0"/>
-                          </a:rPr>
-                        </m:ctrlPr>
-                      </m:naryPr>
-                      <m:sub>
-                        <m:r>
-                          <a:rPr lang="pt-BR" b="0" i="1" smtClean="0">
-                            <a:latin typeface="Cambria Math" panose="02040503050406030204" pitchFamily="18" charset="0"/>
-                          </a:rPr>
-                          <m:t>𝑛</m:t>
-                        </m:r>
-                        <m:r>
-                          <a:rPr lang="pt-BR" i="1">
-                            <a:latin typeface="Cambria Math" panose="02040503050406030204" pitchFamily="18" charset="0"/>
-                          </a:rPr>
-                          <m:t>=0</m:t>
-                        </m:r>
-                      </m:sub>
-                      <m:sup>
-                        <m:r>
-                          <a:rPr lang="pt-BR" i="1">
-                            <a:latin typeface="Cambria Math" panose="02040503050406030204" pitchFamily="18" charset="0"/>
-                          </a:rPr>
-                          <m:t>𝑁</m:t>
-                        </m:r>
-                        <m:r>
-                          <a:rPr lang="pt-BR" i="1">
-                            <a:latin typeface="Cambria Math" panose="02040503050406030204" pitchFamily="18" charset="0"/>
-                          </a:rPr>
-                          <m:t>−1</m:t>
-                        </m:r>
-                      </m:sup>
-                      <m:e>
-                        <m:d>
-                          <m:dPr>
-                            <m:begChr m:val="["/>
-                            <m:endChr m:val="]"/>
-                            <m:ctrlPr>
-                              <a:rPr lang="pt-BR" i="1">
-                                <a:latin typeface="Cambria Math" panose="02040503050406030204" pitchFamily="18" charset="0"/>
-                              </a:rPr>
-                            </m:ctrlPr>
-                          </m:dPr>
-                          <m:e>
-                            <m:r>
-                              <a:rPr lang="pt-BR" i="1">
-                                <a:latin typeface="Cambria Math" panose="02040503050406030204" pitchFamily="18" charset="0"/>
-                              </a:rPr>
-                              <m:t>𝑦</m:t>
-                            </m:r>
-                            <m:d>
-                              <m:dPr>
-                                <m:ctrlPr>
-                                  <a:rPr lang="en-US" i="1">
-                                    <a:latin typeface="Cambria Math" panose="02040503050406030204" pitchFamily="18" charset="0"/>
-                                  </a:rPr>
-                                </m:ctrlPr>
-                              </m:dPr>
-                              <m:e>
-                                <m:r>
-                                  <a:rPr lang="pt-BR" b="0" i="1" smtClean="0">
-                                    <a:latin typeface="Cambria Math" panose="02040503050406030204" pitchFamily="18" charset="0"/>
-                                  </a:rPr>
-                                  <m:t>𝑛</m:t>
-                                </m:r>
-                              </m:e>
-                            </m:d>
-                            <m:r>
-                              <a:rPr lang="pt-BR" i="1" dirty="0">
-                                <a:latin typeface="Cambria Math" panose="02040503050406030204" pitchFamily="18" charset="0"/>
-                              </a:rPr>
-                              <m:t>−</m:t>
-                            </m:r>
-                            <m:d>
-                              <m:dPr>
-                                <m:ctrlPr>
-                                  <a:rPr lang="pt-BR" i="1" dirty="0">
-                                    <a:latin typeface="Cambria Math" panose="02040503050406030204" pitchFamily="18" charset="0"/>
-                                  </a:rPr>
-                                </m:ctrlPr>
-                              </m:dPr>
-                              <m:e>
-                                <m:sSub>
-                                  <m:sSubPr>
-                                    <m:ctrlPr>
-                                      <a:rPr lang="en-US" i="1">
-                                        <a:latin typeface="Cambria Math" panose="02040503050406030204" pitchFamily="18" charset="0"/>
-                                      </a:rPr>
-                                    </m:ctrlPr>
-                                  </m:sSubPr>
-                                  <m:e>
-                                    <m:r>
-                                      <a:rPr lang="en-US" i="1">
-                                        <a:latin typeface="Cambria Math" panose="02040503050406030204" pitchFamily="18" charset="0"/>
-                                      </a:rPr>
-                                      <m:t>𝑎</m:t>
-                                    </m:r>
-                                  </m:e>
-                                  <m:sub>
-                                    <m:r>
-                                      <a:rPr lang="pt-BR" i="1">
-                                        <a:latin typeface="Cambria Math" panose="02040503050406030204" pitchFamily="18" charset="0"/>
-                                      </a:rPr>
-                                      <m:t>1</m:t>
-                                    </m:r>
-                                  </m:sub>
-                                </m:sSub>
-                                <m:sSub>
-                                  <m:sSubPr>
-                                    <m:ctrlPr>
-                                      <a:rPr lang="en-US" i="1">
-                                        <a:latin typeface="Cambria Math" panose="02040503050406030204" pitchFamily="18" charset="0"/>
-                                      </a:rPr>
-                                    </m:ctrlPr>
-                                  </m:sSubPr>
-                                  <m:e>
-                                    <m:r>
-                                      <a:rPr lang="en-US" i="1">
-                                        <a:latin typeface="Cambria Math" panose="02040503050406030204" pitchFamily="18" charset="0"/>
-                                      </a:rPr>
-                                      <m:t>𝑥</m:t>
-                                    </m:r>
-                                  </m:e>
-                                  <m:sub>
-                                    <m:r>
-                                      <a:rPr lang="pt-BR" i="1">
-                                        <a:latin typeface="Cambria Math" panose="02040503050406030204" pitchFamily="18" charset="0"/>
-                                      </a:rPr>
-                                      <m:t>1</m:t>
-                                    </m:r>
-                                  </m:sub>
-                                </m:sSub>
-                                <m:d>
-                                  <m:dPr>
-                                    <m:ctrlPr>
-                                      <a:rPr lang="en-US" i="1">
-                                        <a:latin typeface="Cambria Math" panose="02040503050406030204" pitchFamily="18" charset="0"/>
-                                      </a:rPr>
-                                    </m:ctrlPr>
-                                  </m:dPr>
-                                  <m:e>
-                                    <m:r>
-                                      <a:rPr lang="pt-BR" b="0" i="1" smtClean="0">
-                                        <a:latin typeface="Cambria Math" panose="02040503050406030204" pitchFamily="18" charset="0"/>
-                                      </a:rPr>
-                                      <m:t>𝑛</m:t>
-                                    </m:r>
-                                  </m:e>
-                                </m:d>
-                                <m:r>
-                                  <a:rPr lang="pt-BR" i="1">
-                                    <a:latin typeface="Cambria Math" panose="02040503050406030204" pitchFamily="18" charset="0"/>
-                                  </a:rPr>
-                                  <m:t>+</m:t>
-                                </m:r>
-                                <m:sSub>
-                                  <m:sSubPr>
-                                    <m:ctrlPr>
-                                      <a:rPr lang="en-US" i="1">
-                                        <a:latin typeface="Cambria Math" panose="02040503050406030204" pitchFamily="18" charset="0"/>
-                                      </a:rPr>
-                                    </m:ctrlPr>
-                                  </m:sSubPr>
-                                  <m:e>
-                                    <m:r>
-                                      <a:rPr lang="en-US" i="1">
-                                        <a:latin typeface="Cambria Math" panose="02040503050406030204" pitchFamily="18" charset="0"/>
-                                      </a:rPr>
-                                      <m:t>𝑎</m:t>
-                                    </m:r>
-                                  </m:e>
-                                  <m:sub>
-                                    <m:r>
-                                      <a:rPr lang="pt-BR" i="1">
-                                        <a:latin typeface="Cambria Math" panose="02040503050406030204" pitchFamily="18" charset="0"/>
-                                      </a:rPr>
-                                      <m:t>2</m:t>
-                                    </m:r>
-                                  </m:sub>
-                                </m:sSub>
-                                <m:sSub>
-                                  <m:sSubPr>
-                                    <m:ctrlPr>
-                                      <a:rPr lang="en-US" i="1">
-                                        <a:latin typeface="Cambria Math" panose="02040503050406030204" pitchFamily="18" charset="0"/>
-                                      </a:rPr>
-                                    </m:ctrlPr>
-                                  </m:sSubPr>
-                                  <m:e>
-                                    <m:r>
-                                      <a:rPr lang="en-US" i="1">
-                                        <a:latin typeface="Cambria Math" panose="02040503050406030204" pitchFamily="18" charset="0"/>
-                                      </a:rPr>
-                                      <m:t>𝑥</m:t>
-                                    </m:r>
-                                  </m:e>
-                                  <m:sub>
-                                    <m:r>
-                                      <a:rPr lang="pt-BR" i="1">
-                                        <a:latin typeface="Cambria Math" panose="02040503050406030204" pitchFamily="18" charset="0"/>
-                                      </a:rPr>
-                                      <m:t>2</m:t>
-                                    </m:r>
-                                  </m:sub>
-                                </m:sSub>
-                                <m:d>
-                                  <m:dPr>
-                                    <m:ctrlPr>
-                                      <a:rPr lang="en-US" i="1">
-                                        <a:latin typeface="Cambria Math" panose="02040503050406030204" pitchFamily="18" charset="0"/>
-                                      </a:rPr>
-                                    </m:ctrlPr>
-                                  </m:dPr>
-                                  <m:e>
-                                    <m:r>
-                                      <a:rPr lang="pt-BR" b="0" i="1" smtClean="0">
-                                        <a:latin typeface="Cambria Math" panose="02040503050406030204" pitchFamily="18" charset="0"/>
-                                      </a:rPr>
-                                      <m:t>𝑛</m:t>
-                                    </m:r>
-                                  </m:e>
-                                </m:d>
-                              </m:e>
-                            </m:d>
-                          </m:e>
-                        </m:d>
-                      </m:e>
-                    </m:nary>
-                    <m:sSub>
-                      <m:sSubPr>
-                        <m:ctrlPr>
-                          <a:rPr lang="en-US" i="1">
-                            <a:latin typeface="Cambria Math" panose="02040503050406030204" pitchFamily="18" charset="0"/>
-                          </a:rPr>
-                        </m:ctrlPr>
-                      </m:sSubPr>
-                      <m:e>
-                        <m:r>
-                          <a:rPr lang="pt-BR" i="1">
-                            <a:latin typeface="Cambria Math" panose="02040503050406030204" pitchFamily="18" charset="0"/>
-                          </a:rPr>
-                          <m:t>𝑥</m:t>
-                        </m:r>
-                      </m:e>
-                      <m:sub>
-                        <m:r>
-                          <a:rPr lang="pt-BR" i="1">
-                            <a:latin typeface="Cambria Math" panose="02040503050406030204" pitchFamily="18" charset="0"/>
-                          </a:rPr>
-                          <m:t>𝑘</m:t>
-                        </m:r>
-                      </m:sub>
-                    </m:sSub>
-                    <m:r>
-                      <a:rPr lang="pt-BR" i="1">
-                        <a:latin typeface="Cambria Math" panose="02040503050406030204" pitchFamily="18" charset="0"/>
-                      </a:rPr>
-                      <m:t>(</m:t>
-                    </m:r>
-                    <m:r>
-                      <a:rPr lang="pt-BR" b="0" i="1" smtClean="0">
-                        <a:latin typeface="Cambria Math" panose="02040503050406030204" pitchFamily="18" charset="0"/>
-                      </a:rPr>
-                      <m:t>𝑛</m:t>
-                    </m:r>
-                    <m:r>
-                      <a:rPr lang="pt-BR" i="1">
-                        <a:latin typeface="Cambria Math" panose="02040503050406030204" pitchFamily="18" charset="0"/>
-                      </a:rPr>
-                      <m:t>)</m:t>
-                    </m:r>
-                  </m:oMath>
-                </a14:m>
-                <a:r>
-                  <a:rPr lang="nl-BE" dirty="0"/>
-                  <a:t>,  </a:t>
-                </a:r>
-                <a14:m>
-                  <m:oMath xmlns:m="http://schemas.openxmlformats.org/officeDocument/2006/math">
-                    <m:r>
-                      <a:rPr lang="pt-BR" i="1">
-                        <a:latin typeface="Cambria Math" panose="02040503050406030204" pitchFamily="18" charset="0"/>
-                      </a:rPr>
-                      <m:t>𝑘</m:t>
-                    </m:r>
-                    <m:r>
-                      <a:rPr lang="pt-BR" i="1">
-                        <a:latin typeface="Cambria Math" panose="02040503050406030204" pitchFamily="18" charset="0"/>
-                      </a:rPr>
-                      <m:t>=1,…, </m:t>
-                    </m:r>
-                    <m:r>
-                      <a:rPr lang="pt-BR" b="0" i="1" smtClean="0">
-                        <a:latin typeface="Cambria Math" panose="02040503050406030204" pitchFamily="18" charset="0"/>
-                      </a:rPr>
-                      <m:t>𝐾</m:t>
-                    </m:r>
-                  </m:oMath>
-                </a14:m>
-                <a:endParaRPr lang="pt-BR" dirty="0" smtClean="0"/>
-              </a:p>
-              <a:p>
-                <a:r>
-                  <a:rPr lang="pt-BR" b="1" dirty="0" smtClean="0"/>
-                  <a:t>Características</a:t>
-                </a:r>
-                <a:r>
-                  <a:rPr lang="pt-BR" dirty="0" smtClean="0"/>
-                  <a:t>:</a:t>
-                </a:r>
-                <a:endParaRPr lang="pt-BR" dirty="0"/>
-              </a:p>
-              <a:p>
-                <a:pPr lvl="1" algn="just">
-                  <a:buFont typeface="Wingdings" panose="05000000000000000000" pitchFamily="2" charset="2"/>
-                  <a:buChar char="§"/>
-                </a:pPr>
-                <a:r>
-                  <a:rPr lang="pt-BR" dirty="0"/>
-                  <a:t>Utilizado quando se possui previamente todos os atributos e rótulos de treinamento, ou seja, o conjunto de treinamento.</a:t>
-                </a:r>
-              </a:p>
-              <a:p>
-                <a:pPr lvl="1" algn="just">
-                  <a:buFont typeface="Wingdings" panose="05000000000000000000" pitchFamily="2" charset="2"/>
-                  <a:buChar char="§"/>
-                </a:pPr>
-                <a:r>
-                  <a:rPr lang="pt-BR" b="1" dirty="0"/>
-                  <a:t>Convergência garantida</a:t>
-                </a:r>
-                <a:r>
-                  <a:rPr lang="pt-BR" dirty="0"/>
-                  <a:t>,</a:t>
-                </a:r>
-                <a:r>
-                  <a:rPr lang="pt-BR" b="1" dirty="0"/>
-                  <a:t> </a:t>
-                </a:r>
-                <a:r>
-                  <a:rPr lang="pt-BR" dirty="0"/>
-                  <a:t>dado que o passo de aprendizagem </a:t>
-                </a:r>
-                <a:r>
-                  <a:rPr lang="pt-BR" dirty="0" smtClean="0"/>
-                  <a:t>tenha o tamanho apropriado e se espere tempo suficiente.</a:t>
-                </a:r>
-                <a:endParaRPr lang="pt-BR" dirty="0"/>
-              </a:p>
-              <a:p>
-                <a:pPr lvl="1" algn="just">
-                  <a:buFont typeface="Wingdings" panose="05000000000000000000" pitchFamily="2" charset="2"/>
-                  <a:buChar char="§"/>
-                </a:pPr>
-                <a:r>
-                  <a:rPr lang="pt-BR" b="1" dirty="0"/>
-                  <a:t>Convergência pode ser bem lenta</a:t>
-                </a:r>
-                <a:r>
-                  <a:rPr lang="pt-BR" dirty="0"/>
-                  <a:t>, dado que o modelo é apresentado a todos os exemplos a cada época.</a:t>
-                </a:r>
-                <a:endParaRPr lang="pt-BR" b="1" dirty="0"/>
-              </a:p>
-            </p:txBody>
-          </p:sp>
-        </mc:Choice>
-        <mc:Fallback xmlns="">
-          <p:sp>
-            <p:nvSpPr>
-              <p:cNvPr id="3" name="Content Placeholder 2"/>
-              <p:cNvSpPr>
-                <a:spLocks noGrp="1" noRot="1" noChangeAspect="1" noMove="1" noResize="1" noEditPoints="1" noAdjustHandles="1" noChangeArrowheads="1" noChangeShapeType="1" noTextEdit="1"/>
-              </p:cNvSpPr>
-              <p:nvPr>
-                <p:ph idx="1"/>
-              </p:nvPr>
-            </p:nvSpPr>
-            <p:spPr>
-              <a:xfrm>
-                <a:off x="838199" y="1422400"/>
-                <a:ext cx="11179630" cy="5435600"/>
-              </a:xfrm>
-              <a:blipFill rotWithShape="0">
-                <a:blip r:embed="rId3"/>
-                <a:stretch>
-                  <a:fillRect l="-1091" t="-1794" r="-1145" b="-1457"/>
-                </a:stretch>
-              </a:blipFill>
-            </p:spPr>
-            <p:txBody>
-              <a:bodyPr/>
-              <a:lstStyle/>
-              <a:p>
-                <a:r>
-                  <a:rPr lang="pt-BR">
-                    <a:noFill/>
-                  </a:rPr>
-                  <a:t> </a:t>
-                </a:r>
-              </a:p>
-            </p:txBody>
-          </p:sp>
-        </mc:Fallback>
-      </mc:AlternateContent>
-      <p:sp>
-        <p:nvSpPr>
-          <p:cNvPr id="4" name="Rectangle 3"/>
-          <p:cNvSpPr/>
-          <p:nvPr/>
-        </p:nvSpPr>
-        <p:spPr>
-          <a:xfrm>
-            <a:off x="3260833" y="3555744"/>
-            <a:ext cx="809896" cy="588645"/>
-          </a:xfrm>
-          <a:prstGeom prst="rect">
-            <a:avLst/>
-          </a:prstGeom>
-          <a:noFill/>
-          <a:ln w="28575">
-            <a:solidFill>
-              <a:srgbClr val="FF0000"/>
-            </a:solidFill>
-          </a:ln>
-        </p:spPr>
-        <p:style>
-          <a:lnRef idx="2">
-            <a:schemeClr val="accent1">
-              <a:shade val="50000"/>
-            </a:schemeClr>
-          </a:lnRef>
-          <a:fillRef idx="1">
-            <a:schemeClr val="accent1"/>
-          </a:fillRef>
-          <a:effectRef idx="0">
-            <a:schemeClr val="accent1"/>
-          </a:effectRef>
-          <a:fontRef idx="minor">
-            <a:schemeClr val="lt1"/>
-          </a:fontRef>
-        </p:style>
-        <p:txBody>
-          <a:bodyPr rtlCol="0" anchor="ctr"/>
-          <a:lstStyle/>
-          <a:p>
-            <a:pPr algn="ctr"/>
-            <a:endParaRPr lang="pt-BR"/>
+              <a:t>Existem 3 diferentes versões para a implementação do algoritmo do Gradiente Descendente: </a:t>
+            </a:r>
+            <a:endParaRPr lang="pt-BR" dirty="0" smtClean="0"/>
+          </a:p>
+          <a:p>
+            <a:pPr lvl="1">
+              <a:buFont typeface="Wingdings" panose="05000000000000000000" pitchFamily="2" charset="2"/>
+              <a:buChar char="§"/>
+            </a:pPr>
+            <a:r>
+              <a:rPr lang="pt-BR" dirty="0" smtClean="0"/>
+              <a:t>Batelada;</a:t>
+            </a:r>
+          </a:p>
+          <a:p>
+            <a:pPr lvl="1">
+              <a:buFont typeface="Wingdings" panose="05000000000000000000" pitchFamily="2" charset="2"/>
+              <a:buChar char="§"/>
+            </a:pPr>
+            <a:r>
+              <a:rPr lang="pt-BR" dirty="0" smtClean="0"/>
+              <a:t>Estocástico;</a:t>
+            </a:r>
+          </a:p>
+          <a:p>
+            <a:pPr lvl="1">
+              <a:buFont typeface="Wingdings" panose="05000000000000000000" pitchFamily="2" charset="2"/>
+              <a:buChar char="§"/>
+            </a:pPr>
+            <a:r>
+              <a:rPr lang="pt-BR" dirty="0" err="1" smtClean="0"/>
+              <a:t>Mini-Batch</a:t>
+            </a:r>
+            <a:r>
+              <a:rPr lang="pt-BR" dirty="0" smtClean="0"/>
+              <a:t>.</a:t>
+            </a:r>
+            <a:endParaRPr lang="pt-BR" dirty="0"/>
           </a:p>
         </p:txBody>
       </p:sp>
     </p:spTree>
     <p:extLst>
       <p:ext uri="{BB962C8B-B14F-4D97-AF65-F5344CB8AC3E}">
-        <p14:creationId xmlns:p14="http://schemas.microsoft.com/office/powerpoint/2010/main" val="469073451"/>
+        <p14:creationId xmlns:p14="http://schemas.microsoft.com/office/powerpoint/2010/main" val="3674961612"/>
       </p:ext>
     </p:extLst>
   </p:cSld>
   <p:clrMapOvr>
     <a:masterClrMapping/>
   </p:clrMapOvr>
-  <p:timing>
-    <p:tnLst>
-      <p:par>
-        <p:cTn id="1" dur="indefinite" restart="never" nodeType="tmRoot"/>
-      </p:par>
-    </p:tnLst>
-  </p:timing>
 </p:sld>
 </file>
 

--- a/slides/T319_Regressão_Linear (Parte II).pptx
+++ b/slides/T319_Regressão_Linear (Parte II).pptx
@@ -5,27 +5,28 @@
     <p:sldMasterId id="2147483648" r:id="rId1"/>
   </p:sldMasterIdLst>
   <p:notesMasterIdLst>
-    <p:notesMasterId r:id="rId20"/>
+    <p:notesMasterId r:id="rId21"/>
   </p:notesMasterIdLst>
   <p:sldIdLst>
     <p:sldId id="259" r:id="rId2"/>
     <p:sldId id="443" r:id="rId3"/>
     <p:sldId id="480" r:id="rId4"/>
-    <p:sldId id="467" r:id="rId5"/>
-    <p:sldId id="479" r:id="rId6"/>
-    <p:sldId id="469" r:id="rId7"/>
-    <p:sldId id="470" r:id="rId8"/>
-    <p:sldId id="481" r:id="rId9"/>
-    <p:sldId id="482" r:id="rId10"/>
-    <p:sldId id="472" r:id="rId11"/>
-    <p:sldId id="475" r:id="rId12"/>
-    <p:sldId id="473" r:id="rId13"/>
-    <p:sldId id="476" r:id="rId14"/>
-    <p:sldId id="474" r:id="rId15"/>
-    <p:sldId id="478" r:id="rId16"/>
-    <p:sldId id="441" r:id="rId17"/>
-    <p:sldId id="317" r:id="rId18"/>
-    <p:sldId id="465" r:id="rId19"/>
+    <p:sldId id="487" r:id="rId5"/>
+    <p:sldId id="483" r:id="rId6"/>
+    <p:sldId id="484" r:id="rId7"/>
+    <p:sldId id="485" r:id="rId8"/>
+    <p:sldId id="486" r:id="rId9"/>
+    <p:sldId id="481" r:id="rId10"/>
+    <p:sldId id="482" r:id="rId11"/>
+    <p:sldId id="472" r:id="rId12"/>
+    <p:sldId id="475" r:id="rId13"/>
+    <p:sldId id="473" r:id="rId14"/>
+    <p:sldId id="476" r:id="rId15"/>
+    <p:sldId id="474" r:id="rId16"/>
+    <p:sldId id="478" r:id="rId17"/>
+    <p:sldId id="441" r:id="rId18"/>
+    <p:sldId id="317" r:id="rId19"/>
+    <p:sldId id="465" r:id="rId20"/>
   </p:sldIdLst>
   <p:sldSz cx="12192000" cy="6858000"/>
   <p:notesSz cx="6858000" cy="9144000"/>
@@ -541,7 +542,7 @@
           <a:p>
             <a:fld id="{DAF0AF11-6A8A-4E64-94F5-26D4FBA2A01D}" type="datetimeFigureOut">
               <a:rPr lang="nl-BE" smtClean="0"/>
-              <a:t>18/07/2022</a:t>
+              <a:t>2/09/2022</a:t>
             </a:fld>
             <a:endParaRPr lang="nl-BE"/>
           </a:p>
@@ -1022,7 +1023,7 @@
           <a:p>
             <a:fld id="{DA8B99DF-01BC-492A-8CEF-4FD88D18DD9D}" type="slidenum">
               <a:rPr lang="nl-BE" smtClean="0"/>
-              <a:t>12</a:t>
+              <a:t>13</a:t>
             </a:fld>
             <a:endParaRPr lang="nl-BE"/>
           </a:p>
@@ -1300,7 +1301,7 @@
           <a:p>
             <a:fld id="{DA8B99DF-01BC-492A-8CEF-4FD88D18DD9D}" type="slidenum">
               <a:rPr lang="nl-BE" smtClean="0"/>
-              <a:t>13</a:t>
+              <a:t>14</a:t>
             </a:fld>
             <a:endParaRPr lang="nl-BE"/>
           </a:p>
@@ -1474,7 +1475,7 @@
           <a:p>
             <a:fld id="{DA8B99DF-01BC-492A-8CEF-4FD88D18DD9D}" type="slidenum">
               <a:rPr lang="nl-BE" smtClean="0"/>
-              <a:t>14</a:t>
+              <a:t>15</a:t>
             </a:fld>
             <a:endParaRPr lang="nl-BE"/>
           </a:p>
@@ -1662,7 +1663,7 @@
           <a:p>
             <a:fld id="{DA8B99DF-01BC-492A-8CEF-4FD88D18DD9D}" type="slidenum">
               <a:rPr lang="nl-BE" smtClean="0"/>
-              <a:t>15</a:t>
+              <a:t>16</a:t>
             </a:fld>
             <a:endParaRPr lang="nl-BE"/>
           </a:p>
@@ -1756,7 +1757,7 @@
           <a:p>
             <a:fld id="{DA8B99DF-01BC-492A-8CEF-4FD88D18DD9D}" type="slidenum">
               <a:rPr lang="nl-BE" smtClean="0"/>
-              <a:t>16</a:t>
+              <a:t>17</a:t>
             </a:fld>
             <a:endParaRPr lang="nl-BE"/>
           </a:p>
@@ -3100,6 +3101,47 @@
                   </a:rPr>
                   <a:t>Vocês se lembram das aulas de cálculo, onde vocês aprenderam sobre o gradiente.</a:t>
                 </a:r>
+              </a:p>
+              <a:p>
+                <a:endParaRPr lang="pt-BR" b="0" i="0" dirty="0" smtClean="0">
+                  <a:latin typeface="Cambria Math" panose="02040503050406030204" pitchFamily="18" charset="0"/>
+                  <a:ea typeface="Cambria Math" panose="02040503050406030204" pitchFamily="18" charset="0"/>
+                </a:endParaRPr>
+              </a:p>
+              <a:p>
+                <a:pPr marL="0" marR="0" lvl="0" indent="0" algn="l" defTabSz="914400" rtl="0" eaLnBrk="1" fontAlgn="auto" latinLnBrk="0" hangingPunct="1">
+                  <a:lnSpc>
+                    <a:spcPct val="100000"/>
+                  </a:lnSpc>
+                  <a:spcBef>
+                    <a:spcPts val="0"/>
+                  </a:spcBef>
+                  <a:spcAft>
+                    <a:spcPts val="0"/>
+                  </a:spcAft>
+                  <a:buClrTx/>
+                  <a:buSzTx/>
+                  <a:buFontTx/>
+                  <a:buNone/>
+                  <a:tabLst/>
+                  <a:defRPr/>
+                </a:pPr>
+                <a:r>
+                  <a:rPr lang="pt-BR" dirty="0" smtClean="0"/>
+                  <a:t>Na maioria das aplicações práticas de gradiente descendente, como treinamento des redes neurais, subtrair o gradiente total do valor anterior do vetor de pesos será um</a:t>
+                </a:r>
+                <a:r>
+                  <a:rPr lang="pt-BR" baseline="0" dirty="0" smtClean="0"/>
+                  <a:t> passo </a:t>
+                </a:r>
+                <a:r>
+                  <a:rPr lang="pt-BR" dirty="0" smtClean="0"/>
+                  <a:t>muito grande. É muito provável que ultrapassemos o ponto de mínimo.</a:t>
+                </a:r>
+                <a:endParaRPr lang="pt-BR" b="0" i="0" dirty="0" smtClean="0">
+                  <a:latin typeface="Cambria Math" panose="02040503050406030204" pitchFamily="18" charset="0"/>
+                  <a:ea typeface="Cambria Math" panose="02040503050406030204" pitchFamily="18" charset="0"/>
+                </a:endParaRPr>
               </a:p>
               <a:p>
                 <a:endParaRPr lang="pt-BR" b="0" i="0" dirty="0">
@@ -3640,7 +3682,80 @@
                   <a:rPr lang="pt-BR" dirty="0">
                     <a:hlinkClick r:id="rId4"/>
                   </a:rPr>
-                  <a:t>https://towardsdatascience.com/understanding-the-mathematics-behind-gradient-descent-dde5dc9be06e</a:t>
+                  <a:t>https://</a:t>
+                </a:r>
+                <a:r>
+                  <a:rPr lang="pt-BR" dirty="0" smtClean="0">
+                    <a:hlinkClick r:id="rId4"/>
+                  </a:rPr>
+                  <a:t>towardsdatascience.com/understanding-the-mathematics-behind-gradient-descent-dde5dc9be06e</a:t>
+                </a:r>
+                <a:endParaRPr lang="pt-BR" dirty="0" smtClean="0"/>
+              </a:p>
+              <a:p>
+                <a:pPr marL="0" marR="0" lvl="0" indent="0" algn="l" defTabSz="914400" rtl="0" eaLnBrk="1" fontAlgn="auto" latinLnBrk="0" hangingPunct="1">
+                  <a:lnSpc>
+                    <a:spcPct val="100000"/>
+                  </a:lnSpc>
+                  <a:spcBef>
+                    <a:spcPts val="0"/>
+                  </a:spcBef>
+                  <a:spcAft>
+                    <a:spcPts val="0"/>
+                  </a:spcAft>
+                  <a:buClrTx/>
+                  <a:buSzTx/>
+                  <a:buFontTx/>
+                  <a:buNone/>
+                  <a:tabLst/>
+                  <a:defRPr/>
+                </a:pPr>
+                <a:endParaRPr lang="pt-BR" b="0" i="0" dirty="0" smtClean="0"/>
+              </a:p>
+              <a:p>
+                <a:pPr marL="0" marR="0" lvl="0" indent="0" algn="l" defTabSz="914400" rtl="0" eaLnBrk="1" fontAlgn="auto" latinLnBrk="0" hangingPunct="1">
+                  <a:lnSpc>
+                    <a:spcPct val="100000"/>
+                  </a:lnSpc>
+                  <a:spcBef>
+                    <a:spcPts val="0"/>
+                  </a:spcBef>
+                  <a:spcAft>
+                    <a:spcPts val="0"/>
+                  </a:spcAft>
+                  <a:buClrTx/>
+                  <a:buSzTx/>
+                  <a:buFontTx/>
+                  <a:buNone/>
+                  <a:tabLst/>
+                  <a:defRPr/>
+                </a:pPr>
+                <a:r>
+                  <a:rPr lang="pt-BR" b="1" i="0" dirty="0" smtClean="0"/>
+                  <a:t>Referências gradiente descendente e derivadas direcionais</a:t>
+                </a:r>
+              </a:p>
+              <a:p>
+                <a:pPr marL="0" marR="0" lvl="0" indent="0" algn="l" defTabSz="914400" rtl="0" eaLnBrk="1" fontAlgn="auto" latinLnBrk="0" hangingPunct="1">
+                  <a:lnSpc>
+                    <a:spcPct val="100000"/>
+                  </a:lnSpc>
+                  <a:spcBef>
+                    <a:spcPts val="0"/>
+                  </a:spcBef>
+                  <a:spcAft>
+                    <a:spcPts val="0"/>
+                  </a:spcAft>
+                  <a:buClrTx/>
+                  <a:buSzTx/>
+                  <a:buFontTx/>
+                  <a:buNone/>
+                  <a:tabLst/>
+                  <a:defRPr/>
+                </a:pPr>
+                <a:r>
+                  <a:rPr lang="pt-BR" b="0" i="0" dirty="0" smtClean="0"/>
+                  <a:t>[1] https://eli.thegreenplace.net/2016/understanding-gradient-descent</a:t>
                 </a:r>
                 <a:endParaRPr lang="pt-BR" b="0" i="0" dirty="0"/>
               </a:p>
@@ -3911,7 +4026,7 @@
           <a:p>
             <a:fld id="{DA8B99DF-01BC-492A-8CEF-4FD88D18DD9D}" type="slidenum">
               <a:rPr lang="nl-BE" smtClean="0"/>
-              <a:t>4</a:t>
+              <a:t>5</a:t>
             </a:fld>
             <a:endParaRPr lang="nl-BE"/>
           </a:p>
@@ -3920,7 +4035,7 @@
     </p:spTree>
     <p:extLst>
       <p:ext uri="{BB962C8B-B14F-4D97-AF65-F5344CB8AC3E}">
-        <p14:creationId xmlns:p14="http://schemas.microsoft.com/office/powerpoint/2010/main" val="2250701936"/>
+        <p14:creationId xmlns:p14="http://schemas.microsoft.com/office/powerpoint/2010/main" val="886466094"/>
       </p:ext>
     </p:extLst>
   </p:cSld>
@@ -4256,7 +4371,7 @@
           <a:p>
             <a:fld id="{DA8B99DF-01BC-492A-8CEF-4FD88D18DD9D}" type="slidenum">
               <a:rPr lang="nl-BE" smtClean="0"/>
-              <a:t>5</a:t>
+              <a:t>6</a:t>
             </a:fld>
             <a:endParaRPr lang="nl-BE"/>
           </a:p>
@@ -4265,7 +4380,7 @@
     </p:spTree>
     <p:extLst>
       <p:ext uri="{BB962C8B-B14F-4D97-AF65-F5344CB8AC3E}">
-        <p14:creationId xmlns:p14="http://schemas.microsoft.com/office/powerpoint/2010/main" val="1376156679"/>
+        <p14:creationId xmlns:p14="http://schemas.microsoft.com/office/powerpoint/2010/main" val="422893297"/>
       </p:ext>
     </p:extLst>
   </p:cSld>
@@ -4517,7 +4632,7 @@
           <a:p>
             <a:fld id="{DA8B99DF-01BC-492A-8CEF-4FD88D18DD9D}" type="slidenum">
               <a:rPr lang="nl-BE" smtClean="0"/>
-              <a:t>6</a:t>
+              <a:t>7</a:t>
             </a:fld>
             <a:endParaRPr lang="nl-BE"/>
           </a:p>
@@ -4526,7 +4641,7 @@
     </p:spTree>
     <p:extLst>
       <p:ext uri="{BB962C8B-B14F-4D97-AF65-F5344CB8AC3E}">
-        <p14:creationId xmlns:p14="http://schemas.microsoft.com/office/powerpoint/2010/main" val="253979888"/>
+        <p14:creationId xmlns:p14="http://schemas.microsoft.com/office/powerpoint/2010/main" val="2889824295"/>
       </p:ext>
     </p:extLst>
   </p:cSld>
@@ -4679,6 +4794,66 @@
               </a:rPr>
               <a:t>https://towardsdatascience.com/understanding-the-mathematics-behind-gradient-descent-dde5dc9be06e</a:t>
             </a:r>
+            <a:endParaRPr lang="pt-BR" dirty="0" smtClean="0"/>
+          </a:p>
+          <a:p>
+            <a:pPr marL="0" marR="0" lvl="0" indent="0" algn="l" defTabSz="914400" rtl="0" eaLnBrk="1" fontAlgn="auto" latinLnBrk="0" hangingPunct="1">
+              <a:lnSpc>
+                <a:spcPct val="100000"/>
+              </a:lnSpc>
+              <a:spcBef>
+                <a:spcPts val="0"/>
+              </a:spcBef>
+              <a:spcAft>
+                <a:spcPts val="0"/>
+              </a:spcAft>
+              <a:buClrTx/>
+              <a:buSzTx/>
+              <a:buFontTx/>
+              <a:buNone/>
+              <a:tabLst/>
+              <a:defRPr/>
+            </a:pPr>
+            <a:endParaRPr lang="pt-BR" b="0" i="0" dirty="0" smtClean="0"/>
+          </a:p>
+          <a:p>
+            <a:pPr marL="0" marR="0" lvl="0" indent="0" algn="l" defTabSz="914400" rtl="0" eaLnBrk="1" fontAlgn="auto" latinLnBrk="0" hangingPunct="1">
+              <a:lnSpc>
+                <a:spcPct val="100000"/>
+              </a:lnSpc>
+              <a:spcBef>
+                <a:spcPts val="0"/>
+              </a:spcBef>
+              <a:spcAft>
+                <a:spcPts val="0"/>
+              </a:spcAft>
+              <a:buClrTx/>
+              <a:buSzTx/>
+              <a:buFontTx/>
+              <a:buNone/>
+              <a:tabLst/>
+              <a:defRPr/>
+            </a:pPr>
+            <a:endParaRPr lang="pt-BR" b="0" i="0" dirty="0" smtClean="0"/>
+          </a:p>
+          <a:p>
+            <a:pPr marL="0" marR="0" lvl="0" indent="0" algn="l" defTabSz="914400" rtl="0" eaLnBrk="1" fontAlgn="auto" latinLnBrk="0" hangingPunct="1">
+              <a:lnSpc>
+                <a:spcPct val="100000"/>
+              </a:lnSpc>
+              <a:spcBef>
+                <a:spcPts val="0"/>
+              </a:spcBef>
+              <a:spcAft>
+                <a:spcPts val="0"/>
+              </a:spcAft>
+              <a:buClrTx/>
+              <a:buSzTx/>
+              <a:buFontTx/>
+              <a:buNone/>
+              <a:tabLst/>
+              <a:defRPr/>
+            </a:pPr>
             <a:endParaRPr lang="pt-BR" b="0" i="0" dirty="0" smtClean="0"/>
           </a:p>
         </p:txBody>
@@ -4700,7 +4875,7 @@
           <a:p>
             <a:fld id="{DA8B99DF-01BC-492A-8CEF-4FD88D18DD9D}" type="slidenum">
               <a:rPr lang="nl-BE" smtClean="0"/>
-              <a:t>7</a:t>
+              <a:t>8</a:t>
             </a:fld>
             <a:endParaRPr lang="nl-BE"/>
           </a:p>
@@ -4709,7 +4884,7 @@
     </p:spTree>
     <p:extLst>
       <p:ext uri="{BB962C8B-B14F-4D97-AF65-F5344CB8AC3E}">
-        <p14:creationId xmlns:p14="http://schemas.microsoft.com/office/powerpoint/2010/main" val="1379244575"/>
+        <p14:creationId xmlns:p14="http://schemas.microsoft.com/office/powerpoint/2010/main" val="1415065405"/>
       </p:ext>
     </p:extLst>
   </p:cSld>
@@ -5255,7 +5430,7 @@
           <a:p>
             <a:fld id="{DA8B99DF-01BC-492A-8CEF-4FD88D18DD9D}" type="slidenum">
               <a:rPr lang="nl-BE" smtClean="0"/>
-              <a:t>8</a:t>
+              <a:t>9</a:t>
             </a:fld>
             <a:endParaRPr lang="nl-BE"/>
           </a:p>
@@ -5523,7 +5698,7 @@
           <a:p>
             <a:fld id="{DA8B99DF-01BC-492A-8CEF-4FD88D18DD9D}" type="slidenum">
               <a:rPr lang="nl-BE" smtClean="0"/>
-              <a:t>10</a:t>
+              <a:t>11</a:t>
             </a:fld>
             <a:endParaRPr lang="nl-BE"/>
           </a:p>
@@ -5781,7 +5956,7 @@
           <a:p>
             <a:fld id="{DA8B99DF-01BC-492A-8CEF-4FD88D18DD9D}" type="slidenum">
               <a:rPr lang="nl-BE" smtClean="0"/>
-              <a:t>11</a:t>
+              <a:t>12</a:t>
             </a:fld>
             <a:endParaRPr lang="nl-BE"/>
           </a:p>
@@ -5931,7 +6106,7 @@
           <a:p>
             <a:fld id="{C80E15A5-E95B-43EB-9AC7-9A96397448C0}" type="datetimeFigureOut">
               <a:rPr lang="nl-BE" smtClean="0"/>
-              <a:t>18/07/2022</a:t>
+              <a:t>2/09/2022</a:t>
             </a:fld>
             <a:endParaRPr lang="nl-BE"/>
           </a:p>
@@ -6101,7 +6276,7 @@
           <a:p>
             <a:fld id="{C80E15A5-E95B-43EB-9AC7-9A96397448C0}" type="datetimeFigureOut">
               <a:rPr lang="nl-BE" smtClean="0"/>
-              <a:t>18/07/2022</a:t>
+              <a:t>2/09/2022</a:t>
             </a:fld>
             <a:endParaRPr lang="nl-BE"/>
           </a:p>
@@ -6281,7 +6456,7 @@
           <a:p>
             <a:fld id="{C80E15A5-E95B-43EB-9AC7-9A96397448C0}" type="datetimeFigureOut">
               <a:rPr lang="nl-BE" smtClean="0"/>
-              <a:t>18/07/2022</a:t>
+              <a:t>2/09/2022</a:t>
             </a:fld>
             <a:endParaRPr lang="nl-BE"/>
           </a:p>
@@ -6451,7 +6626,7 @@
           <a:p>
             <a:fld id="{C80E15A5-E95B-43EB-9AC7-9A96397448C0}" type="datetimeFigureOut">
               <a:rPr lang="nl-BE" smtClean="0"/>
-              <a:t>18/07/2022</a:t>
+              <a:t>2/09/2022</a:t>
             </a:fld>
             <a:endParaRPr lang="nl-BE"/>
           </a:p>
@@ -6697,7 +6872,7 @@
           <a:p>
             <a:fld id="{C80E15A5-E95B-43EB-9AC7-9A96397448C0}" type="datetimeFigureOut">
               <a:rPr lang="nl-BE" smtClean="0"/>
-              <a:t>18/07/2022</a:t>
+              <a:t>2/09/2022</a:t>
             </a:fld>
             <a:endParaRPr lang="nl-BE"/>
           </a:p>
@@ -6929,7 +7104,7 @@
           <a:p>
             <a:fld id="{C80E15A5-E95B-43EB-9AC7-9A96397448C0}" type="datetimeFigureOut">
               <a:rPr lang="nl-BE" smtClean="0"/>
-              <a:t>18/07/2022</a:t>
+              <a:t>2/09/2022</a:t>
             </a:fld>
             <a:endParaRPr lang="nl-BE"/>
           </a:p>
@@ -7296,7 +7471,7 @@
           <a:p>
             <a:fld id="{C80E15A5-E95B-43EB-9AC7-9A96397448C0}" type="datetimeFigureOut">
               <a:rPr lang="nl-BE" smtClean="0"/>
-              <a:t>18/07/2022</a:t>
+              <a:t>2/09/2022</a:t>
             </a:fld>
             <a:endParaRPr lang="nl-BE"/>
           </a:p>
@@ -7414,7 +7589,7 @@
           <a:p>
             <a:fld id="{C80E15A5-E95B-43EB-9AC7-9A96397448C0}" type="datetimeFigureOut">
               <a:rPr lang="nl-BE" smtClean="0"/>
-              <a:t>18/07/2022</a:t>
+              <a:t>2/09/2022</a:t>
             </a:fld>
             <a:endParaRPr lang="nl-BE"/>
           </a:p>
@@ -7509,7 +7684,7 @@
           <a:p>
             <a:fld id="{C80E15A5-E95B-43EB-9AC7-9A96397448C0}" type="datetimeFigureOut">
               <a:rPr lang="nl-BE" smtClean="0"/>
-              <a:t>18/07/2022</a:t>
+              <a:t>2/09/2022</a:t>
             </a:fld>
             <a:endParaRPr lang="nl-BE"/>
           </a:p>
@@ -7786,7 +7961,7 @@
           <a:p>
             <a:fld id="{C80E15A5-E95B-43EB-9AC7-9A96397448C0}" type="datetimeFigureOut">
               <a:rPr lang="nl-BE" smtClean="0"/>
-              <a:t>18/07/2022</a:t>
+              <a:t>2/09/2022</a:t>
             </a:fld>
             <a:endParaRPr lang="nl-BE"/>
           </a:p>
@@ -8039,7 +8214,7 @@
           <a:p>
             <a:fld id="{C80E15A5-E95B-43EB-9AC7-9A96397448C0}" type="datetimeFigureOut">
               <a:rPr lang="nl-BE" smtClean="0"/>
-              <a:t>18/07/2022</a:t>
+              <a:t>2/09/2022</a:t>
             </a:fld>
             <a:endParaRPr lang="nl-BE"/>
           </a:p>
@@ -8252,7 +8427,7 @@
           <a:p>
             <a:fld id="{C80E15A5-E95B-43EB-9AC7-9A96397448C0}" type="datetimeFigureOut">
               <a:rPr lang="nl-BE" smtClean="0"/>
-              <a:t>18/07/2022</a:t>
+              <a:t>2/09/2022</a:t>
             </a:fld>
             <a:endParaRPr lang="nl-BE"/>
           </a:p>
@@ -8662,7 +8837,7 @@
           <p:cNvPr id="2" name="Título 1">
             <a:extLst>
               <a:ext uri="{FF2B5EF4-FFF2-40B4-BE49-F238E27FC236}">
-                <a16:creationId xmlns="" xmlns:a16="http://schemas.microsoft.com/office/drawing/2014/main" id="{32666AC8-2E17-4DB4-B0F5-60C640CCFD2E}"/>
+                <a16:creationId xmlns:a16="http://schemas.microsoft.com/office/drawing/2014/main" xmlns="" id="{32666AC8-2E17-4DB4-B0F5-60C640CCFD2E}"/>
               </a:ext>
             </a:extLst>
           </p:cNvPr>
@@ -8721,7 +8896,7 @@
           <p:cNvPr id="4" name="CaixaDeTexto 3">
             <a:extLst>
               <a:ext uri="{FF2B5EF4-FFF2-40B4-BE49-F238E27FC236}">
-                <a16:creationId xmlns="" xmlns:a16="http://schemas.microsoft.com/office/drawing/2014/main" id="{430EB894-B7D4-434C-9D1A-A14094D9BEEC}"/>
+                <a16:creationId xmlns:a16="http://schemas.microsoft.com/office/drawing/2014/main" xmlns="" id="{430EB894-B7D4-434C-9D1A-A14094D9BEEC}"/>
               </a:ext>
             </a:extLst>
           </p:cNvPr>
@@ -8762,7 +8937,7 @@
           <p:cNvPr id="1026" name="Picture 2" descr="Logo">
             <a:extLst>
               <a:ext uri="{FF2B5EF4-FFF2-40B4-BE49-F238E27FC236}">
-                <a16:creationId xmlns="" xmlns:a16="http://schemas.microsoft.com/office/drawing/2014/main" id="{3F2642E0-4F6A-4196-8F58-E77D36E9A33F}"/>
+                <a16:creationId xmlns:a16="http://schemas.microsoft.com/office/drawing/2014/main" xmlns="" id="{3F2642E0-4F6A-4196-8F58-E77D36E9A33F}"/>
               </a:ext>
             </a:extLst>
           </p:cNvPr>
@@ -8807,7 +8982,7 @@
           <p:cNvPr id="5122" name="Picture 2" descr="Image result for machine learning">
             <a:extLst>
               <a:ext uri="{FF2B5EF4-FFF2-40B4-BE49-F238E27FC236}">
-                <a16:creationId xmlns="" xmlns:a16="http://schemas.microsoft.com/office/drawing/2014/main" id="{810CE0A2-4102-44A6-A370-175E7896CDCB}"/>
+                <a16:creationId xmlns:a16="http://schemas.microsoft.com/office/drawing/2014/main" xmlns="" id="{810CE0A2-4102-44A6-A370-175E7896CDCB}"/>
               </a:ext>
             </a:extLst>
           </p:cNvPr>
@@ -8886,6 +9061,122 @@
       </p:grpSpPr>
       <p:sp>
         <p:nvSpPr>
+          <p:cNvPr id="2" name="Título 1"/>
+          <p:cNvSpPr>
+            <a:spLocks noGrp="1"/>
+          </p:cNvSpPr>
+          <p:nvPr>
+            <p:ph type="title"/>
+          </p:nvPr>
+        </p:nvSpPr>
+        <p:spPr/>
+        <p:txBody>
+          <a:bodyPr/>
+          <a:lstStyle/>
+          <a:p>
+            <a:r>
+              <a:rPr lang="pt-BR" dirty="0"/>
+              <a:t>Versões do Gradiente Descendente</a:t>
+            </a:r>
+            <a:endParaRPr lang="en-US" dirty="0"/>
+          </a:p>
+        </p:txBody>
+      </p:sp>
+      <p:sp>
+        <p:nvSpPr>
+          <p:cNvPr id="3" name="Espaço Reservado para Conteúdo 2"/>
+          <p:cNvSpPr>
+            <a:spLocks noGrp="1"/>
+          </p:cNvSpPr>
+          <p:nvPr>
+            <p:ph idx="1"/>
+          </p:nvPr>
+        </p:nvSpPr>
+        <p:spPr>
+          <a:xfrm>
+            <a:off x="838200" y="1825625"/>
+            <a:ext cx="11173178" cy="4812242"/>
+          </a:xfrm>
+        </p:spPr>
+        <p:txBody>
+          <a:bodyPr/>
+          <a:lstStyle/>
+          <a:p>
+            <a:r>
+              <a:rPr lang="pt-BR" dirty="0"/>
+              <a:t>Existem 3 diferentes versões para a implementação do algoritmo do Gradiente Descendente: </a:t>
+            </a:r>
+            <a:endParaRPr lang="pt-BR" dirty="0" smtClean="0"/>
+          </a:p>
+          <a:p>
+            <a:pPr lvl="1">
+              <a:buFont typeface="Wingdings" panose="05000000000000000000" pitchFamily="2" charset="2"/>
+              <a:buChar char="§"/>
+            </a:pPr>
+            <a:r>
+              <a:rPr lang="pt-BR" dirty="0" smtClean="0"/>
+              <a:t>Batelada;</a:t>
+            </a:r>
+          </a:p>
+          <a:p>
+            <a:pPr lvl="1">
+              <a:buFont typeface="Wingdings" panose="05000000000000000000" pitchFamily="2" charset="2"/>
+              <a:buChar char="§"/>
+            </a:pPr>
+            <a:r>
+              <a:rPr lang="pt-BR" dirty="0" smtClean="0"/>
+              <a:t>Estocástico;</a:t>
+            </a:r>
+          </a:p>
+          <a:p>
+            <a:pPr lvl="1">
+              <a:buFont typeface="Wingdings" panose="05000000000000000000" pitchFamily="2" charset="2"/>
+              <a:buChar char="§"/>
+            </a:pPr>
+            <a:r>
+              <a:rPr lang="pt-BR" dirty="0" err="1" smtClean="0"/>
+              <a:t>Mini-Batch</a:t>
+            </a:r>
+            <a:r>
+              <a:rPr lang="pt-BR" dirty="0" smtClean="0"/>
+              <a:t>.</a:t>
+            </a:r>
+            <a:endParaRPr lang="pt-BR" dirty="0"/>
+          </a:p>
+        </p:txBody>
+      </p:sp>
+    </p:spTree>
+    <p:extLst>
+      <p:ext uri="{BB962C8B-B14F-4D97-AF65-F5344CB8AC3E}">
+        <p14:creationId xmlns:p14="http://schemas.microsoft.com/office/powerpoint/2010/main" val="3674961612"/>
+      </p:ext>
+    </p:extLst>
+  </p:cSld>
+  <p:clrMapOvr>
+    <a:masterClrMapping/>
+  </p:clrMapOvr>
+</p:sld>
+</file>
+
+<file path=ppt/slides/slide11.xml><?xml version="1.0" encoding="utf-8"?>
+<p:sld xmlns:a="http://schemas.openxmlformats.org/drawingml/2006/main" xmlns:r="http://schemas.openxmlformats.org/officeDocument/2006/relationships" xmlns:p="http://schemas.openxmlformats.org/presentationml/2006/main">
+  <p:cSld>
+    <p:spTree>
+      <p:nvGrpSpPr>
+        <p:cNvPr id="1" name=""/>
+        <p:cNvGrpSpPr/>
+        <p:nvPr/>
+      </p:nvGrpSpPr>
+      <p:grpSpPr>
+        <a:xfrm>
+          <a:off x="0" y="0"/>
+          <a:ext cx="0" cy="0"/>
+          <a:chOff x="0" y="0"/>
+          <a:chExt cx="0" cy="0"/>
+        </a:xfrm>
+      </p:grpSpPr>
+      <p:sp>
+        <p:nvSpPr>
           <p:cNvPr id="2" name="Title 1"/>
           <p:cNvSpPr>
             <a:spLocks noGrp="1"/>
@@ -8911,8 +9202,8 @@
           </a:p>
         </p:txBody>
       </p:sp>
-      <mc:AlternateContent xmlns:mc="http://schemas.openxmlformats.org/markup-compatibility/2006">
-        <mc:Choice xmlns:a14="http://schemas.microsoft.com/office/drawing/2010/main" Requires="a14">
+      <mc:AlternateContent xmlns:mc="http://schemas.openxmlformats.org/markup-compatibility/2006" xmlns:a14="http://schemas.microsoft.com/office/drawing/2010/main">
+        <mc:Choice Requires="a14">
           <p:sp>
             <p:nvSpPr>
               <p:cNvPr id="3" name="Content Placeholder 2"/>
@@ -9342,7 +9633,7 @@
             </p:txBody>
           </p:sp>
         </mc:Choice>
-        <mc:Fallback>
+        <mc:Fallback xmlns="">
           <p:sp>
             <p:nvSpPr>
               <p:cNvPr id="3" name="Content Placeholder 2"/>
@@ -9446,7 +9737,7 @@
 </p:sld>
 </file>
 
-<file path=ppt/slides/slide11.xml><?xml version="1.0" encoding="utf-8"?>
+<file path=ppt/slides/slide12.xml><?xml version="1.0" encoding="utf-8"?>
 <p:sld xmlns:a="http://schemas.openxmlformats.org/drawingml/2006/main" xmlns:r="http://schemas.openxmlformats.org/officeDocument/2006/relationships" xmlns:p="http://schemas.openxmlformats.org/presentationml/2006/main">
   <p:cSld>
     <p:spTree>
@@ -9866,7 +10157,7 @@
 </p:sld>
 </file>
 
-<file path=ppt/slides/slide12.xml><?xml version="1.0" encoding="utf-8"?>
+<file path=ppt/slides/slide13.xml><?xml version="1.0" encoding="utf-8"?>
 <p:sld xmlns:a="http://schemas.openxmlformats.org/drawingml/2006/main" xmlns:r="http://schemas.openxmlformats.org/officeDocument/2006/relationships" xmlns:p="http://schemas.openxmlformats.org/presentationml/2006/main">
   <p:cSld>
     <p:spTree>
@@ -9918,8 +10209,8 @@
           </a:p>
         </p:txBody>
       </p:sp>
-      <mc:AlternateContent xmlns:mc="http://schemas.openxmlformats.org/markup-compatibility/2006">
-        <mc:Choice xmlns:a14="http://schemas.microsoft.com/office/drawing/2010/main" Requires="a14">
+      <mc:AlternateContent xmlns:mc="http://schemas.openxmlformats.org/markup-compatibility/2006" xmlns:a14="http://schemas.microsoft.com/office/drawing/2010/main">
+        <mc:Choice Requires="a14">
           <p:sp>
             <p:nvSpPr>
               <p:cNvPr id="3" name="Content Placeholder 2"/>
@@ -10274,11 +10565,7 @@
                 </a:r>
                 <a:r>
                   <a:rPr lang="pt-BR" b="1" i="1" dirty="0" smtClean="0"/>
-                  <a:t>obtidos </a:t>
-                </a:r>
-                <a:r>
-                  <a:rPr lang="pt-BR" b="1" i="1" dirty="0" smtClean="0"/>
-                  <a:t>sequencialmente</a:t>
+                  <a:t>obtidos sequencialmente</a:t>
                 </a:r>
                 <a:r>
                   <a:rPr lang="pt-BR" dirty="0" smtClean="0"/>
@@ -10291,6 +10578,28 @@
                 <a:r>
                   <a:rPr lang="pt-BR" dirty="0" smtClean="0"/>
                   <a:t>, sensores).</a:t>
+                </a:r>
+              </a:p>
+              <a:p>
+                <a:pPr lvl="1" algn="just">
+                  <a:buFont typeface="Wingdings" panose="05000000000000000000" pitchFamily="2" charset="2"/>
+                  <a:buChar char="§"/>
+                </a:pPr>
+                <a:r>
+                  <a:rPr lang="pt-BR" dirty="0" smtClean="0"/>
+                  <a:t>Ou </a:t>
+                </a:r>
+                <a:r>
+                  <a:rPr lang="pt-BR" dirty="0"/>
+                  <a:t>quando o </a:t>
+                </a:r>
+                <a:r>
+                  <a:rPr lang="pt-BR" b="1" i="1" dirty="0"/>
+                  <a:t>conjunto de treinamento é muito grande</a:t>
+                </a:r>
+                <a:r>
+                  <a:rPr lang="pt-BR" dirty="0"/>
+                  <a:t>. </a:t>
                 </a:r>
                 <a:endParaRPr lang="pt-BR" dirty="0" smtClean="0"/>
               </a:p>
@@ -10300,29 +10609,6 @@
                   <a:buChar char="§"/>
                 </a:pPr>
                 <a:r>
-                  <a:rPr lang="pt-BR" dirty="0" smtClean="0"/>
-                  <a:t>Ou </a:t>
-                </a:r>
-                <a:r>
-                  <a:rPr lang="pt-BR" dirty="0"/>
-                  <a:t>quando o </a:t>
-                </a:r>
-                <a:r>
-                  <a:rPr lang="pt-BR" b="1" i="1" dirty="0"/>
-                  <a:t>conjunto de treinamento é muito grande</a:t>
-                </a:r>
-                <a:r>
-                  <a:rPr lang="pt-BR" dirty="0"/>
-                  <a:t>. </a:t>
-                </a:r>
-                <a:endParaRPr lang="pt-BR" dirty="0" smtClean="0"/>
-              </a:p>
-              <a:p>
-                <a:pPr lvl="1" algn="just">
-                  <a:buFont typeface="Wingdings" panose="05000000000000000000" pitchFamily="2" charset="2"/>
-                  <a:buChar char="§"/>
-                </a:pPr>
-                <a:r>
                   <a:rPr lang="pt-BR" b="1" i="1" dirty="0" smtClean="0"/>
                   <a:t>Computacionalmente mais rápido</a:t>
                 </a:r>
@@ -10336,15 +10622,7 @@
                 </a:r>
                 <a:r>
                   <a:rPr lang="pt-BR" b="1" i="1" dirty="0" smtClean="0"/>
-                  <a:t>menos custoso em termos </a:t>
-                </a:r>
-                <a:r>
-                  <a:rPr lang="pt-BR" b="1" i="1" dirty="0" smtClean="0"/>
-                  <a:t>de CPU e </a:t>
-                </a:r>
-                <a:r>
-                  <a:rPr lang="pt-BR" b="1" i="1" dirty="0" smtClean="0"/>
-                  <a:t>memória </a:t>
+                  <a:t>menos custoso em termos de CPU e memória </a:t>
                 </a:r>
                 <a:r>
                   <a:rPr lang="pt-BR" dirty="0" smtClean="0"/>
@@ -10412,7 +10690,7 @@
             </p:txBody>
           </p:sp>
         </mc:Choice>
-        <mc:Fallback>
+        <mc:Fallback xmlns="">
           <p:sp>
             <p:nvSpPr>
               <p:cNvPr id="3" name="Content Placeholder 2"/>
@@ -10470,7 +10748,7 @@
 </p:sld>
 </file>
 
-<file path=ppt/slides/slide13.xml><?xml version="1.0" encoding="utf-8"?>
+<file path=ppt/slides/slide14.xml><?xml version="1.0" encoding="utf-8"?>
 <p:sld xmlns:a="http://schemas.openxmlformats.org/drawingml/2006/main" xmlns:r="http://schemas.openxmlformats.org/officeDocument/2006/relationships" xmlns:p="http://schemas.openxmlformats.org/presentationml/2006/main">
   <p:cSld>
     <p:spTree>
@@ -10914,7 +11192,7 @@
 </p:sld>
 </file>
 
-<file path=ppt/slides/slide14.xml><?xml version="1.0" encoding="utf-8"?>
+<file path=ppt/slides/slide15.xml><?xml version="1.0" encoding="utf-8"?>
 <p:sld xmlns:a="http://schemas.openxmlformats.org/drawingml/2006/main" xmlns:r="http://schemas.openxmlformats.org/officeDocument/2006/relationships" xmlns:p="http://schemas.openxmlformats.org/presentationml/2006/main">
   <p:cSld>
     <p:spTree>
@@ -10966,8 +11244,8 @@
           </a:p>
         </p:txBody>
       </p:sp>
-      <mc:AlternateContent xmlns:mc="http://schemas.openxmlformats.org/markup-compatibility/2006">
-        <mc:Choice xmlns:a14="http://schemas.microsoft.com/office/drawing/2010/main" Requires="a14">
+      <mc:AlternateContent xmlns:mc="http://schemas.openxmlformats.org/markup-compatibility/2006" xmlns:a14="http://schemas.microsoft.com/office/drawing/2010/main">
+        <mc:Choice Requires="a14">
           <p:sp>
             <p:nvSpPr>
               <p:cNvPr id="3" name="Content Placeholder 2"/>
@@ -11471,7 +11749,7 @@
             </p:txBody>
           </p:sp>
         </mc:Choice>
-        <mc:Fallback>
+        <mc:Fallback xmlns="">
           <p:sp>
             <p:nvSpPr>
               <p:cNvPr id="3" name="Content Placeholder 2"/>
@@ -11579,7 +11857,7 @@
 </p:sld>
 </file>
 
-<file path=ppt/slides/slide15.xml><?xml version="1.0" encoding="utf-8"?>
+<file path=ppt/slides/slide16.xml><?xml version="1.0" encoding="utf-8"?>
 <p:sld xmlns:a="http://schemas.openxmlformats.org/drawingml/2006/main" xmlns:r="http://schemas.openxmlformats.org/officeDocument/2006/relationships" xmlns:p="http://schemas.openxmlformats.org/presentationml/2006/main">
   <p:cSld>
     <p:spTree>
@@ -12137,7 +12415,7 @@
 </p:sld>
 </file>
 
-<file path=ppt/slides/slide16.xml><?xml version="1.0" encoding="utf-8"?>
+<file path=ppt/slides/slide17.xml><?xml version="1.0" encoding="utf-8"?>
 <p:sld xmlns:a="http://schemas.openxmlformats.org/drawingml/2006/main" xmlns:r="http://schemas.openxmlformats.org/officeDocument/2006/relationships" xmlns:p="http://schemas.openxmlformats.org/presentationml/2006/main">
   <p:cSld>
     <p:spTree>
@@ -12315,7 +12593,7 @@
 </p:sld>
 </file>
 
-<file path=ppt/slides/slide17.xml><?xml version="1.0" encoding="utf-8"?>
+<file path=ppt/slides/slide18.xml><?xml version="1.0" encoding="utf-8"?>
 <p:sld xmlns:a="http://schemas.openxmlformats.org/drawingml/2006/main" xmlns:r="http://schemas.openxmlformats.org/officeDocument/2006/relationships" xmlns:p="http://schemas.openxmlformats.org/presentationml/2006/main">
   <p:cSld>
     <p:spTree>
@@ -12337,7 +12615,7 @@
           <p:cNvPr id="4" name="Título 1">
             <a:extLst>
               <a:ext uri="{FF2B5EF4-FFF2-40B4-BE49-F238E27FC236}">
-                <a16:creationId xmlns="" xmlns:a16="http://schemas.microsoft.com/office/drawing/2014/main" id="{32666AC8-2E17-4DB4-B0F5-60C640CCFD2E}"/>
+                <a16:creationId xmlns:a16="http://schemas.microsoft.com/office/drawing/2014/main" xmlns="" id="{32666AC8-2E17-4DB4-B0F5-60C640CCFD2E}"/>
               </a:ext>
             </a:extLst>
           </p:cNvPr>
@@ -12407,7 +12685,7 @@
 </p:sld>
 </file>
 
-<file path=ppt/slides/slide18.xml><?xml version="1.0" encoding="utf-8"?>
+<file path=ppt/slides/slide19.xml><?xml version="1.0" encoding="utf-8"?>
 <p:sld xmlns:a="http://schemas.openxmlformats.org/drawingml/2006/main" xmlns:r="http://schemas.openxmlformats.org/officeDocument/2006/relationships" xmlns:p="http://schemas.openxmlformats.org/presentationml/2006/main">
   <p:cSld>
     <p:spTree>
@@ -12731,8 +13009,8 @@
         </p:nvSpPr>
         <p:spPr>
           <a:xfrm>
-            <a:off x="838200" y="1825625"/>
-            <a:ext cx="11145982" cy="4713720"/>
+            <a:off x="838200" y="1825624"/>
+            <a:ext cx="11145982" cy="5032375"/>
           </a:xfrm>
         </p:spPr>
         <p:txBody>
@@ -12757,7 +13035,15 @@
             </a:r>
             <a:r>
               <a:rPr lang="pt-BR" dirty="0" smtClean="0"/>
-              <a:t>: encontrar funções que aproximem o fenômeno gerador por trás das observações ruidosas.</a:t>
+              <a:t>: encontrar funções que aproximem o </a:t>
+            </a:r>
+            <a:r>
+              <a:rPr lang="pt-BR" dirty="0" smtClean="0"/>
+              <a:t>fenômeno (ou modelo) </a:t>
+            </a:r>
+            <a:r>
+              <a:rPr lang="pt-BR" dirty="0" smtClean="0"/>
+              <a:t>gerador por trás das observações ruidosas.</a:t>
             </a:r>
           </a:p>
           <a:p>
@@ -12781,12 +13067,17 @@
             </a:r>
             <a:r>
               <a:rPr lang="pt-BR" b="1" i="1" dirty="0" smtClean="0"/>
-              <a:t>encontrar os pesos do modelo, através da equação normal</a:t>
+              <a:t>encontrar os pesos do modelo, através da equação </a:t>
+            </a:r>
+            <a:r>
+              <a:rPr lang="pt-BR" b="1" i="1" dirty="0" smtClean="0"/>
+              <a:t>normal e visualmente</a:t>
             </a:r>
             <a:r>
               <a:rPr lang="pt-BR" dirty="0" smtClean="0"/>
               <a:t>.</a:t>
             </a:r>
+            <a:endParaRPr lang="pt-BR" dirty="0" smtClean="0"/>
           </a:p>
           <a:p>
             <a:r>
@@ -12902,8 +13193,8 @@
           </a:p>
         </p:txBody>
       </p:sp>
-      <mc:AlternateContent xmlns:mc="http://schemas.openxmlformats.org/markup-compatibility/2006" xmlns:a14="http://schemas.microsoft.com/office/drawing/2010/main">
-        <mc:Choice Requires="a14">
+      <mc:AlternateContent xmlns:mc="http://schemas.openxmlformats.org/markup-compatibility/2006">
+        <mc:Choice xmlns:a14="http://schemas.microsoft.com/office/drawing/2010/main" Requires="a14">
           <p:sp>
             <p:nvSpPr>
               <p:cNvPr id="3" name="Content Placeholder 2"/>
@@ -12917,12 +13208,12 @@
             <p:spPr>
               <a:xfrm>
                 <a:off x="838199" y="2103120"/>
-                <a:ext cx="11147156" cy="4724400"/>
+                <a:ext cx="11103322" cy="4754880"/>
               </a:xfrm>
             </p:spPr>
             <p:txBody>
               <a:bodyPr>
-                <a:normAutofit fontScale="85000" lnSpcReduction="20000"/>
+                <a:normAutofit lnSpcReduction="10000"/>
               </a:bodyPr>
               <a:lstStyle/>
               <a:p>
@@ -12962,7 +13253,15 @@
                 </a:r>
                 <a:r>
                   <a:rPr lang="pt-BR" dirty="0"/>
-                  <a:t>é um vetor que </a:t>
+                  <a:t>é um </a:t>
+                </a:r>
+                <a:r>
+                  <a:rPr lang="pt-BR" b="1" i="1" dirty="0"/>
+                  <a:t>vetor</a:t>
+                </a:r>
+                <a:r>
+                  <a:rPr lang="pt-BR" dirty="0"/>
+                  <a:t> que </a:t>
                 </a:r>
                 <a:r>
                   <a:rPr lang="pt-BR" dirty="0" smtClean="0"/>
@@ -13044,12 +13343,31 @@
                       </a:rPr>
                       <m:t>𝑓</m:t>
                     </m:r>
+                    <m:r>
+                      <a:rPr lang="pt-BR" b="0" i="0" smtClean="0">
+                        <a:latin typeface="Cambria Math" panose="02040503050406030204" pitchFamily="18" charset="0"/>
+                      </a:rPr>
+                      <m:t>(</m:t>
+                    </m:r>
+                    <m:r>
+                      <a:rPr lang="pt-BR" b="1" i="1" smtClean="0">
+                        <a:latin typeface="Cambria Math" panose="02040503050406030204" pitchFamily="18" charset="0"/>
+                      </a:rPr>
+                      <m:t>𝒙</m:t>
+                    </m:r>
+                    <m:r>
+                      <a:rPr lang="pt-BR" b="0" i="0" smtClean="0">
+                        <a:latin typeface="Cambria Math" panose="02040503050406030204" pitchFamily="18" charset="0"/>
+                      </a:rPr>
+                      <m:t>)</m:t>
+                    </m:r>
                   </m:oMath>
                 </a14:m>
                 <a:r>
                   <a:rPr lang="pt-BR" dirty="0" smtClean="0"/>
                   <a:t>.</a:t>
                 </a:r>
+                <a:endParaRPr lang="pt-BR" dirty="0" smtClean="0"/>
               </a:p>
               <a:p>
                 <a:r>
@@ -13186,7 +13504,25 @@
                 </a14:m>
                 <a:r>
                   <a:rPr lang="pt-BR" dirty="0" smtClean="0"/>
-                  <a:t> é </a:t>
+                  <a:t> </a:t>
+                </a:r>
+                <a:r>
+                  <a:rPr lang="pt-BR" dirty="0" smtClean="0"/>
+                  <a:t>com </a:t>
+                </a:r>
+                <a14:m>
+                  <m:oMath xmlns:m="http://schemas.openxmlformats.org/officeDocument/2006/math">
+                    <m:r>
+                      <a:rPr lang="pt-BR" i="1">
+                        <a:latin typeface="Cambria Math" panose="02040503050406030204" pitchFamily="18" charset="0"/>
+                      </a:rPr>
+                      <m:t>𝐾</m:t>
+                    </m:r>
+                  </m:oMath>
+                </a14:m>
+                <a:r>
+                  <a:rPr lang="pt-BR" dirty="0" smtClean="0"/>
+                  <a:t> argumentos é </a:t>
                 </a:r>
                 <a:r>
                   <a:rPr lang="pt-BR" dirty="0"/>
@@ -13522,6 +13858,12 @@
                                               </m:sSubPr>
                                               <m:e>
                                                 <m:r>
+                                                  <a:rPr lang="pt-BR" b="0" i="1" smtClean="0">
+                                                    <a:latin typeface="Cambria Math" panose="02040503050406030204" pitchFamily="18" charset="0"/>
+                                                  </a:rPr>
+                                                  <m:t> </m:t>
+                                                </m:r>
+                                                <m:r>
                                                   <a:rPr lang="pt-BR" i="1">
                                                     <a:latin typeface="Cambria Math" panose="02040503050406030204" pitchFamily="18" charset="0"/>
                                                   </a:rPr>
@@ -13541,7 +13883,19 @@
                                               <a:rPr lang="pt-BR" i="1">
                                                 <a:latin typeface="Cambria Math" panose="02040503050406030204" pitchFamily="18" charset="0"/>
                                               </a:rPr>
-                                              <m:t>,…,</m:t>
+                                              <m:t>,</m:t>
+                                            </m:r>
+                                            <m:r>
+                                              <a:rPr lang="pt-BR" b="0" i="1" smtClean="0">
+                                                <a:latin typeface="Cambria Math" panose="02040503050406030204" pitchFamily="18" charset="0"/>
+                                              </a:rPr>
+                                              <m:t>  </m:t>
+                                            </m:r>
+                                            <m:r>
+                                              <a:rPr lang="pt-BR" i="1">
+                                                <a:latin typeface="Cambria Math" panose="02040503050406030204" pitchFamily="18" charset="0"/>
+                                              </a:rPr>
+                                              <m:t>…,</m:t>
                                             </m:r>
                                             <m:sSub>
                                               <m:sSubPr>
@@ -13552,6 +13906,12 @@
                                                 </m:ctrlPr>
                                               </m:sSubPr>
                                               <m:e>
+                                                <m:r>
+                                                  <a:rPr lang="pt-BR" b="0" i="1" smtClean="0">
+                                                    <a:latin typeface="Cambria Math" panose="02040503050406030204" pitchFamily="18" charset="0"/>
+                                                  </a:rPr>
+                                                  <m:t> </m:t>
+                                                </m:r>
                                                 <m:r>
                                                   <a:rPr lang="pt-BR" i="1">
                                                     <a:latin typeface="Cambria Math" panose="02040503050406030204" pitchFamily="18" charset="0"/>
@@ -13678,6 +14038,12 @@
                                               </a:rPr>
                                               <m:t>,</m:t>
                                             </m:r>
+                                            <m:r>
+                                              <a:rPr lang="pt-BR" b="0" i="1" smtClean="0">
+                                                <a:latin typeface="Cambria Math" panose="02040503050406030204" pitchFamily="18" charset="0"/>
+                                              </a:rPr>
+                                              <m:t>  </m:t>
+                                            </m:r>
                                             <m:sSub>
                                               <m:sSubPr>
                                                 <m:ctrlPr>
@@ -13687,6 +14053,12 @@
                                                 </m:ctrlPr>
                                               </m:sSubPr>
                                               <m:e>
+                                                <m:r>
+                                                  <a:rPr lang="pt-BR" b="0" i="1" smtClean="0">
+                                                    <a:latin typeface="Cambria Math" panose="02040503050406030204" pitchFamily="18" charset="0"/>
+                                                  </a:rPr>
+                                                  <m:t> </m:t>
+                                                </m:r>
                                                 <m:r>
                                                   <a:rPr lang="pt-BR" i="1">
                                                     <a:latin typeface="Cambria Math" panose="02040503050406030204" pitchFamily="18" charset="0"/>
@@ -13718,6 +14090,12 @@
                                                 </m:ctrlPr>
                                               </m:sSubPr>
                                               <m:e>
+                                                <m:r>
+                                                  <a:rPr lang="pt-BR" b="0" i="1" smtClean="0">
+                                                    <a:latin typeface="Cambria Math" panose="02040503050406030204" pitchFamily="18" charset="0"/>
+                                                  </a:rPr>
+                                                  <m:t> </m:t>
+                                                </m:r>
                                                 <m:r>
                                                   <a:rPr lang="pt-BR" i="1">
                                                     <a:latin typeface="Cambria Math" panose="02040503050406030204" pitchFamily="18" charset="0"/>
@@ -13856,6 +14234,12 @@
                                         </a:rPr>
                                         <m:t>,</m:t>
                                       </m:r>
+                                      <m:r>
+                                        <a:rPr lang="pt-BR" b="0" i="1" smtClean="0">
+                                          <a:latin typeface="Cambria Math" panose="02040503050406030204" pitchFamily="18" charset="0"/>
+                                        </a:rPr>
+                                        <m:t> </m:t>
+                                      </m:r>
                                       <m:sSub>
                                         <m:sSubPr>
                                           <m:ctrlPr>
@@ -13865,6 +14249,12 @@
                                           </m:ctrlPr>
                                         </m:sSubPr>
                                         <m:e>
+                                          <m:r>
+                                            <a:rPr lang="pt-BR" b="0" i="1" smtClean="0">
+                                              <a:latin typeface="Cambria Math" panose="02040503050406030204" pitchFamily="18" charset="0"/>
+                                            </a:rPr>
+                                            <m:t> </m:t>
+                                          </m:r>
                                           <m:r>
                                             <a:rPr lang="pt-BR" i="1">
                                               <a:latin typeface="Cambria Math" panose="02040503050406030204" pitchFamily="18" charset="0"/>
@@ -13896,6 +14286,12 @@
                                           </m:ctrlPr>
                                         </m:sSubPr>
                                         <m:e>
+                                          <m:r>
+                                            <a:rPr lang="pt-BR" b="0" i="1" smtClean="0">
+                                              <a:latin typeface="Cambria Math" panose="02040503050406030204" pitchFamily="18" charset="0"/>
+                                            </a:rPr>
+                                            <m:t> </m:t>
+                                          </m:r>
                                           <m:r>
                                             <a:rPr lang="pt-BR" i="1">
                                               <a:latin typeface="Cambria Math" panose="02040503050406030204" pitchFamily="18" charset="0"/>
@@ -13995,7 +14391,11 @@
                 </a:r>
                 <a:r>
                   <a:rPr lang="pt-BR" dirty="0"/>
-                  <a:t>elemento do </a:t>
+                  <a:t>elemento </a:t>
+                </a:r>
+                <a:r>
+                  <a:rPr lang="pt-BR" dirty="0" smtClean="0"/>
+                  <a:t>do </a:t>
                 </a:r>
                 <a:r>
                   <a:rPr lang="pt-BR" b="1" i="1" dirty="0"/>
@@ -14003,44 +14403,506 @@
                 </a:r>
                 <a:r>
                   <a:rPr lang="pt-BR" dirty="0" smtClean="0"/>
-                  <a:t>indica a </a:t>
+                  <a:t>dá o </a:t>
                 </a:r>
                 <a:r>
                   <a:rPr lang="pt-BR" b="1" i="1" dirty="0" smtClean="0"/>
-                  <a:t>magnitude</a:t>
+                  <a:t>coeficiente angular </a:t>
                 </a:r>
                 <a:r>
                   <a:rPr lang="pt-BR" dirty="0" smtClean="0"/>
-                  <a:t> e a </a:t>
-                </a:r>
-                <a:r>
-                  <a:rPr lang="pt-BR" b="1" i="1" dirty="0" smtClean="0"/>
-                  <a:t>direção</a:t>
+                  <a:t>(</a:t>
+                </a:r>
+                <a:r>
+                  <a:rPr lang="pt-BR" dirty="0"/>
+                  <a:t>ou </a:t>
+                </a:r>
+                <a:r>
+                  <a:rPr lang="pt-BR" b="1" i="1" dirty="0"/>
+                  <a:t>inclinação</a:t>
                 </a:r>
                 <a:r>
                   <a:rPr lang="pt-BR" dirty="0" smtClean="0"/>
-                  <a:t> de </a:t>
+                  <a:t>) da reta tangente </a:t>
                 </a:r>
                 <a:r>
                   <a:rPr lang="pt-BR" dirty="0"/>
-                  <a:t>máxima </a:t>
+                  <a:t>à curva no </a:t>
                 </a:r>
                 <a:r>
                   <a:rPr lang="pt-BR" dirty="0" smtClean="0"/>
-                  <a:t>variação da função </a:t>
+                  <a:t>ponto.</a:t>
+                </a:r>
+                <a:endParaRPr lang="pt-BR" dirty="0" smtClean="0"/>
+              </a:p>
+            </p:txBody>
+          </p:sp>
+        </mc:Choice>
+        <mc:Fallback>
+          <p:sp>
+            <p:nvSpPr>
+              <p:cNvPr id="3" name="Content Placeholder 2"/>
+              <p:cNvSpPr>
+                <a:spLocks noGrp="1" noRot="1" noChangeAspect="1" noMove="1" noResize="1" noEditPoints="1" noAdjustHandles="1" noChangeArrowheads="1" noChangeShapeType="1" noTextEdit="1"/>
+              </p:cNvSpPr>
+              <p:nvPr>
+                <p:ph idx="1"/>
+              </p:nvPr>
+            </p:nvSpPr>
+            <p:spPr>
+              <a:xfrm>
+                <a:off x="838199" y="2103120"/>
+                <a:ext cx="11103322" cy="4754880"/>
+              </a:xfrm>
+              <a:blipFill rotWithShape="0">
+                <a:blip r:embed="rId3"/>
+                <a:stretch>
+                  <a:fillRect l="-933" t="-2821" r="-1372"/>
+                </a:stretch>
+              </a:blipFill>
+            </p:spPr>
+            <p:txBody>
+              <a:bodyPr/>
+              <a:lstStyle/>
+              <a:p>
+                <a:r>
+                  <a:rPr lang="pt-BR">
+                    <a:noFill/>
+                  </a:rPr>
+                  <a:t> </a:t>
+                </a:r>
+              </a:p>
+            </p:txBody>
+          </p:sp>
+        </mc:Fallback>
+      </mc:AlternateContent>
+      <mc:AlternateContent xmlns:mc="http://schemas.openxmlformats.org/markup-compatibility/2006" xmlns:a14="http://schemas.microsoft.com/office/drawing/2010/main">
+        <mc:Choice Requires="a14">
+          <p:sp>
+            <p:nvSpPr>
+              <p:cNvPr id="4" name="Rectangle 3"/>
+              <p:cNvSpPr/>
+              <p:nvPr/>
+            </p:nvSpPr>
+            <p:spPr>
+              <a:xfrm>
+                <a:off x="8083007" y="173058"/>
+                <a:ext cx="4108993" cy="1169551"/>
+              </a:xfrm>
+              <a:prstGeom prst="rect">
+                <a:avLst/>
+              </a:prstGeom>
+            </p:spPr>
+            <p:txBody>
+              <a:bodyPr wrap="square">
+                <a:spAutoFit/>
+              </a:bodyPr>
+              <a:lstStyle/>
+              <a:p>
+                <a:pPr marL="285750" lvl="0" indent="-285750">
+                  <a:buFont typeface="Arial" panose="020B0604020202020204" pitchFamily="34" charset="0"/>
+                  <a:buChar char="•"/>
+                  <a:defRPr/>
+                </a:pPr>
+                <a:r>
+                  <a:rPr lang="pt-BR" sz="1400" dirty="0" smtClean="0"/>
+                  <a:t>O vetor gradiente, </a:t>
+                </a:r>
+                <a14:m>
+                  <m:oMath xmlns:m="http://schemas.openxmlformats.org/officeDocument/2006/math">
+                    <m:r>
+                      <a:rPr lang="pt-BR" sz="1400" b="0" i="1">
+                        <a:latin typeface="Cambria Math" panose="02040503050406030204" pitchFamily="18" charset="0"/>
+                        <a:ea typeface="Cambria Math" panose="02040503050406030204" pitchFamily="18" charset="0"/>
+                      </a:rPr>
+                      <m:t>𝛻</m:t>
+                    </m:r>
+                    <m:r>
+                      <a:rPr lang="pt-BR" sz="1400" b="0" i="1">
+                        <a:latin typeface="Cambria Math" panose="02040503050406030204" pitchFamily="18" charset="0"/>
+                        <a:ea typeface="Cambria Math" panose="02040503050406030204" pitchFamily="18" charset="0"/>
+                      </a:rPr>
+                      <m:t>𝑓</m:t>
+                    </m:r>
+                  </m:oMath>
+                </a14:m>
+                <a:r>
+                  <a:rPr lang="pt-BR" sz="1400" dirty="0" smtClean="0"/>
+                  <a:t>, indica </a:t>
+                </a:r>
+                <a:r>
+                  <a:rPr lang="pt-BR" sz="1400" dirty="0"/>
+                  <a:t>a magnitude e a direção em que a função,</a:t>
+                </a:r>
+                <a:r>
+                  <a:rPr lang="pt-BR" sz="1400" i="1" dirty="0"/>
+                  <a:t> </a:t>
+                </a:r>
+                <a14:m>
+                  <m:oMath xmlns:m="http://schemas.openxmlformats.org/officeDocument/2006/math">
+                    <m:r>
+                      <a:rPr lang="pt-BR" sz="1400" b="0" i="1">
+                        <a:latin typeface="Cambria Math" panose="02040503050406030204" pitchFamily="18" charset="0"/>
+                      </a:rPr>
+                      <m:t>𝑓</m:t>
+                    </m:r>
+                  </m:oMath>
+                </a14:m>
+                <a:r>
+                  <a:rPr lang="pt-BR" sz="1400" dirty="0"/>
+                  <a:t>, tem a taxa de crescimento mais </a:t>
+                </a:r>
+                <a:r>
+                  <a:rPr lang="pt-BR" sz="1400" dirty="0" smtClean="0"/>
+                  <a:t>rápida.</a:t>
+                </a:r>
+              </a:p>
+              <a:p>
+                <a:pPr marL="285750" lvl="0" indent="-285750">
+                  <a:buFont typeface="Arial" panose="020B0604020202020204" pitchFamily="34" charset="0"/>
+                  <a:buChar char="•"/>
+                  <a:defRPr/>
+                </a:pPr>
+                <a:r>
+                  <a:rPr lang="pt-BR" sz="1400" dirty="0" smtClean="0"/>
+                  <a:t>O </a:t>
+                </a:r>
+                <a:r>
+                  <a:rPr lang="pt-BR" sz="1400" dirty="0"/>
+                  <a:t>vetor gradiente em um ponto </a:t>
+                </a:r>
+                <a:r>
+                  <a:rPr lang="pt-BR" sz="1400" dirty="0" smtClean="0"/>
+                  <a:t>específico é </a:t>
+                </a:r>
+                <a:r>
+                  <a:rPr lang="pt-BR" sz="1400" dirty="0"/>
+                  <a:t>um </a:t>
+                </a:r>
+                <a:r>
+                  <a:rPr lang="pt-BR" sz="1400" b="1" dirty="0"/>
+                  <a:t>vetor </a:t>
+                </a:r>
+                <a:r>
+                  <a:rPr lang="pt-BR" sz="1400" b="1" dirty="0" smtClean="0"/>
+                  <a:t>ortogonal</a:t>
+                </a:r>
+                <a:r>
+                  <a:rPr lang="pt-BR" sz="1400" dirty="0" smtClean="0"/>
+                  <a:t> à reta tangente </a:t>
+                </a:r>
+                <a:r>
+                  <a:rPr lang="pt-BR" sz="1400" dirty="0"/>
+                  <a:t>àquele </a:t>
+                </a:r>
+                <a:r>
+                  <a:rPr lang="pt-BR" sz="1400" dirty="0" smtClean="0"/>
+                  <a:t>ponto.</a:t>
+                </a:r>
+                <a:endParaRPr lang="pt-BR" sz="1400" dirty="0"/>
+              </a:p>
+            </p:txBody>
+          </p:sp>
+        </mc:Choice>
+        <mc:Fallback xmlns="">
+          <p:sp>
+            <p:nvSpPr>
+              <p:cNvPr id="4" name="Rectangle 3"/>
+              <p:cNvSpPr>
+                <a:spLocks noRot="1" noChangeAspect="1" noMove="1" noResize="1" noEditPoints="1" noAdjustHandles="1" noChangeArrowheads="1" noChangeShapeType="1" noTextEdit="1"/>
+              </p:cNvSpPr>
+              <p:nvPr/>
+            </p:nvSpPr>
+            <p:spPr>
+              <a:xfrm>
+                <a:off x="8083007" y="173058"/>
+                <a:ext cx="4108993" cy="1169551"/>
+              </a:xfrm>
+              <a:prstGeom prst="rect">
+                <a:avLst/>
+              </a:prstGeom>
+              <a:blipFill rotWithShape="0">
+                <a:blip r:embed="rId4"/>
+                <a:stretch>
+                  <a:fillRect l="-297" t="-521" b="-4688"/>
+                </a:stretch>
+              </a:blipFill>
+            </p:spPr>
+            <p:txBody>
+              <a:bodyPr/>
+              <a:lstStyle/>
+              <a:p>
+                <a:r>
+                  <a:rPr lang="pt-BR">
+                    <a:noFill/>
+                  </a:rPr>
+                  <a:t> </a:t>
+                </a:r>
+              </a:p>
+            </p:txBody>
+          </p:sp>
+        </mc:Fallback>
+      </mc:AlternateContent>
+      <p:pic>
+        <p:nvPicPr>
+          <p:cNvPr id="6" name="Picture 5"/>
+          <p:cNvPicPr>
+            <a:picLocks noChangeAspect="1"/>
+          </p:cNvPicPr>
+          <p:nvPr/>
+        </p:nvPicPr>
+        <p:blipFill rotWithShape="1">
+          <a:blip r:embed="rId5">
+            <a:extLst>
+              <a:ext uri="{28A0092B-C50C-407E-A947-70E740481C1C}">
+                <a14:useLocalDpi xmlns:a14="http://schemas.microsoft.com/office/drawing/2010/main" val="0"/>
+              </a:ext>
+            </a:extLst>
+          </a:blip>
+          <a:srcRect l="1691" t="951" r="1650" b="49764"/>
+          <a:stretch/>
+        </p:blipFill>
+        <p:spPr>
+          <a:xfrm>
+            <a:off x="4842057" y="94211"/>
+            <a:ext cx="4475019" cy="2008909"/>
+          </a:xfrm>
+          <a:prstGeom prst="rect">
+            <a:avLst/>
+          </a:prstGeom>
+        </p:spPr>
+      </p:pic>
+    </p:spTree>
+    <p:extLst>
+      <p:ext uri="{BB962C8B-B14F-4D97-AF65-F5344CB8AC3E}">
+        <p14:creationId xmlns:p14="http://schemas.microsoft.com/office/powerpoint/2010/main" val="2261244498"/>
+      </p:ext>
+    </p:extLst>
+  </p:cSld>
+  <p:clrMapOvr>
+    <a:masterClrMapping/>
+  </p:clrMapOvr>
+  <p:timing>
+    <p:tnLst>
+      <p:par>
+        <p:cTn id="1" dur="indefinite" restart="never" nodeType="tmRoot"/>
+      </p:par>
+    </p:tnLst>
+  </p:timing>
+</p:sld>
+</file>
+
+<file path=ppt/slides/slide4.xml><?xml version="1.0" encoding="utf-8"?>
+<p:sld xmlns:a="http://schemas.openxmlformats.org/drawingml/2006/main" xmlns:r="http://schemas.openxmlformats.org/officeDocument/2006/relationships" xmlns:p="http://schemas.openxmlformats.org/presentationml/2006/main">
+  <p:cSld>
+    <p:spTree>
+      <p:nvGrpSpPr>
+        <p:cNvPr id="1" name=""/>
+        <p:cNvGrpSpPr/>
+        <p:nvPr/>
+      </p:nvGrpSpPr>
+      <p:grpSpPr>
+        <a:xfrm>
+          <a:off x="0" y="0"/>
+          <a:ext cx="0" cy="0"/>
+          <a:chOff x="0" y="0"/>
+          <a:chExt cx="0" cy="0"/>
+        </a:xfrm>
+      </p:grpSpPr>
+      <p:sp>
+        <p:nvSpPr>
+          <p:cNvPr id="2" name="Título 1"/>
+          <p:cNvSpPr>
+            <a:spLocks noGrp="1"/>
+          </p:cNvSpPr>
+          <p:nvPr>
+            <p:ph type="title"/>
+          </p:nvPr>
+        </p:nvSpPr>
+        <p:spPr/>
+        <p:txBody>
+          <a:bodyPr/>
+          <a:lstStyle/>
+          <a:p>
+            <a:r>
+              <a:rPr lang="pt-BR" dirty="0"/>
+              <a:t>Vetor Gradiente</a:t>
+            </a:r>
+          </a:p>
+        </p:txBody>
+      </p:sp>
+      <mc:AlternateContent xmlns:mc="http://schemas.openxmlformats.org/markup-compatibility/2006">
+        <mc:Choice xmlns:a14="http://schemas.microsoft.com/office/drawing/2010/main" Requires="a14">
+          <p:sp>
+            <p:nvSpPr>
+              <p:cNvPr id="3" name="Espaço Reservado para Conteúdo 2"/>
+              <p:cNvSpPr>
+                <a:spLocks noGrp="1"/>
+              </p:cNvSpPr>
+              <p:nvPr>
+                <p:ph idx="1"/>
+              </p:nvPr>
+            </p:nvSpPr>
+            <p:spPr>
+              <a:xfrm>
+                <a:off x="838199" y="1825625"/>
+                <a:ext cx="11049001" cy="2394447"/>
+              </a:xfrm>
+            </p:spPr>
+            <p:txBody>
+              <a:bodyPr>
+                <a:normAutofit fontScale="85000" lnSpcReduction="20000"/>
+              </a:bodyPr>
+              <a:lstStyle/>
+              <a:p>
+                <a:r>
+                  <a:rPr lang="pt-BR" dirty="0" smtClean="0"/>
+                  <a:t>O vetor </a:t>
                 </a:r>
                 <a:r>
                   <a:rPr lang="pt-BR" dirty="0"/>
-                  <a:t>em </a:t>
-                </a:r>
-                <a:r>
-                  <a:rPr lang="pt-BR" b="1" i="1" dirty="0"/>
-                  <a:t>relação àquele </a:t>
-                </a:r>
-                <a:r>
-                  <a:rPr lang="pt-BR" b="1" i="1" dirty="0" smtClean="0"/>
-                  <a:t>argumento</a:t>
-                </a:r>
+                  <a:t>gradiente </a:t>
+                </a:r>
+                <a:r>
+                  <a:rPr lang="pt-BR" dirty="0" smtClean="0"/>
+                  <a:t>indica </a:t>
+                </a:r>
+                <a:r>
+                  <a:rPr lang="pt-BR" dirty="0"/>
+                  <a:t>a magnitude </a:t>
+                </a:r>
+                <a:r>
+                  <a:rPr lang="pt-BR" dirty="0" smtClean="0"/>
+                  <a:t>e </a:t>
+                </a:r>
+                <a:r>
+                  <a:rPr lang="pt-BR" dirty="0"/>
+                  <a:t>a </a:t>
+                </a:r>
+                <a:r>
+                  <a:rPr lang="pt-BR" dirty="0"/>
+                  <a:t>direção </a:t>
+                </a:r>
+                <a:r>
+                  <a:rPr lang="pt-BR" dirty="0"/>
+                  <a:t>na </a:t>
+                </a:r>
+                <a:r>
+                  <a:rPr lang="pt-BR" dirty="0"/>
+                  <a:t>qual, </a:t>
+                </a:r>
+                <a:r>
+                  <a:rPr lang="pt-BR" b="1" i="1" dirty="0">
+                    <a:solidFill>
+                      <a:srgbClr val="0070C0"/>
+                    </a:solidFill>
+                  </a:rPr>
+                  <a:t>por </a:t>
+                </a:r>
+                <a:r>
+                  <a:rPr lang="pt-BR" b="1" i="1" dirty="0">
+                    <a:solidFill>
+                      <a:srgbClr val="00B050"/>
+                    </a:solidFill>
+                  </a:rPr>
+                  <a:t>deslocamento</a:t>
+                </a:r>
+                <a:r>
+                  <a:rPr lang="pt-BR" b="1" i="1" dirty="0">
+                    <a:solidFill>
+                      <a:srgbClr val="0070C0"/>
+                    </a:solidFill>
+                  </a:rPr>
+                  <a:t> a partir </a:t>
+                </a:r>
+                <a:r>
+                  <a:rPr lang="pt-BR" b="1" i="1" dirty="0">
+                    <a:solidFill>
+                      <a:srgbClr val="0070C0"/>
+                    </a:solidFill>
+                  </a:rPr>
+                  <a:t>de um </a:t>
+                </a:r>
+                <a:r>
+                  <a:rPr lang="pt-BR" b="1" i="1" dirty="0">
+                    <a:solidFill>
+                      <a:srgbClr val="00B050"/>
+                    </a:solidFill>
+                  </a:rPr>
+                  <a:t>ponto </a:t>
+                </a:r>
+                <a:r>
+                  <a:rPr lang="pt-BR" b="1" i="1" dirty="0">
+                    <a:solidFill>
+                      <a:srgbClr val="00B050"/>
+                    </a:solidFill>
+                  </a:rPr>
+                  <a:t>especifico</a:t>
+                </a:r>
+                <a:r>
+                  <a:rPr lang="pt-BR" dirty="0"/>
+                  <a:t>, </a:t>
+                </a:r>
+                <a:r>
+                  <a:rPr lang="pt-BR" dirty="0"/>
+                  <a:t>obtém-se o </a:t>
+                </a:r>
+                <a:r>
+                  <a:rPr lang="pt-BR" b="1" i="1" dirty="0">
+                    <a:solidFill>
+                      <a:srgbClr val="00B050"/>
+                    </a:solidFill>
+                  </a:rPr>
+                  <a:t>maior incremento </a:t>
+                </a:r>
+                <a:r>
+                  <a:rPr lang="pt-BR" b="1" i="1" dirty="0">
+                    <a:solidFill>
+                      <a:srgbClr val="0070C0"/>
+                    </a:solidFill>
+                  </a:rPr>
+                  <a:t>possível no valor de </a:t>
+                </a:r>
+                <a:r>
+                  <a:rPr lang="pt-BR" b="1" i="1" dirty="0">
+                    <a:solidFill>
+                      <a:srgbClr val="0070C0"/>
+                    </a:solidFill>
+                  </a:rPr>
+                  <a:t>uma função</a:t>
+                </a:r>
+                <a:r>
+                  <a:rPr lang="pt-BR" dirty="0"/>
+                  <a:t>, </a:t>
+                </a:r>
+                <a14:m>
+                  <m:oMath xmlns:m="http://schemas.openxmlformats.org/officeDocument/2006/math">
+                    <m:r>
+                      <a:rPr lang="pt-BR" b="0" i="1">
+                        <a:latin typeface="Cambria Math" panose="02040503050406030204" pitchFamily="18" charset="0"/>
+                      </a:rPr>
+                      <m:t>𝑓</m:t>
+                    </m:r>
+                    <m:r>
+                      <a:rPr lang="pt-BR" b="0" i="1" smtClean="0">
+                        <a:latin typeface="Cambria Math" panose="02040503050406030204" pitchFamily="18" charset="0"/>
+                      </a:rPr>
+                      <m:t>(</m:t>
+                    </m:r>
+                    <m:r>
+                      <a:rPr lang="pt-BR" b="1" i="1" smtClean="0">
+                        <a:latin typeface="Cambria Math" panose="02040503050406030204" pitchFamily="18" charset="0"/>
+                      </a:rPr>
+                      <m:t>𝒙</m:t>
+                    </m:r>
+                    <m:r>
+                      <a:rPr lang="pt-BR" b="0" i="1" smtClean="0">
+                        <a:latin typeface="Cambria Math" panose="02040503050406030204" pitchFamily="18" charset="0"/>
+                      </a:rPr>
+                      <m:t>)</m:t>
+                    </m:r>
+                  </m:oMath>
+                </a14:m>
                 <a:r>
                   <a:rPr lang="pt-BR" dirty="0" smtClean="0"/>
                   <a:t>.</a:t>
@@ -14048,7 +14910,7 @@
               </a:p>
               <a:p>
                 <a:r>
-                  <a:rPr lang="pt-BR" dirty="0" smtClean="0"/>
+                  <a:rPr lang="pt-BR" dirty="0"/>
                   <a:t>Se imaginem parados em um ponto </a:t>
                 </a:r>
                 <a14:m>
@@ -14079,7 +14941,7 @@
                       </m:sub>
                     </m:sSub>
                     <m:r>
-                      <a:rPr lang="pt-BR" b="0" i="1" smtClean="0">
+                      <a:rPr lang="pt-BR" i="1">
                         <a:latin typeface="Cambria Math" panose="02040503050406030204" pitchFamily="18" charset="0"/>
                       </a:rPr>
                       <m:t>(0),</m:t>
@@ -14110,7 +14972,7 @@
                       </m:sub>
                     </m:sSub>
                     <m:r>
-                      <a:rPr lang="pt-BR" b="0" i="1" smtClean="0">
+                      <a:rPr lang="pt-BR" i="1">
                         <a:latin typeface="Cambria Math" panose="02040503050406030204" pitchFamily="18" charset="0"/>
                       </a:rPr>
                       <m:t>(0),…,</m:t>
@@ -14141,7 +15003,7 @@
                       </m:sub>
                     </m:sSub>
                     <m:r>
-                      <a:rPr lang="pt-BR" b="0" i="1" smtClean="0">
+                      <a:rPr lang="pt-BR" i="1">
                         <a:latin typeface="Cambria Math" panose="02040503050406030204" pitchFamily="18" charset="0"/>
                       </a:rPr>
                       <m:t>(0)</m:t>
@@ -14149,7 +15011,7 @@
                   </m:oMath>
                 </a14:m>
                 <a:r>
-                  <a:rPr lang="pt-BR" dirty="0" smtClean="0"/>
+                  <a:rPr lang="pt-BR" dirty="0"/>
                   <a:t> no </a:t>
                 </a:r>
                 <a:r>
@@ -14157,7 +15019,7 @@
                   <a:t>domínio de</a:t>
                 </a:r>
                 <a:r>
-                  <a:rPr lang="pt-BR" dirty="0" smtClean="0"/>
+                  <a:rPr lang="pt-BR" dirty="0"/>
                   <a:t> </a:t>
                 </a:r>
                 <a14:m>
@@ -14171,7 +15033,7 @@
                   </m:oMath>
                 </a14:m>
                 <a:r>
-                  <a:rPr lang="pt-BR" dirty="0" smtClean="0"/>
+                  <a:rPr lang="pt-BR" dirty="0"/>
                   <a:t>, </a:t>
                 </a:r>
                 <a:r>
@@ -14230,7 +15092,7 @@
                           </m:sub>
                         </m:sSub>
                         <m:r>
-                          <a:rPr lang="pt-BR" b="0" i="1" smtClean="0">
+                          <a:rPr lang="pt-BR" i="1">
                             <a:latin typeface="Cambria Math" panose="02040503050406030204" pitchFamily="18" charset="0"/>
                           </a:rPr>
                           <m:t>(0),</m:t>
@@ -14306,7 +15168,7 @@
                   <a:t> diz </a:t>
                 </a:r>
                 <a:r>
-                  <a:rPr lang="pt-BR" dirty="0" smtClean="0"/>
+                  <a:rPr lang="pt-BR" dirty="0"/>
                   <a:t>em qual direção devemos </a:t>
                 </a:r>
                 <a:r>
@@ -14314,7 +15176,7 @@
                   <a:t>caminhar para aumentar o valor </a:t>
                 </a:r>
                 <a:r>
-                  <a:rPr lang="pt-BR" dirty="0" smtClean="0"/>
+                  <a:rPr lang="pt-BR" dirty="0"/>
                   <a:t>de </a:t>
                 </a:r>
                 <a14:m>
@@ -14334,7 +15196,7 @@
                   </m:oMath>
                 </a14:m>
                 <a:r>
-                  <a:rPr lang="pt-BR" dirty="0" smtClean="0"/>
+                  <a:rPr lang="pt-BR" dirty="0"/>
                   <a:t>mais rapidamente, ou seja</a:t>
                 </a:r>
               </a:p>
@@ -14385,13 +15247,13 @@
                           </m:sub>
                         </m:sSub>
                         <m:r>
-                          <a:rPr lang="pt-BR" sz="2600" b="0" i="1" smtClean="0">
+                          <a:rPr lang="pt-BR" sz="2600" i="1">
                             <a:latin typeface="Cambria Math" panose="02040503050406030204" pitchFamily="18" charset="0"/>
                           </a:rPr>
                           <m:t>(0)+</m:t>
                         </m:r>
                         <m:r>
-                          <a:rPr lang="pt-BR" sz="2600" b="0" i="1" smtClean="0">
+                          <a:rPr lang="pt-BR" sz="2600" i="1">
                             <a:latin typeface="Cambria Math" panose="02040503050406030204" pitchFamily="18" charset="0"/>
                             <a:ea typeface="Cambria Math" panose="02040503050406030204" pitchFamily="18" charset="0"/>
                           </a:rPr>
@@ -14591,13 +15453,13 @@
                           </m:sub>
                         </m:sSub>
                         <m:r>
-                          <a:rPr lang="pt-BR" sz="2600" b="0" i="1" smtClean="0">
+                          <a:rPr lang="pt-BR" sz="2600" i="1">
                             <a:latin typeface="Cambria Math" panose="02040503050406030204" pitchFamily="18" charset="0"/>
                           </a:rPr>
                           <m:t>(0)+</m:t>
                         </m:r>
                         <m:r>
-                          <a:rPr lang="pt-BR" sz="2600" b="0" i="1" smtClean="0">
+                          <a:rPr lang="pt-BR" sz="2600" i="1">
                             <a:latin typeface="Cambria Math" panose="02040503050406030204" pitchFamily="18" charset="0"/>
                             <a:ea typeface="Cambria Math" panose="02040503050406030204" pitchFamily="18" charset="0"/>
                           </a:rPr>
@@ -14757,7 +15619,7 @@
                               </m:e>
                               <m:sub>
                                 <m:r>
-                                  <a:rPr lang="pt-BR" sz="2600" b="0" i="1" smtClean="0">
+                                  <a:rPr lang="pt-BR" sz="2600" i="1">
                                     <a:latin typeface="Cambria Math" panose="02040503050406030204" pitchFamily="18" charset="0"/>
                                     <a:ea typeface="Cambria Math" panose="02040503050406030204" pitchFamily="18" charset="0"/>
                                   </a:rPr>
@@ -14770,7 +15632,7 @@
                       </m:e>
                     </m:d>
                     <m:r>
-                      <a:rPr lang="pt-BR" sz="2600" b="0" i="1" smtClean="0">
+                      <a:rPr lang="pt-BR" sz="2600" i="1">
                         <a:latin typeface="Cambria Math" panose="02040503050406030204" pitchFamily="18" charset="0"/>
                       </a:rPr>
                       <m:t>&gt;</m:t>
@@ -14816,7 +15678,7 @@
                           </m:sub>
                         </m:sSub>
                         <m:r>
-                          <a:rPr lang="pt-BR" sz="2600" b="0" i="1" smtClean="0">
+                          <a:rPr lang="pt-BR" sz="2600" i="1">
                             <a:latin typeface="Cambria Math" panose="02040503050406030204" pitchFamily="18" charset="0"/>
                           </a:rPr>
                           <m:t>(0),…,</m:t>
@@ -14847,7 +15709,7 @@
                           </m:sub>
                         </m:sSub>
                         <m:r>
-                          <a:rPr lang="pt-BR" sz="2600" b="0" i="1" smtClean="0">
+                          <a:rPr lang="pt-BR" sz="2600" i="1">
                             <a:latin typeface="Cambria Math" panose="02040503050406030204" pitchFamily="18" charset="0"/>
                           </a:rPr>
                           <m:t>(0)</m:t>
@@ -14857,17 +15719,20 @@
                   </m:oMath>
                 </a14:m>
                 <a:r>
-                  <a:rPr lang="pt-BR" sz="2600" dirty="0" smtClean="0"/>
+                  <a:rPr lang="pt-BR" sz="2600" dirty="0"/>
                   <a:t>.</a:t>
                 </a:r>
+              </a:p>
+              <a:p>
+                <a:endParaRPr lang="pt-BR" dirty="0"/>
               </a:p>
             </p:txBody>
           </p:sp>
         </mc:Choice>
-        <mc:Fallback xmlns="">
+        <mc:Fallback>
           <p:sp>
             <p:nvSpPr>
-              <p:cNvPr id="3" name="Content Placeholder 2"/>
+              <p:cNvPr id="3" name="Espaço Reservado para Conteúdo 2"/>
               <p:cNvSpPr>
                 <a:spLocks noGrp="1" noRot="1" noChangeAspect="1" noMove="1" noResize="1" noEditPoints="1" noAdjustHandles="1" noChangeArrowheads="1" noChangeShapeType="1" noTextEdit="1"/>
               </p:cNvSpPr>
@@ -14877,13 +15742,13 @@
             </p:nvSpPr>
             <p:spPr>
               <a:xfrm>
-                <a:off x="838199" y="2103120"/>
-                <a:ext cx="11147156" cy="4724400"/>
+                <a:off x="838199" y="1825625"/>
+                <a:ext cx="11049001" cy="2394447"/>
               </a:xfrm>
               <a:blipFill rotWithShape="0">
-                <a:blip r:embed="rId3"/>
+                <a:blip r:embed="rId2"/>
                 <a:stretch>
-                  <a:fillRect l="-711" t="-2968" r="-1203"/>
+                  <a:fillRect l="-717" t="-5852"/>
                 </a:stretch>
               </a:blipFill>
             </p:spPr>
@@ -14902,206 +15767,93 @@
           </p:sp>
         </mc:Fallback>
       </mc:AlternateContent>
-      <mc:AlternateContent xmlns:mc="http://schemas.openxmlformats.org/markup-compatibility/2006" xmlns:a14="http://schemas.microsoft.com/office/drawing/2010/main">
-        <mc:Choice Requires="a14">
-          <p:sp>
-            <p:nvSpPr>
-              <p:cNvPr id="4" name="Rectangle 3"/>
-              <p:cNvSpPr/>
-              <p:nvPr/>
-            </p:nvSpPr>
-            <p:spPr>
-              <a:xfrm>
-                <a:off x="8083007" y="173058"/>
-                <a:ext cx="4108993" cy="1169551"/>
-              </a:xfrm>
-              <a:prstGeom prst="rect">
-                <a:avLst/>
-              </a:prstGeom>
-            </p:spPr>
-            <p:txBody>
-              <a:bodyPr wrap="square">
-                <a:spAutoFit/>
-              </a:bodyPr>
-              <a:lstStyle/>
-              <a:p>
-                <a:pPr marL="285750" lvl="0" indent="-285750">
-                  <a:buFont typeface="Arial" panose="020B0604020202020204" pitchFamily="34" charset="0"/>
-                  <a:buChar char="•"/>
-                  <a:defRPr/>
-                </a:pPr>
-                <a:r>
-                  <a:rPr lang="pt-BR" sz="1400" dirty="0" smtClean="0"/>
-                  <a:t>O vetor gradiente, </a:t>
-                </a:r>
-                <a14:m>
-                  <m:oMath xmlns:m="http://schemas.openxmlformats.org/officeDocument/2006/math">
-                    <m:r>
-                      <a:rPr lang="pt-BR" sz="1400" b="0" i="1">
-                        <a:latin typeface="Cambria Math" panose="02040503050406030204" pitchFamily="18" charset="0"/>
-                        <a:ea typeface="Cambria Math" panose="02040503050406030204" pitchFamily="18" charset="0"/>
-                      </a:rPr>
-                      <m:t>𝛻</m:t>
-                    </m:r>
-                    <m:r>
-                      <a:rPr lang="pt-BR" sz="1400" b="0" i="1">
-                        <a:latin typeface="Cambria Math" panose="02040503050406030204" pitchFamily="18" charset="0"/>
-                        <a:ea typeface="Cambria Math" panose="02040503050406030204" pitchFamily="18" charset="0"/>
-                      </a:rPr>
-                      <m:t>𝑓</m:t>
-                    </m:r>
-                  </m:oMath>
-                </a14:m>
-                <a:r>
-                  <a:rPr lang="pt-BR" sz="1400" dirty="0" smtClean="0"/>
-                  <a:t>, indica </a:t>
-                </a:r>
-                <a:r>
-                  <a:rPr lang="pt-BR" sz="1400" dirty="0"/>
-                  <a:t>a magnitude e a direção em que a função,</a:t>
-                </a:r>
-                <a:r>
-                  <a:rPr lang="pt-BR" sz="1400" i="1" dirty="0"/>
-                  <a:t> </a:t>
-                </a:r>
-                <a14:m>
-                  <m:oMath xmlns:m="http://schemas.openxmlformats.org/officeDocument/2006/math">
-                    <m:r>
-                      <a:rPr lang="pt-BR" sz="1400" b="0" i="1">
-                        <a:latin typeface="Cambria Math" panose="02040503050406030204" pitchFamily="18" charset="0"/>
-                      </a:rPr>
-                      <m:t>𝑓</m:t>
-                    </m:r>
-                  </m:oMath>
-                </a14:m>
-                <a:r>
-                  <a:rPr lang="pt-BR" sz="1400" dirty="0"/>
-                  <a:t>, tem a taxa de crescimento mais </a:t>
-                </a:r>
-                <a:r>
-                  <a:rPr lang="pt-BR" sz="1400" dirty="0" smtClean="0"/>
-                  <a:t>rápida.</a:t>
-                </a:r>
-              </a:p>
-              <a:p>
-                <a:pPr marL="285750" lvl="0" indent="-285750">
-                  <a:buFont typeface="Arial" panose="020B0604020202020204" pitchFamily="34" charset="0"/>
-                  <a:buChar char="•"/>
-                  <a:defRPr/>
-                </a:pPr>
-                <a:r>
-                  <a:rPr lang="pt-BR" sz="1400" dirty="0" smtClean="0"/>
-                  <a:t>O </a:t>
-                </a:r>
-                <a:r>
-                  <a:rPr lang="pt-BR" sz="1400" dirty="0"/>
-                  <a:t>vetor gradiente em um ponto </a:t>
-                </a:r>
-                <a:r>
-                  <a:rPr lang="pt-BR" sz="1400" dirty="0" smtClean="0"/>
-                  <a:t>específico é </a:t>
-                </a:r>
-                <a:r>
-                  <a:rPr lang="pt-BR" sz="1400" dirty="0"/>
-                  <a:t>um </a:t>
-                </a:r>
-                <a:r>
-                  <a:rPr lang="pt-BR" sz="1400" b="1" dirty="0"/>
-                  <a:t>vetor </a:t>
-                </a:r>
-                <a:r>
-                  <a:rPr lang="pt-BR" sz="1400" b="1" dirty="0" smtClean="0"/>
-                  <a:t>ortogonal</a:t>
-                </a:r>
-                <a:r>
-                  <a:rPr lang="pt-BR" sz="1400" dirty="0" smtClean="0"/>
-                  <a:t> à reta tangente </a:t>
-                </a:r>
-                <a:r>
-                  <a:rPr lang="pt-BR" sz="1400" dirty="0"/>
-                  <a:t>àquele </a:t>
-                </a:r>
-                <a:r>
-                  <a:rPr lang="pt-BR" sz="1400" dirty="0" smtClean="0"/>
-                  <a:t>ponto.</a:t>
-                </a:r>
-                <a:endParaRPr lang="pt-BR" sz="1400" dirty="0"/>
-              </a:p>
-            </p:txBody>
-          </p:sp>
-        </mc:Choice>
-        <mc:Fallback xmlns="">
-          <p:sp>
-            <p:nvSpPr>
-              <p:cNvPr id="4" name="Rectangle 3"/>
-              <p:cNvSpPr>
-                <a:spLocks noRot="1" noChangeAspect="1" noMove="1" noResize="1" noEditPoints="1" noAdjustHandles="1" noChangeArrowheads="1" noChangeShapeType="1" noTextEdit="1"/>
-              </p:cNvSpPr>
-              <p:nvPr/>
-            </p:nvSpPr>
-            <p:spPr>
-              <a:xfrm>
-                <a:off x="8083007" y="173058"/>
-                <a:ext cx="4108993" cy="1169551"/>
-              </a:xfrm>
-              <a:prstGeom prst="rect">
-                <a:avLst/>
-              </a:prstGeom>
-              <a:blipFill rotWithShape="0">
-                <a:blip r:embed="rId4"/>
-                <a:stretch>
-                  <a:fillRect l="-297" t="-521" b="-4688"/>
-                </a:stretch>
-              </a:blipFill>
-            </p:spPr>
-            <p:txBody>
-              <a:bodyPr/>
-              <a:lstStyle/>
-              <a:p>
-                <a:r>
-                  <a:rPr lang="pt-BR">
-                    <a:noFill/>
-                  </a:rPr>
-                  <a:t> </a:t>
-                </a:r>
-              </a:p>
-            </p:txBody>
-          </p:sp>
-        </mc:Fallback>
-      </mc:AlternateContent>
       <p:pic>
         <p:nvPicPr>
-          <p:cNvPr id="6" name="Picture 5"/>
+          <p:cNvPr id="5" name="Imagem 4"/>
           <p:cNvPicPr>
             <a:picLocks noChangeAspect="1"/>
           </p:cNvPicPr>
           <p:nvPr/>
         </p:nvPicPr>
         <p:blipFill rotWithShape="1">
-          <a:blip r:embed="rId5">
+          <a:blip r:embed="rId3">
             <a:extLst>
               <a:ext uri="{28A0092B-C50C-407E-A947-70E740481C1C}">
                 <a14:useLocalDpi xmlns:a14="http://schemas.microsoft.com/office/drawing/2010/main" val="0"/>
               </a:ext>
             </a:extLst>
           </a:blip>
-          <a:srcRect l="1691" t="951" r="1650" b="49764"/>
+          <a:srcRect l="1330" t="934" r="1845" b="46040"/>
           <a:stretch/>
         </p:blipFill>
         <p:spPr>
           <a:xfrm>
-            <a:off x="4842057" y="94211"/>
-            <a:ext cx="4475019" cy="2008909"/>
+            <a:off x="2585543" y="4220072"/>
+            <a:ext cx="5938345" cy="2637928"/>
           </a:xfrm>
           <a:prstGeom prst="rect">
             <a:avLst/>
           </a:prstGeom>
         </p:spPr>
       </p:pic>
+      <p:sp>
+        <p:nvSpPr>
+          <p:cNvPr id="6" name="CaixaDeTexto 5"/>
+          <p:cNvSpPr txBox="1"/>
+          <p:nvPr/>
+        </p:nvSpPr>
+        <p:spPr>
+          <a:xfrm>
+            <a:off x="8523889" y="4798637"/>
+            <a:ext cx="3668111" cy="1815882"/>
+          </a:xfrm>
+          <a:prstGeom prst="rect">
+            <a:avLst/>
+          </a:prstGeom>
+          <a:noFill/>
+        </p:spPr>
+        <p:txBody>
+          <a:bodyPr wrap="square" rtlCol="0">
+            <a:spAutoFit/>
+          </a:bodyPr>
+          <a:lstStyle/>
+          <a:p>
+            <a:r>
+              <a:rPr lang="pt-BR" sz="1400" b="1" dirty="0" smtClean="0"/>
+              <a:t>OBS</a:t>
+            </a:r>
+            <a:r>
+              <a:rPr lang="pt-BR" sz="1400" dirty="0" smtClean="0"/>
+              <a:t>.: </a:t>
+            </a:r>
+          </a:p>
+          <a:p>
+            <a:pPr marL="285750" indent="-285750">
+              <a:buFont typeface="Arial" panose="020B0604020202020204" pitchFamily="34" charset="0"/>
+              <a:buChar char="•"/>
+            </a:pPr>
+            <a:r>
+              <a:rPr lang="pt-BR" sz="1400" dirty="0" smtClean="0"/>
+              <a:t>Então se a cada novo ponto calcularmos o vetor gradiente e o usarmos para incrementar o ponto, teremos o valor da função sempre maior que o anterior.</a:t>
+            </a:r>
+          </a:p>
+          <a:p>
+            <a:pPr marL="285750" indent="-285750">
+              <a:buFont typeface="Arial" panose="020B0604020202020204" pitchFamily="34" charset="0"/>
+              <a:buChar char="•"/>
+            </a:pPr>
+            <a:r>
+              <a:rPr lang="pt-BR" sz="1400" dirty="0" smtClean="0"/>
+              <a:t>Portanto, podemos criar um procedimento que vá iterativamente em direção ao máximo da função.</a:t>
+            </a:r>
+            <a:endParaRPr lang="pt-BR" sz="1400" dirty="0"/>
+          </a:p>
+        </p:txBody>
+      </p:sp>
     </p:spTree>
     <p:extLst>
       <p:ext uri="{BB962C8B-B14F-4D97-AF65-F5344CB8AC3E}">
-        <p14:creationId xmlns:p14="http://schemas.microsoft.com/office/powerpoint/2010/main" val="2261244498"/>
+        <p14:creationId xmlns:p14="http://schemas.microsoft.com/office/powerpoint/2010/main" val="2389215270"/>
       </p:ext>
     </p:extLst>
   </p:cSld>
@@ -15118,7 +15870,7 @@
 </p:sld>
 </file>
 
-<file path=ppt/slides/slide4.xml><?xml version="1.0" encoding="utf-8"?>
+<file path=ppt/slides/slide5.xml><?xml version="1.0" encoding="utf-8"?>
 <p:sld xmlns:a="http://schemas.openxmlformats.org/drawingml/2006/main" xmlns:r="http://schemas.openxmlformats.org/officeDocument/2006/relationships" xmlns:p="http://schemas.openxmlformats.org/presentationml/2006/main">
   <p:cSld>
     <p:spTree>
@@ -15163,8 +15915,8 @@
           </a:p>
         </p:txBody>
       </p:sp>
-      <mc:AlternateContent xmlns:mc="http://schemas.openxmlformats.org/markup-compatibility/2006" xmlns:a14="http://schemas.microsoft.com/office/drawing/2010/main">
-        <mc:Choice Requires="a14">
+      <mc:AlternateContent xmlns:mc="http://schemas.openxmlformats.org/markup-compatibility/2006">
+        <mc:Choice xmlns:a14="http://schemas.microsoft.com/office/drawing/2010/main" Requires="a14">
           <p:sp>
             <p:nvSpPr>
               <p:cNvPr id="3" name="Content Placeholder 2"/>
@@ -15177,31 +15929,51 @@
             </p:nvSpPr>
             <p:spPr>
               <a:xfrm>
-                <a:off x="838200" y="2039070"/>
-                <a:ext cx="11186160" cy="4757969"/>
+                <a:off x="838201" y="2191654"/>
+                <a:ext cx="11165114" cy="4659088"/>
               </a:xfrm>
             </p:spPr>
             <p:txBody>
               <a:bodyPr>
-                <a:normAutofit fontScale="92500" lnSpcReduction="10000"/>
+                <a:normAutofit fontScale="92500" lnSpcReduction="20000"/>
               </a:bodyPr>
               <a:lstStyle/>
               <a:p>
                 <a:r>
+                  <a:rPr lang="pt-BR" dirty="0"/>
+                  <a:t>A </a:t>
+                </a:r>
+                <a:r>
+                  <a:rPr lang="pt-BR" b="1" i="1" dirty="0"/>
+                  <a:t>derivada parcial </a:t>
+                </a:r>
+                <a:r>
+                  <a:rPr lang="pt-BR" dirty="0"/>
+                  <a:t>dá a </a:t>
+                </a:r>
+                <a:r>
+                  <a:rPr lang="pt-BR" b="1" i="1" dirty="0"/>
+                  <a:t>inclinação</a:t>
+                </a:r>
+                <a:r>
+                  <a:rPr lang="pt-BR" dirty="0"/>
+                  <a:t> da reta tangente </a:t>
+                </a:r>
+                <a:r>
                   <a:rPr lang="pt-BR" dirty="0" smtClean="0"/>
-                  <a:t>Em </a:t>
-                </a:r>
-                <a:r>
-                  <a:rPr lang="pt-BR" dirty="0"/>
-                  <a:t>um </a:t>
-                </a:r>
-                <a:r>
-                  <a:rPr lang="pt-BR" b="1" i="1" dirty="0"/>
-                  <a:t>ponto </a:t>
+                  <a:t>a um </a:t>
                 </a:r>
                 <a:r>
                   <a:rPr lang="pt-BR" b="1" i="1" dirty="0" smtClean="0"/>
-                  <a:t>específico</a:t>
+                  <a:t>ponto específico</a:t>
+                </a:r>
+                <a:r>
+                  <a:rPr lang="pt-BR" dirty="0" smtClean="0"/>
+                  <a:t>. Assim, neste </a:t>
+                </a:r>
+                <a:r>
+                  <a:rPr lang="pt-BR" b="1" i="1" dirty="0" smtClean="0"/>
+                  <a:t>ponto específico</a:t>
                 </a:r>
                 <a:r>
                   <a:rPr lang="pt-BR" dirty="0" smtClean="0"/>
@@ -15219,23 +15991,18 @@
               </a:p>
               <a:p>
                 <a:pPr lvl="1">
-                  <a:buFont typeface="Courier New" panose="02070309020205020404" pitchFamily="49" charset="0"/>
-                  <a:buChar char="o"/>
+                  <a:buFont typeface="Wingdings" panose="05000000000000000000" pitchFamily="2" charset="2"/>
+                  <a:buChar char="§"/>
                 </a:pPr>
                 <a:r>
                   <a:rPr lang="pt-BR" dirty="0" smtClean="0"/>
-                  <a:t>+ (inclinação positiva) significa que o ponto de máximo esta à </a:t>
-                </a:r>
-                <a:r>
-                  <a:rPr lang="pt-BR" dirty="0"/>
-                  <a:t>frente. </a:t>
-                </a:r>
-                <a:endParaRPr lang="pt-BR" dirty="0" smtClean="0"/>
+                  <a:t>+ (inclinação positiva) indica que o ponto de máximo esta à frente do ponto. </a:t>
+                </a:r>
               </a:p>
               <a:p>
                 <a:pPr lvl="1">
-                  <a:buFont typeface="Courier New" panose="02070309020205020404" pitchFamily="49" charset="0"/>
-                  <a:buChar char="o"/>
+                  <a:buFont typeface="Wingdings" panose="05000000000000000000" pitchFamily="2" charset="2"/>
+                  <a:buChar char="§"/>
                 </a:pPr>
                 <a:r>
                   <a:rPr lang="pt-BR" dirty="0"/>
@@ -15247,17 +16014,17 @@
                 </a:r>
                 <a:r>
                   <a:rPr lang="pt-BR" dirty="0"/>
-                  <a:t>significa </a:t>
+                  <a:t>indica que </a:t>
                 </a:r>
                 <a:r>
                   <a:rPr lang="pt-BR" dirty="0" smtClean="0"/>
-                  <a:t>que o ponto de máximo está atrás.</a:t>
+                  <a:t>o ponto de máximo está atrás do ponto.</a:t>
                 </a:r>
               </a:p>
               <a:p>
                 <a:pPr lvl="1">
-                  <a:buFont typeface="Courier New" panose="02070309020205020404" pitchFamily="49" charset="0"/>
-                  <a:buChar char="o"/>
+                  <a:buFont typeface="Wingdings" panose="05000000000000000000" pitchFamily="2" charset="2"/>
+                  <a:buChar char="§"/>
                 </a:pPr>
                 <a:r>
                   <a:rPr lang="pt-BR" dirty="0"/>
@@ -15269,11 +16036,11 @@
                 </a:r>
                 <a:r>
                   <a:rPr lang="pt-BR" dirty="0"/>
-                  <a:t>significa </a:t>
+                  <a:t>indica que </a:t>
                 </a:r>
                 <a:r>
                   <a:rPr lang="pt-BR" dirty="0" smtClean="0"/>
-                  <a:t>que ponto </a:t>
+                  <a:t>ponto </a:t>
                 </a:r>
                 <a:r>
                   <a:rPr lang="pt-BR" dirty="0"/>
@@ -15440,7 +16207,50 @@
                 </a14:m>
                 <a:r>
                   <a:rPr lang="pt-BR" dirty="0" smtClean="0"/>
-                  <a:t> ou </a:t>
+                  <a:t>. </a:t>
+                </a:r>
+                <a:endParaRPr lang="pt-BR" dirty="0"/>
+              </a:p>
+              <a:p>
+                <a:r>
+                  <a:rPr lang="pt-BR" dirty="0"/>
+                  <a:t>Assim, </a:t>
+                </a:r>
+                <a:r>
+                  <a:rPr lang="pt-BR" dirty="0" smtClean="0"/>
+                  <a:t>um </a:t>
+                </a:r>
+                <a:r>
+                  <a:rPr lang="pt-BR" dirty="0"/>
+                  <a:t>algoritmo de otimização </a:t>
+                </a:r>
+                <a:r>
+                  <a:rPr lang="pt-BR" b="1" i="1" dirty="0"/>
+                  <a:t>iterativo</a:t>
+                </a:r>
+                <a:r>
+                  <a:rPr lang="pt-BR" dirty="0"/>
+                  <a:t> </a:t>
+                </a:r>
+                <a:r>
+                  <a:rPr lang="pt-BR" dirty="0" smtClean="0"/>
+                  <a:t>que siga a direção indicada pelo </a:t>
+                </a:r>
+                <a:r>
+                  <a:rPr lang="pt-BR" b="1" i="1" dirty="0" smtClean="0"/>
+                  <a:t>vetor gradient</a:t>
+                </a:r>
+                <a:r>
+                  <a:rPr lang="pt-BR" dirty="0" smtClean="0"/>
+                  <a:t>e para encontrar o </a:t>
+                </a:r>
+                <a:r>
+                  <a:rPr lang="pt-BR" b="1" i="1" dirty="0" smtClean="0"/>
+                  <a:t>ponto de máximo </a:t>
+                </a:r>
+                <a:r>
+                  <a:rPr lang="pt-BR" dirty="0" smtClean="0"/>
+                  <a:t>de uma função </a:t>
                 </a:r>
                 <a14:m>
                   <m:oMath xmlns:m="http://schemas.openxmlformats.org/officeDocument/2006/math">
@@ -15459,62 +16269,126 @@
                         </m:ctrlPr>
                       </m:dPr>
                       <m:e>
+                        <m:sSub>
+                          <m:sSubPr>
+                            <m:ctrlPr>
+                              <a:rPr lang="pt-BR" i="1">
+                                <a:latin typeface="Cambria Math" panose="02040503050406030204" pitchFamily="18" charset="0"/>
+                              </a:rPr>
+                            </m:ctrlPr>
+                          </m:sSubPr>
+                          <m:e>
+                            <m:r>
+                              <a:rPr lang="pt-BR" i="1">
+                                <a:latin typeface="Cambria Math" panose="02040503050406030204" pitchFamily="18" charset="0"/>
+                              </a:rPr>
+                              <m:t>𝑥</m:t>
+                            </m:r>
+                          </m:e>
+                          <m:sub>
+                            <m:r>
+                              <a:rPr lang="pt-BR" i="1">
+                                <a:latin typeface="Cambria Math" panose="02040503050406030204" pitchFamily="18" charset="0"/>
+                              </a:rPr>
+                              <m:t>0</m:t>
+                            </m:r>
+                          </m:sub>
+                        </m:sSub>
                         <m:r>
-                          <a:rPr lang="pt-BR" b="1" i="1">
+                          <a:rPr lang="pt-BR" i="1">
                             <a:latin typeface="Cambria Math" panose="02040503050406030204" pitchFamily="18" charset="0"/>
                           </a:rPr>
-                          <m:t>𝒙</m:t>
+                          <m:t>,</m:t>
                         </m:r>
+                        <m:sSub>
+                          <m:sSubPr>
+                            <m:ctrlPr>
+                              <a:rPr lang="pt-BR" i="1">
+                                <a:latin typeface="Cambria Math" panose="02040503050406030204" pitchFamily="18" charset="0"/>
+                              </a:rPr>
+                            </m:ctrlPr>
+                          </m:sSubPr>
+                          <m:e>
+                            <m:r>
+                              <a:rPr lang="pt-BR" i="1">
+                                <a:latin typeface="Cambria Math" panose="02040503050406030204" pitchFamily="18" charset="0"/>
+                              </a:rPr>
+                              <m:t>𝑥</m:t>
+                            </m:r>
+                          </m:e>
+                          <m:sub>
+                            <m:r>
+                              <a:rPr lang="pt-BR" i="1">
+                                <a:latin typeface="Cambria Math" panose="02040503050406030204" pitchFamily="18" charset="0"/>
+                              </a:rPr>
+                              <m:t>1</m:t>
+                            </m:r>
+                          </m:sub>
+                        </m:sSub>
+                        <m:r>
+                          <a:rPr lang="pt-BR" i="1">
+                            <a:latin typeface="Cambria Math" panose="02040503050406030204" pitchFamily="18" charset="0"/>
+                          </a:rPr>
+                          <m:t>,…,</m:t>
+                        </m:r>
+                        <m:sSub>
+                          <m:sSubPr>
+                            <m:ctrlPr>
+                              <a:rPr lang="pt-BR" i="1">
+                                <a:latin typeface="Cambria Math" panose="02040503050406030204" pitchFamily="18" charset="0"/>
+                              </a:rPr>
+                            </m:ctrlPr>
+                          </m:sSubPr>
+                          <m:e>
+                            <m:r>
+                              <a:rPr lang="pt-BR" i="1">
+                                <a:latin typeface="Cambria Math" panose="02040503050406030204" pitchFamily="18" charset="0"/>
+                              </a:rPr>
+                              <m:t>𝑥</m:t>
+                            </m:r>
+                          </m:e>
+                          <m:sub>
+                            <m:r>
+                              <a:rPr lang="pt-BR" i="1">
+                                <a:latin typeface="Cambria Math" panose="02040503050406030204" pitchFamily="18" charset="0"/>
+                              </a:rPr>
+                              <m:t>𝐾</m:t>
+                            </m:r>
+                          </m:sub>
+                        </m:sSub>
                       </m:e>
                     </m:d>
                   </m:oMath>
                 </a14:m>
                 <a:r>
+                  <a:rPr lang="pt-BR" dirty="0"/>
+                  <a:t> é conhecido como </a:t>
+                </a:r>
+                <a:r>
+                  <a:rPr lang="pt-BR" b="1" i="1" dirty="0"/>
+                  <a:t>gradiente </a:t>
+                </a:r>
+                <a:r>
+                  <a:rPr lang="pt-BR" b="1" i="1" dirty="0" smtClean="0"/>
+                  <a:t>ascendente</a:t>
+                </a:r>
+                <a:r>
                   <a:rPr lang="pt-BR" dirty="0" smtClean="0"/>
-                  <a:t> em forma vetorial. </a:t>
-                </a:r>
-                <a:endParaRPr lang="pt-BR" dirty="0"/>
+                  <a:t>.</a:t>
+                </a:r>
               </a:p>
               <a:p>
                 <a:r>
-                  <a:rPr lang="pt-BR" dirty="0"/>
-                  <a:t>Assim, </a:t>
-                </a:r>
-                <a:r>
                   <a:rPr lang="pt-BR" dirty="0" smtClean="0"/>
-                  <a:t>um </a:t>
-                </a:r>
-                <a:r>
-                  <a:rPr lang="pt-BR" dirty="0"/>
-                  <a:t>algoritmo de otimização </a:t>
-                </a:r>
-                <a:r>
-                  <a:rPr lang="pt-BR" b="1" i="1" dirty="0"/>
-                  <a:t>iterativo</a:t>
-                </a:r>
-                <a:r>
-                  <a:rPr lang="pt-BR" dirty="0"/>
-                  <a:t> </a:t>
+                  <a:t>A cada </a:t>
+                </a:r>
+                <a:r>
+                  <a:rPr lang="pt-BR" b="1" i="1" dirty="0" smtClean="0"/>
+                  <a:t>iteração</a:t>
                 </a:r>
                 <a:r>
                   <a:rPr lang="pt-BR" dirty="0" smtClean="0"/>
-                  <a:t>que siga a direção indicada pelo </a:t>
-                </a:r>
-                <a:r>
-                  <a:rPr lang="pt-BR" b="1" i="1" dirty="0" smtClean="0"/>
-                  <a:t>vetor gradiente</a:t>
-                </a:r>
-                <a:r>
-                  <a:rPr lang="pt-BR" dirty="0" smtClean="0"/>
-                  <a:t> para encontrar o </a:t>
-                </a:r>
-                <a:r>
-                  <a:rPr lang="pt-BR" b="1" i="1" dirty="0" smtClean="0"/>
-                  <a:t>ponto de máximo </a:t>
-                </a:r>
-                <a:r>
-                  <a:rPr lang="pt-BR" dirty="0" smtClean="0"/>
-                  <a:t>de uma função </a:t>
+                  <a:t>, </a:t>
                 </a:r>
                 <a14:m>
                   <m:oMath xmlns:m="http://schemas.openxmlformats.org/officeDocument/2006/math">
@@ -15522,48 +16396,17 @@
                       <a:rPr lang="pt-BR" i="1">
                         <a:latin typeface="Cambria Math" panose="02040503050406030204" pitchFamily="18" charset="0"/>
                       </a:rPr>
-                      <m:t>𝑓</m:t>
+                      <m:t>𝑙</m:t>
                     </m:r>
-                    <m:d>
-                      <m:dPr>
-                        <m:ctrlPr>
-                          <a:rPr lang="pt-BR" i="1">
-                            <a:latin typeface="Cambria Math" panose="02040503050406030204" pitchFamily="18" charset="0"/>
-                          </a:rPr>
-                        </m:ctrlPr>
-                      </m:dPr>
-                      <m:e>
-                        <m:r>
-                          <a:rPr lang="pt-BR" b="1" i="1">
-                            <a:latin typeface="Cambria Math" panose="02040503050406030204" pitchFamily="18" charset="0"/>
-                          </a:rPr>
-                          <m:t>𝒙</m:t>
-                        </m:r>
-                      </m:e>
-                    </m:d>
                   </m:oMath>
                 </a14:m>
                 <a:r>
-                  <a:rPr lang="pt-BR" dirty="0"/>
-                  <a:t> é conhecido como </a:t>
-                </a:r>
-                <a:r>
-                  <a:rPr lang="pt-BR" b="1" i="1" dirty="0"/>
-                  <a:t>gradiente </a:t>
-                </a:r>
-                <a:r>
-                  <a:rPr lang="pt-BR" b="1" i="1" dirty="0" smtClean="0"/>
-                  <a:t>ascendente</a:t>
-                </a:r>
-                <a:r>
                   <a:rPr lang="pt-BR" dirty="0" smtClean="0"/>
-                  <a:t>.</a:t>
-                </a:r>
-              </a:p>
-              <a:p>
+                  <a:t>, </a:t>
+                </a:r>
                 <a:r>
                   <a:rPr lang="pt-BR" dirty="0" smtClean="0"/>
-                  <a:t>A cada iteração, o algoritmo calcula o </a:t>
+                  <a:t>calcula-se o </a:t>
                 </a:r>
                 <a:r>
                   <a:rPr lang="pt-BR" b="1" i="1" dirty="0" smtClean="0"/>
@@ -15639,7 +16482,7 @@
                 </a14:m>
                 <a:r>
                   <a:rPr lang="pt-BR" dirty="0" smtClean="0"/>
-                  <a:t>, e atualiza os valores dos argumentos da função de tal forma, que a cada </a:t>
+                  <a:t>, e atualiza-se os valores dos argumentos da função de tal forma, que a cada </a:t>
                 </a:r>
                 <a:r>
                   <a:rPr lang="pt-BR" b="1" i="1" dirty="0" smtClean="0"/>
@@ -15716,7 +16559,7 @@
                       <m:d>
                         <m:dPr>
                           <m:ctrlPr>
-                            <a:rPr lang="pt-BR" i="1">
+                            <a:rPr lang="pt-BR" i="1" smtClean="0">
                               <a:latin typeface="Cambria Math" panose="02040503050406030204" pitchFamily="18" charset="0"/>
                             </a:rPr>
                           </m:ctrlPr>
@@ -15745,6 +16588,13 @@
                               <a:latin typeface="Cambria Math" panose="02040503050406030204" pitchFamily="18" charset="0"/>
                             </a:rPr>
                             <m:t>)+</m:t>
+                          </m:r>
+                          <m:r>
+                            <a:rPr lang="pt-BR" b="0" i="1" smtClean="0">
+                              <a:latin typeface="Cambria Math" panose="02040503050406030204" pitchFamily="18" charset="0"/>
+                              <a:ea typeface="Cambria Math" panose="02040503050406030204" pitchFamily="18" charset="0"/>
+                            </a:rPr>
+                            <m:t>𝛼</m:t>
                           </m:r>
                           <m:r>
                             <a:rPr lang="pt-BR" i="1">
@@ -15871,7 +16721,7 @@
             </p:txBody>
           </p:sp>
         </mc:Choice>
-        <mc:Fallback xmlns="">
+        <mc:Fallback>
           <p:sp>
             <p:nvSpPr>
               <p:cNvPr id="3" name="Content Placeholder 2"/>
@@ -15884,13 +16734,13 @@
             </p:nvSpPr>
             <p:spPr>
               <a:xfrm>
-                <a:off x="838200" y="2039070"/>
-                <a:ext cx="11186160" cy="4757969"/>
+                <a:off x="838201" y="2191654"/>
+                <a:ext cx="11165114" cy="4659088"/>
               </a:xfrm>
               <a:blipFill rotWithShape="0">
                 <a:blip r:embed="rId3"/>
                 <a:stretch>
-                  <a:fillRect l="-872" t="-2561"/>
+                  <a:fillRect l="-874" t="-3403" r="-1311"/>
                 </a:stretch>
               </a:blipFill>
             </p:spPr>
@@ -15917,7 +16767,7 @@
         </p:nvSpPr>
         <p:spPr>
           <a:xfrm>
-            <a:off x="8794388" y="326115"/>
+            <a:off x="9320626" y="234486"/>
             <a:ext cx="2423246" cy="362551"/>
           </a:xfrm>
           <a:prstGeom prst="rect">
@@ -15954,8 +16804,8 @@
         </p:nvSpPr>
         <p:spPr>
           <a:xfrm>
-            <a:off x="9408544" y="2408402"/>
-            <a:ext cx="300478" cy="1036320"/>
+            <a:off x="10163997" y="2838298"/>
+            <a:ext cx="260221" cy="861939"/>
           </a:xfrm>
           <a:prstGeom prst="rightBrace">
             <a:avLst/>
@@ -15997,8 +16847,8 @@
         </p:nvSpPr>
         <p:spPr>
           <a:xfrm>
-            <a:off x="9802628" y="2741896"/>
-            <a:ext cx="1333500" cy="369332"/>
+            <a:off x="10358647" y="3084907"/>
+            <a:ext cx="1333500" cy="338554"/>
           </a:xfrm>
           <a:prstGeom prst="rect">
             <a:avLst/>
@@ -16011,15 +16861,16 @@
           </a:bodyPr>
           <a:lstStyle/>
           <a:p>
-            <a:r>
-              <a:rPr lang="pt-BR" b="1" dirty="0" smtClean="0">
+            <a:pPr algn="ctr"/>
+            <a:r>
+              <a:rPr lang="pt-BR" sz="1600" b="1" dirty="0" smtClean="0">
                 <a:solidFill>
                   <a:srgbClr val="FF0000"/>
                 </a:solidFill>
               </a:rPr>
               <a:t>Importante</a:t>
             </a:r>
-            <a:endParaRPr lang="pt-BR" b="1" dirty="0">
+            <a:endParaRPr lang="pt-BR" sz="1600" b="1" dirty="0">
               <a:solidFill>
                 <a:srgbClr val="FF0000"/>
               </a:solidFill>
@@ -16048,77 +16899,18 @@
         </p:blipFill>
         <p:spPr>
           <a:xfrm>
-            <a:off x="6442261" y="15337"/>
-            <a:ext cx="3824944" cy="2054213"/>
+            <a:off x="7101114" y="21416"/>
+            <a:ext cx="4122058" cy="2213780"/>
           </a:xfrm>
           <a:prstGeom prst="rect">
             <a:avLst/>
           </a:prstGeom>
         </p:spPr>
       </p:pic>
-      <p:sp>
-        <p:nvSpPr>
-          <p:cNvPr id="5" name="Rectangle 4"/>
-          <p:cNvSpPr/>
-          <p:nvPr/>
-        </p:nvSpPr>
-        <p:spPr>
-          <a:xfrm>
-            <a:off x="10342697" y="1253283"/>
-            <a:ext cx="1749873" cy="738664"/>
-          </a:xfrm>
-          <a:prstGeom prst="rect">
-            <a:avLst/>
-          </a:prstGeom>
-        </p:spPr>
-        <p:txBody>
-          <a:bodyPr wrap="square">
-            <a:spAutoFit/>
-          </a:bodyPr>
-          <a:lstStyle/>
-          <a:p>
-            <a:pPr lvl="0" algn="ctr">
-              <a:defRPr/>
-            </a:pPr>
-            <a:r>
-              <a:rPr lang="pt-BR" sz="1400" dirty="0"/>
-              <a:t>A </a:t>
-            </a:r>
-            <a:r>
-              <a:rPr lang="pt-BR" sz="1400" b="1" i="1" dirty="0"/>
-              <a:t>derivada parcial </a:t>
-            </a:r>
-            <a:r>
-              <a:rPr lang="pt-BR" sz="1400" dirty="0" smtClean="0"/>
-              <a:t>dá </a:t>
-            </a:r>
-            <a:r>
-              <a:rPr lang="pt-BR" sz="1400" dirty="0"/>
-              <a:t>a </a:t>
-            </a:r>
-            <a:r>
-              <a:rPr lang="pt-BR" sz="1400" b="1" i="1" dirty="0"/>
-              <a:t>inclinação</a:t>
-            </a:r>
-            <a:r>
-              <a:rPr lang="pt-BR" sz="1400" dirty="0"/>
-              <a:t> da </a:t>
-            </a:r>
-            <a:r>
-              <a:rPr lang="pt-BR" sz="1400" b="1" i="1" dirty="0"/>
-              <a:t>reta tangente</a:t>
-            </a:r>
-            <a:r>
-              <a:rPr lang="pt-BR" sz="1400" dirty="0"/>
-              <a:t> ao ponto.</a:t>
-            </a:r>
-          </a:p>
-        </p:txBody>
-      </p:sp>
     </p:spTree>
     <p:extLst>
       <p:ext uri="{BB962C8B-B14F-4D97-AF65-F5344CB8AC3E}">
-        <p14:creationId xmlns:p14="http://schemas.microsoft.com/office/powerpoint/2010/main" val="1287215701"/>
+        <p14:creationId xmlns:p14="http://schemas.microsoft.com/office/powerpoint/2010/main" val="3703955231"/>
       </p:ext>
     </p:extLst>
   </p:cSld>
@@ -16135,7 +16927,7 @@
 </p:sld>
 </file>
 
-<file path=ppt/slides/slide5.xml><?xml version="1.0" encoding="utf-8"?>
+<file path=ppt/slides/slide6.xml><?xml version="1.0" encoding="utf-8"?>
 <p:sld xmlns:a="http://schemas.openxmlformats.org/drawingml/2006/main" xmlns:r="http://schemas.openxmlformats.org/officeDocument/2006/relationships" xmlns:p="http://schemas.openxmlformats.org/presentationml/2006/main">
   <p:cSld>
     <p:spTree>
@@ -16188,27 +16980,19 @@
             </p:nvSpPr>
             <p:spPr>
               <a:xfrm>
-                <a:off x="838200" y="2109342"/>
-                <a:ext cx="11170920" cy="4748658"/>
+                <a:off x="838200" y="2033142"/>
+                <a:ext cx="11170920" cy="4824858"/>
               </a:xfrm>
             </p:spPr>
             <p:txBody>
               <a:bodyPr>
-                <a:normAutofit lnSpcReduction="10000"/>
+                <a:normAutofit fontScale="92500"/>
               </a:bodyPr>
               <a:lstStyle/>
               <a:p>
                 <a:r>
                   <a:rPr lang="pt-BR" dirty="0" smtClean="0"/>
-                  <a:t>Mas e se formos na </a:t>
-                </a:r>
-                <a:r>
-                  <a:rPr lang="pt-BR" b="1" i="1" dirty="0" smtClean="0"/>
-                  <a:t>direção contrária </a:t>
-                </a:r>
-                <a:r>
-                  <a:rPr lang="pt-BR" dirty="0" smtClean="0"/>
-                  <a:t>a </a:t>
+                  <a:t>Mas e se formos na direção contrária a </a:t>
                 </a:r>
                 <a:r>
                   <a:rPr lang="pt-BR" dirty="0"/>
@@ -16253,12 +17037,93 @@
                       </a:rPr>
                       <m:t>(</m:t>
                     </m:r>
+                    <m:sSub>
+                      <m:sSubPr>
+                        <m:ctrlPr>
+                          <a:rPr lang="pt-BR" i="1">
+                            <a:latin typeface="Cambria Math" panose="02040503050406030204" pitchFamily="18" charset="0"/>
+                          </a:rPr>
+                        </m:ctrlPr>
+                      </m:sSubPr>
+                      <m:e>
+                        <m:r>
+                          <a:rPr lang="pt-BR" i="1">
+                            <a:latin typeface="Cambria Math" panose="02040503050406030204" pitchFamily="18" charset="0"/>
+                          </a:rPr>
+                          <m:t>𝑥</m:t>
+                        </m:r>
+                      </m:e>
+                      <m:sub>
+                        <m:r>
+                          <a:rPr lang="pt-BR" i="1">
+                            <a:latin typeface="Cambria Math" panose="02040503050406030204" pitchFamily="18" charset="0"/>
+                          </a:rPr>
+                          <m:t>0</m:t>
+                        </m:r>
+                      </m:sub>
+                    </m:sSub>
                     <m:r>
-                      <a:rPr lang="pt-BR" b="1" i="1" smtClean="0">
+                      <a:rPr lang="pt-BR" i="1">
                         <a:latin typeface="Cambria Math" panose="02040503050406030204" pitchFamily="18" charset="0"/>
                       </a:rPr>
-                      <m:t>𝒙</m:t>
+                      <m:t>,</m:t>
                     </m:r>
+                    <m:sSub>
+                      <m:sSubPr>
+                        <m:ctrlPr>
+                          <a:rPr lang="pt-BR" i="1">
+                            <a:latin typeface="Cambria Math" panose="02040503050406030204" pitchFamily="18" charset="0"/>
+                          </a:rPr>
+                        </m:ctrlPr>
+                      </m:sSubPr>
+                      <m:e>
+                        <m:r>
+                          <a:rPr lang="pt-BR" i="1">
+                            <a:latin typeface="Cambria Math" panose="02040503050406030204" pitchFamily="18" charset="0"/>
+                          </a:rPr>
+                          <m:t>𝑥</m:t>
+                        </m:r>
+                      </m:e>
+                      <m:sub>
+                        <m:r>
+                          <a:rPr lang="pt-BR" i="1">
+                            <a:latin typeface="Cambria Math" panose="02040503050406030204" pitchFamily="18" charset="0"/>
+                          </a:rPr>
+                          <m:t>1</m:t>
+                        </m:r>
+                      </m:sub>
+                    </m:sSub>
+                    <m:r>
+                      <a:rPr lang="pt-BR" i="1">
+                        <a:latin typeface="Cambria Math" panose="02040503050406030204" pitchFamily="18" charset="0"/>
+                      </a:rPr>
+                      <m:t>,…,</m:t>
+                    </m:r>
+                    <m:sSub>
+                      <m:sSubPr>
+                        <m:ctrlPr>
+                          <a:rPr lang="pt-BR" i="1">
+                            <a:latin typeface="Cambria Math" panose="02040503050406030204" pitchFamily="18" charset="0"/>
+                          </a:rPr>
+                        </m:ctrlPr>
+                      </m:sSubPr>
+                      <m:e>
+                        <m:r>
+                          <a:rPr lang="pt-BR" i="1">
+                            <a:latin typeface="Cambria Math" panose="02040503050406030204" pitchFamily="18" charset="0"/>
+                          </a:rPr>
+                          <m:t>𝑥</m:t>
+                        </m:r>
+                      </m:e>
+                      <m:sub>
+                        <m:r>
+                          <a:rPr lang="pt-BR" i="1">
+                            <a:latin typeface="Cambria Math" panose="02040503050406030204" pitchFamily="18" charset="0"/>
+                          </a:rPr>
+                          <m:t>𝐾</m:t>
+                        </m:r>
+                      </m:sub>
+                    </m:sSub>
                     <m:r>
                       <a:rPr lang="pt-BR" i="1">
                         <a:latin typeface="Cambria Math" panose="02040503050406030204" pitchFamily="18" charset="0"/>
@@ -16302,12 +17167,93 @@
                       </a:rPr>
                       <m:t>(</m:t>
                     </m:r>
+                    <m:sSub>
+                      <m:sSubPr>
+                        <m:ctrlPr>
+                          <a:rPr lang="pt-BR" i="1">
+                            <a:latin typeface="Cambria Math" panose="02040503050406030204" pitchFamily="18" charset="0"/>
+                          </a:rPr>
+                        </m:ctrlPr>
+                      </m:sSubPr>
+                      <m:e>
+                        <m:r>
+                          <a:rPr lang="pt-BR" i="1">
+                            <a:latin typeface="Cambria Math" panose="02040503050406030204" pitchFamily="18" charset="0"/>
+                          </a:rPr>
+                          <m:t>𝑥</m:t>
+                        </m:r>
+                      </m:e>
+                      <m:sub>
+                        <m:r>
+                          <a:rPr lang="pt-BR" i="1">
+                            <a:latin typeface="Cambria Math" panose="02040503050406030204" pitchFamily="18" charset="0"/>
+                          </a:rPr>
+                          <m:t>0</m:t>
+                        </m:r>
+                      </m:sub>
+                    </m:sSub>
                     <m:r>
-                      <a:rPr lang="pt-BR" b="1" i="1" smtClean="0">
+                      <a:rPr lang="pt-BR" i="1">
                         <a:latin typeface="Cambria Math" panose="02040503050406030204" pitchFamily="18" charset="0"/>
                       </a:rPr>
-                      <m:t>𝒙</m:t>
+                      <m:t>,</m:t>
                     </m:r>
+                    <m:sSub>
+                      <m:sSubPr>
+                        <m:ctrlPr>
+                          <a:rPr lang="pt-BR" i="1">
+                            <a:latin typeface="Cambria Math" panose="02040503050406030204" pitchFamily="18" charset="0"/>
+                          </a:rPr>
+                        </m:ctrlPr>
+                      </m:sSubPr>
+                      <m:e>
+                        <m:r>
+                          <a:rPr lang="pt-BR" i="1">
+                            <a:latin typeface="Cambria Math" panose="02040503050406030204" pitchFamily="18" charset="0"/>
+                          </a:rPr>
+                          <m:t>𝑥</m:t>
+                        </m:r>
+                      </m:e>
+                      <m:sub>
+                        <m:r>
+                          <a:rPr lang="pt-BR" i="1">
+                            <a:latin typeface="Cambria Math" panose="02040503050406030204" pitchFamily="18" charset="0"/>
+                          </a:rPr>
+                          <m:t>1</m:t>
+                        </m:r>
+                      </m:sub>
+                    </m:sSub>
+                    <m:r>
+                      <a:rPr lang="pt-BR" i="1">
+                        <a:latin typeface="Cambria Math" panose="02040503050406030204" pitchFamily="18" charset="0"/>
+                      </a:rPr>
+                      <m:t>,…,</m:t>
+                    </m:r>
+                    <m:sSub>
+                      <m:sSubPr>
+                        <m:ctrlPr>
+                          <a:rPr lang="pt-BR" i="1">
+                            <a:latin typeface="Cambria Math" panose="02040503050406030204" pitchFamily="18" charset="0"/>
+                          </a:rPr>
+                        </m:ctrlPr>
+                      </m:sSubPr>
+                      <m:e>
+                        <m:r>
+                          <a:rPr lang="pt-BR" i="1">
+                            <a:latin typeface="Cambria Math" panose="02040503050406030204" pitchFamily="18" charset="0"/>
+                          </a:rPr>
+                          <m:t>𝑥</m:t>
+                        </m:r>
+                      </m:e>
+                      <m:sub>
+                        <m:r>
+                          <a:rPr lang="pt-BR" i="1">
+                            <a:latin typeface="Cambria Math" panose="02040503050406030204" pitchFamily="18" charset="0"/>
+                          </a:rPr>
+                          <m:t>𝐾</m:t>
+                        </m:r>
+                      </m:sub>
+                    </m:sSub>
                     <m:r>
                       <a:rPr lang="pt-BR" i="1">
                         <a:latin typeface="Cambria Math" panose="02040503050406030204" pitchFamily="18" charset="0"/>
@@ -16357,12 +17303,93 @@
                       </a:rPr>
                       <m:t>(</m:t>
                     </m:r>
+                    <m:sSub>
+                      <m:sSubPr>
+                        <m:ctrlPr>
+                          <a:rPr lang="pt-BR" i="1">
+                            <a:latin typeface="Cambria Math" panose="02040503050406030204" pitchFamily="18" charset="0"/>
+                          </a:rPr>
+                        </m:ctrlPr>
+                      </m:sSubPr>
+                      <m:e>
+                        <m:r>
+                          <a:rPr lang="pt-BR" i="1">
+                            <a:latin typeface="Cambria Math" panose="02040503050406030204" pitchFamily="18" charset="0"/>
+                          </a:rPr>
+                          <m:t>𝑥</m:t>
+                        </m:r>
+                      </m:e>
+                      <m:sub>
+                        <m:r>
+                          <a:rPr lang="pt-BR" i="1">
+                            <a:latin typeface="Cambria Math" panose="02040503050406030204" pitchFamily="18" charset="0"/>
+                          </a:rPr>
+                          <m:t>0</m:t>
+                        </m:r>
+                      </m:sub>
+                    </m:sSub>
                     <m:r>
-                      <a:rPr lang="pt-BR" b="1" i="1" smtClean="0">
+                      <a:rPr lang="pt-BR" i="1">
                         <a:latin typeface="Cambria Math" panose="02040503050406030204" pitchFamily="18" charset="0"/>
                       </a:rPr>
-                      <m:t>𝒙</m:t>
+                      <m:t>,</m:t>
                     </m:r>
+                    <m:sSub>
+                      <m:sSubPr>
+                        <m:ctrlPr>
+                          <a:rPr lang="pt-BR" i="1">
+                            <a:latin typeface="Cambria Math" panose="02040503050406030204" pitchFamily="18" charset="0"/>
+                          </a:rPr>
+                        </m:ctrlPr>
+                      </m:sSubPr>
+                      <m:e>
+                        <m:r>
+                          <a:rPr lang="pt-BR" i="1">
+                            <a:latin typeface="Cambria Math" panose="02040503050406030204" pitchFamily="18" charset="0"/>
+                          </a:rPr>
+                          <m:t>𝑥</m:t>
+                        </m:r>
+                      </m:e>
+                      <m:sub>
+                        <m:r>
+                          <a:rPr lang="pt-BR" i="1">
+                            <a:latin typeface="Cambria Math" panose="02040503050406030204" pitchFamily="18" charset="0"/>
+                          </a:rPr>
+                          <m:t>1</m:t>
+                        </m:r>
+                      </m:sub>
+                    </m:sSub>
+                    <m:r>
+                      <a:rPr lang="pt-BR" i="1">
+                        <a:latin typeface="Cambria Math" panose="02040503050406030204" pitchFamily="18" charset="0"/>
+                      </a:rPr>
+                      <m:t>,…,</m:t>
+                    </m:r>
+                    <m:sSub>
+                      <m:sSubPr>
+                        <m:ctrlPr>
+                          <a:rPr lang="pt-BR" i="1">
+                            <a:latin typeface="Cambria Math" panose="02040503050406030204" pitchFamily="18" charset="0"/>
+                          </a:rPr>
+                        </m:ctrlPr>
+                      </m:sSubPr>
+                      <m:e>
+                        <m:r>
+                          <a:rPr lang="pt-BR" i="1">
+                            <a:latin typeface="Cambria Math" panose="02040503050406030204" pitchFamily="18" charset="0"/>
+                          </a:rPr>
+                          <m:t>𝑥</m:t>
+                        </m:r>
+                      </m:e>
+                      <m:sub>
+                        <m:r>
+                          <a:rPr lang="pt-BR" i="1">
+                            <a:latin typeface="Cambria Math" panose="02040503050406030204" pitchFamily="18" charset="0"/>
+                          </a:rPr>
+                          <m:t>𝐾</m:t>
+                        </m:r>
+                      </m:sub>
+                    </m:sSub>
                     <m:r>
                       <a:rPr lang="pt-BR" i="1">
                         <a:latin typeface="Cambria Math" panose="02040503050406030204" pitchFamily="18" charset="0"/>
@@ -16391,7 +17418,15 @@
                 </a:r>
                 <a:r>
                   <a:rPr lang="pt-BR" dirty="0" smtClean="0"/>
-                  <a:t>contrária à indicada </a:t>
+                  <a:t>contrária </a:t>
+                </a:r>
+                <a:r>
+                  <a:rPr lang="pt-BR" dirty="0"/>
+                  <a:t>a</a:t>
+                </a:r>
+                <a:r>
+                  <a:rPr lang="pt-BR" dirty="0" smtClean="0"/>
+                  <a:t> indicada </a:t>
                 </a:r>
                 <a:r>
                   <a:rPr lang="pt-BR" dirty="0"/>
@@ -16427,12 +17462,93 @@
                       </a:rPr>
                       <m:t>(</m:t>
                     </m:r>
+                    <m:sSub>
+                      <m:sSubPr>
+                        <m:ctrlPr>
+                          <a:rPr lang="pt-BR" i="1">
+                            <a:latin typeface="Cambria Math" panose="02040503050406030204" pitchFamily="18" charset="0"/>
+                          </a:rPr>
+                        </m:ctrlPr>
+                      </m:sSubPr>
+                      <m:e>
+                        <m:r>
+                          <a:rPr lang="pt-BR" i="1">
+                            <a:latin typeface="Cambria Math" panose="02040503050406030204" pitchFamily="18" charset="0"/>
+                          </a:rPr>
+                          <m:t>𝑥</m:t>
+                        </m:r>
+                      </m:e>
+                      <m:sub>
+                        <m:r>
+                          <a:rPr lang="pt-BR" i="1">
+                            <a:latin typeface="Cambria Math" panose="02040503050406030204" pitchFamily="18" charset="0"/>
+                          </a:rPr>
+                          <m:t>0</m:t>
+                        </m:r>
+                      </m:sub>
+                    </m:sSub>
                     <m:r>
-                      <a:rPr lang="pt-BR" b="1" i="1" smtClean="0">
+                      <a:rPr lang="pt-BR" i="1">
                         <a:latin typeface="Cambria Math" panose="02040503050406030204" pitchFamily="18" charset="0"/>
                       </a:rPr>
-                      <m:t>𝒙</m:t>
+                      <m:t>,</m:t>
                     </m:r>
+                    <m:sSub>
+                      <m:sSubPr>
+                        <m:ctrlPr>
+                          <a:rPr lang="pt-BR" i="1">
+                            <a:latin typeface="Cambria Math" panose="02040503050406030204" pitchFamily="18" charset="0"/>
+                          </a:rPr>
+                        </m:ctrlPr>
+                      </m:sSubPr>
+                      <m:e>
+                        <m:r>
+                          <a:rPr lang="pt-BR" i="1">
+                            <a:latin typeface="Cambria Math" panose="02040503050406030204" pitchFamily="18" charset="0"/>
+                          </a:rPr>
+                          <m:t>𝑥</m:t>
+                        </m:r>
+                      </m:e>
+                      <m:sub>
+                        <m:r>
+                          <a:rPr lang="pt-BR" i="1">
+                            <a:latin typeface="Cambria Math" panose="02040503050406030204" pitchFamily="18" charset="0"/>
+                          </a:rPr>
+                          <m:t>1</m:t>
+                        </m:r>
+                      </m:sub>
+                    </m:sSub>
+                    <m:r>
+                      <a:rPr lang="pt-BR" i="1">
+                        <a:latin typeface="Cambria Math" panose="02040503050406030204" pitchFamily="18" charset="0"/>
+                      </a:rPr>
+                      <m:t>,…,</m:t>
+                    </m:r>
+                    <m:sSub>
+                      <m:sSubPr>
+                        <m:ctrlPr>
+                          <a:rPr lang="pt-BR" i="1">
+                            <a:latin typeface="Cambria Math" panose="02040503050406030204" pitchFamily="18" charset="0"/>
+                          </a:rPr>
+                        </m:ctrlPr>
+                      </m:sSubPr>
+                      <m:e>
+                        <m:r>
+                          <a:rPr lang="pt-BR" i="1">
+                            <a:latin typeface="Cambria Math" panose="02040503050406030204" pitchFamily="18" charset="0"/>
+                          </a:rPr>
+                          <m:t>𝑥</m:t>
+                        </m:r>
+                      </m:e>
+                      <m:sub>
+                        <m:r>
+                          <a:rPr lang="pt-BR" i="1">
+                            <a:latin typeface="Cambria Math" panose="02040503050406030204" pitchFamily="18" charset="0"/>
+                          </a:rPr>
+                          <m:t>𝐾</m:t>
+                        </m:r>
+                      </m:sub>
+                    </m:sSub>
                     <m:r>
                       <a:rPr lang="pt-BR" i="1">
                         <a:latin typeface="Cambria Math" panose="02040503050406030204" pitchFamily="18" charset="0"/>
@@ -16457,15 +17573,7 @@
               <a:p>
                 <a:r>
                   <a:rPr lang="pt-BR" dirty="0"/>
-                  <a:t>A cada iteração, </a:t>
-                </a:r>
-                <a:r>
-                  <a:rPr lang="pt-BR" dirty="0" smtClean="0"/>
-                  <a:t>o algoritmo calcula </a:t>
-                </a:r>
-                <a:r>
-                  <a:rPr lang="pt-BR" dirty="0"/>
-                  <a:t>o </a:t>
+                  <a:t>A cada iteração, calcula-se o </a:t>
                 </a:r>
                 <a:r>
                   <a:rPr lang="pt-BR" b="1" i="1" dirty="0"/>
@@ -16537,15 +17645,7 @@
                 </a14:m>
                 <a:r>
                   <a:rPr lang="pt-BR" dirty="0"/>
-                  <a:t>, e </a:t>
-                </a:r>
-                <a:r>
-                  <a:rPr lang="pt-BR" dirty="0" smtClean="0"/>
-                  <a:t>atualiza </a:t>
-                </a:r>
-                <a:r>
-                  <a:rPr lang="pt-BR" dirty="0"/>
-                  <a:t>os valores dos argumentos da função de tal forma, que a cada </a:t>
+                  <a:t>, e atualiza-se os valores dos argumentos da função de tal forma, que a cada </a:t>
                 </a:r>
                 <a:r>
                   <a:rPr lang="pt-BR" b="1" i="1" dirty="0"/>
@@ -16656,6 +17756,13 @@
                               <a:latin typeface="Cambria Math" panose="02040503050406030204" pitchFamily="18" charset="0"/>
                             </a:rPr>
                             <m:t>−</m:t>
+                          </m:r>
+                          <m:r>
+                            <a:rPr lang="pt-BR" b="0" i="1" smtClean="0">
+                              <a:latin typeface="Cambria Math" panose="02040503050406030204" pitchFamily="18" charset="0"/>
+                              <a:ea typeface="Cambria Math" panose="02040503050406030204" pitchFamily="18" charset="0"/>
+                            </a:rPr>
+                            <m:t>𝛼</m:t>
                           </m:r>
                           <m:r>
                             <a:rPr lang="pt-BR" i="1">
@@ -16802,13 +17909,13 @@
             </p:nvSpPr>
             <p:spPr>
               <a:xfrm>
-                <a:off x="838200" y="2109342"/>
-                <a:ext cx="11170920" cy="4748658"/>
+                <a:off x="838200" y="2033142"/>
+                <a:ext cx="11170920" cy="4824858"/>
               </a:xfrm>
               <a:blipFill rotWithShape="0">
                 <a:blip r:embed="rId3"/>
                 <a:stretch>
-                  <a:fillRect l="-983" t="-2824" b="-1027"/>
+                  <a:fillRect l="-873" t="-2023" r="-1255" b="-1643"/>
                 </a:stretch>
               </a:blipFill>
             </p:spPr>
@@ -16817,7 +17924,7 @@
               <a:lstStyle/>
               <a:p>
                 <a:r>
-                  <a:rPr lang="pt-BR">
+                  <a:rPr lang="en-US">
                     <a:noFill/>
                   </a:rPr>
                   <a:t> </a:t>
@@ -16896,7 +18003,7 @@
     </p:spTree>
     <p:extLst>
       <p:ext uri="{BB962C8B-B14F-4D97-AF65-F5344CB8AC3E}">
-        <p14:creationId xmlns:p14="http://schemas.microsoft.com/office/powerpoint/2010/main" val="1065392030"/>
+        <p14:creationId xmlns:p14="http://schemas.microsoft.com/office/powerpoint/2010/main" val="1316248662"/>
       </p:ext>
     </p:extLst>
   </p:cSld>
@@ -16913,7 +18020,7 @@
 </p:sld>
 </file>
 
-<file path=ppt/slides/slide6.xml><?xml version="1.0" encoding="utf-8"?>
+<file path=ppt/slides/slide7.xml><?xml version="1.0" encoding="utf-8"?>
 <p:sld xmlns:a="http://schemas.openxmlformats.org/drawingml/2006/main" xmlns:r="http://schemas.openxmlformats.org/officeDocument/2006/relationships" xmlns:p="http://schemas.openxmlformats.org/presentationml/2006/main">
   <p:cSld>
     <p:spTree>
@@ -17127,7 +18234,7 @@
                   <a:t>Quando aplicado a problemas de </a:t>
                 </a:r>
                 <a:r>
-                  <a:rPr lang="pt-BR" b="1" dirty="0" smtClean="0"/>
+                  <a:rPr lang="pt-BR" b="1" i="1" dirty="0" smtClean="0"/>
                   <a:t>regressão</a:t>
                 </a:r>
                 <a:r>
@@ -17251,7 +18358,7 @@
               <a:lstStyle/>
               <a:p>
                 <a:r>
-                  <a:rPr lang="pt-BR">
+                  <a:rPr lang="en-US">
                     <a:noFill/>
                   </a:rPr>
                   <a:t> </a:t>
@@ -17269,8 +18376,8 @@
         </p:nvCxnSpPr>
         <p:spPr>
           <a:xfrm flipV="1">
-            <a:off x="8079475" y="4399473"/>
-            <a:ext cx="1150789" cy="1032336"/>
+            <a:off x="8264106" y="4399472"/>
+            <a:ext cx="966158" cy="897147"/>
           </a:xfrm>
           <a:prstGeom prst="straightConnector1">
             <a:avLst/>
@@ -17326,10 +18433,41 @@
           </a:prstGeom>
         </p:spPr>
       </p:pic>
+      <p:sp>
+        <p:nvSpPr>
+          <p:cNvPr id="5" name="CaixaDeTexto 4"/>
+          <p:cNvSpPr txBox="1"/>
+          <p:nvPr/>
+        </p:nvSpPr>
+        <p:spPr>
+          <a:xfrm>
+            <a:off x="8733537" y="5296619"/>
+            <a:ext cx="3359146" cy="1323439"/>
+          </a:xfrm>
+          <a:prstGeom prst="rect">
+            <a:avLst/>
+          </a:prstGeom>
+          <a:noFill/>
+        </p:spPr>
+        <p:txBody>
+          <a:bodyPr wrap="square" rtlCol="0">
+            <a:spAutoFit/>
+          </a:bodyPr>
+          <a:lstStyle/>
+          <a:p>
+            <a:pPr algn="ctr"/>
+            <a:r>
+              <a:rPr lang="pt-BR" sz="1600" dirty="0" smtClean="0"/>
+              <a:t>A cada nova iteração de atualização (seta azul), o vetor de pesos se aproxima de seu valor ótimo, consequentemente, minimizando o erro.</a:t>
+            </a:r>
+            <a:endParaRPr lang="en-US" sz="1600" dirty="0"/>
+          </a:p>
+        </p:txBody>
+      </p:sp>
     </p:spTree>
     <p:extLst>
       <p:ext uri="{BB962C8B-B14F-4D97-AF65-F5344CB8AC3E}">
-        <p14:creationId xmlns:p14="http://schemas.microsoft.com/office/powerpoint/2010/main" val="434053321"/>
+        <p14:creationId xmlns:p14="http://schemas.microsoft.com/office/powerpoint/2010/main" val="1791124303"/>
       </p:ext>
     </p:extLst>
   </p:cSld>
@@ -17346,7 +18484,7 @@
 </p:sld>
 </file>
 
-<file path=ppt/slides/slide7.xml><?xml version="1.0" encoding="utf-8"?>
+<file path=ppt/slides/slide8.xml><?xml version="1.0" encoding="utf-8"?>
 <p:sld xmlns:a="http://schemas.openxmlformats.org/drawingml/2006/main" xmlns:r="http://schemas.openxmlformats.org/officeDocument/2006/relationships" xmlns:p="http://schemas.openxmlformats.org/presentationml/2006/main">
   <p:cSld>
     <p:spTree>
@@ -17375,8 +18513,8 @@
         </p:nvSpPr>
         <p:spPr>
           <a:xfrm>
-            <a:off x="838199" y="172159"/>
-            <a:ext cx="11019972" cy="1281447"/>
+            <a:off x="838199" y="201188"/>
+            <a:ext cx="11019972" cy="961550"/>
           </a:xfrm>
         </p:spPr>
         <p:txBody>
@@ -17390,183 +18528,6 @@
           </a:p>
         </p:txBody>
       </p:sp>
-      <mc:AlternateContent xmlns:mc="http://schemas.openxmlformats.org/markup-compatibility/2006" xmlns:a14="http://schemas.microsoft.com/office/drawing/2010/main">
-        <mc:Choice Requires="a14">
-          <p:sp>
-            <p:nvSpPr>
-              <p:cNvPr id="3" name="Content Placeholder 2"/>
-              <p:cNvSpPr>
-                <a:spLocks noGrp="1"/>
-              </p:cNvSpPr>
-              <p:nvPr>
-                <p:ph idx="1"/>
-              </p:nvPr>
-            </p:nvSpPr>
-            <p:spPr>
-              <a:xfrm>
-                <a:off x="838199" y="1511663"/>
-                <a:ext cx="11165115" cy="1419121"/>
-              </a:xfrm>
-            </p:spPr>
-            <p:txBody>
-              <a:bodyPr>
-                <a:normAutofit fontScale="92500" lnSpcReduction="10000"/>
-              </a:bodyPr>
-              <a:lstStyle/>
-              <a:p>
-                <a:r>
-                  <a:rPr lang="pt-BR" dirty="0"/>
-                  <a:t>O algoritmo inicializa </a:t>
-                </a:r>
-                <a:r>
-                  <a:rPr lang="pt-BR" dirty="0" smtClean="0"/>
-                  <a:t>o vetor de </a:t>
-                </a:r>
-                <a:r>
-                  <a:rPr lang="pt-BR" dirty="0"/>
-                  <a:t>pesos, </a:t>
-                </a:r>
-                <a14:m>
-                  <m:oMath xmlns:m="http://schemas.openxmlformats.org/officeDocument/2006/math">
-                    <m:r>
-                      <a:rPr lang="en-US" b="1" i="1">
-                        <a:latin typeface="Cambria Math" panose="02040503050406030204" pitchFamily="18" charset="0"/>
-                      </a:rPr>
-                      <m:t>𝒂</m:t>
-                    </m:r>
-                  </m:oMath>
-                </a14:m>
-                <a:r>
-                  <a:rPr lang="pt-BR" dirty="0"/>
-                  <a:t>, em um ponto aleatório do </a:t>
-                </a:r>
-                <a:r>
-                  <a:rPr lang="pt-BR" b="1" i="1" dirty="0"/>
-                  <a:t>espaço de pesos</a:t>
-                </a:r>
-                <a:r>
-                  <a:rPr lang="pt-BR" dirty="0"/>
-                  <a:t> e então, os atualiza </a:t>
-                </a:r>
-                <a:r>
-                  <a:rPr lang="pt-BR" dirty="0" smtClean="0"/>
-                  <a:t>na </a:t>
-                </a:r>
-                <a:r>
-                  <a:rPr lang="pt-BR" b="1" i="1" dirty="0" smtClean="0"/>
-                  <a:t>direção</a:t>
-                </a:r>
-                <a:r>
-                  <a:rPr lang="pt-BR" dirty="0" smtClean="0"/>
-                  <a:t> </a:t>
-                </a:r>
-                <a:r>
-                  <a:rPr lang="pt-BR" b="1" i="1" dirty="0" smtClean="0"/>
-                  <a:t>oposta </a:t>
-                </a:r>
-                <a:r>
-                  <a:rPr lang="pt-BR" dirty="0"/>
-                  <a:t>a</a:t>
-                </a:r>
-                <a:r>
-                  <a:rPr lang="pt-BR" dirty="0" smtClean="0"/>
-                  <a:t> </a:t>
-                </a:r>
-                <a:r>
-                  <a:rPr lang="pt-BR" dirty="0"/>
-                  <a:t>do </a:t>
-                </a:r>
-                <a:r>
-                  <a:rPr lang="pt-BR" b="1" i="1" dirty="0" smtClean="0"/>
-                  <a:t>vetor</a:t>
-                </a:r>
-                <a:r>
-                  <a:rPr lang="pt-BR" dirty="0" smtClean="0"/>
-                  <a:t> </a:t>
-                </a:r>
-                <a:r>
-                  <a:rPr lang="pt-BR" b="1" i="1" dirty="0" smtClean="0"/>
-                  <a:t>gradiente</a:t>
-                </a:r>
-                <a:r>
-                  <a:rPr lang="pt-BR" dirty="0" smtClean="0"/>
-                  <a:t> </a:t>
-                </a:r>
-                <a:r>
-                  <a:rPr lang="pt-BR" dirty="0"/>
-                  <a:t>até que algum critério de convergência seja atingido, indicando que um </a:t>
-                </a:r>
-                <a:r>
-                  <a:rPr lang="pt-BR" b="1" i="1" dirty="0"/>
-                  <a:t>mínimo local </a:t>
-                </a:r>
-                <a:r>
-                  <a:rPr lang="pt-BR" dirty="0"/>
-                  <a:t>ou o </a:t>
-                </a:r>
-                <a:r>
-                  <a:rPr lang="pt-BR" b="1" i="1" dirty="0"/>
-                  <a:t>global</a:t>
-                </a:r>
-                <a:r>
-                  <a:rPr lang="pt-BR" dirty="0"/>
-                  <a:t> da </a:t>
-                </a:r>
-                <a:r>
-                  <a:rPr lang="pt-BR" b="1" i="1" dirty="0"/>
-                  <a:t>função de erro </a:t>
-                </a:r>
-                <a:r>
-                  <a:rPr lang="pt-BR" dirty="0"/>
-                  <a:t>foi encontrado</a:t>
-                </a:r>
-                <a:r>
-                  <a:rPr lang="pt-BR" dirty="0" smtClean="0"/>
-                  <a:t>.</a:t>
-                </a:r>
-                <a:endParaRPr lang="pt-BR" dirty="0"/>
-              </a:p>
-            </p:txBody>
-          </p:sp>
-        </mc:Choice>
-        <mc:Fallback xmlns="">
-          <p:sp>
-            <p:nvSpPr>
-              <p:cNvPr id="3" name="Content Placeholder 2"/>
-              <p:cNvSpPr>
-                <a:spLocks noGrp="1" noRot="1" noChangeAspect="1" noMove="1" noResize="1" noEditPoints="1" noAdjustHandles="1" noChangeArrowheads="1" noChangeShapeType="1" noTextEdit="1"/>
-              </p:cNvSpPr>
-              <p:nvPr>
-                <p:ph idx="1"/>
-              </p:nvPr>
-            </p:nvSpPr>
-            <p:spPr>
-              <a:xfrm>
-                <a:off x="838199" y="1511663"/>
-                <a:ext cx="11165115" cy="1419121"/>
-              </a:xfrm>
-              <a:blipFill rotWithShape="0">
-                <a:blip r:embed="rId3"/>
-                <a:stretch>
-                  <a:fillRect l="-819" t="-8584" r="-1310" b="-7296"/>
-                </a:stretch>
-              </a:blipFill>
-            </p:spPr>
-            <p:txBody>
-              <a:bodyPr/>
-              <a:lstStyle/>
-              <a:p>
-                <a:r>
-                  <a:rPr lang="pt-BR">
-                    <a:noFill/>
-                  </a:rPr>
-                  <a:t> </a:t>
-                </a:r>
-              </a:p>
-            </p:txBody>
-          </p:sp>
-        </mc:Fallback>
-      </mc:AlternateContent>
       <mc:AlternateContent xmlns:mc="http://schemas.openxmlformats.org/markup-compatibility/2006" xmlns:a14="http://schemas.microsoft.com/office/drawing/2010/main">
         <mc:Choice Requires="a14">
           <p:sp>
@@ -17577,7 +18538,7 @@
             </p:nvSpPr>
             <p:spPr>
               <a:xfrm>
-                <a:off x="1171284" y="3155623"/>
+                <a:off x="1171284" y="2705689"/>
                 <a:ext cx="7072087" cy="1160446"/>
               </a:xfrm>
               <a:prstGeom prst="rect">
@@ -17789,187 +18750,57 @@
                     </m:r>
                   </m:oMath>
                 </a14:m>
-                <a:endParaRPr lang="pt-BR" sz="2000" dirty="0">
+                <a:endParaRPr lang="pt-BR" sz="2000" b="0" dirty="0" smtClean="0">
                   <a:ea typeface="Cambria Math" panose="02040503050406030204" pitchFamily="18" charset="0"/>
                 </a:endParaRPr>
               </a:p>
               <a:p>
-                <a:pPr/>
-                <a14:m>
-                  <m:oMathPara xmlns:m="http://schemas.openxmlformats.org/officeDocument/2006/math">
-                    <m:oMathParaPr>
-                      <m:jc m:val="left"/>
-                    </m:oMathParaPr>
-                    <m:oMath xmlns:m="http://schemas.openxmlformats.org/officeDocument/2006/math">
-                      <m:r>
-                        <a:rPr lang="pt-BR" sz="2000" b="1">
-                          <a:latin typeface="Cambria Math" panose="02040503050406030204" pitchFamily="18" charset="0"/>
-                        </a:rPr>
-                        <m:t>𝐥𝐨𝐨𝐩</m:t>
-                      </m:r>
-                      <m:r>
-                        <a:rPr lang="pt-BR" sz="2000">
-                          <a:latin typeface="Cambria Math" panose="02040503050406030204" pitchFamily="18" charset="0"/>
-                        </a:rPr>
-                        <m:t> </m:t>
-                      </m:r>
-                      <m:r>
-                        <m:rPr>
-                          <m:sty m:val="p"/>
-                        </m:rPr>
-                        <a:rPr lang="pt-BR" sz="2000">
-                          <a:latin typeface="Cambria Math" panose="02040503050406030204" pitchFamily="18" charset="0"/>
-                        </a:rPr>
-                        <m:t>at</m:t>
-                      </m:r>
-                      <m:r>
-                        <a:rPr lang="pt-BR" sz="2000">
-                          <a:latin typeface="Cambria Math" panose="02040503050406030204" pitchFamily="18" charset="0"/>
-                        </a:rPr>
-                        <m:t>é </m:t>
-                      </m:r>
-                      <m:r>
-                        <m:rPr>
-                          <m:sty m:val="p"/>
-                        </m:rPr>
-                        <a:rPr lang="pt-BR" sz="2000">
-                          <a:latin typeface="Cambria Math" panose="02040503050406030204" pitchFamily="18" charset="0"/>
-                        </a:rPr>
-                        <m:t>convergir</m:t>
-                      </m:r>
-                      <m:r>
-                        <a:rPr lang="pt-BR" sz="2000" b="0" i="0" smtClean="0">
-                          <a:latin typeface="Cambria Math" panose="02040503050406030204" pitchFamily="18" charset="0"/>
-                        </a:rPr>
-                        <m:t> </m:t>
-                      </m:r>
-                      <m:r>
-                        <a:rPr lang="pt-BR" sz="2000" b="1" i="0" smtClean="0">
-                          <a:latin typeface="Cambria Math" panose="02040503050406030204" pitchFamily="18" charset="0"/>
-                        </a:rPr>
-                        <m:t>𝐨𝐮</m:t>
-                      </m:r>
-                      <m:r>
-                        <a:rPr lang="pt-BR" sz="2000" b="0" i="0" smtClean="0">
-                          <a:latin typeface="Cambria Math" panose="02040503050406030204" pitchFamily="18" charset="0"/>
-                        </a:rPr>
-                        <m:t> </m:t>
-                      </m:r>
-                      <m:r>
-                        <m:rPr>
-                          <m:sty m:val="p"/>
-                        </m:rPr>
-                        <a:rPr lang="pt-BR" sz="2000" b="0" i="0" smtClean="0">
-                          <a:latin typeface="Cambria Math" panose="02040503050406030204" pitchFamily="18" charset="0"/>
-                        </a:rPr>
-                        <m:t>atingir</m:t>
-                      </m:r>
-                      <m:r>
-                        <a:rPr lang="pt-BR" sz="2000" b="0" i="0" smtClean="0">
-                          <a:latin typeface="Cambria Math" panose="02040503050406030204" pitchFamily="18" charset="0"/>
-                        </a:rPr>
-                        <m:t> </m:t>
-                      </m:r>
-                      <m:r>
-                        <m:rPr>
-                          <m:sty m:val="p"/>
-                        </m:rPr>
-                        <a:rPr lang="pt-BR" sz="2000" b="0" i="0" smtClean="0">
-                          <a:latin typeface="Cambria Math" panose="02040503050406030204" pitchFamily="18" charset="0"/>
-                        </a:rPr>
-                        <m:t>n</m:t>
-                      </m:r>
-                      <m:r>
-                        <a:rPr lang="pt-BR" sz="2000" b="0" i="0" smtClean="0">
-                          <a:latin typeface="Cambria Math" panose="02040503050406030204" pitchFamily="18" charset="0"/>
-                        </a:rPr>
-                        <m:t>ú</m:t>
-                      </m:r>
-                      <m:r>
-                        <m:rPr>
-                          <m:sty m:val="p"/>
-                        </m:rPr>
-                        <a:rPr lang="pt-BR" sz="2000" b="0" i="0" smtClean="0">
-                          <a:latin typeface="Cambria Math" panose="02040503050406030204" pitchFamily="18" charset="0"/>
-                        </a:rPr>
-                        <m:t>mero</m:t>
-                      </m:r>
-                      <m:r>
-                        <a:rPr lang="pt-BR" sz="2000" b="0" i="0" smtClean="0">
-                          <a:latin typeface="Cambria Math" panose="02040503050406030204" pitchFamily="18" charset="0"/>
-                        </a:rPr>
-                        <m:t> </m:t>
-                      </m:r>
-                      <m:r>
-                        <m:rPr>
-                          <m:sty m:val="p"/>
-                        </m:rPr>
-                        <a:rPr lang="pt-BR" sz="2000" b="0" i="0" smtClean="0">
-                          <a:latin typeface="Cambria Math" panose="02040503050406030204" pitchFamily="18" charset="0"/>
-                        </a:rPr>
-                        <m:t>m</m:t>
-                      </m:r>
-                      <m:r>
-                        <a:rPr lang="pt-BR" sz="2000" b="0" i="0" smtClean="0">
-                          <a:latin typeface="Cambria Math" panose="02040503050406030204" pitchFamily="18" charset="0"/>
-                        </a:rPr>
-                        <m:t>á</m:t>
-                      </m:r>
-                      <m:r>
-                        <m:rPr>
-                          <m:sty m:val="p"/>
-                        </m:rPr>
-                        <a:rPr lang="pt-BR" sz="2000" b="0" i="0" smtClean="0">
-                          <a:latin typeface="Cambria Math" panose="02040503050406030204" pitchFamily="18" charset="0"/>
-                        </a:rPr>
-                        <m:t>ximo</m:t>
-                      </m:r>
-                      <m:r>
-                        <a:rPr lang="pt-BR" sz="2000" b="0" i="0" smtClean="0">
-                          <a:latin typeface="Cambria Math" panose="02040503050406030204" pitchFamily="18" charset="0"/>
-                        </a:rPr>
-                        <m:t> </m:t>
-                      </m:r>
-                      <m:r>
-                        <m:rPr>
-                          <m:sty m:val="p"/>
-                        </m:rPr>
-                        <a:rPr lang="pt-BR" sz="2000" b="0" i="0" smtClean="0">
-                          <a:latin typeface="Cambria Math" panose="02040503050406030204" pitchFamily="18" charset="0"/>
-                        </a:rPr>
-                        <m:t>de</m:t>
-                      </m:r>
-                      <m:r>
-                        <a:rPr lang="pt-BR" sz="2000" b="0" i="0" smtClean="0">
-                          <a:latin typeface="Cambria Math" panose="02040503050406030204" pitchFamily="18" charset="0"/>
-                        </a:rPr>
-                        <m:t> é</m:t>
-                      </m:r>
-                      <m:r>
-                        <m:rPr>
-                          <m:sty m:val="p"/>
-                        </m:rPr>
-                        <a:rPr lang="pt-BR" sz="2000" b="0" i="0" smtClean="0">
-                          <a:latin typeface="Cambria Math" panose="02040503050406030204" pitchFamily="18" charset="0"/>
-                        </a:rPr>
-                        <m:t>pocas</m:t>
-                      </m:r>
-                      <m:r>
-                        <a:rPr lang="pt-BR" sz="2000">
-                          <a:latin typeface="Cambria Math" panose="02040503050406030204" pitchFamily="18" charset="0"/>
-                        </a:rPr>
-                        <m:t> </m:t>
-                      </m:r>
-                      <m:r>
-                        <a:rPr lang="pt-BR" sz="2000" b="1">
-                          <a:latin typeface="Cambria Math" panose="02040503050406030204" pitchFamily="18" charset="0"/>
-                        </a:rPr>
-                        <m:t>𝐝𝐨</m:t>
-                      </m:r>
-                    </m:oMath>
-                  </m:oMathPara>
-                </a14:m>
-                <a:endParaRPr lang="en-US" sz="2000" b="1" dirty="0" smtClean="0"/>
+                <a:r>
+                  <a:rPr lang="pt-BR" sz="2000" b="1" dirty="0">
+                    <a:latin typeface="Cambria Math" panose="02040503050406030204" pitchFamily="18" charset="0"/>
+                    <a:ea typeface="Cambria Math" panose="02040503050406030204" pitchFamily="18" charset="0"/>
+                  </a:rPr>
+                  <a:t>l</a:t>
+                </a:r>
+                <a:r>
+                  <a:rPr lang="pt-BR" sz="2000" b="1" dirty="0" smtClean="0">
+                    <a:latin typeface="Cambria Math" panose="02040503050406030204" pitchFamily="18" charset="0"/>
+                    <a:ea typeface="Cambria Math" panose="02040503050406030204" pitchFamily="18" charset="0"/>
+                  </a:rPr>
+                  <a:t>oop até </a:t>
+                </a:r>
+                <a:r>
+                  <a:rPr lang="pt-BR" sz="2000" dirty="0" smtClean="0">
+                    <a:latin typeface="Cambria Math" panose="02040503050406030204" pitchFamily="18" charset="0"/>
+                    <a:ea typeface="Cambria Math" panose="02040503050406030204" pitchFamily="18" charset="0"/>
+                  </a:rPr>
+                  <a:t>convergir </a:t>
+                </a:r>
+                <a:r>
+                  <a:rPr lang="pt-BR" sz="2000" b="1" dirty="0" smtClean="0">
+                    <a:latin typeface="Cambria Math" panose="02040503050406030204" pitchFamily="18" charset="0"/>
+                    <a:ea typeface="Cambria Math" panose="02040503050406030204" pitchFamily="18" charset="0"/>
+                  </a:rPr>
+                  <a:t>ou </a:t>
+                </a:r>
+                <a:r>
+                  <a:rPr lang="pt-BR" sz="2000" dirty="0" smtClean="0">
+                    <a:latin typeface="Cambria Math" panose="02040503050406030204" pitchFamily="18" charset="0"/>
+                    <a:ea typeface="Cambria Math" panose="02040503050406030204" pitchFamily="18" charset="0"/>
+                  </a:rPr>
+                  <a:t>atingir o número máximo de iterações </a:t>
+                </a:r>
+                <a:r>
+                  <a:rPr lang="pt-BR" sz="2000" b="1" dirty="0" smtClean="0">
+                    <a:latin typeface="Cambria Math" panose="02040503050406030204" pitchFamily="18" charset="0"/>
+                    <a:ea typeface="Cambria Math" panose="02040503050406030204" pitchFamily="18" charset="0"/>
+                  </a:rPr>
+                  <a:t>do</a:t>
+                </a:r>
+                <a:endParaRPr lang="pt-BR" sz="2000" b="1" dirty="0">
+                  <a:latin typeface="Cambria Math" panose="02040503050406030204" pitchFamily="18" charset="0"/>
+                  <a:ea typeface="Cambria Math" panose="02040503050406030204" pitchFamily="18" charset="0"/>
+                </a:endParaRPr>
               </a:p>
               <a:p>
                 <a:r>
@@ -18096,7 +18927,23 @@
                     </m:f>
                   </m:oMath>
                 </a14:m>
-                <a:endParaRPr lang="nl-BE" sz="2000" dirty="0"/>
+                <a:r>
+                  <a:rPr lang="nl-BE" sz="2000" dirty="0" smtClean="0"/>
+                  <a:t> </a:t>
+                </a:r>
+                <a:r>
+                  <a:rPr lang="nl-BE" sz="1600" dirty="0" smtClean="0"/>
+                  <a:t>(</a:t>
+                </a:r>
+                <a:r>
+                  <a:rPr lang="nl-BE" sz="1600" i="1" dirty="0" smtClean="0"/>
+                  <a:t>regra de atualização dos pesos</a:t>
+                </a:r>
+                <a:r>
+                  <a:rPr lang="nl-BE" sz="1600" dirty="0" smtClean="0"/>
+                  <a:t>)</a:t>
+                </a:r>
+                <a:endParaRPr lang="nl-BE" sz="1600" dirty="0"/>
               </a:p>
             </p:txBody>
           </p:sp>
@@ -18112,16 +18959,16 @@
             </p:nvSpPr>
             <p:spPr>
               <a:xfrm>
-                <a:off x="1171284" y="3155623"/>
+                <a:off x="1171284" y="2705689"/>
                 <a:ext cx="7072087" cy="1160446"/>
               </a:xfrm>
               <a:prstGeom prst="rect">
                 <a:avLst/>
               </a:prstGeom>
               <a:blipFill rotWithShape="0">
-                <a:blip r:embed="rId4"/>
+                <a:blip r:embed="rId3"/>
                 <a:stretch>
-                  <a:fillRect l="-344"/>
+                  <a:fillRect l="-775"/>
                 </a:stretch>
               </a:blipFill>
               <a:ln>
@@ -18135,7 +18982,7 @@
               <a:lstStyle/>
               <a:p>
                 <a:r>
-                  <a:rPr lang="pt-BR">
+                  <a:rPr lang="en-US">
                     <a:noFill/>
                   </a:rPr>
                   <a:t> </a:t>
@@ -18145,8 +18992,8 @@
           </p:sp>
         </mc:Fallback>
       </mc:AlternateContent>
-      <mc:AlternateContent xmlns:mc="http://schemas.openxmlformats.org/markup-compatibility/2006" xmlns:a14="http://schemas.microsoft.com/office/drawing/2010/main">
-        <mc:Choice Requires="a14">
+      <mc:AlternateContent xmlns:mc="http://schemas.openxmlformats.org/markup-compatibility/2006">
+        <mc:Choice xmlns:a14="http://schemas.microsoft.com/office/drawing/2010/main" Requires="a14">
           <p:sp>
             <p:nvSpPr>
               <p:cNvPr id="7" name="Content Placeholder 2"/>
@@ -18157,8 +19004,8 @@
             </p:nvSpPr>
             <p:spPr>
               <a:xfrm>
-                <a:off x="838199" y="4634209"/>
-                <a:ext cx="11165115" cy="2223792"/>
+                <a:off x="838199" y="4364259"/>
+                <a:ext cx="11165115" cy="2493740"/>
               </a:xfrm>
               <a:prstGeom prst="rect">
                 <a:avLst/>
@@ -18166,7 +19013,7 @@
             </p:spPr>
             <p:txBody>
               <a:bodyPr vert="horz" lIns="91440" tIns="45720" rIns="91440" bIns="45720" rtlCol="0">
-                <a:normAutofit fontScale="92500" lnSpcReduction="20000"/>
+                <a:normAutofit fontScale="77500" lnSpcReduction="20000"/>
               </a:bodyPr>
               <a:lstStyle>
                 <a:lvl1pPr marL="228600" indent="-228600" algn="l" defTabSz="914400" rtl="0" eaLnBrk="1" latinLnBrk="0" hangingPunct="1">
@@ -18333,12 +19180,12 @@
                 </a:lvl9pPr>
               </a:lstStyle>
               <a:p>
-                <a:pPr algn="just"/>
-                <a:r>
-                  <a:rPr lang="pt-BR" dirty="0" smtClean="0">
-                    <a:ea typeface="Cambria Math" panose="02040503050406030204" pitchFamily="18" charset="0"/>
-                  </a:rPr>
-                  <a:t>Onde </a:t>
+                <a:pPr marL="0" indent="0">
+                  <a:buNone/>
+                </a:pPr>
+                <a:r>
+                  <a:rPr lang="pt-BR" dirty="0" smtClean="0"/>
+                  <a:t>onde </a:t>
                 </a:r>
                 <a14:m>
                   <m:oMath xmlns:m="http://schemas.openxmlformats.org/officeDocument/2006/math">
@@ -18350,28 +19197,17 @@
                       <m:t>𝛼</m:t>
                     </m:r>
                     <m:r>
-                      <a:rPr lang="pt-BR" i="1" smtClean="0">
-                        <a:latin typeface="Cambria Math" panose="02040503050406030204" pitchFamily="18" charset="0"/>
-                        <a:ea typeface="Cambria Math" panose="02040503050406030204" pitchFamily="18" charset="0"/>
-                      </a:rPr>
-                      <m:t>&gt;</m:t>
-                    </m:r>
-                    <m:r>
                       <a:rPr lang="pt-BR" b="0" i="1" smtClean="0">
                         <a:latin typeface="Cambria Math" panose="02040503050406030204" pitchFamily="18" charset="0"/>
                         <a:ea typeface="Cambria Math" panose="02040503050406030204" pitchFamily="18" charset="0"/>
                       </a:rPr>
-                      <m:t>0</m:t>
+                      <m:t>&gt;0</m:t>
                     </m:r>
                   </m:oMath>
                 </a14:m>
                 <a:r>
                   <a:rPr lang="pt-BR" dirty="0"/>
-                  <a:t> é </a:t>
-                </a:r>
-                <a:r>
-                  <a:rPr lang="pt-BR" dirty="0" smtClean="0"/>
-                  <a:t>o </a:t>
+                  <a:t> é a </a:t>
                 </a:r>
                 <a:r>
                   <a:rPr lang="pt-BR" b="1" i="1" dirty="0" smtClean="0"/>
@@ -18482,7 +19318,83 @@
                 </a:r>
                 <a:r>
                   <a:rPr lang="pt-BR" b="1" i="1" dirty="0" smtClean="0"/>
-                  <a:t>vetor gradiente </a:t>
+                  <a:t>vetor gradiente</a:t>
+                </a:r>
+                <a:r>
+                  <a:rPr lang="pt-BR" dirty="0" smtClean="0"/>
+                  <a:t>,</a:t>
+                </a:r>
+                <a:r>
+                  <a:rPr lang="pt-BR" b="1" i="1" dirty="0" smtClean="0"/>
+                  <a:t> </a:t>
+                </a:r>
+                <a14:m>
+                  <m:oMath xmlns:m="http://schemas.openxmlformats.org/officeDocument/2006/math">
+                    <m:r>
+                      <a:rPr lang="pt-BR" i="1">
+                        <a:latin typeface="Cambria Math" panose="02040503050406030204" pitchFamily="18" charset="0"/>
+                        <a:ea typeface="Cambria Math" panose="02040503050406030204" pitchFamily="18" charset="0"/>
+                      </a:rPr>
+                      <m:t>𝛻</m:t>
+                    </m:r>
+                    <m:sSub>
+                      <m:sSubPr>
+                        <m:ctrlPr>
+                          <a:rPr lang="pt-BR" i="1">
+                            <a:latin typeface="Cambria Math" panose="02040503050406030204" pitchFamily="18" charset="0"/>
+                            <a:ea typeface="Cambria Math" panose="02040503050406030204" pitchFamily="18" charset="0"/>
+                          </a:rPr>
+                        </m:ctrlPr>
+                      </m:sSubPr>
+                      <m:e>
+                        <m:r>
+                          <a:rPr lang="pt-BR" i="1">
+                            <a:latin typeface="Cambria Math" panose="02040503050406030204" pitchFamily="18" charset="0"/>
+                            <a:ea typeface="Cambria Math" panose="02040503050406030204" pitchFamily="18" charset="0"/>
+                          </a:rPr>
+                          <m:t>𝐽</m:t>
+                        </m:r>
+                      </m:e>
+                      <m:sub>
+                        <m:r>
+                          <a:rPr lang="pt-BR" i="1">
+                            <a:latin typeface="Cambria Math" panose="02040503050406030204" pitchFamily="18" charset="0"/>
+                            <a:ea typeface="Cambria Math" panose="02040503050406030204" pitchFamily="18" charset="0"/>
+                          </a:rPr>
+                          <m:t>𝑒</m:t>
+                        </m:r>
+                      </m:sub>
+                    </m:sSub>
+                    <m:r>
+                      <a:rPr lang="pt-BR" i="1">
+                        <a:latin typeface="Cambria Math" panose="02040503050406030204" pitchFamily="18" charset="0"/>
+                        <a:ea typeface="Cambria Math" panose="02040503050406030204" pitchFamily="18" charset="0"/>
+                      </a:rPr>
+                      <m:t>(</m:t>
+                    </m:r>
+                    <m:r>
+                      <a:rPr lang="pt-BR" b="1" i="1">
+                        <a:latin typeface="Cambria Math" panose="02040503050406030204" pitchFamily="18" charset="0"/>
+                        <a:ea typeface="Cambria Math" panose="02040503050406030204" pitchFamily="18" charset="0"/>
+                      </a:rPr>
+                      <m:t>𝒂</m:t>
+                    </m:r>
+                    <m:r>
+                      <a:rPr lang="pt-BR" i="1">
+                        <a:latin typeface="Cambria Math" panose="02040503050406030204" pitchFamily="18" charset="0"/>
+                        <a:ea typeface="Cambria Math" panose="02040503050406030204" pitchFamily="18" charset="0"/>
+                      </a:rPr>
+                      <m:t>)</m:t>
+                    </m:r>
+                  </m:oMath>
+                </a14:m>
+                <a:r>
+                  <a:rPr lang="pt-BR" dirty="0" smtClean="0"/>
+                  <a:t>,</a:t>
+                </a:r>
+                <a:r>
+                  <a:rPr lang="pt-BR" b="1" i="1" dirty="0" smtClean="0"/>
+                  <a:t> </a:t>
                 </a:r>
                 <a:r>
                   <a:rPr lang="pt-BR" dirty="0"/>
@@ -18498,11 +19410,40 @@
                 </a:r>
                 <a:r>
                   <a:rPr lang="pt-BR" dirty="0" smtClean="0"/>
+                  <a:t>,</a:t>
+                </a:r>
+                <a:r>
+                  <a:rPr lang="pt-BR" b="1" i="1" dirty="0" smtClean="0"/>
+                  <a:t> </a:t>
+                </a:r>
+                <a:r>
+                  <a:rPr lang="pt-BR" dirty="0" smtClean="0"/>
+                  <a:t>ou seja, a derivada parcial da função em </a:t>
+                </a:r>
+                <a:r>
+                  <a:rPr lang="pt-BR" dirty="0"/>
+                  <a:t>relação ao </a:t>
+                </a:r>
+                <a:r>
+                  <a:rPr lang="pt-BR" dirty="0" smtClean="0"/>
+                  <a:t>vetor de pesos, </a:t>
+                </a:r>
+                <a14:m>
+                  <m:oMath xmlns:m="http://schemas.openxmlformats.org/officeDocument/2006/math">
+                    <m:r>
+                      <a:rPr lang="pt-BR" b="1" i="1">
+                        <a:latin typeface="Cambria Math" panose="02040503050406030204" pitchFamily="18" charset="0"/>
+                      </a:rPr>
+                      <m:t>𝒂</m:t>
+                    </m:r>
+                  </m:oMath>
+                </a14:m>
+                <a:r>
+                  <a:rPr lang="pt-BR" dirty="0" smtClean="0"/>
                   <a:t>.</a:t>
                 </a:r>
               </a:p>
               <a:p>
-                <a:pPr algn="just"/>
                 <a:r>
                   <a:rPr lang="pt-BR" dirty="0" smtClean="0"/>
                   <a:t>O </a:t>
@@ -18521,7 +19462,7 @@
                 </a:r>
                 <a:r>
                   <a:rPr lang="pt-BR" dirty="0" smtClean="0"/>
-                  <a:t>passos/deslocamentos dados </a:t>
+                  <a:t>passos (i.e., deslocamentos) dados </a:t>
                 </a:r>
                 <a:r>
                   <a:rPr lang="pt-BR" dirty="0"/>
@@ -18537,11 +19478,36 @@
                 </a:r>
                 <a:r>
                   <a:rPr lang="pt-BR" dirty="0" smtClean="0"/>
-                  <a:t>. Ele pode ser constante ou decair com o tempo.</a:t>
+                  <a:t>.</a:t>
                 </a:r>
               </a:p>
               <a:p>
-                <a:pPr algn="just"/>
+                <a:r>
+                  <a:rPr lang="pt-BR" dirty="0" smtClean="0"/>
+                  <a:t>O </a:t>
+                </a:r>
+                <a:r>
+                  <a:rPr lang="pt-BR" b="1" i="1" dirty="0"/>
+                  <a:t>passo de </a:t>
+                </a:r>
+                <a:r>
+                  <a:rPr lang="pt-BR" b="1" i="1" dirty="0" smtClean="0"/>
+                  <a:t>aprendizagem</a:t>
+                </a:r>
+                <a:r>
+                  <a:rPr lang="pt-BR" dirty="0" smtClean="0"/>
+                  <a:t> </a:t>
+                </a:r>
+                <a:r>
+                  <a:rPr lang="pt-BR" dirty="0"/>
+                  <a:t>pode ser constante ou pode decair com o tempo à medida que o processo de aprendizado prossegue</a:t>
+                </a:r>
+                <a:r>
+                  <a:rPr lang="pt-BR" dirty="0" smtClean="0"/>
+                  <a:t>.</a:t>
+                </a:r>
+              </a:p>
+              <a:p>
                 <a:r>
                   <a:rPr lang="pt-BR" dirty="0"/>
                   <a:t>Na sequência, veremos como encontrar o </a:t>
@@ -18552,7 +19518,23 @@
                 </a:r>
                 <a:r>
                   <a:rPr lang="pt-BR" dirty="0"/>
-                  <a:t> da função de erro e implementar o algoritmo do </a:t>
+                  <a:t> da </a:t>
+                </a:r>
+                <a:r>
+                  <a:rPr lang="pt-BR" b="1" i="1" dirty="0"/>
+                  <a:t>função de erro </a:t>
+                </a:r>
+                <a:r>
+                  <a:rPr lang="pt-BR" dirty="0"/>
+                  <a:t>e </a:t>
+                </a:r>
+                <a:r>
+                  <a:rPr lang="pt-BR" dirty="0" smtClean="0"/>
+                  <a:t>como implementar </a:t>
+                </a:r>
+                <a:r>
+                  <a:rPr lang="pt-BR" dirty="0"/>
+                  <a:t>o algoritmo do </a:t>
                 </a:r>
                 <a:r>
                   <a:rPr lang="pt-BR" b="1" i="1" dirty="0"/>
@@ -18567,7 +19549,7 @@
             </p:txBody>
           </p:sp>
         </mc:Choice>
-        <mc:Fallback xmlns="">
+        <mc:Fallback>
           <p:sp>
             <p:nvSpPr>
               <p:cNvPr id="7" name="Content Placeholder 2"/>
@@ -18578,16 +19560,16 @@
             </p:nvSpPr>
             <p:spPr>
               <a:xfrm>
-                <a:off x="838199" y="4634209"/>
-                <a:ext cx="11165115" cy="2223792"/>
+                <a:off x="838199" y="4364259"/>
+                <a:ext cx="11165115" cy="2493740"/>
               </a:xfrm>
               <a:prstGeom prst="rect">
                 <a:avLst/>
               </a:prstGeom>
               <a:blipFill rotWithShape="0">
-                <a:blip r:embed="rId5"/>
+                <a:blip r:embed="rId4"/>
                 <a:stretch>
-                  <a:fillRect l="-819" t="-3562" r="-928" b="-4384"/>
+                  <a:fillRect l="-655" t="-2689" b="-4156"/>
                 </a:stretch>
               </a:blipFill>
             </p:spPr>
@@ -18606,21 +19588,270 @@
           </p:sp>
         </mc:Fallback>
       </mc:AlternateContent>
+      <p:pic>
+        <p:nvPicPr>
+          <p:cNvPr id="6" name="Picture 5"/>
+          <p:cNvPicPr>
+            <a:picLocks noChangeAspect="1"/>
+          </p:cNvPicPr>
+          <p:nvPr/>
+        </p:nvPicPr>
+        <p:blipFill rotWithShape="1">
+          <a:blip r:embed="rId5">
+            <a:extLst>
+              <a:ext uri="{28A0092B-C50C-407E-A947-70E740481C1C}">
+                <a14:useLocalDpi xmlns:a14="http://schemas.microsoft.com/office/drawing/2010/main" val="0"/>
+              </a:ext>
+            </a:extLst>
+          </a:blip>
+          <a:srcRect t="48368" r="2754" b="1527"/>
+          <a:stretch/>
+        </p:blipFill>
+        <p:spPr>
+          <a:xfrm>
+            <a:off x="8631534" y="2291545"/>
+            <a:ext cx="3226637" cy="2120496"/>
+          </a:xfrm>
+          <a:prstGeom prst="rect">
+            <a:avLst/>
+          </a:prstGeom>
+        </p:spPr>
+      </p:pic>
+      <mc:AlternateContent xmlns:mc="http://schemas.openxmlformats.org/markup-compatibility/2006" xmlns:a14="http://schemas.microsoft.com/office/drawing/2010/main">
+        <mc:Choice Requires="a14">
+          <p:sp>
+            <p:nvSpPr>
+              <p:cNvPr id="3" name="Content Placeholder 2"/>
+              <p:cNvSpPr>
+                <a:spLocks noGrp="1"/>
+              </p:cNvSpPr>
+              <p:nvPr>
+                <p:ph idx="1"/>
+              </p:nvPr>
+            </p:nvSpPr>
+            <p:spPr>
+              <a:xfrm>
+                <a:off x="838199" y="1481172"/>
+                <a:ext cx="11165115" cy="945164"/>
+              </a:xfrm>
+            </p:spPr>
+            <p:txBody>
+              <a:bodyPr>
+                <a:normAutofit fontScale="85000" lnSpcReduction="20000"/>
+              </a:bodyPr>
+              <a:lstStyle/>
+              <a:p>
+                <a:r>
+                  <a:rPr lang="pt-BR" dirty="0"/>
+                  <a:t>O algoritmo inicializa os pesos, </a:t>
+                </a:r>
+                <a14:m>
+                  <m:oMath xmlns:m="http://schemas.openxmlformats.org/officeDocument/2006/math">
+                    <m:r>
+                      <a:rPr lang="en-US" b="1" i="1">
+                        <a:latin typeface="Cambria Math" panose="02040503050406030204" pitchFamily="18" charset="0"/>
+                      </a:rPr>
+                      <m:t>𝒂</m:t>
+                    </m:r>
+                  </m:oMath>
+                </a14:m>
+                <a:r>
+                  <a:rPr lang="pt-BR" dirty="0"/>
+                  <a:t>, em um ponto aleatório do </a:t>
+                </a:r>
+                <a:r>
+                  <a:rPr lang="pt-BR" b="1" i="1" dirty="0"/>
+                  <a:t>espaço de pesos</a:t>
+                </a:r>
+                <a:r>
+                  <a:rPr lang="pt-BR" dirty="0"/>
+                  <a:t> </a:t>
+                </a:r>
+                <a:r>
+                  <a:rPr lang="pt-BR" dirty="0" smtClean="0"/>
+                  <a:t>e, </a:t>
+                </a:r>
+                <a:r>
+                  <a:rPr lang="pt-BR" dirty="0"/>
+                  <a:t>então, </a:t>
+                </a:r>
+                <a:r>
+                  <a:rPr lang="pt-BR" dirty="0" smtClean="0"/>
+                  <a:t>aplica a </a:t>
+                </a:r>
+                <a:r>
+                  <a:rPr lang="pt-BR" b="1" i="1" dirty="0" smtClean="0"/>
+                  <a:t>regra de atualização dos pesos </a:t>
+                </a:r>
+                <a:r>
+                  <a:rPr lang="pt-BR" dirty="0" smtClean="0"/>
+                  <a:t>até </a:t>
+                </a:r>
+                <a:r>
+                  <a:rPr lang="pt-BR" dirty="0"/>
+                  <a:t>que </a:t>
+                </a:r>
+                <a:r>
+                  <a:rPr lang="pt-BR" dirty="0" smtClean="0"/>
+                  <a:t>o algoritmo convirja (e.g., erro entre duas iterações subsequentes) ou o </a:t>
+                </a:r>
+                <a:r>
+                  <a:rPr lang="pt-BR" dirty="0"/>
+                  <a:t>número máximo de iterações seja </a:t>
+                </a:r>
+                <a:r>
+                  <a:rPr lang="pt-BR" dirty="0" smtClean="0"/>
+                  <a:t>atingido.</a:t>
+                </a:r>
+                <a:endParaRPr lang="pt-BR" dirty="0"/>
+              </a:p>
+            </p:txBody>
+          </p:sp>
+        </mc:Choice>
+        <mc:Fallback xmlns="">
+          <p:sp>
+            <p:nvSpPr>
+              <p:cNvPr id="3" name="Content Placeholder 2"/>
+              <p:cNvSpPr>
+                <a:spLocks noGrp="1" noRot="1" noChangeAspect="1" noMove="1" noResize="1" noEditPoints="1" noAdjustHandles="1" noChangeArrowheads="1" noChangeShapeType="1" noTextEdit="1"/>
+              </p:cNvSpPr>
+              <p:nvPr>
+                <p:ph idx="1"/>
+              </p:nvPr>
+            </p:nvSpPr>
+            <p:spPr>
+              <a:xfrm>
+                <a:off x="838199" y="1481172"/>
+                <a:ext cx="11165115" cy="945164"/>
+              </a:xfrm>
+              <a:blipFill rotWithShape="0">
+                <a:blip r:embed="rId6"/>
+                <a:stretch>
+                  <a:fillRect l="-710" t="-14839" r="-764" b="-7742"/>
+                </a:stretch>
+              </a:blipFill>
+            </p:spPr>
+            <p:txBody>
+              <a:bodyPr/>
+              <a:lstStyle/>
+              <a:p>
+                <a:r>
+                  <a:rPr lang="en-US">
+                    <a:noFill/>
+                  </a:rPr>
+                  <a:t> </a:t>
+                </a:r>
+              </a:p>
+            </p:txBody>
+          </p:sp>
+        </mc:Fallback>
+      </mc:AlternateContent>
+      <p:sp>
+        <p:nvSpPr>
+          <p:cNvPr id="12" name="Retângulo 11"/>
+          <p:cNvSpPr/>
+          <p:nvPr/>
+        </p:nvSpPr>
+        <p:spPr>
+          <a:xfrm>
+            <a:off x="3306678" y="3976697"/>
+            <a:ext cx="4216154" cy="276999"/>
+          </a:xfrm>
+          <a:prstGeom prst="rect">
+            <a:avLst/>
+          </a:prstGeom>
+        </p:spPr>
+        <p:txBody>
+          <a:bodyPr wrap="none">
+            <a:spAutoFit/>
+          </a:bodyPr>
+          <a:lstStyle/>
+          <a:p>
+            <a:r>
+              <a:rPr lang="en-US" sz="1200" dirty="0" err="1" smtClean="0"/>
+              <a:t>Os</a:t>
+            </a:r>
+            <a:r>
+              <a:rPr lang="en-US" sz="1200" dirty="0" smtClean="0"/>
+              <a:t> pesos </a:t>
+            </a:r>
+            <a:r>
+              <a:rPr lang="en-US" sz="1200" dirty="0" err="1"/>
+              <a:t>são</a:t>
+            </a:r>
+            <a:r>
+              <a:rPr lang="en-US" sz="1200" dirty="0"/>
+              <a:t> </a:t>
+            </a:r>
+            <a:r>
+              <a:rPr lang="en-US" sz="1200" dirty="0" err="1"/>
+              <a:t>atualizados</a:t>
+            </a:r>
+            <a:r>
+              <a:rPr lang="en-US" sz="1200" dirty="0"/>
+              <a:t> </a:t>
+            </a:r>
+            <a:r>
+              <a:rPr lang="en-US" sz="1200" dirty="0" err="1"/>
+              <a:t>na</a:t>
+            </a:r>
+            <a:r>
+              <a:rPr lang="en-US" sz="1200" dirty="0"/>
+              <a:t> </a:t>
+            </a:r>
+            <a:r>
+              <a:rPr lang="en-US" sz="1200" dirty="0" err="1"/>
+              <a:t>direção</a:t>
+            </a:r>
+            <a:r>
+              <a:rPr lang="en-US" sz="1200" dirty="0"/>
+              <a:t> </a:t>
+            </a:r>
+            <a:r>
+              <a:rPr lang="en-US" sz="1200" dirty="0" err="1"/>
+              <a:t>oposta</a:t>
+            </a:r>
+            <a:r>
+              <a:rPr lang="en-US" sz="1200" dirty="0"/>
+              <a:t> a do </a:t>
+            </a:r>
+            <a:r>
+              <a:rPr lang="en-US" sz="1200" dirty="0" err="1"/>
+              <a:t>vetor</a:t>
+            </a:r>
+            <a:r>
+              <a:rPr lang="en-US" sz="1200" dirty="0"/>
+              <a:t> </a:t>
+            </a:r>
+            <a:r>
+              <a:rPr lang="en-US" sz="1200" dirty="0" err="1" smtClean="0"/>
+              <a:t>gradiente</a:t>
+            </a:r>
+            <a:r>
+              <a:rPr lang="en-US" sz="1200" dirty="0" smtClean="0"/>
+              <a:t>. </a:t>
+            </a:r>
+            <a:endParaRPr lang="en-US" sz="1200" dirty="0"/>
+          </a:p>
+        </p:txBody>
+      </p:sp>
       <p:cxnSp>
         <p:nvCxnSpPr>
-          <p:cNvPr id="8" name="Straight Arrow Connector 7"/>
-          <p:cNvCxnSpPr/>
+          <p:cNvPr id="14" name="Conector angulado 13"/>
+          <p:cNvCxnSpPr>
+            <a:endCxn id="12" idx="1"/>
+          </p:cNvCxnSpPr>
           <p:nvPr/>
         </p:nvCxnSpPr>
         <p:spPr>
-          <a:xfrm flipH="1">
-            <a:off x="3022601" y="2075543"/>
-            <a:ext cx="3087913" cy="1919507"/>
+          <a:xfrm rot="16200000" flipH="1">
+            <a:off x="2921744" y="3730263"/>
+            <a:ext cx="457598" cy="312270"/>
           </a:xfrm>
-          <a:prstGeom prst="straightConnector1">
+          <a:prstGeom prst="bentConnector2">
             <a:avLst/>
           </a:prstGeom>
-          <a:ln w="28575">
+          <a:ln>
             <a:solidFill>
               <a:srgbClr val="FF0000"/>
             </a:solidFill>
@@ -18642,39 +19873,10 @@
           </a:fontRef>
         </p:style>
       </p:cxnSp>
-      <p:pic>
-        <p:nvPicPr>
-          <p:cNvPr id="6" name="Picture 5"/>
-          <p:cNvPicPr>
-            <a:picLocks noChangeAspect="1"/>
-          </p:cNvPicPr>
-          <p:nvPr/>
-        </p:nvPicPr>
-        <p:blipFill rotWithShape="1">
-          <a:blip r:embed="rId6">
-            <a:extLst>
-              <a:ext uri="{28A0092B-C50C-407E-A947-70E740481C1C}">
-                <a14:useLocalDpi xmlns:a14="http://schemas.microsoft.com/office/drawing/2010/main" val="0"/>
-              </a:ext>
-            </a:extLst>
-          </a:blip>
-          <a:srcRect t="48368" r="2754" b="1527"/>
-          <a:stretch/>
-        </p:blipFill>
-        <p:spPr>
-          <a:xfrm>
-            <a:off x="8514416" y="2562159"/>
-            <a:ext cx="3186242" cy="2093949"/>
-          </a:xfrm>
-          <a:prstGeom prst="rect">
-            <a:avLst/>
-          </a:prstGeom>
-        </p:spPr>
-      </p:pic>
     </p:spTree>
     <p:extLst>
       <p:ext uri="{BB962C8B-B14F-4D97-AF65-F5344CB8AC3E}">
-        <p14:creationId xmlns:p14="http://schemas.microsoft.com/office/powerpoint/2010/main" val="952738358"/>
+        <p14:creationId xmlns:p14="http://schemas.microsoft.com/office/powerpoint/2010/main" val="1839669397"/>
       </p:ext>
     </p:extLst>
   </p:cSld>
@@ -18691,7 +19893,7 @@
 </p:sld>
 </file>
 
-<file path=ppt/slides/slide8.xml><?xml version="1.0" encoding="utf-8"?>
+<file path=ppt/slides/slide9.xml><?xml version="1.0" encoding="utf-8"?>
 <p:sld xmlns:a="http://schemas.openxmlformats.org/drawingml/2006/main" xmlns:r="http://schemas.openxmlformats.org/officeDocument/2006/relationships" xmlns:p="http://schemas.openxmlformats.org/presentationml/2006/main">
   <p:cSld>
     <p:spTree>
@@ -21631,122 +22833,6 @@
 </p:sld>
 </file>
 
-<file path=ppt/slides/slide9.xml><?xml version="1.0" encoding="utf-8"?>
-<p:sld xmlns:a="http://schemas.openxmlformats.org/drawingml/2006/main" xmlns:r="http://schemas.openxmlformats.org/officeDocument/2006/relationships" xmlns:p="http://schemas.openxmlformats.org/presentationml/2006/main">
-  <p:cSld>
-    <p:spTree>
-      <p:nvGrpSpPr>
-        <p:cNvPr id="1" name=""/>
-        <p:cNvGrpSpPr/>
-        <p:nvPr/>
-      </p:nvGrpSpPr>
-      <p:grpSpPr>
-        <a:xfrm>
-          <a:off x="0" y="0"/>
-          <a:ext cx="0" cy="0"/>
-          <a:chOff x="0" y="0"/>
-          <a:chExt cx="0" cy="0"/>
-        </a:xfrm>
-      </p:grpSpPr>
-      <p:sp>
-        <p:nvSpPr>
-          <p:cNvPr id="2" name="Título 1"/>
-          <p:cNvSpPr>
-            <a:spLocks noGrp="1"/>
-          </p:cNvSpPr>
-          <p:nvPr>
-            <p:ph type="title"/>
-          </p:nvPr>
-        </p:nvSpPr>
-        <p:spPr/>
-        <p:txBody>
-          <a:bodyPr/>
-          <a:lstStyle/>
-          <a:p>
-            <a:r>
-              <a:rPr lang="pt-BR" dirty="0"/>
-              <a:t>Versões do Gradiente Descendente</a:t>
-            </a:r>
-            <a:endParaRPr lang="en-US" dirty="0"/>
-          </a:p>
-        </p:txBody>
-      </p:sp>
-      <p:sp>
-        <p:nvSpPr>
-          <p:cNvPr id="3" name="Espaço Reservado para Conteúdo 2"/>
-          <p:cNvSpPr>
-            <a:spLocks noGrp="1"/>
-          </p:cNvSpPr>
-          <p:nvPr>
-            <p:ph idx="1"/>
-          </p:nvPr>
-        </p:nvSpPr>
-        <p:spPr>
-          <a:xfrm>
-            <a:off x="838200" y="1825625"/>
-            <a:ext cx="11173178" cy="4812242"/>
-          </a:xfrm>
-        </p:spPr>
-        <p:txBody>
-          <a:bodyPr/>
-          <a:lstStyle/>
-          <a:p>
-            <a:r>
-              <a:rPr lang="pt-BR" dirty="0"/>
-              <a:t>Existem 3 diferentes versões para a implementação do algoritmo do Gradiente Descendente: </a:t>
-            </a:r>
-            <a:endParaRPr lang="pt-BR" dirty="0" smtClean="0"/>
-          </a:p>
-          <a:p>
-            <a:pPr lvl="1">
-              <a:buFont typeface="Wingdings" panose="05000000000000000000" pitchFamily="2" charset="2"/>
-              <a:buChar char="§"/>
-            </a:pPr>
-            <a:r>
-              <a:rPr lang="pt-BR" dirty="0" smtClean="0"/>
-              <a:t>Batelada;</a:t>
-            </a:r>
-          </a:p>
-          <a:p>
-            <a:pPr lvl="1">
-              <a:buFont typeface="Wingdings" panose="05000000000000000000" pitchFamily="2" charset="2"/>
-              <a:buChar char="§"/>
-            </a:pPr>
-            <a:r>
-              <a:rPr lang="pt-BR" dirty="0" smtClean="0"/>
-              <a:t>Estocástico;</a:t>
-            </a:r>
-          </a:p>
-          <a:p>
-            <a:pPr lvl="1">
-              <a:buFont typeface="Wingdings" panose="05000000000000000000" pitchFamily="2" charset="2"/>
-              <a:buChar char="§"/>
-            </a:pPr>
-            <a:r>
-              <a:rPr lang="pt-BR" dirty="0" err="1" smtClean="0"/>
-              <a:t>Mini-Batch</a:t>
-            </a:r>
-            <a:r>
-              <a:rPr lang="pt-BR" dirty="0" smtClean="0"/>
-              <a:t>.</a:t>
-            </a:r>
-            <a:endParaRPr lang="pt-BR" dirty="0"/>
-          </a:p>
-        </p:txBody>
-      </p:sp>
-    </p:spTree>
-    <p:extLst>
-      <p:ext uri="{BB962C8B-B14F-4D97-AF65-F5344CB8AC3E}">
-        <p14:creationId xmlns:p14="http://schemas.microsoft.com/office/powerpoint/2010/main" val="3674961612"/>
-      </p:ext>
-    </p:extLst>
-  </p:cSld>
-  <p:clrMapOvr>
-    <a:masterClrMapping/>
-  </p:clrMapOvr>
-</p:sld>
-</file>
-
 <file path=ppt/theme/theme1.xml><?xml version="1.0" encoding="utf-8"?>
 <a:theme xmlns:a="http://schemas.openxmlformats.org/drawingml/2006/main" name="Office Theme">
   <a:themeElements>

--- a/slides/T319_Regressão_Linear (Parte II).pptx
+++ b/slides/T319_Regressão_Linear (Parte II).pptx
@@ -543,7 +543,7 @@
           <a:p>
             <a:fld id="{DAF0AF11-6A8A-4E64-94F5-26D4FBA2A01D}" type="datetimeFigureOut">
               <a:rPr lang="nl-BE" smtClean="0"/>
-              <a:t>16/09/2022</a:t>
+              <a:t>30/09/2022</a:t>
             </a:fld>
             <a:endParaRPr lang="nl-BE"/>
           </a:p>
@@ -6662,7 +6662,7 @@
           <a:p>
             <a:fld id="{C80E15A5-E95B-43EB-9AC7-9A96397448C0}" type="datetimeFigureOut">
               <a:rPr lang="nl-BE" smtClean="0"/>
-              <a:t>16/09/2022</a:t>
+              <a:t>30/09/2022</a:t>
             </a:fld>
             <a:endParaRPr lang="nl-BE"/>
           </a:p>
@@ -6832,7 +6832,7 @@
           <a:p>
             <a:fld id="{C80E15A5-E95B-43EB-9AC7-9A96397448C0}" type="datetimeFigureOut">
               <a:rPr lang="nl-BE" smtClean="0"/>
-              <a:t>16/09/2022</a:t>
+              <a:t>30/09/2022</a:t>
             </a:fld>
             <a:endParaRPr lang="nl-BE"/>
           </a:p>
@@ -7012,7 +7012,7 @@
           <a:p>
             <a:fld id="{C80E15A5-E95B-43EB-9AC7-9A96397448C0}" type="datetimeFigureOut">
               <a:rPr lang="nl-BE" smtClean="0"/>
-              <a:t>16/09/2022</a:t>
+              <a:t>30/09/2022</a:t>
             </a:fld>
             <a:endParaRPr lang="nl-BE"/>
           </a:p>
@@ -7182,7 +7182,7 @@
           <a:p>
             <a:fld id="{C80E15A5-E95B-43EB-9AC7-9A96397448C0}" type="datetimeFigureOut">
               <a:rPr lang="nl-BE" smtClean="0"/>
-              <a:t>16/09/2022</a:t>
+              <a:t>30/09/2022</a:t>
             </a:fld>
             <a:endParaRPr lang="nl-BE"/>
           </a:p>
@@ -7428,7 +7428,7 @@
           <a:p>
             <a:fld id="{C80E15A5-E95B-43EB-9AC7-9A96397448C0}" type="datetimeFigureOut">
               <a:rPr lang="nl-BE" smtClean="0"/>
-              <a:t>16/09/2022</a:t>
+              <a:t>30/09/2022</a:t>
             </a:fld>
             <a:endParaRPr lang="nl-BE"/>
           </a:p>
@@ -7660,7 +7660,7 @@
           <a:p>
             <a:fld id="{C80E15A5-E95B-43EB-9AC7-9A96397448C0}" type="datetimeFigureOut">
               <a:rPr lang="nl-BE" smtClean="0"/>
-              <a:t>16/09/2022</a:t>
+              <a:t>30/09/2022</a:t>
             </a:fld>
             <a:endParaRPr lang="nl-BE"/>
           </a:p>
@@ -8027,7 +8027,7 @@
           <a:p>
             <a:fld id="{C80E15A5-E95B-43EB-9AC7-9A96397448C0}" type="datetimeFigureOut">
               <a:rPr lang="nl-BE" smtClean="0"/>
-              <a:t>16/09/2022</a:t>
+              <a:t>30/09/2022</a:t>
             </a:fld>
             <a:endParaRPr lang="nl-BE"/>
           </a:p>
@@ -8145,7 +8145,7 @@
           <a:p>
             <a:fld id="{C80E15A5-E95B-43EB-9AC7-9A96397448C0}" type="datetimeFigureOut">
               <a:rPr lang="nl-BE" smtClean="0"/>
-              <a:t>16/09/2022</a:t>
+              <a:t>30/09/2022</a:t>
             </a:fld>
             <a:endParaRPr lang="nl-BE"/>
           </a:p>
@@ -8240,7 +8240,7 @@
           <a:p>
             <a:fld id="{C80E15A5-E95B-43EB-9AC7-9A96397448C0}" type="datetimeFigureOut">
               <a:rPr lang="nl-BE" smtClean="0"/>
-              <a:t>16/09/2022</a:t>
+              <a:t>30/09/2022</a:t>
             </a:fld>
             <a:endParaRPr lang="nl-BE"/>
           </a:p>
@@ -8517,7 +8517,7 @@
           <a:p>
             <a:fld id="{C80E15A5-E95B-43EB-9AC7-9A96397448C0}" type="datetimeFigureOut">
               <a:rPr lang="nl-BE" smtClean="0"/>
-              <a:t>16/09/2022</a:t>
+              <a:t>30/09/2022</a:t>
             </a:fld>
             <a:endParaRPr lang="nl-BE"/>
           </a:p>
@@ -8770,7 +8770,7 @@
           <a:p>
             <a:fld id="{C80E15A5-E95B-43EB-9AC7-9A96397448C0}" type="datetimeFigureOut">
               <a:rPr lang="nl-BE" smtClean="0"/>
-              <a:t>16/09/2022</a:t>
+              <a:t>30/09/2022</a:t>
             </a:fld>
             <a:endParaRPr lang="nl-BE"/>
           </a:p>
@@ -8983,7 +8983,7 @@
           <a:p>
             <a:fld id="{C80E15A5-E95B-43EB-9AC7-9A96397448C0}" type="datetimeFigureOut">
               <a:rPr lang="nl-BE" smtClean="0"/>
-              <a:t>16/09/2022</a:t>
+              <a:t>30/09/2022</a:t>
             </a:fld>
             <a:endParaRPr lang="nl-BE"/>
           </a:p>
@@ -9393,7 +9393,7 @@
           <p:cNvPr id="2" name="Título 1">
             <a:extLst>
               <a:ext uri="{FF2B5EF4-FFF2-40B4-BE49-F238E27FC236}">
-                <a16:creationId xmlns:a16="http://schemas.microsoft.com/office/drawing/2014/main" xmlns="" id="{32666AC8-2E17-4DB4-B0F5-60C640CCFD2E}"/>
+                <a16:creationId xmlns="" xmlns:a16="http://schemas.microsoft.com/office/drawing/2014/main" id="{32666AC8-2E17-4DB4-B0F5-60C640CCFD2E}"/>
               </a:ext>
             </a:extLst>
           </p:cNvPr>
@@ -9452,7 +9452,7 @@
           <p:cNvPr id="4" name="CaixaDeTexto 3">
             <a:extLst>
               <a:ext uri="{FF2B5EF4-FFF2-40B4-BE49-F238E27FC236}">
-                <a16:creationId xmlns:a16="http://schemas.microsoft.com/office/drawing/2014/main" xmlns="" id="{430EB894-B7D4-434C-9D1A-A14094D9BEEC}"/>
+                <a16:creationId xmlns="" xmlns:a16="http://schemas.microsoft.com/office/drawing/2014/main" id="{430EB894-B7D4-434C-9D1A-A14094D9BEEC}"/>
               </a:ext>
             </a:extLst>
           </p:cNvPr>
@@ -9493,7 +9493,7 @@
           <p:cNvPr id="1026" name="Picture 2" descr="Logo">
             <a:extLst>
               <a:ext uri="{FF2B5EF4-FFF2-40B4-BE49-F238E27FC236}">
-                <a16:creationId xmlns:a16="http://schemas.microsoft.com/office/drawing/2014/main" xmlns="" id="{3F2642E0-4F6A-4196-8F58-E77D36E9A33F}"/>
+                <a16:creationId xmlns="" xmlns:a16="http://schemas.microsoft.com/office/drawing/2014/main" id="{3F2642E0-4F6A-4196-8F58-E77D36E9A33F}"/>
               </a:ext>
             </a:extLst>
           </p:cNvPr>
@@ -9538,7 +9538,7 @@
           <p:cNvPr id="5122" name="Picture 2" descr="Image result for machine learning">
             <a:extLst>
               <a:ext uri="{FF2B5EF4-FFF2-40B4-BE49-F238E27FC236}">
-                <a16:creationId xmlns:a16="http://schemas.microsoft.com/office/drawing/2014/main" xmlns="" id="{810CE0A2-4102-44A6-A370-175E7896CDCB}"/>
+                <a16:creationId xmlns="" xmlns:a16="http://schemas.microsoft.com/office/drawing/2014/main" id="{810CE0A2-4102-44A6-A370-175E7896CDCB}"/>
               </a:ext>
             </a:extLst>
           </p:cNvPr>
@@ -9664,11 +9664,7 @@
             </a:r>
             <a:r>
               <a:rPr lang="pt-BR" dirty="0" smtClean="0"/>
-              <a:t>três </a:t>
-            </a:r>
-            <a:r>
-              <a:rPr lang="pt-BR" dirty="0" smtClean="0"/>
-              <a:t>versões diferentes para </a:t>
+              <a:t>três versões diferentes para </a:t>
             </a:r>
             <a:r>
               <a:rPr lang="pt-BR" dirty="0"/>
@@ -9786,8 +9782,8 @@
           </a:p>
         </p:txBody>
       </p:sp>
-      <mc:AlternateContent xmlns:mc="http://schemas.openxmlformats.org/markup-compatibility/2006">
-        <mc:Choice xmlns:a14="http://schemas.microsoft.com/office/drawing/2010/main" Requires="a14">
+      <mc:AlternateContent xmlns:mc="http://schemas.openxmlformats.org/markup-compatibility/2006" xmlns:a14="http://schemas.microsoft.com/office/drawing/2010/main">
+        <mc:Choice Requires="a14">
           <p:sp>
             <p:nvSpPr>
               <p:cNvPr id="3" name="Content Placeholder 2"/>
@@ -10266,7 +10262,7 @@
             </p:txBody>
           </p:sp>
         </mc:Choice>
-        <mc:Fallback>
+        <mc:Fallback xmlns="">
           <p:sp>
             <p:nvSpPr>
               <p:cNvPr id="3" name="Content Placeholder 2"/>
@@ -10418,8 +10414,8 @@
           </a:p>
         </p:txBody>
       </p:sp>
-      <mc:AlternateContent xmlns:mc="http://schemas.openxmlformats.org/markup-compatibility/2006">
-        <mc:Choice xmlns:a14="http://schemas.microsoft.com/office/drawing/2010/main" Requires="a14">
+      <mc:AlternateContent xmlns:mc="http://schemas.openxmlformats.org/markup-compatibility/2006" xmlns:a14="http://schemas.microsoft.com/office/drawing/2010/main">
+        <mc:Choice Requires="a14">
           <p:sp>
             <p:nvSpPr>
               <p:cNvPr id="3" name="Content Placeholder 2"/>
@@ -10611,7 +10607,7 @@
             </p:txBody>
           </p:sp>
         </mc:Choice>
-        <mc:Fallback>
+        <mc:Fallback xmlns="">
           <p:sp>
             <p:nvSpPr>
               <p:cNvPr id="3" name="Content Placeholder 2"/>
@@ -10850,8 +10846,8 @@
           </a:p>
         </p:txBody>
       </p:sp>
-      <mc:AlternateContent xmlns:mc="http://schemas.openxmlformats.org/markup-compatibility/2006">
-        <mc:Choice xmlns:a14="http://schemas.microsoft.com/office/drawing/2010/main" Requires="a14">
+      <mc:AlternateContent xmlns:mc="http://schemas.openxmlformats.org/markup-compatibility/2006" xmlns:a14="http://schemas.microsoft.com/office/drawing/2010/main">
+        <mc:Choice Requires="a14">
           <p:sp>
             <p:nvSpPr>
               <p:cNvPr id="3" name="Content Placeholder 2"/>
@@ -11257,15 +11253,7 @@
                 </a:r>
                 <a:r>
                   <a:rPr lang="pt-BR" dirty="0" smtClean="0"/>
-                  <a:t> (</a:t>
-                </a:r>
-                <a:r>
-                  <a:rPr lang="pt-BR" dirty="0" smtClean="0"/>
-                  <a:t>e.g., </a:t>
-                </a:r>
-                <a:r>
-                  <a:rPr lang="pt-BR" dirty="0" smtClean="0"/>
-                  <a:t>sensores).</a:t>
+                  <a:t> (e.g., sensores).</a:t>
                 </a:r>
               </a:p>
               <a:p>
@@ -11293,7 +11281,6 @@
                   <a:rPr lang="pt-BR" dirty="0" smtClean="0"/>
                   <a:t>(toma-se amostras aleatoriamente). </a:t>
                 </a:r>
-                <a:endParaRPr lang="pt-BR" dirty="0" smtClean="0"/>
               </a:p>
               <a:p>
                 <a:pPr lvl="1" algn="just">
@@ -11398,7 +11385,7 @@
             </p:txBody>
           </p:sp>
         </mc:Choice>
-        <mc:Fallback>
+        <mc:Fallback xmlns="">
           <p:sp>
             <p:nvSpPr>
               <p:cNvPr id="3" name="Content Placeholder 2"/>
@@ -11952,8 +11939,8 @@
           </a:p>
         </p:txBody>
       </p:sp>
-      <mc:AlternateContent xmlns:mc="http://schemas.openxmlformats.org/markup-compatibility/2006" xmlns:a14="http://schemas.microsoft.com/office/drawing/2010/main">
-        <mc:Choice Requires="a14">
+      <mc:AlternateContent xmlns:mc="http://schemas.openxmlformats.org/markup-compatibility/2006">
+        <mc:Choice xmlns:a14="http://schemas.microsoft.com/office/drawing/2010/main" Requires="a14">
           <p:sp>
             <p:nvSpPr>
               <p:cNvPr id="3" name="Content Placeholder 2"/>
@@ -11967,7 +11954,7 @@
             <p:spPr>
               <a:xfrm>
                 <a:off x="838199" y="1590675"/>
-                <a:ext cx="11132128" cy="5158467"/>
+                <a:ext cx="11106666" cy="5267325"/>
               </a:xfrm>
             </p:spPr>
             <p:txBody>
@@ -12451,13 +12438,26 @@
                 </a:pPr>
                 <a:r>
                   <a:rPr lang="pt-BR" dirty="0"/>
-                  <a:t>Pode usar esquemas de variação do passo de aprendizagem para melhorar a convergência.</a:t>
-                </a:r>
+                  <a:t>Pode usar esquemas de variação do passo de aprendizagem para melhorar a </a:t>
+                </a:r>
+                <a:r>
+                  <a:rPr lang="pt-BR" dirty="0" smtClean="0"/>
+                  <a:t>convergência caso o </a:t>
+                </a:r>
+                <a:r>
+                  <a:rPr lang="pt-BR" dirty="0" err="1" smtClean="0"/>
+                  <a:t>mini-batch</a:t>
+                </a:r>
+                <a:r>
+                  <a:rPr lang="pt-BR" dirty="0" smtClean="0"/>
+                  <a:t> seja muito pequeno.</a:t>
+                </a:r>
+                <a:endParaRPr lang="pt-BR" dirty="0"/>
               </a:p>
             </p:txBody>
           </p:sp>
         </mc:Choice>
-        <mc:Fallback xmlns="">
+        <mc:Fallback>
           <p:sp>
             <p:nvSpPr>
               <p:cNvPr id="3" name="Content Placeholder 2"/>
@@ -12471,12 +12471,12 @@
             <p:spPr>
               <a:xfrm>
                 <a:off x="838199" y="1590675"/>
-                <a:ext cx="11132128" cy="5158467"/>
+                <a:ext cx="11106666" cy="5267325"/>
               </a:xfrm>
               <a:blipFill rotWithShape="0">
                 <a:blip r:embed="rId3"/>
                 <a:stretch>
-                  <a:fillRect l="-930" t="-2364" r="-930"/>
+                  <a:fillRect l="-933" t="-2315" r="-988" b="-926"/>
                 </a:stretch>
               </a:blipFill>
             </p:spPr>
@@ -12485,7 +12485,7 @@
               <a:lstStyle/>
               <a:p>
                 <a:r>
-                  <a:rPr lang="en-US">
+                  <a:rPr lang="pt-BR">
                     <a:noFill/>
                   </a:rPr>
                   <a:t> </a:t>
@@ -12939,170 +12939,242 @@
           </a:prstGeom>
         </p:spPr>
       </p:pic>
-      <p:sp>
-        <p:nvSpPr>
-          <p:cNvPr id="18" name="Content Placeholder 2"/>
-          <p:cNvSpPr>
-            <a:spLocks noGrp="1"/>
-          </p:cNvSpPr>
-          <p:nvPr>
-            <p:ph idx="1"/>
-          </p:nvPr>
-        </p:nvSpPr>
-        <p:spPr>
-          <a:xfrm>
-            <a:off x="838200" y="1209082"/>
-            <a:ext cx="4750126" cy="5622666"/>
-          </a:xfrm>
-        </p:spPr>
-        <p:txBody>
-          <a:bodyPr>
-            <a:normAutofit fontScale="92500"/>
-          </a:bodyPr>
-          <a:lstStyle/>
-          <a:p>
-            <a:pPr>
-              <a:spcBef>
-                <a:spcPts val="0"/>
-              </a:spcBef>
-            </a:pPr>
-            <a:r>
-              <a:rPr lang="pt-BR" b="1" i="1" dirty="0"/>
-              <a:t>P</a:t>
-            </a:r>
-            <a:r>
-              <a:rPr lang="pt-BR" b="1" i="1" dirty="0" smtClean="0"/>
-              <a:t>rogresso menos </a:t>
-            </a:r>
-            <a:r>
-              <a:rPr lang="pt-BR" b="1" i="1" dirty="0"/>
-              <a:t>irregular </a:t>
-            </a:r>
-            <a:r>
-              <a:rPr lang="pt-BR" dirty="0"/>
-              <a:t>do que com o </a:t>
-            </a:r>
-            <a:r>
-              <a:rPr lang="pt-BR" dirty="0" smtClean="0"/>
-              <a:t>GDE, </a:t>
-            </a:r>
-            <a:r>
-              <a:rPr lang="pt-BR" dirty="0"/>
-              <a:t>especialmente com mini-batches </a:t>
-            </a:r>
-            <a:r>
-              <a:rPr lang="pt-BR" dirty="0" smtClean="0"/>
-              <a:t>maiores.</a:t>
-            </a:r>
-            <a:endParaRPr lang="pt-BR" dirty="0"/>
-          </a:p>
-          <a:p>
-            <a:pPr>
-              <a:spcBef>
-                <a:spcPts val="0"/>
-              </a:spcBef>
-            </a:pPr>
-            <a:r>
-              <a:rPr lang="pt-BR" dirty="0"/>
-              <a:t>Como resultado, </a:t>
-            </a:r>
-            <a:r>
-              <a:rPr lang="pt-BR" dirty="0" smtClean="0"/>
-              <a:t>essa versão </a:t>
-            </a:r>
-            <a:r>
-              <a:rPr lang="pt-BR" b="1" i="1" dirty="0" smtClean="0"/>
-              <a:t>oscila </a:t>
-            </a:r>
-            <a:r>
-              <a:rPr lang="pt-BR" b="1" i="1" dirty="0"/>
-              <a:t>menos ao redor do mínimo global</a:t>
-            </a:r>
-            <a:r>
-              <a:rPr lang="pt-BR" dirty="0"/>
-              <a:t> do que o GDE.</a:t>
-            </a:r>
-          </a:p>
-          <a:p>
-            <a:pPr>
-              <a:spcBef>
-                <a:spcPts val="0"/>
-              </a:spcBef>
-            </a:pPr>
-            <a:r>
-              <a:rPr lang="pt-BR" dirty="0"/>
-              <a:t>Tem </a:t>
-            </a:r>
-            <a:r>
-              <a:rPr lang="pt-BR" b="1" i="1" dirty="0"/>
-              <a:t>comportamento mais próximo do GD em batelada</a:t>
-            </a:r>
-            <a:r>
-              <a:rPr lang="pt-BR" dirty="0"/>
-              <a:t> para </a:t>
-            </a:r>
-            <a:r>
-              <a:rPr lang="pt-BR" dirty="0" smtClean="0"/>
-              <a:t>mini-batches </a:t>
-            </a:r>
-            <a:r>
-              <a:rPr lang="pt-BR" dirty="0"/>
-              <a:t>maiores.</a:t>
-            </a:r>
-          </a:p>
-          <a:p>
-            <a:pPr>
-              <a:spcBef>
-                <a:spcPts val="0"/>
-              </a:spcBef>
-            </a:pPr>
-            <a:r>
-              <a:rPr lang="pt-BR" b="1" i="1" dirty="0"/>
-              <a:t>Oscilação</a:t>
-            </a:r>
-            <a:r>
-              <a:rPr lang="pt-BR" dirty="0"/>
-              <a:t> em torno do mínimo </a:t>
-            </a:r>
-            <a:r>
-              <a:rPr lang="pt-BR" b="1" i="1" dirty="0"/>
-              <a:t>diminui conforme o tamanho do mini-batch aumenta</a:t>
-            </a:r>
-            <a:r>
-              <a:rPr lang="pt-BR" dirty="0"/>
-              <a:t>.</a:t>
-            </a:r>
-          </a:p>
-          <a:p>
-            <a:pPr>
-              <a:spcBef>
-                <a:spcPts val="0"/>
-              </a:spcBef>
-            </a:pPr>
-            <a:r>
-              <a:rPr lang="pt-BR" dirty="0"/>
-              <a:t>Pode também ser usado com um </a:t>
-            </a:r>
-            <a:r>
-              <a:rPr lang="pt-BR" b="1" i="1" dirty="0" smtClean="0"/>
-              <a:t>esquema de variação do </a:t>
-            </a:r>
-            <a:r>
-              <a:rPr lang="pt-BR" b="1" i="1" dirty="0"/>
-              <a:t>passo de </a:t>
-            </a:r>
-            <a:r>
-              <a:rPr lang="pt-BR" b="1" i="1" dirty="0" smtClean="0"/>
-              <a:t>aprendizagem</a:t>
-            </a:r>
-            <a:r>
-              <a:rPr lang="pt-BR" dirty="0" smtClean="0"/>
-              <a:t>.</a:t>
-            </a:r>
-            <a:endParaRPr lang="pt-BR" dirty="0"/>
-          </a:p>
-        </p:txBody>
-      </p:sp>
+      <mc:AlternateContent xmlns:mc="http://schemas.openxmlformats.org/markup-compatibility/2006">
+        <mc:Choice xmlns:a14="http://schemas.microsoft.com/office/drawing/2010/main" Requires="a14">
+          <p:sp>
+            <p:nvSpPr>
+              <p:cNvPr id="18" name="Content Placeholder 2"/>
+              <p:cNvSpPr>
+                <a:spLocks noGrp="1"/>
+              </p:cNvSpPr>
+              <p:nvPr>
+                <p:ph idx="1"/>
+              </p:nvPr>
+            </p:nvSpPr>
+            <p:spPr>
+              <a:xfrm>
+                <a:off x="838200" y="1209082"/>
+                <a:ext cx="4750126" cy="5648918"/>
+              </a:xfrm>
+            </p:spPr>
+            <p:txBody>
+              <a:bodyPr>
+                <a:normAutofit fontScale="92500"/>
+              </a:bodyPr>
+              <a:lstStyle/>
+              <a:p>
+                <a:pPr>
+                  <a:spcBef>
+                    <a:spcPts val="0"/>
+                  </a:spcBef>
+                </a:pPr>
+                <a:r>
+                  <a:rPr lang="pt-BR" b="1" i="1" dirty="0"/>
+                  <a:t>P</a:t>
+                </a:r>
+                <a:r>
+                  <a:rPr lang="pt-BR" b="1" i="1" dirty="0" smtClean="0"/>
+                  <a:t>rogresso menos </a:t>
+                </a:r>
+                <a:r>
+                  <a:rPr lang="pt-BR" b="1" i="1" dirty="0"/>
+                  <a:t>irregular </a:t>
+                </a:r>
+                <a:r>
+                  <a:rPr lang="pt-BR" dirty="0"/>
+                  <a:t>do que com o </a:t>
+                </a:r>
+                <a:r>
+                  <a:rPr lang="pt-BR" dirty="0" smtClean="0"/>
+                  <a:t>GDE, </a:t>
+                </a:r>
+                <a:r>
+                  <a:rPr lang="pt-BR" dirty="0"/>
+                  <a:t>especialmente com mini-batches </a:t>
+                </a:r>
+                <a:r>
+                  <a:rPr lang="pt-BR" dirty="0" smtClean="0"/>
+                  <a:t>maiores.</a:t>
+                </a:r>
+                <a:endParaRPr lang="pt-BR" dirty="0"/>
+              </a:p>
+              <a:p>
+                <a:pPr>
+                  <a:spcBef>
+                    <a:spcPts val="0"/>
+                  </a:spcBef>
+                </a:pPr>
+                <a:r>
+                  <a:rPr lang="pt-BR" dirty="0"/>
+                  <a:t>Como resultado, </a:t>
+                </a:r>
+                <a:r>
+                  <a:rPr lang="pt-BR" dirty="0" smtClean="0"/>
+                  <a:t>essa versão </a:t>
+                </a:r>
+                <a:r>
+                  <a:rPr lang="pt-BR" b="1" i="1" dirty="0" smtClean="0"/>
+                  <a:t>oscila </a:t>
+                </a:r>
+                <a:r>
+                  <a:rPr lang="pt-BR" b="1" i="1" dirty="0"/>
+                  <a:t>menos ao redor do mínimo global</a:t>
+                </a:r>
+                <a:r>
+                  <a:rPr lang="pt-BR" dirty="0"/>
+                  <a:t> do que o GDE.</a:t>
+                </a:r>
+              </a:p>
+              <a:p>
+                <a:pPr>
+                  <a:spcBef>
+                    <a:spcPts val="0"/>
+                  </a:spcBef>
+                </a:pPr>
+                <a:r>
+                  <a:rPr lang="pt-BR" dirty="0"/>
+                  <a:t>Tem </a:t>
+                </a:r>
+                <a:r>
+                  <a:rPr lang="pt-BR" b="1" i="1" dirty="0"/>
+                  <a:t>comportamento mais próximo do GD em batelada</a:t>
+                </a:r>
+                <a:r>
+                  <a:rPr lang="pt-BR" dirty="0"/>
+                  <a:t> para </a:t>
+                </a:r>
+                <a:r>
+                  <a:rPr lang="pt-BR" dirty="0" smtClean="0"/>
+                  <a:t>mini-batches </a:t>
+                </a:r>
+                <a:r>
+                  <a:rPr lang="pt-BR" dirty="0"/>
+                  <a:t>maiores.</a:t>
+                </a:r>
+              </a:p>
+              <a:p>
+                <a:pPr>
+                  <a:spcBef>
+                    <a:spcPts val="0"/>
+                  </a:spcBef>
+                </a:pPr>
+                <a:r>
+                  <a:rPr lang="pt-BR" b="1" i="1" dirty="0"/>
+                  <a:t>Oscilação</a:t>
+                </a:r>
+                <a:r>
+                  <a:rPr lang="pt-BR" dirty="0"/>
+                  <a:t> em torno do mínimo </a:t>
+                </a:r>
+                <a:r>
+                  <a:rPr lang="pt-BR" b="1" i="1" dirty="0"/>
+                  <a:t>diminui conforme o tamanho do mini-batch aumenta</a:t>
+                </a:r>
+                <a:r>
+                  <a:rPr lang="pt-BR" dirty="0" smtClean="0"/>
+                  <a:t>.</a:t>
+                </a:r>
+              </a:p>
+              <a:p>
+                <a:pPr>
+                  <a:spcBef>
+                    <a:spcPts val="0"/>
+                  </a:spcBef>
+                </a:pPr>
+                <a:r>
+                  <a:rPr lang="pt-BR" dirty="0"/>
+                  <a:t>E</a:t>
+                </a:r>
+                <a:r>
+                  <a:rPr lang="pt-BR" dirty="0" smtClean="0"/>
+                  <a:t>squema </a:t>
+                </a:r>
+                <a:r>
+                  <a:rPr lang="pt-BR" dirty="0"/>
+                  <a:t>de </a:t>
+                </a:r>
+                <a:r>
+                  <a:rPr lang="pt-BR" dirty="0" smtClean="0"/>
+                  <a:t>redução de </a:t>
+                </a:r>
+                <a14:m>
+                  <m:oMath xmlns:m="http://schemas.openxmlformats.org/officeDocument/2006/math">
+                    <m:r>
+                      <a:rPr lang="pt-BR" i="1" smtClean="0">
+                        <a:latin typeface="Cambria Math" panose="02040503050406030204" pitchFamily="18" charset="0"/>
+                        <a:ea typeface="Cambria Math" panose="02040503050406030204" pitchFamily="18" charset="0"/>
+                      </a:rPr>
+                      <m:t>𝛼</m:t>
+                    </m:r>
+                  </m:oMath>
+                </a14:m>
+                <a:r>
+                  <a:rPr lang="pt-BR" dirty="0" smtClean="0"/>
+                  <a:t> pode balancear </a:t>
+                </a:r>
+                <a:r>
+                  <a:rPr lang="pt-BR" b="1" i="1" dirty="0"/>
+                  <a:t>rapidez</a:t>
+                </a:r>
+                <a:r>
+                  <a:rPr lang="pt-BR" dirty="0"/>
+                  <a:t> </a:t>
+                </a:r>
+                <a:r>
+                  <a:rPr lang="pt-BR" dirty="0" smtClean="0"/>
+                  <a:t>e </a:t>
+                </a:r>
+                <a:r>
+                  <a:rPr lang="pt-BR" b="1" i="1" dirty="0" smtClean="0"/>
+                  <a:t>convergência</a:t>
+                </a:r>
+                <a:r>
+                  <a:rPr lang="pt-BR" dirty="0" smtClean="0"/>
+                  <a:t>.</a:t>
+                </a:r>
+                <a:endParaRPr lang="pt-BR" dirty="0" smtClean="0"/>
+              </a:p>
+            </p:txBody>
+          </p:sp>
+        </mc:Choice>
+        <mc:Fallback>
+          <p:sp>
+            <p:nvSpPr>
+              <p:cNvPr id="18" name="Content Placeholder 2"/>
+              <p:cNvSpPr>
+                <a:spLocks noGrp="1" noRot="1" noChangeAspect="1" noMove="1" noResize="1" noEditPoints="1" noAdjustHandles="1" noChangeArrowheads="1" noChangeShapeType="1" noTextEdit="1"/>
+              </p:cNvSpPr>
+              <p:nvPr>
+                <p:ph idx="1"/>
+              </p:nvPr>
+            </p:nvSpPr>
+            <p:spPr>
+              <a:xfrm>
+                <a:off x="838200" y="1209082"/>
+                <a:ext cx="4750126" cy="5648918"/>
+              </a:xfrm>
+              <a:blipFill rotWithShape="0">
+                <a:blip r:embed="rId10"/>
+                <a:stretch>
+                  <a:fillRect l="-2054" t="-1618" r="-2054"/>
+                </a:stretch>
+              </a:blipFill>
+            </p:spPr>
+            <p:txBody>
+              <a:bodyPr/>
+              <a:lstStyle/>
+              <a:p>
+                <a:r>
+                  <a:rPr lang="pt-BR">
+                    <a:noFill/>
+                  </a:rPr>
+                  <a:t> </a:t>
+                </a:r>
+              </a:p>
+            </p:txBody>
+          </p:sp>
+        </mc:Fallback>
+      </mc:AlternateContent>
     </p:spTree>
     <p:extLst>
       <p:ext uri="{BB962C8B-B14F-4D97-AF65-F5344CB8AC3E}">
@@ -13175,8 +13247,8 @@
         </p:nvSpPr>
         <p:spPr>
           <a:xfrm>
-            <a:off x="838200" y="1825624"/>
-            <a:ext cx="10884108" cy="4590165"/>
+            <a:off x="838199" y="1825624"/>
+            <a:ext cx="11007811" cy="4590165"/>
           </a:xfrm>
         </p:spPr>
         <p:txBody>
@@ -13242,21 +13314,61 @@
             <a:endParaRPr lang="pt-BR" dirty="0"/>
           </a:p>
           <a:p>
-            <a:pPr lvl="1"/>
+            <a:pPr lvl="1">
+              <a:buFont typeface="Wingdings" panose="05000000000000000000" pitchFamily="2" charset="2"/>
+              <a:buChar char="§"/>
+            </a:pPr>
             <a:r>
               <a:rPr lang="pt-BR" dirty="0"/>
-              <a:t>Pode ser baixado do MS Teams ou do GitHub.</a:t>
-            </a:r>
-          </a:p>
-          <a:p>
-            <a:pPr lvl="1"/>
+              <a:t>Pode ser acessado através do link acima (Google </a:t>
+            </a:r>
+            <a:r>
+              <a:rPr lang="pt-BR" dirty="0" err="1"/>
+              <a:t>Colab</a:t>
+            </a:r>
             <a:r>
               <a:rPr lang="pt-BR" dirty="0"/>
-              <a:t>Pode ser respondido através do link acima (na nuvem) ou localmente.</a:t>
-            </a:r>
-          </a:p>
-          <a:p>
-            <a:pPr lvl="1"/>
+              <a:t>) ou no GitHub.</a:t>
+            </a:r>
+          </a:p>
+          <a:p>
+            <a:pPr lvl="1">
+              <a:buFont typeface="Wingdings" panose="05000000000000000000" pitchFamily="2" charset="2"/>
+              <a:buChar char="§"/>
+            </a:pPr>
+            <a:r>
+              <a:rPr lang="pt-BR" dirty="0"/>
+              <a:t>Vídeo explicando o </a:t>
+            </a:r>
+            <a:r>
+              <a:rPr lang="pt-BR" dirty="0" smtClean="0"/>
+              <a:t>laboratório: </a:t>
+            </a:r>
+            <a:r>
+              <a:rPr lang="pt-BR" dirty="0"/>
+              <a:t>Arquivos -&gt; Material de Aula -&gt; Laboratório </a:t>
+            </a:r>
+            <a:r>
+              <a:rPr lang="pt-BR" dirty="0" smtClean="0"/>
+              <a:t>#3</a:t>
+            </a:r>
+            <a:endParaRPr lang="pt-BR" dirty="0"/>
+          </a:p>
+          <a:p>
+            <a:pPr lvl="1">
+              <a:buFont typeface="Wingdings" panose="05000000000000000000" pitchFamily="2" charset="2"/>
+              <a:buChar char="§"/>
+            </a:pPr>
+            <a:r>
+              <a:rPr lang="pt-BR" dirty="0"/>
+              <a:t>Se atentem aos prazos de entrega.</a:t>
+            </a:r>
+          </a:p>
+          <a:p>
+            <a:pPr lvl="1">
+              <a:buFont typeface="Wingdings" panose="05000000000000000000" pitchFamily="2" charset="2"/>
+              <a:buChar char="§"/>
+            </a:pPr>
             <a:r>
               <a:rPr lang="pt-BR" dirty="0">
                 <a:hlinkClick r:id="rId4"/>
@@ -13264,20 +13376,28 @@
               <a:t>Instruções para resolução e entrega dos laboratórios</a:t>
             </a:r>
             <a:r>
-              <a:rPr lang="pt-BR" dirty="0" smtClean="0"/>
+              <a:rPr lang="pt-BR" dirty="0"/>
               <a:t>.</a:t>
             </a:r>
           </a:p>
           <a:p>
-            <a:pPr lvl="1"/>
+            <a:pPr lvl="1">
+              <a:buFont typeface="Wingdings" panose="05000000000000000000" pitchFamily="2" charset="2"/>
+              <a:buChar char="§"/>
+            </a:pPr>
             <a:r>
               <a:rPr lang="pt-BR" b="1" dirty="0">
                 <a:solidFill>
                   <a:srgbClr val="FF0000"/>
                 </a:solidFill>
               </a:rPr>
-              <a:t>Laboratórios podem ser feitos em grupo, mas as entregas devem ser individuais.</a:t>
-            </a:r>
+              <a:t>Laboratórios podem ser resolvidos em grupo, mas as entregas devem ser individuais.</a:t>
+            </a:r>
+            <a:endParaRPr lang="pt-BR" b="1" dirty="0">
+              <a:solidFill>
+                <a:srgbClr val="FF0000"/>
+              </a:solidFill>
+            </a:endParaRPr>
           </a:p>
         </p:txBody>
       </p:sp>
@@ -13323,7 +13443,7 @@
           <p:cNvPr id="4" name="Título 1">
             <a:extLst>
               <a:ext uri="{FF2B5EF4-FFF2-40B4-BE49-F238E27FC236}">
-                <a16:creationId xmlns:a16="http://schemas.microsoft.com/office/drawing/2014/main" xmlns="" id="{32666AC8-2E17-4DB4-B0F5-60C640CCFD2E}"/>
+                <a16:creationId xmlns="" xmlns:a16="http://schemas.microsoft.com/office/drawing/2014/main" id="{32666AC8-2E17-4DB4-B0F5-60C640CCFD2E}"/>
               </a:ext>
             </a:extLst>
           </p:cNvPr>
@@ -13456,8 +13576,8 @@
           </a:p>
         </p:txBody>
       </p:sp>
-      <mc:AlternateContent xmlns:mc="http://schemas.openxmlformats.org/markup-compatibility/2006">
-        <mc:Choice xmlns:a14="http://schemas.microsoft.com/office/drawing/2010/main" Requires="a14">
+      <mc:AlternateContent xmlns:mc="http://schemas.openxmlformats.org/markup-compatibility/2006" xmlns:a14="http://schemas.microsoft.com/office/drawing/2010/main">
+        <mc:Choice Requires="a14">
           <p:sp>
             <p:nvSpPr>
               <p:cNvPr id="4" name="Content Placeholder 2"/>
@@ -15324,7 +15444,7 @@
             </p:txBody>
           </p:sp>
         </mc:Choice>
-        <mc:Fallback>
+        <mc:Fallback xmlns="">
           <p:sp>
             <p:nvSpPr>
               <p:cNvPr id="4" name="Content Placeholder 2"/>
@@ -22696,8 +22816,8 @@
           </a:p>
         </p:txBody>
       </p:sp>
-      <mc:AlternateContent xmlns:mc="http://schemas.openxmlformats.org/markup-compatibility/2006">
-        <mc:Choice xmlns:a14="http://schemas.microsoft.com/office/drawing/2010/main" Requires="a14">
+      <mc:AlternateContent xmlns:mc="http://schemas.openxmlformats.org/markup-compatibility/2006" xmlns:a14="http://schemas.microsoft.com/office/drawing/2010/main">
+        <mc:Choice Requires="a14">
           <p:sp>
             <p:nvSpPr>
               <p:cNvPr id="4" name="Content Placeholder 2"/>
@@ -24772,7 +24892,7 @@
             </p:txBody>
           </p:sp>
         </mc:Choice>
-        <mc:Fallback>
+        <mc:Fallback xmlns="">
           <p:sp>
             <p:nvSpPr>
               <p:cNvPr id="4" name="Content Placeholder 2"/>
@@ -25094,11 +25214,7 @@
             <a:pPr algn="ctr"/>
             <a:r>
               <a:rPr lang="pt-BR" sz="1200" dirty="0" smtClean="0"/>
-              <a:t>Curva do EQM em função do número de </a:t>
-            </a:r>
-            <a:r>
-              <a:rPr lang="pt-BR" sz="1200" dirty="0" smtClean="0"/>
-              <a:t>iterações.</a:t>
+              <a:t>Curva do EQM em função do número de iterações.</a:t>
             </a:r>
             <a:endParaRPr lang="pt-BR" sz="1200" dirty="0"/>
           </a:p>

--- a/slides/T319_Regressão_Linear (Parte II).pptx
+++ b/slides/T319_Regressão_Linear (Parte II).pptx
@@ -543,7 +543,7 @@
           <a:p>
             <a:fld id="{DAF0AF11-6A8A-4E64-94F5-26D4FBA2A01D}" type="datetimeFigureOut">
               <a:rPr lang="nl-BE" smtClean="0"/>
-              <a:t>30/09/2022</a:t>
+              <a:t>10/03/2023</a:t>
             </a:fld>
             <a:endParaRPr lang="nl-BE"/>
           </a:p>
@@ -939,71 +939,181 @@
           <a:bodyPr/>
           <a:lstStyle/>
           <a:p>
-            <a:r>
-              <a:rPr lang="pt-BR" sz="1200" b="0" dirty="0"/>
-              <a:t>Métodos de </a:t>
-            </a:r>
-            <a:r>
-              <a:rPr lang="pt-BR" sz="1200" b="1" i="1" dirty="0"/>
-              <a:t>aproximação estocástica </a:t>
-            </a:r>
-            <a:r>
-              <a:rPr lang="pt-BR" sz="1200" b="0" dirty="0"/>
-              <a:t>são uma família de métodos iterativos normalmente usados para problemas de procura de raízes ou para problemas de otimização.</a:t>
-            </a:r>
-          </a:p>
-          <a:p>
-            <a:endParaRPr lang="pt-BR" sz="1200" b="0" dirty="0"/>
-          </a:p>
-          <a:p>
-            <a:r>
-              <a:rPr lang="pt-BR" sz="1200" b="0" dirty="0"/>
-              <a:t>Pode ser considerada como uma aproximação estocástica da otimização do</a:t>
-            </a:r>
-            <a:r>
-              <a:rPr lang="pt-BR" sz="1200" b="0" baseline="0" dirty="0"/>
-              <a:t> gradiente descendente</a:t>
-            </a:r>
-            <a:r>
-              <a:rPr lang="pt-BR" sz="1200" b="0" dirty="0"/>
-              <a:t>, uma vez que substitui o valor do gradiente real (calculado a partir de todo o conjunto de dados) por uma estimativa do mesmo (calculado a partir de um subconjunto de exemplos selecionado aleatoriamente).</a:t>
-            </a:r>
-          </a:p>
-          <a:p>
-            <a:endParaRPr lang="pt-BR" sz="1200" b="0" dirty="0"/>
-          </a:p>
-          <a:p>
-            <a:r>
-              <a:rPr lang="pt-BR" sz="1200" b="0" dirty="0" smtClean="0"/>
-              <a:t>O insight por trás do gradiente descendente estocástico é que o gradiente é uma esperança, ou seja, uma média. Portanto,</a:t>
-            </a:r>
-            <a:r>
-              <a:rPr lang="pt-BR" sz="1200" b="0" baseline="0" dirty="0" smtClean="0"/>
-              <a:t> a</a:t>
-            </a:r>
-            <a:r>
-              <a:rPr lang="pt-BR" sz="1200" b="0" dirty="0" smtClean="0"/>
-              <a:t> esperança pode ser estimada aproximadamente usando um pequeno conjunto de exemplos.</a:t>
-            </a:r>
-            <a:endParaRPr lang="pt-BR" sz="1200" b="1" dirty="0" smtClean="0"/>
-          </a:p>
-          <a:p>
-            <a:endParaRPr lang="pt-BR" sz="1200" b="1" dirty="0" smtClean="0"/>
-          </a:p>
-          <a:p>
-            <a:r>
-              <a:rPr lang="pt-BR" sz="1200" b="0" dirty="0" smtClean="0"/>
-              <a:t>GDE funciona bem para superfícies de erro que têm muitos mínimos locais. Neste caso, o gradiente um pouco mais ruidoso calculado usando o número reduzido de amostras tende a empurrar o modelo dos mínimos locais para uma região que esperançosamente é mais ideal. Amostras individuais são realmente ruidosas, enquanto os minibatches tendem a amenizar</a:t>
-            </a:r>
-            <a:r>
-              <a:rPr lang="pt-BR" sz="1200" b="0" baseline="0" dirty="0" smtClean="0"/>
-              <a:t> o</a:t>
-            </a:r>
-            <a:r>
-              <a:rPr lang="pt-BR" sz="1200" b="0" dirty="0" smtClean="0"/>
-              <a:t> ruído de saída. Assim, a quantidade de solavanco é reduzida ao se usar minibatches. Um bom equilíbrio é alcançado quando o tamanho do minibatch é pequeno o suficiente para evitar alguns dos mínimos locais ruins, mas grande o suficiente para não evitar os mínimos globais ou mínimos locais de melhor desempenho.</a:t>
-            </a:r>
-            <a:endParaRPr lang="pt-BR" sz="1200" b="0" dirty="0"/>
+            <a:pPr marL="0" marR="0" lvl="0" indent="0" algn="l" defTabSz="914400" rtl="0" eaLnBrk="1" fontAlgn="auto" latinLnBrk="0" hangingPunct="1">
+              <a:lnSpc>
+                <a:spcPct val="100000"/>
+              </a:lnSpc>
+              <a:spcBef>
+                <a:spcPts val="0"/>
+              </a:spcBef>
+              <a:spcAft>
+                <a:spcPts val="0"/>
+              </a:spcAft>
+              <a:buClrTx/>
+              <a:buSzTx/>
+              <a:buFontTx/>
+              <a:buNone/>
+              <a:tabLst/>
+              <a:defRPr/>
+            </a:pPr>
+            <a:r>
+              <a:rPr lang="pt-BR" b="1" dirty="0" smtClean="0"/>
+              <a:t>Exemplo</a:t>
+            </a:r>
+            <a:r>
+              <a:rPr lang="pt-BR" dirty="0" smtClean="0"/>
+              <a:t>:</a:t>
+            </a:r>
+            <a:r>
+              <a:rPr lang="pt-BR" baseline="0" dirty="0" smtClean="0"/>
+              <a:t> </a:t>
+            </a:r>
+            <a:r>
+              <a:rPr lang="pt-BR" dirty="0" smtClean="0"/>
+              <a:t>https://mybinder.org/v2/gh/zz4fap/t319_aprendizado_de_maquina/main?filepath=notebooks%2Fregression%2Fgd_versions%2Fbatch_gradient_descent_with_figures.ipynb</a:t>
+            </a:r>
+          </a:p>
+          <a:p>
+            <a:pPr marL="0" marR="0" lvl="0" indent="0" algn="l" defTabSz="914400" rtl="0" eaLnBrk="1" fontAlgn="auto" latinLnBrk="0" hangingPunct="1">
+              <a:lnSpc>
+                <a:spcPct val="100000"/>
+              </a:lnSpc>
+              <a:spcBef>
+                <a:spcPts val="0"/>
+              </a:spcBef>
+              <a:spcAft>
+                <a:spcPts val="0"/>
+              </a:spcAft>
+              <a:buClrTx/>
+              <a:buSzTx/>
+              <a:buFontTx/>
+              <a:buNone/>
+              <a:tabLst/>
+              <a:defRPr/>
+            </a:pPr>
+            <a:endParaRPr lang="pt-BR" dirty="0" smtClean="0"/>
+          </a:p>
+          <a:p>
+            <a:pPr marL="0" marR="0" lvl="0" indent="0" algn="l" defTabSz="914400" rtl="0" eaLnBrk="1" fontAlgn="auto" latinLnBrk="0" hangingPunct="1">
+              <a:lnSpc>
+                <a:spcPct val="100000"/>
+              </a:lnSpc>
+              <a:spcBef>
+                <a:spcPts val="0"/>
+              </a:spcBef>
+              <a:spcAft>
+                <a:spcPts val="0"/>
+              </a:spcAft>
+              <a:buClrTx/>
+              <a:buSzTx/>
+              <a:buFontTx/>
+              <a:buNone/>
+              <a:tabLst/>
+              <a:defRPr/>
+            </a:pPr>
+            <a:r>
+              <a:rPr lang="pt-BR" b="1" dirty="0" smtClean="0"/>
+              <a:t>Exemplo</a:t>
+            </a:r>
+            <a:r>
+              <a:rPr lang="pt-BR" dirty="0" smtClean="0"/>
+              <a:t>: https://colab.research.google.com/github/zz4fap/t319_aprendizado_de_maquina/blob/main/notebooks/regression/gd_versions/batch_gradient_descent_with_figures.ipynb</a:t>
+            </a:r>
+          </a:p>
+          <a:p>
+            <a:pPr marL="0" marR="0" lvl="0" indent="0" algn="l" defTabSz="914400" rtl="0" eaLnBrk="1" fontAlgn="auto" latinLnBrk="0" hangingPunct="1">
+              <a:lnSpc>
+                <a:spcPct val="100000"/>
+              </a:lnSpc>
+              <a:spcBef>
+                <a:spcPts val="0"/>
+              </a:spcBef>
+              <a:spcAft>
+                <a:spcPts val="0"/>
+              </a:spcAft>
+              <a:buClrTx/>
+              <a:buSzTx/>
+              <a:buFontTx/>
+              <a:buNone/>
+              <a:tabLst/>
+              <a:defRPr/>
+            </a:pPr>
+            <a:endParaRPr lang="pt-BR" dirty="0" smtClean="0"/>
+          </a:p>
+          <a:p>
+            <a:pPr marL="0" marR="0" lvl="0" indent="0" algn="l" defTabSz="914400" rtl="0" eaLnBrk="1" fontAlgn="auto" latinLnBrk="0" hangingPunct="1">
+              <a:lnSpc>
+                <a:spcPct val="100000"/>
+              </a:lnSpc>
+              <a:spcBef>
+                <a:spcPts val="0"/>
+              </a:spcBef>
+              <a:spcAft>
+                <a:spcPts val="0"/>
+              </a:spcAft>
+              <a:buClrTx/>
+              <a:buSzTx/>
+              <a:buFontTx/>
+              <a:buNone/>
+              <a:tabLst/>
+              <a:defRPr/>
+            </a:pPr>
+            <a:r>
+              <a:rPr lang="pt-BR" dirty="0" smtClean="0"/>
+              <a:t>Não fica “</a:t>
+            </a:r>
+            <a:r>
+              <a:rPr lang="pt-BR" i="1" dirty="0" smtClean="0"/>
+              <a:t>oscilando</a:t>
+            </a:r>
+            <a:r>
+              <a:rPr lang="pt-BR" dirty="0" smtClean="0"/>
+              <a:t>”, “</a:t>
+            </a:r>
+            <a:r>
+              <a:rPr lang="pt-BR" b="0" i="1" dirty="0" smtClean="0"/>
+              <a:t>dançando</a:t>
+            </a:r>
+            <a:r>
+              <a:rPr lang="pt-BR" dirty="0" smtClean="0"/>
+              <a:t>” ou “</a:t>
+            </a:r>
+            <a:r>
+              <a:rPr lang="pt-BR" i="1" dirty="0" smtClean="0"/>
+              <a:t>ricocheteando</a:t>
+            </a:r>
+            <a:r>
+              <a:rPr lang="pt-BR" dirty="0" smtClean="0"/>
+              <a:t>” ou “</a:t>
+            </a:r>
+            <a:r>
+              <a:rPr lang="pt-BR" i="1" dirty="0" smtClean="0"/>
+              <a:t>zig-zagueando</a:t>
+            </a:r>
+            <a:r>
+              <a:rPr lang="pt-BR" dirty="0" smtClean="0"/>
+              <a:t>” em torno do mínimo após chegar próximo dele. </a:t>
+            </a:r>
+          </a:p>
+          <a:p>
+            <a:pPr marL="0" marR="0" lvl="0" indent="0" algn="l" defTabSz="914400" rtl="0" eaLnBrk="1" fontAlgn="auto" latinLnBrk="0" hangingPunct="1">
+              <a:lnSpc>
+                <a:spcPct val="100000"/>
+              </a:lnSpc>
+              <a:spcBef>
+                <a:spcPts val="0"/>
+              </a:spcBef>
+              <a:spcAft>
+                <a:spcPts val="0"/>
+              </a:spcAft>
+              <a:buClrTx/>
+              <a:buSzTx/>
+              <a:buFontTx/>
+              <a:buNone/>
+              <a:tabLst/>
+              <a:defRPr/>
+            </a:pPr>
+            <a:endParaRPr lang="pt-BR" dirty="0"/>
           </a:p>
         </p:txBody>
       </p:sp>
@@ -1024,7 +1134,7 @@
           <a:p>
             <a:fld id="{DA8B99DF-01BC-492A-8CEF-4FD88D18DD9D}" type="slidenum">
               <a:rPr lang="nl-BE" smtClean="0"/>
-              <a:t>13</a:t>
+              <a:t>12</a:t>
             </a:fld>
             <a:endParaRPr lang="nl-BE"/>
           </a:p>
@@ -1033,7 +1143,7 @@
     </p:spTree>
     <p:extLst>
       <p:ext uri="{BB962C8B-B14F-4D97-AF65-F5344CB8AC3E}">
-        <p14:creationId xmlns:p14="http://schemas.microsoft.com/office/powerpoint/2010/main" val="1499533772"/>
+        <p14:creationId xmlns:p14="http://schemas.microsoft.com/office/powerpoint/2010/main" val="2946938468"/>
       </p:ext>
     </p:extLst>
   </p:cSld>
@@ -1087,201 +1197,71 @@
           <a:bodyPr/>
           <a:lstStyle/>
           <a:p>
-            <a:pPr marL="0" marR="0" lvl="0" indent="0" algn="l" defTabSz="914400" rtl="0" eaLnBrk="1" fontAlgn="auto" latinLnBrk="0" hangingPunct="1">
-              <a:lnSpc>
-                <a:spcPct val="100000"/>
-              </a:lnSpc>
-              <a:spcBef>
-                <a:spcPts val="0"/>
-              </a:spcBef>
-              <a:spcAft>
-                <a:spcPts val="0"/>
-              </a:spcAft>
-              <a:buClrTx/>
-              <a:buSzTx/>
-              <a:buFontTx/>
-              <a:buNone/>
-              <a:tabLst/>
-              <a:defRPr/>
-            </a:pPr>
-            <a:r>
-              <a:rPr lang="pt-BR" sz="1200" b="1" u="none" dirty="0" smtClean="0"/>
-              <a:t>Exemplo</a:t>
-            </a:r>
-            <a:r>
-              <a:rPr lang="pt-BR" sz="1200" u="none" dirty="0" smtClean="0"/>
-              <a:t>: </a:t>
-            </a:r>
-            <a:r>
-              <a:rPr lang="pt-BR" u="none" dirty="0" smtClean="0"/>
-              <a:t>https://mybinder.org/v2/gh/zz4fap/t319_aprendizado_de_maquina/main?filepath=notebooks%2Fregression%2Fgd_versions%2F</a:t>
-            </a:r>
-            <a:r>
-              <a:rPr lang="pt-BR" u="none" dirty="0" smtClean="0">
-                <a:solidFill>
-                  <a:srgbClr val="00B0F0"/>
-                </a:solidFill>
-              </a:rPr>
-              <a:t>stocastic_gradient_descent_with_figures.ipynb</a:t>
-            </a:r>
-          </a:p>
-          <a:p>
-            <a:pPr marL="0" marR="0" lvl="0" indent="0" algn="l" defTabSz="914400" rtl="0" eaLnBrk="1" fontAlgn="auto" latinLnBrk="0" hangingPunct="1">
-              <a:lnSpc>
-                <a:spcPct val="100000"/>
-              </a:lnSpc>
-              <a:spcBef>
-                <a:spcPts val="0"/>
-              </a:spcBef>
-              <a:spcAft>
-                <a:spcPts val="0"/>
-              </a:spcAft>
-              <a:buClrTx/>
-              <a:buSzTx/>
-              <a:buFontTx/>
-              <a:buNone/>
-              <a:tabLst/>
-              <a:defRPr/>
-            </a:pPr>
-            <a:endParaRPr lang="pt-BR" sz="1200" u="none" dirty="0" smtClean="0">
-              <a:solidFill>
-                <a:srgbClr val="00B0F0"/>
-              </a:solidFill>
-            </a:endParaRPr>
-          </a:p>
-          <a:p>
-            <a:pPr marL="0" marR="0" lvl="0" indent="0" algn="l" defTabSz="914400" rtl="0" eaLnBrk="1" fontAlgn="auto" latinLnBrk="0" hangingPunct="1">
-              <a:lnSpc>
-                <a:spcPct val="100000"/>
-              </a:lnSpc>
-              <a:spcBef>
-                <a:spcPts val="0"/>
-              </a:spcBef>
-              <a:spcAft>
-                <a:spcPts val="0"/>
-              </a:spcAft>
-              <a:buClrTx/>
-              <a:buSzTx/>
-              <a:buFontTx/>
-              <a:buNone/>
-              <a:tabLst/>
-              <a:defRPr/>
-            </a:pPr>
-            <a:r>
-              <a:rPr lang="pt-BR" sz="1200" u="none" dirty="0" smtClean="0">
-                <a:solidFill>
-                  <a:srgbClr val="00B0F0"/>
-                </a:solidFill>
-              </a:rPr>
-              <a:t>Exemplo: </a:t>
-            </a:r>
-            <a:r>
-              <a:rPr lang="pt-BR" dirty="0" smtClean="0"/>
-              <a:t>https://colab.research.google.com/github/zz4fap/t319_aprendizado_de_maquina/blob/main/notebooks/regression/gd_versions/</a:t>
-            </a:r>
-            <a:r>
-              <a:rPr lang="pt-BR" u="none" dirty="0" smtClean="0">
-                <a:solidFill>
-                  <a:srgbClr val="00B0F0"/>
-                </a:solidFill>
-              </a:rPr>
-              <a:t>stocastic_gradient_descent_with_figures.ipynb</a:t>
-            </a:r>
-            <a:endParaRPr lang="pt-BR" sz="1200" u="none" dirty="0" smtClean="0"/>
-          </a:p>
-          <a:p>
-            <a:endParaRPr lang="pt-BR" sz="1200" dirty="0" smtClean="0"/>
-          </a:p>
-          <a:p>
-            <a:r>
-              <a:rPr lang="pt-BR" sz="1200" dirty="0" smtClean="0"/>
-              <a:t>Devido </a:t>
-            </a:r>
-            <a:r>
-              <a:rPr lang="pt-BR" sz="1200" dirty="0"/>
-              <a:t>à sua natureza estocástica (ou seja, aleatória), esse algoritmo é muito menos regular do que o</a:t>
-            </a:r>
-            <a:r>
-              <a:rPr lang="pt-BR" sz="1200" baseline="0" dirty="0"/>
-              <a:t> </a:t>
-            </a:r>
-            <a:r>
-              <a:rPr lang="pt-BR" sz="1200" dirty="0"/>
-              <a:t>gradiente descendente em batelada: em vez de diminuir suavemente até atingir o mínimo, </a:t>
-            </a:r>
-            <a:r>
-              <a:rPr lang="pt-BR" sz="1200" dirty="0" smtClean="0"/>
-              <a:t>o</a:t>
-            </a:r>
-            <a:r>
-              <a:rPr lang="pt-BR" sz="1200" baseline="0" dirty="0" smtClean="0"/>
-              <a:t> gradiente da</a:t>
-            </a:r>
-            <a:r>
-              <a:rPr lang="pt-BR" sz="1200" dirty="0" smtClean="0"/>
-              <a:t> </a:t>
-            </a:r>
-            <a:r>
-              <a:rPr lang="pt-BR" sz="1200" dirty="0"/>
-              <a:t>função de custo irá saltar para cima e para baixo, convergindo apenas na média. Com o passar do tempo, o algoritmo terminará muito próximo do mínimo, mas, quando chegar lá, continuará a ricochetear/oscilar, nunca</a:t>
-            </a:r>
-            <a:r>
-              <a:rPr lang="pt-BR" sz="1200" baseline="0" dirty="0"/>
-              <a:t> convergindo (o gradiente estocástico nunca zera definitivamente). Portanto, quando o algoritmo para, os valores finais dos parâmetros são bons, mas não são ótimos.</a:t>
-            </a:r>
-          </a:p>
-          <a:p>
-            <a:endParaRPr lang="pt-BR" sz="1200" baseline="0" dirty="0"/>
-          </a:p>
-          <a:p>
-            <a:r>
-              <a:rPr lang="pt-BR" sz="1200" baseline="0" dirty="0"/>
-              <a:t>Quando a função de custo é muito irregular, essa aleatoriedade do algoritmo pode realmente ajuda-lo a escapar de mínimos </a:t>
-            </a:r>
-            <a:r>
-              <a:rPr lang="pt-BR" sz="1200" baseline="0" dirty="0" smtClean="0"/>
-              <a:t>locais quando temos funções de custo não-convexas, </a:t>
-            </a:r>
-            <a:r>
-              <a:rPr lang="pt-BR" sz="1200" baseline="0" dirty="0"/>
-              <a:t>de modo que o gradiente descendente estocástico tem uma chance maior de encontrar o mínimo global do que o gradiente descendente em batelada.</a:t>
-            </a:r>
-          </a:p>
-          <a:p>
-            <a:endParaRPr lang="pt-BR" sz="1200" baseline="0" dirty="0"/>
-          </a:p>
-          <a:p>
-            <a:r>
-              <a:rPr lang="pt-BR" sz="1200" baseline="0" dirty="0"/>
-              <a:t>A aleatoriedade do algoritmo é uma faca de dois gumes, pois é boa para escapar de mínimos locais, mas é ruim pois significa que o algoritmo nunca irá se “acomodar” no mínimo global. Uma solução para esse dilema é reduzir gradualmente a taxa de aprendizagem. Os passos começam com grandes valores (o que ajuda a progredir/aprender rapidamente e a escapar de mínimos locais) e depois diminuem cada vez mais, permitindo que o algoritmo se estabilize no mínimo global.</a:t>
-            </a:r>
-          </a:p>
-          <a:p>
-            <a:endParaRPr lang="pt-BR" sz="1200" baseline="0" dirty="0"/>
-          </a:p>
-          <a:p>
-            <a:r>
-              <a:rPr lang="pt-BR" sz="1200" b="1" baseline="0" dirty="0"/>
-              <a:t>Exemplo</a:t>
-            </a:r>
-            <a:r>
-              <a:rPr lang="pt-BR" sz="1200" baseline="0" dirty="0"/>
-              <a:t>: </a:t>
-            </a:r>
-            <a:r>
-              <a:rPr lang="pt-BR" sz="1200" baseline="0" dirty="0" err="1"/>
-              <a:t>stocastic_gradient_descent_with_figures.ipynb</a:t>
-            </a:r>
-            <a:endParaRPr lang="pt-BR" sz="1200" baseline="0" dirty="0"/>
-          </a:p>
-          <a:p>
-            <a:endParaRPr lang="pt-BR" sz="1200" dirty="0"/>
-          </a:p>
-          <a:p>
-            <a:endParaRPr lang="pt-BR" sz="1200" dirty="0"/>
-          </a:p>
-          <a:p>
-            <a:endParaRPr lang="pt-BR" sz="1200" dirty="0"/>
+            <a:r>
+              <a:rPr lang="pt-BR" sz="1200" b="0" dirty="0"/>
+              <a:t>Métodos de </a:t>
+            </a:r>
+            <a:r>
+              <a:rPr lang="pt-BR" sz="1200" b="1" i="1" dirty="0"/>
+              <a:t>aproximação estocástica </a:t>
+            </a:r>
+            <a:r>
+              <a:rPr lang="pt-BR" sz="1200" b="0" dirty="0"/>
+              <a:t>são uma família de métodos iterativos normalmente usados para problemas de procura de raízes ou para problemas de otimização.</a:t>
+            </a:r>
+          </a:p>
+          <a:p>
+            <a:endParaRPr lang="pt-BR" sz="1200" b="0" dirty="0"/>
+          </a:p>
+          <a:p>
+            <a:r>
+              <a:rPr lang="pt-BR" sz="1200" b="0" dirty="0"/>
+              <a:t>Pode ser considerada como uma aproximação estocástica da otimização do</a:t>
+            </a:r>
+            <a:r>
+              <a:rPr lang="pt-BR" sz="1200" b="0" baseline="0" dirty="0"/>
+              <a:t> gradiente descendente</a:t>
+            </a:r>
+            <a:r>
+              <a:rPr lang="pt-BR" sz="1200" b="0" dirty="0"/>
+              <a:t>, uma vez que substitui o valor do gradiente real (calculado a partir de todo o conjunto de dados) por uma estimativa do mesmo (calculado a partir de um subconjunto de exemplos selecionado aleatoriamente).</a:t>
+            </a:r>
+          </a:p>
+          <a:p>
+            <a:endParaRPr lang="pt-BR" sz="1200" b="0" dirty="0"/>
+          </a:p>
+          <a:p>
+            <a:r>
+              <a:rPr lang="pt-BR" sz="1200" b="0" dirty="0" smtClean="0"/>
+              <a:t>O insight por trás do gradiente descendente estocástico é que o gradiente é uma esperança, ou seja, uma média. Portanto,</a:t>
+            </a:r>
+            <a:r>
+              <a:rPr lang="pt-BR" sz="1200" b="0" baseline="0" dirty="0" smtClean="0"/>
+              <a:t> a</a:t>
+            </a:r>
+            <a:r>
+              <a:rPr lang="pt-BR" sz="1200" b="0" dirty="0" smtClean="0"/>
+              <a:t> esperança pode ser estimada aproximadamente usando um pequeno conjunto de exemplos.</a:t>
+            </a:r>
+            <a:endParaRPr lang="pt-BR" sz="1200" b="1" dirty="0" smtClean="0"/>
+          </a:p>
+          <a:p>
+            <a:endParaRPr lang="pt-BR" sz="1200" b="1" dirty="0" smtClean="0"/>
+          </a:p>
+          <a:p>
+            <a:r>
+              <a:rPr lang="pt-BR" sz="1200" b="0" dirty="0" smtClean="0"/>
+              <a:t>GDE funciona bem para superfícies de erro que têm muitos mínimos locais. Neste caso, o gradiente um pouco mais ruidoso calculado usando o número reduzido de amostras tende a empurrar o modelo dos mínimos locais para uma região que esperançosamente é mais ideal. Amostras individuais são realmente ruidosas, enquanto os minibatches tendem a amenizar</a:t>
+            </a:r>
+            <a:r>
+              <a:rPr lang="pt-BR" sz="1200" b="0" baseline="0" dirty="0" smtClean="0"/>
+              <a:t> o</a:t>
+            </a:r>
+            <a:r>
+              <a:rPr lang="pt-BR" sz="1200" b="0" dirty="0" smtClean="0"/>
+              <a:t> ruído de saída. Assim, a quantidade de solavanco é reduzida ao se usar minibatches. Um bom equilíbrio é alcançado quando o tamanho do minibatch é pequeno o suficiente para evitar alguns dos mínimos locais ruins, mas grande o suficiente para não evitar os mínimos globais ou mínimos locais de melhor desempenho.</a:t>
+            </a:r>
+            <a:endParaRPr lang="pt-BR" sz="1200" b="0" dirty="0"/>
           </a:p>
         </p:txBody>
       </p:sp>
@@ -1302,7 +1282,7 @@
           <a:p>
             <a:fld id="{DA8B99DF-01BC-492A-8CEF-4FD88D18DD9D}" type="slidenum">
               <a:rPr lang="nl-BE" smtClean="0"/>
-              <a:t>14</a:t>
+              <a:t>13</a:t>
             </a:fld>
             <a:endParaRPr lang="nl-BE"/>
           </a:p>
@@ -1311,7 +1291,7 @@
     </p:spTree>
     <p:extLst>
       <p:ext uri="{BB962C8B-B14F-4D97-AF65-F5344CB8AC3E}">
-        <p14:creationId xmlns:p14="http://schemas.microsoft.com/office/powerpoint/2010/main" val="3802298058"/>
+        <p14:creationId xmlns:p14="http://schemas.microsoft.com/office/powerpoint/2010/main" val="1499533772"/>
       </p:ext>
     </p:extLst>
   </p:cSld>
@@ -1365,65 +1345,6 @@
           <a:bodyPr/>
           <a:lstStyle/>
           <a:p>
-            <a:r>
-              <a:rPr lang="pt-BR" b="1" dirty="0"/>
-              <a:t>Batch</a:t>
-            </a:r>
-            <a:r>
-              <a:rPr lang="pt-BR" dirty="0"/>
-              <a:t>:</a:t>
-            </a:r>
-            <a:r>
-              <a:rPr lang="pt-BR" baseline="0" dirty="0"/>
-              <a:t> usa todos os exemplos de treinamento a cada iteração. Como resultado, é muito lento em conjuntos de treinamento muito grandes.</a:t>
-            </a:r>
-          </a:p>
-          <a:p>
-            <a:endParaRPr lang="pt-BR" baseline="0" dirty="0"/>
-          </a:p>
-          <a:p>
-            <a:r>
-              <a:rPr lang="pt-BR" dirty="0"/>
-              <a:t>A versão</a:t>
-            </a:r>
-            <a:r>
-              <a:rPr lang="pt-BR" baseline="0" dirty="0"/>
-              <a:t> </a:t>
-            </a:r>
-            <a:r>
-              <a:rPr lang="pt-BR" b="1" baseline="0" dirty="0"/>
-              <a:t>online</a:t>
-            </a:r>
-            <a:r>
-              <a:rPr lang="pt-BR" baseline="0" dirty="0"/>
-              <a:t> </a:t>
-            </a:r>
-            <a:r>
-              <a:rPr lang="pt-BR" dirty="0"/>
-              <a:t>seleciona apenas uma instância aleatória no conjunto de treinamento a cada etapa e calcula os gradientes com base apenas nessa única instância. Obviamente, isso torna o algoritmo muito mais rápido, pois possui muito poucos dados para manipular a cada iteração. Por outro lado, devido à sua natureza estocástica (ou seja, aleatória), esse algoritmo é muito menos regular do que a descida do gradiente em lote: em vez de diminuir suavemente até atingir o mínimo, a função de custo irá saltar para cima e para baixo, diminuindo apenas em média .</a:t>
-            </a:r>
-          </a:p>
-          <a:p>
-            <a:endParaRPr lang="pt-BR" dirty="0"/>
-          </a:p>
-          <a:p>
-            <a:r>
-              <a:rPr lang="pt-BR" b="1" dirty="0"/>
-              <a:t>Mini-batch</a:t>
-            </a:r>
-            <a:r>
-              <a:rPr lang="pt-BR" dirty="0"/>
-              <a:t>: em cada iteração, em vez de calcular os gradientes com base no conjunto de treinamento completo (como no Batch) ou com base em apenas uma instância (como no GD estocástico), o mini-batch GD calcula os gradientes em pequenos conjuntos aleatórios de instâncias chamados mini-batches</a:t>
-            </a:r>
-            <a:r>
-              <a:rPr lang="pt-BR" dirty="0" smtClean="0"/>
-              <a:t>.</a:t>
-            </a:r>
-          </a:p>
-          <a:p>
-            <a:endParaRPr lang="pt-BR" dirty="0" smtClean="0"/>
-          </a:p>
-          <a:p>
             <a:pPr marL="0" marR="0" lvl="0" indent="0" algn="l" defTabSz="914400" rtl="0" eaLnBrk="1" fontAlgn="auto" latinLnBrk="0" hangingPunct="1">
               <a:lnSpc>
                 <a:spcPct val="100000"/>
@@ -1442,20 +1363,183 @@
               <a:defRPr/>
             </a:pPr>
             <a:r>
-              <a:rPr lang="pt-BR" b="0" dirty="0" smtClean="0"/>
-              <a:t>O insight por trás do gradiente descendente estocástico é que o gradiente é uma esperança, ou seja, uma média. Portanto,</a:t>
-            </a:r>
-            <a:r>
-              <a:rPr lang="pt-BR" b="0" baseline="0" dirty="0" smtClean="0"/>
-              <a:t> a</a:t>
-            </a:r>
-            <a:r>
-              <a:rPr lang="pt-BR" b="0" dirty="0" smtClean="0"/>
-              <a:t> esperança pode ser estimada aproximadamente usando um pequeno conjunto de exemplos.</a:t>
-            </a:r>
-          </a:p>
-          <a:p>
-            <a:endParaRPr lang="nl-BE" dirty="0"/>
+              <a:rPr lang="pt-BR" sz="1200" b="1" u="none" dirty="0" smtClean="0"/>
+              <a:t>Exemplo</a:t>
+            </a:r>
+            <a:r>
+              <a:rPr lang="pt-BR" sz="1200" u="none" dirty="0" smtClean="0"/>
+              <a:t>: </a:t>
+            </a:r>
+            <a:r>
+              <a:rPr lang="pt-BR" u="none" dirty="0" smtClean="0"/>
+              <a:t>https://mybinder.org/v2/gh/zz4fap/t319_aprendizado_de_maquina/main?filepath=notebooks%2Fregression%2Fgd_versions%2F</a:t>
+            </a:r>
+            <a:r>
+              <a:rPr lang="pt-BR" u="none" dirty="0" smtClean="0">
+                <a:solidFill>
+                  <a:srgbClr val="00B0F0"/>
+                </a:solidFill>
+              </a:rPr>
+              <a:t>stocastic_gradient_descent_with_figures.ipynb</a:t>
+            </a:r>
+          </a:p>
+          <a:p>
+            <a:pPr marL="0" marR="0" lvl="0" indent="0" algn="l" defTabSz="914400" rtl="0" eaLnBrk="1" fontAlgn="auto" latinLnBrk="0" hangingPunct="1">
+              <a:lnSpc>
+                <a:spcPct val="100000"/>
+              </a:lnSpc>
+              <a:spcBef>
+                <a:spcPts val="0"/>
+              </a:spcBef>
+              <a:spcAft>
+                <a:spcPts val="0"/>
+              </a:spcAft>
+              <a:buClrTx/>
+              <a:buSzTx/>
+              <a:buFontTx/>
+              <a:buNone/>
+              <a:tabLst/>
+              <a:defRPr/>
+            </a:pPr>
+            <a:endParaRPr lang="pt-BR" sz="1200" u="none" dirty="0" smtClean="0">
+              <a:solidFill>
+                <a:srgbClr val="00B0F0"/>
+              </a:solidFill>
+            </a:endParaRPr>
+          </a:p>
+          <a:p>
+            <a:pPr marL="0" marR="0" lvl="0" indent="0" algn="l" defTabSz="914400" rtl="0" eaLnBrk="1" fontAlgn="auto" latinLnBrk="0" hangingPunct="1">
+              <a:lnSpc>
+                <a:spcPct val="100000"/>
+              </a:lnSpc>
+              <a:spcBef>
+                <a:spcPts val="0"/>
+              </a:spcBef>
+              <a:spcAft>
+                <a:spcPts val="0"/>
+              </a:spcAft>
+              <a:buClrTx/>
+              <a:buSzTx/>
+              <a:buFontTx/>
+              <a:buNone/>
+              <a:tabLst/>
+              <a:defRPr/>
+            </a:pPr>
+            <a:r>
+              <a:rPr lang="pt-BR" sz="1200" u="none" dirty="0" smtClean="0">
+                <a:solidFill>
+                  <a:srgbClr val="00B0F0"/>
+                </a:solidFill>
+              </a:rPr>
+              <a:t>Exemplo: </a:t>
+            </a:r>
+            <a:r>
+              <a:rPr lang="pt-BR" dirty="0" smtClean="0"/>
+              <a:t>https://colab.research.google.com/github/zz4fap/t319_aprendizado_de_maquina/blob/main/notebooks/regression/gd_versions/</a:t>
+            </a:r>
+            <a:r>
+              <a:rPr lang="pt-BR" u="none" dirty="0" smtClean="0">
+                <a:solidFill>
+                  <a:srgbClr val="00B0F0"/>
+                </a:solidFill>
+              </a:rPr>
+              <a:t>stocastic_gradient_descent_with_figures.ipynb</a:t>
+            </a:r>
+            <a:endParaRPr lang="pt-BR" sz="1200" u="none" dirty="0" smtClean="0"/>
+          </a:p>
+          <a:p>
+            <a:endParaRPr lang="pt-BR" sz="1200" dirty="0" smtClean="0"/>
+          </a:p>
+          <a:p>
+            <a:r>
+              <a:rPr lang="pt-BR" sz="1200" dirty="0" smtClean="0"/>
+              <a:t>Devido </a:t>
+            </a:r>
+            <a:r>
+              <a:rPr lang="pt-BR" sz="1200" dirty="0"/>
+              <a:t>à sua natureza estocástica (ou seja, aleatória), esse algoritmo é muito menos regular do que o</a:t>
+            </a:r>
+            <a:r>
+              <a:rPr lang="pt-BR" sz="1200" baseline="0" dirty="0"/>
+              <a:t> </a:t>
+            </a:r>
+            <a:r>
+              <a:rPr lang="pt-BR" sz="1200" dirty="0"/>
+              <a:t>gradiente descendente em batelada: em vez de diminuir suavemente até atingir o mínimo, </a:t>
+            </a:r>
+            <a:r>
+              <a:rPr lang="pt-BR" sz="1200" dirty="0" smtClean="0"/>
+              <a:t>o</a:t>
+            </a:r>
+            <a:r>
+              <a:rPr lang="pt-BR" sz="1200" baseline="0" dirty="0" smtClean="0"/>
+              <a:t> gradiente da</a:t>
+            </a:r>
+            <a:r>
+              <a:rPr lang="pt-BR" sz="1200" dirty="0" smtClean="0"/>
+              <a:t> </a:t>
+            </a:r>
+            <a:r>
+              <a:rPr lang="pt-BR" sz="1200" dirty="0"/>
+              <a:t>função de custo irá saltar para cima e para baixo, convergindo apenas na média. Com o passar do tempo, o algoritmo terminará muito próximo do mínimo, mas, quando chegar lá, continuará a ricochetear/oscilar, nunca</a:t>
+            </a:r>
+            <a:r>
+              <a:rPr lang="pt-BR" sz="1200" baseline="0" dirty="0"/>
+              <a:t> convergindo (o gradiente estocástico nunca zera definitivamente). Portanto, quando o algoritmo para, os valores finais dos parâmetros são bons, mas não são ótimos.</a:t>
+            </a:r>
+          </a:p>
+          <a:p>
+            <a:endParaRPr lang="pt-BR" sz="1200" baseline="0" dirty="0"/>
+          </a:p>
+          <a:p>
+            <a:r>
+              <a:rPr lang="pt-BR" sz="1200" baseline="0" dirty="0"/>
+              <a:t>Quando a função de custo é muito irregular, essa aleatoriedade do algoritmo pode realmente ajuda-lo a escapar de mínimos </a:t>
+            </a:r>
+            <a:r>
+              <a:rPr lang="pt-BR" sz="1200" baseline="0" dirty="0" smtClean="0"/>
+              <a:t>locais quando temos funções de custo não-convexas, </a:t>
+            </a:r>
+            <a:r>
+              <a:rPr lang="pt-BR" sz="1200" baseline="0" dirty="0"/>
+              <a:t>de modo que o gradiente descendente estocástico tem uma chance maior de encontrar o mínimo global do que o gradiente descendente em batelada.</a:t>
+            </a:r>
+          </a:p>
+          <a:p>
+            <a:endParaRPr lang="pt-BR" sz="1200" baseline="0" dirty="0"/>
+          </a:p>
+          <a:p>
+            <a:r>
+              <a:rPr lang="pt-BR" sz="1200" baseline="0" dirty="0"/>
+              <a:t>A aleatoriedade do algoritmo é uma faca de dois gumes, pois é boa para escapar de mínimos locais, mas é ruim pois significa que o algoritmo nunca irá se “acomodar” no mínimo global. Uma solução para esse dilema é reduzir gradualmente a taxa de aprendizagem. Os passos começam com grandes valores (o que ajuda a progredir/aprender rapidamente e a escapar de mínimos locais) e depois diminuem cada vez mais, permitindo que o algoritmo se estabilize no mínimo global.</a:t>
+            </a:r>
+          </a:p>
+          <a:p>
+            <a:endParaRPr lang="pt-BR" sz="1200" baseline="0" dirty="0"/>
+          </a:p>
+          <a:p>
+            <a:r>
+              <a:rPr lang="pt-BR" sz="1200" b="1" baseline="0" dirty="0"/>
+              <a:t>Exemplo</a:t>
+            </a:r>
+            <a:r>
+              <a:rPr lang="pt-BR" sz="1200" baseline="0" dirty="0"/>
+              <a:t>: </a:t>
+            </a:r>
+            <a:r>
+              <a:rPr lang="pt-BR" sz="1200" baseline="0" dirty="0" err="1"/>
+              <a:t>stocastic_gradient_descent_with_figures.ipynb</a:t>
+            </a:r>
+            <a:endParaRPr lang="pt-BR" sz="1200" baseline="0" dirty="0"/>
+          </a:p>
+          <a:p>
+            <a:endParaRPr lang="pt-BR" sz="1200" dirty="0"/>
+          </a:p>
+          <a:p>
+            <a:endParaRPr lang="pt-BR" sz="1200" dirty="0"/>
+          </a:p>
+          <a:p>
+            <a:endParaRPr lang="pt-BR" sz="1200" dirty="0"/>
           </a:p>
         </p:txBody>
       </p:sp>
@@ -1476,7 +1560,7 @@
           <a:p>
             <a:fld id="{DA8B99DF-01BC-492A-8CEF-4FD88D18DD9D}" type="slidenum">
               <a:rPr lang="nl-BE" smtClean="0"/>
-              <a:t>15</a:t>
+              <a:t>14</a:t>
             </a:fld>
             <a:endParaRPr lang="nl-BE"/>
           </a:p>
@@ -1485,7 +1569,7 @@
     </p:spTree>
     <p:extLst>
       <p:ext uri="{BB962C8B-B14F-4D97-AF65-F5344CB8AC3E}">
-        <p14:creationId xmlns:p14="http://schemas.microsoft.com/office/powerpoint/2010/main" val="2921413940"/>
+        <p14:creationId xmlns:p14="http://schemas.microsoft.com/office/powerpoint/2010/main" val="3802298058"/>
       </p:ext>
     </p:extLst>
   </p:cSld>
@@ -1540,83 +1624,33 @@
           <a:lstStyle/>
           <a:p>
             <a:r>
-              <a:rPr lang="pt-BR" b="1" dirty="0" smtClean="0"/>
-              <a:t>Exemplo</a:t>
-            </a:r>
-            <a:r>
-              <a:rPr lang="pt-BR" dirty="0" smtClean="0"/>
-              <a:t>: </a:t>
-            </a:r>
-            <a:r>
-              <a:rPr lang="pt-BR" u="none" dirty="0" smtClean="0"/>
-              <a:t>https://mybinder.org/v2/gh/zz4fap/t319_aprendizado_de_maquina/main?filepath=notebooks%2Fregression%2Fgd_versions%2F</a:t>
-            </a:r>
-            <a:r>
-              <a:rPr lang="pt-BR" dirty="0" smtClean="0"/>
-              <a:t>mini_batch_gradient_descent_with_figures.ipynb</a:t>
-            </a:r>
-          </a:p>
-          <a:p>
-            <a:endParaRPr lang="pt-BR" dirty="0" smtClean="0"/>
-          </a:p>
-          <a:p>
-            <a:r>
-              <a:rPr lang="pt-BR" b="1" dirty="0" smtClean="0"/>
-              <a:t>Exemplo: </a:t>
-            </a:r>
-            <a:r>
-              <a:rPr lang="pt-BR" dirty="0" smtClean="0"/>
-              <a:t>https://colab.research.google.com/github/zz4fap/t319_aprendizado_de_maquina/blob/main/notebooks/regression/gd_versions/mini_batch_gradient_descent_with_figures.ipynb</a:t>
-            </a:r>
-          </a:p>
-          <a:p>
-            <a:endParaRPr lang="pt-BR" dirty="0" smtClean="0"/>
-          </a:p>
-          <a:p>
-            <a:r>
-              <a:rPr lang="pt-BR" dirty="0" smtClean="0"/>
-              <a:t>O</a:t>
-            </a:r>
-            <a:r>
-              <a:rPr lang="pt-BR" baseline="0" dirty="0" smtClean="0"/>
-              <a:t> </a:t>
+              <a:rPr lang="pt-BR" b="1" dirty="0"/>
+              <a:t>Batch</a:t>
+            </a:r>
+            <a:r>
+              <a:rPr lang="pt-BR" dirty="0"/>
+              <a:t>:</a:t>
             </a:r>
             <a:r>
               <a:rPr lang="pt-BR" baseline="0" dirty="0"/>
-              <a:t>mini-batch é</a:t>
-            </a:r>
+              <a:t> usa todos os exemplos de treinamento a cada iteração. Como resultado, é muito lento em conjuntos de treinamento muito grandes.</a:t>
+            </a:r>
+          </a:p>
+          <a:p>
+            <a:endParaRPr lang="pt-BR" baseline="0" dirty="0"/>
+          </a:p>
+          <a:p>
             <a:r>
               <a:rPr lang="pt-BR" dirty="0"/>
-              <a:t> bastante simples de entender quando você conhece o</a:t>
+              <a:t>A versão</a:t>
             </a:r>
             <a:r>
               <a:rPr lang="pt-BR" baseline="0" dirty="0"/>
               <a:t> </a:t>
             </a:r>
             <a:r>
-              <a:rPr lang="pt-BR" dirty="0"/>
-              <a:t>gradiente descendente em batelada e o gradiente descendente estocástico: a cada etapa, em vez de calcular os gradientes com base no conjunto de treinamento completo (como no GD em batelada) ou com base em apenas uma instância (como no GD estocástico), o</a:t>
-            </a:r>
-            <a:r>
-              <a:rPr lang="pt-BR" baseline="0" dirty="0"/>
-              <a:t> mini-batch </a:t>
-            </a:r>
-            <a:r>
-              <a:rPr lang="pt-BR" dirty="0"/>
-              <a:t>calcula os gradientes em subconjuntos aleatórios de instâncias chamados mini-lotes (do inglês mini-batch). </a:t>
-            </a:r>
-          </a:p>
-          <a:p>
-            <a:endParaRPr lang="pt-BR" dirty="0"/>
-          </a:p>
-          <a:p>
-            <a:r>
-              <a:rPr lang="pt-BR" dirty="0"/>
-              <a:t>O progresso do algoritmo no espaço de parâmetros é menos irregular do que com o SGD, especialmente com mini lotes muito grandes. Como resultado, o </a:t>
-            </a:r>
-            <a:r>
-              <a:rPr lang="pt-BR" dirty="0" err="1"/>
-              <a:t>mini-batch</a:t>
+              <a:rPr lang="pt-BR" b="1" baseline="0" dirty="0"/>
+              <a:t>online</a:t>
             </a:r>
             <a:r>
               <a:rPr lang="pt-BR" baseline="0" dirty="0"/>
@@ -1624,7 +1658,7 @@
             </a:r>
             <a:r>
               <a:rPr lang="pt-BR" dirty="0"/>
-              <a:t>acabará chegando um pouco mais perto do mínimo do que o GDS. Mas, por outro lado, pode ser mais difícil escapar dos mínimos locais (no caso de problemas que sofrem com mínimos locais, diferentemente da Regressão Linear, que como vimos anteriormente apresenta apenas um mínimo, que é o global).</a:t>
+              <a:t>seleciona apenas uma instância aleatória no conjunto de treinamento a cada etapa e calcula os gradientes com base apenas nessa única instância. Obviamente, isso torna o algoritmo muito mais rápido, pois possui muito poucos dados para manipular a cada iteração. Por outro lado, devido à sua natureza estocástica (ou seja, aleatória), esse algoritmo é muito menos regular do que a descida do gradiente em lote: em vez de diminuir suavemente até atingir o mínimo, a função de custo irá saltar para cima e para baixo, diminuindo apenas em média .</a:t>
             </a:r>
           </a:p>
           <a:p>
@@ -1633,17 +1667,53 @@
           <a:p>
             <a:r>
               <a:rPr lang="pt-BR" b="1" dirty="0"/>
-              <a:t>Exemplo</a:t>
+              <a:t>Mini-batch</a:t>
             </a:r>
             <a:r>
               <a:rPr lang="pt-BR" dirty="0"/>
-              <a:t>: </a:t>
-            </a:r>
-            <a:r>
-              <a:rPr lang="pt-BR" dirty="0" err="1"/>
-              <a:t>mini_batch_gradient_descent_with_figures.ipynb</a:t>
-            </a:r>
-            <a:endParaRPr lang="pt-BR" dirty="0"/>
+              <a:t>: em cada iteração, em vez de calcular os gradientes com base no conjunto de treinamento completo (como no Batch) ou com base em apenas uma instância (como no GD estocástico), o mini-batch GD calcula os gradientes em pequenos conjuntos aleatórios de instâncias chamados mini-batches</a:t>
+            </a:r>
+            <a:r>
+              <a:rPr lang="pt-BR" dirty="0" smtClean="0"/>
+              <a:t>.</a:t>
+            </a:r>
+          </a:p>
+          <a:p>
+            <a:endParaRPr lang="pt-BR" dirty="0" smtClean="0"/>
+          </a:p>
+          <a:p>
+            <a:pPr marL="0" marR="0" lvl="0" indent="0" algn="l" defTabSz="914400" rtl="0" eaLnBrk="1" fontAlgn="auto" latinLnBrk="0" hangingPunct="1">
+              <a:lnSpc>
+                <a:spcPct val="100000"/>
+              </a:lnSpc>
+              <a:spcBef>
+                <a:spcPts val="0"/>
+              </a:spcBef>
+              <a:spcAft>
+                <a:spcPts val="0"/>
+              </a:spcAft>
+              <a:buClrTx/>
+              <a:buSzTx/>
+              <a:buFontTx/>
+              <a:buNone/>
+              <a:tabLst/>
+              <a:defRPr/>
+            </a:pPr>
+            <a:r>
+              <a:rPr lang="pt-BR" b="0" dirty="0" smtClean="0"/>
+              <a:t>O insight por trás do gradiente descendente estocástico é que o gradiente é uma esperança, ou seja, uma média. Portanto,</a:t>
+            </a:r>
+            <a:r>
+              <a:rPr lang="pt-BR" b="0" baseline="0" dirty="0" smtClean="0"/>
+              <a:t> a</a:t>
+            </a:r>
+            <a:r>
+              <a:rPr lang="pt-BR" b="0" dirty="0" smtClean="0"/>
+              <a:t> esperança pode ser estimada aproximadamente usando um pequeno conjunto de exemplos.</a:t>
+            </a:r>
+          </a:p>
+          <a:p>
+            <a:endParaRPr lang="nl-BE" dirty="0"/>
           </a:p>
         </p:txBody>
       </p:sp>
@@ -1664,7 +1734,7 @@
           <a:p>
             <a:fld id="{DA8B99DF-01BC-492A-8CEF-4FD88D18DD9D}" type="slidenum">
               <a:rPr lang="nl-BE" smtClean="0"/>
-              <a:t>16</a:t>
+              <a:t>15</a:t>
             </a:fld>
             <a:endParaRPr lang="nl-BE"/>
           </a:p>
@@ -1673,7 +1743,7 @@
     </p:spTree>
     <p:extLst>
       <p:ext uri="{BB962C8B-B14F-4D97-AF65-F5344CB8AC3E}">
-        <p14:creationId xmlns:p14="http://schemas.microsoft.com/office/powerpoint/2010/main" val="1248176192"/>
+        <p14:creationId xmlns:p14="http://schemas.microsoft.com/office/powerpoint/2010/main" val="2921413940"/>
       </p:ext>
     </p:extLst>
   </p:cSld>
@@ -1729,15 +1799,109 @@
           <a:p>
             <a:r>
               <a:rPr lang="pt-BR" b="1" dirty="0" smtClean="0"/>
-              <a:t>Laboratório</a:t>
+              <a:t>Exemplo</a:t>
             </a:r>
             <a:r>
               <a:rPr lang="pt-BR" dirty="0" smtClean="0"/>
-              <a:t>: https://colab.research.google.com/github/zz4fap/t319_aprendizado_de_maquina/blob/main/labs/Laboratorio3.ipynb</a:t>
+              <a:t>: </a:t>
+            </a:r>
+            <a:r>
+              <a:rPr lang="pt-BR" u="none" dirty="0" smtClean="0"/>
+              <a:t>https://mybinder.org/v2/gh/zz4fap/t319_aprendizado_de_maquina/main?filepath=notebooks%2Fregression%2Fgd_versions%2F</a:t>
+            </a:r>
+            <a:r>
+              <a:rPr lang="pt-BR" dirty="0" smtClean="0"/>
+              <a:t>mini_batch_gradient_descent_with_figures.ipynb</a:t>
             </a:r>
           </a:p>
           <a:p>
             <a:endParaRPr lang="pt-BR" dirty="0" smtClean="0"/>
+          </a:p>
+          <a:p>
+            <a:r>
+              <a:rPr lang="pt-BR" b="1" dirty="0" smtClean="0"/>
+              <a:t>Exemplo: </a:t>
+            </a:r>
+            <a:r>
+              <a:rPr lang="pt-BR" dirty="0" smtClean="0"/>
+              <a:t>https://colab.research.google.com/github/zz4fap/t319_aprendizado_de_maquina/blob/main/notebooks/regression/gd_versions/mini_batch_gradient_descent_with_figures.ipynb</a:t>
+            </a:r>
+          </a:p>
+          <a:p>
+            <a:endParaRPr lang="pt-BR" dirty="0" smtClean="0"/>
+          </a:p>
+          <a:p>
+            <a:r>
+              <a:rPr lang="pt-BR" dirty="0" smtClean="0"/>
+              <a:t>O</a:t>
+            </a:r>
+            <a:r>
+              <a:rPr lang="pt-BR" baseline="0" dirty="0" smtClean="0"/>
+              <a:t> </a:t>
+            </a:r>
+            <a:r>
+              <a:rPr lang="pt-BR" baseline="0" dirty="0"/>
+              <a:t>mini-batch é</a:t>
+            </a:r>
+            <a:r>
+              <a:rPr lang="pt-BR" dirty="0"/>
+              <a:t> bastante simples de entender quando você conhece o</a:t>
+            </a:r>
+            <a:r>
+              <a:rPr lang="pt-BR" baseline="0" dirty="0"/>
+              <a:t> </a:t>
+            </a:r>
+            <a:r>
+              <a:rPr lang="pt-BR" dirty="0"/>
+              <a:t>gradiente descendente em batelada e o gradiente descendente estocástico: a cada etapa, em vez de calcular os gradientes com base no conjunto de treinamento completo (como no GD em batelada) ou com base em apenas uma instância (como no GD estocástico), o</a:t>
+            </a:r>
+            <a:r>
+              <a:rPr lang="pt-BR" baseline="0" dirty="0"/>
+              <a:t> mini-batch </a:t>
+            </a:r>
+            <a:r>
+              <a:rPr lang="pt-BR" dirty="0"/>
+              <a:t>calcula os gradientes em subconjuntos aleatórios de instâncias chamados mini-lotes (do inglês mini-batch). </a:t>
+            </a:r>
+          </a:p>
+          <a:p>
+            <a:endParaRPr lang="pt-BR" dirty="0"/>
+          </a:p>
+          <a:p>
+            <a:r>
+              <a:rPr lang="pt-BR" dirty="0"/>
+              <a:t>O progresso do algoritmo no espaço de parâmetros é menos irregular do que com o SGD, especialmente com mini lotes muito grandes. Como resultado, o </a:t>
+            </a:r>
+            <a:r>
+              <a:rPr lang="pt-BR" dirty="0" err="1"/>
+              <a:t>mini-batch</a:t>
+            </a:r>
+            <a:r>
+              <a:rPr lang="pt-BR" baseline="0" dirty="0"/>
+              <a:t> </a:t>
+            </a:r>
+            <a:r>
+              <a:rPr lang="pt-BR" dirty="0"/>
+              <a:t>acabará chegando um pouco mais perto do mínimo do que o GDS. Mas, por outro lado, pode ser mais difícil escapar dos mínimos locais (no caso de problemas que sofrem com mínimos locais, diferentemente da Regressão Linear, que como vimos anteriormente apresenta apenas um mínimo, que é o global).</a:t>
+            </a:r>
+          </a:p>
+          <a:p>
+            <a:endParaRPr lang="pt-BR" dirty="0"/>
+          </a:p>
+          <a:p>
+            <a:r>
+              <a:rPr lang="pt-BR" b="1" dirty="0"/>
+              <a:t>Exemplo</a:t>
+            </a:r>
+            <a:r>
+              <a:rPr lang="pt-BR" dirty="0"/>
+              <a:t>: </a:t>
+            </a:r>
+            <a:r>
+              <a:rPr lang="pt-BR" dirty="0" err="1"/>
+              <a:t>mini_batch_gradient_descent_with_figures.ipynb</a:t>
+            </a:r>
+            <a:endParaRPr lang="pt-BR" dirty="0"/>
           </a:p>
         </p:txBody>
       </p:sp>
@@ -1758,6 +1922,100 @@
           <a:p>
             <a:fld id="{DA8B99DF-01BC-492A-8CEF-4FD88D18DD9D}" type="slidenum">
               <a:rPr lang="nl-BE" smtClean="0"/>
+              <a:t>16</a:t>
+            </a:fld>
+            <a:endParaRPr lang="nl-BE"/>
+          </a:p>
+        </p:txBody>
+      </p:sp>
+    </p:spTree>
+    <p:extLst>
+      <p:ext uri="{BB962C8B-B14F-4D97-AF65-F5344CB8AC3E}">
+        <p14:creationId xmlns:p14="http://schemas.microsoft.com/office/powerpoint/2010/main" val="1248176192"/>
+      </p:ext>
+    </p:extLst>
+  </p:cSld>
+  <p:clrMapOvr>
+    <a:masterClrMapping/>
+  </p:clrMapOvr>
+</p:notes>
+</file>
+
+<file path=ppt/notesSlides/notesSlide15.xml><?xml version="1.0" encoding="utf-8"?>
+<p:notes xmlns:a="http://schemas.openxmlformats.org/drawingml/2006/main" xmlns:r="http://schemas.openxmlformats.org/officeDocument/2006/relationships" xmlns:p="http://schemas.openxmlformats.org/presentationml/2006/main">
+  <p:cSld>
+    <p:spTree>
+      <p:nvGrpSpPr>
+        <p:cNvPr id="1" name=""/>
+        <p:cNvGrpSpPr/>
+        <p:nvPr/>
+      </p:nvGrpSpPr>
+      <p:grpSpPr>
+        <a:xfrm>
+          <a:off x="0" y="0"/>
+          <a:ext cx="0" cy="0"/>
+          <a:chOff x="0" y="0"/>
+          <a:chExt cx="0" cy="0"/>
+        </a:xfrm>
+      </p:grpSpPr>
+      <p:sp>
+        <p:nvSpPr>
+          <p:cNvPr id="2" name="Slide Image Placeholder 1"/>
+          <p:cNvSpPr>
+            <a:spLocks noGrp="1" noRot="1" noChangeAspect="1"/>
+          </p:cNvSpPr>
+          <p:nvPr>
+            <p:ph type="sldImg"/>
+          </p:nvPr>
+        </p:nvSpPr>
+        <p:spPr/>
+      </p:sp>
+      <p:sp>
+        <p:nvSpPr>
+          <p:cNvPr id="3" name="Notes Placeholder 2"/>
+          <p:cNvSpPr>
+            <a:spLocks noGrp="1"/>
+          </p:cNvSpPr>
+          <p:nvPr>
+            <p:ph type="body" idx="1"/>
+          </p:nvPr>
+        </p:nvSpPr>
+        <p:spPr/>
+        <p:txBody>
+          <a:bodyPr/>
+          <a:lstStyle/>
+          <a:p>
+            <a:r>
+              <a:rPr lang="pt-BR" b="1" dirty="0" smtClean="0"/>
+              <a:t>Laboratório</a:t>
+            </a:r>
+            <a:r>
+              <a:rPr lang="pt-BR" dirty="0" smtClean="0"/>
+              <a:t>: https://colab.research.google.com/github/zz4fap/t319_aprendizado_de_maquina/blob/main/labs/Laboratorio3.ipynb</a:t>
+            </a:r>
+          </a:p>
+          <a:p>
+            <a:endParaRPr lang="pt-BR" dirty="0" smtClean="0"/>
+          </a:p>
+        </p:txBody>
+      </p:sp>
+      <p:sp>
+        <p:nvSpPr>
+          <p:cNvPr id="4" name="Slide Number Placeholder 3"/>
+          <p:cNvSpPr>
+            <a:spLocks noGrp="1"/>
+          </p:cNvSpPr>
+          <p:nvPr>
+            <p:ph type="sldNum" sz="quarter" idx="10"/>
+          </p:nvPr>
+        </p:nvSpPr>
+        <p:spPr/>
+        <p:txBody>
+          <a:bodyPr/>
+          <a:lstStyle/>
+          <a:p>
+            <a:fld id="{DA8B99DF-01BC-492A-8CEF-4FD88D18DD9D}" type="slidenum">
+              <a:rPr lang="nl-BE" smtClean="0"/>
               <a:t>17</a:t>
             </a:fld>
             <a:endParaRPr lang="nl-BE"/>
@@ -1777,7 +2035,7 @@
 </p:notes>
 </file>
 
-<file path=ppt/notesSlides/notesSlide15.xml><?xml version="1.0" encoding="utf-8"?>
+<file path=ppt/notesSlides/notesSlide16.xml><?xml version="1.0" encoding="utf-8"?>
 <p:notes xmlns:a="http://schemas.openxmlformats.org/drawingml/2006/main" xmlns:r="http://schemas.openxmlformats.org/officeDocument/2006/relationships" xmlns:p="http://schemas.openxmlformats.org/presentationml/2006/main">
   <p:cSld>
     <p:spTree>
@@ -2396,6 +2654,133 @@
                   <a:defRPr/>
                 </a:pPr>
                 <a:r>
+                  <a:rPr lang="pt-BR" sz="1200" b="0" i="0" kern="1200" dirty="0" smtClean="0">
+                    <a:solidFill>
+                      <a:schemeClr val="tx1"/>
+                    </a:solidFill>
+                    <a:effectLst/>
+                    <a:latin typeface="+mn-lt"/>
+                    <a:ea typeface="+mn-ea"/>
+                    <a:cs typeface="+mn-cs"/>
+                  </a:rPr>
+                  <a:t>um elemento do vetor gradiente da função f dá a inclinação de uma reta tangente em relação a um argumento específico de f em um determinado ponto. No caso de uma função de várias variáveis, um elemento do vetor gradiente representa a taxa de variação da função em relação a uma variável específica em um determinado ponto, o que pode ser interpretado como a inclinação da reta tangente em relação a essa variável.</a:t>
+                </a:r>
+              </a:p>
+              <a:p>
+                <a:pPr marL="0" marR="0" lvl="0" indent="0" algn="l" defTabSz="914400" rtl="0" eaLnBrk="1" fontAlgn="auto" latinLnBrk="0" hangingPunct="1">
+                  <a:lnSpc>
+                    <a:spcPct val="100000"/>
+                  </a:lnSpc>
+                  <a:spcBef>
+                    <a:spcPts val="0"/>
+                  </a:spcBef>
+                  <a:spcAft>
+                    <a:spcPts val="0"/>
+                  </a:spcAft>
+                  <a:buClrTx/>
+                  <a:buSzTx/>
+                  <a:buFontTx/>
+                  <a:buNone/>
+                  <a:tabLst/>
+                  <a:defRPr/>
+                </a:pPr>
+                <a:endParaRPr lang="pt-BR" sz="1200" b="0" i="0" kern="1200" dirty="0" smtClean="0">
+                  <a:solidFill>
+                    <a:schemeClr val="tx1"/>
+                  </a:solidFill>
+                  <a:effectLst/>
+                  <a:latin typeface="+mn-lt"/>
+                  <a:ea typeface="+mn-ea"/>
+                  <a:cs typeface="+mn-cs"/>
+                </a:endParaRPr>
+              </a:p>
+              <a:p>
+                <a:pPr marL="0" marR="0" lvl="0" indent="0" algn="l" defTabSz="914400" rtl="0" eaLnBrk="1" fontAlgn="auto" latinLnBrk="0" hangingPunct="1">
+                  <a:lnSpc>
+                    <a:spcPct val="100000"/>
+                  </a:lnSpc>
+                  <a:spcBef>
+                    <a:spcPts val="0"/>
+                  </a:spcBef>
+                  <a:spcAft>
+                    <a:spcPts val="0"/>
+                  </a:spcAft>
+                  <a:buClrTx/>
+                  <a:buSzTx/>
+                  <a:buFontTx/>
+                  <a:buNone/>
+                  <a:tabLst/>
+                  <a:defRPr/>
+                </a:pPr>
+                <a:r>
+                  <a:rPr lang="pt-BR" sz="1200" b="0" i="0" kern="1200" dirty="0" smtClean="0">
+                    <a:solidFill>
+                      <a:schemeClr val="tx1"/>
+                    </a:solidFill>
+                    <a:effectLst/>
+                    <a:latin typeface="+mn-lt"/>
+                    <a:ea typeface="+mn-ea"/>
+                    <a:cs typeface="+mn-cs"/>
+                  </a:rPr>
+                  <a:t>O vetor gradiente nos dá a direção em que a função </a:t>
+                </a:r>
+                <a:r>
+                  <a:rPr lang="pt-BR" dirty="0" smtClean="0"/>
+                  <a:t>f</a:t>
+                </a:r>
+                <a:r>
+                  <a:rPr lang="pt-BR" sz="1200" b="0" i="0" kern="1200" dirty="0" smtClean="0">
+                    <a:solidFill>
+                      <a:schemeClr val="tx1"/>
+                    </a:solidFill>
+                    <a:effectLst/>
+                    <a:latin typeface="+mn-lt"/>
+                    <a:ea typeface="+mn-ea"/>
+                    <a:cs typeface="+mn-cs"/>
+                  </a:rPr>
+                  <a:t> cresce mais rapidamente em um determinado ponto, bem como a taxa de crescimento em cada uma das dimensões em que a função varia. </a:t>
+                </a:r>
+                <a:endParaRPr lang="pt-BR" sz="1200" dirty="0" smtClean="0"/>
+              </a:p>
+              <a:p>
+                <a:pPr marL="0" marR="0" lvl="0" indent="0" algn="l" defTabSz="914400" rtl="0" eaLnBrk="1" fontAlgn="auto" latinLnBrk="0" hangingPunct="1">
+                  <a:lnSpc>
+                    <a:spcPct val="100000"/>
+                  </a:lnSpc>
+                  <a:spcBef>
+                    <a:spcPts val="0"/>
+                  </a:spcBef>
+                  <a:spcAft>
+                    <a:spcPts val="0"/>
+                  </a:spcAft>
+                  <a:buClrTx/>
+                  <a:buSzTx/>
+                  <a:buFontTx/>
+                  <a:buNone/>
+                  <a:tabLst/>
+                  <a:defRPr/>
+                </a:pPr>
+                <a:endParaRPr lang="pt-BR" sz="1200" dirty="0" smtClean="0"/>
+              </a:p>
+              <a:p>
+                <a:pPr marL="0" marR="0" lvl="0" indent="0" algn="l" defTabSz="914400" rtl="0" eaLnBrk="1" fontAlgn="auto" latinLnBrk="0" hangingPunct="1">
+                  <a:lnSpc>
+                    <a:spcPct val="100000"/>
+                  </a:lnSpc>
+                  <a:spcBef>
+                    <a:spcPts val="0"/>
+                  </a:spcBef>
+                  <a:spcAft>
+                    <a:spcPts val="0"/>
+                  </a:spcAft>
+                  <a:buClrTx/>
+                  <a:buSzTx/>
+                  <a:buFontTx/>
+                  <a:buNone/>
+                  <a:tabLst/>
+                  <a:defRPr/>
+                </a:pPr>
+                <a:r>
                   <a:rPr lang="pt-BR" sz="1200" dirty="0" smtClean="0"/>
                   <a:t>O vetor gradiente, </a:t>
                 </a:r>
@@ -3605,6 +3990,478 @@
 </file>
 
 <file path=ppt/notesSlides/notesSlide3.xml><?xml version="1.0" encoding="utf-8"?>
+<p:notes xmlns:a="http://schemas.openxmlformats.org/drawingml/2006/main" xmlns:r="http://schemas.openxmlformats.org/officeDocument/2006/relationships" xmlns:p="http://schemas.openxmlformats.org/presentationml/2006/main">
+  <p:cSld>
+    <p:spTree>
+      <p:nvGrpSpPr>
+        <p:cNvPr id="1" name=""/>
+        <p:cNvGrpSpPr/>
+        <p:nvPr/>
+      </p:nvGrpSpPr>
+      <p:grpSpPr>
+        <a:xfrm>
+          <a:off x="0" y="0"/>
+          <a:ext cx="0" cy="0"/>
+          <a:chOff x="0" y="0"/>
+          <a:chExt cx="0" cy="0"/>
+        </a:xfrm>
+      </p:grpSpPr>
+      <p:sp>
+        <p:nvSpPr>
+          <p:cNvPr id="2" name="Espaço Reservado para Imagem de Slide 1"/>
+          <p:cNvSpPr>
+            <a:spLocks noGrp="1" noRot="1" noChangeAspect="1"/>
+          </p:cNvSpPr>
+          <p:nvPr>
+            <p:ph type="sldImg"/>
+          </p:nvPr>
+        </p:nvSpPr>
+        <p:spPr/>
+      </p:sp>
+      <mc:AlternateContent xmlns:mc="http://schemas.openxmlformats.org/markup-compatibility/2006" xmlns:a14="http://schemas.microsoft.com/office/drawing/2010/main">
+        <mc:Choice Requires="a14">
+          <p:sp>
+            <p:nvSpPr>
+              <p:cNvPr id="3" name="Espaço Reservado para Anotações 2"/>
+              <p:cNvSpPr>
+                <a:spLocks noGrp="1"/>
+              </p:cNvSpPr>
+              <p:nvPr>
+                <p:ph type="body" idx="1"/>
+              </p:nvPr>
+            </p:nvSpPr>
+            <p:spPr/>
+            <p:txBody>
+              <a:bodyPr/>
+              <a:lstStyle/>
+              <a:p>
+                <a:pPr marL="0" marR="0" lvl="0" indent="0" algn="l" defTabSz="914400" rtl="0" eaLnBrk="1" fontAlgn="auto" latinLnBrk="0" hangingPunct="1">
+                  <a:lnSpc>
+                    <a:spcPct val="100000"/>
+                  </a:lnSpc>
+                  <a:spcBef>
+                    <a:spcPts val="0"/>
+                  </a:spcBef>
+                  <a:spcAft>
+                    <a:spcPts val="0"/>
+                  </a:spcAft>
+                  <a:buClrTx/>
+                  <a:buSzTx/>
+                  <a:buFontTx/>
+                  <a:buNone/>
+                  <a:tabLst/>
+                  <a:defRPr/>
+                </a:pPr>
+                <a:r>
+                  <a:rPr lang="pt-BR" dirty="0" smtClean="0"/>
+                  <a:t>O vetor </a:t>
+                </a:r>
+                <a:r>
+                  <a:rPr lang="pt-BR" dirty="0"/>
+                  <a:t>gradiente </a:t>
+                </a:r>
+                <a:r>
+                  <a:rPr lang="pt-BR" dirty="0" smtClean="0"/>
+                  <a:t>indica </a:t>
+                </a:r>
+                <a:r>
+                  <a:rPr lang="pt-BR" dirty="0"/>
+                  <a:t>a </a:t>
+                </a:r>
+                <a:r>
+                  <a:rPr lang="pt-BR" b="1" i="1" dirty="0"/>
+                  <a:t>direção</a:t>
+                </a:r>
+                <a:r>
+                  <a:rPr lang="pt-BR" dirty="0"/>
+                  <a:t> na qual, </a:t>
+                </a:r>
+                <a:r>
+                  <a:rPr lang="pt-BR" b="1" i="1" dirty="0">
+                    <a:solidFill>
+                      <a:srgbClr val="0070C0"/>
+                    </a:solidFill>
+                  </a:rPr>
+                  <a:t>por </a:t>
+                </a:r>
+                <a:r>
+                  <a:rPr lang="pt-BR" b="1" i="1" dirty="0">
+                    <a:solidFill>
+                      <a:srgbClr val="00B050"/>
+                    </a:solidFill>
+                  </a:rPr>
+                  <a:t>deslocamento</a:t>
+                </a:r>
+                <a:r>
+                  <a:rPr lang="pt-BR" b="1" i="1" dirty="0">
+                    <a:solidFill>
+                      <a:srgbClr val="0070C0"/>
+                    </a:solidFill>
+                  </a:rPr>
+                  <a:t> a partir de um </a:t>
+                </a:r>
+                <a:r>
+                  <a:rPr lang="pt-BR" b="1" i="1" dirty="0">
+                    <a:solidFill>
+                      <a:srgbClr val="00B050"/>
+                    </a:solidFill>
+                  </a:rPr>
+                  <a:t>ponto especifico</a:t>
+                </a:r>
+                <a:r>
+                  <a:rPr lang="pt-BR" dirty="0"/>
+                  <a:t>, obtém-se o </a:t>
+                </a:r>
+                <a:r>
+                  <a:rPr lang="pt-BR" b="1" i="1" dirty="0">
+                    <a:solidFill>
+                      <a:srgbClr val="00B050"/>
+                    </a:solidFill>
+                  </a:rPr>
+                  <a:t>maior incremento </a:t>
+                </a:r>
+                <a:r>
+                  <a:rPr lang="pt-BR" b="1" i="1" dirty="0">
+                    <a:solidFill>
+                      <a:srgbClr val="0070C0"/>
+                    </a:solidFill>
+                  </a:rPr>
+                  <a:t>possível no valor de uma função</a:t>
+                </a:r>
+                <a:r>
+                  <a:rPr lang="pt-BR" dirty="0"/>
+                  <a:t>, </a:t>
+                </a:r>
+                <a14:m>
+                  <m:oMath xmlns:m="http://schemas.openxmlformats.org/officeDocument/2006/math">
+                    <m:r>
+                      <a:rPr lang="pt-BR" b="0" i="1">
+                        <a:latin typeface="Cambria Math" panose="02040503050406030204" pitchFamily="18" charset="0"/>
+                      </a:rPr>
+                      <m:t>𝑓</m:t>
+                    </m:r>
+                    <m:r>
+                      <a:rPr lang="pt-BR" b="0" i="1" smtClean="0">
+                        <a:latin typeface="Cambria Math" panose="02040503050406030204" pitchFamily="18" charset="0"/>
+                      </a:rPr>
+                      <m:t>(</m:t>
+                    </m:r>
+                    <m:r>
+                      <a:rPr lang="pt-BR" b="1" i="1" smtClean="0">
+                        <a:latin typeface="Cambria Math" panose="02040503050406030204" pitchFamily="18" charset="0"/>
+                      </a:rPr>
+                      <m:t>𝒙</m:t>
+                    </m:r>
+                    <m:r>
+                      <a:rPr lang="pt-BR" b="0" i="1" smtClean="0">
+                        <a:latin typeface="Cambria Math" panose="02040503050406030204" pitchFamily="18" charset="0"/>
+                      </a:rPr>
+                      <m:t>)</m:t>
+                    </m:r>
+                  </m:oMath>
+                </a14:m>
+                <a:r>
+                  <a:rPr lang="pt-BR" dirty="0" smtClean="0"/>
+                  <a:t>.</a:t>
+                </a:r>
+              </a:p>
+              <a:p>
+                <a:pPr marL="0" marR="0" lvl="0" indent="0" algn="l" defTabSz="914400" rtl="0" eaLnBrk="1" fontAlgn="auto" latinLnBrk="0" hangingPunct="1">
+                  <a:lnSpc>
+                    <a:spcPct val="100000"/>
+                  </a:lnSpc>
+                  <a:spcBef>
+                    <a:spcPts val="0"/>
+                  </a:spcBef>
+                  <a:spcAft>
+                    <a:spcPts val="0"/>
+                  </a:spcAft>
+                  <a:buClrTx/>
+                  <a:buSzTx/>
+                  <a:buFontTx/>
+                  <a:buNone/>
+                  <a:tabLst/>
+                  <a:defRPr/>
+                </a:pPr>
+                <a:endParaRPr lang="pt-BR" dirty="0" smtClean="0"/>
+              </a:p>
+              <a:p>
+                <a:pPr marL="0" marR="0" lvl="0" indent="0" algn="l" defTabSz="914400" rtl="0" eaLnBrk="1" fontAlgn="auto" latinLnBrk="0" hangingPunct="1">
+                  <a:lnSpc>
+                    <a:spcPct val="100000"/>
+                  </a:lnSpc>
+                  <a:spcBef>
+                    <a:spcPts val="0"/>
+                  </a:spcBef>
+                  <a:spcAft>
+                    <a:spcPts val="0"/>
+                  </a:spcAft>
+                  <a:buClrTx/>
+                  <a:buSzTx/>
+                  <a:buFontTx/>
+                  <a:buNone/>
+                  <a:tabLst/>
+                  <a:defRPr/>
+                </a:pPr>
+                <a:r>
+                  <a:rPr lang="pt-BR" sz="1200" b="0" i="0" kern="1200" dirty="0" smtClean="0">
+                    <a:solidFill>
+                      <a:schemeClr val="tx1"/>
+                    </a:solidFill>
+                    <a:effectLst/>
+                    <a:latin typeface="+mn-lt"/>
+                    <a:ea typeface="+mn-ea"/>
+                    <a:cs typeface="+mn-cs"/>
+                  </a:rPr>
+                  <a:t>Se, a cada novo ponto, calcularmos o vetor gradiente e adicionarmos uma fração dele ao ponto atual, teremos um novo ponto que leva a um valor da função maior do que o valor anterior.</a:t>
+                </a:r>
+                <a:endParaRPr lang="pt-BR" dirty="0" smtClean="0"/>
+              </a:p>
+              <a:p>
+                <a:endParaRPr lang="pt-BR" dirty="0"/>
+              </a:p>
+            </p:txBody>
+          </p:sp>
+        </mc:Choice>
+        <mc:Fallback xmlns="">
+          <p:sp>
+            <p:nvSpPr>
+              <p:cNvPr id="3" name="Espaço Reservado para Anotações 2"/>
+              <p:cNvSpPr>
+                <a:spLocks noGrp="1"/>
+              </p:cNvSpPr>
+              <p:nvPr>
+                <p:ph type="body" idx="1"/>
+              </p:nvPr>
+            </p:nvSpPr>
+            <p:spPr/>
+            <p:txBody>
+              <a:bodyPr/>
+              <a:lstStyle/>
+              <a:p>
+                <a:pPr marL="0" marR="0" lvl="0" indent="0" algn="l" defTabSz="914400" rtl="0" eaLnBrk="1" fontAlgn="auto" latinLnBrk="0" hangingPunct="1">
+                  <a:lnSpc>
+                    <a:spcPct val="100000"/>
+                  </a:lnSpc>
+                  <a:spcBef>
+                    <a:spcPts val="0"/>
+                  </a:spcBef>
+                  <a:spcAft>
+                    <a:spcPts val="0"/>
+                  </a:spcAft>
+                  <a:buClrTx/>
+                  <a:buSzTx/>
+                  <a:buFontTx/>
+                  <a:buNone/>
+                  <a:tabLst/>
+                  <a:defRPr/>
+                </a:pPr>
+                <a:r>
+                  <a:rPr lang="pt-BR" dirty="0" smtClean="0"/>
+                  <a:t>O vetor </a:t>
+                </a:r>
+                <a:r>
+                  <a:rPr lang="pt-BR" dirty="0"/>
+                  <a:t>gradiente </a:t>
+                </a:r>
+                <a:r>
+                  <a:rPr lang="pt-BR" dirty="0" smtClean="0"/>
+                  <a:t>indica </a:t>
+                </a:r>
+                <a:r>
+                  <a:rPr lang="pt-BR" dirty="0"/>
+                  <a:t>a </a:t>
+                </a:r>
+                <a:r>
+                  <a:rPr lang="pt-BR" b="1" i="1" dirty="0"/>
+                  <a:t>direção</a:t>
+                </a:r>
+                <a:r>
+                  <a:rPr lang="pt-BR" dirty="0"/>
+                  <a:t> na qual, </a:t>
+                </a:r>
+                <a:r>
+                  <a:rPr lang="pt-BR" b="1" i="1" dirty="0">
+                    <a:solidFill>
+                      <a:srgbClr val="0070C0"/>
+                    </a:solidFill>
+                  </a:rPr>
+                  <a:t>por </a:t>
+                </a:r>
+                <a:r>
+                  <a:rPr lang="pt-BR" b="1" i="1" dirty="0">
+                    <a:solidFill>
+                      <a:srgbClr val="00B050"/>
+                    </a:solidFill>
+                  </a:rPr>
+                  <a:t>deslocamento</a:t>
+                </a:r>
+                <a:r>
+                  <a:rPr lang="pt-BR" b="1" i="1" dirty="0">
+                    <a:solidFill>
+                      <a:srgbClr val="0070C0"/>
+                    </a:solidFill>
+                  </a:rPr>
+                  <a:t> a partir de um </a:t>
+                </a:r>
+                <a:r>
+                  <a:rPr lang="pt-BR" b="1" i="1" dirty="0">
+                    <a:solidFill>
+                      <a:srgbClr val="00B050"/>
+                    </a:solidFill>
+                  </a:rPr>
+                  <a:t>ponto especifico</a:t>
+                </a:r>
+                <a:r>
+                  <a:rPr lang="pt-BR" dirty="0"/>
+                  <a:t>, obtém-se o </a:t>
+                </a:r>
+                <a:r>
+                  <a:rPr lang="pt-BR" b="1" i="1" dirty="0">
+                    <a:solidFill>
+                      <a:srgbClr val="00B050"/>
+                    </a:solidFill>
+                  </a:rPr>
+                  <a:t>maior incremento </a:t>
+                </a:r>
+                <a:r>
+                  <a:rPr lang="pt-BR" b="1" i="1" dirty="0">
+                    <a:solidFill>
+                      <a:srgbClr val="0070C0"/>
+                    </a:solidFill>
+                  </a:rPr>
+                  <a:t>possível no valor de uma função</a:t>
+                </a:r>
+                <a:r>
+                  <a:rPr lang="pt-BR" dirty="0"/>
+                  <a:t>, </a:t>
+                </a:r>
+                <a:r>
+                  <a:rPr lang="pt-BR" b="0" i="0">
+                    <a:latin typeface="Cambria Math" panose="02040503050406030204" pitchFamily="18" charset="0"/>
+                  </a:rPr>
+                  <a:t>𝑓</a:t>
+                </a:r>
+                <a:r>
+                  <a:rPr lang="pt-BR" b="0" i="0" smtClean="0">
+                    <a:latin typeface="Cambria Math" panose="02040503050406030204" pitchFamily="18" charset="0"/>
+                  </a:rPr>
+                  <a:t>(</a:t>
+                </a:r>
+                <a:r>
+                  <a:rPr lang="pt-BR" b="1" i="0" smtClean="0">
+                    <a:latin typeface="Cambria Math" panose="02040503050406030204" pitchFamily="18" charset="0"/>
+                  </a:rPr>
+                  <a:t>𝒙</a:t>
+                </a:r>
+                <a:r>
+                  <a:rPr lang="pt-BR" b="0" i="0" smtClean="0">
+                    <a:latin typeface="Cambria Math" panose="02040503050406030204" pitchFamily="18" charset="0"/>
+                  </a:rPr>
+                  <a:t>)</a:t>
+                </a:r>
+                <a:r>
+                  <a:rPr lang="pt-BR" dirty="0" smtClean="0"/>
+                  <a:t>.</a:t>
+                </a:r>
+                <a:endParaRPr lang="pt-BR" dirty="0" smtClean="0"/>
+              </a:p>
+              <a:p>
+                <a:pPr marL="0" marR="0" lvl="0" indent="0" algn="l" defTabSz="914400" rtl="0" eaLnBrk="1" fontAlgn="auto" latinLnBrk="0" hangingPunct="1">
+                  <a:lnSpc>
+                    <a:spcPct val="100000"/>
+                  </a:lnSpc>
+                  <a:spcBef>
+                    <a:spcPts val="0"/>
+                  </a:spcBef>
+                  <a:spcAft>
+                    <a:spcPts val="0"/>
+                  </a:spcAft>
+                  <a:buClrTx/>
+                  <a:buSzTx/>
+                  <a:buFontTx/>
+                  <a:buNone/>
+                  <a:tabLst/>
+                  <a:defRPr/>
+                </a:pPr>
+                <a:endParaRPr lang="pt-BR" dirty="0" smtClean="0"/>
+              </a:p>
+              <a:p>
+                <a:pPr marL="0" marR="0" lvl="0" indent="0" algn="l" defTabSz="914400" rtl="0" eaLnBrk="1" fontAlgn="auto" latinLnBrk="0" hangingPunct="1">
+                  <a:lnSpc>
+                    <a:spcPct val="100000"/>
+                  </a:lnSpc>
+                  <a:spcBef>
+                    <a:spcPts val="0"/>
+                  </a:spcBef>
+                  <a:spcAft>
+                    <a:spcPts val="0"/>
+                  </a:spcAft>
+                  <a:buClrTx/>
+                  <a:buSzTx/>
+                  <a:buFontTx/>
+                  <a:buNone/>
+                  <a:tabLst/>
+                  <a:defRPr/>
+                </a:pPr>
+                <a:r>
+                  <a:rPr lang="pt-BR" sz="1200" b="0" i="0" kern="1200" dirty="0" smtClean="0">
+                    <a:solidFill>
+                      <a:schemeClr val="tx1"/>
+                    </a:solidFill>
+                    <a:effectLst/>
+                    <a:latin typeface="+mn-lt"/>
+                    <a:ea typeface="+mn-ea"/>
+                    <a:cs typeface="+mn-cs"/>
+                  </a:rPr>
+                  <a:t>Se, a cada novo ponto, calcularmos o vetor gradiente e adicionarmos uma fração dele ao ponto atual, teremos um novo ponto que leva a um valor da função maior do que o valor anterior.</a:t>
+                </a:r>
+                <a:endParaRPr lang="pt-BR" dirty="0" smtClean="0"/>
+              </a:p>
+              <a:p>
+                <a:endParaRPr lang="pt-BR" dirty="0"/>
+              </a:p>
+            </p:txBody>
+          </p:sp>
+        </mc:Fallback>
+      </mc:AlternateContent>
+      <p:sp>
+        <p:nvSpPr>
+          <p:cNvPr id="4" name="Espaço Reservado para Número de Slide 3"/>
+          <p:cNvSpPr>
+            <a:spLocks noGrp="1"/>
+          </p:cNvSpPr>
+          <p:nvPr>
+            <p:ph type="sldNum" sz="quarter" idx="10"/>
+          </p:nvPr>
+        </p:nvSpPr>
+        <p:spPr/>
+        <p:txBody>
+          <a:bodyPr/>
+          <a:lstStyle/>
+          <a:p>
+            <a:fld id="{DA8B99DF-01BC-492A-8CEF-4FD88D18DD9D}" type="slidenum">
+              <a:rPr lang="nl-BE" smtClean="0"/>
+              <a:t>4</a:t>
+            </a:fld>
+            <a:endParaRPr lang="nl-BE"/>
+          </a:p>
+        </p:txBody>
+      </p:sp>
+    </p:spTree>
+    <p:extLst>
+      <p:ext uri="{BB962C8B-B14F-4D97-AF65-F5344CB8AC3E}">
+        <p14:creationId xmlns:p14="http://schemas.microsoft.com/office/powerpoint/2010/main" val="1660007173"/>
+      </p:ext>
+    </p:extLst>
+  </p:cSld>
+  <p:clrMapOvr>
+    <a:masterClrMapping/>
+  </p:clrMapOvr>
+</p:notes>
+</file>
+
+<file path=ppt/notesSlides/notesSlide4.xml><?xml version="1.0" encoding="utf-8"?>
 <p:notes xmlns:a="http://schemas.openxmlformats.org/drawingml/2006/main" xmlns:r="http://schemas.openxmlformats.org/officeDocument/2006/relationships" xmlns:p="http://schemas.openxmlformats.org/presentationml/2006/main">
   <p:cSld>
     <p:spTree>
@@ -4601,7 +5458,7 @@
 </p:notes>
 </file>
 
-<file path=ppt/notesSlides/notesSlide4.xml><?xml version="1.0" encoding="utf-8"?>
+<file path=ppt/notesSlides/notesSlide5.xml><?xml version="1.0" encoding="utf-8"?>
 <p:notes xmlns:a="http://schemas.openxmlformats.org/drawingml/2006/main" xmlns:r="http://schemas.openxmlformats.org/officeDocument/2006/relationships" xmlns:p="http://schemas.openxmlformats.org/presentationml/2006/main">
   <p:cSld>
     <p:spTree>
@@ -4946,267 +5803,6 @@
 </p:notes>
 </file>
 
-<file path=ppt/notesSlides/notesSlide5.xml><?xml version="1.0" encoding="utf-8"?>
-<p:notes xmlns:a="http://schemas.openxmlformats.org/drawingml/2006/main" xmlns:r="http://schemas.openxmlformats.org/officeDocument/2006/relationships" xmlns:p="http://schemas.openxmlformats.org/presentationml/2006/main">
-  <p:cSld>
-    <p:spTree>
-      <p:nvGrpSpPr>
-        <p:cNvPr id="1" name=""/>
-        <p:cNvGrpSpPr/>
-        <p:nvPr/>
-      </p:nvGrpSpPr>
-      <p:grpSpPr>
-        <a:xfrm>
-          <a:off x="0" y="0"/>
-          <a:ext cx="0" cy="0"/>
-          <a:chOff x="0" y="0"/>
-          <a:chExt cx="0" cy="0"/>
-        </a:xfrm>
-      </p:grpSpPr>
-      <p:sp>
-        <p:nvSpPr>
-          <p:cNvPr id="2" name="Slide Image Placeholder 1"/>
-          <p:cNvSpPr>
-            <a:spLocks noGrp="1" noRot="1" noChangeAspect="1"/>
-          </p:cNvSpPr>
-          <p:nvPr>
-            <p:ph type="sldImg"/>
-          </p:nvPr>
-        </p:nvSpPr>
-        <p:spPr/>
-      </p:sp>
-      <p:sp>
-        <p:nvSpPr>
-          <p:cNvPr id="3" name="Notes Placeholder 2"/>
-          <p:cNvSpPr>
-            <a:spLocks noGrp="1"/>
-          </p:cNvSpPr>
-          <p:nvPr>
-            <p:ph type="body" idx="1"/>
-          </p:nvPr>
-        </p:nvSpPr>
-        <p:spPr/>
-        <p:txBody>
-          <a:bodyPr/>
-          <a:lstStyle/>
-          <a:p>
-            <a:r>
-              <a:rPr lang="pt-BR" dirty="0"/>
-              <a:t>O Gradiente Descendente (GD) é um algoritmo de otimização </a:t>
-            </a:r>
-            <a:r>
-              <a:rPr lang="pt-BR" dirty="0" smtClean="0"/>
-              <a:t>iterativo e genérico </a:t>
-            </a:r>
-            <a:r>
-              <a:rPr lang="pt-BR" dirty="0"/>
-              <a:t>capaz de encontrar soluções ideais para uma ampla gama de problemas. </a:t>
-            </a:r>
-            <a:endParaRPr lang="pt-BR" dirty="0" smtClean="0"/>
-          </a:p>
-          <a:p>
-            <a:endParaRPr lang="pt-BR" dirty="0" smtClean="0"/>
-          </a:p>
-          <a:p>
-            <a:r>
-              <a:rPr lang="pt-BR" dirty="0" smtClean="0"/>
-              <a:t>Métodos iterativos de otimização são usados toda a parte de Aprendizado de Máquina. </a:t>
-            </a:r>
-            <a:endParaRPr lang="pt-BR" dirty="0"/>
-          </a:p>
-          <a:p>
-            <a:endParaRPr lang="pt-BR" dirty="0"/>
-          </a:p>
-          <a:p>
-            <a:r>
-              <a:rPr lang="pt-BR" dirty="0"/>
-              <a:t>A ideia geral do GD</a:t>
-            </a:r>
-            <a:r>
-              <a:rPr lang="pt-BR" baseline="0" dirty="0"/>
-              <a:t> </a:t>
-            </a:r>
-            <a:r>
-              <a:rPr lang="pt-BR" dirty="0"/>
-              <a:t>é ajustar os parâmetros iterativamente, a fim de minimizar uma função de custo.</a:t>
-            </a:r>
-          </a:p>
-          <a:p>
-            <a:endParaRPr lang="pt-BR" dirty="0"/>
-          </a:p>
-          <a:p>
-            <a:r>
-              <a:rPr lang="pt-BR" dirty="0"/>
-              <a:t>Para algoritmos que utilizam o Gradiente Descendente para otimizar os parâmetros do modelo, todas as funções devem ser diferenciáveis.</a:t>
-            </a:r>
-          </a:p>
-          <a:p>
-            <a:endParaRPr lang="pt-BR" dirty="0"/>
-          </a:p>
-          <a:p>
-            <a:r>
-              <a:rPr lang="pt-BR" dirty="0"/>
-              <a:t>O Gradiente descendente é utilizado em vários problemas de aprendizado de máquina.</a:t>
-            </a:r>
-          </a:p>
-          <a:p>
-            <a:endParaRPr lang="en-US" dirty="0"/>
-          </a:p>
-          <a:p>
-            <a:r>
-              <a:rPr lang="en-US" dirty="0" err="1"/>
-              <a:t>Não</a:t>
-            </a:r>
-            <a:r>
-              <a:rPr lang="en-US" dirty="0"/>
-              <a:t> </a:t>
-            </a:r>
-            <a:r>
-              <a:rPr lang="en-US" dirty="0" err="1"/>
-              <a:t>precisa</a:t>
-            </a:r>
-            <a:r>
-              <a:rPr lang="en-US" baseline="0" dirty="0"/>
-              <a:t> se </a:t>
-            </a:r>
-            <a:r>
-              <a:rPr lang="en-US" baseline="0" dirty="0" err="1"/>
-              <a:t>preocupar</a:t>
-            </a:r>
-            <a:r>
-              <a:rPr lang="en-US" baseline="0" dirty="0"/>
-              <a:t> com </a:t>
-            </a:r>
-            <a:r>
-              <a:rPr lang="en-US" baseline="0" dirty="0" err="1"/>
-              <a:t>matrizes</a:t>
-            </a:r>
-            <a:r>
-              <a:rPr lang="en-US" baseline="0" dirty="0"/>
-              <a:t> mal-</a:t>
-            </a:r>
-            <a:r>
-              <a:rPr lang="en-US" baseline="0" dirty="0" err="1"/>
-              <a:t>condicionadas</a:t>
-            </a:r>
-            <a:r>
-              <a:rPr lang="en-US" baseline="0" dirty="0"/>
-              <a:t>, </a:t>
-            </a:r>
-            <a:r>
-              <a:rPr lang="en-US" baseline="0" dirty="0" err="1"/>
-              <a:t>ou</a:t>
-            </a:r>
-            <a:r>
-              <a:rPr lang="en-US" baseline="0" dirty="0"/>
-              <a:t> </a:t>
-            </a:r>
-            <a:r>
-              <a:rPr lang="en-US" baseline="0" dirty="0" err="1"/>
-              <a:t>seja</a:t>
-            </a:r>
-            <a:r>
-              <a:rPr lang="en-US" baseline="0" dirty="0"/>
-              <a:t>, com </a:t>
-            </a:r>
-            <a:r>
-              <a:rPr lang="en-US" baseline="0" dirty="0" err="1"/>
-              <a:t>determinante</a:t>
-            </a:r>
-            <a:r>
-              <a:rPr lang="en-US" baseline="0" dirty="0"/>
-              <a:t> </a:t>
-            </a:r>
-            <a:r>
-              <a:rPr lang="en-US" baseline="0" dirty="0" err="1"/>
-              <a:t>próximo</a:t>
-            </a:r>
-            <a:r>
-              <a:rPr lang="en-US" baseline="0" dirty="0"/>
-              <a:t> de </a:t>
-            </a:r>
-            <a:r>
-              <a:rPr lang="en-US" baseline="0" dirty="0" smtClean="0"/>
-              <a:t>zero </a:t>
-            </a:r>
-            <a:r>
-              <a:rPr lang="en-US" baseline="0" dirty="0" err="1" smtClean="0"/>
-              <a:t>pois</a:t>
-            </a:r>
-            <a:r>
-              <a:rPr lang="en-US" baseline="0" dirty="0" smtClean="0"/>
-              <a:t> </a:t>
-            </a:r>
-            <a:r>
-              <a:rPr lang="en-US" baseline="0" dirty="0" err="1" smtClean="0"/>
-              <a:t>não</a:t>
-            </a:r>
-            <a:r>
-              <a:rPr lang="en-US" baseline="0" dirty="0" smtClean="0"/>
-              <a:t> </a:t>
-            </a:r>
-            <a:r>
-              <a:rPr lang="en-US" baseline="0" dirty="0" err="1" smtClean="0"/>
-              <a:t>precisamos</a:t>
-            </a:r>
-            <a:r>
-              <a:rPr lang="en-US" baseline="0" dirty="0" smtClean="0"/>
-              <a:t> inverter </a:t>
-            </a:r>
-            <a:r>
-              <a:rPr lang="en-US" baseline="0" dirty="0" err="1" smtClean="0"/>
-              <a:t>matrizes</a:t>
-            </a:r>
-            <a:r>
-              <a:rPr lang="en-US" baseline="0" dirty="0" smtClean="0"/>
-              <a:t>.</a:t>
-            </a:r>
-            <a:endParaRPr lang="en-US" baseline="0" dirty="0"/>
-          </a:p>
-          <a:p>
-            <a:endParaRPr lang="en-US" baseline="0" dirty="0"/>
-          </a:p>
-          <a:p>
-            <a:endParaRPr lang="nl-BE" dirty="0"/>
-          </a:p>
-        </p:txBody>
-      </p:sp>
-      <p:sp>
-        <p:nvSpPr>
-          <p:cNvPr id="4" name="Slide Number Placeholder 3"/>
-          <p:cNvSpPr>
-            <a:spLocks noGrp="1"/>
-          </p:cNvSpPr>
-          <p:nvPr>
-            <p:ph type="sldNum" sz="quarter" idx="10"/>
-          </p:nvPr>
-        </p:nvSpPr>
-        <p:spPr/>
-        <p:txBody>
-          <a:bodyPr/>
-          <a:lstStyle/>
-          <a:p>
-            <a:fld id="{DA8B99DF-01BC-492A-8CEF-4FD88D18DD9D}" type="slidenum">
-              <a:rPr lang="nl-BE" smtClean="0"/>
-              <a:t>7</a:t>
-            </a:fld>
-            <a:endParaRPr lang="nl-BE"/>
-          </a:p>
-        </p:txBody>
-      </p:sp>
-    </p:spTree>
-    <p:extLst>
-      <p:ext uri="{BB962C8B-B14F-4D97-AF65-F5344CB8AC3E}">
-        <p14:creationId xmlns:p14="http://schemas.microsoft.com/office/powerpoint/2010/main" val="2889824295"/>
-      </p:ext>
-    </p:extLst>
-  </p:cSld>
-  <p:clrMapOvr>
-    <a:masterClrMapping/>
-  </p:clrMapOvr>
-</p:notes>
-</file>
-
 <file path=ppt/notesSlides/notesSlide6.xml><?xml version="1.0" encoding="utf-8"?>
 <p:notes xmlns:a="http://schemas.openxmlformats.org/drawingml/2006/main" xmlns:r="http://schemas.openxmlformats.org/officeDocument/2006/relationships" xmlns:p="http://schemas.openxmlformats.org/presentationml/2006/main">
   <p:cSld>
@@ -5252,6 +5848,267 @@
           <a:lstStyle/>
           <a:p>
             <a:r>
+              <a:rPr lang="pt-BR" dirty="0"/>
+              <a:t>O Gradiente Descendente (GD) é um algoritmo de otimização </a:t>
+            </a:r>
+            <a:r>
+              <a:rPr lang="pt-BR" dirty="0" smtClean="0"/>
+              <a:t>iterativo e genérico </a:t>
+            </a:r>
+            <a:r>
+              <a:rPr lang="pt-BR" dirty="0"/>
+              <a:t>capaz de encontrar soluções ideais para uma ampla gama de problemas. </a:t>
+            </a:r>
+            <a:endParaRPr lang="pt-BR" dirty="0" smtClean="0"/>
+          </a:p>
+          <a:p>
+            <a:endParaRPr lang="pt-BR" dirty="0" smtClean="0"/>
+          </a:p>
+          <a:p>
+            <a:r>
+              <a:rPr lang="pt-BR" dirty="0" smtClean="0"/>
+              <a:t>Métodos iterativos de otimização são usados toda a parte de Aprendizado de Máquina. </a:t>
+            </a:r>
+            <a:endParaRPr lang="pt-BR" dirty="0"/>
+          </a:p>
+          <a:p>
+            <a:endParaRPr lang="pt-BR" dirty="0"/>
+          </a:p>
+          <a:p>
+            <a:r>
+              <a:rPr lang="pt-BR" dirty="0"/>
+              <a:t>A ideia geral do GD</a:t>
+            </a:r>
+            <a:r>
+              <a:rPr lang="pt-BR" baseline="0" dirty="0"/>
+              <a:t> </a:t>
+            </a:r>
+            <a:r>
+              <a:rPr lang="pt-BR" dirty="0"/>
+              <a:t>é ajustar os parâmetros iterativamente, a fim de minimizar uma função de custo.</a:t>
+            </a:r>
+          </a:p>
+          <a:p>
+            <a:endParaRPr lang="pt-BR" dirty="0"/>
+          </a:p>
+          <a:p>
+            <a:r>
+              <a:rPr lang="pt-BR" dirty="0"/>
+              <a:t>Para algoritmos que utilizam o Gradiente Descendente para otimizar os parâmetros do modelo, todas as funções devem ser diferenciáveis.</a:t>
+            </a:r>
+          </a:p>
+          <a:p>
+            <a:endParaRPr lang="pt-BR" dirty="0"/>
+          </a:p>
+          <a:p>
+            <a:r>
+              <a:rPr lang="pt-BR" dirty="0"/>
+              <a:t>O Gradiente descendente é utilizado em vários problemas de aprendizado de máquina.</a:t>
+            </a:r>
+          </a:p>
+          <a:p>
+            <a:endParaRPr lang="en-US" dirty="0"/>
+          </a:p>
+          <a:p>
+            <a:r>
+              <a:rPr lang="en-US" dirty="0" err="1"/>
+              <a:t>Não</a:t>
+            </a:r>
+            <a:r>
+              <a:rPr lang="en-US" dirty="0"/>
+              <a:t> </a:t>
+            </a:r>
+            <a:r>
+              <a:rPr lang="en-US" dirty="0" err="1"/>
+              <a:t>precisa</a:t>
+            </a:r>
+            <a:r>
+              <a:rPr lang="en-US" baseline="0" dirty="0"/>
+              <a:t> se </a:t>
+            </a:r>
+            <a:r>
+              <a:rPr lang="en-US" baseline="0" dirty="0" err="1"/>
+              <a:t>preocupar</a:t>
+            </a:r>
+            <a:r>
+              <a:rPr lang="en-US" baseline="0" dirty="0"/>
+              <a:t> com </a:t>
+            </a:r>
+            <a:r>
+              <a:rPr lang="en-US" baseline="0" dirty="0" err="1"/>
+              <a:t>matrizes</a:t>
+            </a:r>
+            <a:r>
+              <a:rPr lang="en-US" baseline="0" dirty="0"/>
+              <a:t> mal-</a:t>
+            </a:r>
+            <a:r>
+              <a:rPr lang="en-US" baseline="0" dirty="0" err="1"/>
+              <a:t>condicionadas</a:t>
+            </a:r>
+            <a:r>
+              <a:rPr lang="en-US" baseline="0" dirty="0"/>
+              <a:t>, </a:t>
+            </a:r>
+            <a:r>
+              <a:rPr lang="en-US" baseline="0" dirty="0" err="1"/>
+              <a:t>ou</a:t>
+            </a:r>
+            <a:r>
+              <a:rPr lang="en-US" baseline="0" dirty="0"/>
+              <a:t> </a:t>
+            </a:r>
+            <a:r>
+              <a:rPr lang="en-US" baseline="0" dirty="0" err="1"/>
+              <a:t>seja</a:t>
+            </a:r>
+            <a:r>
+              <a:rPr lang="en-US" baseline="0" dirty="0"/>
+              <a:t>, com </a:t>
+            </a:r>
+            <a:r>
+              <a:rPr lang="en-US" baseline="0" dirty="0" err="1"/>
+              <a:t>determinante</a:t>
+            </a:r>
+            <a:r>
+              <a:rPr lang="en-US" baseline="0" dirty="0"/>
+              <a:t> </a:t>
+            </a:r>
+            <a:r>
+              <a:rPr lang="en-US" baseline="0" dirty="0" err="1"/>
+              <a:t>próximo</a:t>
+            </a:r>
+            <a:r>
+              <a:rPr lang="en-US" baseline="0" dirty="0"/>
+              <a:t> de </a:t>
+            </a:r>
+            <a:r>
+              <a:rPr lang="en-US" baseline="0" dirty="0" smtClean="0"/>
+              <a:t>zero </a:t>
+            </a:r>
+            <a:r>
+              <a:rPr lang="en-US" baseline="0" dirty="0" err="1" smtClean="0"/>
+              <a:t>pois</a:t>
+            </a:r>
+            <a:r>
+              <a:rPr lang="en-US" baseline="0" dirty="0" smtClean="0"/>
+              <a:t> </a:t>
+            </a:r>
+            <a:r>
+              <a:rPr lang="en-US" baseline="0" dirty="0" err="1" smtClean="0"/>
+              <a:t>não</a:t>
+            </a:r>
+            <a:r>
+              <a:rPr lang="en-US" baseline="0" dirty="0" smtClean="0"/>
+              <a:t> </a:t>
+            </a:r>
+            <a:r>
+              <a:rPr lang="en-US" baseline="0" dirty="0" err="1" smtClean="0"/>
+              <a:t>precisamos</a:t>
+            </a:r>
+            <a:r>
+              <a:rPr lang="en-US" baseline="0" dirty="0" smtClean="0"/>
+              <a:t> inverter </a:t>
+            </a:r>
+            <a:r>
+              <a:rPr lang="en-US" baseline="0" dirty="0" err="1" smtClean="0"/>
+              <a:t>matrizes</a:t>
+            </a:r>
+            <a:r>
+              <a:rPr lang="en-US" baseline="0" dirty="0" smtClean="0"/>
+              <a:t>.</a:t>
+            </a:r>
+            <a:endParaRPr lang="en-US" baseline="0" dirty="0"/>
+          </a:p>
+          <a:p>
+            <a:endParaRPr lang="en-US" baseline="0" dirty="0"/>
+          </a:p>
+          <a:p>
+            <a:endParaRPr lang="nl-BE" dirty="0"/>
+          </a:p>
+        </p:txBody>
+      </p:sp>
+      <p:sp>
+        <p:nvSpPr>
+          <p:cNvPr id="4" name="Slide Number Placeholder 3"/>
+          <p:cNvSpPr>
+            <a:spLocks noGrp="1"/>
+          </p:cNvSpPr>
+          <p:nvPr>
+            <p:ph type="sldNum" sz="quarter" idx="10"/>
+          </p:nvPr>
+        </p:nvSpPr>
+        <p:spPr/>
+        <p:txBody>
+          <a:bodyPr/>
+          <a:lstStyle/>
+          <a:p>
+            <a:fld id="{DA8B99DF-01BC-492A-8CEF-4FD88D18DD9D}" type="slidenum">
+              <a:rPr lang="nl-BE" smtClean="0"/>
+              <a:t>7</a:t>
+            </a:fld>
+            <a:endParaRPr lang="nl-BE"/>
+          </a:p>
+        </p:txBody>
+      </p:sp>
+    </p:spTree>
+    <p:extLst>
+      <p:ext uri="{BB962C8B-B14F-4D97-AF65-F5344CB8AC3E}">
+        <p14:creationId xmlns:p14="http://schemas.microsoft.com/office/powerpoint/2010/main" val="2889824295"/>
+      </p:ext>
+    </p:extLst>
+  </p:cSld>
+  <p:clrMapOvr>
+    <a:masterClrMapping/>
+  </p:clrMapOvr>
+</p:notes>
+</file>
+
+<file path=ppt/notesSlides/notesSlide7.xml><?xml version="1.0" encoding="utf-8"?>
+<p:notes xmlns:a="http://schemas.openxmlformats.org/drawingml/2006/main" xmlns:r="http://schemas.openxmlformats.org/officeDocument/2006/relationships" xmlns:p="http://schemas.openxmlformats.org/presentationml/2006/main">
+  <p:cSld>
+    <p:spTree>
+      <p:nvGrpSpPr>
+        <p:cNvPr id="1" name=""/>
+        <p:cNvGrpSpPr/>
+        <p:nvPr/>
+      </p:nvGrpSpPr>
+      <p:grpSpPr>
+        <a:xfrm>
+          <a:off x="0" y="0"/>
+          <a:ext cx="0" cy="0"/>
+          <a:chOff x="0" y="0"/>
+          <a:chExt cx="0" cy="0"/>
+        </a:xfrm>
+      </p:grpSpPr>
+      <p:sp>
+        <p:nvSpPr>
+          <p:cNvPr id="2" name="Slide Image Placeholder 1"/>
+          <p:cNvSpPr>
+            <a:spLocks noGrp="1" noRot="1" noChangeAspect="1"/>
+          </p:cNvSpPr>
+          <p:nvPr>
+            <p:ph type="sldImg"/>
+          </p:nvPr>
+        </p:nvSpPr>
+        <p:spPr/>
+      </p:sp>
+      <p:sp>
+        <p:nvSpPr>
+          <p:cNvPr id="3" name="Notes Placeholder 2"/>
+          <p:cNvSpPr>
+            <a:spLocks noGrp="1"/>
+          </p:cNvSpPr>
+          <p:nvPr>
+            <p:ph type="body" idx="1"/>
+          </p:nvPr>
+        </p:nvSpPr>
+        <p:spPr/>
+        <p:txBody>
+          <a:bodyPr/>
+          <a:lstStyle/>
+          <a:p>
+            <a:r>
               <a:rPr lang="pt-BR" noProof="0" dirty="0" smtClean="0"/>
               <a:t>Inicializa as pesos</a:t>
             </a:r>
@@ -5450,7 +6307,7 @@
 </p:notes>
 </file>
 
-<file path=ppt/notesSlides/notesSlide7.xml><?xml version="1.0" encoding="utf-8"?>
+<file path=ppt/notesSlides/notesSlide8.xml><?xml version="1.0" encoding="utf-8"?>
 <p:notes xmlns:a="http://schemas.openxmlformats.org/drawingml/2006/main" xmlns:r="http://schemas.openxmlformats.org/officeDocument/2006/relationships" xmlns:p="http://schemas.openxmlformats.org/presentationml/2006/main">
   <p:cSld>
     <p:spTree>
@@ -5996,274 +6853,6 @@
     <p:extLst>
       <p:ext uri="{BB962C8B-B14F-4D97-AF65-F5344CB8AC3E}">
         <p14:creationId xmlns:p14="http://schemas.microsoft.com/office/powerpoint/2010/main" val="3076326613"/>
-      </p:ext>
-    </p:extLst>
-  </p:cSld>
-  <p:clrMapOvr>
-    <a:masterClrMapping/>
-  </p:clrMapOvr>
-</p:notes>
-</file>
-
-<file path=ppt/notesSlides/notesSlide8.xml><?xml version="1.0" encoding="utf-8"?>
-<p:notes xmlns:a="http://schemas.openxmlformats.org/drawingml/2006/main" xmlns:r="http://schemas.openxmlformats.org/officeDocument/2006/relationships" xmlns:p="http://schemas.openxmlformats.org/presentationml/2006/main">
-  <p:cSld>
-    <p:spTree>
-      <p:nvGrpSpPr>
-        <p:cNvPr id="1" name=""/>
-        <p:cNvGrpSpPr/>
-        <p:nvPr/>
-      </p:nvGrpSpPr>
-      <p:grpSpPr>
-        <a:xfrm>
-          <a:off x="0" y="0"/>
-          <a:ext cx="0" cy="0"/>
-          <a:chOff x="0" y="0"/>
-          <a:chExt cx="0" cy="0"/>
-        </a:xfrm>
-      </p:grpSpPr>
-      <p:sp>
-        <p:nvSpPr>
-          <p:cNvPr id="2" name="Slide Image Placeholder 1"/>
-          <p:cNvSpPr>
-            <a:spLocks noGrp="1" noRot="1" noChangeAspect="1"/>
-          </p:cNvSpPr>
-          <p:nvPr>
-            <p:ph type="sldImg"/>
-          </p:nvPr>
-        </p:nvSpPr>
-        <p:spPr/>
-      </p:sp>
-      <p:sp>
-        <p:nvSpPr>
-          <p:cNvPr id="3" name="Notes Placeholder 2"/>
-          <p:cNvSpPr>
-            <a:spLocks noGrp="1"/>
-          </p:cNvSpPr>
-          <p:nvPr>
-            <p:ph type="body" idx="1"/>
-          </p:nvPr>
-        </p:nvSpPr>
-        <p:spPr/>
-        <p:txBody>
-          <a:bodyPr/>
-          <a:lstStyle/>
-          <a:p>
-            <a:r>
-              <a:rPr lang="pt-BR" b="1" dirty="0"/>
-              <a:t>Batch</a:t>
-            </a:r>
-            <a:r>
-              <a:rPr lang="pt-BR" dirty="0"/>
-              <a:t>:</a:t>
-            </a:r>
-            <a:r>
-              <a:rPr lang="pt-BR" baseline="0" dirty="0"/>
-              <a:t> usa todos os exemplos de treinamento a cada iteração. Como resultado, é muito lento em conjuntos de treinamento muito grandes.</a:t>
-            </a:r>
-          </a:p>
-          <a:p>
-            <a:endParaRPr lang="pt-BR" baseline="0" dirty="0"/>
-          </a:p>
-          <a:p>
-            <a:r>
-              <a:rPr lang="pt-BR" dirty="0"/>
-              <a:t>A versão</a:t>
-            </a:r>
-            <a:r>
-              <a:rPr lang="pt-BR" baseline="0" dirty="0"/>
-              <a:t> </a:t>
-            </a:r>
-            <a:r>
-              <a:rPr lang="pt-BR" b="1" baseline="0" dirty="0"/>
-              <a:t>online</a:t>
-            </a:r>
-            <a:r>
-              <a:rPr lang="pt-BR" baseline="0" dirty="0"/>
-              <a:t> </a:t>
-            </a:r>
-            <a:r>
-              <a:rPr lang="pt-BR" dirty="0"/>
-              <a:t>seleciona apenas uma instância </a:t>
-            </a:r>
-            <a:r>
-              <a:rPr lang="pt-BR" b="1" i="1" dirty="0"/>
-              <a:t>aleatória</a:t>
-            </a:r>
-            <a:r>
-              <a:rPr lang="pt-BR" dirty="0"/>
-              <a:t> no conjunto de treinamento a cada etapa e calcula os gradientes com base apenas nessa única instância. Obviamente, isso torna o algoritmo muito mais rápido, pois possui muito poucos dados para manipular a cada iteração. Por outro lado, devido à sua natureza estocástica (ou seja, aleatória), esse algoritmo é muito menos regular do que a descida do gradiente em lote: em vez de diminuir suavemente até atingir o mínimo, a função de custo irá saltar para cima e para baixo, diminuindo apenas em média .</a:t>
-            </a:r>
-          </a:p>
-          <a:p>
-            <a:endParaRPr lang="pt-BR" dirty="0"/>
-          </a:p>
-          <a:p>
-            <a:r>
-              <a:rPr lang="pt-BR" b="1" dirty="0" err="1"/>
-              <a:t>Mini-batch</a:t>
-            </a:r>
-            <a:r>
-              <a:rPr lang="pt-BR" dirty="0"/>
-              <a:t>: em cada iteração, em vez de calcular os gradientes com base no conjunto de treinamento completo (como no Batch) ou com base em apenas uma instância (como no GD estocástico), o </a:t>
-            </a:r>
-            <a:r>
-              <a:rPr lang="pt-BR" dirty="0" err="1"/>
-              <a:t>mini-batch</a:t>
-            </a:r>
-            <a:r>
-              <a:rPr lang="pt-BR" dirty="0"/>
-              <a:t> GD calcula os gradientes em pequenos conjuntos aleatórios de instâncias chamados </a:t>
-            </a:r>
-            <a:r>
-              <a:rPr lang="pt-BR" dirty="0" err="1"/>
-              <a:t>mini-batches</a:t>
-            </a:r>
-            <a:r>
-              <a:rPr lang="pt-BR" dirty="0"/>
-              <a:t>.</a:t>
-            </a:r>
-          </a:p>
-          <a:p>
-            <a:endParaRPr lang="pt-BR" dirty="0"/>
-          </a:p>
-          <a:p>
-            <a:r>
-              <a:rPr lang="pt-BR" b="1" dirty="0"/>
-              <a:t>Época</a:t>
-            </a:r>
-          </a:p>
-          <a:p>
-            <a:r>
-              <a:rPr lang="pt-BR" dirty="0"/>
-              <a:t>Uma época é quando</a:t>
-            </a:r>
-            <a:r>
-              <a:rPr lang="pt-BR" baseline="0" dirty="0"/>
-              <a:t> todo o</a:t>
-            </a:r>
-            <a:r>
-              <a:rPr lang="pt-BR" dirty="0"/>
-              <a:t> conjunto de dados</a:t>
-            </a:r>
-            <a:r>
-              <a:rPr lang="pt-BR" baseline="0" dirty="0"/>
-              <a:t> (exemplos) de treinamento é utilizado no treinamento do </a:t>
-            </a:r>
-            <a:r>
-              <a:rPr lang="pt-BR" baseline="0" dirty="0" smtClean="0"/>
-              <a:t>modelo, ou seja, apresentado ao modelo.</a:t>
-            </a:r>
-            <a:endParaRPr lang="pt-BR" baseline="0" dirty="0"/>
-          </a:p>
-          <a:p>
-            <a:endParaRPr lang="pt-BR" dirty="0"/>
-          </a:p>
-          <a:p>
-            <a:r>
-              <a:rPr lang="pt-BR" b="1" dirty="0"/>
-              <a:t>Iterações</a:t>
-            </a:r>
-          </a:p>
-          <a:p>
-            <a:r>
-              <a:rPr lang="pt-BR" dirty="0"/>
-              <a:t>Iteração</a:t>
-            </a:r>
-            <a:r>
-              <a:rPr lang="pt-BR" baseline="0" dirty="0"/>
-              <a:t> corresponde a um batch </a:t>
-            </a:r>
-            <a:r>
-              <a:rPr lang="pt-BR" baseline="0" dirty="0" smtClean="0"/>
-              <a:t>(podendo ser de 1 ou MB amostras) apresentado </a:t>
-            </a:r>
-            <a:r>
-              <a:rPr lang="pt-BR" baseline="0" dirty="0"/>
-              <a:t>ao modelo.</a:t>
-            </a:r>
-            <a:endParaRPr lang="pt-BR" dirty="0"/>
-          </a:p>
-          <a:p>
-            <a:r>
-              <a:rPr lang="pt-BR" dirty="0"/>
-              <a:t>Conta o número de batches necessários para concluir uma época, caso cada batch</a:t>
-            </a:r>
-            <a:r>
-              <a:rPr lang="pt-BR" baseline="0" dirty="0"/>
-              <a:t> seja menor do que o conjunto de treinamento</a:t>
-            </a:r>
-            <a:r>
-              <a:rPr lang="pt-BR" dirty="0"/>
-              <a:t>.</a:t>
-            </a:r>
-          </a:p>
-          <a:p>
-            <a:endParaRPr lang="pt-BR" dirty="0"/>
-          </a:p>
-          <a:p>
-            <a:r>
-              <a:rPr lang="pt-BR" b="1" dirty="0"/>
-              <a:t>Tamanho do batch</a:t>
-            </a:r>
-          </a:p>
-          <a:p>
-            <a:r>
-              <a:rPr lang="pt-BR" dirty="0"/>
-              <a:t>Número total de exemplos de treinamento presentes em um único batch que será utilizado</a:t>
-            </a:r>
-            <a:r>
-              <a:rPr lang="pt-BR" baseline="0" dirty="0"/>
-              <a:t> durante uma iteração de treinamento</a:t>
-            </a:r>
-            <a:r>
-              <a:rPr lang="pt-BR" dirty="0"/>
-              <a:t>.</a:t>
-            </a:r>
-          </a:p>
-          <a:p>
-            <a:r>
-              <a:rPr lang="pt-BR" dirty="0"/>
-              <a:t>Se um batch conter</a:t>
-            </a:r>
-            <a:r>
-              <a:rPr lang="pt-BR" baseline="0" dirty="0"/>
-              <a:t> todos os exemplos de treinamento então cada iteração é igual a uma época.</a:t>
-            </a:r>
-            <a:endParaRPr lang="pt-BR" dirty="0"/>
-          </a:p>
-          <a:p>
-            <a:endParaRPr lang="nl-BE" dirty="0"/>
-          </a:p>
-        </p:txBody>
-      </p:sp>
-      <p:sp>
-        <p:nvSpPr>
-          <p:cNvPr id="4" name="Slide Number Placeholder 3"/>
-          <p:cNvSpPr>
-            <a:spLocks noGrp="1"/>
-          </p:cNvSpPr>
-          <p:nvPr>
-            <p:ph type="sldNum" sz="quarter" idx="10"/>
-          </p:nvPr>
-        </p:nvSpPr>
-        <p:spPr/>
-        <p:txBody>
-          <a:bodyPr/>
-          <a:lstStyle/>
-          <a:p>
-            <a:fld id="{DA8B99DF-01BC-492A-8CEF-4FD88D18DD9D}" type="slidenum">
-              <a:rPr lang="nl-BE" smtClean="0"/>
-              <a:t>11</a:t>
-            </a:fld>
-            <a:endParaRPr lang="nl-BE"/>
-          </a:p>
-        </p:txBody>
-      </p:sp>
-    </p:spTree>
-    <p:extLst>
-      <p:ext uri="{BB962C8B-B14F-4D97-AF65-F5344CB8AC3E}">
-        <p14:creationId xmlns:p14="http://schemas.microsoft.com/office/powerpoint/2010/main" val="3880563052"/>
       </p:ext>
     </p:extLst>
   </p:cSld>
@@ -6317,181 +6906,191 @@
           <a:bodyPr/>
           <a:lstStyle/>
           <a:p>
-            <a:pPr marL="0" marR="0" lvl="0" indent="0" algn="l" defTabSz="914400" rtl="0" eaLnBrk="1" fontAlgn="auto" latinLnBrk="0" hangingPunct="1">
-              <a:lnSpc>
-                <a:spcPct val="100000"/>
-              </a:lnSpc>
-              <a:spcBef>
-                <a:spcPts val="0"/>
-              </a:spcBef>
-              <a:spcAft>
-                <a:spcPts val="0"/>
-              </a:spcAft>
-              <a:buClrTx/>
-              <a:buSzTx/>
-              <a:buFontTx/>
-              <a:buNone/>
-              <a:tabLst/>
-              <a:defRPr/>
-            </a:pPr>
-            <a:r>
-              <a:rPr lang="pt-BR" b="1" dirty="0" smtClean="0"/>
-              <a:t>Exemplo</a:t>
-            </a:r>
-            <a:r>
-              <a:rPr lang="pt-BR" dirty="0" smtClean="0"/>
+            <a:r>
+              <a:rPr lang="pt-BR" b="1" dirty="0"/>
+              <a:t>Batch</a:t>
+            </a:r>
+            <a:r>
+              <a:rPr lang="pt-BR" dirty="0"/>
               <a:t>:</a:t>
             </a:r>
             <a:r>
+              <a:rPr lang="pt-BR" baseline="0" dirty="0"/>
+              <a:t> usa todos os exemplos de treinamento a cada iteração. Como resultado, é muito lento em conjuntos de treinamento muito grandes.</a:t>
+            </a:r>
+          </a:p>
+          <a:p>
+            <a:endParaRPr lang="pt-BR" baseline="0" dirty="0"/>
+          </a:p>
+          <a:p>
+            <a:r>
+              <a:rPr lang="pt-BR" dirty="0"/>
+              <a:t>A versão</a:t>
+            </a:r>
+            <a:r>
+              <a:rPr lang="pt-BR" baseline="0" dirty="0"/>
+              <a:t> </a:t>
+            </a:r>
+            <a:r>
+              <a:rPr lang="pt-BR" b="1" baseline="0" dirty="0"/>
+              <a:t>online</a:t>
+            </a:r>
+            <a:r>
+              <a:rPr lang="pt-BR" baseline="0" dirty="0"/>
+              <a:t> </a:t>
+            </a:r>
+            <a:r>
+              <a:rPr lang="pt-BR" dirty="0"/>
+              <a:t>seleciona apenas uma instância </a:t>
+            </a:r>
+            <a:r>
+              <a:rPr lang="pt-BR" b="1" i="1" dirty="0"/>
+              <a:t>aleatória</a:t>
+            </a:r>
+            <a:r>
+              <a:rPr lang="pt-BR" dirty="0"/>
+              <a:t> no conjunto de treinamento a cada etapa e calcula os gradientes com base apenas nessa única instância. Obviamente, isso torna o algoritmo muito mais rápido, pois possui muito poucos dados para manipular a cada iteração. Por outro lado, devido à sua natureza estocástica (ou seja, aleatória), esse algoritmo é muito menos regular do que a descida do gradiente em lote: em vez de diminuir suavemente até atingir o mínimo, a função de custo irá saltar para cima e para baixo, diminuindo apenas em média .</a:t>
+            </a:r>
+          </a:p>
+          <a:p>
+            <a:endParaRPr lang="pt-BR" dirty="0"/>
+          </a:p>
+          <a:p>
+            <a:r>
+              <a:rPr lang="pt-BR" b="1" dirty="0" err="1"/>
+              <a:t>Mini-batch</a:t>
+            </a:r>
+            <a:r>
+              <a:rPr lang="pt-BR" dirty="0"/>
+              <a:t>: em cada iteração, em vez de calcular os gradientes com base no conjunto de treinamento completo (como no Batch) ou com base em apenas uma instância (como no GD estocástico), o </a:t>
+            </a:r>
+            <a:r>
+              <a:rPr lang="pt-BR" dirty="0" err="1"/>
+              <a:t>mini-batch</a:t>
+            </a:r>
+            <a:r>
+              <a:rPr lang="pt-BR" dirty="0"/>
+              <a:t> GD calcula os gradientes em pequenos conjuntos aleatórios de instâncias chamados </a:t>
+            </a:r>
+            <a:r>
+              <a:rPr lang="pt-BR" dirty="0" err="1"/>
+              <a:t>mini-batches</a:t>
+            </a:r>
+            <a:r>
+              <a:rPr lang="pt-BR" dirty="0"/>
+              <a:t>.</a:t>
+            </a:r>
+          </a:p>
+          <a:p>
+            <a:endParaRPr lang="pt-BR" dirty="0"/>
+          </a:p>
+          <a:p>
+            <a:r>
+              <a:rPr lang="pt-BR" b="1" dirty="0"/>
+              <a:t>Época</a:t>
+            </a:r>
+          </a:p>
+          <a:p>
+            <a:r>
+              <a:rPr lang="pt-BR" dirty="0"/>
+              <a:t>Uma época é quando</a:t>
+            </a:r>
+            <a:r>
+              <a:rPr lang="pt-BR" baseline="0" dirty="0"/>
+              <a:t> todo o</a:t>
+            </a:r>
+            <a:r>
+              <a:rPr lang="pt-BR" dirty="0"/>
+              <a:t> conjunto de dados</a:t>
+            </a:r>
+            <a:r>
+              <a:rPr lang="pt-BR" baseline="0" dirty="0"/>
+              <a:t> (exemplos) de treinamento é utilizado no treinamento do </a:t>
+            </a:r>
+            <a:r>
               <a:rPr lang="pt-BR" baseline="0" dirty="0" smtClean="0"/>
-              <a:t> </a:t>
-            </a:r>
-            <a:r>
-              <a:rPr lang="pt-BR" dirty="0" smtClean="0"/>
-              <a:t>https://mybinder.org/v2/gh/zz4fap/t319_aprendizado_de_maquina/main?filepath=notebooks%2Fregression%2Fgd_versions%2Fbatch_gradient_descent_with_figures.ipynb</a:t>
-            </a:r>
-          </a:p>
-          <a:p>
-            <a:pPr marL="0" marR="0" lvl="0" indent="0" algn="l" defTabSz="914400" rtl="0" eaLnBrk="1" fontAlgn="auto" latinLnBrk="0" hangingPunct="1">
-              <a:lnSpc>
-                <a:spcPct val="100000"/>
-              </a:lnSpc>
-              <a:spcBef>
-                <a:spcPts val="0"/>
-              </a:spcBef>
-              <a:spcAft>
-                <a:spcPts val="0"/>
-              </a:spcAft>
-              <a:buClrTx/>
-              <a:buSzTx/>
-              <a:buFontTx/>
-              <a:buNone/>
-              <a:tabLst/>
-              <a:defRPr/>
-            </a:pPr>
-            <a:endParaRPr lang="pt-BR" dirty="0" smtClean="0"/>
-          </a:p>
-          <a:p>
-            <a:pPr marL="0" marR="0" lvl="0" indent="0" algn="l" defTabSz="914400" rtl="0" eaLnBrk="1" fontAlgn="auto" latinLnBrk="0" hangingPunct="1">
-              <a:lnSpc>
-                <a:spcPct val="100000"/>
-              </a:lnSpc>
-              <a:spcBef>
-                <a:spcPts val="0"/>
-              </a:spcBef>
-              <a:spcAft>
-                <a:spcPts val="0"/>
-              </a:spcAft>
-              <a:buClrTx/>
-              <a:buSzTx/>
-              <a:buFontTx/>
-              <a:buNone/>
-              <a:tabLst/>
-              <a:defRPr/>
-            </a:pPr>
-            <a:r>
-              <a:rPr lang="pt-BR" b="1" dirty="0" smtClean="0"/>
-              <a:t>Exemplo</a:t>
-            </a:r>
-            <a:r>
-              <a:rPr lang="pt-BR" dirty="0" smtClean="0"/>
-              <a:t>: https://colab.research.google.com/github/zz4fap/t319_aprendizado_de_maquina/blob/main/notebooks/regression/gd_versions/batch_gradient_descent_with_figures.ipynb</a:t>
-            </a:r>
-          </a:p>
-          <a:p>
-            <a:pPr marL="0" marR="0" lvl="0" indent="0" algn="l" defTabSz="914400" rtl="0" eaLnBrk="1" fontAlgn="auto" latinLnBrk="0" hangingPunct="1">
-              <a:lnSpc>
-                <a:spcPct val="100000"/>
-              </a:lnSpc>
-              <a:spcBef>
-                <a:spcPts val="0"/>
-              </a:spcBef>
-              <a:spcAft>
-                <a:spcPts val="0"/>
-              </a:spcAft>
-              <a:buClrTx/>
-              <a:buSzTx/>
-              <a:buFontTx/>
-              <a:buNone/>
-              <a:tabLst/>
-              <a:defRPr/>
-            </a:pPr>
-            <a:endParaRPr lang="pt-BR" dirty="0" smtClean="0"/>
-          </a:p>
-          <a:p>
-            <a:pPr marL="0" marR="0" lvl="0" indent="0" algn="l" defTabSz="914400" rtl="0" eaLnBrk="1" fontAlgn="auto" latinLnBrk="0" hangingPunct="1">
-              <a:lnSpc>
-                <a:spcPct val="100000"/>
-              </a:lnSpc>
-              <a:spcBef>
-                <a:spcPts val="0"/>
-              </a:spcBef>
-              <a:spcAft>
-                <a:spcPts val="0"/>
-              </a:spcAft>
-              <a:buClrTx/>
-              <a:buSzTx/>
-              <a:buFontTx/>
-              <a:buNone/>
-              <a:tabLst/>
-              <a:defRPr/>
-            </a:pPr>
-            <a:r>
-              <a:rPr lang="pt-BR" dirty="0" smtClean="0"/>
-              <a:t>Não fica “</a:t>
-            </a:r>
-            <a:r>
-              <a:rPr lang="pt-BR" i="1" dirty="0" smtClean="0"/>
-              <a:t>oscilando</a:t>
-            </a:r>
-            <a:r>
-              <a:rPr lang="pt-BR" dirty="0" smtClean="0"/>
-              <a:t>”, “</a:t>
-            </a:r>
-            <a:r>
-              <a:rPr lang="pt-BR" b="0" i="1" dirty="0" smtClean="0"/>
-              <a:t>dançando</a:t>
-            </a:r>
-            <a:r>
-              <a:rPr lang="pt-BR" dirty="0" smtClean="0"/>
-              <a:t>” ou “</a:t>
-            </a:r>
-            <a:r>
-              <a:rPr lang="pt-BR" i="1" dirty="0" smtClean="0"/>
-              <a:t>ricocheteando</a:t>
-            </a:r>
-            <a:r>
-              <a:rPr lang="pt-BR" dirty="0" smtClean="0"/>
-              <a:t>” ou “</a:t>
-            </a:r>
-            <a:r>
-              <a:rPr lang="pt-BR" i="1" dirty="0" smtClean="0"/>
-              <a:t>zig-zagueando</a:t>
-            </a:r>
-            <a:r>
-              <a:rPr lang="pt-BR" dirty="0" smtClean="0"/>
-              <a:t>” em torno do mínimo após chegar próximo dele. </a:t>
-            </a:r>
-          </a:p>
-          <a:p>
-            <a:pPr marL="0" marR="0" lvl="0" indent="0" algn="l" defTabSz="914400" rtl="0" eaLnBrk="1" fontAlgn="auto" latinLnBrk="0" hangingPunct="1">
-              <a:lnSpc>
-                <a:spcPct val="100000"/>
-              </a:lnSpc>
-              <a:spcBef>
-                <a:spcPts val="0"/>
-              </a:spcBef>
-              <a:spcAft>
-                <a:spcPts val="0"/>
-              </a:spcAft>
-              <a:buClrTx/>
-              <a:buSzTx/>
-              <a:buFontTx/>
-              <a:buNone/>
-              <a:tabLst/>
-              <a:defRPr/>
-            </a:pPr>
+              <a:t>modelo, ou seja, apresentado ao modelo.</a:t>
+            </a:r>
+            <a:endParaRPr lang="pt-BR" baseline="0" dirty="0"/>
+          </a:p>
+          <a:p>
             <a:endParaRPr lang="pt-BR" dirty="0"/>
+          </a:p>
+          <a:p>
+            <a:r>
+              <a:rPr lang="pt-BR" b="1" dirty="0"/>
+              <a:t>Iterações</a:t>
+            </a:r>
+          </a:p>
+          <a:p>
+            <a:r>
+              <a:rPr lang="pt-BR" dirty="0"/>
+              <a:t>Iteração</a:t>
+            </a:r>
+            <a:r>
+              <a:rPr lang="pt-BR" baseline="0" dirty="0"/>
+              <a:t> corresponde a um batch </a:t>
+            </a:r>
+            <a:r>
+              <a:rPr lang="pt-BR" baseline="0" dirty="0" smtClean="0"/>
+              <a:t>(podendo ser de 1 ou MB amostras) apresentado </a:t>
+            </a:r>
+            <a:r>
+              <a:rPr lang="pt-BR" baseline="0" dirty="0"/>
+              <a:t>ao modelo.</a:t>
+            </a:r>
+            <a:endParaRPr lang="pt-BR" dirty="0"/>
+          </a:p>
+          <a:p>
+            <a:r>
+              <a:rPr lang="pt-BR" dirty="0"/>
+              <a:t>Conta o número de batches necessários para concluir uma época, caso cada batch</a:t>
+            </a:r>
+            <a:r>
+              <a:rPr lang="pt-BR" baseline="0" dirty="0"/>
+              <a:t> seja menor do que o conjunto de treinamento</a:t>
+            </a:r>
+            <a:r>
+              <a:rPr lang="pt-BR" dirty="0"/>
+              <a:t>.</a:t>
+            </a:r>
+          </a:p>
+          <a:p>
+            <a:endParaRPr lang="pt-BR" dirty="0"/>
+          </a:p>
+          <a:p>
+            <a:r>
+              <a:rPr lang="pt-BR" b="1" dirty="0"/>
+              <a:t>Tamanho do batch</a:t>
+            </a:r>
+          </a:p>
+          <a:p>
+            <a:r>
+              <a:rPr lang="pt-BR" dirty="0"/>
+              <a:t>Número total de exemplos de treinamento presentes em um único batch que será utilizado</a:t>
+            </a:r>
+            <a:r>
+              <a:rPr lang="pt-BR" baseline="0" dirty="0"/>
+              <a:t> durante uma iteração de treinamento</a:t>
+            </a:r>
+            <a:r>
+              <a:rPr lang="pt-BR" dirty="0"/>
+              <a:t>.</a:t>
+            </a:r>
+          </a:p>
+          <a:p>
+            <a:r>
+              <a:rPr lang="pt-BR" dirty="0"/>
+              <a:t>Se um batch conter</a:t>
+            </a:r>
+            <a:r>
+              <a:rPr lang="pt-BR" baseline="0" dirty="0"/>
+              <a:t> todos os exemplos de treinamento então cada iteração é igual a uma época.</a:t>
+            </a:r>
+            <a:endParaRPr lang="pt-BR" dirty="0"/>
+          </a:p>
+          <a:p>
+            <a:endParaRPr lang="nl-BE" dirty="0"/>
           </a:p>
         </p:txBody>
       </p:sp>
@@ -6512,7 +7111,7 @@
           <a:p>
             <a:fld id="{DA8B99DF-01BC-492A-8CEF-4FD88D18DD9D}" type="slidenum">
               <a:rPr lang="nl-BE" smtClean="0"/>
-              <a:t>12</a:t>
+              <a:t>11</a:t>
             </a:fld>
             <a:endParaRPr lang="nl-BE"/>
           </a:p>
@@ -6521,7 +7120,7 @@
     </p:spTree>
     <p:extLst>
       <p:ext uri="{BB962C8B-B14F-4D97-AF65-F5344CB8AC3E}">
-        <p14:creationId xmlns:p14="http://schemas.microsoft.com/office/powerpoint/2010/main" val="2946938468"/>
+        <p14:creationId xmlns:p14="http://schemas.microsoft.com/office/powerpoint/2010/main" val="3880563052"/>
       </p:ext>
     </p:extLst>
   </p:cSld>
@@ -6662,7 +7261,7 @@
           <a:p>
             <a:fld id="{C80E15A5-E95B-43EB-9AC7-9A96397448C0}" type="datetimeFigureOut">
               <a:rPr lang="nl-BE" smtClean="0"/>
-              <a:t>30/09/2022</a:t>
+              <a:t>10/03/2023</a:t>
             </a:fld>
             <a:endParaRPr lang="nl-BE"/>
           </a:p>
@@ -6832,7 +7431,7 @@
           <a:p>
             <a:fld id="{C80E15A5-E95B-43EB-9AC7-9A96397448C0}" type="datetimeFigureOut">
               <a:rPr lang="nl-BE" smtClean="0"/>
-              <a:t>30/09/2022</a:t>
+              <a:t>10/03/2023</a:t>
             </a:fld>
             <a:endParaRPr lang="nl-BE"/>
           </a:p>
@@ -7012,7 +7611,7 @@
           <a:p>
             <a:fld id="{C80E15A5-E95B-43EB-9AC7-9A96397448C0}" type="datetimeFigureOut">
               <a:rPr lang="nl-BE" smtClean="0"/>
-              <a:t>30/09/2022</a:t>
+              <a:t>10/03/2023</a:t>
             </a:fld>
             <a:endParaRPr lang="nl-BE"/>
           </a:p>
@@ -7182,7 +7781,7 @@
           <a:p>
             <a:fld id="{C80E15A5-E95B-43EB-9AC7-9A96397448C0}" type="datetimeFigureOut">
               <a:rPr lang="nl-BE" smtClean="0"/>
-              <a:t>30/09/2022</a:t>
+              <a:t>10/03/2023</a:t>
             </a:fld>
             <a:endParaRPr lang="nl-BE"/>
           </a:p>
@@ -7428,7 +8027,7 @@
           <a:p>
             <a:fld id="{C80E15A5-E95B-43EB-9AC7-9A96397448C0}" type="datetimeFigureOut">
               <a:rPr lang="nl-BE" smtClean="0"/>
-              <a:t>30/09/2022</a:t>
+              <a:t>10/03/2023</a:t>
             </a:fld>
             <a:endParaRPr lang="nl-BE"/>
           </a:p>
@@ -7660,7 +8259,7 @@
           <a:p>
             <a:fld id="{C80E15A5-E95B-43EB-9AC7-9A96397448C0}" type="datetimeFigureOut">
               <a:rPr lang="nl-BE" smtClean="0"/>
-              <a:t>30/09/2022</a:t>
+              <a:t>10/03/2023</a:t>
             </a:fld>
             <a:endParaRPr lang="nl-BE"/>
           </a:p>
@@ -8027,7 +8626,7 @@
           <a:p>
             <a:fld id="{C80E15A5-E95B-43EB-9AC7-9A96397448C0}" type="datetimeFigureOut">
               <a:rPr lang="nl-BE" smtClean="0"/>
-              <a:t>30/09/2022</a:t>
+              <a:t>10/03/2023</a:t>
             </a:fld>
             <a:endParaRPr lang="nl-BE"/>
           </a:p>
@@ -8145,7 +8744,7 @@
           <a:p>
             <a:fld id="{C80E15A5-E95B-43EB-9AC7-9A96397448C0}" type="datetimeFigureOut">
               <a:rPr lang="nl-BE" smtClean="0"/>
-              <a:t>30/09/2022</a:t>
+              <a:t>10/03/2023</a:t>
             </a:fld>
             <a:endParaRPr lang="nl-BE"/>
           </a:p>
@@ -8240,7 +8839,7 @@
           <a:p>
             <a:fld id="{C80E15A5-E95B-43EB-9AC7-9A96397448C0}" type="datetimeFigureOut">
               <a:rPr lang="nl-BE" smtClean="0"/>
-              <a:t>30/09/2022</a:t>
+              <a:t>10/03/2023</a:t>
             </a:fld>
             <a:endParaRPr lang="nl-BE"/>
           </a:p>
@@ -8517,7 +9116,7 @@
           <a:p>
             <a:fld id="{C80E15A5-E95B-43EB-9AC7-9A96397448C0}" type="datetimeFigureOut">
               <a:rPr lang="nl-BE" smtClean="0"/>
-              <a:t>30/09/2022</a:t>
+              <a:t>10/03/2023</a:t>
             </a:fld>
             <a:endParaRPr lang="nl-BE"/>
           </a:p>
@@ -8770,7 +9369,7 @@
           <a:p>
             <a:fld id="{C80E15A5-E95B-43EB-9AC7-9A96397448C0}" type="datetimeFigureOut">
               <a:rPr lang="nl-BE" smtClean="0"/>
-              <a:t>30/09/2022</a:t>
+              <a:t>10/03/2023</a:t>
             </a:fld>
             <a:endParaRPr lang="nl-BE"/>
           </a:p>
@@ -8983,7 +9582,7 @@
           <a:p>
             <a:fld id="{C80E15A5-E95B-43EB-9AC7-9A96397448C0}" type="datetimeFigureOut">
               <a:rPr lang="nl-BE" smtClean="0"/>
-              <a:t>30/09/2022</a:t>
+              <a:t>10/03/2023</a:t>
             </a:fld>
             <a:endParaRPr lang="nl-BE"/>
           </a:p>
@@ -11939,8 +12538,8 @@
           </a:p>
         </p:txBody>
       </p:sp>
-      <mc:AlternateContent xmlns:mc="http://schemas.openxmlformats.org/markup-compatibility/2006">
-        <mc:Choice xmlns:a14="http://schemas.microsoft.com/office/drawing/2010/main" Requires="a14">
+      <mc:AlternateContent xmlns:mc="http://schemas.openxmlformats.org/markup-compatibility/2006" xmlns:a14="http://schemas.microsoft.com/office/drawing/2010/main">
+        <mc:Choice Requires="a14">
           <p:sp>
             <p:nvSpPr>
               <p:cNvPr id="3" name="Content Placeholder 2"/>
@@ -12457,7 +13056,7 @@
             </p:txBody>
           </p:sp>
         </mc:Choice>
-        <mc:Fallback>
+        <mc:Fallback xmlns="">
           <p:sp>
             <p:nvSpPr>
               <p:cNvPr id="3" name="Content Placeholder 2"/>
@@ -12939,8 +13538,8 @@
           </a:prstGeom>
         </p:spPr>
       </p:pic>
-      <mc:AlternateContent xmlns:mc="http://schemas.openxmlformats.org/markup-compatibility/2006">
-        <mc:Choice xmlns:a14="http://schemas.microsoft.com/office/drawing/2010/main" Requires="a14">
+      <mc:AlternateContent xmlns:mc="http://schemas.openxmlformats.org/markup-compatibility/2006" xmlns:a14="http://schemas.microsoft.com/office/drawing/2010/main">
+        <mc:Choice Requires="a14">
           <p:sp>
             <p:nvSpPr>
               <p:cNvPr id="18" name="Content Placeholder 2"/>
@@ -13132,12 +13731,11 @@
                   <a:rPr lang="pt-BR" dirty="0" smtClean="0"/>
                   <a:t>.</a:t>
                 </a:r>
-                <a:endParaRPr lang="pt-BR" dirty="0" smtClean="0"/>
               </a:p>
             </p:txBody>
           </p:sp>
         </mc:Choice>
-        <mc:Fallback>
+        <mc:Fallback xmlns="">
           <p:sp>
             <p:nvSpPr>
               <p:cNvPr id="18" name="Content Placeholder 2"/>
@@ -13393,11 +13991,6 @@
               </a:rPr>
               <a:t>Laboratórios podem ser resolvidos em grupo, mas as entregas devem ser individuais.</a:t>
             </a:r>
-            <a:endParaRPr lang="pt-BR" b="1" dirty="0">
-              <a:solidFill>
-                <a:srgbClr val="FF0000"/>
-              </a:solidFill>
-            </a:endParaRPr>
           </a:p>
         </p:txBody>
       </p:sp>
@@ -15727,7 +16320,7 @@
             </a:r>
             <a:r>
               <a:rPr lang="pt-BR" dirty="0" smtClean="0"/>
-              <a:t>normal e vislumbramos uma possível solução para essas desvantagens, a qual discutiremos a seguir.</a:t>
+              <a:t>normal e vislumbramos uma solução para essas desvantagens, a qual discutiremos a seguir.</a:t>
             </a:r>
           </a:p>
         </p:txBody>
@@ -16064,8 +16657,8 @@
           </a:p>
         </p:txBody>
       </p:sp>
-      <mc:AlternateContent xmlns:mc="http://schemas.openxmlformats.org/markup-compatibility/2006" xmlns:a14="http://schemas.microsoft.com/office/drawing/2010/main">
-        <mc:Choice Requires="a14">
+      <mc:AlternateContent xmlns:mc="http://schemas.openxmlformats.org/markup-compatibility/2006">
+        <mc:Choice xmlns:a14="http://schemas.microsoft.com/office/drawing/2010/main" Requires="a14">
           <p:sp>
             <p:nvSpPr>
               <p:cNvPr id="3" name="Content Placeholder 2"/>
@@ -16078,13 +16671,13 @@
             </p:nvSpPr>
             <p:spPr>
               <a:xfrm>
-                <a:off x="838199" y="2103120"/>
-                <a:ext cx="11103322" cy="4754880"/>
+                <a:off x="838199" y="2181966"/>
+                <a:ext cx="11229976" cy="4676033"/>
               </a:xfrm>
             </p:spPr>
             <p:txBody>
               <a:bodyPr>
-                <a:normAutofit lnSpcReduction="10000"/>
+                <a:normAutofit fontScale="92500" lnSpcReduction="20000"/>
               </a:bodyPr>
               <a:lstStyle/>
               <a:p>
@@ -16123,20 +16716,16 @@
                   <a:t>Vetor gradiente </a:t>
                 </a:r>
                 <a:r>
-                  <a:rPr lang="pt-BR" dirty="0"/>
-                  <a:t>é um </a:t>
-                </a:r>
-                <a:r>
-                  <a:rPr lang="pt-BR" b="1" i="1" dirty="0"/>
-                  <a:t>vetor</a:t>
-                </a:r>
-                <a:r>
-                  <a:rPr lang="pt-BR" dirty="0"/>
-                  <a:t> que </a:t>
-                </a:r>
-                <a:r>
                   <a:rPr lang="pt-BR" dirty="0" smtClean="0"/>
-                  <a:t>indica a </a:t>
+                  <a:t>nos dá a </a:t>
+                </a:r>
+                <a:r>
+                  <a:rPr lang="pt-BR" b="1" i="1" dirty="0" smtClean="0"/>
+                  <a:t>direção </a:t>
+                </a:r>
+                <a:r>
+                  <a:rPr lang="pt-BR" dirty="0" smtClean="0"/>
+                  <a:t>e a </a:t>
                 </a:r>
                 <a:r>
                   <a:rPr lang="pt-BR" b="1" i="1" dirty="0" smtClean="0"/>
@@ -16144,67 +16733,7 @@
                 </a:r>
                 <a:r>
                   <a:rPr lang="pt-BR" dirty="0" smtClean="0"/>
-                  <a:t> (i.e., </a:t>
-                </a:r>
-                <a:r>
-                  <a:rPr lang="pt-BR" b="1" i="1" dirty="0" smtClean="0"/>
-                  <a:t>taxa</a:t>
-                </a:r>
-                <a:r>
-                  <a:rPr lang="pt-BR" dirty="0" smtClean="0"/>
-                  <a:t>) e a </a:t>
-                </a:r>
-                <a:r>
-                  <a:rPr lang="pt-BR" b="1" i="1" dirty="0"/>
-                  <a:t>direção</a:t>
-                </a:r>
-                <a:r>
-                  <a:rPr lang="pt-BR" dirty="0"/>
-                  <a:t> </a:t>
-                </a:r>
-                <a:r>
-                  <a:rPr lang="pt-BR" dirty="0" smtClean="0"/>
-                  <a:t>na </a:t>
-                </a:r>
-                <a:r>
-                  <a:rPr lang="pt-BR" dirty="0"/>
-                  <a:t>qual, por </a:t>
-                </a:r>
-                <a:r>
-                  <a:rPr lang="pt-BR" b="1" i="1" dirty="0"/>
-                  <a:t>deslocamento a partir </a:t>
-                </a:r>
-                <a:r>
-                  <a:rPr lang="pt-BR" b="1" i="1" dirty="0" smtClean="0"/>
-                  <a:t>de um </a:t>
-                </a:r>
-                <a:r>
-                  <a:rPr lang="pt-BR" b="1" i="1" dirty="0"/>
-                  <a:t>ponto </a:t>
-                </a:r>
-                <a:r>
-                  <a:rPr lang="pt-BR" b="1" i="1" dirty="0" smtClean="0"/>
-                  <a:t>especifico</a:t>
-                </a:r>
-                <a:r>
-                  <a:rPr lang="pt-BR" dirty="0" smtClean="0"/>
-                  <a:t>, </a:t>
-                </a:r>
-                <a:r>
-                  <a:rPr lang="pt-BR" dirty="0"/>
-                  <a:t>obtém-se o </a:t>
-                </a:r>
-                <a:r>
-                  <a:rPr lang="pt-BR" b="1" i="1" dirty="0"/>
-                  <a:t>maior incremento possível </a:t>
-                </a:r>
-                <a:r>
-                  <a:rPr lang="pt-BR" dirty="0"/>
-                  <a:t>no valor de </a:t>
-                </a:r>
-                <a:r>
-                  <a:rPr lang="pt-BR" dirty="0" smtClean="0"/>
-                  <a:t>uma função, </a:t>
+                  <a:t> da maior taxa de variação de uma função </a:t>
                 </a:r>
                 <a14:m>
                   <m:oMath xmlns:m="http://schemas.openxmlformats.org/officeDocument/2006/math">
@@ -16236,7 +16765,7 @@
                 </a14:m>
                 <a:r>
                   <a:rPr lang="pt-BR" dirty="0" smtClean="0"/>
-                  <a:t>.</a:t>
+                  <a:t> em um determinado ponto.</a:t>
                 </a:r>
               </a:p>
               <a:p>
@@ -16473,14 +17002,14 @@
                 <a14:m>
                   <m:oMath xmlns:m="http://schemas.openxmlformats.org/officeDocument/2006/math">
                     <m:r>
-                      <a:rPr lang="pt-BR" i="1">
+                      <a:rPr lang="pt-BR" sz="2600" i="1">
                         <a:latin typeface="Cambria Math" panose="02040503050406030204" pitchFamily="18" charset="0"/>
                         <a:ea typeface="Cambria Math" panose="02040503050406030204" pitchFamily="18" charset="0"/>
                       </a:rPr>
                       <m:t>𝛻</m:t>
                     </m:r>
                     <m:r>
-                      <a:rPr lang="pt-BR" i="1">
+                      <a:rPr lang="pt-BR" sz="2600" i="1">
                         <a:latin typeface="Cambria Math" panose="02040503050406030204" pitchFamily="18" charset="0"/>
                         <a:ea typeface="Cambria Math" panose="02040503050406030204" pitchFamily="18" charset="0"/>
                       </a:rPr>
@@ -16489,7 +17018,7 @@
                     <m:d>
                       <m:dPr>
                         <m:ctrlPr>
-                          <a:rPr lang="pt-BR" i="1">
+                          <a:rPr lang="pt-BR" sz="2600" i="1">
                             <a:latin typeface="Cambria Math" panose="02040503050406030204" pitchFamily="18" charset="0"/>
                             <a:ea typeface="Cambria Math" panose="02040503050406030204" pitchFamily="18" charset="0"/>
                           </a:rPr>
@@ -16499,14 +17028,14 @@
                         <m:sSub>
                           <m:sSubPr>
                             <m:ctrlPr>
-                              <a:rPr lang="pt-BR" i="1">
+                              <a:rPr lang="pt-BR" sz="2600" i="1">
                                 <a:latin typeface="Cambria Math" panose="02040503050406030204" pitchFamily="18" charset="0"/>
                               </a:rPr>
                             </m:ctrlPr>
                           </m:sSubPr>
                           <m:e>
                             <m:r>
-                              <a:rPr lang="pt-BR" i="1">
+                              <a:rPr lang="pt-BR" sz="2600" i="1">
                                 <a:latin typeface="Cambria Math" panose="02040503050406030204" pitchFamily="18" charset="0"/>
                               </a:rPr>
                               <m:t>𝑥</m:t>
@@ -16514,7 +17043,7 @@
                           </m:e>
                           <m:sub>
                             <m:r>
-                              <a:rPr lang="pt-BR" i="1">
+                              <a:rPr lang="pt-BR" sz="2600" i="1">
                                 <a:latin typeface="Cambria Math" panose="02040503050406030204" pitchFamily="18" charset="0"/>
                               </a:rPr>
                               <m:t>0</m:t>
@@ -16522,7 +17051,7 @@
                           </m:sub>
                         </m:sSub>
                         <m:r>
-                          <a:rPr lang="pt-BR" i="1">
+                          <a:rPr lang="pt-BR" sz="2600" i="1">
                             <a:latin typeface="Cambria Math" panose="02040503050406030204" pitchFamily="18" charset="0"/>
                           </a:rPr>
                           <m:t>,</m:t>
@@ -16530,14 +17059,14 @@
                         <m:sSub>
                           <m:sSubPr>
                             <m:ctrlPr>
-                              <a:rPr lang="pt-BR" i="1">
+                              <a:rPr lang="pt-BR" sz="2600" i="1">
                                 <a:latin typeface="Cambria Math" panose="02040503050406030204" pitchFamily="18" charset="0"/>
                               </a:rPr>
                             </m:ctrlPr>
                           </m:sSubPr>
                           <m:e>
                             <m:r>
-                              <a:rPr lang="pt-BR" i="1">
+                              <a:rPr lang="pt-BR" sz="2600" i="1">
                                 <a:latin typeface="Cambria Math" panose="02040503050406030204" pitchFamily="18" charset="0"/>
                               </a:rPr>
                               <m:t>𝑥</m:t>
@@ -16545,7 +17074,7 @@
                           </m:e>
                           <m:sub>
                             <m:r>
-                              <a:rPr lang="pt-BR" i="1">
+                              <a:rPr lang="pt-BR" sz="2600" i="1">
                                 <a:latin typeface="Cambria Math" panose="02040503050406030204" pitchFamily="18" charset="0"/>
                               </a:rPr>
                               <m:t>1</m:t>
@@ -16553,7 +17082,7 @@
                           </m:sub>
                         </m:sSub>
                         <m:r>
-                          <a:rPr lang="pt-BR" i="1">
+                          <a:rPr lang="pt-BR" sz="2600" i="1">
                             <a:latin typeface="Cambria Math" panose="02040503050406030204" pitchFamily="18" charset="0"/>
                           </a:rPr>
                           <m:t>,…,</m:t>
@@ -16561,14 +17090,14 @@
                         <m:sSub>
                           <m:sSubPr>
                             <m:ctrlPr>
-                              <a:rPr lang="pt-BR" i="1">
+                              <a:rPr lang="pt-BR" sz="2600" i="1">
                                 <a:latin typeface="Cambria Math" panose="02040503050406030204" pitchFamily="18" charset="0"/>
                               </a:rPr>
                             </m:ctrlPr>
                           </m:sSubPr>
                           <m:e>
                             <m:r>
-                              <a:rPr lang="pt-BR" i="1">
+                              <a:rPr lang="pt-BR" sz="2600" i="1">
                                 <a:latin typeface="Cambria Math" panose="02040503050406030204" pitchFamily="18" charset="0"/>
                               </a:rPr>
                               <m:t>𝑥</m:t>
@@ -16576,7 +17105,7 @@
                           </m:e>
                           <m:sub>
                             <m:r>
-                              <a:rPr lang="pt-BR" i="1">
+                              <a:rPr lang="pt-BR" sz="2600" i="1">
                                 <a:latin typeface="Cambria Math" panose="02040503050406030204" pitchFamily="18" charset="0"/>
                               </a:rPr>
                               <m:t>𝐾</m:t>
@@ -16586,7 +17115,7 @@
                       </m:e>
                     </m:d>
                     <m:r>
-                      <a:rPr lang="pt-BR" i="1">
+                      <a:rPr lang="pt-BR" sz="2600" i="1">
                         <a:latin typeface="Cambria Math" panose="02040503050406030204" pitchFamily="18" charset="0"/>
                         <a:ea typeface="Cambria Math" panose="02040503050406030204" pitchFamily="18" charset="0"/>
                       </a:rPr>
@@ -16595,7 +17124,7 @@
                     <m:sSup>
                       <m:sSupPr>
                         <m:ctrlPr>
-                          <a:rPr lang="pt-BR" i="1">
+                          <a:rPr lang="pt-BR" sz="2600" i="1">
                             <a:latin typeface="Cambria Math" panose="02040503050406030204" pitchFamily="18" charset="0"/>
                             <a:ea typeface="Cambria Math" panose="02040503050406030204" pitchFamily="18" charset="0"/>
                           </a:rPr>
@@ -16607,7 +17136,7 @@
                             <m:begChr m:val="["/>
                             <m:endChr m:val="]"/>
                             <m:ctrlPr>
-                              <a:rPr lang="pt-BR" i="1">
+                              <a:rPr lang="pt-BR" sz="2600" i="1">
                                 <a:latin typeface="Cambria Math" panose="02040503050406030204" pitchFamily="18" charset="0"/>
                                 <a:ea typeface="Cambria Math" panose="02040503050406030204" pitchFamily="18" charset="0"/>
                               </a:rPr>
@@ -16625,7 +17154,7 @@
                                   </m:mc>
                                 </m:mcs>
                                 <m:ctrlPr>
-                                  <a:rPr lang="pt-BR" i="1">
+                                  <a:rPr lang="pt-BR" sz="2600" i="1">
                                     <a:latin typeface="Cambria Math" panose="02040503050406030204" pitchFamily="18" charset="0"/>
                                     <a:ea typeface="Cambria Math" panose="02040503050406030204" pitchFamily="18" charset="0"/>
                                   </a:rPr>
@@ -16644,7 +17173,7 @@
                                         </m:mc>
                                       </m:mcs>
                                       <m:ctrlPr>
-                                        <a:rPr lang="pt-BR" i="1">
+                                        <a:rPr lang="pt-BR" sz="2600" i="1">
                                           <a:latin typeface="Cambria Math" panose="02040503050406030204" pitchFamily="18" charset="0"/>
                                           <a:ea typeface="Cambria Math" panose="02040503050406030204" pitchFamily="18" charset="0"/>
                                         </a:rPr>
@@ -16655,7 +17184,7 @@
                                         <m:f>
                                           <m:fPr>
                                             <m:ctrlPr>
-                                              <a:rPr lang="pt-BR" i="1">
+                                              <a:rPr lang="pt-BR" sz="2600" i="1">
                                                 <a:latin typeface="Cambria Math" panose="02040503050406030204" pitchFamily="18" charset="0"/>
                                                 <a:ea typeface="Cambria Math" panose="02040503050406030204" pitchFamily="18" charset="0"/>
                                               </a:rPr>
@@ -16663,21 +17192,21 @@
                                           </m:fPr>
                                           <m:num>
                                             <m:r>
-                                              <a:rPr lang="pt-BR" i="1">
+                                              <a:rPr lang="pt-BR" sz="2600" i="1">
                                                 <a:latin typeface="Cambria Math" panose="02040503050406030204" pitchFamily="18" charset="0"/>
                                                 <a:ea typeface="Cambria Math" panose="02040503050406030204" pitchFamily="18" charset="0"/>
                                               </a:rPr>
                                               <m:t>𝜕</m:t>
                                             </m:r>
                                             <m:r>
-                                              <a:rPr lang="pt-BR" i="1">
+                                              <a:rPr lang="pt-BR" sz="2600" i="1">
                                                 <a:latin typeface="Cambria Math" panose="02040503050406030204" pitchFamily="18" charset="0"/>
                                                 <a:ea typeface="Cambria Math" panose="02040503050406030204" pitchFamily="18" charset="0"/>
                                               </a:rPr>
                                               <m:t>𝑓</m:t>
                                             </m:r>
                                             <m:r>
-                                              <a:rPr lang="pt-BR" i="1">
+                                              <a:rPr lang="pt-BR" sz="2600" i="1">
                                                 <a:latin typeface="Cambria Math" panose="02040503050406030204" pitchFamily="18" charset="0"/>
                                                 <a:ea typeface="Cambria Math" panose="02040503050406030204" pitchFamily="18" charset="0"/>
                                               </a:rPr>
@@ -16686,14 +17215,14 @@
                                             <m:sSub>
                                               <m:sSubPr>
                                                 <m:ctrlPr>
-                                                  <a:rPr lang="pt-BR" i="1">
+                                                  <a:rPr lang="pt-BR" sz="2600" i="1">
                                                     <a:latin typeface="Cambria Math" panose="02040503050406030204" pitchFamily="18" charset="0"/>
                                                   </a:rPr>
                                                 </m:ctrlPr>
                                               </m:sSubPr>
                                               <m:e>
                                                 <m:r>
-                                                  <a:rPr lang="pt-BR" i="1">
+                                                  <a:rPr lang="pt-BR" sz="2600" i="1">
                                                     <a:latin typeface="Cambria Math" panose="02040503050406030204" pitchFamily="18" charset="0"/>
                                                   </a:rPr>
                                                   <m:t>𝑥</m:t>
@@ -16701,7 +17230,7 @@
                                               </m:e>
                                               <m:sub>
                                                 <m:r>
-                                                  <a:rPr lang="pt-BR" i="1">
+                                                  <a:rPr lang="pt-BR" sz="2600" i="1">
                                                     <a:latin typeface="Cambria Math" panose="02040503050406030204" pitchFamily="18" charset="0"/>
                                                   </a:rPr>
                                                   <m:t>0</m:t>
@@ -16709,7 +17238,7 @@
                                               </m:sub>
                                             </m:sSub>
                                             <m:r>
-                                              <a:rPr lang="pt-BR" i="1">
+                                              <a:rPr lang="pt-BR" sz="2600" i="1">
                                                 <a:latin typeface="Cambria Math" panose="02040503050406030204" pitchFamily="18" charset="0"/>
                                               </a:rPr>
                                               <m:t>,</m:t>
@@ -16717,20 +17246,20 @@
                                             <m:sSub>
                                               <m:sSubPr>
                                                 <m:ctrlPr>
-                                                  <a:rPr lang="pt-BR" i="1">
+                                                  <a:rPr lang="pt-BR" sz="2600" i="1">
                                                     <a:latin typeface="Cambria Math" panose="02040503050406030204" pitchFamily="18" charset="0"/>
                                                   </a:rPr>
                                                 </m:ctrlPr>
                                               </m:sSubPr>
                                               <m:e>
                                                 <m:r>
-                                                  <a:rPr lang="pt-BR" b="0" i="1" smtClean="0">
+                                                  <a:rPr lang="pt-BR" sz="2600" b="0" i="1" smtClean="0">
                                                     <a:latin typeface="Cambria Math" panose="02040503050406030204" pitchFamily="18" charset="0"/>
                                                   </a:rPr>
                                                   <m:t> </m:t>
                                                 </m:r>
                                                 <m:r>
-                                                  <a:rPr lang="pt-BR" i="1">
+                                                  <a:rPr lang="pt-BR" sz="2600" i="1">
                                                     <a:latin typeface="Cambria Math" panose="02040503050406030204" pitchFamily="18" charset="0"/>
                                                   </a:rPr>
                                                   <m:t>𝑥</m:t>
@@ -16738,7 +17267,7 @@
                                               </m:e>
                                               <m:sub>
                                                 <m:r>
-                                                  <a:rPr lang="pt-BR" i="1">
+                                                  <a:rPr lang="pt-BR" sz="2600" i="1">
                                                     <a:latin typeface="Cambria Math" panose="02040503050406030204" pitchFamily="18" charset="0"/>
                                                   </a:rPr>
                                                   <m:t>1</m:t>
@@ -16746,19 +17275,19 @@
                                               </m:sub>
                                             </m:sSub>
                                             <m:r>
-                                              <a:rPr lang="pt-BR" i="1">
+                                              <a:rPr lang="pt-BR" sz="2600" i="1">
                                                 <a:latin typeface="Cambria Math" panose="02040503050406030204" pitchFamily="18" charset="0"/>
                                               </a:rPr>
                                               <m:t>,</m:t>
                                             </m:r>
                                             <m:r>
-                                              <a:rPr lang="pt-BR" b="0" i="1" smtClean="0">
+                                              <a:rPr lang="pt-BR" sz="2600" b="0" i="1" smtClean="0">
                                                 <a:latin typeface="Cambria Math" panose="02040503050406030204" pitchFamily="18" charset="0"/>
                                               </a:rPr>
                                               <m:t>  </m:t>
                                             </m:r>
                                             <m:r>
-                                              <a:rPr lang="pt-BR" i="1">
+                                              <a:rPr lang="pt-BR" sz="2600" i="1">
                                                 <a:latin typeface="Cambria Math" panose="02040503050406030204" pitchFamily="18" charset="0"/>
                                               </a:rPr>
                                               <m:t>…,</m:t>
@@ -16766,20 +17295,20 @@
                                             <m:sSub>
                                               <m:sSubPr>
                                                 <m:ctrlPr>
-                                                  <a:rPr lang="pt-BR" i="1">
+                                                  <a:rPr lang="pt-BR" sz="2600" i="1">
                                                     <a:latin typeface="Cambria Math" panose="02040503050406030204" pitchFamily="18" charset="0"/>
                                                   </a:rPr>
                                                 </m:ctrlPr>
                                               </m:sSubPr>
                                               <m:e>
                                                 <m:r>
-                                                  <a:rPr lang="pt-BR" b="0" i="1" smtClean="0">
+                                                  <a:rPr lang="pt-BR" sz="2600" b="0" i="1" smtClean="0">
                                                     <a:latin typeface="Cambria Math" panose="02040503050406030204" pitchFamily="18" charset="0"/>
                                                   </a:rPr>
                                                   <m:t> </m:t>
                                                 </m:r>
                                                 <m:r>
-                                                  <a:rPr lang="pt-BR" i="1">
+                                                  <a:rPr lang="pt-BR" sz="2600" i="1">
                                                     <a:latin typeface="Cambria Math" panose="02040503050406030204" pitchFamily="18" charset="0"/>
                                                   </a:rPr>
                                                   <m:t>𝑥</m:t>
@@ -16787,7 +17316,7 @@
                                               </m:e>
                                               <m:sub>
                                                 <m:r>
-                                                  <a:rPr lang="pt-BR" i="1">
+                                                  <a:rPr lang="pt-BR" sz="2600" i="1">
                                                     <a:latin typeface="Cambria Math" panose="02040503050406030204" pitchFamily="18" charset="0"/>
                                                   </a:rPr>
                                                   <m:t>𝐾</m:t>
@@ -16795,7 +17324,7 @@
                                               </m:sub>
                                             </m:sSub>
                                             <m:r>
-                                              <a:rPr lang="pt-BR" i="1">
+                                              <a:rPr lang="pt-BR" sz="2600" i="1">
                                                 <a:latin typeface="Cambria Math" panose="02040503050406030204" pitchFamily="18" charset="0"/>
                                                 <a:ea typeface="Cambria Math" panose="02040503050406030204" pitchFamily="18" charset="0"/>
                                               </a:rPr>
@@ -16804,7 +17333,7 @@
                                           </m:num>
                                           <m:den>
                                             <m:r>
-                                              <a:rPr lang="pt-BR" i="1">
+                                              <a:rPr lang="pt-BR" sz="2600" i="1">
                                                 <a:latin typeface="Cambria Math" panose="02040503050406030204" pitchFamily="18" charset="0"/>
                                                 <a:ea typeface="Cambria Math" panose="02040503050406030204" pitchFamily="18" charset="0"/>
                                               </a:rPr>
@@ -16813,7 +17342,7 @@
                                             <m:sSub>
                                               <m:sSubPr>
                                                 <m:ctrlPr>
-                                                  <a:rPr lang="pt-BR" i="1">
+                                                  <a:rPr lang="pt-BR" sz="2600" i="1">
                                                     <a:latin typeface="Cambria Math" panose="02040503050406030204" pitchFamily="18" charset="0"/>
                                                     <a:ea typeface="Cambria Math" panose="02040503050406030204" pitchFamily="18" charset="0"/>
                                                   </a:rPr>
@@ -16821,7 +17350,7 @@
                                               </m:sSubPr>
                                               <m:e>
                                                 <m:r>
-                                                  <a:rPr lang="pt-BR" i="1">
+                                                  <a:rPr lang="pt-BR" sz="2600" i="1">
                                                     <a:latin typeface="Cambria Math" panose="02040503050406030204" pitchFamily="18" charset="0"/>
                                                     <a:ea typeface="Cambria Math" panose="02040503050406030204" pitchFamily="18" charset="0"/>
                                                   </a:rPr>
@@ -16830,7 +17359,7 @@
                                               </m:e>
                                               <m:sub>
                                                 <m:r>
-                                                  <a:rPr lang="pt-BR" i="1">
+                                                  <a:rPr lang="pt-BR" sz="2600" i="1">
                                                     <a:latin typeface="Cambria Math" panose="02040503050406030204" pitchFamily="18" charset="0"/>
                                                     <a:ea typeface="Cambria Math" panose="02040503050406030204" pitchFamily="18" charset="0"/>
                                                   </a:rPr>
@@ -16845,7 +17374,7 @@
                                         <m:f>
                                           <m:fPr>
                                             <m:ctrlPr>
-                                              <a:rPr lang="pt-BR" i="1">
+                                              <a:rPr lang="pt-BR" sz="2600" i="1">
                                                 <a:latin typeface="Cambria Math" panose="02040503050406030204" pitchFamily="18" charset="0"/>
                                                 <a:ea typeface="Cambria Math" panose="02040503050406030204" pitchFamily="18" charset="0"/>
                                               </a:rPr>
@@ -16853,21 +17382,21 @@
                                           </m:fPr>
                                           <m:num>
                                             <m:r>
-                                              <a:rPr lang="pt-BR" i="1">
+                                              <a:rPr lang="pt-BR" sz="2600" i="1">
                                                 <a:latin typeface="Cambria Math" panose="02040503050406030204" pitchFamily="18" charset="0"/>
                                                 <a:ea typeface="Cambria Math" panose="02040503050406030204" pitchFamily="18" charset="0"/>
                                               </a:rPr>
                                               <m:t>𝜕</m:t>
                                             </m:r>
                                             <m:r>
-                                              <a:rPr lang="pt-BR" i="1">
+                                              <a:rPr lang="pt-BR" sz="2600" i="1">
                                                 <a:latin typeface="Cambria Math" panose="02040503050406030204" pitchFamily="18" charset="0"/>
                                                 <a:ea typeface="Cambria Math" panose="02040503050406030204" pitchFamily="18" charset="0"/>
                                               </a:rPr>
                                               <m:t>𝑓</m:t>
                                             </m:r>
                                             <m:r>
-                                              <a:rPr lang="pt-BR" i="1">
+                                              <a:rPr lang="pt-BR" sz="2600" i="1">
                                                 <a:latin typeface="Cambria Math" panose="02040503050406030204" pitchFamily="18" charset="0"/>
                                                 <a:ea typeface="Cambria Math" panose="02040503050406030204" pitchFamily="18" charset="0"/>
                                               </a:rPr>
@@ -16876,14 +17405,14 @@
                                             <m:sSub>
                                               <m:sSubPr>
                                                 <m:ctrlPr>
-                                                  <a:rPr lang="pt-BR" i="1">
+                                                  <a:rPr lang="pt-BR" sz="2600" i="1">
                                                     <a:latin typeface="Cambria Math" panose="02040503050406030204" pitchFamily="18" charset="0"/>
                                                   </a:rPr>
                                                 </m:ctrlPr>
                                               </m:sSubPr>
                                               <m:e>
                                                 <m:r>
-                                                  <a:rPr lang="pt-BR" i="1">
+                                                  <a:rPr lang="pt-BR" sz="2600" i="1">
                                                     <a:latin typeface="Cambria Math" panose="02040503050406030204" pitchFamily="18" charset="0"/>
                                                   </a:rPr>
                                                   <m:t>𝑥</m:t>
@@ -16891,7 +17420,7 @@
                                               </m:e>
                                               <m:sub>
                                                 <m:r>
-                                                  <a:rPr lang="pt-BR" i="1">
+                                                  <a:rPr lang="pt-BR" sz="2600" i="1">
                                                     <a:latin typeface="Cambria Math" panose="02040503050406030204" pitchFamily="18" charset="0"/>
                                                   </a:rPr>
                                                   <m:t>0</m:t>
@@ -16899,13 +17428,13 @@
                                               </m:sub>
                                             </m:sSub>
                                             <m:r>
-                                              <a:rPr lang="pt-BR" i="1">
+                                              <a:rPr lang="pt-BR" sz="2600" i="1">
                                                 <a:latin typeface="Cambria Math" panose="02040503050406030204" pitchFamily="18" charset="0"/>
                                               </a:rPr>
                                               <m:t>,</m:t>
                                             </m:r>
                                             <m:r>
-                                              <a:rPr lang="pt-BR" b="0" i="1" smtClean="0">
+                                              <a:rPr lang="pt-BR" sz="2600" b="0" i="1" smtClean="0">
                                                 <a:latin typeface="Cambria Math" panose="02040503050406030204" pitchFamily="18" charset="0"/>
                                               </a:rPr>
                                               <m:t>  </m:t>
@@ -16913,20 +17442,20 @@
                                             <m:sSub>
                                               <m:sSubPr>
                                                 <m:ctrlPr>
-                                                  <a:rPr lang="pt-BR" i="1">
+                                                  <a:rPr lang="pt-BR" sz="2600" i="1">
                                                     <a:latin typeface="Cambria Math" panose="02040503050406030204" pitchFamily="18" charset="0"/>
                                                   </a:rPr>
                                                 </m:ctrlPr>
                                               </m:sSubPr>
                                               <m:e>
                                                 <m:r>
-                                                  <a:rPr lang="pt-BR" b="0" i="1" smtClean="0">
+                                                  <a:rPr lang="pt-BR" sz="2600" b="0" i="1" smtClean="0">
                                                     <a:latin typeface="Cambria Math" panose="02040503050406030204" pitchFamily="18" charset="0"/>
                                                   </a:rPr>
                                                   <m:t> </m:t>
                                                 </m:r>
                                                 <m:r>
-                                                  <a:rPr lang="pt-BR" i="1">
+                                                  <a:rPr lang="pt-BR" sz="2600" i="1">
                                                     <a:latin typeface="Cambria Math" panose="02040503050406030204" pitchFamily="18" charset="0"/>
                                                   </a:rPr>
                                                   <m:t>𝑥</m:t>
@@ -16934,7 +17463,7 @@
                                               </m:e>
                                               <m:sub>
                                                 <m:r>
-                                                  <a:rPr lang="pt-BR" i="1">
+                                                  <a:rPr lang="pt-BR" sz="2600" i="1">
                                                     <a:latin typeface="Cambria Math" panose="02040503050406030204" pitchFamily="18" charset="0"/>
                                                   </a:rPr>
                                                   <m:t>1</m:t>
@@ -16942,7 +17471,7 @@
                                               </m:sub>
                                             </m:sSub>
                                             <m:r>
-                                              <a:rPr lang="pt-BR" i="1">
+                                              <a:rPr lang="pt-BR" sz="2600" i="1">
                                                 <a:latin typeface="Cambria Math" panose="02040503050406030204" pitchFamily="18" charset="0"/>
                                               </a:rPr>
                                               <m:t>,…,</m:t>
@@ -16950,20 +17479,20 @@
                                             <m:sSub>
                                               <m:sSubPr>
                                                 <m:ctrlPr>
-                                                  <a:rPr lang="pt-BR" i="1">
+                                                  <a:rPr lang="pt-BR" sz="2600" i="1">
                                                     <a:latin typeface="Cambria Math" panose="02040503050406030204" pitchFamily="18" charset="0"/>
                                                   </a:rPr>
                                                 </m:ctrlPr>
                                               </m:sSubPr>
                                               <m:e>
                                                 <m:r>
-                                                  <a:rPr lang="pt-BR" b="0" i="1" smtClean="0">
+                                                  <a:rPr lang="pt-BR" sz="2600" b="0" i="1" smtClean="0">
                                                     <a:latin typeface="Cambria Math" panose="02040503050406030204" pitchFamily="18" charset="0"/>
                                                   </a:rPr>
                                                   <m:t> </m:t>
                                                 </m:r>
                                                 <m:r>
-                                                  <a:rPr lang="pt-BR" i="1">
+                                                  <a:rPr lang="pt-BR" sz="2600" i="1">
                                                     <a:latin typeface="Cambria Math" panose="02040503050406030204" pitchFamily="18" charset="0"/>
                                                   </a:rPr>
                                                   <m:t>𝑥</m:t>
@@ -16971,7 +17500,7 @@
                                               </m:e>
                                               <m:sub>
                                                 <m:r>
-                                                  <a:rPr lang="pt-BR" i="1">
+                                                  <a:rPr lang="pt-BR" sz="2600" i="1">
                                                     <a:latin typeface="Cambria Math" panose="02040503050406030204" pitchFamily="18" charset="0"/>
                                                   </a:rPr>
                                                   <m:t>𝐾</m:t>
@@ -16979,7 +17508,7 @@
                                               </m:sub>
                                             </m:sSub>
                                             <m:r>
-                                              <a:rPr lang="pt-BR" i="1">
+                                              <a:rPr lang="pt-BR" sz="2600" i="1">
                                                 <a:latin typeface="Cambria Math" panose="02040503050406030204" pitchFamily="18" charset="0"/>
                                                 <a:ea typeface="Cambria Math" panose="02040503050406030204" pitchFamily="18" charset="0"/>
                                               </a:rPr>
@@ -16988,7 +17517,7 @@
                                           </m:num>
                                           <m:den>
                                             <m:r>
-                                              <a:rPr lang="pt-BR" i="1">
+                                              <a:rPr lang="pt-BR" sz="2600" i="1">
                                                 <a:latin typeface="Cambria Math" panose="02040503050406030204" pitchFamily="18" charset="0"/>
                                                 <a:ea typeface="Cambria Math" panose="02040503050406030204" pitchFamily="18" charset="0"/>
                                               </a:rPr>
@@ -16997,7 +17526,7 @@
                                             <m:sSub>
                                               <m:sSubPr>
                                                 <m:ctrlPr>
-                                                  <a:rPr lang="pt-BR" i="1">
+                                                  <a:rPr lang="pt-BR" sz="2600" i="1">
                                                     <a:latin typeface="Cambria Math" panose="02040503050406030204" pitchFamily="18" charset="0"/>
                                                     <a:ea typeface="Cambria Math" panose="02040503050406030204" pitchFamily="18" charset="0"/>
                                                   </a:rPr>
@@ -17005,7 +17534,7 @@
                                               </m:sSubPr>
                                               <m:e>
                                                 <m:r>
-                                                  <a:rPr lang="pt-BR" i="1">
+                                                  <a:rPr lang="pt-BR" sz="2600" i="1">
                                                     <a:latin typeface="Cambria Math" panose="02040503050406030204" pitchFamily="18" charset="0"/>
                                                     <a:ea typeface="Cambria Math" panose="02040503050406030204" pitchFamily="18" charset="0"/>
                                                   </a:rPr>
@@ -17014,7 +17543,7 @@
                                               </m:e>
                                               <m:sub>
                                                 <m:r>
-                                                  <a:rPr lang="pt-BR" i="1">
+                                                  <a:rPr lang="pt-BR" sz="2600" i="1">
                                                     <a:latin typeface="Cambria Math" panose="02040503050406030204" pitchFamily="18" charset="0"/>
                                                     <a:ea typeface="Cambria Math" panose="02040503050406030204" pitchFamily="18" charset="0"/>
                                                   </a:rPr>
@@ -17030,7 +17559,7 @@
                                 </m:e>
                                 <m:e>
                                   <m:r>
-                                    <a:rPr lang="pt-BR" i="1">
+                                    <a:rPr lang="pt-BR" sz="2600" i="1">
                                       <a:latin typeface="Cambria Math" panose="02040503050406030204" pitchFamily="18" charset="0"/>
                                       <a:ea typeface="Cambria Math" panose="02040503050406030204" pitchFamily="18" charset="0"/>
                                     </a:rPr>
@@ -17041,7 +17570,7 @@
                                   <m:f>
                                     <m:fPr>
                                       <m:ctrlPr>
-                                        <a:rPr lang="pt-BR" i="1">
+                                        <a:rPr lang="pt-BR" sz="2600" i="1">
                                           <a:latin typeface="Cambria Math" panose="02040503050406030204" pitchFamily="18" charset="0"/>
                                           <a:ea typeface="Cambria Math" panose="02040503050406030204" pitchFamily="18" charset="0"/>
                                         </a:rPr>
@@ -17049,21 +17578,21 @@
                                     </m:fPr>
                                     <m:num>
                                       <m:r>
-                                        <a:rPr lang="pt-BR" i="1">
+                                        <a:rPr lang="pt-BR" sz="2600" i="1">
                                           <a:latin typeface="Cambria Math" panose="02040503050406030204" pitchFamily="18" charset="0"/>
                                           <a:ea typeface="Cambria Math" panose="02040503050406030204" pitchFamily="18" charset="0"/>
                                         </a:rPr>
                                         <m:t>𝜕</m:t>
                                       </m:r>
                                       <m:r>
-                                        <a:rPr lang="pt-BR" i="1">
+                                        <a:rPr lang="pt-BR" sz="2600" i="1">
                                           <a:latin typeface="Cambria Math" panose="02040503050406030204" pitchFamily="18" charset="0"/>
                                           <a:ea typeface="Cambria Math" panose="02040503050406030204" pitchFamily="18" charset="0"/>
                                         </a:rPr>
                                         <m:t>𝑓</m:t>
                                       </m:r>
                                       <m:r>
-                                        <a:rPr lang="pt-BR" i="1">
+                                        <a:rPr lang="pt-BR" sz="2600" i="1">
                                           <a:latin typeface="Cambria Math" panose="02040503050406030204" pitchFamily="18" charset="0"/>
                                           <a:ea typeface="Cambria Math" panose="02040503050406030204" pitchFamily="18" charset="0"/>
                                         </a:rPr>
@@ -17072,14 +17601,14 @@
                                       <m:sSub>
                                         <m:sSubPr>
                                           <m:ctrlPr>
-                                            <a:rPr lang="pt-BR" i="1">
+                                            <a:rPr lang="pt-BR" sz="2600" i="1">
                                               <a:latin typeface="Cambria Math" panose="02040503050406030204" pitchFamily="18" charset="0"/>
                                             </a:rPr>
                                           </m:ctrlPr>
                                         </m:sSubPr>
                                         <m:e>
                                           <m:r>
-                                            <a:rPr lang="pt-BR" i="1">
+                                            <a:rPr lang="pt-BR" sz="2600" i="1">
                                               <a:latin typeface="Cambria Math" panose="02040503050406030204" pitchFamily="18" charset="0"/>
                                             </a:rPr>
                                             <m:t>𝑥</m:t>
@@ -17087,7 +17616,7 @@
                                         </m:e>
                                         <m:sub>
                                           <m:r>
-                                            <a:rPr lang="pt-BR" i="1">
+                                            <a:rPr lang="pt-BR" sz="2600" i="1">
                                               <a:latin typeface="Cambria Math" panose="02040503050406030204" pitchFamily="18" charset="0"/>
                                             </a:rPr>
                                             <m:t>0</m:t>
@@ -17095,13 +17624,13 @@
                                         </m:sub>
                                       </m:sSub>
                                       <m:r>
-                                        <a:rPr lang="pt-BR" i="1">
+                                        <a:rPr lang="pt-BR" sz="2600" i="1">
                                           <a:latin typeface="Cambria Math" panose="02040503050406030204" pitchFamily="18" charset="0"/>
                                         </a:rPr>
                                         <m:t>,</m:t>
                                       </m:r>
                                       <m:r>
-                                        <a:rPr lang="pt-BR" b="0" i="1" smtClean="0">
+                                        <a:rPr lang="pt-BR" sz="2600" b="0" i="1" smtClean="0">
                                           <a:latin typeface="Cambria Math" panose="02040503050406030204" pitchFamily="18" charset="0"/>
                                         </a:rPr>
                                         <m:t> </m:t>
@@ -17109,20 +17638,20 @@
                                       <m:sSub>
                                         <m:sSubPr>
                                           <m:ctrlPr>
-                                            <a:rPr lang="pt-BR" i="1">
+                                            <a:rPr lang="pt-BR" sz="2600" i="1">
                                               <a:latin typeface="Cambria Math" panose="02040503050406030204" pitchFamily="18" charset="0"/>
                                             </a:rPr>
                                           </m:ctrlPr>
                                         </m:sSubPr>
                                         <m:e>
                                           <m:r>
-                                            <a:rPr lang="pt-BR" b="0" i="1" smtClean="0">
+                                            <a:rPr lang="pt-BR" sz="2600" b="0" i="1" smtClean="0">
                                               <a:latin typeface="Cambria Math" panose="02040503050406030204" pitchFamily="18" charset="0"/>
                                             </a:rPr>
                                             <m:t> </m:t>
                                           </m:r>
                                           <m:r>
-                                            <a:rPr lang="pt-BR" i="1">
+                                            <a:rPr lang="pt-BR" sz="2600" i="1">
                                               <a:latin typeface="Cambria Math" panose="02040503050406030204" pitchFamily="18" charset="0"/>
                                             </a:rPr>
                                             <m:t>𝑥</m:t>
@@ -17130,7 +17659,7 @@
                                         </m:e>
                                         <m:sub>
                                           <m:r>
-                                            <a:rPr lang="pt-BR" i="1">
+                                            <a:rPr lang="pt-BR" sz="2600" i="1">
                                               <a:latin typeface="Cambria Math" panose="02040503050406030204" pitchFamily="18" charset="0"/>
                                             </a:rPr>
                                             <m:t>1</m:t>
@@ -17138,7 +17667,7 @@
                                         </m:sub>
                                       </m:sSub>
                                       <m:r>
-                                        <a:rPr lang="pt-BR" i="1">
+                                        <a:rPr lang="pt-BR" sz="2600" i="1">
                                           <a:latin typeface="Cambria Math" panose="02040503050406030204" pitchFamily="18" charset="0"/>
                                         </a:rPr>
                                         <m:t>,…,</m:t>
@@ -17146,20 +17675,20 @@
                                       <m:sSub>
                                         <m:sSubPr>
                                           <m:ctrlPr>
-                                            <a:rPr lang="pt-BR" i="1">
+                                            <a:rPr lang="pt-BR" sz="2600" i="1">
                                               <a:latin typeface="Cambria Math" panose="02040503050406030204" pitchFamily="18" charset="0"/>
                                             </a:rPr>
                                           </m:ctrlPr>
                                         </m:sSubPr>
                                         <m:e>
                                           <m:r>
-                                            <a:rPr lang="pt-BR" b="0" i="1" smtClean="0">
+                                            <a:rPr lang="pt-BR" sz="2600" b="0" i="1" smtClean="0">
                                               <a:latin typeface="Cambria Math" panose="02040503050406030204" pitchFamily="18" charset="0"/>
                                             </a:rPr>
                                             <m:t> </m:t>
                                           </m:r>
                                           <m:r>
-                                            <a:rPr lang="pt-BR" i="1">
+                                            <a:rPr lang="pt-BR" sz="2600" i="1">
                                               <a:latin typeface="Cambria Math" panose="02040503050406030204" pitchFamily="18" charset="0"/>
                                             </a:rPr>
                                             <m:t>𝑥</m:t>
@@ -17167,7 +17696,7 @@
                                         </m:e>
                                         <m:sub>
                                           <m:r>
-                                            <a:rPr lang="pt-BR" i="1">
+                                            <a:rPr lang="pt-BR" sz="2600" i="1">
                                               <a:latin typeface="Cambria Math" panose="02040503050406030204" pitchFamily="18" charset="0"/>
                                             </a:rPr>
                                             <m:t>𝐾</m:t>
@@ -17175,7 +17704,7 @@
                                         </m:sub>
                                       </m:sSub>
                                       <m:r>
-                                        <a:rPr lang="pt-BR" i="1">
+                                        <a:rPr lang="pt-BR" sz="2600" i="1">
                                           <a:latin typeface="Cambria Math" panose="02040503050406030204" pitchFamily="18" charset="0"/>
                                           <a:ea typeface="Cambria Math" panose="02040503050406030204" pitchFamily="18" charset="0"/>
                                         </a:rPr>
@@ -17184,7 +17713,7 @@
                                     </m:num>
                                     <m:den>
                                       <m:r>
-                                        <a:rPr lang="pt-BR" i="1">
+                                        <a:rPr lang="pt-BR" sz="2600" i="1">
                                           <a:latin typeface="Cambria Math" panose="02040503050406030204" pitchFamily="18" charset="0"/>
                                           <a:ea typeface="Cambria Math" panose="02040503050406030204" pitchFamily="18" charset="0"/>
                                         </a:rPr>
@@ -17193,7 +17722,7 @@
                                       <m:sSub>
                                         <m:sSubPr>
                                           <m:ctrlPr>
-                                            <a:rPr lang="pt-BR" i="1">
+                                            <a:rPr lang="pt-BR" sz="2600" i="1">
                                               <a:latin typeface="Cambria Math" panose="02040503050406030204" pitchFamily="18" charset="0"/>
                                               <a:ea typeface="Cambria Math" panose="02040503050406030204" pitchFamily="18" charset="0"/>
                                             </a:rPr>
@@ -17201,7 +17730,7 @@
                                         </m:sSubPr>
                                         <m:e>
                                           <m:r>
-                                            <a:rPr lang="pt-BR" i="1">
+                                            <a:rPr lang="pt-BR" sz="2600" i="1">
                                               <a:latin typeface="Cambria Math" panose="02040503050406030204" pitchFamily="18" charset="0"/>
                                               <a:ea typeface="Cambria Math" panose="02040503050406030204" pitchFamily="18" charset="0"/>
                                             </a:rPr>
@@ -17210,7 +17739,7 @@
                                         </m:e>
                                         <m:sub>
                                           <m:r>
-                                            <a:rPr lang="pt-BR" i="1">
+                                            <a:rPr lang="pt-BR" sz="2600" i="1">
                                               <a:latin typeface="Cambria Math" panose="02040503050406030204" pitchFamily="18" charset="0"/>
                                               <a:ea typeface="Cambria Math" panose="02040503050406030204" pitchFamily="18" charset="0"/>
                                             </a:rPr>
@@ -17228,7 +17757,7 @@
                       </m:e>
                       <m:sup>
                         <m:r>
-                          <a:rPr lang="pt-BR" i="1">
+                          <a:rPr lang="pt-BR" sz="2600" i="1">
                             <a:latin typeface="Cambria Math" panose="02040503050406030204" pitchFamily="18" charset="0"/>
                             <a:ea typeface="Cambria Math" panose="02040503050406030204" pitchFamily="18" charset="0"/>
                           </a:rPr>
@@ -17237,7 +17766,7 @@
                       </m:sup>
                     </m:sSup>
                     <m:r>
-                      <a:rPr lang="pt-BR" b="0" i="0" smtClean="0">
+                      <a:rPr lang="pt-BR" sz="2600" b="0" i="0" smtClean="0">
                         <a:latin typeface="Cambria Math" panose="02040503050406030204" pitchFamily="18" charset="0"/>
                         <a:ea typeface="Cambria Math" panose="02040503050406030204" pitchFamily="18" charset="0"/>
                       </a:rPr>
@@ -17256,54 +17785,82 @@
                   <a:t>Cada </a:t>
                 </a:r>
                 <a:r>
+                  <a:rPr lang="pt-BR" b="1" i="1" dirty="0"/>
+                  <a:t>elemento </a:t>
+                </a:r>
+                <a:r>
                   <a:rPr lang="pt-BR" dirty="0"/>
-                  <a:t>elemento </a:t>
+                  <a:t>do vetor gradiente nos dá a </a:t>
+                </a:r>
+                <a:r>
+                  <a:rPr lang="pt-BR" b="1" i="1" dirty="0"/>
+                  <a:t>taxa de variação da função em relação àquele argumento em um determinado </a:t>
+                </a:r>
+                <a:r>
+                  <a:rPr lang="pt-BR" b="1" i="1" dirty="0" smtClean="0"/>
+                  <a:t>ponto </a:t>
                 </a:r>
                 <a:r>
                   <a:rPr lang="pt-BR" dirty="0" smtClean="0"/>
-                  <a:t>do </a:t>
+                  <a:t>(pode ser interpretado como a inclinação de uma a reta tangente ao ponto).</a:t>
+                </a:r>
+                <a:endParaRPr lang="pt-BR" dirty="0" smtClean="0"/>
+              </a:p>
+              <a:p>
+                <a:r>
+                  <a:rPr lang="pt-BR" dirty="0"/>
+                  <a:t>Se o </a:t>
                 </a:r>
                 <a:r>
                   <a:rPr lang="pt-BR" b="1" i="1" dirty="0"/>
                   <a:t>vetor gradiente </a:t>
                 </a:r>
                 <a:r>
+                  <a:rPr lang="pt-BR" dirty="0"/>
+                  <a:t>de uma função </a:t>
+                </a:r>
+                <a:r>
+                  <a:rPr lang="pt-BR" b="1" i="1" dirty="0"/>
+                  <a:t>em um </a:t>
+                </a:r>
+                <a:r>
+                  <a:rPr lang="pt-BR" b="1" i="1" dirty="0" smtClean="0"/>
+                  <a:t>determinado ponto </a:t>
+                </a:r>
+                <a:r>
+                  <a:rPr lang="pt-BR" b="1" i="1" dirty="0"/>
+                  <a:t>é igual a zero</a:t>
+                </a:r>
+                <a:r>
+                  <a:rPr lang="pt-BR" dirty="0"/>
+                  <a:t>, significa que </a:t>
+                </a:r>
+                <a:r>
+                  <a:rPr lang="pt-BR" b="1" i="1" dirty="0"/>
+                  <a:t>a função não varia em nenhuma direção</a:t>
+                </a:r>
+                <a:r>
+                  <a:rPr lang="pt-BR" dirty="0"/>
+                  <a:t>. </a:t>
+                </a:r>
+                <a:r>
                   <a:rPr lang="pt-BR" dirty="0" smtClean="0"/>
-                  <a:t>dá o </a:t>
-                </a:r>
-                <a:r>
-                  <a:rPr lang="pt-BR" b="1" i="1" dirty="0" smtClean="0"/>
-                  <a:t>coeficiente angular </a:t>
+                  <a:t>Isso </a:t>
+                </a:r>
+                <a:r>
+                  <a:rPr lang="pt-BR" dirty="0"/>
+                  <a:t>indica um extremo da função (máximo ou mínimo</a:t>
                 </a:r>
                 <a:r>
                   <a:rPr lang="pt-BR" dirty="0" smtClean="0"/>
-                  <a:t>(</a:t>
-                </a:r>
-                <a:r>
-                  <a:rPr lang="pt-BR" dirty="0"/>
-                  <a:t>ou </a:t>
-                </a:r>
-                <a:r>
-                  <a:rPr lang="pt-BR" b="1" i="1" dirty="0"/>
-                  <a:t>inclinação</a:t>
-                </a:r>
-                <a:r>
-                  <a:rPr lang="pt-BR" dirty="0" smtClean="0"/>
-                  <a:t>) da reta tangente </a:t>
-                </a:r>
-                <a:r>
-                  <a:rPr lang="pt-BR" dirty="0"/>
-                  <a:t>à curva no </a:t>
-                </a:r>
-                <a:r>
-                  <a:rPr lang="pt-BR" dirty="0" smtClean="0"/>
-                  <a:t>ponto.</a:t>
-                </a:r>
+                  <a:t>).</a:t>
+                </a:r>
+                <a:endParaRPr lang="pt-BR" dirty="0"/>
               </a:p>
             </p:txBody>
           </p:sp>
         </mc:Choice>
-        <mc:Fallback xmlns="">
+        <mc:Fallback>
           <p:sp>
             <p:nvSpPr>
               <p:cNvPr id="3" name="Content Placeholder 2"/>
@@ -17316,13 +17873,13 @@
             </p:nvSpPr>
             <p:spPr>
               <a:xfrm>
-                <a:off x="838199" y="2103120"/>
-                <a:ext cx="11103322" cy="4754880"/>
+                <a:off x="838199" y="2181966"/>
+                <a:ext cx="11229976" cy="4676033"/>
               </a:xfrm>
               <a:blipFill rotWithShape="0">
                 <a:blip r:embed="rId3"/>
                 <a:stretch>
-                  <a:fillRect l="-933" t="-2821" r="-1372"/>
+                  <a:fillRect l="-814" t="-3259" r="-1248"/>
                 </a:stretch>
               </a:blipFill>
             </p:spPr>
@@ -17341,173 +17898,98 @@
           </p:sp>
         </mc:Fallback>
       </mc:AlternateContent>
-      <mc:AlternateContent xmlns:mc="http://schemas.openxmlformats.org/markup-compatibility/2006" xmlns:a14="http://schemas.microsoft.com/office/drawing/2010/main">
-        <mc:Choice Requires="a14">
-          <p:sp>
-            <p:nvSpPr>
-              <p:cNvPr id="4" name="Rectangle 3"/>
-              <p:cNvSpPr/>
-              <p:nvPr/>
-            </p:nvSpPr>
-            <p:spPr>
-              <a:xfrm>
-                <a:off x="8083007" y="173058"/>
-                <a:ext cx="4108993" cy="1169551"/>
-              </a:xfrm>
-              <a:prstGeom prst="rect">
-                <a:avLst/>
-              </a:prstGeom>
-            </p:spPr>
-            <p:txBody>
-              <a:bodyPr wrap="square">
-                <a:spAutoFit/>
-              </a:bodyPr>
-              <a:lstStyle/>
-              <a:p>
-                <a:pPr marL="285750" lvl="0" indent="-285750">
-                  <a:buFont typeface="Arial" panose="020B0604020202020204" pitchFamily="34" charset="0"/>
-                  <a:buChar char="•"/>
-                  <a:defRPr/>
-                </a:pPr>
-                <a:r>
-                  <a:rPr lang="pt-BR" sz="1400" dirty="0" smtClean="0"/>
-                  <a:t>O vetor gradiente, </a:t>
-                </a:r>
-                <a14:m>
-                  <m:oMath xmlns:m="http://schemas.openxmlformats.org/officeDocument/2006/math">
-                    <m:r>
-                      <a:rPr lang="pt-BR" sz="1400" b="0" i="1">
-                        <a:latin typeface="Cambria Math" panose="02040503050406030204" pitchFamily="18" charset="0"/>
-                        <a:ea typeface="Cambria Math" panose="02040503050406030204" pitchFamily="18" charset="0"/>
-                      </a:rPr>
-                      <m:t>𝛻</m:t>
-                    </m:r>
-                    <m:r>
-                      <a:rPr lang="pt-BR" sz="1400" b="0" i="1">
-                        <a:latin typeface="Cambria Math" panose="02040503050406030204" pitchFamily="18" charset="0"/>
-                        <a:ea typeface="Cambria Math" panose="02040503050406030204" pitchFamily="18" charset="0"/>
-                      </a:rPr>
-                      <m:t>𝑓</m:t>
-                    </m:r>
-                  </m:oMath>
-                </a14:m>
-                <a:r>
-                  <a:rPr lang="pt-BR" sz="1400" dirty="0" smtClean="0"/>
-                  <a:t>, indica </a:t>
-                </a:r>
-                <a:r>
-                  <a:rPr lang="pt-BR" sz="1400" dirty="0"/>
-                  <a:t>a magnitude e a direção em que a função,</a:t>
-                </a:r>
-                <a:r>
-                  <a:rPr lang="pt-BR" sz="1400" i="1" dirty="0"/>
-                  <a:t> </a:t>
-                </a:r>
-                <a14:m>
-                  <m:oMath xmlns:m="http://schemas.openxmlformats.org/officeDocument/2006/math">
-                    <m:r>
-                      <a:rPr lang="pt-BR" sz="1400" b="0" i="1">
-                        <a:latin typeface="Cambria Math" panose="02040503050406030204" pitchFamily="18" charset="0"/>
-                      </a:rPr>
-                      <m:t>𝑓</m:t>
-                    </m:r>
-                  </m:oMath>
-                </a14:m>
-                <a:r>
-                  <a:rPr lang="pt-BR" sz="1400" dirty="0"/>
-                  <a:t>, tem a taxa de crescimento mais </a:t>
-                </a:r>
-                <a:r>
-                  <a:rPr lang="pt-BR" sz="1400" dirty="0" smtClean="0"/>
-                  <a:t>rápida.</a:t>
-                </a:r>
-              </a:p>
-              <a:p>
-                <a:pPr marL="285750" lvl="0" indent="-285750">
-                  <a:buFont typeface="Arial" panose="020B0604020202020204" pitchFamily="34" charset="0"/>
-                  <a:buChar char="•"/>
-                  <a:defRPr/>
-                </a:pPr>
-                <a:r>
-                  <a:rPr lang="pt-BR" sz="1400" dirty="0" smtClean="0"/>
-                  <a:t>O </a:t>
-                </a:r>
-                <a:r>
-                  <a:rPr lang="pt-BR" sz="1400" dirty="0"/>
-                  <a:t>vetor gradiente em um ponto </a:t>
-                </a:r>
-                <a:r>
-                  <a:rPr lang="pt-BR" sz="1400" dirty="0" smtClean="0"/>
-                  <a:t>específico é </a:t>
-                </a:r>
-                <a:r>
-                  <a:rPr lang="pt-BR" sz="1400" dirty="0"/>
-                  <a:t>um </a:t>
-                </a:r>
-                <a:r>
-                  <a:rPr lang="pt-BR" sz="1400" b="1" dirty="0"/>
-                  <a:t>vetor </a:t>
-                </a:r>
-                <a:r>
-                  <a:rPr lang="pt-BR" sz="1400" b="1" dirty="0" smtClean="0"/>
-                  <a:t>ortogonal</a:t>
-                </a:r>
-                <a:r>
-                  <a:rPr lang="pt-BR" sz="1400" dirty="0" smtClean="0"/>
-                  <a:t> à reta tangente </a:t>
-                </a:r>
-                <a:r>
-                  <a:rPr lang="pt-BR" sz="1400" dirty="0"/>
-                  <a:t>àquele </a:t>
-                </a:r>
-                <a:r>
-                  <a:rPr lang="pt-BR" sz="1400" dirty="0" smtClean="0"/>
-                  <a:t>ponto.</a:t>
-                </a:r>
-                <a:endParaRPr lang="pt-BR" sz="1400" dirty="0"/>
-              </a:p>
-            </p:txBody>
-          </p:sp>
-        </mc:Choice>
-        <mc:Fallback xmlns="">
-          <p:sp>
-            <p:nvSpPr>
-              <p:cNvPr id="4" name="Rectangle 3"/>
-              <p:cNvSpPr>
-                <a:spLocks noRot="1" noChangeAspect="1" noMove="1" noResize="1" noEditPoints="1" noAdjustHandles="1" noChangeArrowheads="1" noChangeShapeType="1" noTextEdit="1"/>
-              </p:cNvSpPr>
-              <p:nvPr/>
-            </p:nvSpPr>
-            <p:spPr>
-              <a:xfrm>
-                <a:off x="8083007" y="173058"/>
-                <a:ext cx="4108993" cy="1169551"/>
-              </a:xfrm>
-              <a:prstGeom prst="rect">
-                <a:avLst/>
-              </a:prstGeom>
-              <a:blipFill rotWithShape="0">
-                <a:blip r:embed="rId4"/>
-                <a:stretch>
-                  <a:fillRect l="-297" t="-521" b="-4688"/>
-                </a:stretch>
-              </a:blipFill>
-            </p:spPr>
-            <p:txBody>
-              <a:bodyPr/>
-              <a:lstStyle/>
-              <a:p>
-                <a:r>
-                  <a:rPr lang="pt-BR">
-                    <a:noFill/>
-                  </a:rPr>
-                  <a:t> </a:t>
-                </a:r>
-              </a:p>
-            </p:txBody>
-          </p:sp>
-        </mc:Fallback>
-      </mc:AlternateContent>
+      <p:sp>
+        <p:nvSpPr>
+          <p:cNvPr id="4" name="Rectangle 3"/>
+          <p:cNvSpPr/>
+          <p:nvPr/>
+        </p:nvSpPr>
+        <p:spPr>
+          <a:xfrm>
+            <a:off x="8515350" y="173058"/>
+            <a:ext cx="3676651" cy="1492716"/>
+          </a:xfrm>
+          <a:prstGeom prst="rect">
+            <a:avLst/>
+          </a:prstGeom>
+        </p:spPr>
+        <p:txBody>
+          <a:bodyPr wrap="square">
+            <a:spAutoFit/>
+          </a:bodyPr>
+          <a:lstStyle/>
+          <a:p>
+            <a:pPr marL="285750" lvl="0" indent="-285750">
+              <a:buFont typeface="Arial" panose="020B0604020202020204" pitchFamily="34" charset="0"/>
+              <a:buChar char="•"/>
+              <a:defRPr/>
+            </a:pPr>
+            <a:r>
+              <a:rPr lang="pt-BR" sz="1300" dirty="0" smtClean="0"/>
+              <a:t>O </a:t>
+            </a:r>
+            <a:r>
+              <a:rPr lang="pt-BR" sz="1300" dirty="0"/>
+              <a:t>vetor gradiente em um ponto </a:t>
+            </a:r>
+            <a:r>
+              <a:rPr lang="pt-BR" sz="1300" dirty="0" smtClean="0"/>
+              <a:t>específico é </a:t>
+            </a:r>
+            <a:r>
+              <a:rPr lang="pt-BR" sz="1300" dirty="0"/>
+              <a:t>um </a:t>
+            </a:r>
+            <a:r>
+              <a:rPr lang="pt-BR" sz="1300" b="1" i="1" dirty="0"/>
+              <a:t>vetor </a:t>
+            </a:r>
+            <a:r>
+              <a:rPr lang="pt-BR" sz="1300" b="1" i="1" dirty="0" smtClean="0"/>
+              <a:t>ortogonal</a:t>
+            </a:r>
+            <a:r>
+              <a:rPr lang="pt-BR" sz="1300" i="1" dirty="0" smtClean="0"/>
+              <a:t> </a:t>
+            </a:r>
+            <a:r>
+              <a:rPr lang="pt-BR" sz="1300" dirty="0" smtClean="0"/>
+              <a:t>à reta tangente </a:t>
+            </a:r>
+            <a:r>
+              <a:rPr lang="pt-BR" sz="1300" dirty="0"/>
+              <a:t>àquele </a:t>
+            </a:r>
+            <a:r>
+              <a:rPr lang="pt-BR" sz="1300" dirty="0" smtClean="0"/>
+              <a:t>ponto.</a:t>
+            </a:r>
+          </a:p>
+          <a:p>
+            <a:pPr marL="285750" lvl="0" indent="-285750">
+              <a:buFont typeface="Arial" panose="020B0604020202020204" pitchFamily="34" charset="0"/>
+              <a:buChar char="•"/>
+              <a:defRPr/>
+            </a:pPr>
+            <a:r>
+              <a:rPr lang="pt-BR" sz="1300" dirty="0" smtClean="0"/>
+              <a:t>Um </a:t>
+            </a:r>
+            <a:r>
+              <a:rPr lang="pt-BR" sz="1300" dirty="0"/>
+              <a:t>elemento do vetor gradiente dá a inclinação de uma reta tangente em relação a um argumento específico </a:t>
+            </a:r>
+            <a:r>
+              <a:rPr lang="pt-BR" sz="1300" dirty="0" smtClean="0"/>
+              <a:t>da função </a:t>
+            </a:r>
+            <a:r>
+              <a:rPr lang="pt-BR" sz="1300" dirty="0"/>
+              <a:t>em um determinado ponto. </a:t>
+            </a:r>
+          </a:p>
+        </p:txBody>
+      </p:sp>
       <p:pic>
         <p:nvPicPr>
           <p:cNvPr id="6" name="Picture 5"/>
@@ -17517,7 +17999,7 @@
           <p:nvPr/>
         </p:nvPicPr>
         <p:blipFill rotWithShape="1">
-          <a:blip r:embed="rId5">
+          <a:blip r:embed="rId4">
             <a:extLst>
               <a:ext uri="{28A0092B-C50C-407E-A947-70E740481C1C}">
                 <a14:useLocalDpi xmlns:a14="http://schemas.microsoft.com/office/drawing/2010/main" val="0"/>
@@ -17616,41 +18098,17 @@
             </p:spPr>
             <p:txBody>
               <a:bodyPr>
-                <a:normAutofit fontScale="85000" lnSpcReduction="20000"/>
+                <a:normAutofit fontScale="92500" lnSpcReduction="20000"/>
               </a:bodyPr>
               <a:lstStyle/>
               <a:p>
                 <a:r>
                   <a:rPr lang="pt-BR" dirty="0" smtClean="0"/>
-                  <a:t>O vetor </a:t>
+                  <a:t>O </a:t>
                 </a:r>
                 <a:r>
                   <a:rPr lang="pt-BR" dirty="0"/>
-                  <a:t>gradiente </a:t>
-                </a:r>
-                <a:r>
-                  <a:rPr lang="pt-BR" dirty="0" smtClean="0"/>
-                  <a:t>indica </a:t>
-                </a:r>
-                <a:r>
-                  <a:rPr lang="pt-BR" dirty="0"/>
-                  <a:t>a magnitude </a:t>
-                </a:r>
-                <a:r>
-                  <a:rPr lang="pt-BR" dirty="0" smtClean="0"/>
-                  <a:t>e </a:t>
-                </a:r>
-                <a:r>
-                  <a:rPr lang="pt-BR" dirty="0"/>
-                  <a:t>a direção na qual, </a:t>
-                </a:r>
-                <a:r>
-                  <a:rPr lang="pt-BR" b="1" i="1" dirty="0">
-                    <a:solidFill>
-                      <a:srgbClr val="0070C0"/>
-                    </a:solidFill>
-                  </a:rPr>
-                  <a:t>por </a:t>
+                  <a:t>vetor gradiente aponta para a </a:t>
                 </a:r>
                 <a:r>
                   <a:rPr lang="pt-BR" b="1" i="1" dirty="0">
@@ -17658,15 +18116,19 @@
                       <a:srgbClr val="00B050"/>
                     </a:solidFill>
                   </a:rPr>
-                  <a:t>deslocamento</a:t>
-                </a:r>
-                <a:r>
-                  <a:rPr lang="pt-BR" b="1" i="1" dirty="0">
+                  <a:t>direção</a:t>
+                </a:r>
+                <a:r>
+                  <a:rPr lang="pt-BR" dirty="0">
                     <a:solidFill>
-                      <a:srgbClr val="0070C0"/>
+                      <a:srgbClr val="00B050"/>
                     </a:solidFill>
                   </a:rPr>
-                  <a:t> a partir de um </a:t>
+                  <a:t> </a:t>
+                </a:r>
+                <a:r>
+                  <a:rPr lang="pt-BR" dirty="0"/>
+                  <a:t>em que, ao se </a:t>
                 </a:r>
                 <a:r>
                   <a:rPr lang="pt-BR" b="1" i="1" dirty="0">
@@ -17674,11 +18136,19 @@
                       <a:srgbClr val="00B050"/>
                     </a:solidFill>
                   </a:rPr>
-                  <a:t>ponto especifico</a:t>
+                  <a:t>mover</a:t>
+                </a:r>
+                <a:r>
+                  <a:rPr lang="pt-BR" dirty="0">
+                    <a:solidFill>
+                      <a:srgbClr val="00B050"/>
+                    </a:solidFill>
+                  </a:rPr>
+                  <a:t> </a:t>
                 </a:r>
                 <a:r>
                   <a:rPr lang="pt-BR" dirty="0"/>
-                  <a:t>, obtém-se o </a:t>
+                  <a:t>a partir de um </a:t>
                 </a:r>
                 <a:r>
                   <a:rPr lang="pt-BR" b="1" i="1" dirty="0">
@@ -17686,52 +18156,41 @@
                       <a:srgbClr val="00B050"/>
                     </a:solidFill>
                   </a:rPr>
-                  <a:t>maior incremento </a:t>
+                  <a:t>ponto específico</a:t>
+                </a:r>
+                <a:r>
+                  <a:rPr lang="pt-BR" dirty="0"/>
+                  <a:t>, a </a:t>
                 </a:r>
                 <a:r>
                   <a:rPr lang="pt-BR" b="1" i="1" dirty="0">
                     <a:solidFill>
-                      <a:srgbClr val="0070C0"/>
+                      <a:srgbClr val="00B050"/>
                     </a:solidFill>
                   </a:rPr>
-                  <a:t>possível no valor de uma função</a:t>
+                  <a:t>função</a:t>
+                </a:r>
+                <a:r>
+                  <a:rPr lang="pt-BR" b="1" dirty="0">
+                    <a:solidFill>
+                      <a:srgbClr val="00B050"/>
+                    </a:solidFill>
+                  </a:rPr>
+                  <a:t> 𝑓(𝒙) </a:t>
+                </a:r>
+                <a:r>
+                  <a:rPr lang="pt-BR" b="1" i="1" dirty="0">
+                    <a:solidFill>
+                      <a:srgbClr val="00B050"/>
+                    </a:solidFill>
+                  </a:rPr>
+                  <a:t>cresce mais rapidamente</a:t>
                 </a:r>
                 <a:r>
                   <a:rPr lang="pt-BR" dirty="0"/>
-                  <a:t>, </a:t>
-                </a:r>
-                <a14:m>
-                  <m:oMath xmlns:m="http://schemas.openxmlformats.org/officeDocument/2006/math">
-                    <m:r>
-                      <a:rPr lang="pt-BR" b="0" i="1">
-                        <a:latin typeface="Cambria Math" panose="02040503050406030204" pitchFamily="18" charset="0"/>
-                      </a:rPr>
-                      <m:t>𝑓</m:t>
-                    </m:r>
-                    <m:r>
-                      <a:rPr lang="pt-BR" b="0" i="1" smtClean="0">
-                        <a:latin typeface="Cambria Math" panose="02040503050406030204" pitchFamily="18" charset="0"/>
-                      </a:rPr>
-                      <m:t>(</m:t>
-                    </m:r>
-                    <m:r>
-                      <a:rPr lang="pt-BR" b="1" i="1" smtClean="0">
-                        <a:latin typeface="Cambria Math" panose="02040503050406030204" pitchFamily="18" charset="0"/>
-                      </a:rPr>
-                      <m:t>𝒙</m:t>
-                    </m:r>
-                    <m:r>
-                      <a:rPr lang="pt-BR" b="0" i="1" smtClean="0">
-                        <a:latin typeface="Cambria Math" panose="02040503050406030204" pitchFamily="18" charset="0"/>
-                      </a:rPr>
-                      <m:t>)</m:t>
-                    </m:r>
-                  </m:oMath>
-                </a14:m>
-                <a:r>
-                  <a:rPr lang="pt-BR" dirty="0" smtClean="0"/>
                   <a:t>.</a:t>
                 </a:r>
+                <a:endParaRPr lang="pt-BR" dirty="0" smtClean="0"/>
               </a:p>
               <a:p>
                 <a:r>
@@ -18547,9 +19006,9 @@
                 <a:ext cx="11049001" cy="2394447"/>
               </a:xfrm>
               <a:blipFill rotWithShape="0">
-                <a:blip r:embed="rId2"/>
+                <a:blip r:embed="rId3"/>
                 <a:stretch>
-                  <a:fillRect l="-717" t="-5852"/>
+                  <a:fillRect l="-827" t="-6361" r="-441"/>
                 </a:stretch>
               </a:blipFill>
             </p:spPr>
@@ -18577,7 +19036,7 @@
           <p:nvPr/>
         </p:nvPicPr>
         <p:blipFill rotWithShape="1">
-          <a:blip r:embed="rId3">
+          <a:blip r:embed="rId4">
             <a:extLst>
               <a:ext uri="{28A0092B-C50C-407E-A947-70E740481C1C}">
                 <a14:useLocalDpi xmlns:a14="http://schemas.microsoft.com/office/drawing/2010/main" val="0"/>
@@ -18606,7 +19065,7 @@
         <p:spPr>
           <a:xfrm>
             <a:off x="8523889" y="4798637"/>
-            <a:ext cx="3668111" cy="1815882"/>
+            <a:ext cx="3668111" cy="2031325"/>
           </a:xfrm>
           <a:prstGeom prst="rect">
             <a:avLst/>
@@ -18634,8 +19093,12 @@
               <a:buChar char="•"/>
             </a:pPr>
             <a:r>
+              <a:rPr lang="pt-BR" sz="1400" dirty="0"/>
+              <a:t>Se, a cada novo ponto, calcularmos o vetor gradiente e adicionarmos uma fração dele ao ponto atual, teremos um novo ponto que leva a um valor da função maior do que o valor anterior</a:t>
+            </a:r>
+            <a:r>
               <a:rPr lang="pt-BR" sz="1400" dirty="0" smtClean="0"/>
-              <a:t>Então se a cada novo ponto calcularmos o vetor gradiente e o usarmos para incrementar o ponto, teremos o valor da função sempre maior que o anterior.</a:t>
+              <a:t>.</a:t>
             </a:r>
           </a:p>
           <a:p>
@@ -18651,6 +19114,75 @@
           </a:p>
         </p:txBody>
       </p:sp>
+      <p:sp>
+        <p:nvSpPr>
+          <p:cNvPr id="4" name="CaixaDeTexto 3"/>
+          <p:cNvSpPr txBox="1"/>
+          <p:nvPr/>
+        </p:nvSpPr>
+        <p:spPr>
+          <a:xfrm>
+            <a:off x="2286000" y="4124176"/>
+            <a:ext cx="847726" cy="461665"/>
+          </a:xfrm>
+          <a:prstGeom prst="rect">
+            <a:avLst/>
+          </a:prstGeom>
+          <a:noFill/>
+        </p:spPr>
+        <p:txBody>
+          <a:bodyPr wrap="square" rtlCol="0">
+            <a:spAutoFit/>
+          </a:bodyPr>
+          <a:lstStyle/>
+          <a:p>
+            <a:pPr algn="ctr"/>
+            <a:r>
+              <a:rPr lang="pt-BR" sz="1200" dirty="0" smtClean="0"/>
+              <a:t>Fração do gradiente</a:t>
+            </a:r>
+            <a:endParaRPr lang="pt-BR" sz="1200" dirty="0"/>
+          </a:p>
+        </p:txBody>
+      </p:sp>
+      <p:cxnSp>
+        <p:nvCxnSpPr>
+          <p:cNvPr id="8" name="Conector de seta reta 7"/>
+          <p:cNvCxnSpPr>
+            <a:stCxn id="4" idx="0"/>
+          </p:cNvCxnSpPr>
+          <p:nvPr/>
+        </p:nvCxnSpPr>
+        <p:spPr>
+          <a:xfrm flipV="1">
+            <a:off x="2709863" y="3781425"/>
+            <a:ext cx="290512" cy="342751"/>
+          </a:xfrm>
+          <a:prstGeom prst="straightConnector1">
+            <a:avLst/>
+          </a:prstGeom>
+          <a:ln>
+            <a:solidFill>
+              <a:srgbClr val="FF0000"/>
+            </a:solidFill>
+            <a:tailEnd type="triangle"/>
+          </a:ln>
+        </p:spPr>
+        <p:style>
+          <a:lnRef idx="1">
+            <a:schemeClr val="accent1"/>
+          </a:lnRef>
+          <a:fillRef idx="0">
+            <a:schemeClr val="accent1"/>
+          </a:fillRef>
+          <a:effectRef idx="0">
+            <a:schemeClr val="accent1"/>
+          </a:effectRef>
+          <a:fontRef idx="minor">
+            <a:schemeClr val="tx1"/>
+          </a:fontRef>
+        </p:style>
+      </p:cxnSp>
     </p:spTree>
     <p:extLst>
       <p:ext uri="{BB962C8B-B14F-4D97-AF65-F5344CB8AC3E}">
@@ -18736,12 +19268,12 @@
             </p:spPr>
             <p:txBody>
               <a:bodyPr>
-                <a:normAutofit fontScale="92500" lnSpcReduction="20000"/>
+                <a:normAutofit fontScale="85000" lnSpcReduction="20000"/>
               </a:bodyPr>
               <a:lstStyle/>
               <a:p>
                 <a:r>
-                  <a:rPr lang="pt-BR" dirty="0"/>
+                  <a:rPr lang="pt-BR" dirty="0" smtClean="0"/>
                   <a:t>A </a:t>
                 </a:r>
                 <a:r>
@@ -18750,31 +19282,84 @@
                 </a:r>
                 <a:r>
                   <a:rPr lang="pt-BR" dirty="0"/>
-                  <a:t>dá a </a:t>
+                  <a:t>(i.e., elemento de 𝛻𝑓(𝒙)) dá a </a:t>
                 </a:r>
                 <a:r>
                   <a:rPr lang="pt-BR" b="1" i="1" dirty="0"/>
-                  <a:t>inclinação</a:t>
+                  <a:t>inclinação </a:t>
                 </a:r>
                 <a:r>
                   <a:rPr lang="pt-BR" dirty="0"/>
-                  <a:t> da reta tangente </a:t>
+                  <a:t>de uma </a:t>
+                </a:r>
+                <a:r>
+                  <a:rPr lang="pt-BR" b="1" i="1" dirty="0"/>
+                  <a:t>reta tangente </a:t>
                 </a:r>
                 <a:r>
                   <a:rPr lang="pt-BR" dirty="0" smtClean="0"/>
-                  <a:t>a um </a:t>
+                  <a:t>em relação </a:t>
+                </a:r>
+                <a:r>
+                  <a:rPr lang="pt-BR" dirty="0"/>
+                  <a:t>a um argumento específico </a:t>
+                </a:r>
+                <a:r>
+                  <a:rPr lang="pt-BR" dirty="0" smtClean="0"/>
+                  <a:t>de </a:t>
+                </a:r>
+                <a14:m>
+                  <m:oMath xmlns:m="http://schemas.openxmlformats.org/officeDocument/2006/math">
+                    <m:r>
+                      <a:rPr lang="pt-BR" b="0" i="1" smtClean="0">
+                        <a:latin typeface="Cambria Math" panose="02040503050406030204" pitchFamily="18" charset="0"/>
+                      </a:rPr>
+                      <m:t>𝑓</m:t>
+                    </m:r>
+                    <m:d>
+                      <m:dPr>
+                        <m:ctrlPr>
+                          <a:rPr lang="pt-BR" b="0" i="1" smtClean="0">
+                            <a:latin typeface="Cambria Math" panose="02040503050406030204" pitchFamily="18" charset="0"/>
+                          </a:rPr>
+                        </m:ctrlPr>
+                      </m:dPr>
+                      <m:e>
+                        <m:r>
+                          <a:rPr lang="pt-BR" b="1" i="1" smtClean="0">
+                            <a:latin typeface="Cambria Math" panose="02040503050406030204" pitchFamily="18" charset="0"/>
+                          </a:rPr>
+                          <m:t>𝒙</m:t>
+                        </m:r>
+                      </m:e>
+                    </m:d>
+                  </m:oMath>
+                </a14:m>
+                <a:r>
+                  <a:rPr lang="pt-BR" dirty="0" smtClean="0"/>
+                  <a:t>em </a:t>
+                </a:r>
+                <a:r>
+                  <a:rPr lang="pt-BR" dirty="0"/>
+                  <a:t>um determinado </a:t>
                 </a:r>
                 <a:r>
                   <a:rPr lang="pt-BR" b="1" i="1" dirty="0" smtClean="0"/>
-                  <a:t>ponto específico</a:t>
+                  <a:t>ponto</a:t>
                 </a:r>
                 <a:r>
                   <a:rPr lang="pt-BR" dirty="0" smtClean="0"/>
-                  <a:t>. Assim, neste </a:t>
+                  <a:t>.</a:t>
+                </a:r>
+              </a:p>
+              <a:p>
+                <a:r>
+                  <a:rPr lang="pt-BR" dirty="0" smtClean="0"/>
+                  <a:t>Assim, neste </a:t>
                 </a:r>
                 <a:r>
                   <a:rPr lang="pt-BR" b="1" i="1" dirty="0" smtClean="0"/>
-                  <a:t>ponto específico</a:t>
+                  <a:t>ponto</a:t>
                 </a:r>
                 <a:r>
                   <a:rPr lang="pt-BR" dirty="0" smtClean="0"/>
@@ -19537,7 +20122,7 @@
               <a:blipFill rotWithShape="0">
                 <a:blip r:embed="rId3"/>
                 <a:stretch>
-                  <a:fillRect l="-874" t="-3403" r="-1311"/>
+                  <a:fillRect l="-765" t="-3272" r="-164"/>
                 </a:stretch>
               </a:blipFill>
             </p:spPr>
@@ -19601,7 +20186,7 @@
         </p:nvSpPr>
         <p:spPr>
           <a:xfrm>
-            <a:off x="10163997" y="2838298"/>
+            <a:off x="9430829" y="3176050"/>
             <a:ext cx="260221" cy="861939"/>
           </a:xfrm>
           <a:prstGeom prst="rightBrace">
@@ -19644,7 +20229,7 @@
         </p:nvSpPr>
         <p:spPr>
           <a:xfrm>
-            <a:off x="10358647" y="3084907"/>
+            <a:off x="9625479" y="3422659"/>
             <a:ext cx="1333500" cy="338554"/>
           </a:xfrm>
           <a:prstGeom prst="rect">

--- a/slides/T319_Regressão_Linear (Parte II).pptx
+++ b/slides/T319_Regressão_Linear (Parte II).pptx
@@ -543,7 +543,7 @@
           <a:p>
             <a:fld id="{DAF0AF11-6A8A-4E64-94F5-26D4FBA2A01D}" type="datetimeFigureOut">
               <a:rPr lang="nl-BE" smtClean="0"/>
-              <a:t>10/03/2023</a:t>
+              <a:t>24/03/2023</a:t>
             </a:fld>
             <a:endParaRPr lang="nl-BE"/>
           </a:p>
@@ -7261,7 +7261,7 @@
           <a:p>
             <a:fld id="{C80E15A5-E95B-43EB-9AC7-9A96397448C0}" type="datetimeFigureOut">
               <a:rPr lang="nl-BE" smtClean="0"/>
-              <a:t>10/03/2023</a:t>
+              <a:t>24/03/2023</a:t>
             </a:fld>
             <a:endParaRPr lang="nl-BE"/>
           </a:p>
@@ -7431,7 +7431,7 @@
           <a:p>
             <a:fld id="{C80E15A5-E95B-43EB-9AC7-9A96397448C0}" type="datetimeFigureOut">
               <a:rPr lang="nl-BE" smtClean="0"/>
-              <a:t>10/03/2023</a:t>
+              <a:t>24/03/2023</a:t>
             </a:fld>
             <a:endParaRPr lang="nl-BE"/>
           </a:p>
@@ -7611,7 +7611,7 @@
           <a:p>
             <a:fld id="{C80E15A5-E95B-43EB-9AC7-9A96397448C0}" type="datetimeFigureOut">
               <a:rPr lang="nl-BE" smtClean="0"/>
-              <a:t>10/03/2023</a:t>
+              <a:t>24/03/2023</a:t>
             </a:fld>
             <a:endParaRPr lang="nl-BE"/>
           </a:p>
@@ -7781,7 +7781,7 @@
           <a:p>
             <a:fld id="{C80E15A5-E95B-43EB-9AC7-9A96397448C0}" type="datetimeFigureOut">
               <a:rPr lang="nl-BE" smtClean="0"/>
-              <a:t>10/03/2023</a:t>
+              <a:t>24/03/2023</a:t>
             </a:fld>
             <a:endParaRPr lang="nl-BE"/>
           </a:p>
@@ -8027,7 +8027,7 @@
           <a:p>
             <a:fld id="{C80E15A5-E95B-43EB-9AC7-9A96397448C0}" type="datetimeFigureOut">
               <a:rPr lang="nl-BE" smtClean="0"/>
-              <a:t>10/03/2023</a:t>
+              <a:t>24/03/2023</a:t>
             </a:fld>
             <a:endParaRPr lang="nl-BE"/>
           </a:p>
@@ -8259,7 +8259,7 @@
           <a:p>
             <a:fld id="{C80E15A5-E95B-43EB-9AC7-9A96397448C0}" type="datetimeFigureOut">
               <a:rPr lang="nl-BE" smtClean="0"/>
-              <a:t>10/03/2023</a:t>
+              <a:t>24/03/2023</a:t>
             </a:fld>
             <a:endParaRPr lang="nl-BE"/>
           </a:p>
@@ -8626,7 +8626,7 @@
           <a:p>
             <a:fld id="{C80E15A5-E95B-43EB-9AC7-9A96397448C0}" type="datetimeFigureOut">
               <a:rPr lang="nl-BE" smtClean="0"/>
-              <a:t>10/03/2023</a:t>
+              <a:t>24/03/2023</a:t>
             </a:fld>
             <a:endParaRPr lang="nl-BE"/>
           </a:p>
@@ -8744,7 +8744,7 @@
           <a:p>
             <a:fld id="{C80E15A5-E95B-43EB-9AC7-9A96397448C0}" type="datetimeFigureOut">
               <a:rPr lang="nl-BE" smtClean="0"/>
-              <a:t>10/03/2023</a:t>
+              <a:t>24/03/2023</a:t>
             </a:fld>
             <a:endParaRPr lang="nl-BE"/>
           </a:p>
@@ -8839,7 +8839,7 @@
           <a:p>
             <a:fld id="{C80E15A5-E95B-43EB-9AC7-9A96397448C0}" type="datetimeFigureOut">
               <a:rPr lang="nl-BE" smtClean="0"/>
-              <a:t>10/03/2023</a:t>
+              <a:t>24/03/2023</a:t>
             </a:fld>
             <a:endParaRPr lang="nl-BE"/>
           </a:p>
@@ -9116,7 +9116,7 @@
           <a:p>
             <a:fld id="{C80E15A5-E95B-43EB-9AC7-9A96397448C0}" type="datetimeFigureOut">
               <a:rPr lang="nl-BE" smtClean="0"/>
-              <a:t>10/03/2023</a:t>
+              <a:t>24/03/2023</a:t>
             </a:fld>
             <a:endParaRPr lang="nl-BE"/>
           </a:p>
@@ -9369,7 +9369,7 @@
           <a:p>
             <a:fld id="{C80E15A5-E95B-43EB-9AC7-9A96397448C0}" type="datetimeFigureOut">
               <a:rPr lang="nl-BE" smtClean="0"/>
-              <a:t>10/03/2023</a:t>
+              <a:t>24/03/2023</a:t>
             </a:fld>
             <a:endParaRPr lang="nl-BE"/>
           </a:p>
@@ -9582,7 +9582,7 @@
           <a:p>
             <a:fld id="{C80E15A5-E95B-43EB-9AC7-9A96397448C0}" type="datetimeFigureOut">
               <a:rPr lang="nl-BE" smtClean="0"/>
-              <a:t>10/03/2023</a:t>
+              <a:t>24/03/2023</a:t>
             </a:fld>
             <a:endParaRPr lang="nl-BE"/>
           </a:p>
@@ -9992,7 +9992,7 @@
           <p:cNvPr id="2" name="Título 1">
             <a:extLst>
               <a:ext uri="{FF2B5EF4-FFF2-40B4-BE49-F238E27FC236}">
-                <a16:creationId xmlns="" xmlns:a16="http://schemas.microsoft.com/office/drawing/2014/main" id="{32666AC8-2E17-4DB4-B0F5-60C640CCFD2E}"/>
+                <a16:creationId xmlns:a16="http://schemas.microsoft.com/office/drawing/2014/main" xmlns="" id="{32666AC8-2E17-4DB4-B0F5-60C640CCFD2E}"/>
               </a:ext>
             </a:extLst>
           </p:cNvPr>
@@ -10051,7 +10051,7 @@
           <p:cNvPr id="4" name="CaixaDeTexto 3">
             <a:extLst>
               <a:ext uri="{FF2B5EF4-FFF2-40B4-BE49-F238E27FC236}">
-                <a16:creationId xmlns="" xmlns:a16="http://schemas.microsoft.com/office/drawing/2014/main" id="{430EB894-B7D4-434C-9D1A-A14094D9BEEC}"/>
+                <a16:creationId xmlns:a16="http://schemas.microsoft.com/office/drawing/2014/main" xmlns="" id="{430EB894-B7D4-434C-9D1A-A14094D9BEEC}"/>
               </a:ext>
             </a:extLst>
           </p:cNvPr>
@@ -10092,7 +10092,7 @@
           <p:cNvPr id="1026" name="Picture 2" descr="Logo">
             <a:extLst>
               <a:ext uri="{FF2B5EF4-FFF2-40B4-BE49-F238E27FC236}">
-                <a16:creationId xmlns="" xmlns:a16="http://schemas.microsoft.com/office/drawing/2014/main" id="{3F2642E0-4F6A-4196-8F58-E77D36E9A33F}"/>
+                <a16:creationId xmlns:a16="http://schemas.microsoft.com/office/drawing/2014/main" xmlns="" id="{3F2642E0-4F6A-4196-8F58-E77D36E9A33F}"/>
               </a:ext>
             </a:extLst>
           </p:cNvPr>
@@ -10137,7 +10137,7 @@
           <p:cNvPr id="5122" name="Picture 2" descr="Image result for machine learning">
             <a:extLst>
               <a:ext uri="{FF2B5EF4-FFF2-40B4-BE49-F238E27FC236}">
-                <a16:creationId xmlns="" xmlns:a16="http://schemas.microsoft.com/office/drawing/2014/main" id="{810CE0A2-4102-44A6-A370-175E7896CDCB}"/>
+                <a16:creationId xmlns:a16="http://schemas.microsoft.com/office/drawing/2014/main" xmlns="" id="{810CE0A2-4102-44A6-A370-175E7896CDCB}"/>
               </a:ext>
             </a:extLst>
           </p:cNvPr>
@@ -10274,11 +10274,11 @@
               <a:t>gradiente </a:t>
             </a:r>
             <a:r>
-              <a:rPr lang="pt-BR" dirty="0" err="1"/>
-              <a:t>g</a:t>
-            </a:r>
-            <a:r>
-              <a:rPr lang="pt-BR" dirty="0" err="1" smtClean="0"/>
+              <a:rPr lang="pt-BR" dirty="0"/>
+              <a:t>d</a:t>
+            </a:r>
+            <a:r>
+              <a:rPr lang="pt-BR" dirty="0" smtClean="0"/>
               <a:t>escendente</a:t>
             </a:r>
             <a:r>
@@ -10293,9 +10293,14 @@
               <a:buChar char="§"/>
             </a:pPr>
             <a:r>
+              <a:rPr lang="pt-BR" b="1" dirty="0" smtClean="0"/>
+              <a:t>Batelada</a:t>
+            </a:r>
+            <a:r>
               <a:rPr lang="pt-BR" dirty="0" smtClean="0"/>
-              <a:t>Batelada;</a:t>
-            </a:r>
+              <a:t>: usa todas as amostras do conjunto de treinamento para calcular o vetor gradiente (versão que acabamos de ver).</a:t>
+            </a:r>
+            <a:endParaRPr lang="pt-BR" dirty="0" smtClean="0"/>
           </a:p>
           <a:p>
             <a:pPr lvl="1">
@@ -10303,9 +10308,30 @@
               <a:buChar char="§"/>
             </a:pPr>
             <a:r>
+              <a:rPr lang="pt-BR" b="1" dirty="0" smtClean="0"/>
+              <a:t>Estocástico</a:t>
+            </a:r>
+            <a:r>
               <a:rPr lang="pt-BR" dirty="0" smtClean="0"/>
-              <a:t>Estocástico;</a:t>
-            </a:r>
+              <a:t>: usa apenas uma </a:t>
+            </a:r>
+            <a:r>
+              <a:rPr lang="pt-BR" dirty="0"/>
+              <a:t>amostra </a:t>
+            </a:r>
+            <a:r>
+              <a:rPr lang="pt-BR" dirty="0" smtClean="0"/>
+              <a:t>do conjunto </a:t>
+            </a:r>
+            <a:r>
+              <a:rPr lang="pt-BR" dirty="0"/>
+              <a:t>de treinamento para </a:t>
+            </a:r>
+            <a:r>
+              <a:rPr lang="pt-BR" dirty="0" smtClean="0"/>
+              <a:t>estimar o vetor gradiente.</a:t>
+            </a:r>
+            <a:endParaRPr lang="pt-BR" dirty="0" smtClean="0"/>
           </a:p>
           <a:p>
             <a:pPr lvl="1">
@@ -10313,12 +10339,32 @@
               <a:buChar char="§"/>
             </a:pPr>
             <a:r>
-              <a:rPr lang="pt-BR" dirty="0" err="1" smtClean="0"/>
+              <a:rPr lang="pt-BR" b="1" dirty="0" err="1" smtClean="0"/>
               <a:t>Mini-Batch</a:t>
             </a:r>
             <a:r>
               <a:rPr lang="pt-BR" dirty="0" smtClean="0"/>
-              <a:t>.</a:t>
+              <a:t>: usa um subconjunto de </a:t>
+            </a:r>
+            <a:r>
+              <a:rPr lang="pt-BR" dirty="0"/>
+              <a:t>amostras </a:t>
+            </a:r>
+            <a:r>
+              <a:rPr lang="pt-BR" dirty="0" smtClean="0"/>
+              <a:t>do conjunto </a:t>
+            </a:r>
+            <a:r>
+              <a:rPr lang="pt-BR" dirty="0"/>
+              <a:t>de treinamento </a:t>
+            </a:r>
+            <a:r>
+              <a:rPr lang="pt-BR" dirty="0" smtClean="0"/>
+              <a:t>para </a:t>
+            </a:r>
+            <a:r>
+              <a:rPr lang="pt-BR" dirty="0"/>
+              <a:t>estimar o vetor gradiente.</a:t>
             </a:r>
             <a:endParaRPr lang="pt-BR" dirty="0"/>
           </a:p>
@@ -11013,8 +11059,8 @@
           </a:p>
         </p:txBody>
       </p:sp>
-      <mc:AlternateContent xmlns:mc="http://schemas.openxmlformats.org/markup-compatibility/2006" xmlns:a14="http://schemas.microsoft.com/office/drawing/2010/main">
-        <mc:Choice Requires="a14">
+      <mc:AlternateContent xmlns:mc="http://schemas.openxmlformats.org/markup-compatibility/2006">
+        <mc:Choice xmlns:a14="http://schemas.microsoft.com/office/drawing/2010/main" Requires="a14">
           <p:sp>
             <p:nvSpPr>
               <p:cNvPr id="3" name="Content Placeholder 2"/>
@@ -11044,7 +11090,15 @@
                 </a:pPr>
                 <a:r>
                   <a:rPr lang="pt-BR" dirty="0" smtClean="0"/>
-                  <a:t>Segue diretamente para o mínimo global.</a:t>
+                  <a:t>Segue </a:t>
+                </a:r>
+                <a:r>
+                  <a:rPr lang="pt-BR" dirty="0" smtClean="0"/>
+                  <a:t>diretamente, sem alterar a direção, para </a:t>
+                </a:r>
+                <a:r>
+                  <a:rPr lang="pt-BR" dirty="0" smtClean="0"/>
+                  <a:t>o mínimo global.</a:t>
                 </a:r>
               </a:p>
               <a:p>
@@ -11206,7 +11260,7 @@
             </p:txBody>
           </p:sp>
         </mc:Choice>
-        <mc:Fallback xmlns="">
+        <mc:Fallback>
           <p:sp>
             <p:nvSpPr>
               <p:cNvPr id="3" name="Content Placeholder 2"/>
@@ -11252,8 +11306,8 @@
         </p:nvSpPr>
         <p:spPr>
           <a:xfrm>
-            <a:off x="6927766" y="6351444"/>
-            <a:ext cx="5221120" cy="369332"/>
+            <a:off x="8308006" y="6483408"/>
+            <a:ext cx="3950669" cy="276999"/>
           </a:xfrm>
           <a:prstGeom prst="rect">
             <a:avLst/>
@@ -11268,7 +11322,7 @@
           <a:p>
             <a:pPr algn="ctr"/>
             <a:r>
-              <a:rPr lang="pt-BR" u="sng" dirty="0">
+              <a:rPr lang="pt-BR" sz="1200" u="sng" dirty="0">
                 <a:solidFill>
                   <a:srgbClr val="00B0F0"/>
                 </a:solidFill>
@@ -11277,7 +11331,7 @@
               <a:t>Exemplo: </a:t>
             </a:r>
             <a:r>
-              <a:rPr lang="pt-BR" u="sng" dirty="0" smtClean="0">
+              <a:rPr lang="pt-BR" sz="1200" u="sng" dirty="0" smtClean="0">
                 <a:solidFill>
                   <a:srgbClr val="00B0F0"/>
                 </a:solidFill>
@@ -11285,7 +11339,7 @@
               </a:rPr>
               <a:t>batch_gradient_descent_with_figures.ipynb</a:t>
             </a:r>
-            <a:endParaRPr lang="pt-BR" u="sng" dirty="0">
+            <a:endParaRPr lang="pt-BR" sz="1200" u="sng" dirty="0">
               <a:solidFill>
                 <a:srgbClr val="00B0F0"/>
               </a:solidFill>
@@ -11422,7 +11476,7 @@
         </p:nvSpPr>
         <p:spPr>
           <a:xfrm>
-            <a:off x="838200" y="219985"/>
+            <a:off x="838200" y="86635"/>
             <a:ext cx="10515600" cy="737961"/>
           </a:xfrm>
         </p:spPr>
@@ -11445,8 +11499,8 @@
           </a:p>
         </p:txBody>
       </p:sp>
-      <mc:AlternateContent xmlns:mc="http://schemas.openxmlformats.org/markup-compatibility/2006" xmlns:a14="http://schemas.microsoft.com/office/drawing/2010/main">
-        <mc:Choice Requires="a14">
+      <mc:AlternateContent xmlns:mc="http://schemas.openxmlformats.org/markup-compatibility/2006">
+        <mc:Choice xmlns:a14="http://schemas.microsoft.com/office/drawing/2010/main" Requires="a14">
           <p:sp>
             <p:nvSpPr>
               <p:cNvPr id="3" name="Content Placeholder 2"/>
@@ -11459,8 +11513,8 @@
             </p:nvSpPr>
             <p:spPr>
               <a:xfrm>
-                <a:off x="838197" y="1252025"/>
-                <a:ext cx="11263187" cy="5605975"/>
+                <a:off x="838197" y="1123950"/>
+                <a:ext cx="11263187" cy="5734050"/>
               </a:xfrm>
             </p:spPr>
             <p:txBody>
@@ -11507,8 +11561,16 @@
                   <a:t>Com esta versão, os </a:t>
                 </a:r>
                 <a:r>
+                  <a:rPr lang="pt-BR" b="1" i="1" dirty="0">
+                    <a:solidFill>
+                      <a:srgbClr val="00B0F0"/>
+                    </a:solidFill>
+                  </a:rPr>
+                  <a:t>pesos do modelo são atualizados a cada novo exemplo de treinamento</a:t>
+                </a:r>
+                <a:r>
                   <a:rPr lang="pt-BR" dirty="0"/>
-                  <a:t>pesos do modelo são atualizados a cada novo exemplo de treinamento.</a:t>
+                  <a:t>.</a:t>
                 </a:r>
               </a:p>
               <a:p>
@@ -11520,14 +11582,14 @@
                     <m:sSub>
                       <m:sSubPr>
                         <m:ctrlPr>
-                          <a:rPr lang="nl-BE" i="1">
+                          <a:rPr lang="nl-BE" sz="3000" i="1">
                             <a:latin typeface="Cambria Math" panose="02040503050406030204" pitchFamily="18" charset="0"/>
                           </a:rPr>
                         </m:ctrlPr>
                       </m:sSubPr>
                       <m:e>
                         <m:r>
-                          <a:rPr lang="en-US" i="1">
+                          <a:rPr lang="en-US" sz="3000" i="1">
                             <a:latin typeface="Cambria Math" panose="02040503050406030204" pitchFamily="18" charset="0"/>
                           </a:rPr>
                           <m:t>𝑎</m:t>
@@ -11535,7 +11597,7 @@
                       </m:e>
                       <m:sub>
                         <m:r>
-                          <a:rPr lang="pt-BR" i="1">
+                          <a:rPr lang="pt-BR" sz="3000" i="1">
                             <a:latin typeface="Cambria Math" panose="02040503050406030204" pitchFamily="18" charset="0"/>
                           </a:rPr>
                           <m:t>𝑘</m:t>
@@ -11543,7 +11605,7 @@
                       </m:sub>
                     </m:sSub>
                     <m:r>
-                      <a:rPr lang="en-US">
+                      <a:rPr lang="en-US" sz="3000">
                         <a:latin typeface="Cambria Math" panose="02040503050406030204" pitchFamily="18" charset="0"/>
                       </a:rPr>
                       <m:t>=</m:t>
@@ -11551,14 +11613,14 @@
                     <m:sSub>
                       <m:sSubPr>
                         <m:ctrlPr>
-                          <a:rPr lang="nl-BE" i="1">
+                          <a:rPr lang="nl-BE" sz="3000" i="1">
                             <a:latin typeface="Cambria Math" panose="02040503050406030204" pitchFamily="18" charset="0"/>
                           </a:rPr>
                         </m:ctrlPr>
                       </m:sSubPr>
                       <m:e>
                         <m:r>
-                          <a:rPr lang="en-US" i="1">
+                          <a:rPr lang="en-US" sz="3000" i="1">
                             <a:latin typeface="Cambria Math" panose="02040503050406030204" pitchFamily="18" charset="0"/>
                           </a:rPr>
                           <m:t>𝑎</m:t>
@@ -11566,7 +11628,7 @@
                       </m:e>
                       <m:sub>
                         <m:r>
-                          <a:rPr lang="pt-BR" i="1">
+                          <a:rPr lang="pt-BR" sz="3000" i="1">
                             <a:latin typeface="Cambria Math" panose="02040503050406030204" pitchFamily="18" charset="0"/>
                           </a:rPr>
                           <m:t>𝑘</m:t>
@@ -11574,13 +11636,13 @@
                       </m:sub>
                     </m:sSub>
                     <m:r>
-                      <a:rPr lang="en-US" i="1">
+                      <a:rPr lang="en-US" sz="3000" i="1">
                         <a:latin typeface="Cambria Math" panose="02040503050406030204" pitchFamily="18" charset="0"/>
                       </a:rPr>
                       <m:t>+</m:t>
                     </m:r>
                     <m:r>
-                      <a:rPr lang="en-US" i="1">
+                      <a:rPr lang="en-US" sz="3000" i="1">
                         <a:latin typeface="Cambria Math" panose="02040503050406030204" pitchFamily="18" charset="0"/>
                         <a:ea typeface="Cambria Math" panose="02040503050406030204" pitchFamily="18" charset="0"/>
                       </a:rPr>
@@ -11591,14 +11653,14 @@
                         <m:begChr m:val="["/>
                         <m:endChr m:val="]"/>
                         <m:ctrlPr>
-                          <a:rPr lang="pt-BR" i="1">
+                          <a:rPr lang="pt-BR" sz="3000" i="1">
                             <a:latin typeface="Cambria Math" panose="02040503050406030204" pitchFamily="18" charset="0"/>
                           </a:rPr>
                         </m:ctrlPr>
                       </m:dPr>
                       <m:e>
                         <m:r>
-                          <a:rPr lang="pt-BR" i="1">
+                          <a:rPr lang="pt-BR" sz="3000" i="1">
                             <a:latin typeface="Cambria Math" panose="02040503050406030204" pitchFamily="18" charset="0"/>
                           </a:rPr>
                           <m:t>𝑦</m:t>
@@ -11606,14 +11668,14 @@
                         <m:d>
                           <m:dPr>
                             <m:ctrlPr>
-                              <a:rPr lang="pt-BR" i="1">
+                              <a:rPr lang="pt-BR" sz="3000" i="1">
                                 <a:latin typeface="Cambria Math" panose="02040503050406030204" pitchFamily="18" charset="0"/>
                               </a:rPr>
                             </m:ctrlPr>
                           </m:dPr>
                           <m:e>
                             <m:r>
-                              <a:rPr lang="pt-BR" i="1">
+                              <a:rPr lang="pt-BR" sz="3000" i="1">
                                 <a:latin typeface="Cambria Math" panose="02040503050406030204" pitchFamily="18" charset="0"/>
                               </a:rPr>
                               <m:t>𝑛</m:t>
@@ -11621,13 +11683,13 @@
                           </m:e>
                         </m:d>
                         <m:r>
-                          <a:rPr lang="pt-BR" i="1" dirty="0">
+                          <a:rPr lang="pt-BR" sz="3000" i="1" dirty="0">
                             <a:latin typeface="Cambria Math" panose="02040503050406030204" pitchFamily="18" charset="0"/>
                           </a:rPr>
                           <m:t> −</m:t>
                         </m:r>
                         <m:r>
-                          <a:rPr lang="en-US" i="1">
+                          <a:rPr lang="en-US" sz="3000" i="1">
                             <a:latin typeface="Cambria Math" panose="02040503050406030204" pitchFamily="18" charset="0"/>
                           </a:rPr>
                           <m:t>h</m:t>
@@ -11635,14 +11697,14 @@
                         <m:d>
                           <m:dPr>
                             <m:ctrlPr>
-                              <a:rPr lang="en-US" i="1">
+                              <a:rPr lang="en-US" sz="3000" i="1">
                                 <a:latin typeface="Cambria Math" panose="02040503050406030204" pitchFamily="18" charset="0"/>
                               </a:rPr>
                             </m:ctrlPr>
                           </m:dPr>
                           <m:e>
                             <m:r>
-                              <a:rPr lang="pt-BR" b="1" i="1">
+                              <a:rPr lang="pt-BR" sz="3000" b="1" i="1">
                                 <a:latin typeface="Cambria Math" panose="02040503050406030204" pitchFamily="18" charset="0"/>
                               </a:rPr>
                               <m:t>𝒙</m:t>
@@ -11650,14 +11712,14 @@
                             <m:d>
                               <m:dPr>
                                 <m:ctrlPr>
-                                  <a:rPr lang="en-US" i="1">
+                                  <a:rPr lang="en-US" sz="3000" i="1">
                                     <a:latin typeface="Cambria Math" panose="02040503050406030204" pitchFamily="18" charset="0"/>
                                   </a:rPr>
                                 </m:ctrlPr>
                               </m:dPr>
                               <m:e>
                                 <m:r>
-                                  <a:rPr lang="pt-BR" i="1">
+                                  <a:rPr lang="pt-BR" sz="3000" i="1">
                                     <a:latin typeface="Cambria Math" panose="02040503050406030204" pitchFamily="18" charset="0"/>
                                   </a:rPr>
                                   <m:t>𝑛</m:t>
@@ -11671,14 +11733,14 @@
                     <m:sSub>
                       <m:sSubPr>
                         <m:ctrlPr>
-                          <a:rPr lang="en-US" i="1">
+                          <a:rPr lang="en-US" sz="3000" i="1">
                             <a:latin typeface="Cambria Math" panose="02040503050406030204" pitchFamily="18" charset="0"/>
                           </a:rPr>
                         </m:ctrlPr>
                       </m:sSubPr>
                       <m:e>
                         <m:r>
-                          <a:rPr lang="pt-BR" i="1">
+                          <a:rPr lang="pt-BR" sz="3000" i="1">
                             <a:latin typeface="Cambria Math" panose="02040503050406030204" pitchFamily="18" charset="0"/>
                           </a:rPr>
                           <m:t>𝑥</m:t>
@@ -11686,7 +11748,7 @@
                       </m:e>
                       <m:sub>
                         <m:r>
-                          <a:rPr lang="pt-BR" i="1">
+                          <a:rPr lang="pt-BR" sz="3000" i="1">
                             <a:latin typeface="Cambria Math" panose="02040503050406030204" pitchFamily="18" charset="0"/>
                           </a:rPr>
                           <m:t>𝑘</m:t>
@@ -11694,19 +11756,19 @@
                       </m:sub>
                     </m:sSub>
                     <m:r>
-                      <a:rPr lang="pt-BR" i="1">
+                      <a:rPr lang="pt-BR" sz="3000" i="1">
                         <a:latin typeface="Cambria Math" panose="02040503050406030204" pitchFamily="18" charset="0"/>
                       </a:rPr>
                       <m:t>(</m:t>
                     </m:r>
                     <m:r>
-                      <a:rPr lang="pt-BR" i="1">
+                      <a:rPr lang="pt-BR" sz="3000" i="1">
                         <a:latin typeface="Cambria Math" panose="02040503050406030204" pitchFamily="18" charset="0"/>
                       </a:rPr>
                       <m:t>𝑛</m:t>
                     </m:r>
                     <m:r>
-                      <a:rPr lang="pt-BR" i="1">
+                      <a:rPr lang="pt-BR" sz="3000" i="1">
                         <a:latin typeface="Cambria Math" panose="02040503050406030204" pitchFamily="18" charset="0"/>
                       </a:rPr>
                       <m:t>)</m:t>
@@ -11714,32 +11776,32 @@
                   </m:oMath>
                 </a14:m>
                 <a:r>
-                  <a:rPr lang="nl-BE" dirty="0"/>
+                  <a:rPr lang="nl-BE" sz="3000" dirty="0"/>
                   <a:t>,  </a:t>
                 </a:r>
                 <a14:m>
                   <m:oMath xmlns:m="http://schemas.openxmlformats.org/officeDocument/2006/math">
                     <m:r>
-                      <a:rPr lang="pt-BR" i="1">
+                      <a:rPr lang="pt-BR" sz="3000" i="1">
                         <a:latin typeface="Cambria Math" panose="02040503050406030204" pitchFamily="18" charset="0"/>
                       </a:rPr>
                       <m:t>𝑘</m:t>
                     </m:r>
                     <m:r>
-                      <a:rPr lang="pt-BR" i="1">
+                      <a:rPr lang="pt-BR" sz="3000" i="1">
                         <a:latin typeface="Cambria Math" panose="02040503050406030204" pitchFamily="18" charset="0"/>
                       </a:rPr>
                       <m:t>=1,…, </m:t>
                     </m:r>
                     <m:r>
-                      <a:rPr lang="pt-BR" i="1">
+                      <a:rPr lang="pt-BR" sz="3000" i="1">
                         <a:latin typeface="Cambria Math" panose="02040503050406030204" pitchFamily="18" charset="0"/>
                       </a:rPr>
                       <m:t>𝐾</m:t>
                     </m:r>
                   </m:oMath>
                 </a14:m>
-                <a:endParaRPr lang="pt-BR" dirty="0"/>
+                <a:endParaRPr lang="pt-BR" sz="3000" dirty="0"/>
               </a:p>
               <a:p>
                 <a:r>
@@ -11747,6 +11809,77 @@
                   <a:t>Características:</a:t>
                 </a:r>
                 <a:endParaRPr lang="pt-BR" dirty="0"/>
+              </a:p>
+              <a:p>
+                <a:pPr lvl="1">
+                  <a:buFont typeface="Wingdings" panose="05000000000000000000" pitchFamily="2" charset="2"/>
+                  <a:buChar char="§"/>
+                </a:pPr>
+                <a:r>
+                  <a:rPr lang="pt-BR" b="1" i="1" dirty="0" smtClean="0"/>
+                  <a:t>Aproxima </a:t>
+                </a:r>
+                <a:r>
+                  <a:rPr lang="pt-BR" b="1" i="1" dirty="0"/>
+                  <a:t>o </a:t>
+                </a:r>
+                <a:r>
+                  <a:rPr lang="pt-BR" b="1" i="1" dirty="0" smtClean="0"/>
+                  <a:t>vetor gradiente </a:t>
+                </a:r>
+                <a:r>
+                  <a:rPr lang="pt-BR" dirty="0"/>
+                  <a:t>através de uma </a:t>
+                </a:r>
+                <a:r>
+                  <a:rPr lang="pt-BR" b="1" i="1" dirty="0"/>
+                  <a:t>estimativa estocástica</a:t>
+                </a:r>
+                <a:r>
+                  <a:rPr lang="pt-BR" dirty="0"/>
+                  <a:t>, ou seja, gradiente é calculado </a:t>
+                </a:r>
+                <a:r>
+                  <a:rPr lang="pt-BR" dirty="0" smtClean="0"/>
+                  <a:t>com um </a:t>
+                </a:r>
+                <a:r>
+                  <a:rPr lang="pt-BR" dirty="0"/>
+                  <a:t>exemplo </a:t>
+                </a:r>
+                <a:r>
+                  <a:rPr lang="pt-BR" b="1" i="1" dirty="0">
+                    <a:solidFill>
+                      <a:srgbClr val="00B050"/>
+                    </a:solidFill>
+                  </a:rPr>
+                  <a:t>tomado aleatoriamente </a:t>
+                </a:r>
+                <a:r>
+                  <a:rPr lang="pt-BR" b="1" i="1" dirty="0" smtClean="0">
+                    <a:solidFill>
+                      <a:srgbClr val="00B050"/>
+                    </a:solidFill>
+                  </a:rPr>
+                  <a:t>do conjunto de </a:t>
+                </a:r>
+                <a:r>
+                  <a:rPr lang="pt-BR" b="1" i="1" dirty="0">
+                    <a:solidFill>
+                      <a:srgbClr val="00B050"/>
+                    </a:solidFill>
+                  </a:rPr>
+                  <a:t>treinamento</a:t>
+                </a:r>
+                <a:r>
+                  <a:rPr lang="pt-BR" dirty="0"/>
+                  <a:t>.</a:t>
+                </a:r>
+                <a:r>
+                  <a:rPr lang="pt-BR" dirty="0"/>
+                  <a:t> </a:t>
+                </a:r>
+                <a:endParaRPr lang="pt-BR" dirty="0" smtClean="0"/>
               </a:p>
               <a:p>
                 <a:pPr lvl="1" algn="just">
@@ -11754,37 +11887,42 @@
                   <a:buChar char="§"/>
                 </a:pPr>
                 <a:r>
+                  <a:rPr lang="pt-BR" dirty="0" smtClean="0"/>
+                  <a:t>Essa</a:t>
+                </a:r>
+                <a:r>
+                  <a:rPr lang="pt-BR" dirty="0" smtClean="0"/>
+                  <a:t> </a:t>
+                </a:r>
+                <a:r>
                   <a:rPr lang="pt-BR" b="1" i="1" dirty="0" smtClean="0"/>
-                  <a:t>Aproxima </a:t>
-                </a:r>
-                <a:r>
-                  <a:rPr lang="pt-BR" b="1" i="1" dirty="0"/>
-                  <a:t>o gradiente </a:t>
-                </a:r>
-                <a:r>
-                  <a:rPr lang="pt-BR" dirty="0"/>
-                  <a:t>através de uma </a:t>
-                </a:r>
-                <a:r>
-                  <a:rPr lang="pt-BR" b="1" i="1" dirty="0"/>
-                  <a:t>estimativa </a:t>
-                </a:r>
-                <a:r>
-                  <a:rPr lang="pt-BR" b="1" i="1" dirty="0" smtClean="0"/>
-                  <a:t>estocástica (aleatória)</a:t>
+                  <a:t>aproximação estocástica</a:t>
+                </a:r>
+                <a:r>
+                  <a:rPr lang="pt-BR" dirty="0" smtClean="0"/>
+                  <a:t> faz </a:t>
+                </a:r>
+                <a:r>
+                  <a:rPr lang="pt-BR" dirty="0" smtClean="0"/>
+                  <a:t>com que as </a:t>
+                </a:r>
+                <a:r>
+                  <a:rPr lang="pt-BR" b="1" i="1" dirty="0" smtClean="0">
+                    <a:solidFill>
+                      <a:srgbClr val="00B050"/>
+                    </a:solidFill>
+                  </a:rPr>
+                  <a:t>atualizações dos pesos não sigam a direção de máxima declividade</a:t>
                 </a:r>
                 <a:r>
                   <a:rPr lang="pt-BR" dirty="0" smtClean="0"/>
                   <a:t>, </a:t>
                 </a:r>
                 <a:r>
-                  <a:rPr lang="pt-BR" dirty="0"/>
-                  <a:t>ou seja, </a:t>
-                </a:r>
-                <a:r>
-                  <a:rPr lang="pt-BR" dirty="0" smtClean="0"/>
-                  <a:t>aproxima o gradiente usando apenas um exemplo de treinamento.</a:t>
-                </a:r>
+                  <a:rPr lang="pt-BR" b="1" i="1" dirty="0" smtClean="0"/>
+                  <a:t>podendo ter direções divergentes a cada iteração.</a:t>
+                </a:r>
+                <a:endParaRPr lang="pt-BR" dirty="0" smtClean="0"/>
               </a:p>
               <a:p>
                 <a:pPr lvl="1" algn="just">
@@ -11793,37 +11931,28 @@
                 </a:pPr>
                 <a:r>
                   <a:rPr lang="pt-BR" dirty="0" smtClean="0"/>
-                  <a:t>Essa </a:t>
+                  <a:t>Utilizado </a:t>
+                </a:r>
+                <a:r>
+                  <a:rPr lang="pt-BR" dirty="0" smtClean="0"/>
+                  <a:t>quando os </a:t>
                 </a:r>
                 <a:r>
                   <a:rPr lang="pt-BR" b="1" i="1" dirty="0" smtClean="0"/>
-                  <a:t>aproximação </a:t>
-                </a:r>
-                <a:r>
-                  <a:rPr lang="pt-BR" b="1" i="1" dirty="0"/>
-                  <a:t>é ruidosa</a:t>
-                </a:r>
-                <a:r>
-                  <a:rPr lang="pt-BR" dirty="0"/>
-                  <a:t>, o que faz com que </a:t>
+                  <a:t>atributos e rótulos </a:t>
                 </a:r>
                 <a:r>
                   <a:rPr lang="pt-BR" dirty="0" smtClean="0"/>
-                  <a:t>a </a:t>
+                  <a:t>são </a:t>
                 </a:r>
                 <a:r>
                   <a:rPr lang="pt-BR" b="1" i="1" dirty="0" smtClean="0"/>
-                  <a:t>aproximação do </a:t>
-                </a:r>
-                <a:r>
-                  <a:rPr lang="pt-BR" b="1" i="1" dirty="0"/>
-                  <a:t>vetor gradiente tenha </a:t>
-                </a:r>
-                <a:r>
-                  <a:rPr lang="pt-BR" b="1" i="1" dirty="0" smtClean="0"/>
-                  <a:t>direções divergentes a cada iteração.</a:t>
-                </a:r>
-                <a:endParaRPr lang="pt-BR" dirty="0" smtClean="0"/>
+                  <a:t>obtidos sequencialmente</a:t>
+                </a:r>
+                <a:r>
+                  <a:rPr lang="pt-BR" dirty="0" smtClean="0"/>
+                  <a:t> (e.g., sensores).</a:t>
+                </a:r>
               </a:p>
               <a:p>
                 <a:pPr lvl="1" algn="just">
@@ -11831,28 +11960,24 @@
                   <a:buChar char="§"/>
                 </a:pPr>
                 <a:r>
+                  <a:rPr lang="pt-BR" dirty="0" smtClean="0"/>
+                  <a:t>Ou </a:t>
+                </a:r>
+                <a:r>
                   <a:rPr lang="pt-BR" dirty="0"/>
-                  <a:t>U</a:t>
+                  <a:t>quando o </a:t>
+                </a:r>
+                <a:r>
+                  <a:rPr lang="pt-BR" b="1" i="1" dirty="0"/>
+                  <a:t>conjunto de treinamento é muito </a:t>
+                </a:r>
+                <a:r>
+                  <a:rPr lang="pt-BR" b="1" i="1" dirty="0" smtClean="0"/>
+                  <a:t>grande </a:t>
                 </a:r>
                 <a:r>
                   <a:rPr lang="pt-BR" dirty="0" smtClean="0"/>
-                  <a:t>tilizado quando os </a:t>
-                </a:r>
-                <a:r>
-                  <a:rPr lang="pt-BR" b="1" i="1" dirty="0" smtClean="0"/>
-                  <a:t>atributos e rótulos </a:t>
-                </a:r>
-                <a:r>
-                  <a:rPr lang="pt-BR" dirty="0" smtClean="0"/>
-                  <a:t>são </a:t>
-                </a:r>
-                <a:r>
-                  <a:rPr lang="pt-BR" b="1" i="1" dirty="0" smtClean="0"/>
-                  <a:t>obtidos sequencialmente</a:t>
-                </a:r>
-                <a:r>
-                  <a:rPr lang="pt-BR" dirty="0" smtClean="0"/>
-                  <a:t> (e.g., sensores).</a:t>
+                  <a:t>(toma-se amostras aleatoriamente). </a:t>
                 </a:r>
               </a:p>
               <a:p>
@@ -11861,25 +11986,26 @@
                   <a:buChar char="§"/>
                 </a:pPr>
                 <a:r>
+                  <a:rPr lang="pt-BR" b="1" i="1" dirty="0" smtClean="0"/>
+                  <a:t>Computacionalmente mais rápido</a:t>
+                </a:r>
+                <a:r>
+                  <a:rPr lang="pt-BR" b="1" dirty="0" smtClean="0"/>
+                  <a:t> </a:t>
+                </a:r>
+                <a:r>
                   <a:rPr lang="pt-BR" dirty="0" smtClean="0"/>
-                  <a:t>Ou </a:t>
-                </a:r>
-                <a:r>
-                  <a:rPr lang="pt-BR" dirty="0"/>
-                  <a:t>quando o </a:t>
-                </a:r>
-                <a:r>
-                  <a:rPr lang="pt-BR" b="1" i="1" dirty="0"/>
-                  <a:t>conjunto de treinamento é muito </a:t>
+                  <a:t>e </a:t>
                 </a:r>
                 <a:r>
                   <a:rPr lang="pt-BR" b="1" i="1" dirty="0" smtClean="0"/>
-                  <a:t>grande </a:t>
+                  <a:t>menos custoso em termos de CPU e memória </a:t>
                 </a:r>
                 <a:r>
                   <a:rPr lang="pt-BR" dirty="0" smtClean="0"/>
-                  <a:t>(toma-se amostras aleatoriamente). </a:t>
-                </a:r>
+                  <a:t>que o GD em batelada.</a:t>
+                </a:r>
+                <a:endParaRPr lang="pt-BR" dirty="0"/>
               </a:p>
               <a:p>
                 <a:pPr lvl="1" algn="just">
@@ -11887,24 +12013,71 @@
                   <a:buChar char="§"/>
                 </a:pPr>
                 <a:r>
+                  <a:rPr lang="pt-BR" b="1" i="1" dirty="0"/>
+                  <a:t>Se as amostras estiveram </a:t>
+                </a:r>
+                <a:r>
                   <a:rPr lang="pt-BR" b="1" i="1" dirty="0" smtClean="0"/>
-                  <a:t>Computacionalmente mais rápido</a:t>
-                </a:r>
-                <a:r>
-                  <a:rPr lang="pt-BR" b="1" dirty="0" smtClean="0"/>
+                  <a:t>contaminadas </a:t>
+                </a:r>
+                <a:r>
+                  <a:rPr lang="pt-BR" b="1" i="1" dirty="0"/>
+                  <a:t>com ruído, </a:t>
+                </a:r>
+                <a:r>
+                  <a:rPr lang="pt-BR" b="1" i="1" dirty="0" smtClean="0"/>
+                  <a:t>a convergência </a:t>
+                </a:r>
+                <a:r>
+                  <a:rPr lang="pt-BR" b="1" i="1" dirty="0" smtClean="0"/>
+                  <a:t>não </a:t>
+                </a:r>
+                <a:r>
+                  <a:rPr lang="pt-BR" b="1" i="1" dirty="0"/>
+                  <a:t>é garantida</a:t>
+                </a:r>
+                <a:r>
+                  <a:rPr lang="pt-BR" i="1" dirty="0"/>
                   <a:t> </a:t>
                 </a:r>
                 <a:r>
+                  <a:rPr lang="pt-BR" dirty="0"/>
+                  <a:t>com um passo de aprendizagem fixo. </a:t>
+                </a:r>
+                <a:endParaRPr lang="pt-BR" dirty="0" smtClean="0"/>
+              </a:p>
+              <a:p>
+                <a:pPr lvl="2" algn="just">
+                  <a:buFont typeface="Wingdings" panose="05000000000000000000" pitchFamily="2" charset="2"/>
+                  <a:buChar char="ü"/>
+                </a:pPr>
+                <a:r>
                   <a:rPr lang="pt-BR" dirty="0" smtClean="0"/>
-                  <a:t>e </a:t>
-                </a:r>
-                <a:r>
-                  <a:rPr lang="pt-BR" b="1" i="1" dirty="0" smtClean="0"/>
-                  <a:t>menos custoso em termos de CPU e memória </a:t>
+                  <a:t>O </a:t>
+                </a:r>
+                <a:r>
+                  <a:rPr lang="pt-BR" dirty="0"/>
+                  <a:t>algoritmo pode </a:t>
+                </a:r>
+                <a:r>
+                  <a:rPr lang="pt-BR" b="1" i="1" dirty="0"/>
+                  <a:t>oscilar</a:t>
+                </a:r>
+                <a:r>
+                  <a:rPr lang="pt-BR" dirty="0"/>
+                  <a:t> em torno do mínimo </a:t>
+                </a:r>
+                <a:r>
+                  <a:rPr lang="pt-BR" b="1" i="1" dirty="0"/>
+                  <a:t>sem nunca convergir </a:t>
+                </a:r>
+                <a:r>
+                  <a:rPr lang="pt-BR" dirty="0"/>
+                  <a:t>para o </a:t>
                 </a:r>
                 <a:r>
                   <a:rPr lang="pt-BR" dirty="0" smtClean="0"/>
-                  <a:t>que o GD em batelada.</a:t>
+                  <a:t>valor ótimo. </a:t>
                 </a:r>
                 <a:endParaRPr lang="pt-BR" dirty="0"/>
               </a:p>
@@ -11914,49 +12087,6 @@
                   <a:buChar char="§"/>
                 </a:pPr>
                 <a:r>
-                  <a:rPr lang="pt-BR" b="1" i="1" dirty="0" smtClean="0"/>
-                  <a:t>Convergência não </a:t>
-                </a:r>
-                <a:r>
-                  <a:rPr lang="pt-BR" b="1" i="1" dirty="0"/>
-                  <a:t>é garantida</a:t>
-                </a:r>
-                <a:r>
-                  <a:rPr lang="pt-BR" i="1" dirty="0"/>
-                  <a:t> </a:t>
-                </a:r>
-                <a:r>
-                  <a:rPr lang="pt-BR" dirty="0"/>
-                  <a:t>com um passo de aprendizagem fixo. O algoritmo pode </a:t>
-                </a:r>
-                <a:r>
-                  <a:rPr lang="pt-BR" b="1" i="1" dirty="0"/>
-                  <a:t>oscilar</a:t>
-                </a:r>
-                <a:r>
-                  <a:rPr lang="pt-BR" dirty="0"/>
-                  <a:t> em torno do mínimo </a:t>
-                </a:r>
-                <a:r>
-                  <a:rPr lang="pt-BR" b="1" i="1" dirty="0"/>
-                  <a:t>sem nunca convergir </a:t>
-                </a:r>
-                <a:r>
-                  <a:rPr lang="pt-BR" dirty="0"/>
-                  <a:t>para o </a:t>
-                </a:r>
-                <a:r>
-                  <a:rPr lang="pt-BR" dirty="0" smtClean="0"/>
-                  <a:t>valor ótimo. </a:t>
-                </a:r>
-                <a:endParaRPr lang="pt-BR" dirty="0"/>
-              </a:p>
-              <a:p>
-                <a:pPr lvl="1" algn="just">
-                  <a:buFont typeface="Wingdings" panose="05000000000000000000" pitchFamily="2" charset="2"/>
-                  <a:buChar char="§"/>
-                </a:pPr>
-                <a:r>
                   <a:rPr lang="pt-BR" dirty="0"/>
                   <a:t>E</a:t>
                 </a:r>
@@ -11970,7 +12100,15 @@
                 </a:r>
                 <a:r>
                   <a:rPr lang="pt-BR" dirty="0" smtClean="0"/>
-                  <a:t>aprendizagem podem ajudar a garantir </a:t>
+                  <a:t>aprendizagem </a:t>
+                </a:r>
+                <a:r>
+                  <a:rPr lang="pt-BR" dirty="0" smtClean="0"/>
+                  <a:t>ajudam </a:t>
+                </a:r>
+                <a:r>
+                  <a:rPr lang="pt-BR" dirty="0" smtClean="0"/>
+                  <a:t>a garantir </a:t>
                 </a:r>
                 <a:r>
                   <a:rPr lang="pt-BR" dirty="0"/>
@@ -11984,7 +12122,7 @@
             </p:txBody>
           </p:sp>
         </mc:Choice>
-        <mc:Fallback xmlns="">
+        <mc:Fallback>
           <p:sp>
             <p:nvSpPr>
               <p:cNvPr id="3" name="Content Placeholder 2"/>
@@ -11997,13 +12135,13 @@
             </p:nvSpPr>
             <p:spPr>
               <a:xfrm>
-                <a:off x="838197" y="1252025"/>
-                <a:ext cx="11263187" cy="5605975"/>
+                <a:off x="838197" y="1123950"/>
+                <a:ext cx="11263187" cy="5734050"/>
               </a:xfrm>
               <a:blipFill rotWithShape="0">
                 <a:blip r:embed="rId3"/>
                 <a:stretch>
-                  <a:fillRect l="-812" t="-2174" r="-920"/>
+                  <a:fillRect l="-812" t="-2125" r="-920" b="-1488"/>
                 </a:stretch>
               </a:blipFill>
             </p:spPr>
@@ -12022,6 +12160,75 @@
           </p:sp>
         </mc:Fallback>
       </mc:AlternateContent>
+      <p:sp>
+        <p:nvSpPr>
+          <p:cNvPr id="4" name="CaixaDeTexto 3"/>
+          <p:cNvSpPr txBox="1"/>
+          <p:nvPr/>
+        </p:nvSpPr>
+        <p:spPr>
+          <a:xfrm>
+            <a:off x="5298215" y="2699653"/>
+            <a:ext cx="2026509" cy="430887"/>
+          </a:xfrm>
+          <a:prstGeom prst="rect">
+            <a:avLst/>
+          </a:prstGeom>
+          <a:noFill/>
+        </p:spPr>
+        <p:txBody>
+          <a:bodyPr wrap="square" rtlCol="0">
+            <a:spAutoFit/>
+          </a:bodyPr>
+          <a:lstStyle/>
+          <a:p>
+            <a:pPr algn="ctr"/>
+            <a:r>
+              <a:rPr lang="pt-BR" sz="1100" dirty="0" smtClean="0"/>
+              <a:t>As amostras da função observável podem conter ruído.</a:t>
+            </a:r>
+            <a:endParaRPr lang="pt-BR" sz="1100" dirty="0"/>
+          </a:p>
+        </p:txBody>
+      </p:sp>
+      <p:cxnSp>
+        <p:nvCxnSpPr>
+          <p:cNvPr id="9" name="Conector angulado 8"/>
+          <p:cNvCxnSpPr/>
+          <p:nvPr/>
+        </p:nvCxnSpPr>
+        <p:spPr>
+          <a:xfrm>
+            <a:off x="5000625" y="2663367"/>
+            <a:ext cx="423732" cy="215444"/>
+          </a:xfrm>
+          <a:prstGeom prst="bentConnector3">
+            <a:avLst>
+              <a:gd name="adj1" fmla="val -1702"/>
+            </a:avLst>
+          </a:prstGeom>
+          <a:ln>
+            <a:solidFill>
+              <a:srgbClr val="FF0000"/>
+            </a:solidFill>
+            <a:tailEnd type="triangle"/>
+          </a:ln>
+        </p:spPr>
+        <p:style>
+          <a:lnRef idx="1">
+            <a:schemeClr val="accent1"/>
+          </a:lnRef>
+          <a:fillRef idx="0">
+            <a:schemeClr val="accent1"/>
+          </a:fillRef>
+          <a:effectRef idx="0">
+            <a:schemeClr val="accent1"/>
+          </a:effectRef>
+          <a:fontRef idx="minor">
+            <a:schemeClr val="tx1"/>
+          </a:fontRef>
+        </p:style>
+      </p:cxnSp>
     </p:spTree>
     <p:extLst>
       <p:ext uri="{BB962C8B-B14F-4D97-AF65-F5344CB8AC3E}">
@@ -12101,8 +12308,8 @@
         </p:nvSpPr>
         <p:spPr>
           <a:xfrm>
-            <a:off x="7157828" y="6499015"/>
-            <a:ext cx="5020524" cy="338554"/>
+            <a:off x="7828514" y="6550223"/>
+            <a:ext cx="4579647" cy="307777"/>
           </a:xfrm>
           <a:prstGeom prst="rect">
             <a:avLst/>
@@ -12116,7 +12323,7 @@
           <a:lstStyle/>
           <a:p>
             <a:r>
-              <a:rPr lang="pt-BR" sz="1600" u="sng" dirty="0" smtClean="0">
+              <a:rPr lang="pt-BR" sz="1400" u="sng" dirty="0" smtClean="0">
                 <a:solidFill>
                   <a:srgbClr val="00B0F0"/>
                 </a:solidFill>
@@ -12124,7 +12331,7 @@
               </a:rPr>
               <a:t>Exemplo: stocastic_gradient_descent_with_figures.ipynb</a:t>
             </a:r>
-            <a:endParaRPr lang="pt-BR" sz="1600" u="sng" dirty="0">
+            <a:endParaRPr lang="pt-BR" sz="1400" u="sng" dirty="0">
               <a:solidFill>
                 <a:srgbClr val="00B0F0"/>
               </a:solidFill>
@@ -12219,8 +12426,8 @@
           </a:prstGeom>
         </p:spPr>
       </p:pic>
-      <mc:AlternateContent xmlns:mc="http://schemas.openxmlformats.org/markup-compatibility/2006" xmlns:a14="http://schemas.microsoft.com/office/drawing/2010/main">
-        <mc:Choice Requires="a14">
+      <mc:AlternateContent xmlns:mc="http://schemas.openxmlformats.org/markup-compatibility/2006">
+        <mc:Choice xmlns:a14="http://schemas.microsoft.com/office/drawing/2010/main" Requires="a14">
           <p:sp>
             <p:nvSpPr>
               <p:cNvPr id="12" name="Content Placeholder 2"/>
@@ -12233,8 +12440,8 @@
             </p:nvSpPr>
             <p:spPr>
               <a:xfrm>
-                <a:off x="838200" y="3842103"/>
-                <a:ext cx="11122742" cy="2807053"/>
+                <a:off x="838200" y="3905250"/>
+                <a:ext cx="11122742" cy="2705100"/>
               </a:xfrm>
             </p:spPr>
             <p:txBody>
@@ -12250,11 +12457,23 @@
                 </a:pPr>
                 <a:r>
                   <a:rPr lang="pt-BR" sz="2000" dirty="0"/>
-                  <a:t>Devido à sua natureza </a:t>
+                  <a:t>Por aproximar </a:t>
                 </a:r>
                 <a:r>
                   <a:rPr lang="pt-BR" sz="2000" dirty="0" smtClean="0"/>
-                  <a:t>aleatória, </a:t>
+                  <a:t>o vetor </a:t>
+                </a:r>
+                <a:r>
+                  <a:rPr lang="pt-BR" sz="2000" dirty="0"/>
+                  <a:t>gradiente com apenas um </a:t>
+                </a:r>
+                <a:r>
+                  <a:rPr lang="pt-BR" sz="2000" b="1" i="1" dirty="0" smtClean="0"/>
+                  <a:t>exemplo tomado de forma aleatória</a:t>
+                </a:r>
+                <a:r>
+                  <a:rPr lang="pt-BR" sz="2000" dirty="0" smtClean="0"/>
+                  <a:t>, </a:t>
                 </a:r>
                 <a:r>
                   <a:rPr lang="pt-BR" sz="2000" b="1" i="1" dirty="0"/>
@@ -12285,26 +12504,57 @@
                   </a:spcBef>
                 </a:pPr>
                 <a:r>
+                  <a:rPr lang="pt-BR" sz="2000" dirty="0" smtClean="0"/>
+                  <a:t>Se as </a:t>
+                </a:r>
+                <a:r>
+                  <a:rPr lang="pt-BR" sz="2000" b="1" i="1" dirty="0" smtClean="0"/>
+                  <a:t>amostras contiverem ruído</a:t>
+                </a:r>
+                <a:r>
+                  <a:rPr lang="pt-BR" sz="2000" dirty="0" smtClean="0"/>
+                  <a:t>, </a:t>
+                </a:r>
+                <a:r>
+                  <a:rPr lang="pt-BR" sz="2000" dirty="0" smtClean="0"/>
+                  <a:t>o </a:t>
+                </a:r>
+                <a:r>
                   <a:rPr lang="pt-BR" sz="2000" dirty="0"/>
-                  <a:t>Por aproximar o gradiente com apenas um exemplo, </a:t>
+                  <a:t>algoritmo </a:t>
+                </a:r>
+                <a:r>
+                  <a:rPr lang="pt-BR" sz="2000" b="1" i="1" dirty="0"/>
+                  <a:t>não converge </a:t>
+                </a:r>
+                <a:r>
+                  <a:rPr lang="pt-BR" sz="2000" b="1" i="1" dirty="0" smtClean="0"/>
+                  <a:t>para </a:t>
+                </a:r>
+                <a:r>
+                  <a:rPr lang="pt-BR" sz="2000" b="1" i="1" dirty="0"/>
+                  <a:t>o </a:t>
+                </a:r>
+                <a:r>
+                  <a:rPr lang="pt-BR" sz="2000" b="1" i="1" dirty="0" smtClean="0"/>
+                  <a:t>mínimo</a:t>
                 </a:r>
                 <a:r>
                   <a:rPr lang="pt-BR" sz="2000" dirty="0" smtClean="0"/>
-                  <a:t>as </a:t>
-                </a:r>
-                <a:r>
-                  <a:rPr lang="pt-BR" sz="2000" b="1" i="1" dirty="0"/>
-                  <a:t>derivadas parciais são </a:t>
-                </a:r>
-                <a:r>
-                  <a:rPr lang="pt-BR" sz="2000" b="1" i="1" dirty="0" smtClean="0"/>
-                  <a:t>“ruidosas”</a:t>
+                  <a:t>: “</a:t>
+                </a:r>
+                <a:r>
+                  <a:rPr lang="pt-BR" sz="2000" i="1" dirty="0" smtClean="0"/>
+                  <a:t>oscila</a:t>
                 </a:r>
                 <a:r>
                   <a:rPr lang="pt-BR" sz="2000" dirty="0" smtClean="0"/>
-                  <a:t>. </a:t>
-                </a:r>
-                <a:endParaRPr lang="pt-BR" sz="2000" dirty="0"/>
+                  <a:t>” </a:t>
+                </a:r>
+                <a:r>
+                  <a:rPr lang="pt-BR" sz="2000" dirty="0"/>
+                  <a:t>em torno dele.</a:t>
+                </a:r>
               </a:p>
               <a:p>
                 <a:pPr>
@@ -12314,27 +12564,31 @@
                 </a:pPr>
                 <a:r>
                   <a:rPr lang="pt-BR" sz="2000" dirty="0" smtClean="0"/>
-                  <a:t>Por serem ruidosas, o </a:t>
+                  <a:t>Nesse caso, quando </a:t>
                 </a:r>
                 <a:r>
                   <a:rPr lang="pt-BR" sz="2000" dirty="0"/>
-                  <a:t>algoritmo não converge suavemente para o </a:t>
-                </a:r>
-                <a:r>
-                  <a:rPr lang="pt-BR" sz="2000" dirty="0" smtClean="0"/>
-                  <a:t>mínimo: “</a:t>
-                </a:r>
-                <a:r>
-                  <a:rPr lang="pt-BR" sz="2000" i="1" dirty="0" smtClean="0"/>
-                  <a:t>oscila</a:t>
-                </a:r>
-                <a:r>
-                  <a:rPr lang="pt-BR" sz="2000" dirty="0" smtClean="0"/>
-                  <a:t>” </a:t>
+                  <a:t>o treinamento termina, </a:t>
+                </a:r>
+                <a:r>
+                  <a:rPr lang="pt-BR" sz="2000" b="1" i="1" dirty="0"/>
+                  <a:t>os valores finais dos pesos </a:t>
+                </a:r>
+                <a:r>
+                  <a:rPr lang="pt-BR" sz="2000" b="1" i="1" dirty="0" smtClean="0"/>
+                  <a:t>podem </a:t>
+                </a:r>
+                <a:r>
+                  <a:rPr lang="pt-BR" sz="2000" b="1" i="1" dirty="0" smtClean="0"/>
+                  <a:t>não ser </a:t>
+                </a:r>
+                <a:r>
+                  <a:rPr lang="pt-BR" sz="2000" b="1" i="1" dirty="0"/>
+                  <a:t>ótimos</a:t>
                 </a:r>
                 <a:r>
                   <a:rPr lang="pt-BR" sz="2000" dirty="0"/>
-                  <a:t>em torno dele.</a:t>
+                  <a:t>.</a:t>
                 </a:r>
               </a:p>
               <a:p>
@@ -12344,16 +12598,16 @@
                   </a:spcBef>
                 </a:pPr>
                 <a:r>
+                  <a:rPr lang="pt-BR" sz="2000" dirty="0" smtClean="0"/>
+                  <a:t>Além disso, a </a:t>
+                </a:r>
+                <a:r>
+                  <a:rPr lang="pt-BR" sz="2000" b="1" i="1" dirty="0"/>
+                  <a:t>convergência ocorre apenas na média</a:t>
+                </a:r>
+                <a:r>
                   <a:rPr lang="pt-BR" sz="2000" dirty="0"/>
-                  <a:t>Quando o treinamento termina, os valores finais dos pesos são bons, mas </a:t>
-                </a:r>
-                <a:r>
-                  <a:rPr lang="pt-BR" sz="2000" dirty="0" smtClean="0"/>
-                  <a:t>podem não ser </a:t>
-                </a:r>
-                <a:r>
-                  <a:rPr lang="pt-BR" sz="2000" dirty="0"/>
-                  <a:t>ótimos.</a:t>
+                  <a:t>.</a:t>
                 </a:r>
               </a:p>
               <a:p>
@@ -12363,23 +12617,32 @@
                   </a:spcBef>
                 </a:pPr>
                 <a:r>
-                  <a:rPr lang="pt-BR" sz="2000" dirty="0"/>
-                  <a:t>A convergência ocorre apenas na média.</a:t>
-                </a:r>
-              </a:p>
-              <a:p>
-                <a:pPr>
-                  <a:spcBef>
-                    <a:spcPts val="600"/>
-                  </a:spcBef>
-                </a:pPr>
-                <a:r>
-                  <a:rPr lang="pt-BR" sz="2000" dirty="0"/>
-                  <a:t>Tempo de treinamento é </a:t>
-                </a:r>
-                <a:r>
                   <a:rPr lang="pt-BR" sz="2000" dirty="0" smtClean="0"/>
-                  <a:t>menor: </a:t>
+                  <a:t>Entretanto, </a:t>
+                </a:r>
+                <a:r>
+                  <a:rPr lang="pt-BR" sz="2000" b="1" i="1" dirty="0" smtClean="0"/>
+                  <a:t>consome menos recursos computacionais </a:t>
+                </a:r>
+                <a:r>
+                  <a:rPr lang="pt-BR" sz="2000" dirty="0" smtClean="0"/>
+                  <a:t>e o </a:t>
+                </a:r>
+                <a:r>
+                  <a:rPr lang="pt-BR" sz="2000" b="1" i="1" dirty="0" smtClean="0"/>
+                  <a:t>tempo </a:t>
+                </a:r>
+                <a:r>
+                  <a:rPr lang="pt-BR" sz="2000" b="1" i="1" dirty="0"/>
+                  <a:t>de treinamento é </a:t>
+                </a:r>
+                <a:r>
+                  <a:rPr lang="pt-BR" sz="2000" b="1" i="1" dirty="0" smtClean="0"/>
+                  <a:t>menor</a:t>
+                </a:r>
+                <a:r>
+                  <a:rPr lang="pt-BR" sz="2000" dirty="0" smtClean="0"/>
+                  <a:t>: </a:t>
                 </a:r>
                 <a:r>
                   <a:rPr lang="pt-BR" sz="2000" dirty="0"/>
@@ -12428,7 +12691,7 @@
             </p:txBody>
           </p:sp>
         </mc:Choice>
-        <mc:Fallback xmlns="">
+        <mc:Fallback>
           <p:sp>
             <p:nvSpPr>
               <p:cNvPr id="12" name="Content Placeholder 2"/>
@@ -12441,13 +12704,13 @@
             </p:nvSpPr>
             <p:spPr>
               <a:xfrm>
-                <a:off x="838200" y="3842103"/>
-                <a:ext cx="11122742" cy="2807053"/>
+                <a:off x="838200" y="3905250"/>
+                <a:ext cx="11122742" cy="2705100"/>
               </a:xfrm>
               <a:blipFill rotWithShape="0">
                 <a:blip r:embed="rId7"/>
                 <a:stretch>
-                  <a:fillRect l="-493" t="-2169" b="-1518"/>
+                  <a:fillRect l="-493" t="-2483" r="-439" b="-2935"/>
                 </a:stretch>
               </a:blipFill>
             </p:spPr>
@@ -12538,8 +12801,8 @@
           </a:p>
         </p:txBody>
       </p:sp>
-      <mc:AlternateContent xmlns:mc="http://schemas.openxmlformats.org/markup-compatibility/2006" xmlns:a14="http://schemas.microsoft.com/office/drawing/2010/main">
-        <mc:Choice Requires="a14">
+      <mc:AlternateContent xmlns:mc="http://schemas.openxmlformats.org/markup-compatibility/2006">
+        <mc:Choice xmlns:a14="http://schemas.microsoft.com/office/drawing/2010/main" Requires="a14">
           <p:sp>
             <p:nvSpPr>
               <p:cNvPr id="3" name="Content Placeholder 2"/>
@@ -13026,8 +13289,12 @@
                   <a:buChar char="§"/>
                 </a:pPr>
                 <a:r>
+                  <a:rPr lang="pt-BR" dirty="0" smtClean="0"/>
+                  <a:t>Em caso de amostras ruidosas, a convergência </a:t>
+                </a:r>
+                <a:r>
                   <a:rPr lang="pt-BR" dirty="0"/>
-                  <a:t>Convergência depende do tamanho do mini-batch.</a:t>
+                  <a:t>depende do tamanho do mini-batch.</a:t>
                 </a:r>
               </a:p>
               <a:p>
@@ -13056,7 +13323,7 @@
             </p:txBody>
           </p:sp>
         </mc:Choice>
-        <mc:Fallback xmlns="">
+        <mc:Fallback>
           <p:sp>
             <p:nvSpPr>
               <p:cNvPr id="3" name="Content Placeholder 2"/>
@@ -13334,8 +13601,8 @@
         </p:nvSpPr>
         <p:spPr>
           <a:xfrm>
-            <a:off x="5876884" y="5902002"/>
-            <a:ext cx="6226628" cy="369332"/>
+            <a:off x="7686634" y="6550223"/>
+            <a:ext cx="4505366" cy="307777"/>
           </a:xfrm>
           <a:prstGeom prst="rect">
             <a:avLst/>
@@ -13349,18 +13616,18 @@
           <a:lstStyle/>
           <a:p>
             <a:r>
-              <a:rPr lang="pt-BR" dirty="0" smtClean="0">
+              <a:rPr lang="pt-BR" sz="1400" dirty="0" smtClean="0">
                 <a:hlinkClick r:id="rId3"/>
               </a:rPr>
               <a:t>Exemplo: </a:t>
             </a:r>
             <a:r>
-              <a:rPr lang="pt-BR" dirty="0">
+              <a:rPr lang="pt-BR" sz="1400" dirty="0">
                 <a:hlinkClick r:id="rId3"/>
               </a:rPr>
               <a:t>mini_batch_gradient_descent_with_figures.ipynb</a:t>
             </a:r>
-            <a:endParaRPr lang="pt-BR" dirty="0"/>
+            <a:endParaRPr lang="pt-BR" sz="1400" dirty="0"/>
           </a:p>
         </p:txBody>
       </p:sp>
@@ -14036,7 +14303,7 @@
           <p:cNvPr id="4" name="Título 1">
             <a:extLst>
               <a:ext uri="{FF2B5EF4-FFF2-40B4-BE49-F238E27FC236}">
-                <a16:creationId xmlns="" xmlns:a16="http://schemas.microsoft.com/office/drawing/2014/main" id="{32666AC8-2E17-4DB4-B0F5-60C640CCFD2E}"/>
+                <a16:creationId xmlns:a16="http://schemas.microsoft.com/office/drawing/2014/main" xmlns="" id="{32666AC8-2E17-4DB4-B0F5-60C640CCFD2E}"/>
               </a:ext>
             </a:extLst>
           </p:cNvPr>
@@ -16657,8 +16924,8 @@
           </a:p>
         </p:txBody>
       </p:sp>
-      <mc:AlternateContent xmlns:mc="http://schemas.openxmlformats.org/markup-compatibility/2006">
-        <mc:Choice xmlns:a14="http://schemas.microsoft.com/office/drawing/2010/main" Requires="a14">
+      <mc:AlternateContent xmlns:mc="http://schemas.openxmlformats.org/markup-compatibility/2006" xmlns:a14="http://schemas.microsoft.com/office/drawing/2010/main">
+        <mc:Choice Requires="a14">
           <p:sp>
             <p:nvSpPr>
               <p:cNvPr id="3" name="Content Placeholder 2"/>
@@ -17804,7 +18071,6 @@
                   <a:rPr lang="pt-BR" dirty="0" smtClean="0"/>
                   <a:t>(pode ser interpretado como a inclinação de uma a reta tangente ao ponto).</a:t>
                 </a:r>
-                <a:endParaRPr lang="pt-BR" dirty="0" smtClean="0"/>
               </a:p>
               <a:p>
                 <a:r>
@@ -17860,7 +18126,7 @@
             </p:txBody>
           </p:sp>
         </mc:Choice>
-        <mc:Fallback>
+        <mc:Fallback xmlns="">
           <p:sp>
             <p:nvSpPr>
               <p:cNvPr id="3" name="Content Placeholder 2"/>
@@ -21530,8 +21796,8 @@
           </a:p>
         </p:txBody>
       </p:sp>
-      <mc:AlternateContent xmlns:mc="http://schemas.openxmlformats.org/markup-compatibility/2006" xmlns:a14="http://schemas.microsoft.com/office/drawing/2010/main">
-        <mc:Choice Requires="a14">
+      <mc:AlternateContent xmlns:mc="http://schemas.openxmlformats.org/markup-compatibility/2006">
+        <mc:Choice xmlns:a14="http://schemas.microsoft.com/office/drawing/2010/main" Requires="a14">
           <p:sp>
             <p:nvSpPr>
               <p:cNvPr id="3" name="Content Placeholder 2"/>
@@ -21750,7 +22016,15 @@
                 </a:r>
                 <a:r>
                   <a:rPr lang="pt-BR" b="1" i="1" dirty="0" smtClean="0"/>
-                  <a:t>erro, </a:t>
+                  <a:t>erro</a:t>
+                </a:r>
+                <a:r>
+                  <a:rPr lang="pt-BR" dirty="0" smtClean="0"/>
+                  <a:t>,</a:t>
+                </a:r>
+                <a:r>
+                  <a:rPr lang="pt-BR" b="1" i="1" dirty="0" smtClean="0"/>
+                  <a:t> </a:t>
                 </a:r>
                 <a:r>
                   <a:rPr lang="pt-BR" dirty="0" smtClean="0"/>
@@ -21791,7 +22065,7 @@
             </p:txBody>
           </p:sp>
         </mc:Choice>
-        <mc:Fallback xmlns="">
+        <mc:Fallback>
           <p:sp>
             <p:nvSpPr>
               <p:cNvPr id="3" name="Content Placeholder 2"/>
@@ -21819,7 +22093,7 @@
               <a:lstStyle/>
               <a:p>
                 <a:r>
-                  <a:rPr lang="en-US">
+                  <a:rPr lang="pt-BR">
                     <a:noFill/>
                   </a:rPr>
                   <a:t> </a:t>
@@ -21979,18 +22253,28 @@
           </a:xfrm>
         </p:spPr>
         <p:txBody>
-          <a:bodyPr/>
+          <a:bodyPr>
+            <a:normAutofit/>
+          </a:bodyPr>
           <a:lstStyle/>
           <a:p>
             <a:r>
               <a:rPr lang="pt-BR" dirty="0"/>
-              <a:t>O Algoritmo do Gradiente do Descendente (GD)</a:t>
+              <a:t>O </a:t>
+            </a:r>
+            <a:r>
+              <a:rPr lang="pt-BR" dirty="0" smtClean="0"/>
+              <a:t>Algoritmo do </a:t>
+            </a:r>
+            <a:r>
+              <a:rPr lang="pt-BR" dirty="0"/>
+              <a:t>Gradiente do Descendente (GD)</a:t>
             </a:r>
           </a:p>
         </p:txBody>
       </p:sp>
-      <mc:AlternateContent xmlns:mc="http://schemas.openxmlformats.org/markup-compatibility/2006" xmlns:a14="http://schemas.microsoft.com/office/drawing/2010/main">
-        <mc:Choice Requires="a14">
+      <mc:AlternateContent xmlns:mc="http://schemas.openxmlformats.org/markup-compatibility/2006">
+        <mc:Choice xmlns:a14="http://schemas.microsoft.com/office/drawing/2010/main" Requires="a14">
           <p:sp>
             <p:nvSpPr>
               <p:cNvPr id="4" name="Rectangle 3"/>
@@ -22397,7 +22681,11 @@
                   <a:t>(</a:t>
                 </a:r>
                 <a:r>
-                  <a:rPr lang="nl-BE" sz="1600" i="1" dirty="0" smtClean="0"/>
+                  <a:rPr lang="nl-BE" sz="1600" b="1" i="1" dirty="0" smtClean="0">
+                    <a:solidFill>
+                      <a:srgbClr val="00B0F0"/>
+                    </a:solidFill>
+                  </a:rPr>
                   <a:t>regra de atualização dos pesos</a:t>
                 </a:r>
                 <a:r>
@@ -22409,7 +22697,7 @@
             </p:txBody>
           </p:sp>
         </mc:Choice>
-        <mc:Fallback xmlns="">
+        <mc:Fallback>
           <p:sp>
             <p:nvSpPr>
               <p:cNvPr id="4" name="Rectangle 3"/>
@@ -22443,7 +22731,7 @@
               <a:lstStyle/>
               <a:p>
                 <a:r>
-                  <a:rPr lang="en-US">
+                  <a:rPr lang="pt-BR">
                     <a:noFill/>
                   </a:rPr>
                   <a:t> </a:t>
@@ -22453,8 +22741,8 @@
           </p:sp>
         </mc:Fallback>
       </mc:AlternateContent>
-      <mc:AlternateContent xmlns:mc="http://schemas.openxmlformats.org/markup-compatibility/2006" xmlns:a14="http://schemas.microsoft.com/office/drawing/2010/main">
-        <mc:Choice Requires="a14">
+      <mc:AlternateContent xmlns:mc="http://schemas.openxmlformats.org/markup-compatibility/2006">
+        <mc:Choice xmlns:a14="http://schemas.microsoft.com/office/drawing/2010/main" Requires="a14">
           <p:sp>
             <p:nvSpPr>
               <p:cNvPr id="7" name="Content Placeholder 2"/>
@@ -22923,7 +23211,15 @@
                 </a:r>
                 <a:r>
                   <a:rPr lang="pt-BR" dirty="0" smtClean="0"/>
-                  <a:t>deslocamentos dados </a:t>
+                  <a:t>passos (i.e., </a:t>
+                </a:r>
+                <a:r>
+                  <a:rPr lang="pt-BR" dirty="0" smtClean="0"/>
+                  <a:t>deslocamentos) </a:t>
+                </a:r>
+                <a:r>
+                  <a:rPr lang="pt-BR" dirty="0" smtClean="0"/>
+                  <a:t>dados </a:t>
                 </a:r>
                 <a:r>
                   <a:rPr lang="pt-BR" dirty="0"/>
@@ -23010,7 +23306,7 @@
             </p:txBody>
           </p:sp>
         </mc:Choice>
-        <mc:Fallback xmlns="">
+        <mc:Fallback>
           <p:sp>
             <p:nvSpPr>
               <p:cNvPr id="7" name="Content Placeholder 2"/>
@@ -23028,7 +23324,7 @@
                 <a:avLst/>
               </a:prstGeom>
               <a:blipFill rotWithShape="0">
-                <a:blip r:embed="rId7"/>
+                <a:blip r:embed="rId4"/>
                 <a:stretch>
                   <a:fillRect l="-655" t="-2689" b="-4156"/>
                 </a:stretch>
@@ -23058,7 +23354,7 @@
           <p:nvPr/>
         </p:nvPicPr>
         <p:blipFill rotWithShape="1">
-          <a:blip r:embed="rId8">
+          <a:blip r:embed="rId5">
             <a:extLst>
               <a:ext uri="{28A0092B-C50C-407E-A947-70E740481C1C}">
                 <a14:useLocalDpi xmlns:a14="http://schemas.microsoft.com/office/drawing/2010/main" val="0"/>
@@ -23078,8 +23374,8 @@
           </a:prstGeom>
         </p:spPr>
       </p:pic>
-      <mc:AlternateContent xmlns:mc="http://schemas.openxmlformats.org/markup-compatibility/2006" xmlns:a14="http://schemas.microsoft.com/office/drawing/2010/main">
-        <mc:Choice Requires="a14">
+      <mc:AlternateContent xmlns:mc="http://schemas.openxmlformats.org/markup-compatibility/2006">
+        <mc:Choice xmlns:a14="http://schemas.microsoft.com/office/drawing/2010/main" Requires="a14">
           <p:sp>
             <p:nvSpPr>
               <p:cNvPr id="3" name="Content Placeholder 2"/>
@@ -23104,7 +23400,15 @@
               <a:p>
                 <a:r>
                   <a:rPr lang="pt-BR" dirty="0"/>
-                  <a:t>O algoritmo inicializa os pesos, </a:t>
+                  <a:t>O </a:t>
+                </a:r>
+                <a:r>
+                  <a:rPr lang="pt-BR" dirty="0" smtClean="0"/>
+                  <a:t>algoritmo inicializa </a:t>
+                </a:r>
+                <a:r>
+                  <a:rPr lang="pt-BR" dirty="0"/>
+                  <a:t>os pesos, </a:t>
                 </a:r>
                 <a14:m>
                   <m:oMath xmlns:m="http://schemas.openxmlformats.org/officeDocument/2006/math">
@@ -23118,7 +23422,19 @@
                 </a14:m>
                 <a:r>
                   <a:rPr lang="pt-BR" dirty="0"/>
-                  <a:t>, em um ponto aleatório do </a:t>
+                  <a:t>, em um </a:t>
+                </a:r>
+                <a:r>
+                  <a:rPr lang="pt-BR" b="1" i="1" dirty="0">
+                    <a:solidFill>
+                      <a:srgbClr val="00B050"/>
+                    </a:solidFill>
+                  </a:rPr>
+                  <a:t>ponto aleatório </a:t>
+                </a:r>
+                <a:r>
+                  <a:rPr lang="pt-BR" dirty="0"/>
+                  <a:t>do </a:t>
                 </a:r>
                 <a:r>
                   <a:rPr lang="pt-BR" b="1" i="1" dirty="0"/>
@@ -23169,7 +23485,7 @@
             </p:txBody>
           </p:sp>
         </mc:Choice>
-        <mc:Fallback xmlns="">
+        <mc:Fallback>
           <p:sp>
             <p:nvSpPr>
               <p:cNvPr id="3" name="Content Placeholder 2"/>
@@ -23186,9 +23502,9 @@
                 <a:ext cx="11165115" cy="945164"/>
               </a:xfrm>
               <a:blipFill rotWithShape="0">
-                <a:blip r:embed="rId9"/>
+                <a:blip r:embed="rId6"/>
                 <a:stretch>
-                  <a:fillRect l="-600" t="-13548" r="-873"/>
+                  <a:fillRect l="-600" t="-13548"/>
                 </a:stretch>
               </a:blipFill>
             </p:spPr>
